--- a/What is Node.pptx
+++ b/What is Node.pptx
@@ -15,6 +15,11 @@
     <p:sldId id="263" r:id="rId9"/>
     <p:sldId id="264" r:id="rId10"/>
     <p:sldId id="265" r:id="rId11"/>
+    <p:sldId id="266" r:id="rId12"/>
+    <p:sldId id="267" r:id="rId13"/>
+    <p:sldId id="268" r:id="rId14"/>
+    <p:sldId id="269" r:id="rId15"/>
+    <p:sldId id="270" r:id="rId16"/>
   </p:sldIdLst>
   <p:sldSz cx="12192000" cy="6858000"/>
   <p:notesSz cx="6858000" cy="9144000"/>
@@ -121,6 +126,147 @@
 </p:presentation>
 </file>
 
+<file path=ppt/ink/ink1.xml><?xml version="1.0" encoding="utf-8"?>
+<inkml:ink xmlns:inkml="http://www.w3.org/2003/InkML">
+  <inkml:definitions>
+    <inkml:context xml:id="ctx0">
+      <inkml:inkSource xml:id="inkSrc0">
+        <inkml:traceFormat>
+          <inkml:channel name="X" type="integer" min="-2.14748E9" max="2.14748E9" units="cm"/>
+          <inkml:channel name="Y" type="integer" min="-2.14748E9" max="2.14748E9" units="cm"/>
+          <inkml:channel name="F" type="integer" max="32767" units="dev"/>
+        </inkml:traceFormat>
+        <inkml:channelProperties>
+          <inkml:channelProperty channel="X" name="resolution" value="1000" units="1/cm"/>
+          <inkml:channelProperty channel="Y" name="resolution" value="1000" units="1/cm"/>
+          <inkml:channelProperty channel="F" name="resolution" value="0" units="1/dev"/>
+        </inkml:channelProperties>
+      </inkml:inkSource>
+      <inkml:timestamp xml:id="ts0" timeString="2022-11-08T14:28:51.638"/>
+    </inkml:context>
+    <inkml:brush xml:id="br0">
+      <inkml:brushProperty name="width" value="0.05" units="cm"/>
+      <inkml:brushProperty name="height" value="0.05" units="cm"/>
+      <inkml:brushProperty name="color" value="#E71224"/>
+    </inkml:brush>
+  </inkml:definitions>
+  <inkml:trace contextRef="#ctx0" brushRef="#br0">2912 224 24575,'1616'0'0,"-1585"0"0,1 2 0,-1 0 0,0 2 0,-1 2 0,1 0 0,-1 2 0,0 2 0,-1 0 0,0 2 0,-1 1 0,0 2 0,-1 0 0,39 30 0,-8 6 0,-2 1 0,80 98 0,-102-106 0,-2 1 0,34 64 0,-39-63 0,-10-14 0,-1 1 0,-2 0 0,-1 1 0,-2 1 0,-2 0 0,0 0 0,-3 0 0,3 41 0,-3 44 0,-10 131 0,0-110 0,3-103 0,1 16 0,-2 0 0,-18 99 0,17-137 0,-2 1 0,0-1 0,-1 0 0,0 0 0,-2-1 0,0 0 0,0 0 0,-1 0 0,-1-1 0,-1-1 0,0 0 0,0 0 0,-18 14 0,13-15 0,0 0 0,-1-1 0,0-1 0,-1 0 0,0-2 0,-37 13 0,-2-5 0,-59 8 0,-23 5 0,43-5 0,-1-4 0,-1-4 0,-179 4 0,165-20 0,40-1 0,0 3 0,-101 15 0,140-11 0,-135 26 0,-277 17 0,-129-48 0,289-4 0,230 0 0,1-3 0,-1-2 0,-85-25 0,80 18 0,-38-5 0,49 12 0,-66-23 0,49 9 0,-1 3 0,-1 3 0,0 3 0,-109-7 0,86 10 0,1-4 0,1-4 0,-89-29 0,131 32 0,1-2 0,1-3 0,-65-37 0,-117-90 0,187 118 0,1-1 0,1-1 0,1-3 0,2-1 0,-52-68 0,75 84 0,0-1 0,2 0 0,0-1 0,1 0 0,1-1 0,2 0 0,0 0 0,-5-34 0,4-11 0,1-108 0,6 148 0,1 0 0,1-1 0,2 1 0,0 0 0,2 0 0,1 1 0,1 0 0,1 0 0,1 1 0,2 0 0,0 0 0,2 1 0,0 1 0,24-28 0,32-26 0,3 2 0,3 4 0,4 3 0,135-88 0,-21 8 0,21-14 0,-187 145 0,1 0 0,1 2 0,0 1 0,0 2 0,1 0 0,36-7 0,-18 11 0,0 1 0,0 3 0,1 1 0,-1 3 0,1 2 0,-1 2 0,0 3 0,90 23 0,166 26 0,-181-37 0,-111-18-151,0 2-1,0-1 0,-1 2 0,1 0 1,0 0-1,-1 1 0,0 0 1,21 14-1,-11 4-6674</inkml:trace>
+</inkml:ink>
+</file>
+
+<file path=ppt/ink/ink2.xml><?xml version="1.0" encoding="utf-8"?>
+<inkml:ink xmlns:inkml="http://www.w3.org/2003/InkML">
+  <inkml:definitions>
+    <inkml:context xml:id="ctx0">
+      <inkml:inkSource xml:id="inkSrc0">
+        <inkml:traceFormat>
+          <inkml:channel name="X" type="integer" min="-2.14748E9" max="2.14748E9" units="cm"/>
+          <inkml:channel name="Y" type="integer" min="-2.14748E9" max="2.14748E9" units="cm"/>
+          <inkml:channel name="F" type="integer" max="32767" units="dev"/>
+        </inkml:traceFormat>
+        <inkml:channelProperties>
+          <inkml:channelProperty channel="X" name="resolution" value="1000" units="1/cm"/>
+          <inkml:channelProperty channel="Y" name="resolution" value="1000" units="1/cm"/>
+          <inkml:channelProperty channel="F" name="resolution" value="0" units="1/dev"/>
+        </inkml:channelProperties>
+      </inkml:inkSource>
+      <inkml:timestamp xml:id="ts0" timeString="2022-11-08T14:28:53.998"/>
+    </inkml:context>
+    <inkml:brush xml:id="br0">
+      <inkml:brushProperty name="width" value="0.05" units="cm"/>
+      <inkml:brushProperty name="height" value="0.05" units="cm"/>
+      <inkml:brushProperty name="color" value="#E71224"/>
+    </inkml:brush>
+  </inkml:definitions>
+  <inkml:trace contextRef="#ctx0" brushRef="#br0">289 3 24575,'77'-1'0,"-2"0"0,94 10 0,-144-5 0,0 0 0,0 2 0,-1 0 0,1 2 0,-2 1 0,1 0 0,36 22 0,-52-26 0,14 8 0,-2 0 0,24 20 0,-40-29 0,0-1 0,0 1 0,0 0 0,0 0 0,-1 0 0,0 1 0,0-1 0,0 1 0,0 0 0,-1 0 0,1 0 0,-1 0 0,-1 0 0,1 0 0,1 11 0,-3-13 0,0 0 0,-1 0 0,1 0 0,-1 0 0,0 0 0,0-1 0,0 1 0,0 0 0,0 0 0,-1-1 0,1 1 0,-1-1 0,1 1 0,-1-1 0,0 1 0,0-1 0,0 0 0,-1 0 0,1 0 0,-5 3 0,-7 4 0,-1 0 0,-25 11 0,18-9 0,-104 43 0,20-10 0,-84 27 0,146-58 0,0 1 0,2 3 0,0 2 0,-65 39 0,84-42-341,0 1 0,2 0-1,-28 29 1,8 5-6485</inkml:trace>
+</inkml:ink>
+</file>
+
+<file path=ppt/ink/ink3.xml><?xml version="1.0" encoding="utf-8"?>
+<inkml:ink xmlns:inkml="http://www.w3.org/2003/InkML">
+  <inkml:definitions>
+    <inkml:context xml:id="ctx0">
+      <inkml:inkSource xml:id="inkSrc0">
+        <inkml:traceFormat>
+          <inkml:channel name="X" type="integer" min="-2.14748E9" max="2.14748E9" units="cm"/>
+          <inkml:channel name="Y" type="integer" min="-2.14748E9" max="2.14748E9" units="cm"/>
+          <inkml:channel name="F" type="integer" max="32767" units="dev"/>
+        </inkml:traceFormat>
+        <inkml:channelProperties>
+          <inkml:channelProperty channel="X" name="resolution" value="1000" units="1/cm"/>
+          <inkml:channelProperty channel="Y" name="resolution" value="1000" units="1/cm"/>
+          <inkml:channelProperty channel="F" name="resolution" value="0" units="1/dev"/>
+        </inkml:channelProperties>
+      </inkml:inkSource>
+      <inkml:timestamp xml:id="ts0" timeString="2022-11-08T14:29:11.014"/>
+    </inkml:context>
+    <inkml:brush xml:id="br0">
+      <inkml:brushProperty name="width" value="0.05" units="cm"/>
+      <inkml:brushProperty name="height" value="0.05" units="cm"/>
+      <inkml:brushProperty name="color" value="#E71224"/>
+    </inkml:brush>
+  </inkml:definitions>
+  <inkml:trace contextRef="#ctx0" brushRef="#br0">1 0 24575,'0'0'-8191</inkml:trace>
+</inkml:ink>
+</file>
+
+<file path=ppt/ink/ink4.xml><?xml version="1.0" encoding="utf-8"?>
+<inkml:ink xmlns:inkml="http://www.w3.org/2003/InkML">
+  <inkml:definitions>
+    <inkml:context xml:id="ctx0">
+      <inkml:inkSource xml:id="inkSrc0">
+        <inkml:traceFormat>
+          <inkml:channel name="X" type="integer" min="-2.14748E9" max="2.14748E9" units="cm"/>
+          <inkml:channel name="Y" type="integer" min="-2.14748E9" max="2.14748E9" units="cm"/>
+          <inkml:channel name="F" type="integer" max="32767" units="dev"/>
+        </inkml:traceFormat>
+        <inkml:channelProperties>
+          <inkml:channelProperty channel="X" name="resolution" value="1000" units="1/cm"/>
+          <inkml:channelProperty channel="Y" name="resolution" value="1000" units="1/cm"/>
+          <inkml:channelProperty channel="F" name="resolution" value="0" units="1/dev"/>
+        </inkml:channelProperties>
+      </inkml:inkSource>
+      <inkml:timestamp xml:id="ts0" timeString="2022-11-08T14:29:11.678"/>
+    </inkml:context>
+    <inkml:brush xml:id="br0">
+      <inkml:brushProperty name="width" value="0.05" units="cm"/>
+      <inkml:brushProperty name="height" value="0.05" units="cm"/>
+      <inkml:brushProperty name="color" value="#E71224"/>
+    </inkml:brush>
+  </inkml:definitions>
+  <inkml:trace contextRef="#ctx0" brushRef="#br0">0 1 24575,'0'0'-8191</inkml:trace>
+</inkml:ink>
+</file>
+
+<file path=ppt/ink/ink5.xml><?xml version="1.0" encoding="utf-8"?>
+<inkml:ink xmlns:inkml="http://www.w3.org/2003/InkML">
+  <inkml:definitions>
+    <inkml:context xml:id="ctx0">
+      <inkml:inkSource xml:id="inkSrc0">
+        <inkml:traceFormat>
+          <inkml:channel name="X" type="integer" min="-2.14748E9" max="2.14748E9" units="cm"/>
+          <inkml:channel name="Y" type="integer" min="-2.14748E9" max="2.14748E9" units="cm"/>
+        </inkml:traceFormat>
+        <inkml:channelProperties>
+          <inkml:channelProperty channel="X" name="resolution" value="1000" units="1/cm"/>
+          <inkml:channelProperty channel="Y" name="resolution" value="1000" units="1/cm"/>
+        </inkml:channelProperties>
+      </inkml:inkSource>
+      <inkml:timestamp xml:id="ts0" timeString="2022-11-08T14:29:27.878"/>
+    </inkml:context>
+    <inkml:brush xml:id="br0">
+      <inkml:brushProperty name="width" value="0.3" units="cm"/>
+      <inkml:brushProperty name="height" value="0.6" units="cm"/>
+      <inkml:brushProperty name="color" value="#FFFC00"/>
+      <inkml:brushProperty name="tip" value="rectangle"/>
+      <inkml:brushProperty name="rasterOp" value="maskPen"/>
+      <inkml:brushProperty name="ignorePressure" value="1"/>
+    </inkml:brush>
+  </inkml:definitions>
+  <inkml:trace contextRef="#ctx0" brushRef="#br0">0 1,'0'0</inkml:trace>
+</inkml:ink>
+</file>
+
 <file path=ppt/slideLayouts/slideLayout1.xml><?xml version="1.0" encoding="utf-8"?>
 <p:sldLayout xmlns:a="http://schemas.openxmlformats.org/drawingml/2006/main" xmlns:r="http://schemas.openxmlformats.org/officeDocument/2006/relationships" xmlns:p="http://schemas.openxmlformats.org/presentationml/2006/main" type="title" preserve="1">
   <p:cSld name="Title Slide">
@@ -268,7 +414,7 @@
           <a:p>
             <a:fld id="{C452295A-2B17-4FE0-84DB-F0699F4DDF23}" type="datetimeFigureOut">
               <a:rPr lang="en-US" smtClean="0"/>
-              <a:t>11/2/2022</a:t>
+              <a:t>11/8/2022</a:t>
             </a:fld>
             <a:endParaRPr lang="en-US"/>
           </a:p>
@@ -466,7 +612,7 @@
           <a:p>
             <a:fld id="{C452295A-2B17-4FE0-84DB-F0699F4DDF23}" type="datetimeFigureOut">
               <a:rPr lang="en-US" smtClean="0"/>
-              <a:t>11/2/2022</a:t>
+              <a:t>11/8/2022</a:t>
             </a:fld>
             <a:endParaRPr lang="en-US"/>
           </a:p>
@@ -674,7 +820,7 @@
           <a:p>
             <a:fld id="{C452295A-2B17-4FE0-84DB-F0699F4DDF23}" type="datetimeFigureOut">
               <a:rPr lang="en-US" smtClean="0"/>
-              <a:t>11/2/2022</a:t>
+              <a:t>11/8/2022</a:t>
             </a:fld>
             <a:endParaRPr lang="en-US"/>
           </a:p>
@@ -872,7 +1018,7 @@
           <a:p>
             <a:fld id="{C452295A-2B17-4FE0-84DB-F0699F4DDF23}" type="datetimeFigureOut">
               <a:rPr lang="en-US" smtClean="0"/>
-              <a:t>11/2/2022</a:t>
+              <a:t>11/8/2022</a:t>
             </a:fld>
             <a:endParaRPr lang="en-US"/>
           </a:p>
@@ -1147,7 +1293,7 @@
           <a:p>
             <a:fld id="{C452295A-2B17-4FE0-84DB-F0699F4DDF23}" type="datetimeFigureOut">
               <a:rPr lang="en-US" smtClean="0"/>
-              <a:t>11/2/2022</a:t>
+              <a:t>11/8/2022</a:t>
             </a:fld>
             <a:endParaRPr lang="en-US"/>
           </a:p>
@@ -1412,7 +1558,7 @@
           <a:p>
             <a:fld id="{C452295A-2B17-4FE0-84DB-F0699F4DDF23}" type="datetimeFigureOut">
               <a:rPr lang="en-US" smtClean="0"/>
-              <a:t>11/2/2022</a:t>
+              <a:t>11/8/2022</a:t>
             </a:fld>
             <a:endParaRPr lang="en-US"/>
           </a:p>
@@ -1824,7 +1970,7 @@
           <a:p>
             <a:fld id="{C452295A-2B17-4FE0-84DB-F0699F4DDF23}" type="datetimeFigureOut">
               <a:rPr lang="en-US" smtClean="0"/>
-              <a:t>11/2/2022</a:t>
+              <a:t>11/8/2022</a:t>
             </a:fld>
             <a:endParaRPr lang="en-US"/>
           </a:p>
@@ -1965,7 +2111,7 @@
           <a:p>
             <a:fld id="{C452295A-2B17-4FE0-84DB-F0699F4DDF23}" type="datetimeFigureOut">
               <a:rPr lang="en-US" smtClean="0"/>
-              <a:t>11/2/2022</a:t>
+              <a:t>11/8/2022</a:t>
             </a:fld>
             <a:endParaRPr lang="en-US"/>
           </a:p>
@@ -2078,7 +2224,7 @@
           <a:p>
             <a:fld id="{C452295A-2B17-4FE0-84DB-F0699F4DDF23}" type="datetimeFigureOut">
               <a:rPr lang="en-US" smtClean="0"/>
-              <a:t>11/2/2022</a:t>
+              <a:t>11/8/2022</a:t>
             </a:fld>
             <a:endParaRPr lang="en-US"/>
           </a:p>
@@ -2389,7 +2535,7 @@
           <a:p>
             <a:fld id="{C452295A-2B17-4FE0-84DB-F0699F4DDF23}" type="datetimeFigureOut">
               <a:rPr lang="en-US" smtClean="0"/>
-              <a:t>11/2/2022</a:t>
+              <a:t>11/8/2022</a:t>
             </a:fld>
             <a:endParaRPr lang="en-US"/>
           </a:p>
@@ -2677,7 +2823,7 @@
           <a:p>
             <a:fld id="{C452295A-2B17-4FE0-84DB-F0699F4DDF23}" type="datetimeFigureOut">
               <a:rPr lang="en-US" smtClean="0"/>
-              <a:t>11/2/2022</a:t>
+              <a:t>11/8/2022</a:t>
             </a:fld>
             <a:endParaRPr lang="en-US"/>
           </a:p>
@@ -2918,7 +3064,7 @@
           <a:p>
             <a:fld id="{C452295A-2B17-4FE0-84DB-F0699F4DDF23}" type="datetimeFigureOut">
               <a:rPr lang="en-US" smtClean="0"/>
-              <a:t>11/2/2022</a:t>
+              <a:t>11/8/2022</a:t>
             </a:fld>
             <a:endParaRPr lang="en-US"/>
           </a:p>
@@ -3974,6 +4120,3054 @@
 </p:sld>
 </file>
 
+<file path=ppt/slides/slide11.xml><?xml version="1.0" encoding="utf-8"?>
+<p:sld xmlns:a="http://schemas.openxmlformats.org/drawingml/2006/main" xmlns:r="http://schemas.openxmlformats.org/officeDocument/2006/relationships" xmlns:p="http://schemas.openxmlformats.org/presentationml/2006/main">
+  <p:cSld>
+    <p:spTree>
+      <p:nvGrpSpPr>
+        <p:cNvPr id="1" name=""/>
+        <p:cNvGrpSpPr/>
+        <p:nvPr/>
+      </p:nvGrpSpPr>
+      <p:grpSpPr>
+        <a:xfrm>
+          <a:off x="0" y="0"/>
+          <a:ext cx="0" cy="0"/>
+          <a:chOff x="0" y="0"/>
+          <a:chExt cx="0" cy="0"/>
+        </a:xfrm>
+      </p:grpSpPr>
+      <p:sp>
+        <p:nvSpPr>
+          <p:cNvPr id="2" name="Title 1">
+            <a:extLst>
+              <a:ext uri="{FF2B5EF4-FFF2-40B4-BE49-F238E27FC236}">
+                <a16:creationId xmlns:a16="http://schemas.microsoft.com/office/drawing/2014/main" id="{57B0324A-AA89-AB49-0C48-FCDC215AC5F5}"/>
+              </a:ext>
+            </a:extLst>
+          </p:cNvPr>
+          <p:cNvSpPr>
+            <a:spLocks noGrp="1"/>
+          </p:cNvSpPr>
+          <p:nvPr>
+            <p:ph type="title"/>
+          </p:nvPr>
+        </p:nvSpPr>
+        <p:spPr>
+          <a:xfrm>
+            <a:off x="838200" y="365125"/>
+            <a:ext cx="9825507" cy="639427"/>
+          </a:xfrm>
+        </p:spPr>
+        <p:txBody>
+          <a:bodyPr>
+            <a:normAutofit fontScale="90000"/>
+          </a:bodyPr>
+          <a:lstStyle/>
+          <a:p>
+            <a:r>
+              <a:rPr lang="en-US" dirty="0" err="1"/>
+              <a:t>NodeJs</a:t>
+            </a:r>
+            <a:r>
+              <a:rPr lang="en-US" dirty="0"/>
+              <a:t> Basic</a:t>
+            </a:r>
+          </a:p>
+        </p:txBody>
+      </p:sp>
+      <p:sp>
+        <p:nvSpPr>
+          <p:cNvPr id="4" name="Rectangle 3">
+            <a:extLst>
+              <a:ext uri="{FF2B5EF4-FFF2-40B4-BE49-F238E27FC236}">
+                <a16:creationId xmlns:a16="http://schemas.microsoft.com/office/drawing/2014/main" id="{69C41FD8-DA0A-CD1D-CA62-9F434208EF95}"/>
+              </a:ext>
+            </a:extLst>
+          </p:cNvPr>
+          <p:cNvSpPr/>
+          <p:nvPr/>
+        </p:nvSpPr>
+        <p:spPr>
+          <a:xfrm>
+            <a:off x="3400023" y="1197735"/>
+            <a:ext cx="5950039" cy="772733"/>
+          </a:xfrm>
+          <a:prstGeom prst="rect">
+            <a:avLst/>
+          </a:prstGeom>
+        </p:spPr>
+        <p:style>
+          <a:lnRef idx="2">
+            <a:schemeClr val="accent1">
+              <a:shade val="50000"/>
+            </a:schemeClr>
+          </a:lnRef>
+          <a:fillRef idx="1">
+            <a:schemeClr val="accent1"/>
+          </a:fillRef>
+          <a:effectRef idx="0">
+            <a:schemeClr val="accent1"/>
+          </a:effectRef>
+          <a:fontRef idx="minor">
+            <a:schemeClr val="lt1"/>
+          </a:fontRef>
+        </p:style>
+        <p:txBody>
+          <a:bodyPr rtlCol="0" anchor="ctr"/>
+          <a:lstStyle/>
+          <a:p>
+            <a:pPr algn="ctr"/>
+            <a:r>
+              <a:rPr lang="en-US" dirty="0"/>
+              <a:t>How does the web work (Refresher)?</a:t>
+            </a:r>
+          </a:p>
+        </p:txBody>
+      </p:sp>
+      <p:sp>
+        <p:nvSpPr>
+          <p:cNvPr id="5" name="Rectangle 4">
+            <a:extLst>
+              <a:ext uri="{FF2B5EF4-FFF2-40B4-BE49-F238E27FC236}">
+                <a16:creationId xmlns:a16="http://schemas.microsoft.com/office/drawing/2014/main" id="{5F251A37-CFAD-BD42-8C3E-1EFC905AF2EA}"/>
+              </a:ext>
+            </a:extLst>
+          </p:cNvPr>
+          <p:cNvSpPr/>
+          <p:nvPr/>
+        </p:nvSpPr>
+        <p:spPr>
+          <a:xfrm>
+            <a:off x="3423633" y="2161506"/>
+            <a:ext cx="5950039" cy="772733"/>
+          </a:xfrm>
+          <a:prstGeom prst="rect">
+            <a:avLst/>
+          </a:prstGeom>
+        </p:spPr>
+        <p:style>
+          <a:lnRef idx="2">
+            <a:schemeClr val="accent1">
+              <a:shade val="50000"/>
+            </a:schemeClr>
+          </a:lnRef>
+          <a:fillRef idx="1">
+            <a:schemeClr val="accent1"/>
+          </a:fillRef>
+          <a:effectRef idx="0">
+            <a:schemeClr val="accent1"/>
+          </a:effectRef>
+          <a:fontRef idx="minor">
+            <a:schemeClr val="lt1"/>
+          </a:fontRef>
+        </p:style>
+        <p:txBody>
+          <a:bodyPr rtlCol="0" anchor="ctr"/>
+          <a:lstStyle/>
+          <a:p>
+            <a:pPr algn="ctr"/>
+            <a:r>
+              <a:rPr lang="en-US" dirty="0"/>
+              <a:t>Creating a Node.js Server</a:t>
+            </a:r>
+          </a:p>
+        </p:txBody>
+      </p:sp>
+      <p:sp>
+        <p:nvSpPr>
+          <p:cNvPr id="6" name="Rectangle 5">
+            <a:extLst>
+              <a:ext uri="{FF2B5EF4-FFF2-40B4-BE49-F238E27FC236}">
+                <a16:creationId xmlns:a16="http://schemas.microsoft.com/office/drawing/2014/main" id="{4652314F-40EF-60DE-5CEF-DF7497BA0340}"/>
+              </a:ext>
+            </a:extLst>
+          </p:cNvPr>
+          <p:cNvSpPr/>
+          <p:nvPr/>
+        </p:nvSpPr>
+        <p:spPr>
+          <a:xfrm>
+            <a:off x="3434364" y="3112395"/>
+            <a:ext cx="5950039" cy="772733"/>
+          </a:xfrm>
+          <a:prstGeom prst="rect">
+            <a:avLst/>
+          </a:prstGeom>
+        </p:spPr>
+        <p:style>
+          <a:lnRef idx="2">
+            <a:schemeClr val="accent1">
+              <a:shade val="50000"/>
+            </a:schemeClr>
+          </a:lnRef>
+          <a:fillRef idx="1">
+            <a:schemeClr val="accent1"/>
+          </a:fillRef>
+          <a:effectRef idx="0">
+            <a:schemeClr val="accent1"/>
+          </a:effectRef>
+          <a:fontRef idx="minor">
+            <a:schemeClr val="lt1"/>
+          </a:fontRef>
+        </p:style>
+        <p:txBody>
+          <a:bodyPr rtlCol="0" anchor="ctr"/>
+          <a:lstStyle/>
+          <a:p>
+            <a:pPr algn="ctr"/>
+            <a:r>
+              <a:rPr lang="en-US" dirty="0"/>
+              <a:t>Using node core modules</a:t>
+            </a:r>
+          </a:p>
+        </p:txBody>
+      </p:sp>
+      <p:sp>
+        <p:nvSpPr>
+          <p:cNvPr id="7" name="Rectangle 6">
+            <a:extLst>
+              <a:ext uri="{FF2B5EF4-FFF2-40B4-BE49-F238E27FC236}">
+                <a16:creationId xmlns:a16="http://schemas.microsoft.com/office/drawing/2014/main" id="{44A40509-E47B-F076-ABD3-D6E653B4BD95}"/>
+              </a:ext>
+            </a:extLst>
+          </p:cNvPr>
+          <p:cNvSpPr/>
+          <p:nvPr/>
+        </p:nvSpPr>
+        <p:spPr>
+          <a:xfrm>
+            <a:off x="3434364" y="4052553"/>
+            <a:ext cx="5950039" cy="772733"/>
+          </a:xfrm>
+          <a:prstGeom prst="rect">
+            <a:avLst/>
+          </a:prstGeom>
+        </p:spPr>
+        <p:style>
+          <a:lnRef idx="2">
+            <a:schemeClr val="accent1">
+              <a:shade val="50000"/>
+            </a:schemeClr>
+          </a:lnRef>
+          <a:fillRef idx="1">
+            <a:schemeClr val="accent1"/>
+          </a:fillRef>
+          <a:effectRef idx="0">
+            <a:schemeClr val="accent1"/>
+          </a:effectRef>
+          <a:fontRef idx="minor">
+            <a:schemeClr val="lt1"/>
+          </a:fontRef>
+        </p:style>
+        <p:txBody>
+          <a:bodyPr rtlCol="0" anchor="ctr"/>
+          <a:lstStyle/>
+          <a:p>
+            <a:pPr algn="ctr"/>
+            <a:r>
+              <a:rPr lang="en-US" dirty="0"/>
+              <a:t>Working with Requests &amp; Responses (Basics)</a:t>
+            </a:r>
+          </a:p>
+        </p:txBody>
+      </p:sp>
+      <p:sp>
+        <p:nvSpPr>
+          <p:cNvPr id="8" name="Rectangle 7">
+            <a:extLst>
+              <a:ext uri="{FF2B5EF4-FFF2-40B4-BE49-F238E27FC236}">
+                <a16:creationId xmlns:a16="http://schemas.microsoft.com/office/drawing/2014/main" id="{7755310C-64D9-7F4D-042A-22D9FDB6A637}"/>
+              </a:ext>
+            </a:extLst>
+          </p:cNvPr>
+          <p:cNvSpPr/>
+          <p:nvPr/>
+        </p:nvSpPr>
+        <p:spPr>
+          <a:xfrm>
+            <a:off x="3447243" y="4979836"/>
+            <a:ext cx="5950039" cy="772733"/>
+          </a:xfrm>
+          <a:prstGeom prst="rect">
+            <a:avLst/>
+          </a:prstGeom>
+        </p:spPr>
+        <p:style>
+          <a:lnRef idx="2">
+            <a:schemeClr val="accent1">
+              <a:shade val="50000"/>
+            </a:schemeClr>
+          </a:lnRef>
+          <a:fillRef idx="1">
+            <a:schemeClr val="accent1"/>
+          </a:fillRef>
+          <a:effectRef idx="0">
+            <a:schemeClr val="accent1"/>
+          </a:effectRef>
+          <a:fontRef idx="minor">
+            <a:schemeClr val="lt1"/>
+          </a:fontRef>
+        </p:style>
+        <p:txBody>
+          <a:bodyPr rtlCol="0" anchor="ctr"/>
+          <a:lstStyle/>
+          <a:p>
+            <a:pPr algn="ctr"/>
+            <a:r>
+              <a:rPr lang="en-US" dirty="0"/>
+              <a:t>Asynchronous Code &amp; The Event Loop</a:t>
+            </a:r>
+          </a:p>
+        </p:txBody>
+      </p:sp>
+    </p:spTree>
+    <p:extLst>
+      <p:ext uri="{BB962C8B-B14F-4D97-AF65-F5344CB8AC3E}">
+        <p14:creationId xmlns:p14="http://schemas.microsoft.com/office/powerpoint/2010/main" val="3457811753"/>
+      </p:ext>
+    </p:extLst>
+  </p:cSld>
+  <p:clrMapOvr>
+    <a:masterClrMapping/>
+  </p:clrMapOvr>
+</p:sld>
+</file>
+
+<file path=ppt/slides/slide12.xml><?xml version="1.0" encoding="utf-8"?>
+<p:sld xmlns:a="http://schemas.openxmlformats.org/drawingml/2006/main" xmlns:r="http://schemas.openxmlformats.org/officeDocument/2006/relationships" xmlns:p="http://schemas.openxmlformats.org/presentationml/2006/main">
+  <p:cSld>
+    <p:spTree>
+      <p:nvGrpSpPr>
+        <p:cNvPr id="1" name=""/>
+        <p:cNvGrpSpPr/>
+        <p:nvPr/>
+      </p:nvGrpSpPr>
+      <p:grpSpPr>
+        <a:xfrm>
+          <a:off x="0" y="0"/>
+          <a:ext cx="0" cy="0"/>
+          <a:chOff x="0" y="0"/>
+          <a:chExt cx="0" cy="0"/>
+        </a:xfrm>
+      </p:grpSpPr>
+      <p:sp>
+        <p:nvSpPr>
+          <p:cNvPr id="2" name="Title 1">
+            <a:extLst>
+              <a:ext uri="{FF2B5EF4-FFF2-40B4-BE49-F238E27FC236}">
+                <a16:creationId xmlns:a16="http://schemas.microsoft.com/office/drawing/2014/main" id="{1224D475-15AA-6EBF-E2B4-DB5E07A9DEFE}"/>
+              </a:ext>
+            </a:extLst>
+          </p:cNvPr>
+          <p:cNvSpPr>
+            <a:spLocks noGrp="1"/>
+          </p:cNvSpPr>
+          <p:nvPr>
+            <p:ph type="title"/>
+          </p:nvPr>
+        </p:nvSpPr>
+        <p:spPr>
+          <a:xfrm>
+            <a:off x="838200" y="365125"/>
+            <a:ext cx="10515600" cy="639427"/>
+          </a:xfrm>
+        </p:spPr>
+        <p:txBody>
+          <a:bodyPr>
+            <a:normAutofit fontScale="90000"/>
+          </a:bodyPr>
+          <a:lstStyle/>
+          <a:p>
+            <a:r>
+              <a:rPr lang="en-US" dirty="0"/>
+              <a:t>How the Web Works</a:t>
+            </a:r>
+          </a:p>
+        </p:txBody>
+      </p:sp>
+      <p:sp>
+        <p:nvSpPr>
+          <p:cNvPr id="4" name="Rectangle 3">
+            <a:extLst>
+              <a:ext uri="{FF2B5EF4-FFF2-40B4-BE49-F238E27FC236}">
+                <a16:creationId xmlns:a16="http://schemas.microsoft.com/office/drawing/2014/main" id="{7513E754-06FB-2C23-C50F-32BF1D6D99FB}"/>
+              </a:ext>
+            </a:extLst>
+          </p:cNvPr>
+          <p:cNvSpPr/>
+          <p:nvPr/>
+        </p:nvSpPr>
+        <p:spPr>
+          <a:xfrm>
+            <a:off x="4250028" y="1099221"/>
+            <a:ext cx="3052293" cy="734096"/>
+          </a:xfrm>
+          <a:prstGeom prst="rect">
+            <a:avLst/>
+          </a:prstGeom>
+          <a:solidFill>
+            <a:srgbClr val="7030A0"/>
+          </a:solidFill>
+        </p:spPr>
+        <p:style>
+          <a:lnRef idx="2">
+            <a:schemeClr val="accent1">
+              <a:shade val="50000"/>
+            </a:schemeClr>
+          </a:lnRef>
+          <a:fillRef idx="1">
+            <a:schemeClr val="accent1"/>
+          </a:fillRef>
+          <a:effectRef idx="0">
+            <a:schemeClr val="accent1"/>
+          </a:effectRef>
+          <a:fontRef idx="minor">
+            <a:schemeClr val="lt1"/>
+          </a:fontRef>
+        </p:style>
+        <p:txBody>
+          <a:bodyPr rtlCol="0" anchor="ctr"/>
+          <a:lstStyle/>
+          <a:p>
+            <a:pPr algn="ctr"/>
+            <a:r>
+              <a:rPr lang="en-US" dirty="0"/>
+              <a:t>User/Client</a:t>
+            </a:r>
+          </a:p>
+          <a:p>
+            <a:pPr algn="ctr"/>
+            <a:r>
+              <a:rPr lang="en-US" dirty="0"/>
+              <a:t>(Browser)</a:t>
+            </a:r>
+          </a:p>
+        </p:txBody>
+      </p:sp>
+      <p:sp>
+        <p:nvSpPr>
+          <p:cNvPr id="5" name="Rectangle 4">
+            <a:extLst>
+              <a:ext uri="{FF2B5EF4-FFF2-40B4-BE49-F238E27FC236}">
+                <a16:creationId xmlns:a16="http://schemas.microsoft.com/office/drawing/2014/main" id="{E24459D7-D168-D723-DB7B-80F7F0E34607}"/>
+              </a:ext>
+            </a:extLst>
+          </p:cNvPr>
+          <p:cNvSpPr/>
+          <p:nvPr/>
+        </p:nvSpPr>
+        <p:spPr>
+          <a:xfrm>
+            <a:off x="4250028" y="2078064"/>
+            <a:ext cx="3052293" cy="500353"/>
+          </a:xfrm>
+          <a:prstGeom prst="rect">
+            <a:avLst/>
+          </a:prstGeom>
+          <a:solidFill>
+            <a:srgbClr val="92D050"/>
+          </a:solidFill>
+        </p:spPr>
+        <p:style>
+          <a:lnRef idx="2">
+            <a:schemeClr val="accent1">
+              <a:shade val="50000"/>
+            </a:schemeClr>
+          </a:lnRef>
+          <a:fillRef idx="1">
+            <a:schemeClr val="accent1"/>
+          </a:fillRef>
+          <a:effectRef idx="0">
+            <a:schemeClr val="accent1"/>
+          </a:effectRef>
+          <a:fontRef idx="minor">
+            <a:schemeClr val="lt1"/>
+          </a:fontRef>
+        </p:style>
+        <p:txBody>
+          <a:bodyPr rtlCol="0" anchor="ctr"/>
+          <a:lstStyle/>
+          <a:p>
+            <a:pPr algn="ctr"/>
+            <a:r>
+              <a:rPr lang="en-US" dirty="0">
+                <a:ln w="0"/>
+                <a:solidFill>
+                  <a:schemeClr val="tx1"/>
+                </a:solidFill>
+                <a:effectLst>
+                  <a:outerShdw blurRad="38100" dist="19050" dir="2700000" algn="tl" rotWithShape="0">
+                    <a:schemeClr val="dk1">
+                      <a:alpha val="40000"/>
+                    </a:schemeClr>
+                  </a:outerShdw>
+                </a:effectLst>
+              </a:rPr>
+              <a:t>http://my-page.com</a:t>
+            </a:r>
+          </a:p>
+        </p:txBody>
+      </p:sp>
+      <p:sp>
+        <p:nvSpPr>
+          <p:cNvPr id="8" name="TextBox 7">
+            <a:extLst>
+              <a:ext uri="{FF2B5EF4-FFF2-40B4-BE49-F238E27FC236}">
+                <a16:creationId xmlns:a16="http://schemas.microsoft.com/office/drawing/2014/main" id="{B63D4C00-F352-98F0-972D-888E5F0FAF85}"/>
+              </a:ext>
+            </a:extLst>
+          </p:cNvPr>
+          <p:cNvSpPr txBox="1"/>
+          <p:nvPr/>
+        </p:nvSpPr>
+        <p:spPr>
+          <a:xfrm>
+            <a:off x="6096000" y="1708732"/>
+            <a:ext cx="689804" cy="369332"/>
+          </a:xfrm>
+          <a:prstGeom prst="rect">
+            <a:avLst/>
+          </a:prstGeom>
+          <a:noFill/>
+        </p:spPr>
+        <p:txBody>
+          <a:bodyPr wrap="none" rtlCol="0">
+            <a:spAutoFit/>
+          </a:bodyPr>
+          <a:lstStyle/>
+          <a:p>
+            <a:r>
+              <a:rPr lang="en-US" dirty="0"/>
+              <a:t>enter</a:t>
+            </a:r>
+          </a:p>
+        </p:txBody>
+      </p:sp>
+      <p:sp>
+        <p:nvSpPr>
+          <p:cNvPr id="11" name="Rectangle 10">
+            <a:extLst>
+              <a:ext uri="{FF2B5EF4-FFF2-40B4-BE49-F238E27FC236}">
+                <a16:creationId xmlns:a16="http://schemas.microsoft.com/office/drawing/2014/main" id="{F6E6E78F-AD2B-F824-9E8C-A3FAA99A5E2B}"/>
+              </a:ext>
+            </a:extLst>
+          </p:cNvPr>
+          <p:cNvSpPr/>
+          <p:nvPr/>
+        </p:nvSpPr>
+        <p:spPr>
+          <a:xfrm>
+            <a:off x="4250028" y="2928647"/>
+            <a:ext cx="3052293" cy="500353"/>
+          </a:xfrm>
+          <a:prstGeom prst="rect">
+            <a:avLst/>
+          </a:prstGeom>
+          <a:solidFill>
+            <a:srgbClr val="92D050"/>
+          </a:solidFill>
+        </p:spPr>
+        <p:style>
+          <a:lnRef idx="2">
+            <a:schemeClr val="accent1">
+              <a:shade val="50000"/>
+            </a:schemeClr>
+          </a:lnRef>
+          <a:fillRef idx="1">
+            <a:schemeClr val="accent1"/>
+          </a:fillRef>
+          <a:effectRef idx="0">
+            <a:schemeClr val="accent1"/>
+          </a:effectRef>
+          <a:fontRef idx="minor">
+            <a:schemeClr val="lt1"/>
+          </a:fontRef>
+        </p:style>
+        <p:txBody>
+          <a:bodyPr rtlCol="0" anchor="ctr"/>
+          <a:lstStyle/>
+          <a:p>
+            <a:pPr algn="ctr"/>
+            <a:r>
+              <a:rPr lang="en-US" dirty="0">
+                <a:ln w="0"/>
+                <a:solidFill>
+                  <a:schemeClr val="tx1"/>
+                </a:solidFill>
+                <a:effectLst>
+                  <a:outerShdw blurRad="38100" dist="19050" dir="2700000" algn="tl" rotWithShape="0">
+                    <a:schemeClr val="dk1">
+                      <a:alpha val="40000"/>
+                    </a:schemeClr>
+                  </a:outerShdw>
+                </a:effectLst>
+              </a:rPr>
+              <a:t>Domain Lookup</a:t>
+            </a:r>
+          </a:p>
+        </p:txBody>
+      </p:sp>
+      <p:sp>
+        <p:nvSpPr>
+          <p:cNvPr id="14" name="Rectangle 13">
+            <a:extLst>
+              <a:ext uri="{FF2B5EF4-FFF2-40B4-BE49-F238E27FC236}">
+                <a16:creationId xmlns:a16="http://schemas.microsoft.com/office/drawing/2014/main" id="{F1E3E751-8BA2-AD6B-71C0-157F1712B571}"/>
+              </a:ext>
+            </a:extLst>
+          </p:cNvPr>
+          <p:cNvSpPr/>
+          <p:nvPr/>
+        </p:nvSpPr>
+        <p:spPr>
+          <a:xfrm>
+            <a:off x="1131194" y="3052293"/>
+            <a:ext cx="1972614" cy="500353"/>
+          </a:xfrm>
+          <a:prstGeom prst="rect">
+            <a:avLst/>
+          </a:prstGeom>
+          <a:solidFill>
+            <a:srgbClr val="7030A0"/>
+          </a:solidFill>
+        </p:spPr>
+        <p:style>
+          <a:lnRef idx="2">
+            <a:schemeClr val="accent1">
+              <a:shade val="50000"/>
+            </a:schemeClr>
+          </a:lnRef>
+          <a:fillRef idx="1">
+            <a:schemeClr val="accent1"/>
+          </a:fillRef>
+          <a:effectRef idx="0">
+            <a:schemeClr val="accent1"/>
+          </a:effectRef>
+          <a:fontRef idx="minor">
+            <a:schemeClr val="lt1"/>
+          </a:fontRef>
+        </p:style>
+        <p:txBody>
+          <a:bodyPr rtlCol="0" anchor="ctr"/>
+          <a:lstStyle/>
+          <a:p>
+            <a:pPr algn="ctr"/>
+            <a:r>
+              <a:rPr lang="en-US" dirty="0"/>
+              <a:t>Request</a:t>
+            </a:r>
+          </a:p>
+        </p:txBody>
+      </p:sp>
+      <p:cxnSp>
+        <p:nvCxnSpPr>
+          <p:cNvPr id="20" name="Connector: Elbow 19">
+            <a:extLst>
+              <a:ext uri="{FF2B5EF4-FFF2-40B4-BE49-F238E27FC236}">
+                <a16:creationId xmlns:a16="http://schemas.microsoft.com/office/drawing/2014/main" id="{89E1265A-54B4-1DF9-EF93-76FDBBF86043}"/>
+              </a:ext>
+            </a:extLst>
+          </p:cNvPr>
+          <p:cNvCxnSpPr>
+            <a:stCxn id="4" idx="1"/>
+            <a:endCxn id="14" idx="0"/>
+          </p:cNvCxnSpPr>
+          <p:nvPr/>
+        </p:nvCxnSpPr>
+        <p:spPr>
+          <a:xfrm rot="10800000" flipV="1">
+            <a:off x="2117502" y="1466269"/>
+            <a:ext cx="2132527" cy="1586024"/>
+          </a:xfrm>
+          <a:prstGeom prst="bentConnector2">
+            <a:avLst/>
+          </a:prstGeom>
+        </p:spPr>
+        <p:style>
+          <a:lnRef idx="1">
+            <a:schemeClr val="accent1"/>
+          </a:lnRef>
+          <a:fillRef idx="0">
+            <a:schemeClr val="accent1"/>
+          </a:fillRef>
+          <a:effectRef idx="0">
+            <a:schemeClr val="accent1"/>
+          </a:effectRef>
+          <a:fontRef idx="minor">
+            <a:schemeClr val="tx1"/>
+          </a:fontRef>
+        </p:style>
+      </p:cxnSp>
+      <p:sp>
+        <p:nvSpPr>
+          <p:cNvPr id="31" name="Rectangle 30">
+            <a:extLst>
+              <a:ext uri="{FF2B5EF4-FFF2-40B4-BE49-F238E27FC236}">
+                <a16:creationId xmlns:a16="http://schemas.microsoft.com/office/drawing/2014/main" id="{2D5666F3-8B85-B745-5AFF-576F630ACD23}"/>
+              </a:ext>
+            </a:extLst>
+          </p:cNvPr>
+          <p:cNvSpPr/>
+          <p:nvPr/>
+        </p:nvSpPr>
+        <p:spPr>
+          <a:xfrm>
+            <a:off x="4487608" y="4648915"/>
+            <a:ext cx="1972614" cy="500353"/>
+          </a:xfrm>
+          <a:prstGeom prst="rect">
+            <a:avLst/>
+          </a:prstGeom>
+          <a:solidFill>
+            <a:schemeClr val="accent2">
+              <a:lumMod val="40000"/>
+              <a:lumOff val="60000"/>
+            </a:schemeClr>
+          </a:solidFill>
+        </p:spPr>
+        <p:style>
+          <a:lnRef idx="2">
+            <a:schemeClr val="accent1">
+              <a:shade val="50000"/>
+            </a:schemeClr>
+          </a:lnRef>
+          <a:fillRef idx="1">
+            <a:schemeClr val="accent1"/>
+          </a:fillRef>
+          <a:effectRef idx="0">
+            <a:schemeClr val="accent1"/>
+          </a:effectRef>
+          <a:fontRef idx="minor">
+            <a:schemeClr val="lt1"/>
+          </a:fontRef>
+        </p:style>
+        <p:txBody>
+          <a:bodyPr rtlCol="0" anchor="ctr"/>
+          <a:lstStyle/>
+          <a:p>
+            <a:pPr algn="ctr"/>
+            <a:r>
+              <a:rPr lang="en-US" dirty="0">
+                <a:ln w="0"/>
+                <a:solidFill>
+                  <a:schemeClr val="tx1"/>
+                </a:solidFill>
+                <a:effectLst>
+                  <a:outerShdw blurRad="38100" dist="19050" dir="2700000" algn="tl" rotWithShape="0">
+                    <a:schemeClr val="dk1">
+                      <a:alpha val="40000"/>
+                    </a:schemeClr>
+                  </a:outerShdw>
+                </a:effectLst>
+              </a:rPr>
+              <a:t>Server</a:t>
+            </a:r>
+          </a:p>
+          <a:p>
+            <a:pPr algn="ctr"/>
+            <a:r>
+              <a:rPr lang="en-US" dirty="0">
+                <a:ln w="0"/>
+                <a:solidFill>
+                  <a:schemeClr val="tx1"/>
+                </a:solidFill>
+                <a:effectLst>
+                  <a:outerShdw blurRad="38100" dist="19050" dir="2700000" algn="tl" rotWithShape="0">
+                    <a:schemeClr val="dk1">
+                      <a:alpha val="40000"/>
+                    </a:schemeClr>
+                  </a:outerShdw>
+                </a:effectLst>
+              </a:rPr>
+              <a:t>(at 10.212.212.12)</a:t>
+            </a:r>
+          </a:p>
+        </p:txBody>
+      </p:sp>
+      <p:cxnSp>
+        <p:nvCxnSpPr>
+          <p:cNvPr id="35" name="Connector: Elbow 34">
+            <a:extLst>
+              <a:ext uri="{FF2B5EF4-FFF2-40B4-BE49-F238E27FC236}">
+                <a16:creationId xmlns:a16="http://schemas.microsoft.com/office/drawing/2014/main" id="{BDD11A0E-9164-C8F8-AC3B-36E2D55AA1F4}"/>
+              </a:ext>
+            </a:extLst>
+          </p:cNvPr>
+          <p:cNvCxnSpPr>
+            <a:stCxn id="14" idx="2"/>
+            <a:endCxn id="31" idx="1"/>
+          </p:cNvCxnSpPr>
+          <p:nvPr/>
+        </p:nvCxnSpPr>
+        <p:spPr>
+          <a:xfrm rot="16200000" flipH="1">
+            <a:off x="2629331" y="3040815"/>
+            <a:ext cx="1346446" cy="2370107"/>
+          </a:xfrm>
+          <a:prstGeom prst="bentConnector2">
+            <a:avLst/>
+          </a:prstGeom>
+          <a:ln>
+            <a:tailEnd type="triangle"/>
+          </a:ln>
+        </p:spPr>
+        <p:style>
+          <a:lnRef idx="1">
+            <a:schemeClr val="accent1"/>
+          </a:lnRef>
+          <a:fillRef idx="0">
+            <a:schemeClr val="accent1"/>
+          </a:fillRef>
+          <a:effectRef idx="0">
+            <a:schemeClr val="accent1"/>
+          </a:effectRef>
+          <a:fontRef idx="minor">
+            <a:schemeClr val="tx1"/>
+          </a:fontRef>
+        </p:style>
+      </p:cxnSp>
+      <p:sp>
+        <p:nvSpPr>
+          <p:cNvPr id="36" name="Rectangle 35">
+            <a:extLst>
+              <a:ext uri="{FF2B5EF4-FFF2-40B4-BE49-F238E27FC236}">
+                <a16:creationId xmlns:a16="http://schemas.microsoft.com/office/drawing/2014/main" id="{637E9148-9230-9BC6-F150-5E5B8227C8B0}"/>
+              </a:ext>
+            </a:extLst>
+          </p:cNvPr>
+          <p:cNvSpPr/>
+          <p:nvPr/>
+        </p:nvSpPr>
+        <p:spPr>
+          <a:xfrm>
+            <a:off x="4487608" y="5508602"/>
+            <a:ext cx="1972614" cy="500353"/>
+          </a:xfrm>
+          <a:prstGeom prst="rect">
+            <a:avLst/>
+          </a:prstGeom>
+          <a:solidFill>
+            <a:schemeClr val="accent2">
+              <a:lumMod val="50000"/>
+            </a:schemeClr>
+          </a:solidFill>
+        </p:spPr>
+        <p:style>
+          <a:lnRef idx="2">
+            <a:schemeClr val="accent1">
+              <a:shade val="50000"/>
+            </a:schemeClr>
+          </a:lnRef>
+          <a:fillRef idx="1">
+            <a:schemeClr val="accent1"/>
+          </a:fillRef>
+          <a:effectRef idx="0">
+            <a:schemeClr val="accent1"/>
+          </a:effectRef>
+          <a:fontRef idx="minor">
+            <a:schemeClr val="lt1"/>
+          </a:fontRef>
+        </p:style>
+        <p:txBody>
+          <a:bodyPr rtlCol="0" anchor="ctr"/>
+          <a:lstStyle/>
+          <a:p>
+            <a:pPr algn="ctr"/>
+            <a:r>
+              <a:rPr lang="en-US" dirty="0">
+                <a:ln w="0"/>
+                <a:solidFill>
+                  <a:schemeClr val="tx1"/>
+                </a:solidFill>
+                <a:effectLst>
+                  <a:outerShdw blurRad="38100" dist="19050" dir="2700000" algn="tl" rotWithShape="0">
+                    <a:schemeClr val="dk1">
+                      <a:alpha val="40000"/>
+                    </a:schemeClr>
+                  </a:outerShdw>
+                </a:effectLst>
+              </a:rPr>
+              <a:t>&lt;Your Code&gt;</a:t>
+            </a:r>
+          </a:p>
+        </p:txBody>
+      </p:sp>
+      <p:cxnSp>
+        <p:nvCxnSpPr>
+          <p:cNvPr id="38" name="Straight Arrow Connector 37">
+            <a:extLst>
+              <a:ext uri="{FF2B5EF4-FFF2-40B4-BE49-F238E27FC236}">
+                <a16:creationId xmlns:a16="http://schemas.microsoft.com/office/drawing/2014/main" id="{C2ECD368-850D-02B2-1CD5-7C46C0D5CE88}"/>
+              </a:ext>
+            </a:extLst>
+          </p:cNvPr>
+          <p:cNvCxnSpPr>
+            <a:stCxn id="31" idx="2"/>
+            <a:endCxn id="36" idx="0"/>
+          </p:cNvCxnSpPr>
+          <p:nvPr/>
+        </p:nvCxnSpPr>
+        <p:spPr>
+          <a:xfrm>
+            <a:off x="5473915" y="5149268"/>
+            <a:ext cx="0" cy="359334"/>
+          </a:xfrm>
+          <a:prstGeom prst="straightConnector1">
+            <a:avLst/>
+          </a:prstGeom>
+          <a:ln>
+            <a:headEnd type="triangle"/>
+            <a:tailEnd type="triangle"/>
+          </a:ln>
+        </p:spPr>
+        <p:style>
+          <a:lnRef idx="1">
+            <a:schemeClr val="accent1"/>
+          </a:lnRef>
+          <a:fillRef idx="0">
+            <a:schemeClr val="accent1"/>
+          </a:fillRef>
+          <a:effectRef idx="0">
+            <a:schemeClr val="accent1"/>
+          </a:effectRef>
+          <a:fontRef idx="minor">
+            <a:schemeClr val="tx1"/>
+          </a:fontRef>
+        </p:style>
+      </p:cxnSp>
+      <p:sp>
+        <p:nvSpPr>
+          <p:cNvPr id="39" name="Rectangle 38">
+            <a:extLst>
+              <a:ext uri="{FF2B5EF4-FFF2-40B4-BE49-F238E27FC236}">
+                <a16:creationId xmlns:a16="http://schemas.microsoft.com/office/drawing/2014/main" id="{799F3A2D-34A0-FF3F-EC55-2D9C0C81A3F3}"/>
+              </a:ext>
+            </a:extLst>
+          </p:cNvPr>
+          <p:cNvSpPr/>
+          <p:nvPr/>
+        </p:nvSpPr>
+        <p:spPr>
+          <a:xfrm>
+            <a:off x="1131194" y="5600387"/>
+            <a:ext cx="2958921" cy="500353"/>
+          </a:xfrm>
+          <a:prstGeom prst="rect">
+            <a:avLst/>
+          </a:prstGeom>
+          <a:solidFill>
+            <a:schemeClr val="accent2">
+              <a:lumMod val="50000"/>
+            </a:schemeClr>
+          </a:solidFill>
+        </p:spPr>
+        <p:style>
+          <a:lnRef idx="2">
+            <a:schemeClr val="accent1">
+              <a:shade val="50000"/>
+            </a:schemeClr>
+          </a:lnRef>
+          <a:fillRef idx="1">
+            <a:schemeClr val="accent1"/>
+          </a:fillRef>
+          <a:effectRef idx="0">
+            <a:schemeClr val="accent1"/>
+          </a:effectRef>
+          <a:fontRef idx="minor">
+            <a:schemeClr val="lt1"/>
+          </a:fontRef>
+        </p:style>
+        <p:txBody>
+          <a:bodyPr rtlCol="0" anchor="ctr"/>
+          <a:lstStyle/>
+          <a:p>
+            <a:pPr algn="ctr"/>
+            <a:r>
+              <a:rPr lang="en-US" b="1" dirty="0">
+                <a:ln w="0"/>
+                <a:solidFill>
+                  <a:schemeClr val="tx1"/>
+                </a:solidFill>
+                <a:effectLst>
+                  <a:outerShdw blurRad="38100" dist="19050" dir="2700000" algn="tl" rotWithShape="0">
+                    <a:schemeClr val="dk1">
+                      <a:alpha val="40000"/>
+                    </a:schemeClr>
+                  </a:outerShdw>
+                </a:effectLst>
+              </a:rPr>
+              <a:t>Nodejs</a:t>
+            </a:r>
+            <a:r>
+              <a:rPr lang="en-US" dirty="0">
+                <a:ln w="0"/>
+                <a:solidFill>
+                  <a:schemeClr val="tx1"/>
+                </a:solidFill>
+                <a:effectLst>
+                  <a:outerShdw blurRad="38100" dist="19050" dir="2700000" algn="tl" rotWithShape="0">
+                    <a:schemeClr val="dk1">
+                      <a:alpha val="40000"/>
+                    </a:schemeClr>
+                  </a:outerShdw>
+                </a:effectLst>
+              </a:rPr>
+              <a:t>, PHP, ASP.NET…</a:t>
+            </a:r>
+          </a:p>
+        </p:txBody>
+      </p:sp>
+      <p:cxnSp>
+        <p:nvCxnSpPr>
+          <p:cNvPr id="41" name="Straight Connector 40">
+            <a:extLst>
+              <a:ext uri="{FF2B5EF4-FFF2-40B4-BE49-F238E27FC236}">
+                <a16:creationId xmlns:a16="http://schemas.microsoft.com/office/drawing/2014/main" id="{F8D8C3A2-D200-94EE-CEF5-0FC975B0716B}"/>
+              </a:ext>
+            </a:extLst>
+          </p:cNvPr>
+          <p:cNvCxnSpPr>
+            <a:cxnSpLocks/>
+            <a:stCxn id="39" idx="3"/>
+            <a:endCxn id="36" idx="1"/>
+          </p:cNvCxnSpPr>
+          <p:nvPr/>
+        </p:nvCxnSpPr>
+        <p:spPr>
+          <a:xfrm flipV="1">
+            <a:off x="4090115" y="5758779"/>
+            <a:ext cx="397493" cy="91785"/>
+          </a:xfrm>
+          <a:prstGeom prst="line">
+            <a:avLst/>
+          </a:prstGeom>
+        </p:spPr>
+        <p:style>
+          <a:lnRef idx="1">
+            <a:schemeClr val="accent1"/>
+          </a:lnRef>
+          <a:fillRef idx="0">
+            <a:schemeClr val="accent1"/>
+          </a:fillRef>
+          <a:effectRef idx="0">
+            <a:schemeClr val="accent1"/>
+          </a:effectRef>
+          <a:fontRef idx="minor">
+            <a:schemeClr val="tx1"/>
+          </a:fontRef>
+        </p:style>
+      </p:cxnSp>
+      <p:cxnSp>
+        <p:nvCxnSpPr>
+          <p:cNvPr id="44" name="Straight Arrow Connector 43">
+            <a:extLst>
+              <a:ext uri="{FF2B5EF4-FFF2-40B4-BE49-F238E27FC236}">
+                <a16:creationId xmlns:a16="http://schemas.microsoft.com/office/drawing/2014/main" id="{83984713-09CB-6053-F113-BB3562A8CB70}"/>
+              </a:ext>
+            </a:extLst>
+          </p:cNvPr>
+          <p:cNvCxnSpPr>
+            <a:stCxn id="4" idx="2"/>
+            <a:endCxn id="5" idx="0"/>
+          </p:cNvCxnSpPr>
+          <p:nvPr/>
+        </p:nvCxnSpPr>
+        <p:spPr>
+          <a:xfrm>
+            <a:off x="5776175" y="1833317"/>
+            <a:ext cx="0" cy="244747"/>
+          </a:xfrm>
+          <a:prstGeom prst="straightConnector1">
+            <a:avLst/>
+          </a:prstGeom>
+          <a:ln>
+            <a:tailEnd type="triangle"/>
+          </a:ln>
+        </p:spPr>
+        <p:style>
+          <a:lnRef idx="1">
+            <a:schemeClr val="accent1"/>
+          </a:lnRef>
+          <a:fillRef idx="0">
+            <a:schemeClr val="accent1"/>
+          </a:fillRef>
+          <a:effectRef idx="0">
+            <a:schemeClr val="accent1"/>
+          </a:effectRef>
+          <a:fontRef idx="minor">
+            <a:schemeClr val="tx1"/>
+          </a:fontRef>
+        </p:style>
+      </p:cxnSp>
+      <p:cxnSp>
+        <p:nvCxnSpPr>
+          <p:cNvPr id="46" name="Straight Arrow Connector 45">
+            <a:extLst>
+              <a:ext uri="{FF2B5EF4-FFF2-40B4-BE49-F238E27FC236}">
+                <a16:creationId xmlns:a16="http://schemas.microsoft.com/office/drawing/2014/main" id="{70FD2311-DD89-6745-A32A-8A6D7B6CCB43}"/>
+              </a:ext>
+            </a:extLst>
+          </p:cNvPr>
+          <p:cNvCxnSpPr>
+            <a:stCxn id="5" idx="2"/>
+            <a:endCxn id="11" idx="0"/>
+          </p:cNvCxnSpPr>
+          <p:nvPr/>
+        </p:nvCxnSpPr>
+        <p:spPr>
+          <a:xfrm>
+            <a:off x="5776175" y="2578417"/>
+            <a:ext cx="0" cy="350230"/>
+          </a:xfrm>
+          <a:prstGeom prst="straightConnector1">
+            <a:avLst/>
+          </a:prstGeom>
+          <a:ln>
+            <a:tailEnd type="triangle"/>
+          </a:ln>
+        </p:spPr>
+        <p:style>
+          <a:lnRef idx="1">
+            <a:schemeClr val="accent1"/>
+          </a:lnRef>
+          <a:fillRef idx="0">
+            <a:schemeClr val="accent1"/>
+          </a:fillRef>
+          <a:effectRef idx="0">
+            <a:schemeClr val="accent1"/>
+          </a:effectRef>
+          <a:fontRef idx="minor">
+            <a:schemeClr val="tx1"/>
+          </a:fontRef>
+        </p:style>
+      </p:cxnSp>
+      <p:cxnSp>
+        <p:nvCxnSpPr>
+          <p:cNvPr id="48" name="Straight Arrow Connector 47">
+            <a:extLst>
+              <a:ext uri="{FF2B5EF4-FFF2-40B4-BE49-F238E27FC236}">
+                <a16:creationId xmlns:a16="http://schemas.microsoft.com/office/drawing/2014/main" id="{A7F24CBC-4AC0-73F8-58DA-A4006F542EE6}"/>
+              </a:ext>
+            </a:extLst>
+          </p:cNvPr>
+          <p:cNvCxnSpPr>
+            <a:stCxn id="11" idx="1"/>
+            <a:endCxn id="14" idx="3"/>
+          </p:cNvCxnSpPr>
+          <p:nvPr/>
+        </p:nvCxnSpPr>
+        <p:spPr>
+          <a:xfrm flipH="1">
+            <a:off x="3103808" y="3178824"/>
+            <a:ext cx="1146220" cy="123646"/>
+          </a:xfrm>
+          <a:prstGeom prst="straightConnector1">
+            <a:avLst/>
+          </a:prstGeom>
+          <a:ln>
+            <a:tailEnd type="triangle"/>
+          </a:ln>
+        </p:spPr>
+        <p:style>
+          <a:lnRef idx="1">
+            <a:schemeClr val="accent1"/>
+          </a:lnRef>
+          <a:fillRef idx="0">
+            <a:schemeClr val="accent1"/>
+          </a:fillRef>
+          <a:effectRef idx="0">
+            <a:schemeClr val="accent1"/>
+          </a:effectRef>
+          <a:fontRef idx="minor">
+            <a:schemeClr val="tx1"/>
+          </a:fontRef>
+        </p:style>
+      </p:cxnSp>
+      <p:sp>
+        <p:nvSpPr>
+          <p:cNvPr id="51" name="Rectangle 50">
+            <a:extLst>
+              <a:ext uri="{FF2B5EF4-FFF2-40B4-BE49-F238E27FC236}">
+                <a16:creationId xmlns:a16="http://schemas.microsoft.com/office/drawing/2014/main" id="{DC18BACC-36A7-02B4-2342-D71103DC3D79}"/>
+              </a:ext>
+            </a:extLst>
+          </p:cNvPr>
+          <p:cNvSpPr/>
+          <p:nvPr/>
+        </p:nvSpPr>
+        <p:spPr>
+          <a:xfrm>
+            <a:off x="8737636" y="5508601"/>
+            <a:ext cx="1972614" cy="500353"/>
+          </a:xfrm>
+          <a:prstGeom prst="rect">
+            <a:avLst/>
+          </a:prstGeom>
+          <a:solidFill>
+            <a:schemeClr val="accent2">
+              <a:lumMod val="50000"/>
+            </a:schemeClr>
+          </a:solidFill>
+        </p:spPr>
+        <p:style>
+          <a:lnRef idx="2">
+            <a:schemeClr val="accent1">
+              <a:shade val="50000"/>
+            </a:schemeClr>
+          </a:lnRef>
+          <a:fillRef idx="1">
+            <a:schemeClr val="accent1"/>
+          </a:fillRef>
+          <a:effectRef idx="0">
+            <a:schemeClr val="accent1"/>
+          </a:effectRef>
+          <a:fontRef idx="minor">
+            <a:schemeClr val="lt1"/>
+          </a:fontRef>
+        </p:style>
+        <p:txBody>
+          <a:bodyPr rtlCol="0" anchor="ctr"/>
+          <a:lstStyle/>
+          <a:p>
+            <a:pPr algn="ctr"/>
+            <a:r>
+              <a:rPr lang="en-US" dirty="0">
+                <a:ln w="0"/>
+                <a:solidFill>
+                  <a:schemeClr val="tx1"/>
+                </a:solidFill>
+                <a:effectLst>
+                  <a:outerShdw blurRad="38100" dist="19050" dir="2700000" algn="tl" rotWithShape="0">
+                    <a:schemeClr val="dk1">
+                      <a:alpha val="40000"/>
+                    </a:schemeClr>
+                  </a:outerShdw>
+                </a:effectLst>
+              </a:rPr>
+              <a:t>Database</a:t>
+            </a:r>
+          </a:p>
+        </p:txBody>
+      </p:sp>
+      <p:cxnSp>
+        <p:nvCxnSpPr>
+          <p:cNvPr id="53" name="Straight Arrow Connector 52">
+            <a:extLst>
+              <a:ext uri="{FF2B5EF4-FFF2-40B4-BE49-F238E27FC236}">
+                <a16:creationId xmlns:a16="http://schemas.microsoft.com/office/drawing/2014/main" id="{BD60B7E3-8CFF-FC1E-BCB5-6E6E080C015B}"/>
+              </a:ext>
+            </a:extLst>
+          </p:cNvPr>
+          <p:cNvCxnSpPr>
+            <a:stCxn id="36" idx="3"/>
+            <a:endCxn id="51" idx="1"/>
+          </p:cNvCxnSpPr>
+          <p:nvPr/>
+        </p:nvCxnSpPr>
+        <p:spPr>
+          <a:xfrm flipV="1">
+            <a:off x="6460222" y="5758778"/>
+            <a:ext cx="2277414" cy="1"/>
+          </a:xfrm>
+          <a:prstGeom prst="straightConnector1">
+            <a:avLst/>
+          </a:prstGeom>
+          <a:ln>
+            <a:headEnd type="triangle"/>
+            <a:tailEnd type="triangle"/>
+          </a:ln>
+        </p:spPr>
+        <p:style>
+          <a:lnRef idx="1">
+            <a:schemeClr val="accent1"/>
+          </a:lnRef>
+          <a:fillRef idx="0">
+            <a:schemeClr val="accent1"/>
+          </a:fillRef>
+          <a:effectRef idx="0">
+            <a:schemeClr val="accent1"/>
+          </a:effectRef>
+          <a:fontRef idx="minor">
+            <a:schemeClr val="tx1"/>
+          </a:fontRef>
+        </p:style>
+      </p:cxnSp>
+      <p:sp>
+        <p:nvSpPr>
+          <p:cNvPr id="57" name="Rectangle 56">
+            <a:extLst>
+              <a:ext uri="{FF2B5EF4-FFF2-40B4-BE49-F238E27FC236}">
+                <a16:creationId xmlns:a16="http://schemas.microsoft.com/office/drawing/2014/main" id="{EC908798-3E6F-769C-BC47-68F062E079C7}"/>
+              </a:ext>
+            </a:extLst>
+          </p:cNvPr>
+          <p:cNvSpPr/>
+          <p:nvPr/>
+        </p:nvSpPr>
+        <p:spPr>
+          <a:xfrm>
+            <a:off x="8737636" y="2881311"/>
+            <a:ext cx="2616164" cy="671334"/>
+          </a:xfrm>
+          <a:prstGeom prst="rect">
+            <a:avLst/>
+          </a:prstGeom>
+          <a:solidFill>
+            <a:schemeClr val="accent2">
+              <a:lumMod val="40000"/>
+              <a:lumOff val="60000"/>
+            </a:schemeClr>
+          </a:solidFill>
+        </p:spPr>
+        <p:style>
+          <a:lnRef idx="2">
+            <a:schemeClr val="accent1">
+              <a:shade val="50000"/>
+            </a:schemeClr>
+          </a:lnRef>
+          <a:fillRef idx="1">
+            <a:schemeClr val="accent1"/>
+          </a:fillRef>
+          <a:effectRef idx="0">
+            <a:schemeClr val="accent1"/>
+          </a:effectRef>
+          <a:fontRef idx="minor">
+            <a:schemeClr val="lt1"/>
+          </a:fontRef>
+        </p:style>
+        <p:txBody>
+          <a:bodyPr rtlCol="0" anchor="ctr"/>
+          <a:lstStyle/>
+          <a:p>
+            <a:pPr algn="ctr"/>
+            <a:r>
+              <a:rPr lang="en-US" dirty="0">
+                <a:ln w="0"/>
+                <a:solidFill>
+                  <a:schemeClr val="tx1"/>
+                </a:solidFill>
+                <a:effectLst>
+                  <a:outerShdw blurRad="38100" dist="19050" dir="2700000" algn="tl" rotWithShape="0">
+                    <a:schemeClr val="dk1">
+                      <a:alpha val="40000"/>
+                    </a:schemeClr>
+                  </a:outerShdw>
+                </a:effectLst>
+              </a:rPr>
+              <a:t>Response</a:t>
+            </a:r>
+          </a:p>
+          <a:p>
+            <a:pPr algn="ctr"/>
+            <a:r>
+              <a:rPr lang="en-US" dirty="0">
+                <a:ln w="0"/>
+                <a:solidFill>
+                  <a:schemeClr val="tx1"/>
+                </a:solidFill>
+                <a:effectLst>
+                  <a:outerShdw blurRad="38100" dist="19050" dir="2700000" algn="tl" rotWithShape="0">
+                    <a:schemeClr val="dk1">
+                      <a:alpha val="40000"/>
+                    </a:schemeClr>
+                  </a:outerShdw>
+                </a:effectLst>
+              </a:rPr>
+              <a:t>(e.g. HTML page)</a:t>
+            </a:r>
+          </a:p>
+        </p:txBody>
+      </p:sp>
+      <p:cxnSp>
+        <p:nvCxnSpPr>
+          <p:cNvPr id="59" name="Connector: Elbow 58">
+            <a:extLst>
+              <a:ext uri="{FF2B5EF4-FFF2-40B4-BE49-F238E27FC236}">
+                <a16:creationId xmlns:a16="http://schemas.microsoft.com/office/drawing/2014/main" id="{5FD20228-9CD6-937F-1715-284D636F9A6B}"/>
+              </a:ext>
+            </a:extLst>
+          </p:cNvPr>
+          <p:cNvCxnSpPr>
+            <a:stCxn id="31" idx="3"/>
+            <a:endCxn id="57" idx="2"/>
+          </p:cNvCxnSpPr>
+          <p:nvPr/>
+        </p:nvCxnSpPr>
+        <p:spPr>
+          <a:xfrm flipV="1">
+            <a:off x="6460222" y="3552645"/>
+            <a:ext cx="3585496" cy="1346447"/>
+          </a:xfrm>
+          <a:prstGeom prst="bentConnector2">
+            <a:avLst/>
+          </a:prstGeom>
+          <a:ln>
+            <a:tailEnd type="triangle"/>
+          </a:ln>
+        </p:spPr>
+        <p:style>
+          <a:lnRef idx="1">
+            <a:schemeClr val="accent1"/>
+          </a:lnRef>
+          <a:fillRef idx="0">
+            <a:schemeClr val="accent1"/>
+          </a:fillRef>
+          <a:effectRef idx="0">
+            <a:schemeClr val="accent1"/>
+          </a:effectRef>
+          <a:fontRef idx="minor">
+            <a:schemeClr val="tx1"/>
+          </a:fontRef>
+        </p:style>
+      </p:cxnSp>
+      <p:cxnSp>
+        <p:nvCxnSpPr>
+          <p:cNvPr id="61" name="Connector: Elbow 60">
+            <a:extLst>
+              <a:ext uri="{FF2B5EF4-FFF2-40B4-BE49-F238E27FC236}">
+                <a16:creationId xmlns:a16="http://schemas.microsoft.com/office/drawing/2014/main" id="{F1A54D70-6F23-EC1D-3B8B-7C968F453DA5}"/>
+              </a:ext>
+            </a:extLst>
+          </p:cNvPr>
+          <p:cNvCxnSpPr>
+            <a:stCxn id="57" idx="0"/>
+          </p:cNvCxnSpPr>
+          <p:nvPr/>
+        </p:nvCxnSpPr>
+        <p:spPr>
+          <a:xfrm rot="16200000" flipV="1">
+            <a:off x="8025415" y="861007"/>
+            <a:ext cx="1297210" cy="2743397"/>
+          </a:xfrm>
+          <a:prstGeom prst="bentConnector2">
+            <a:avLst/>
+          </a:prstGeom>
+          <a:ln>
+            <a:tailEnd type="triangle"/>
+          </a:ln>
+        </p:spPr>
+        <p:style>
+          <a:lnRef idx="1">
+            <a:schemeClr val="accent1"/>
+          </a:lnRef>
+          <a:fillRef idx="0">
+            <a:schemeClr val="accent1"/>
+          </a:fillRef>
+          <a:effectRef idx="0">
+            <a:schemeClr val="accent1"/>
+          </a:effectRef>
+          <a:fontRef idx="minor">
+            <a:schemeClr val="tx1"/>
+          </a:fontRef>
+        </p:style>
+      </p:cxnSp>
+    </p:spTree>
+    <p:extLst>
+      <p:ext uri="{BB962C8B-B14F-4D97-AF65-F5344CB8AC3E}">
+        <p14:creationId xmlns:p14="http://schemas.microsoft.com/office/powerpoint/2010/main" val="173050501"/>
+      </p:ext>
+    </p:extLst>
+  </p:cSld>
+  <p:clrMapOvr>
+    <a:masterClrMapping/>
+  </p:clrMapOvr>
+</p:sld>
+</file>
+
+<file path=ppt/slides/slide13.xml><?xml version="1.0" encoding="utf-8"?>
+<p:sld xmlns:a="http://schemas.openxmlformats.org/drawingml/2006/main" xmlns:r="http://schemas.openxmlformats.org/officeDocument/2006/relationships" xmlns:p="http://schemas.openxmlformats.org/presentationml/2006/main">
+  <p:cSld>
+    <p:spTree>
+      <p:nvGrpSpPr>
+        <p:cNvPr id="1" name=""/>
+        <p:cNvGrpSpPr/>
+        <p:nvPr/>
+      </p:nvGrpSpPr>
+      <p:grpSpPr>
+        <a:xfrm>
+          <a:off x="0" y="0"/>
+          <a:ext cx="0" cy="0"/>
+          <a:chOff x="0" y="0"/>
+          <a:chExt cx="0" cy="0"/>
+        </a:xfrm>
+      </p:grpSpPr>
+      <p:sp>
+        <p:nvSpPr>
+          <p:cNvPr id="6" name="Title 5">
+            <a:extLst>
+              <a:ext uri="{FF2B5EF4-FFF2-40B4-BE49-F238E27FC236}">
+                <a16:creationId xmlns:a16="http://schemas.microsoft.com/office/drawing/2014/main" id="{07DD34A5-0894-FC1B-0CC7-279300CC6E7A}"/>
+              </a:ext>
+            </a:extLst>
+          </p:cNvPr>
+          <p:cNvSpPr>
+            <a:spLocks noGrp="1"/>
+          </p:cNvSpPr>
+          <p:nvPr>
+            <p:ph type="title"/>
+          </p:nvPr>
+        </p:nvSpPr>
+        <p:spPr/>
+        <p:txBody>
+          <a:bodyPr/>
+          <a:lstStyle/>
+          <a:p>
+            <a:r>
+              <a:rPr lang="en-US" dirty="0"/>
+              <a:t>HTTP, HTTPS</a:t>
+            </a:r>
+          </a:p>
+        </p:txBody>
+      </p:sp>
+      <p:sp>
+        <p:nvSpPr>
+          <p:cNvPr id="7" name="TextBox 6">
+            <a:extLst>
+              <a:ext uri="{FF2B5EF4-FFF2-40B4-BE49-F238E27FC236}">
+                <a16:creationId xmlns:a16="http://schemas.microsoft.com/office/drawing/2014/main" id="{427E28EB-3BFF-9D46-B2DE-BA724CC2F314}"/>
+              </a:ext>
+            </a:extLst>
+          </p:cNvPr>
+          <p:cNvSpPr txBox="1"/>
+          <p:nvPr/>
+        </p:nvSpPr>
+        <p:spPr>
+          <a:xfrm>
+            <a:off x="2047742" y="1690688"/>
+            <a:ext cx="7302320" cy="369332"/>
+          </a:xfrm>
+          <a:prstGeom prst="rect">
+            <a:avLst/>
+          </a:prstGeom>
+          <a:noFill/>
+        </p:spPr>
+        <p:txBody>
+          <a:bodyPr wrap="square" rtlCol="0">
+            <a:spAutoFit/>
+          </a:bodyPr>
+          <a:lstStyle/>
+          <a:p>
+            <a:pPr algn="ctr"/>
+            <a:r>
+              <a:rPr lang="en-US" dirty="0"/>
+              <a:t>Hyper Text Transfer Protocol</a:t>
+            </a:r>
+          </a:p>
+        </p:txBody>
+      </p:sp>
+      <p:sp>
+        <p:nvSpPr>
+          <p:cNvPr id="9" name="TextBox 8">
+            <a:extLst>
+              <a:ext uri="{FF2B5EF4-FFF2-40B4-BE49-F238E27FC236}">
+                <a16:creationId xmlns:a16="http://schemas.microsoft.com/office/drawing/2014/main" id="{A9CD03A4-6AFE-A9B6-B5B1-06C215FD6061}"/>
+              </a:ext>
+            </a:extLst>
+          </p:cNvPr>
+          <p:cNvSpPr txBox="1"/>
+          <p:nvPr/>
+        </p:nvSpPr>
+        <p:spPr>
+          <a:xfrm>
+            <a:off x="2047742" y="3659009"/>
+            <a:ext cx="7302320" cy="369332"/>
+          </a:xfrm>
+          <a:prstGeom prst="rect">
+            <a:avLst/>
+          </a:prstGeom>
+          <a:noFill/>
+        </p:spPr>
+        <p:txBody>
+          <a:bodyPr wrap="square" rtlCol="0">
+            <a:spAutoFit/>
+          </a:bodyPr>
+          <a:lstStyle/>
+          <a:p>
+            <a:pPr algn="ctr"/>
+            <a:r>
+              <a:rPr lang="en-US" dirty="0"/>
+              <a:t>Hyper Text Transfer Protocol Secure</a:t>
+            </a:r>
+          </a:p>
+        </p:txBody>
+      </p:sp>
+      <p:sp>
+        <p:nvSpPr>
+          <p:cNvPr id="10" name="TextBox 9">
+            <a:extLst>
+              <a:ext uri="{FF2B5EF4-FFF2-40B4-BE49-F238E27FC236}">
+                <a16:creationId xmlns:a16="http://schemas.microsoft.com/office/drawing/2014/main" id="{5A2EAE11-B76E-D740-1E5D-3F2BDC2034C8}"/>
+              </a:ext>
+            </a:extLst>
+          </p:cNvPr>
+          <p:cNvSpPr txBox="1"/>
+          <p:nvPr/>
+        </p:nvSpPr>
+        <p:spPr>
+          <a:xfrm>
+            <a:off x="2047742" y="2101532"/>
+            <a:ext cx="7302320" cy="369332"/>
+          </a:xfrm>
+          <a:prstGeom prst="rect">
+            <a:avLst/>
+          </a:prstGeom>
+          <a:noFill/>
+        </p:spPr>
+        <p:txBody>
+          <a:bodyPr wrap="square" rtlCol="0">
+            <a:spAutoFit/>
+          </a:bodyPr>
+          <a:lstStyle/>
+          <a:p>
+            <a:pPr algn="ctr"/>
+            <a:r>
+              <a:rPr lang="en-US" dirty="0"/>
+              <a:t>A Protocol for Transferring Data which is understood by Browser and Server.</a:t>
+            </a:r>
+          </a:p>
+        </p:txBody>
+      </p:sp>
+      <p:sp>
+        <p:nvSpPr>
+          <p:cNvPr id="12" name="TextBox 11">
+            <a:extLst>
+              <a:ext uri="{FF2B5EF4-FFF2-40B4-BE49-F238E27FC236}">
+                <a16:creationId xmlns:a16="http://schemas.microsoft.com/office/drawing/2014/main" id="{6D563D4D-B4D9-2034-63F8-15304D8D7B9F}"/>
+              </a:ext>
+            </a:extLst>
+          </p:cNvPr>
+          <p:cNvSpPr txBox="1"/>
+          <p:nvPr/>
+        </p:nvSpPr>
+        <p:spPr>
+          <a:xfrm>
+            <a:off x="2047742" y="4028341"/>
+            <a:ext cx="7302320" cy="369332"/>
+          </a:xfrm>
+          <a:prstGeom prst="rect">
+            <a:avLst/>
+          </a:prstGeom>
+          <a:noFill/>
+        </p:spPr>
+        <p:txBody>
+          <a:bodyPr wrap="square" rtlCol="0">
+            <a:spAutoFit/>
+          </a:bodyPr>
+          <a:lstStyle/>
+          <a:p>
+            <a:pPr algn="ctr"/>
+            <a:r>
+              <a:rPr lang="en-US" dirty="0"/>
+              <a:t>HTTP+ Data Encryption (during Transmission)</a:t>
+            </a:r>
+          </a:p>
+        </p:txBody>
+      </p:sp>
+    </p:spTree>
+    <p:extLst>
+      <p:ext uri="{BB962C8B-B14F-4D97-AF65-F5344CB8AC3E}">
+        <p14:creationId xmlns:p14="http://schemas.microsoft.com/office/powerpoint/2010/main" val="1314374176"/>
+      </p:ext>
+    </p:extLst>
+  </p:cSld>
+  <p:clrMapOvr>
+    <a:masterClrMapping/>
+  </p:clrMapOvr>
+</p:sld>
+</file>
+
+<file path=ppt/slides/slide14.xml><?xml version="1.0" encoding="utf-8"?>
+<p:sld xmlns:a="http://schemas.openxmlformats.org/drawingml/2006/main" xmlns:r="http://schemas.openxmlformats.org/officeDocument/2006/relationships" xmlns:p="http://schemas.openxmlformats.org/presentationml/2006/main">
+  <p:cSld>
+    <p:spTree>
+      <p:nvGrpSpPr>
+        <p:cNvPr id="1" name=""/>
+        <p:cNvGrpSpPr/>
+        <p:nvPr/>
+      </p:nvGrpSpPr>
+      <p:grpSpPr>
+        <a:xfrm>
+          <a:off x="0" y="0"/>
+          <a:ext cx="0" cy="0"/>
+          <a:chOff x="0" y="0"/>
+          <a:chExt cx="0" cy="0"/>
+        </a:xfrm>
+      </p:grpSpPr>
+      <p:sp>
+        <p:nvSpPr>
+          <p:cNvPr id="6" name="Title 5">
+            <a:extLst>
+              <a:ext uri="{FF2B5EF4-FFF2-40B4-BE49-F238E27FC236}">
+                <a16:creationId xmlns:a16="http://schemas.microsoft.com/office/drawing/2014/main" id="{07DD34A5-0894-FC1B-0CC7-279300CC6E7A}"/>
+              </a:ext>
+            </a:extLst>
+          </p:cNvPr>
+          <p:cNvSpPr>
+            <a:spLocks noGrp="1"/>
+          </p:cNvSpPr>
+          <p:nvPr>
+            <p:ph type="title"/>
+          </p:nvPr>
+        </p:nvSpPr>
+        <p:spPr>
+          <a:xfrm>
+            <a:off x="838200" y="365126"/>
+            <a:ext cx="10515600" cy="793974"/>
+          </a:xfrm>
+        </p:spPr>
+        <p:txBody>
+          <a:bodyPr/>
+          <a:lstStyle/>
+          <a:p>
+            <a:r>
+              <a:rPr lang="en-US" dirty="0"/>
+              <a:t>Core Modules</a:t>
+            </a:r>
+          </a:p>
+        </p:txBody>
+      </p:sp>
+      <p:sp>
+        <p:nvSpPr>
+          <p:cNvPr id="7" name="TextBox 6">
+            <a:extLst>
+              <a:ext uri="{FF2B5EF4-FFF2-40B4-BE49-F238E27FC236}">
+                <a16:creationId xmlns:a16="http://schemas.microsoft.com/office/drawing/2014/main" id="{427E28EB-3BFF-9D46-B2DE-BA724CC2F314}"/>
+              </a:ext>
+            </a:extLst>
+          </p:cNvPr>
+          <p:cNvSpPr txBox="1"/>
+          <p:nvPr/>
+        </p:nvSpPr>
+        <p:spPr>
+          <a:xfrm>
+            <a:off x="838200" y="1583661"/>
+            <a:ext cx="1441361" cy="369332"/>
+          </a:xfrm>
+          <a:prstGeom prst="rect">
+            <a:avLst/>
+          </a:prstGeom>
+          <a:noFill/>
+        </p:spPr>
+        <p:txBody>
+          <a:bodyPr wrap="square" rtlCol="0">
+            <a:spAutoFit/>
+          </a:bodyPr>
+          <a:lstStyle/>
+          <a:p>
+            <a:pPr algn="ctr"/>
+            <a:r>
+              <a:rPr lang="en-US" dirty="0"/>
+              <a:t>http</a:t>
+            </a:r>
+          </a:p>
+        </p:txBody>
+      </p:sp>
+      <p:sp>
+        <p:nvSpPr>
+          <p:cNvPr id="10" name="TextBox 9">
+            <a:extLst>
+              <a:ext uri="{FF2B5EF4-FFF2-40B4-BE49-F238E27FC236}">
+                <a16:creationId xmlns:a16="http://schemas.microsoft.com/office/drawing/2014/main" id="{5A2EAE11-B76E-D740-1E5D-3F2BDC2034C8}"/>
+              </a:ext>
+            </a:extLst>
+          </p:cNvPr>
+          <p:cNvSpPr txBox="1"/>
+          <p:nvPr/>
+        </p:nvSpPr>
+        <p:spPr>
+          <a:xfrm>
+            <a:off x="838200" y="2101532"/>
+            <a:ext cx="1441361" cy="369332"/>
+          </a:xfrm>
+          <a:prstGeom prst="rect">
+            <a:avLst/>
+          </a:prstGeom>
+          <a:noFill/>
+        </p:spPr>
+        <p:txBody>
+          <a:bodyPr wrap="square" rtlCol="0">
+            <a:spAutoFit/>
+          </a:bodyPr>
+          <a:lstStyle/>
+          <a:p>
+            <a:pPr algn="ctr"/>
+            <a:r>
+              <a:rPr lang="en-US" dirty="0"/>
+              <a:t>https</a:t>
+            </a:r>
+          </a:p>
+        </p:txBody>
+      </p:sp>
+      <p:sp>
+        <p:nvSpPr>
+          <p:cNvPr id="2" name="TextBox 1">
+            <a:extLst>
+              <a:ext uri="{FF2B5EF4-FFF2-40B4-BE49-F238E27FC236}">
+                <a16:creationId xmlns:a16="http://schemas.microsoft.com/office/drawing/2014/main" id="{6E7A4983-C343-DB3A-2F7C-7E2889066AD3}"/>
+              </a:ext>
+            </a:extLst>
+          </p:cNvPr>
+          <p:cNvSpPr txBox="1"/>
+          <p:nvPr/>
+        </p:nvSpPr>
+        <p:spPr>
+          <a:xfrm>
+            <a:off x="838200" y="2601928"/>
+            <a:ext cx="1441361" cy="369332"/>
+          </a:xfrm>
+          <a:prstGeom prst="rect">
+            <a:avLst/>
+          </a:prstGeom>
+          <a:noFill/>
+        </p:spPr>
+        <p:txBody>
+          <a:bodyPr wrap="square" rtlCol="0">
+            <a:spAutoFit/>
+          </a:bodyPr>
+          <a:lstStyle/>
+          <a:p>
+            <a:pPr algn="ctr"/>
+            <a:r>
+              <a:rPr lang="en-US" dirty="0"/>
+              <a:t>fs</a:t>
+            </a:r>
+          </a:p>
+        </p:txBody>
+      </p:sp>
+      <p:sp>
+        <p:nvSpPr>
+          <p:cNvPr id="3" name="TextBox 2">
+            <a:extLst>
+              <a:ext uri="{FF2B5EF4-FFF2-40B4-BE49-F238E27FC236}">
+                <a16:creationId xmlns:a16="http://schemas.microsoft.com/office/drawing/2014/main" id="{F0E1A471-5584-BB35-CC52-7E34DB2A79F6}"/>
+              </a:ext>
+            </a:extLst>
+          </p:cNvPr>
+          <p:cNvSpPr txBox="1"/>
+          <p:nvPr/>
+        </p:nvSpPr>
+        <p:spPr>
+          <a:xfrm>
+            <a:off x="838200" y="3102324"/>
+            <a:ext cx="1441361" cy="369332"/>
+          </a:xfrm>
+          <a:prstGeom prst="rect">
+            <a:avLst/>
+          </a:prstGeom>
+          <a:noFill/>
+        </p:spPr>
+        <p:txBody>
+          <a:bodyPr wrap="square" rtlCol="0">
+            <a:spAutoFit/>
+          </a:bodyPr>
+          <a:lstStyle/>
+          <a:p>
+            <a:pPr algn="ctr"/>
+            <a:r>
+              <a:rPr lang="en-US" dirty="0"/>
+              <a:t>path</a:t>
+            </a:r>
+          </a:p>
+        </p:txBody>
+      </p:sp>
+      <p:sp>
+        <p:nvSpPr>
+          <p:cNvPr id="4" name="TextBox 3">
+            <a:extLst>
+              <a:ext uri="{FF2B5EF4-FFF2-40B4-BE49-F238E27FC236}">
+                <a16:creationId xmlns:a16="http://schemas.microsoft.com/office/drawing/2014/main" id="{B3CAF9ED-CC91-2949-4141-25035B24CC07}"/>
+              </a:ext>
+            </a:extLst>
+          </p:cNvPr>
+          <p:cNvSpPr txBox="1"/>
+          <p:nvPr/>
+        </p:nvSpPr>
+        <p:spPr>
+          <a:xfrm>
+            <a:off x="915474" y="3602720"/>
+            <a:ext cx="1441361" cy="369332"/>
+          </a:xfrm>
+          <a:prstGeom prst="rect">
+            <a:avLst/>
+          </a:prstGeom>
+          <a:noFill/>
+        </p:spPr>
+        <p:txBody>
+          <a:bodyPr wrap="square" rtlCol="0">
+            <a:spAutoFit/>
+          </a:bodyPr>
+          <a:lstStyle/>
+          <a:p>
+            <a:pPr algn="ctr"/>
+            <a:r>
+              <a:rPr lang="en-US" dirty="0" err="1"/>
+              <a:t>os</a:t>
+            </a:r>
+            <a:endParaRPr lang="en-US" dirty="0"/>
+          </a:p>
+        </p:txBody>
+      </p:sp>
+      <p:sp>
+        <p:nvSpPr>
+          <p:cNvPr id="5" name="Arrow: Right 4">
+            <a:extLst>
+              <a:ext uri="{FF2B5EF4-FFF2-40B4-BE49-F238E27FC236}">
+                <a16:creationId xmlns:a16="http://schemas.microsoft.com/office/drawing/2014/main" id="{1810147B-678D-CC90-5A5A-BF43D0B4A119}"/>
+              </a:ext>
+            </a:extLst>
+          </p:cNvPr>
+          <p:cNvSpPr/>
+          <p:nvPr/>
+        </p:nvSpPr>
+        <p:spPr>
+          <a:xfrm>
+            <a:off x="2279561" y="1583661"/>
+            <a:ext cx="2859109" cy="517871"/>
+          </a:xfrm>
+          <a:prstGeom prst="rightArrow">
+            <a:avLst/>
+          </a:prstGeom>
+        </p:spPr>
+        <p:style>
+          <a:lnRef idx="2">
+            <a:schemeClr val="accent1">
+              <a:shade val="50000"/>
+            </a:schemeClr>
+          </a:lnRef>
+          <a:fillRef idx="1">
+            <a:schemeClr val="accent1"/>
+          </a:fillRef>
+          <a:effectRef idx="0">
+            <a:schemeClr val="accent1"/>
+          </a:effectRef>
+          <a:fontRef idx="minor">
+            <a:schemeClr val="lt1"/>
+          </a:fontRef>
+        </p:style>
+        <p:txBody>
+          <a:bodyPr rtlCol="0" anchor="ctr"/>
+          <a:lstStyle/>
+          <a:p>
+            <a:pPr algn="ctr"/>
+            <a:endParaRPr lang="en-US"/>
+          </a:p>
+        </p:txBody>
+      </p:sp>
+      <p:sp>
+        <p:nvSpPr>
+          <p:cNvPr id="8" name="Arrow: Right 7">
+            <a:extLst>
+              <a:ext uri="{FF2B5EF4-FFF2-40B4-BE49-F238E27FC236}">
+                <a16:creationId xmlns:a16="http://schemas.microsoft.com/office/drawing/2014/main" id="{2EA8EDE4-ED96-0089-9D96-EFF626355622}"/>
+              </a:ext>
+            </a:extLst>
+          </p:cNvPr>
+          <p:cNvSpPr/>
+          <p:nvPr/>
+        </p:nvSpPr>
+        <p:spPr>
+          <a:xfrm>
+            <a:off x="2279561" y="2118618"/>
+            <a:ext cx="2859109" cy="517871"/>
+          </a:xfrm>
+          <a:prstGeom prst="rightArrow">
+            <a:avLst/>
+          </a:prstGeom>
+        </p:spPr>
+        <p:style>
+          <a:lnRef idx="2">
+            <a:schemeClr val="accent1">
+              <a:shade val="50000"/>
+            </a:schemeClr>
+          </a:lnRef>
+          <a:fillRef idx="1">
+            <a:schemeClr val="accent1"/>
+          </a:fillRef>
+          <a:effectRef idx="0">
+            <a:schemeClr val="accent1"/>
+          </a:effectRef>
+          <a:fontRef idx="minor">
+            <a:schemeClr val="lt1"/>
+          </a:fontRef>
+        </p:style>
+        <p:txBody>
+          <a:bodyPr rtlCol="0" anchor="ctr"/>
+          <a:lstStyle/>
+          <a:p>
+            <a:pPr algn="ctr"/>
+            <a:endParaRPr lang="en-US"/>
+          </a:p>
+        </p:txBody>
+      </p:sp>
+      <p:sp>
+        <p:nvSpPr>
+          <p:cNvPr id="11" name="Rectangle: Rounded Corners 10">
+            <a:extLst>
+              <a:ext uri="{FF2B5EF4-FFF2-40B4-BE49-F238E27FC236}">
+                <a16:creationId xmlns:a16="http://schemas.microsoft.com/office/drawing/2014/main" id="{683DB7F9-17AC-9A09-EF4B-90014D1F740A}"/>
+              </a:ext>
+            </a:extLst>
+          </p:cNvPr>
+          <p:cNvSpPr/>
+          <p:nvPr/>
+        </p:nvSpPr>
+        <p:spPr>
+          <a:xfrm>
+            <a:off x="5486400" y="1429555"/>
+            <a:ext cx="3747752" cy="671977"/>
+          </a:xfrm>
+          <a:prstGeom prst="roundRect">
+            <a:avLst/>
+          </a:prstGeom>
+        </p:spPr>
+        <p:style>
+          <a:lnRef idx="2">
+            <a:schemeClr val="accent1">
+              <a:shade val="50000"/>
+            </a:schemeClr>
+          </a:lnRef>
+          <a:fillRef idx="1">
+            <a:schemeClr val="accent1"/>
+          </a:fillRef>
+          <a:effectRef idx="0">
+            <a:schemeClr val="accent1"/>
+          </a:effectRef>
+          <a:fontRef idx="minor">
+            <a:schemeClr val="lt1"/>
+          </a:fontRef>
+        </p:style>
+        <p:txBody>
+          <a:bodyPr rtlCol="0" anchor="ctr"/>
+          <a:lstStyle/>
+          <a:p>
+            <a:pPr algn="ctr"/>
+            <a:r>
+              <a:rPr lang="en-US" dirty="0"/>
+              <a:t>Launch a server, send requests</a:t>
+            </a:r>
+          </a:p>
+        </p:txBody>
+      </p:sp>
+      <p:sp>
+        <p:nvSpPr>
+          <p:cNvPr id="13" name="Rectangle: Rounded Corners 12">
+            <a:extLst>
+              <a:ext uri="{FF2B5EF4-FFF2-40B4-BE49-F238E27FC236}">
+                <a16:creationId xmlns:a16="http://schemas.microsoft.com/office/drawing/2014/main" id="{8F422751-CB5A-4A13-18BC-B6EF050BFE6F}"/>
+              </a:ext>
+            </a:extLst>
+          </p:cNvPr>
+          <p:cNvSpPr/>
+          <p:nvPr/>
+        </p:nvSpPr>
+        <p:spPr>
+          <a:xfrm>
+            <a:off x="5486400" y="2224520"/>
+            <a:ext cx="3747752" cy="671977"/>
+          </a:xfrm>
+          <a:prstGeom prst="roundRect">
+            <a:avLst/>
+          </a:prstGeom>
+        </p:spPr>
+        <p:style>
+          <a:lnRef idx="2">
+            <a:schemeClr val="accent1">
+              <a:shade val="50000"/>
+            </a:schemeClr>
+          </a:lnRef>
+          <a:fillRef idx="1">
+            <a:schemeClr val="accent1"/>
+          </a:fillRef>
+          <a:effectRef idx="0">
+            <a:schemeClr val="accent1"/>
+          </a:effectRef>
+          <a:fontRef idx="minor">
+            <a:schemeClr val="lt1"/>
+          </a:fontRef>
+        </p:style>
+        <p:txBody>
+          <a:bodyPr rtlCol="0" anchor="ctr"/>
+          <a:lstStyle/>
+          <a:p>
+            <a:pPr algn="ctr"/>
+            <a:r>
+              <a:rPr lang="en-US" dirty="0"/>
+              <a:t>Launch a SSL server</a:t>
+            </a:r>
+          </a:p>
+        </p:txBody>
+      </p:sp>
+    </p:spTree>
+    <p:extLst>
+      <p:ext uri="{BB962C8B-B14F-4D97-AF65-F5344CB8AC3E}">
+        <p14:creationId xmlns:p14="http://schemas.microsoft.com/office/powerpoint/2010/main" val="2656484497"/>
+      </p:ext>
+    </p:extLst>
+  </p:cSld>
+  <p:clrMapOvr>
+    <a:masterClrMapping/>
+  </p:clrMapOvr>
+</p:sld>
+</file>
+
+<file path=ppt/slides/slide15.xml><?xml version="1.0" encoding="utf-8"?>
+<p:sld xmlns:a="http://schemas.openxmlformats.org/drawingml/2006/main" xmlns:r="http://schemas.openxmlformats.org/officeDocument/2006/relationships" xmlns:p="http://schemas.openxmlformats.org/presentationml/2006/main">
+  <p:cSld>
+    <p:spTree>
+      <p:nvGrpSpPr>
+        <p:cNvPr id="1" name=""/>
+        <p:cNvGrpSpPr/>
+        <p:nvPr/>
+      </p:nvGrpSpPr>
+      <p:grpSpPr>
+        <a:xfrm>
+          <a:off x="0" y="0"/>
+          <a:ext cx="0" cy="0"/>
+          <a:chOff x="0" y="0"/>
+          <a:chExt cx="0" cy="0"/>
+        </a:xfrm>
+      </p:grpSpPr>
+      <p:sp>
+        <p:nvSpPr>
+          <p:cNvPr id="2" name="Title 1">
+            <a:extLst>
+              <a:ext uri="{FF2B5EF4-FFF2-40B4-BE49-F238E27FC236}">
+                <a16:creationId xmlns:a16="http://schemas.microsoft.com/office/drawing/2014/main" id="{163FABB3-A1D3-5809-E1A4-61E90408E0E9}"/>
+              </a:ext>
+            </a:extLst>
+          </p:cNvPr>
+          <p:cNvSpPr>
+            <a:spLocks noGrp="1"/>
+          </p:cNvSpPr>
+          <p:nvPr>
+            <p:ph type="title"/>
+          </p:nvPr>
+        </p:nvSpPr>
+        <p:spPr>
+          <a:xfrm>
+            <a:off x="838200" y="365126"/>
+            <a:ext cx="10515600" cy="562154"/>
+          </a:xfrm>
+        </p:spPr>
+        <p:txBody>
+          <a:bodyPr>
+            <a:normAutofit fontScale="90000"/>
+          </a:bodyPr>
+          <a:lstStyle/>
+          <a:p>
+            <a:r>
+              <a:rPr lang="en-US" dirty="0"/>
+              <a:t>Node.js Program Lifecycle</a:t>
+            </a:r>
+          </a:p>
+        </p:txBody>
+      </p:sp>
+      <p:sp>
+        <p:nvSpPr>
+          <p:cNvPr id="4" name="Rectangle: Rounded Corners 3">
+            <a:extLst>
+              <a:ext uri="{FF2B5EF4-FFF2-40B4-BE49-F238E27FC236}">
+                <a16:creationId xmlns:a16="http://schemas.microsoft.com/office/drawing/2014/main" id="{3AD6EDC8-2D43-5240-B755-91F8E3AE7606}"/>
+              </a:ext>
+            </a:extLst>
+          </p:cNvPr>
+          <p:cNvSpPr/>
+          <p:nvPr/>
+        </p:nvSpPr>
+        <p:spPr>
+          <a:xfrm>
+            <a:off x="1120462" y="1081825"/>
+            <a:ext cx="2704563" cy="562154"/>
+          </a:xfrm>
+          <a:prstGeom prst="roundRect">
+            <a:avLst/>
+          </a:prstGeom>
+          <a:solidFill>
+            <a:schemeClr val="accent2">
+              <a:lumMod val="75000"/>
+            </a:schemeClr>
+          </a:solidFill>
+        </p:spPr>
+        <p:style>
+          <a:lnRef idx="2">
+            <a:schemeClr val="accent1">
+              <a:shade val="50000"/>
+            </a:schemeClr>
+          </a:lnRef>
+          <a:fillRef idx="1">
+            <a:schemeClr val="accent1"/>
+          </a:fillRef>
+          <a:effectRef idx="0">
+            <a:schemeClr val="accent1"/>
+          </a:effectRef>
+          <a:fontRef idx="minor">
+            <a:schemeClr val="lt1"/>
+          </a:fontRef>
+        </p:style>
+        <p:txBody>
+          <a:bodyPr rtlCol="0" anchor="ctr"/>
+          <a:lstStyle/>
+          <a:p>
+            <a:pPr algn="ctr"/>
+            <a:r>
+              <a:rPr lang="en-US" dirty="0"/>
+              <a:t>Node app.js</a:t>
+            </a:r>
+          </a:p>
+        </p:txBody>
+      </p:sp>
+      <p:sp>
+        <p:nvSpPr>
+          <p:cNvPr id="5" name="Arrow: Right 4">
+            <a:extLst>
+              <a:ext uri="{FF2B5EF4-FFF2-40B4-BE49-F238E27FC236}">
+                <a16:creationId xmlns:a16="http://schemas.microsoft.com/office/drawing/2014/main" id="{D77A2E88-09E7-146B-F5AE-7733D4D75834}"/>
+              </a:ext>
+            </a:extLst>
+          </p:cNvPr>
+          <p:cNvSpPr/>
+          <p:nvPr/>
+        </p:nvSpPr>
+        <p:spPr>
+          <a:xfrm>
+            <a:off x="3940935" y="1081825"/>
+            <a:ext cx="1275009" cy="562154"/>
+          </a:xfrm>
+          <a:prstGeom prst="rightArrow">
+            <a:avLst/>
+          </a:prstGeom>
+          <a:solidFill>
+            <a:schemeClr val="accent2">
+              <a:lumMod val="60000"/>
+              <a:lumOff val="40000"/>
+            </a:schemeClr>
+          </a:solidFill>
+        </p:spPr>
+        <p:style>
+          <a:lnRef idx="2">
+            <a:schemeClr val="accent1">
+              <a:shade val="50000"/>
+            </a:schemeClr>
+          </a:lnRef>
+          <a:fillRef idx="1">
+            <a:schemeClr val="accent1"/>
+          </a:fillRef>
+          <a:effectRef idx="0">
+            <a:schemeClr val="accent1"/>
+          </a:effectRef>
+          <a:fontRef idx="minor">
+            <a:schemeClr val="lt1"/>
+          </a:fontRef>
+        </p:style>
+        <p:txBody>
+          <a:bodyPr rtlCol="0" anchor="ctr"/>
+          <a:lstStyle/>
+          <a:p>
+            <a:pPr algn="ctr"/>
+            <a:endParaRPr lang="en-US"/>
+          </a:p>
+        </p:txBody>
+      </p:sp>
+      <p:sp>
+        <p:nvSpPr>
+          <p:cNvPr id="6" name="Rectangle: Rounded Corners 5">
+            <a:extLst>
+              <a:ext uri="{FF2B5EF4-FFF2-40B4-BE49-F238E27FC236}">
+                <a16:creationId xmlns:a16="http://schemas.microsoft.com/office/drawing/2014/main" id="{AB7C041B-2C47-E847-722B-E56764A16F5F}"/>
+              </a:ext>
+            </a:extLst>
+          </p:cNvPr>
+          <p:cNvSpPr/>
+          <p:nvPr/>
+        </p:nvSpPr>
+        <p:spPr>
+          <a:xfrm>
+            <a:off x="5525036" y="1053809"/>
+            <a:ext cx="2704563" cy="562154"/>
+          </a:xfrm>
+          <a:prstGeom prst="roundRect">
+            <a:avLst/>
+          </a:prstGeom>
+          <a:solidFill>
+            <a:srgbClr val="7030A0"/>
+          </a:solidFill>
+        </p:spPr>
+        <p:style>
+          <a:lnRef idx="2">
+            <a:schemeClr val="accent1">
+              <a:shade val="50000"/>
+            </a:schemeClr>
+          </a:lnRef>
+          <a:fillRef idx="1">
+            <a:schemeClr val="accent1"/>
+          </a:fillRef>
+          <a:effectRef idx="0">
+            <a:schemeClr val="accent1"/>
+          </a:effectRef>
+          <a:fontRef idx="minor">
+            <a:schemeClr val="lt1"/>
+          </a:fontRef>
+        </p:style>
+        <p:txBody>
+          <a:bodyPr rtlCol="0" anchor="ctr"/>
+          <a:lstStyle/>
+          <a:p>
+            <a:pPr algn="ctr"/>
+            <a:r>
+              <a:rPr lang="en-US" dirty="0"/>
+              <a:t>Start Script</a:t>
+            </a:r>
+          </a:p>
+        </p:txBody>
+      </p:sp>
+      <p:sp>
+        <p:nvSpPr>
+          <p:cNvPr id="7" name="Arrow: Down 6">
+            <a:extLst>
+              <a:ext uri="{FF2B5EF4-FFF2-40B4-BE49-F238E27FC236}">
+                <a16:creationId xmlns:a16="http://schemas.microsoft.com/office/drawing/2014/main" id="{80DAC892-0BE4-4C97-7F91-B289547B5A17}"/>
+              </a:ext>
+            </a:extLst>
+          </p:cNvPr>
+          <p:cNvSpPr/>
+          <p:nvPr/>
+        </p:nvSpPr>
+        <p:spPr>
+          <a:xfrm>
+            <a:off x="6658377" y="1712890"/>
+            <a:ext cx="734096" cy="1081825"/>
+          </a:xfrm>
+          <a:prstGeom prst="downArrow">
+            <a:avLst/>
+          </a:prstGeom>
+        </p:spPr>
+        <p:style>
+          <a:lnRef idx="2">
+            <a:schemeClr val="accent1">
+              <a:shade val="50000"/>
+            </a:schemeClr>
+          </a:lnRef>
+          <a:fillRef idx="1">
+            <a:schemeClr val="accent1"/>
+          </a:fillRef>
+          <a:effectRef idx="0">
+            <a:schemeClr val="accent1"/>
+          </a:effectRef>
+          <a:fontRef idx="minor">
+            <a:schemeClr val="lt1"/>
+          </a:fontRef>
+        </p:style>
+        <p:txBody>
+          <a:bodyPr rtlCol="0" anchor="ctr"/>
+          <a:lstStyle/>
+          <a:p>
+            <a:pPr algn="ctr"/>
+            <a:endParaRPr lang="en-US"/>
+          </a:p>
+        </p:txBody>
+      </p:sp>
+      <p:sp>
+        <p:nvSpPr>
+          <p:cNvPr id="8" name="Rectangle: Rounded Corners 7">
+            <a:extLst>
+              <a:ext uri="{FF2B5EF4-FFF2-40B4-BE49-F238E27FC236}">
+                <a16:creationId xmlns:a16="http://schemas.microsoft.com/office/drawing/2014/main" id="{B14728EB-4D84-977D-64FA-F87A0AE8BB46}"/>
+              </a:ext>
+            </a:extLst>
+          </p:cNvPr>
+          <p:cNvSpPr/>
+          <p:nvPr/>
+        </p:nvSpPr>
+        <p:spPr>
+          <a:xfrm>
+            <a:off x="5673143" y="2891642"/>
+            <a:ext cx="2704563" cy="562154"/>
+          </a:xfrm>
+          <a:prstGeom prst="roundRect">
+            <a:avLst/>
+          </a:prstGeom>
+          <a:solidFill>
+            <a:srgbClr val="7030A0"/>
+          </a:solidFill>
+        </p:spPr>
+        <p:style>
+          <a:lnRef idx="2">
+            <a:schemeClr val="accent1">
+              <a:shade val="50000"/>
+            </a:schemeClr>
+          </a:lnRef>
+          <a:fillRef idx="1">
+            <a:schemeClr val="accent1"/>
+          </a:fillRef>
+          <a:effectRef idx="0">
+            <a:schemeClr val="accent1"/>
+          </a:effectRef>
+          <a:fontRef idx="minor">
+            <a:schemeClr val="lt1"/>
+          </a:fontRef>
+        </p:style>
+        <p:txBody>
+          <a:bodyPr rtlCol="0" anchor="ctr"/>
+          <a:lstStyle/>
+          <a:p>
+            <a:pPr algn="ctr"/>
+            <a:r>
+              <a:rPr lang="en-US" dirty="0"/>
+              <a:t>Parse Code, Register Variables &amp; Functions</a:t>
+            </a:r>
+          </a:p>
+        </p:txBody>
+      </p:sp>
+      <p:sp>
+        <p:nvSpPr>
+          <p:cNvPr id="9" name="Rectangle: Rounded Corners 8">
+            <a:extLst>
+              <a:ext uri="{FF2B5EF4-FFF2-40B4-BE49-F238E27FC236}">
+                <a16:creationId xmlns:a16="http://schemas.microsoft.com/office/drawing/2014/main" id="{8331CE21-3F9A-8FE9-A778-44987F19EC52}"/>
+              </a:ext>
+            </a:extLst>
+          </p:cNvPr>
+          <p:cNvSpPr/>
+          <p:nvPr/>
+        </p:nvSpPr>
+        <p:spPr>
+          <a:xfrm>
+            <a:off x="5789052" y="4167321"/>
+            <a:ext cx="2981461" cy="1357716"/>
+          </a:xfrm>
+          <a:prstGeom prst="roundRect">
+            <a:avLst/>
+          </a:prstGeom>
+          <a:solidFill>
+            <a:srgbClr val="92D050"/>
+          </a:solidFill>
+        </p:spPr>
+        <p:style>
+          <a:lnRef idx="2">
+            <a:schemeClr val="accent6"/>
+          </a:lnRef>
+          <a:fillRef idx="1">
+            <a:schemeClr val="lt1"/>
+          </a:fillRef>
+          <a:effectRef idx="0">
+            <a:schemeClr val="accent6"/>
+          </a:effectRef>
+          <a:fontRef idx="minor">
+            <a:schemeClr val="dk1"/>
+          </a:fontRef>
+        </p:style>
+        <p:txBody>
+          <a:bodyPr rtlCol="0" anchor="ctr"/>
+          <a:lstStyle/>
+          <a:p>
+            <a:pPr algn="ctr"/>
+            <a:r>
+              <a:rPr lang="en-US" dirty="0"/>
+              <a:t>Event Loop</a:t>
+            </a:r>
+          </a:p>
+        </p:txBody>
+      </p:sp>
+      <p:sp>
+        <p:nvSpPr>
+          <p:cNvPr id="10" name="Arrow: Down 9">
+            <a:extLst>
+              <a:ext uri="{FF2B5EF4-FFF2-40B4-BE49-F238E27FC236}">
+                <a16:creationId xmlns:a16="http://schemas.microsoft.com/office/drawing/2014/main" id="{60EF3770-E805-8869-5ABE-72A8E2654CF2}"/>
+              </a:ext>
+            </a:extLst>
+          </p:cNvPr>
+          <p:cNvSpPr/>
+          <p:nvPr/>
+        </p:nvSpPr>
+        <p:spPr>
+          <a:xfrm>
+            <a:off x="6774285" y="3507850"/>
+            <a:ext cx="618188" cy="659472"/>
+          </a:xfrm>
+          <a:prstGeom prst="downArrow">
+            <a:avLst/>
+          </a:prstGeom>
+        </p:spPr>
+        <p:style>
+          <a:lnRef idx="2">
+            <a:schemeClr val="accent1">
+              <a:shade val="50000"/>
+            </a:schemeClr>
+          </a:lnRef>
+          <a:fillRef idx="1">
+            <a:schemeClr val="accent1"/>
+          </a:fillRef>
+          <a:effectRef idx="0">
+            <a:schemeClr val="accent1"/>
+          </a:effectRef>
+          <a:fontRef idx="minor">
+            <a:schemeClr val="lt1"/>
+          </a:fontRef>
+        </p:style>
+        <p:txBody>
+          <a:bodyPr rtlCol="0" anchor="ctr"/>
+          <a:lstStyle/>
+          <a:p>
+            <a:pPr algn="ctr"/>
+            <a:endParaRPr lang="en-US"/>
+          </a:p>
+        </p:txBody>
+      </p:sp>
+      <p:grpSp>
+        <p:nvGrpSpPr>
+          <p:cNvPr id="14" name="Group 13">
+            <a:extLst>
+              <a:ext uri="{FF2B5EF4-FFF2-40B4-BE49-F238E27FC236}">
+                <a16:creationId xmlns:a16="http://schemas.microsoft.com/office/drawing/2014/main" id="{FF4CEE3E-B184-53BA-EEF6-90CBDD1A8B70}"/>
+              </a:ext>
+            </a:extLst>
+          </p:cNvPr>
+          <p:cNvGrpSpPr/>
+          <p:nvPr/>
+        </p:nvGrpSpPr>
+        <p:grpSpPr>
+          <a:xfrm>
+            <a:off x="6176748" y="4300291"/>
+            <a:ext cx="1980360" cy="1045440"/>
+            <a:chOff x="6176748" y="4300291"/>
+            <a:chExt cx="1980360" cy="1045440"/>
+          </a:xfrm>
+        </p:grpSpPr>
+        <mc:AlternateContent xmlns:mc="http://schemas.openxmlformats.org/markup-compatibility/2006">
+          <mc:Choice xmlns:p14="http://schemas.microsoft.com/office/powerpoint/2010/main" Requires="p14">
+            <p:contentPart p14:bwMode="auto" r:id="rId2">
+              <p14:nvContentPartPr>
+                <p14:cNvPr id="12" name="Ink 11">
+                  <a:extLst>
+                    <a:ext uri="{FF2B5EF4-FFF2-40B4-BE49-F238E27FC236}">
+                      <a16:creationId xmlns:a16="http://schemas.microsoft.com/office/drawing/2014/main" id="{5540C5A5-3116-FDFB-8E07-D807382DD783}"/>
+                    </a:ext>
+                  </a:extLst>
+                </p14:cNvPr>
+                <p14:cNvContentPartPr/>
+                <p14:nvPr/>
+              </p14:nvContentPartPr>
+              <p14:xfrm>
+                <a:off x="6176748" y="4413691"/>
+                <a:ext cx="1980360" cy="932040"/>
+              </p14:xfrm>
+            </p:contentPart>
+          </mc:Choice>
+          <mc:Fallback>
+            <p:pic>
+              <p:nvPicPr>
+                <p:cNvPr id="12" name="Ink 11">
+                  <a:extLst>
+                    <a:ext uri="{FF2B5EF4-FFF2-40B4-BE49-F238E27FC236}">
+                      <a16:creationId xmlns:a16="http://schemas.microsoft.com/office/drawing/2014/main" id="{5540C5A5-3116-FDFB-8E07-D807382DD783}"/>
+                    </a:ext>
+                  </a:extLst>
+                </p:cNvPr>
+                <p:cNvPicPr/>
+                <p:nvPr/>
+              </p:nvPicPr>
+              <p:blipFill>
+                <a:blip r:embed="rId3"/>
+                <a:stretch>
+                  <a:fillRect/>
+                </a:stretch>
+              </p:blipFill>
+              <p:spPr>
+                <a:xfrm>
+                  <a:off x="6167748" y="4404691"/>
+                  <a:ext cx="1998000" cy="949680"/>
+                </a:xfrm>
+                <a:prstGeom prst="rect">
+                  <a:avLst/>
+                </a:prstGeom>
+              </p:spPr>
+            </p:pic>
+          </mc:Fallback>
+        </mc:AlternateContent>
+        <mc:AlternateContent xmlns:mc="http://schemas.openxmlformats.org/markup-compatibility/2006">
+          <mc:Choice xmlns:p14="http://schemas.microsoft.com/office/powerpoint/2010/main" Requires="p14">
+            <p:contentPart p14:bwMode="auto" r:id="rId4">
+              <p14:nvContentPartPr>
+                <p14:cNvPr id="13" name="Ink 12">
+                  <a:extLst>
+                    <a:ext uri="{FF2B5EF4-FFF2-40B4-BE49-F238E27FC236}">
+                      <a16:creationId xmlns:a16="http://schemas.microsoft.com/office/drawing/2014/main" id="{DC64EF2F-7040-FABC-A41E-5179FD062302}"/>
+                    </a:ext>
+                  </a:extLst>
+                </p14:cNvPr>
+                <p14:cNvContentPartPr/>
+                <p14:nvPr/>
+              </p14:nvContentPartPr>
+              <p14:xfrm>
+                <a:off x="6811788" y="4300291"/>
+                <a:ext cx="353880" cy="279720"/>
+              </p14:xfrm>
+            </p:contentPart>
+          </mc:Choice>
+          <mc:Fallback>
+            <p:pic>
+              <p:nvPicPr>
+                <p:cNvPr id="13" name="Ink 12">
+                  <a:extLst>
+                    <a:ext uri="{FF2B5EF4-FFF2-40B4-BE49-F238E27FC236}">
+                      <a16:creationId xmlns:a16="http://schemas.microsoft.com/office/drawing/2014/main" id="{DC64EF2F-7040-FABC-A41E-5179FD062302}"/>
+                    </a:ext>
+                  </a:extLst>
+                </p:cNvPr>
+                <p:cNvPicPr/>
+                <p:nvPr/>
+              </p:nvPicPr>
+              <p:blipFill>
+                <a:blip r:embed="rId5"/>
+                <a:stretch>
+                  <a:fillRect/>
+                </a:stretch>
+              </p:blipFill>
+              <p:spPr>
+                <a:xfrm>
+                  <a:off x="6803148" y="4291651"/>
+                  <a:ext cx="371520" cy="297360"/>
+                </a:xfrm>
+                <a:prstGeom prst="rect">
+                  <a:avLst/>
+                </a:prstGeom>
+              </p:spPr>
+            </p:pic>
+          </mc:Fallback>
+        </mc:AlternateContent>
+      </p:grpSp>
+      <p:grpSp>
+        <p:nvGrpSpPr>
+          <p:cNvPr id="18" name="Group 17">
+            <a:extLst>
+              <a:ext uri="{FF2B5EF4-FFF2-40B4-BE49-F238E27FC236}">
+                <a16:creationId xmlns:a16="http://schemas.microsoft.com/office/drawing/2014/main" id="{BB8C36EC-C413-B1B4-7AD1-5A3BE2CA3014}"/>
+              </a:ext>
+            </a:extLst>
+          </p:cNvPr>
+          <p:cNvGrpSpPr/>
+          <p:nvPr/>
+        </p:nvGrpSpPr>
+        <p:grpSpPr>
+          <a:xfrm>
+            <a:off x="7069908" y="5499091"/>
+            <a:ext cx="271080" cy="38520"/>
+            <a:chOff x="7069908" y="5499091"/>
+            <a:chExt cx="271080" cy="38520"/>
+          </a:xfrm>
+        </p:grpSpPr>
+        <mc:AlternateContent xmlns:mc="http://schemas.openxmlformats.org/markup-compatibility/2006">
+          <mc:Choice xmlns:p14="http://schemas.microsoft.com/office/powerpoint/2010/main" Requires="p14">
+            <p:contentPart p14:bwMode="auto" r:id="rId6">
+              <p14:nvContentPartPr>
+                <p14:cNvPr id="16" name="Ink 15">
+                  <a:extLst>
+                    <a:ext uri="{FF2B5EF4-FFF2-40B4-BE49-F238E27FC236}">
+                      <a16:creationId xmlns:a16="http://schemas.microsoft.com/office/drawing/2014/main" id="{7D889FC0-27E7-48D5-6089-4900C252E188}"/>
+                    </a:ext>
+                  </a:extLst>
+                </p14:cNvPr>
+                <p14:cNvContentPartPr/>
+                <p14:nvPr/>
+              </p14:nvContentPartPr>
+              <p14:xfrm>
+                <a:off x="7069908" y="5499091"/>
+                <a:ext cx="360" cy="360"/>
+              </p14:xfrm>
+            </p:contentPart>
+          </mc:Choice>
+          <mc:Fallback>
+            <p:pic>
+              <p:nvPicPr>
+                <p:cNvPr id="16" name="Ink 15">
+                  <a:extLst>
+                    <a:ext uri="{FF2B5EF4-FFF2-40B4-BE49-F238E27FC236}">
+                      <a16:creationId xmlns:a16="http://schemas.microsoft.com/office/drawing/2014/main" id="{7D889FC0-27E7-48D5-6089-4900C252E188}"/>
+                    </a:ext>
+                  </a:extLst>
+                </p:cNvPr>
+                <p:cNvPicPr/>
+                <p:nvPr/>
+              </p:nvPicPr>
+              <p:blipFill>
+                <a:blip r:embed="rId7"/>
+                <a:stretch>
+                  <a:fillRect/>
+                </a:stretch>
+              </p:blipFill>
+              <p:spPr>
+                <a:xfrm>
+                  <a:off x="7061268" y="5490091"/>
+                  <a:ext cx="18000" cy="18000"/>
+                </a:xfrm>
+                <a:prstGeom prst="rect">
+                  <a:avLst/>
+                </a:prstGeom>
+              </p:spPr>
+            </p:pic>
+          </mc:Fallback>
+        </mc:AlternateContent>
+        <mc:AlternateContent xmlns:mc="http://schemas.openxmlformats.org/markup-compatibility/2006">
+          <mc:Choice xmlns:p14="http://schemas.microsoft.com/office/powerpoint/2010/main" Requires="p14">
+            <p:contentPart p14:bwMode="auto" r:id="rId8">
+              <p14:nvContentPartPr>
+                <p14:cNvPr id="17" name="Ink 16">
+                  <a:extLst>
+                    <a:ext uri="{FF2B5EF4-FFF2-40B4-BE49-F238E27FC236}">
+                      <a16:creationId xmlns:a16="http://schemas.microsoft.com/office/drawing/2014/main" id="{07425D10-4C9C-3937-1FF6-C6416FE798AE}"/>
+                    </a:ext>
+                  </a:extLst>
+                </p14:cNvPr>
+                <p14:cNvContentPartPr/>
+                <p14:nvPr/>
+              </p14:nvContentPartPr>
+              <p14:xfrm>
+                <a:off x="7340628" y="5537251"/>
+                <a:ext cx="360" cy="360"/>
+              </p14:xfrm>
+            </p:contentPart>
+          </mc:Choice>
+          <mc:Fallback>
+            <p:pic>
+              <p:nvPicPr>
+                <p:cNvPr id="17" name="Ink 16">
+                  <a:extLst>
+                    <a:ext uri="{FF2B5EF4-FFF2-40B4-BE49-F238E27FC236}">
+                      <a16:creationId xmlns:a16="http://schemas.microsoft.com/office/drawing/2014/main" id="{07425D10-4C9C-3937-1FF6-C6416FE798AE}"/>
+                    </a:ext>
+                  </a:extLst>
+                </p:cNvPr>
+                <p:cNvPicPr/>
+                <p:nvPr/>
+              </p:nvPicPr>
+              <p:blipFill>
+                <a:blip r:embed="rId9"/>
+                <a:stretch>
+                  <a:fillRect/>
+                </a:stretch>
+              </p:blipFill>
+              <p:spPr>
+                <a:xfrm>
+                  <a:off x="7331628" y="5528611"/>
+                  <a:ext cx="18000" cy="18000"/>
+                </a:xfrm>
+                <a:prstGeom prst="rect">
+                  <a:avLst/>
+                </a:prstGeom>
+              </p:spPr>
+            </p:pic>
+          </mc:Fallback>
+        </mc:AlternateContent>
+      </p:grpSp>
+      <mc:AlternateContent xmlns:mc="http://schemas.openxmlformats.org/markup-compatibility/2006">
+        <mc:Choice xmlns:p14="http://schemas.microsoft.com/office/powerpoint/2010/main" Requires="p14">
+          <p:contentPart p14:bwMode="auto" r:id="rId10">
+            <p14:nvContentPartPr>
+              <p14:cNvPr id="19" name="Ink 18">
+                <a:extLst>
+                  <a:ext uri="{FF2B5EF4-FFF2-40B4-BE49-F238E27FC236}">
+                    <a16:creationId xmlns:a16="http://schemas.microsoft.com/office/drawing/2014/main" id="{DC1CFBEC-7B6B-5509-8E26-4CFE4316BB99}"/>
+                  </a:ext>
+                </a:extLst>
+              </p14:cNvPr>
+              <p14:cNvContentPartPr/>
+              <p14:nvPr/>
+            </p14:nvContentPartPr>
+            <p14:xfrm>
+              <a:off x="-348252" y="2176291"/>
+              <a:ext cx="360" cy="360"/>
+            </p14:xfrm>
+          </p:contentPart>
+        </mc:Choice>
+        <mc:Fallback>
+          <p:pic>
+            <p:nvPicPr>
+              <p:cNvPr id="19" name="Ink 18">
+                <a:extLst>
+                  <a:ext uri="{FF2B5EF4-FFF2-40B4-BE49-F238E27FC236}">
+                    <a16:creationId xmlns:a16="http://schemas.microsoft.com/office/drawing/2014/main" id="{DC1CFBEC-7B6B-5509-8E26-4CFE4316BB99}"/>
+                  </a:ext>
+                </a:extLst>
+              </p:cNvPr>
+              <p:cNvPicPr/>
+              <p:nvPr/>
+            </p:nvPicPr>
+            <p:blipFill>
+              <a:blip r:embed="rId11"/>
+              <a:stretch>
+                <a:fillRect/>
+              </a:stretch>
+            </p:blipFill>
+            <p:spPr>
+              <a:xfrm>
+                <a:off x="-402252" y="2068651"/>
+                <a:ext cx="108000" cy="216000"/>
+              </a:xfrm>
+              <a:prstGeom prst="rect">
+                <a:avLst/>
+              </a:prstGeom>
+            </p:spPr>
+          </p:pic>
+        </mc:Fallback>
+      </mc:AlternateContent>
+      <p:sp>
+        <p:nvSpPr>
+          <p:cNvPr id="21" name="TextBox 20">
+            <a:extLst>
+              <a:ext uri="{FF2B5EF4-FFF2-40B4-BE49-F238E27FC236}">
+                <a16:creationId xmlns:a16="http://schemas.microsoft.com/office/drawing/2014/main" id="{45C1B936-BD47-AC73-8EB7-8AA11AB0198A}"/>
+              </a:ext>
+            </a:extLst>
+          </p:cNvPr>
+          <p:cNvSpPr txBox="1"/>
+          <p:nvPr/>
+        </p:nvSpPr>
+        <p:spPr>
+          <a:xfrm>
+            <a:off x="3284113" y="4803820"/>
+            <a:ext cx="2245871" cy="369332"/>
+          </a:xfrm>
+          <a:prstGeom prst="rect">
+            <a:avLst/>
+          </a:prstGeom>
+          <a:noFill/>
+        </p:spPr>
+        <p:txBody>
+          <a:bodyPr wrap="none" rtlCol="0">
+            <a:spAutoFit/>
+          </a:bodyPr>
+          <a:lstStyle/>
+          <a:p>
+            <a:r>
+              <a:rPr lang="en-US" b="1" dirty="0">
+                <a:solidFill>
+                  <a:srgbClr val="92D050"/>
+                </a:solidFill>
+              </a:rPr>
+              <a:t>The Node Application</a:t>
+            </a:r>
+          </a:p>
+        </p:txBody>
+      </p:sp>
+      <p:sp>
+        <p:nvSpPr>
+          <p:cNvPr id="22" name="Arrow: Right 21">
+            <a:extLst>
+              <a:ext uri="{FF2B5EF4-FFF2-40B4-BE49-F238E27FC236}">
+                <a16:creationId xmlns:a16="http://schemas.microsoft.com/office/drawing/2014/main" id="{AA0EE9FF-4A2F-2F02-E2A2-3FD4494B08A3}"/>
+              </a:ext>
+            </a:extLst>
+          </p:cNvPr>
+          <p:cNvSpPr/>
+          <p:nvPr/>
+        </p:nvSpPr>
+        <p:spPr>
+          <a:xfrm>
+            <a:off x="8963696" y="4413691"/>
+            <a:ext cx="1004552" cy="660585"/>
+          </a:xfrm>
+          <a:prstGeom prst="rightArrow">
+            <a:avLst/>
+          </a:prstGeom>
+          <a:solidFill>
+            <a:srgbClr val="FFFF00"/>
+          </a:solidFill>
+        </p:spPr>
+        <p:style>
+          <a:lnRef idx="2">
+            <a:schemeClr val="accent1">
+              <a:shade val="50000"/>
+            </a:schemeClr>
+          </a:lnRef>
+          <a:fillRef idx="1">
+            <a:schemeClr val="accent1"/>
+          </a:fillRef>
+          <a:effectRef idx="0">
+            <a:schemeClr val="accent1"/>
+          </a:effectRef>
+          <a:fontRef idx="minor">
+            <a:schemeClr val="lt1"/>
+          </a:fontRef>
+        </p:style>
+        <p:txBody>
+          <a:bodyPr rtlCol="0" anchor="ctr"/>
+          <a:lstStyle/>
+          <a:p>
+            <a:pPr algn="ctr"/>
+            <a:endParaRPr lang="en-US"/>
+          </a:p>
+        </p:txBody>
+      </p:sp>
+      <p:sp>
+        <p:nvSpPr>
+          <p:cNvPr id="23" name="Rectangle 22">
+            <a:extLst>
+              <a:ext uri="{FF2B5EF4-FFF2-40B4-BE49-F238E27FC236}">
+                <a16:creationId xmlns:a16="http://schemas.microsoft.com/office/drawing/2014/main" id="{C84A0E3A-909F-3E84-B0E6-637F528D74C4}"/>
+              </a:ext>
+            </a:extLst>
+          </p:cNvPr>
+          <p:cNvSpPr/>
+          <p:nvPr/>
+        </p:nvSpPr>
+        <p:spPr>
+          <a:xfrm>
+            <a:off x="9968248" y="4031087"/>
+            <a:ext cx="2047741" cy="1357716"/>
+          </a:xfrm>
+          <a:prstGeom prst="rect">
+            <a:avLst/>
+          </a:prstGeom>
+          <a:solidFill>
+            <a:srgbClr val="FFFF00"/>
+          </a:solidFill>
+        </p:spPr>
+        <p:style>
+          <a:lnRef idx="2">
+            <a:schemeClr val="accent1">
+              <a:shade val="50000"/>
+            </a:schemeClr>
+          </a:lnRef>
+          <a:fillRef idx="1">
+            <a:schemeClr val="accent1"/>
+          </a:fillRef>
+          <a:effectRef idx="0">
+            <a:schemeClr val="accent1"/>
+          </a:effectRef>
+          <a:fontRef idx="minor">
+            <a:schemeClr val="lt1"/>
+          </a:fontRef>
+        </p:style>
+        <p:txBody>
+          <a:bodyPr rtlCol="0" anchor="ctr"/>
+          <a:lstStyle/>
+          <a:p>
+            <a:pPr algn="ctr"/>
+            <a:r>
+              <a:rPr lang="en-US" dirty="0">
+                <a:solidFill>
+                  <a:schemeClr val="tx1"/>
+                </a:solidFill>
+              </a:rPr>
+              <a:t>Keeps on running as long as there are event listeners registered</a:t>
+            </a:r>
+          </a:p>
+        </p:txBody>
+      </p:sp>
+      <p:sp>
+        <p:nvSpPr>
+          <p:cNvPr id="24" name="Arrow: Down 23">
+            <a:extLst>
+              <a:ext uri="{FF2B5EF4-FFF2-40B4-BE49-F238E27FC236}">
+                <a16:creationId xmlns:a16="http://schemas.microsoft.com/office/drawing/2014/main" id="{04924DC0-48AB-07F1-0BC4-842F7E97855F}"/>
+              </a:ext>
+            </a:extLst>
+          </p:cNvPr>
+          <p:cNvSpPr/>
+          <p:nvPr/>
+        </p:nvSpPr>
+        <p:spPr>
+          <a:xfrm>
+            <a:off x="6843262" y="5556878"/>
+            <a:ext cx="618188" cy="659472"/>
+          </a:xfrm>
+          <a:prstGeom prst="downArrow">
+            <a:avLst/>
+          </a:prstGeom>
+        </p:spPr>
+        <p:style>
+          <a:lnRef idx="2">
+            <a:schemeClr val="accent1">
+              <a:shade val="50000"/>
+            </a:schemeClr>
+          </a:lnRef>
+          <a:fillRef idx="1">
+            <a:schemeClr val="accent1"/>
+          </a:fillRef>
+          <a:effectRef idx="0">
+            <a:schemeClr val="accent1"/>
+          </a:effectRef>
+          <a:fontRef idx="minor">
+            <a:schemeClr val="lt1"/>
+          </a:fontRef>
+        </p:style>
+        <p:txBody>
+          <a:bodyPr rtlCol="0" anchor="ctr"/>
+          <a:lstStyle/>
+          <a:p>
+            <a:pPr algn="ctr"/>
+            <a:endParaRPr lang="en-US"/>
+          </a:p>
+        </p:txBody>
+      </p:sp>
+      <p:sp>
+        <p:nvSpPr>
+          <p:cNvPr id="25" name="Rectangle: Rounded Corners 24">
+            <a:extLst>
+              <a:ext uri="{FF2B5EF4-FFF2-40B4-BE49-F238E27FC236}">
+                <a16:creationId xmlns:a16="http://schemas.microsoft.com/office/drawing/2014/main" id="{8F862EFB-2A9A-78FA-AEF3-832A993E645F}"/>
+              </a:ext>
+            </a:extLst>
+          </p:cNvPr>
+          <p:cNvSpPr/>
+          <p:nvPr/>
+        </p:nvSpPr>
+        <p:spPr>
+          <a:xfrm>
+            <a:off x="5800074" y="6275727"/>
+            <a:ext cx="2704563" cy="562154"/>
+          </a:xfrm>
+          <a:prstGeom prst="roundRect">
+            <a:avLst/>
+          </a:prstGeom>
+          <a:solidFill>
+            <a:srgbClr val="7030A0"/>
+          </a:solidFill>
+        </p:spPr>
+        <p:style>
+          <a:lnRef idx="2">
+            <a:schemeClr val="accent1">
+              <a:shade val="50000"/>
+            </a:schemeClr>
+          </a:lnRef>
+          <a:fillRef idx="1">
+            <a:schemeClr val="accent1"/>
+          </a:fillRef>
+          <a:effectRef idx="0">
+            <a:schemeClr val="accent1"/>
+          </a:effectRef>
+          <a:fontRef idx="minor">
+            <a:schemeClr val="lt1"/>
+          </a:fontRef>
+        </p:style>
+        <p:txBody>
+          <a:bodyPr rtlCol="0" anchor="ctr"/>
+          <a:lstStyle/>
+          <a:p>
+            <a:pPr algn="ctr"/>
+            <a:r>
+              <a:rPr lang="en-US" dirty="0" err="1"/>
+              <a:t>Process.exit</a:t>
+            </a:r>
+            <a:endParaRPr lang="en-US" dirty="0"/>
+          </a:p>
+        </p:txBody>
+      </p:sp>
+    </p:spTree>
+    <p:extLst>
+      <p:ext uri="{BB962C8B-B14F-4D97-AF65-F5344CB8AC3E}">
+        <p14:creationId xmlns:p14="http://schemas.microsoft.com/office/powerpoint/2010/main" val="2124739381"/>
+      </p:ext>
+    </p:extLst>
+  </p:cSld>
+  <p:clrMapOvr>
+    <a:masterClrMapping/>
+  </p:clrMapOvr>
+</p:sld>
+</file>
+
 <file path=ppt/slides/slide2.xml><?xml version="1.0" encoding="utf-8"?>
 <p:sld xmlns:a="http://schemas.openxmlformats.org/drawingml/2006/main" xmlns:r="http://schemas.openxmlformats.org/officeDocument/2006/relationships" xmlns:p="http://schemas.openxmlformats.org/presentationml/2006/main">
   <p:cSld>

--- a/What is Node.pptx
+++ b/What is Node.pptx
@@ -20,6 +20,15 @@
     <p:sldId id="268" r:id="rId14"/>
     <p:sldId id="269" r:id="rId15"/>
     <p:sldId id="270" r:id="rId16"/>
+    <p:sldId id="271" r:id="rId17"/>
+    <p:sldId id="272" r:id="rId18"/>
+    <p:sldId id="273" r:id="rId19"/>
+    <p:sldId id="274" r:id="rId20"/>
+    <p:sldId id="275" r:id="rId21"/>
+    <p:sldId id="276" r:id="rId22"/>
+    <p:sldId id="277" r:id="rId23"/>
+    <p:sldId id="278" r:id="rId24"/>
+    <p:sldId id="279" r:id="rId25"/>
   </p:sldIdLst>
   <p:sldSz cx="12192000" cy="6858000"/>
   <p:notesSz cx="6858000" cy="9144000"/>
@@ -267,6 +276,62 @@
 </inkml:ink>
 </file>
 
+<file path=ppt/ink/ink6.xml><?xml version="1.0" encoding="utf-8"?>
+<inkml:ink xmlns:inkml="http://www.w3.org/2003/InkML">
+  <inkml:definitions>
+    <inkml:context xml:id="ctx0">
+      <inkml:inkSource xml:id="inkSrc0">
+        <inkml:traceFormat>
+          <inkml:channel name="X" type="integer" min="-2.14748E9" max="2.14748E9" units="cm"/>
+          <inkml:channel name="Y" type="integer" min="-2.14748E9" max="2.14748E9" units="cm"/>
+          <inkml:channel name="F" type="integer" max="32767" units="dev"/>
+        </inkml:traceFormat>
+        <inkml:channelProperties>
+          <inkml:channelProperty channel="X" name="resolution" value="1000" units="1/cm"/>
+          <inkml:channelProperty channel="Y" name="resolution" value="1000" units="1/cm"/>
+          <inkml:channelProperty channel="F" name="resolution" value="0" units="1/dev"/>
+        </inkml:channelProperties>
+      </inkml:inkSource>
+      <inkml:timestamp xml:id="ts0" timeString="2022-11-10T14:33:13.148"/>
+    </inkml:context>
+    <inkml:brush xml:id="br0">
+      <inkml:brushProperty name="width" value="0.05" units="cm"/>
+      <inkml:brushProperty name="height" value="0.05" units="cm"/>
+      <inkml:brushProperty name="color" value="#E71224"/>
+    </inkml:brush>
+  </inkml:definitions>
+  <inkml:trace contextRef="#ctx0" brushRef="#br0">3622 257 24575,'0'-2'0,"0"1"0,0-1 0,1 1 0,-1 0 0,0-1 0,1 1 0,-1 0 0,1 0 0,0-1 0,-1 1 0,1 0 0,0 0 0,0 0 0,0 0 0,0 0 0,0 0 0,0 0 0,0 0 0,0 0 0,0 0 0,0 1 0,1-1 0,-1 0 0,3 0 0,3-2 0,0 0 0,0 1 0,10-2 0,-16 4 0,43-6 0,1 1 0,81 3 0,-101 2 0,-9 0 0,-1 0 0,0 2 0,0-1 0,0 2 0,0 0 0,0 1 0,-1 1 0,1 0 0,-1 0 0,0 2 0,-1 0 0,21 14 0,115 102 0,-63-49 0,108 93 0,-16 18 0,-175-180 0,158 194 0,-116-139 0,50 91 0,20 72 0,29 53 0,-2-3-6316,-119-220 6088,-3 1 1,-2 1-1,15 74 0,-22-61 85,3 119-1,-17 68 2374,0-155 2502,3-81-4663,-1 1 0,-1-1 0,-1 0 0,-1 0 0,0-1 0,-2 1 0,-7 18 0,-15 24-69,-56 89 0,-50 51 0,35-57 0,41-60 0,-4-3 0,-3-3 0,-139 128 0,173-179 0,-2-1 0,0-2 0,-2-1 0,0-1 0,-2-3 0,-46 19 0,30-17 0,-76 18 0,80-27 0,-255 58 0,96-42 0,76-13 0,-57 7 0,-193-2 0,-438-20 0,309-2 0,481 1 0,0-1 0,-34-7 0,-57-18 0,114 25 0,-291-92 0,174 42 0,37 9 0,31 15 0,-114-53 0,-211-104 0,352 170 0,1-1 0,0-1 0,2-1 0,0-2 0,-37-36 0,48 40 0,0-1 0,1 0 0,1-1 0,1-1 0,0 0 0,2-1 0,0 0 0,-14-42 0,15 29 0,1 0 0,2-1 0,-2-46 0,5-103 0,4 146 0,4-1441 0,-4 1447 0,1 0 0,2 1 0,9-40 0,0 22 0,23-58 0,17-41 0,20-51 0,-22 72 0,24-57 0,76-119 0,-134 273 0,2 1 0,0 0 0,2 1 0,32-31 0,-29 33 0,42-40 0,-53 54 0,0 0 0,0 2 0,24-14 0,-17 13 0,12-7 0,1 1 0,51-17 0,-16 11 0,-36 11 0,0 1 0,1 2 0,44-6 0,242 10 0,-183 7 0,322-3 0,-432 1 0,0 2 0,-1 1 0,43 11 0,-40-8 0,106 21 0,-101-19 155,-9-3-662,0 1 0,33 14 1,-24-3-6320</inkml:trace>
+</inkml:ink>
+</file>
+
+<file path=ppt/ink/ink7.xml><?xml version="1.0" encoding="utf-8"?>
+<inkml:ink xmlns:inkml="http://www.w3.org/2003/InkML">
+  <inkml:definitions>
+    <inkml:context xml:id="ctx0">
+      <inkml:inkSource xml:id="inkSrc0">
+        <inkml:traceFormat>
+          <inkml:channel name="X" type="integer" min="-2.14748E9" max="2.14748E9" units="cm"/>
+          <inkml:channel name="Y" type="integer" min="-2.14748E9" max="2.14748E9" units="cm"/>
+          <inkml:channel name="F" type="integer" max="32767" units="dev"/>
+        </inkml:traceFormat>
+        <inkml:channelProperties>
+          <inkml:channelProperty channel="X" name="resolution" value="1000" units="1/cm"/>
+          <inkml:channelProperty channel="Y" name="resolution" value="1000" units="1/cm"/>
+          <inkml:channelProperty channel="F" name="resolution" value="0" units="1/dev"/>
+        </inkml:channelProperties>
+      </inkml:inkSource>
+      <inkml:timestamp xml:id="ts0" timeString="2022-11-10T14:33:14.621"/>
+    </inkml:context>
+    <inkml:brush xml:id="br0">
+      <inkml:brushProperty name="width" value="0.05" units="cm"/>
+      <inkml:brushProperty name="height" value="0.05" units="cm"/>
+      <inkml:brushProperty name="color" value="#E71224"/>
+    </inkml:brush>
+  </inkml:definitions>
+  <inkml:trace contextRef="#ctx0" brushRef="#br0">531 0 24575,'0'3'0,"1"-1"0,-1 0 0,1 0 0,-1 0 0,1 0 0,0 0 0,0 0 0,0 0 0,0 0 0,0 0 0,3 3 0,4 9 0,54 111 0,-50-101 0,2-1 0,1 0 0,0-1 0,2-1 0,19 20 0,-26-29 0,0 1 0,0 0 0,-2 0 0,1 1 0,7 18 0,26 75 0,-30-73 0,28 110 0,-38-134 0,4 10 0,13 31 0,-12-35 0,-1 1 0,6 24 0,-12-38 0,1 0 0,-1 0 0,0-1 0,0 1 0,0 0 0,-1 0 0,1 0 0,-1 0 0,1 0 0,-1-1 0,0 1 0,0 0 0,0-1 0,0 1 0,-1 0 0,1-1 0,-1 0 0,0 1 0,1-1 0,-1 0 0,0 0 0,0 0 0,-1 0 0,1 0 0,-4 2 0,-1 1 0,-1 0 0,0-1 0,0 0 0,-1-1 0,1 1 0,-17 3 0,-217 47 0,174-33 0,9-2 0,23-10 0,2 2 0,0 2 0,-47 23 0,-20 15 0,62-31 0,28-15 0,0 1 0,0 0 0,1 0 0,0 1 0,0 1 0,-14 12 0,0 5-1365,2-3-5461</inkml:trace>
+</inkml:ink>
+</file>
+
 <file path=ppt/slideLayouts/slideLayout1.xml><?xml version="1.0" encoding="utf-8"?>
 <p:sldLayout xmlns:a="http://schemas.openxmlformats.org/drawingml/2006/main" xmlns:r="http://schemas.openxmlformats.org/officeDocument/2006/relationships" xmlns:p="http://schemas.openxmlformats.org/presentationml/2006/main" type="title" preserve="1">
   <p:cSld name="Title Slide">
@@ -414,7 +479,7 @@
           <a:p>
             <a:fld id="{C452295A-2B17-4FE0-84DB-F0699F4DDF23}" type="datetimeFigureOut">
               <a:rPr lang="en-US" smtClean="0"/>
-              <a:t>11/8/2022</a:t>
+              <a:t>11/10/2022</a:t>
             </a:fld>
             <a:endParaRPr lang="en-US"/>
           </a:p>
@@ -612,7 +677,7 @@
           <a:p>
             <a:fld id="{C452295A-2B17-4FE0-84DB-F0699F4DDF23}" type="datetimeFigureOut">
               <a:rPr lang="en-US" smtClean="0"/>
-              <a:t>11/8/2022</a:t>
+              <a:t>11/10/2022</a:t>
             </a:fld>
             <a:endParaRPr lang="en-US"/>
           </a:p>
@@ -820,7 +885,7 @@
           <a:p>
             <a:fld id="{C452295A-2B17-4FE0-84DB-F0699F4DDF23}" type="datetimeFigureOut">
               <a:rPr lang="en-US" smtClean="0"/>
-              <a:t>11/8/2022</a:t>
+              <a:t>11/10/2022</a:t>
             </a:fld>
             <a:endParaRPr lang="en-US"/>
           </a:p>
@@ -1018,7 +1083,7 @@
           <a:p>
             <a:fld id="{C452295A-2B17-4FE0-84DB-F0699F4DDF23}" type="datetimeFigureOut">
               <a:rPr lang="en-US" smtClean="0"/>
-              <a:t>11/8/2022</a:t>
+              <a:t>11/10/2022</a:t>
             </a:fld>
             <a:endParaRPr lang="en-US"/>
           </a:p>
@@ -1293,7 +1358,7 @@
           <a:p>
             <a:fld id="{C452295A-2B17-4FE0-84DB-F0699F4DDF23}" type="datetimeFigureOut">
               <a:rPr lang="en-US" smtClean="0"/>
-              <a:t>11/8/2022</a:t>
+              <a:t>11/10/2022</a:t>
             </a:fld>
             <a:endParaRPr lang="en-US"/>
           </a:p>
@@ -1558,7 +1623,7 @@
           <a:p>
             <a:fld id="{C452295A-2B17-4FE0-84DB-F0699F4DDF23}" type="datetimeFigureOut">
               <a:rPr lang="en-US" smtClean="0"/>
-              <a:t>11/8/2022</a:t>
+              <a:t>11/10/2022</a:t>
             </a:fld>
             <a:endParaRPr lang="en-US"/>
           </a:p>
@@ -1970,7 +2035,7 @@
           <a:p>
             <a:fld id="{C452295A-2B17-4FE0-84DB-F0699F4DDF23}" type="datetimeFigureOut">
               <a:rPr lang="en-US" smtClean="0"/>
-              <a:t>11/8/2022</a:t>
+              <a:t>11/10/2022</a:t>
             </a:fld>
             <a:endParaRPr lang="en-US"/>
           </a:p>
@@ -2111,7 +2176,7 @@
           <a:p>
             <a:fld id="{C452295A-2B17-4FE0-84DB-F0699F4DDF23}" type="datetimeFigureOut">
               <a:rPr lang="en-US" smtClean="0"/>
-              <a:t>11/8/2022</a:t>
+              <a:t>11/10/2022</a:t>
             </a:fld>
             <a:endParaRPr lang="en-US"/>
           </a:p>
@@ -2224,7 +2289,7 @@
           <a:p>
             <a:fld id="{C452295A-2B17-4FE0-84DB-F0699F4DDF23}" type="datetimeFigureOut">
               <a:rPr lang="en-US" smtClean="0"/>
-              <a:t>11/8/2022</a:t>
+              <a:t>11/10/2022</a:t>
             </a:fld>
             <a:endParaRPr lang="en-US"/>
           </a:p>
@@ -2535,7 +2600,7 @@
           <a:p>
             <a:fld id="{C452295A-2B17-4FE0-84DB-F0699F4DDF23}" type="datetimeFigureOut">
               <a:rPr lang="en-US" smtClean="0"/>
-              <a:t>11/8/2022</a:t>
+              <a:t>11/10/2022</a:t>
             </a:fld>
             <a:endParaRPr lang="en-US"/>
           </a:p>
@@ -2823,7 +2888,7 @@
           <a:p>
             <a:fld id="{C452295A-2B17-4FE0-84DB-F0699F4DDF23}" type="datetimeFigureOut">
               <a:rPr lang="en-US" smtClean="0"/>
-              <a:t>11/8/2022</a:t>
+              <a:t>11/10/2022</a:t>
             </a:fld>
             <a:endParaRPr lang="en-US"/>
           </a:p>
@@ -3064,7 +3129,7 @@
           <a:p>
             <a:fld id="{C452295A-2B17-4FE0-84DB-F0699F4DDF23}" type="datetimeFigureOut">
               <a:rPr lang="en-US" smtClean="0"/>
-              <a:t>11/8/2022</a:t>
+              <a:t>11/10/2022</a:t>
             </a:fld>
             <a:endParaRPr lang="en-US"/>
           </a:p>
@@ -6635,8 +6700,8 @@
             <a:chExt cx="1980360" cy="1045440"/>
           </a:xfrm>
         </p:grpSpPr>
-        <mc:AlternateContent xmlns:mc="http://schemas.openxmlformats.org/markup-compatibility/2006">
-          <mc:Choice xmlns:p14="http://schemas.microsoft.com/office/powerpoint/2010/main" Requires="p14">
+        <mc:AlternateContent xmlns:mc="http://schemas.openxmlformats.org/markup-compatibility/2006" xmlns:p14="http://schemas.microsoft.com/office/powerpoint/2010/main">
+          <mc:Choice Requires="p14">
             <p:contentPart p14:bwMode="auto" r:id="rId2">
               <p14:nvContentPartPr>
                 <p14:cNvPr id="12" name="Ink 11">
@@ -6655,7 +6720,7 @@
               </p14:xfrm>
             </p:contentPart>
           </mc:Choice>
-          <mc:Fallback>
+          <mc:Fallback xmlns="">
             <p:pic>
               <p:nvPicPr>
                 <p:cNvPr id="12" name="Ink 11">
@@ -6686,8 +6751,8 @@
             </p:pic>
           </mc:Fallback>
         </mc:AlternateContent>
-        <mc:AlternateContent xmlns:mc="http://schemas.openxmlformats.org/markup-compatibility/2006">
-          <mc:Choice xmlns:p14="http://schemas.microsoft.com/office/powerpoint/2010/main" Requires="p14">
+        <mc:AlternateContent xmlns:mc="http://schemas.openxmlformats.org/markup-compatibility/2006" xmlns:p14="http://schemas.microsoft.com/office/powerpoint/2010/main">
+          <mc:Choice Requires="p14">
             <p:contentPart p14:bwMode="auto" r:id="rId4">
               <p14:nvContentPartPr>
                 <p14:cNvPr id="13" name="Ink 12">
@@ -6706,7 +6771,7 @@
               </p14:xfrm>
             </p:contentPart>
           </mc:Choice>
-          <mc:Fallback>
+          <mc:Fallback xmlns="">
             <p:pic>
               <p:nvPicPr>
                 <p:cNvPr id="13" name="Ink 12">
@@ -6758,8 +6823,8 @@
             <a:chExt cx="271080" cy="38520"/>
           </a:xfrm>
         </p:grpSpPr>
-        <mc:AlternateContent xmlns:mc="http://schemas.openxmlformats.org/markup-compatibility/2006">
-          <mc:Choice xmlns:p14="http://schemas.microsoft.com/office/powerpoint/2010/main" Requires="p14">
+        <mc:AlternateContent xmlns:mc="http://schemas.openxmlformats.org/markup-compatibility/2006" xmlns:p14="http://schemas.microsoft.com/office/powerpoint/2010/main">
+          <mc:Choice Requires="p14">
             <p:contentPart p14:bwMode="auto" r:id="rId6">
               <p14:nvContentPartPr>
                 <p14:cNvPr id="16" name="Ink 15">
@@ -6778,7 +6843,7 @@
               </p14:xfrm>
             </p:contentPart>
           </mc:Choice>
-          <mc:Fallback>
+          <mc:Fallback xmlns="">
             <p:pic>
               <p:nvPicPr>
                 <p:cNvPr id="16" name="Ink 15">
@@ -6809,8 +6874,8 @@
             </p:pic>
           </mc:Fallback>
         </mc:AlternateContent>
-        <mc:AlternateContent xmlns:mc="http://schemas.openxmlformats.org/markup-compatibility/2006">
-          <mc:Choice xmlns:p14="http://schemas.microsoft.com/office/powerpoint/2010/main" Requires="p14">
+        <mc:AlternateContent xmlns:mc="http://schemas.openxmlformats.org/markup-compatibility/2006" xmlns:p14="http://schemas.microsoft.com/office/powerpoint/2010/main">
+          <mc:Choice Requires="p14">
             <p:contentPart p14:bwMode="auto" r:id="rId8">
               <p14:nvContentPartPr>
                 <p14:cNvPr id="17" name="Ink 16">
@@ -6829,7 +6894,7 @@
               </p14:xfrm>
             </p:contentPart>
           </mc:Choice>
-          <mc:Fallback>
+          <mc:Fallback xmlns="">
             <p:pic>
               <p:nvPicPr>
                 <p:cNvPr id="17" name="Ink 16">
@@ -6861,8 +6926,8 @@
           </mc:Fallback>
         </mc:AlternateContent>
       </p:grpSp>
-      <mc:AlternateContent xmlns:mc="http://schemas.openxmlformats.org/markup-compatibility/2006">
-        <mc:Choice xmlns:p14="http://schemas.microsoft.com/office/powerpoint/2010/main" Requires="p14">
+      <mc:AlternateContent xmlns:mc="http://schemas.openxmlformats.org/markup-compatibility/2006" xmlns:p14="http://schemas.microsoft.com/office/powerpoint/2010/main">
+        <mc:Choice Requires="p14">
           <p:contentPart p14:bwMode="auto" r:id="rId10">
             <p14:nvContentPartPr>
               <p14:cNvPr id="19" name="Ink 18">
@@ -6881,7 +6946,7 @@
             </p14:xfrm>
           </p:contentPart>
         </mc:Choice>
-        <mc:Fallback>
+        <mc:Fallback xmlns="">
           <p:pic>
             <p:nvPicPr>
               <p:cNvPr id="19" name="Ink 18">
@@ -7168,6 +7233,3592 @@
 </p:sld>
 </file>
 
+<file path=ppt/slides/slide16.xml><?xml version="1.0" encoding="utf-8"?>
+<p:sld xmlns:a="http://schemas.openxmlformats.org/drawingml/2006/main" xmlns:r="http://schemas.openxmlformats.org/officeDocument/2006/relationships" xmlns:p="http://schemas.openxmlformats.org/presentationml/2006/main">
+  <p:cSld>
+    <p:spTree>
+      <p:nvGrpSpPr>
+        <p:cNvPr id="1" name=""/>
+        <p:cNvGrpSpPr/>
+        <p:nvPr/>
+      </p:nvGrpSpPr>
+      <p:grpSpPr>
+        <a:xfrm>
+          <a:off x="0" y="0"/>
+          <a:ext cx="0" cy="0"/>
+          <a:chOff x="0" y="0"/>
+          <a:chExt cx="0" cy="0"/>
+        </a:xfrm>
+      </p:grpSpPr>
+      <p:sp>
+        <p:nvSpPr>
+          <p:cNvPr id="24" name="Rectangle 23">
+            <a:extLst>
+              <a:ext uri="{FF2B5EF4-FFF2-40B4-BE49-F238E27FC236}">
+                <a16:creationId xmlns:a16="http://schemas.microsoft.com/office/drawing/2014/main" id="{9C6195BC-6C2B-465B-0EDD-063F0843BF34}"/>
+              </a:ext>
+            </a:extLst>
+          </p:cNvPr>
+          <p:cNvSpPr/>
+          <p:nvPr/>
+        </p:nvSpPr>
+        <p:spPr>
+          <a:xfrm>
+            <a:off x="5815804" y="1481070"/>
+            <a:ext cx="3670479" cy="1947930"/>
+          </a:xfrm>
+          <a:prstGeom prst="rect">
+            <a:avLst/>
+          </a:prstGeom>
+          <a:solidFill>
+            <a:schemeClr val="accent2">
+              <a:lumMod val="60000"/>
+              <a:lumOff val="40000"/>
+            </a:schemeClr>
+          </a:solidFill>
+        </p:spPr>
+        <p:style>
+          <a:lnRef idx="2">
+            <a:schemeClr val="accent6"/>
+          </a:lnRef>
+          <a:fillRef idx="1">
+            <a:schemeClr val="lt1"/>
+          </a:fillRef>
+          <a:effectRef idx="0">
+            <a:schemeClr val="accent6"/>
+          </a:effectRef>
+          <a:fontRef idx="minor">
+            <a:schemeClr val="dk1"/>
+          </a:fontRef>
+        </p:style>
+        <p:txBody>
+          <a:bodyPr rtlCol="0" anchor="ctr"/>
+          <a:lstStyle/>
+          <a:p>
+            <a:pPr algn="ctr"/>
+            <a:endParaRPr lang="en-US" dirty="0"/>
+          </a:p>
+          <a:p>
+            <a:pPr algn="ctr"/>
+            <a:endParaRPr lang="en-US" dirty="0"/>
+          </a:p>
+          <a:p>
+            <a:pPr algn="ctr"/>
+            <a:endParaRPr lang="en-US" dirty="0"/>
+          </a:p>
+          <a:p>
+            <a:pPr algn="ctr"/>
+            <a:endParaRPr lang="en-US" dirty="0"/>
+          </a:p>
+          <a:p>
+            <a:pPr algn="ctr"/>
+            <a:endParaRPr lang="en-US" dirty="0"/>
+          </a:p>
+          <a:p>
+            <a:pPr algn="ctr"/>
+            <a:r>
+              <a:rPr lang="en-US" dirty="0"/>
+              <a:t>Buffer</a:t>
+            </a:r>
+          </a:p>
+        </p:txBody>
+      </p:sp>
+      <p:sp>
+        <p:nvSpPr>
+          <p:cNvPr id="2" name="Title 1">
+            <a:extLst>
+              <a:ext uri="{FF2B5EF4-FFF2-40B4-BE49-F238E27FC236}">
+                <a16:creationId xmlns:a16="http://schemas.microsoft.com/office/drawing/2014/main" id="{6CF58062-41FF-C0C8-133E-950C75A1285D}"/>
+              </a:ext>
+            </a:extLst>
+          </p:cNvPr>
+          <p:cNvSpPr>
+            <a:spLocks noGrp="1"/>
+          </p:cNvSpPr>
+          <p:nvPr>
+            <p:ph type="title"/>
+          </p:nvPr>
+        </p:nvSpPr>
+        <p:spPr>
+          <a:xfrm>
+            <a:off x="838200" y="365126"/>
+            <a:ext cx="4377744" cy="446244"/>
+          </a:xfrm>
+        </p:spPr>
+        <p:txBody>
+          <a:bodyPr>
+            <a:normAutofit fontScale="90000"/>
+          </a:bodyPr>
+          <a:lstStyle/>
+          <a:p>
+            <a:r>
+              <a:rPr lang="en-US" dirty="0"/>
+              <a:t>Streams &amp; Buffers</a:t>
+            </a:r>
+          </a:p>
+        </p:txBody>
+      </p:sp>
+      <p:sp>
+        <p:nvSpPr>
+          <p:cNvPr id="4" name="Rectangle 3">
+            <a:extLst>
+              <a:ext uri="{FF2B5EF4-FFF2-40B4-BE49-F238E27FC236}">
+                <a16:creationId xmlns:a16="http://schemas.microsoft.com/office/drawing/2014/main" id="{C1621AF8-9693-B0DC-C42A-15EA007209C0}"/>
+              </a:ext>
+            </a:extLst>
+          </p:cNvPr>
+          <p:cNvSpPr/>
+          <p:nvPr/>
+        </p:nvSpPr>
+        <p:spPr>
+          <a:xfrm>
+            <a:off x="5525036" y="858370"/>
+            <a:ext cx="3670479" cy="446244"/>
+          </a:xfrm>
+          <a:prstGeom prst="rect">
+            <a:avLst/>
+          </a:prstGeom>
+        </p:spPr>
+        <p:style>
+          <a:lnRef idx="2">
+            <a:schemeClr val="accent1">
+              <a:shade val="50000"/>
+            </a:schemeClr>
+          </a:lnRef>
+          <a:fillRef idx="1">
+            <a:schemeClr val="accent1"/>
+          </a:fillRef>
+          <a:effectRef idx="0">
+            <a:schemeClr val="accent1"/>
+          </a:effectRef>
+          <a:fontRef idx="minor">
+            <a:schemeClr val="lt1"/>
+          </a:fontRef>
+        </p:style>
+        <p:txBody>
+          <a:bodyPr rtlCol="0" anchor="ctr"/>
+          <a:lstStyle/>
+          <a:p>
+            <a:pPr algn="ctr"/>
+            <a:r>
+              <a:rPr lang="en-US" dirty="0"/>
+              <a:t>Incoming Request</a:t>
+            </a:r>
+          </a:p>
+        </p:txBody>
+      </p:sp>
+      <p:sp>
+        <p:nvSpPr>
+          <p:cNvPr id="5" name="Rectangle 4">
+            <a:extLst>
+              <a:ext uri="{FF2B5EF4-FFF2-40B4-BE49-F238E27FC236}">
+                <a16:creationId xmlns:a16="http://schemas.microsoft.com/office/drawing/2014/main" id="{6FFE4825-D29A-8DAD-C6FA-549DB38670EF}"/>
+              </a:ext>
+            </a:extLst>
+          </p:cNvPr>
+          <p:cNvSpPr/>
+          <p:nvPr/>
+        </p:nvSpPr>
+        <p:spPr>
+          <a:xfrm>
+            <a:off x="838200" y="1674254"/>
+            <a:ext cx="1634544" cy="850005"/>
+          </a:xfrm>
+          <a:prstGeom prst="rect">
+            <a:avLst/>
+          </a:prstGeom>
+        </p:spPr>
+        <p:style>
+          <a:lnRef idx="2">
+            <a:schemeClr val="accent1">
+              <a:shade val="50000"/>
+            </a:schemeClr>
+          </a:lnRef>
+          <a:fillRef idx="1">
+            <a:schemeClr val="accent1"/>
+          </a:fillRef>
+          <a:effectRef idx="0">
+            <a:schemeClr val="accent1"/>
+          </a:effectRef>
+          <a:fontRef idx="minor">
+            <a:schemeClr val="lt1"/>
+          </a:fontRef>
+        </p:style>
+        <p:txBody>
+          <a:bodyPr rtlCol="0" anchor="ctr"/>
+          <a:lstStyle/>
+          <a:p>
+            <a:pPr algn="ctr"/>
+            <a:r>
+              <a:rPr lang="en-US" dirty="0"/>
+              <a:t>Stream</a:t>
+            </a:r>
+          </a:p>
+        </p:txBody>
+      </p:sp>
+      <p:sp>
+        <p:nvSpPr>
+          <p:cNvPr id="6" name="Arrow: Right 5">
+            <a:extLst>
+              <a:ext uri="{FF2B5EF4-FFF2-40B4-BE49-F238E27FC236}">
+                <a16:creationId xmlns:a16="http://schemas.microsoft.com/office/drawing/2014/main" id="{915D99DD-AD2D-2F12-BC9B-631DC598D8B5}"/>
+              </a:ext>
+            </a:extLst>
+          </p:cNvPr>
+          <p:cNvSpPr/>
+          <p:nvPr/>
+        </p:nvSpPr>
+        <p:spPr>
+          <a:xfrm>
+            <a:off x="2781837" y="1944710"/>
+            <a:ext cx="6413678" cy="579549"/>
+          </a:xfrm>
+          <a:prstGeom prst="rightArrow">
+            <a:avLst/>
+          </a:prstGeom>
+        </p:spPr>
+        <p:style>
+          <a:lnRef idx="2">
+            <a:schemeClr val="accent1">
+              <a:shade val="50000"/>
+            </a:schemeClr>
+          </a:lnRef>
+          <a:fillRef idx="1">
+            <a:schemeClr val="accent1"/>
+          </a:fillRef>
+          <a:effectRef idx="0">
+            <a:schemeClr val="accent1"/>
+          </a:effectRef>
+          <a:fontRef idx="minor">
+            <a:schemeClr val="lt1"/>
+          </a:fontRef>
+        </p:style>
+        <p:txBody>
+          <a:bodyPr rtlCol="0" anchor="ctr"/>
+          <a:lstStyle/>
+          <a:p>
+            <a:pPr algn="ctr"/>
+            <a:endParaRPr lang="en-US"/>
+          </a:p>
+        </p:txBody>
+      </p:sp>
+      <p:sp>
+        <p:nvSpPr>
+          <p:cNvPr id="9" name="Rectangle 8">
+            <a:extLst>
+              <a:ext uri="{FF2B5EF4-FFF2-40B4-BE49-F238E27FC236}">
+                <a16:creationId xmlns:a16="http://schemas.microsoft.com/office/drawing/2014/main" id="{0FC521B3-0AB3-3CDC-0A15-A5B14CF2EC2A}"/>
+              </a:ext>
+            </a:extLst>
+          </p:cNvPr>
+          <p:cNvSpPr/>
+          <p:nvPr/>
+        </p:nvSpPr>
+        <p:spPr>
+          <a:xfrm>
+            <a:off x="9504608" y="1674254"/>
+            <a:ext cx="1634544" cy="850005"/>
+          </a:xfrm>
+          <a:prstGeom prst="rect">
+            <a:avLst/>
+          </a:prstGeom>
+        </p:spPr>
+        <p:style>
+          <a:lnRef idx="2">
+            <a:schemeClr val="accent1">
+              <a:shade val="50000"/>
+            </a:schemeClr>
+          </a:lnRef>
+          <a:fillRef idx="1">
+            <a:schemeClr val="accent1"/>
+          </a:fillRef>
+          <a:effectRef idx="0">
+            <a:schemeClr val="accent1"/>
+          </a:effectRef>
+          <a:fontRef idx="minor">
+            <a:schemeClr val="lt1"/>
+          </a:fontRef>
+        </p:style>
+        <p:txBody>
+          <a:bodyPr rtlCol="0" anchor="ctr"/>
+          <a:lstStyle/>
+          <a:p>
+            <a:pPr algn="ctr"/>
+            <a:r>
+              <a:rPr lang="en-US" dirty="0"/>
+              <a:t>Fully</a:t>
+            </a:r>
+          </a:p>
+          <a:p>
+            <a:pPr algn="ctr"/>
+            <a:r>
+              <a:rPr lang="en-US" dirty="0"/>
+              <a:t>Parsed</a:t>
+            </a:r>
+          </a:p>
+        </p:txBody>
+      </p:sp>
+      <p:sp>
+        <p:nvSpPr>
+          <p:cNvPr id="10" name="Rectangle 9">
+            <a:extLst>
+              <a:ext uri="{FF2B5EF4-FFF2-40B4-BE49-F238E27FC236}">
+                <a16:creationId xmlns:a16="http://schemas.microsoft.com/office/drawing/2014/main" id="{F0F5F65E-92A9-D8FF-7D44-2E90A3FF3DBC}"/>
+              </a:ext>
+            </a:extLst>
+          </p:cNvPr>
+          <p:cNvSpPr/>
+          <p:nvPr/>
+        </p:nvSpPr>
+        <p:spPr>
+          <a:xfrm>
+            <a:off x="1854558" y="2797936"/>
+            <a:ext cx="2009104" cy="631064"/>
+          </a:xfrm>
+          <a:prstGeom prst="rect">
+            <a:avLst/>
+          </a:prstGeom>
+        </p:spPr>
+        <p:style>
+          <a:lnRef idx="2">
+            <a:schemeClr val="accent1">
+              <a:shade val="50000"/>
+            </a:schemeClr>
+          </a:lnRef>
+          <a:fillRef idx="1">
+            <a:schemeClr val="accent1"/>
+          </a:fillRef>
+          <a:effectRef idx="0">
+            <a:schemeClr val="accent1"/>
+          </a:effectRef>
+          <a:fontRef idx="minor">
+            <a:schemeClr val="lt1"/>
+          </a:fontRef>
+        </p:style>
+        <p:txBody>
+          <a:bodyPr rtlCol="0" anchor="ctr"/>
+          <a:lstStyle/>
+          <a:p>
+            <a:pPr algn="ctr"/>
+            <a:r>
+              <a:rPr lang="en-US" dirty="0"/>
+              <a:t>Start working on the Data early</a:t>
+            </a:r>
+          </a:p>
+        </p:txBody>
+      </p:sp>
+      <p:cxnSp>
+        <p:nvCxnSpPr>
+          <p:cNvPr id="14" name="Connector: Elbow 13">
+            <a:extLst>
+              <a:ext uri="{FF2B5EF4-FFF2-40B4-BE49-F238E27FC236}">
+                <a16:creationId xmlns:a16="http://schemas.microsoft.com/office/drawing/2014/main" id="{BE2AD11F-0867-47BB-9E02-79B702F4E3DA}"/>
+              </a:ext>
+            </a:extLst>
+          </p:cNvPr>
+          <p:cNvCxnSpPr>
+            <a:cxnSpLocks/>
+            <a:stCxn id="5" idx="2"/>
+            <a:endCxn id="10" idx="1"/>
+          </p:cNvCxnSpPr>
+          <p:nvPr/>
+        </p:nvCxnSpPr>
+        <p:spPr>
+          <a:xfrm rot="16200000" flipH="1">
+            <a:off x="1460411" y="2719320"/>
+            <a:ext cx="589209" cy="199086"/>
+          </a:xfrm>
+          <a:prstGeom prst="bentConnector2">
+            <a:avLst/>
+          </a:prstGeom>
+        </p:spPr>
+        <p:style>
+          <a:lnRef idx="1">
+            <a:schemeClr val="accent1"/>
+          </a:lnRef>
+          <a:fillRef idx="0">
+            <a:schemeClr val="accent1"/>
+          </a:fillRef>
+          <a:effectRef idx="0">
+            <a:schemeClr val="accent1"/>
+          </a:effectRef>
+          <a:fontRef idx="minor">
+            <a:schemeClr val="tx1"/>
+          </a:fontRef>
+        </p:style>
+      </p:cxnSp>
+      <p:sp>
+        <p:nvSpPr>
+          <p:cNvPr id="17" name="Rectangle 16">
+            <a:extLst>
+              <a:ext uri="{FF2B5EF4-FFF2-40B4-BE49-F238E27FC236}">
+                <a16:creationId xmlns:a16="http://schemas.microsoft.com/office/drawing/2014/main" id="{1AE33723-7349-B0ED-6ED0-B8AE18077DFF}"/>
+              </a:ext>
+            </a:extLst>
+          </p:cNvPr>
+          <p:cNvSpPr/>
+          <p:nvPr/>
+        </p:nvSpPr>
+        <p:spPr>
+          <a:xfrm>
+            <a:off x="3111859" y="1820212"/>
+            <a:ext cx="1098997" cy="850005"/>
+          </a:xfrm>
+          <a:prstGeom prst="rect">
+            <a:avLst/>
+          </a:prstGeom>
+        </p:spPr>
+        <p:style>
+          <a:lnRef idx="2">
+            <a:schemeClr val="accent2">
+              <a:shade val="50000"/>
+            </a:schemeClr>
+          </a:lnRef>
+          <a:fillRef idx="1">
+            <a:schemeClr val="accent2"/>
+          </a:fillRef>
+          <a:effectRef idx="0">
+            <a:schemeClr val="accent2"/>
+          </a:effectRef>
+          <a:fontRef idx="minor">
+            <a:schemeClr val="lt1"/>
+          </a:fontRef>
+        </p:style>
+        <p:txBody>
+          <a:bodyPr rtlCol="0" anchor="ctr"/>
+          <a:lstStyle/>
+          <a:p>
+            <a:pPr algn="ctr"/>
+            <a:r>
+              <a:rPr lang="en-US" dirty="0"/>
+              <a:t>Request</a:t>
+            </a:r>
+          </a:p>
+          <a:p>
+            <a:pPr algn="ctr"/>
+            <a:r>
+              <a:rPr lang="en-US" dirty="0"/>
+              <a:t>Body Part1</a:t>
+            </a:r>
+          </a:p>
+        </p:txBody>
+      </p:sp>
+      <p:sp>
+        <p:nvSpPr>
+          <p:cNvPr id="18" name="Rectangle 17">
+            <a:extLst>
+              <a:ext uri="{FF2B5EF4-FFF2-40B4-BE49-F238E27FC236}">
+                <a16:creationId xmlns:a16="http://schemas.microsoft.com/office/drawing/2014/main" id="{C9F297D5-19E6-01CD-6AF4-E5D9EF4F3654}"/>
+              </a:ext>
+            </a:extLst>
+          </p:cNvPr>
+          <p:cNvSpPr/>
+          <p:nvPr/>
+        </p:nvSpPr>
+        <p:spPr>
+          <a:xfrm>
+            <a:off x="4540878" y="1820212"/>
+            <a:ext cx="1098997" cy="850005"/>
+          </a:xfrm>
+          <a:prstGeom prst="rect">
+            <a:avLst/>
+          </a:prstGeom>
+        </p:spPr>
+        <p:style>
+          <a:lnRef idx="2">
+            <a:schemeClr val="accent2">
+              <a:shade val="50000"/>
+            </a:schemeClr>
+          </a:lnRef>
+          <a:fillRef idx="1">
+            <a:schemeClr val="accent2"/>
+          </a:fillRef>
+          <a:effectRef idx="0">
+            <a:schemeClr val="accent2"/>
+          </a:effectRef>
+          <a:fontRef idx="minor">
+            <a:schemeClr val="lt1"/>
+          </a:fontRef>
+        </p:style>
+        <p:txBody>
+          <a:bodyPr rtlCol="0" anchor="ctr"/>
+          <a:lstStyle/>
+          <a:p>
+            <a:pPr algn="ctr"/>
+            <a:r>
+              <a:rPr lang="en-US" dirty="0"/>
+              <a:t>Request</a:t>
+            </a:r>
+          </a:p>
+          <a:p>
+            <a:pPr algn="ctr"/>
+            <a:r>
+              <a:rPr lang="en-US" dirty="0"/>
+              <a:t>Body Part2</a:t>
+            </a:r>
+          </a:p>
+        </p:txBody>
+      </p:sp>
+      <p:sp>
+        <p:nvSpPr>
+          <p:cNvPr id="19" name="Rectangle 18">
+            <a:extLst>
+              <a:ext uri="{FF2B5EF4-FFF2-40B4-BE49-F238E27FC236}">
+                <a16:creationId xmlns:a16="http://schemas.microsoft.com/office/drawing/2014/main" id="{C8F94249-3E04-1770-916F-A84D458B8BB7}"/>
+              </a:ext>
+            </a:extLst>
+          </p:cNvPr>
+          <p:cNvSpPr/>
+          <p:nvPr/>
+        </p:nvSpPr>
+        <p:spPr>
+          <a:xfrm>
+            <a:off x="6082049" y="1820212"/>
+            <a:ext cx="1098997" cy="850005"/>
+          </a:xfrm>
+          <a:prstGeom prst="rect">
+            <a:avLst/>
+          </a:prstGeom>
+        </p:spPr>
+        <p:style>
+          <a:lnRef idx="2">
+            <a:schemeClr val="accent2">
+              <a:shade val="50000"/>
+            </a:schemeClr>
+          </a:lnRef>
+          <a:fillRef idx="1">
+            <a:schemeClr val="accent2"/>
+          </a:fillRef>
+          <a:effectRef idx="0">
+            <a:schemeClr val="accent2"/>
+          </a:effectRef>
+          <a:fontRef idx="minor">
+            <a:schemeClr val="lt1"/>
+          </a:fontRef>
+        </p:style>
+        <p:txBody>
+          <a:bodyPr rtlCol="0" anchor="ctr"/>
+          <a:lstStyle/>
+          <a:p>
+            <a:pPr algn="ctr"/>
+            <a:r>
+              <a:rPr lang="en-US" dirty="0"/>
+              <a:t>Request</a:t>
+            </a:r>
+          </a:p>
+          <a:p>
+            <a:pPr algn="ctr"/>
+            <a:r>
+              <a:rPr lang="en-US" dirty="0"/>
+              <a:t>Body Part3</a:t>
+            </a:r>
+          </a:p>
+        </p:txBody>
+      </p:sp>
+      <p:sp>
+        <p:nvSpPr>
+          <p:cNvPr id="20" name="Rectangle 19">
+            <a:extLst>
+              <a:ext uri="{FF2B5EF4-FFF2-40B4-BE49-F238E27FC236}">
+                <a16:creationId xmlns:a16="http://schemas.microsoft.com/office/drawing/2014/main" id="{7BDB1DD9-4ABE-7659-FCF2-29A795C651E6}"/>
+              </a:ext>
+            </a:extLst>
+          </p:cNvPr>
+          <p:cNvSpPr/>
+          <p:nvPr/>
+        </p:nvSpPr>
+        <p:spPr>
+          <a:xfrm>
+            <a:off x="7623220" y="1809481"/>
+            <a:ext cx="1098997" cy="850005"/>
+          </a:xfrm>
+          <a:prstGeom prst="rect">
+            <a:avLst/>
+          </a:prstGeom>
+        </p:spPr>
+        <p:style>
+          <a:lnRef idx="2">
+            <a:schemeClr val="accent2">
+              <a:shade val="50000"/>
+            </a:schemeClr>
+          </a:lnRef>
+          <a:fillRef idx="1">
+            <a:schemeClr val="accent2"/>
+          </a:fillRef>
+          <a:effectRef idx="0">
+            <a:schemeClr val="accent2"/>
+          </a:effectRef>
+          <a:fontRef idx="minor">
+            <a:schemeClr val="lt1"/>
+          </a:fontRef>
+        </p:style>
+        <p:txBody>
+          <a:bodyPr rtlCol="0" anchor="ctr"/>
+          <a:lstStyle/>
+          <a:p>
+            <a:pPr algn="ctr"/>
+            <a:r>
+              <a:rPr lang="en-US" dirty="0"/>
+              <a:t>Request</a:t>
+            </a:r>
+          </a:p>
+          <a:p>
+            <a:pPr algn="ctr"/>
+            <a:r>
+              <a:rPr lang="en-US" dirty="0"/>
+              <a:t>Body Part4</a:t>
+            </a:r>
+          </a:p>
+        </p:txBody>
+      </p:sp>
+      <p:sp>
+        <p:nvSpPr>
+          <p:cNvPr id="22" name="Arrow: Down 21">
+            <a:extLst>
+              <a:ext uri="{FF2B5EF4-FFF2-40B4-BE49-F238E27FC236}">
+                <a16:creationId xmlns:a16="http://schemas.microsoft.com/office/drawing/2014/main" id="{8A1744E5-E736-C19C-4563-973D47008A37}"/>
+              </a:ext>
+            </a:extLst>
+          </p:cNvPr>
+          <p:cNvSpPr/>
+          <p:nvPr/>
+        </p:nvSpPr>
+        <p:spPr>
+          <a:xfrm rot="10800000">
+            <a:off x="5158715" y="2565106"/>
+            <a:ext cx="1314180" cy="2163651"/>
+          </a:xfrm>
+          <a:prstGeom prst="downArrow">
+            <a:avLst/>
+          </a:prstGeom>
+        </p:spPr>
+        <p:style>
+          <a:lnRef idx="2">
+            <a:schemeClr val="accent1">
+              <a:shade val="50000"/>
+            </a:schemeClr>
+          </a:lnRef>
+          <a:fillRef idx="1">
+            <a:schemeClr val="accent1"/>
+          </a:fillRef>
+          <a:effectRef idx="0">
+            <a:schemeClr val="accent1"/>
+          </a:effectRef>
+          <a:fontRef idx="minor">
+            <a:schemeClr val="lt1"/>
+          </a:fontRef>
+        </p:style>
+        <p:txBody>
+          <a:bodyPr rtlCol="0" anchor="ctr"/>
+          <a:lstStyle/>
+          <a:p>
+            <a:pPr algn="ctr"/>
+            <a:endParaRPr lang="en-US"/>
+          </a:p>
+        </p:txBody>
+      </p:sp>
+      <p:sp>
+        <p:nvSpPr>
+          <p:cNvPr id="23" name="TextBox 22">
+            <a:extLst>
+              <a:ext uri="{FF2B5EF4-FFF2-40B4-BE49-F238E27FC236}">
+                <a16:creationId xmlns:a16="http://schemas.microsoft.com/office/drawing/2014/main" id="{286116D5-96B8-3401-5000-32194847A8E4}"/>
+              </a:ext>
+            </a:extLst>
+          </p:cNvPr>
+          <p:cNvSpPr txBox="1"/>
+          <p:nvPr/>
+        </p:nvSpPr>
+        <p:spPr>
+          <a:xfrm>
+            <a:off x="6472895" y="3799268"/>
+            <a:ext cx="667170" cy="646331"/>
+          </a:xfrm>
+          <a:prstGeom prst="rect">
+            <a:avLst/>
+          </a:prstGeom>
+          <a:noFill/>
+        </p:spPr>
+        <p:txBody>
+          <a:bodyPr wrap="none" rtlCol="0">
+            <a:spAutoFit/>
+          </a:bodyPr>
+          <a:lstStyle/>
+          <a:p>
+            <a:r>
+              <a:rPr lang="en-US" dirty="0"/>
+              <a:t>Our</a:t>
+            </a:r>
+          </a:p>
+          <a:p>
+            <a:r>
+              <a:rPr lang="en-US" dirty="0"/>
+              <a:t>Code</a:t>
+            </a:r>
+          </a:p>
+        </p:txBody>
+      </p:sp>
+    </p:spTree>
+    <p:extLst>
+      <p:ext uri="{BB962C8B-B14F-4D97-AF65-F5344CB8AC3E}">
+        <p14:creationId xmlns:p14="http://schemas.microsoft.com/office/powerpoint/2010/main" val="3541144543"/>
+      </p:ext>
+    </p:extLst>
+  </p:cSld>
+  <p:clrMapOvr>
+    <a:masterClrMapping/>
+  </p:clrMapOvr>
+</p:sld>
+</file>
+
+<file path=ppt/slides/slide17.xml><?xml version="1.0" encoding="utf-8"?>
+<p:sld xmlns:a="http://schemas.openxmlformats.org/drawingml/2006/main" xmlns:r="http://schemas.openxmlformats.org/officeDocument/2006/relationships" xmlns:p="http://schemas.openxmlformats.org/presentationml/2006/main">
+  <p:cSld>
+    <p:spTree>
+      <p:nvGrpSpPr>
+        <p:cNvPr id="1" name=""/>
+        <p:cNvGrpSpPr/>
+        <p:nvPr/>
+      </p:nvGrpSpPr>
+      <p:grpSpPr>
+        <a:xfrm>
+          <a:off x="0" y="0"/>
+          <a:ext cx="0" cy="0"/>
+          <a:chOff x="0" y="0"/>
+          <a:chExt cx="0" cy="0"/>
+        </a:xfrm>
+      </p:grpSpPr>
+      <p:sp>
+        <p:nvSpPr>
+          <p:cNvPr id="2" name="Title 1">
+            <a:extLst>
+              <a:ext uri="{FF2B5EF4-FFF2-40B4-BE49-F238E27FC236}">
+                <a16:creationId xmlns:a16="http://schemas.microsoft.com/office/drawing/2014/main" id="{6FA14415-0134-0BA1-C090-B6BEF054BE9A}"/>
+              </a:ext>
+            </a:extLst>
+          </p:cNvPr>
+          <p:cNvSpPr>
+            <a:spLocks noGrp="1"/>
+          </p:cNvSpPr>
+          <p:nvPr>
+            <p:ph type="title"/>
+          </p:nvPr>
+        </p:nvSpPr>
+        <p:spPr>
+          <a:xfrm>
+            <a:off x="838200" y="409721"/>
+            <a:ext cx="10515600" cy="618186"/>
+          </a:xfrm>
+        </p:spPr>
+        <p:txBody>
+          <a:bodyPr>
+            <a:normAutofit fontScale="90000"/>
+          </a:bodyPr>
+          <a:lstStyle/>
+          <a:p>
+            <a:r>
+              <a:rPr lang="en-US" dirty="0"/>
+              <a:t>Single Thread, Event Loop &amp; Blocking Code</a:t>
+            </a:r>
+          </a:p>
+        </p:txBody>
+      </p:sp>
+      <p:sp>
+        <p:nvSpPr>
+          <p:cNvPr id="4" name="Rectangle 3">
+            <a:extLst>
+              <a:ext uri="{FF2B5EF4-FFF2-40B4-BE49-F238E27FC236}">
+                <a16:creationId xmlns:a16="http://schemas.microsoft.com/office/drawing/2014/main" id="{6D74A52A-0030-2B52-D557-82FEAD834F01}"/>
+              </a:ext>
+            </a:extLst>
+          </p:cNvPr>
+          <p:cNvSpPr/>
+          <p:nvPr/>
+        </p:nvSpPr>
+        <p:spPr>
+          <a:xfrm>
+            <a:off x="838200" y="1390918"/>
+            <a:ext cx="2755006" cy="618186"/>
+          </a:xfrm>
+          <a:prstGeom prst="rect">
+            <a:avLst/>
+          </a:prstGeom>
+          <a:solidFill>
+            <a:srgbClr val="7030A0"/>
+          </a:solidFill>
+        </p:spPr>
+        <p:style>
+          <a:lnRef idx="2">
+            <a:schemeClr val="accent1">
+              <a:shade val="50000"/>
+            </a:schemeClr>
+          </a:lnRef>
+          <a:fillRef idx="1">
+            <a:schemeClr val="accent1"/>
+          </a:fillRef>
+          <a:effectRef idx="0">
+            <a:schemeClr val="accent1"/>
+          </a:effectRef>
+          <a:fontRef idx="minor">
+            <a:schemeClr val="lt1"/>
+          </a:fontRef>
+        </p:style>
+        <p:txBody>
+          <a:bodyPr rtlCol="0" anchor="ctr"/>
+          <a:lstStyle/>
+          <a:p>
+            <a:pPr algn="ctr"/>
+            <a:r>
+              <a:rPr lang="en-US" dirty="0"/>
+              <a:t>Incoming Requests</a:t>
+            </a:r>
+          </a:p>
+        </p:txBody>
+      </p:sp>
+      <p:sp>
+        <p:nvSpPr>
+          <p:cNvPr id="5" name="Rectangle 4">
+            <a:extLst>
+              <a:ext uri="{FF2B5EF4-FFF2-40B4-BE49-F238E27FC236}">
+                <a16:creationId xmlns:a16="http://schemas.microsoft.com/office/drawing/2014/main" id="{F7502708-D658-8BCC-740A-EE8A48EDCF63}"/>
+              </a:ext>
+            </a:extLst>
+          </p:cNvPr>
+          <p:cNvSpPr/>
+          <p:nvPr/>
+        </p:nvSpPr>
+        <p:spPr>
+          <a:xfrm>
+            <a:off x="838200" y="3245476"/>
+            <a:ext cx="2755006" cy="183524"/>
+          </a:xfrm>
+          <a:prstGeom prst="rect">
+            <a:avLst/>
+          </a:prstGeom>
+          <a:solidFill>
+            <a:srgbClr val="FF0000"/>
+          </a:solidFill>
+        </p:spPr>
+        <p:style>
+          <a:lnRef idx="2">
+            <a:schemeClr val="accent1">
+              <a:shade val="50000"/>
+            </a:schemeClr>
+          </a:lnRef>
+          <a:fillRef idx="1">
+            <a:schemeClr val="accent1"/>
+          </a:fillRef>
+          <a:effectRef idx="0">
+            <a:schemeClr val="accent1"/>
+          </a:effectRef>
+          <a:fontRef idx="minor">
+            <a:schemeClr val="lt1"/>
+          </a:fontRef>
+        </p:style>
+        <p:txBody>
+          <a:bodyPr rtlCol="0" anchor="ctr"/>
+          <a:lstStyle/>
+          <a:p>
+            <a:pPr algn="ctr"/>
+            <a:endParaRPr lang="en-US"/>
+          </a:p>
+        </p:txBody>
+      </p:sp>
+      <p:cxnSp>
+        <p:nvCxnSpPr>
+          <p:cNvPr id="7" name="Straight Connector 6">
+            <a:extLst>
+              <a:ext uri="{FF2B5EF4-FFF2-40B4-BE49-F238E27FC236}">
+                <a16:creationId xmlns:a16="http://schemas.microsoft.com/office/drawing/2014/main" id="{AC7196CF-5C8C-9AAF-ED6C-481416E07BA3}"/>
+              </a:ext>
+            </a:extLst>
+          </p:cNvPr>
+          <p:cNvCxnSpPr>
+            <a:cxnSpLocks/>
+            <a:endCxn id="5" idx="0"/>
+          </p:cNvCxnSpPr>
+          <p:nvPr/>
+        </p:nvCxnSpPr>
+        <p:spPr>
+          <a:xfrm>
+            <a:off x="2202287" y="2009104"/>
+            <a:ext cx="13416" cy="1236372"/>
+          </a:xfrm>
+          <a:prstGeom prst="line">
+            <a:avLst/>
+          </a:prstGeom>
+        </p:spPr>
+        <p:style>
+          <a:lnRef idx="1">
+            <a:schemeClr val="dk1"/>
+          </a:lnRef>
+          <a:fillRef idx="0">
+            <a:schemeClr val="dk1"/>
+          </a:fillRef>
+          <a:effectRef idx="0">
+            <a:schemeClr val="dk1"/>
+          </a:effectRef>
+          <a:fontRef idx="minor">
+            <a:schemeClr val="tx1"/>
+          </a:fontRef>
+        </p:style>
+      </p:cxnSp>
+      <p:cxnSp>
+        <p:nvCxnSpPr>
+          <p:cNvPr id="9" name="Straight Connector 8">
+            <a:extLst>
+              <a:ext uri="{FF2B5EF4-FFF2-40B4-BE49-F238E27FC236}">
+                <a16:creationId xmlns:a16="http://schemas.microsoft.com/office/drawing/2014/main" id="{65C34A16-5BBC-C289-3317-3DCEAF226573}"/>
+              </a:ext>
+            </a:extLst>
+          </p:cNvPr>
+          <p:cNvCxnSpPr>
+            <a:cxnSpLocks/>
+            <a:endCxn id="5" idx="0"/>
+          </p:cNvCxnSpPr>
+          <p:nvPr/>
+        </p:nvCxnSpPr>
+        <p:spPr>
+          <a:xfrm>
+            <a:off x="1390918" y="2009104"/>
+            <a:ext cx="824785" cy="1236372"/>
+          </a:xfrm>
+          <a:prstGeom prst="line">
+            <a:avLst/>
+          </a:prstGeom>
+        </p:spPr>
+        <p:style>
+          <a:lnRef idx="1">
+            <a:schemeClr val="accent1"/>
+          </a:lnRef>
+          <a:fillRef idx="0">
+            <a:schemeClr val="accent1"/>
+          </a:fillRef>
+          <a:effectRef idx="0">
+            <a:schemeClr val="accent1"/>
+          </a:effectRef>
+          <a:fontRef idx="minor">
+            <a:schemeClr val="tx1"/>
+          </a:fontRef>
+        </p:style>
+      </p:cxnSp>
+      <p:cxnSp>
+        <p:nvCxnSpPr>
+          <p:cNvPr id="11" name="Straight Connector 10">
+            <a:extLst>
+              <a:ext uri="{FF2B5EF4-FFF2-40B4-BE49-F238E27FC236}">
+                <a16:creationId xmlns:a16="http://schemas.microsoft.com/office/drawing/2014/main" id="{B5A8DD11-0B29-61C6-E373-5FEA2F5A3E70}"/>
+              </a:ext>
+            </a:extLst>
+          </p:cNvPr>
+          <p:cNvCxnSpPr>
+            <a:cxnSpLocks/>
+            <a:endCxn id="5" idx="0"/>
+          </p:cNvCxnSpPr>
+          <p:nvPr/>
+        </p:nvCxnSpPr>
+        <p:spPr>
+          <a:xfrm flipH="1">
+            <a:off x="2215703" y="2009104"/>
+            <a:ext cx="797953" cy="1236372"/>
+          </a:xfrm>
+          <a:prstGeom prst="line">
+            <a:avLst/>
+          </a:prstGeom>
+        </p:spPr>
+        <p:style>
+          <a:lnRef idx="1">
+            <a:schemeClr val="accent1"/>
+          </a:lnRef>
+          <a:fillRef idx="0">
+            <a:schemeClr val="accent1"/>
+          </a:fillRef>
+          <a:effectRef idx="0">
+            <a:schemeClr val="accent1"/>
+          </a:effectRef>
+          <a:fontRef idx="minor">
+            <a:schemeClr val="tx1"/>
+          </a:fontRef>
+        </p:style>
+      </p:cxnSp>
+      <p:sp>
+        <p:nvSpPr>
+          <p:cNvPr id="15" name="Rectangle 14">
+            <a:extLst>
+              <a:ext uri="{FF2B5EF4-FFF2-40B4-BE49-F238E27FC236}">
+                <a16:creationId xmlns:a16="http://schemas.microsoft.com/office/drawing/2014/main" id="{54DE8500-4728-BEDE-06E3-7FE38654DAA8}"/>
+              </a:ext>
+            </a:extLst>
+          </p:cNvPr>
+          <p:cNvSpPr/>
+          <p:nvPr/>
+        </p:nvSpPr>
+        <p:spPr>
+          <a:xfrm>
+            <a:off x="838200" y="3747752"/>
+            <a:ext cx="1364087" cy="1970468"/>
+          </a:xfrm>
+          <a:prstGeom prst="rect">
+            <a:avLst/>
+          </a:prstGeom>
+        </p:spPr>
+        <p:style>
+          <a:lnRef idx="2">
+            <a:schemeClr val="accent1">
+              <a:shade val="50000"/>
+            </a:schemeClr>
+          </a:lnRef>
+          <a:fillRef idx="1">
+            <a:schemeClr val="accent1"/>
+          </a:fillRef>
+          <a:effectRef idx="0">
+            <a:schemeClr val="accent1"/>
+          </a:effectRef>
+          <a:fontRef idx="minor">
+            <a:schemeClr val="lt1"/>
+          </a:fontRef>
+        </p:style>
+        <p:txBody>
+          <a:bodyPr rtlCol="0" anchor="ctr"/>
+          <a:lstStyle/>
+          <a:p>
+            <a:pPr algn="ctr"/>
+            <a:r>
+              <a:rPr lang="en-US" dirty="0"/>
+              <a:t>&lt;Our Code&gt;</a:t>
+            </a:r>
+          </a:p>
+        </p:txBody>
+      </p:sp>
+      <p:sp>
+        <p:nvSpPr>
+          <p:cNvPr id="16" name="Rectangle 15">
+            <a:extLst>
+              <a:ext uri="{FF2B5EF4-FFF2-40B4-BE49-F238E27FC236}">
+                <a16:creationId xmlns:a16="http://schemas.microsoft.com/office/drawing/2014/main" id="{96CAF85D-6650-D5F9-AE09-0D0B37392183}"/>
+              </a:ext>
+            </a:extLst>
+          </p:cNvPr>
+          <p:cNvSpPr/>
+          <p:nvPr/>
+        </p:nvSpPr>
+        <p:spPr>
+          <a:xfrm>
+            <a:off x="2422301" y="3747752"/>
+            <a:ext cx="1364087" cy="1970468"/>
+          </a:xfrm>
+          <a:prstGeom prst="rect">
+            <a:avLst/>
+          </a:prstGeom>
+        </p:spPr>
+        <p:style>
+          <a:lnRef idx="2">
+            <a:schemeClr val="accent1">
+              <a:shade val="50000"/>
+            </a:schemeClr>
+          </a:lnRef>
+          <a:fillRef idx="1">
+            <a:schemeClr val="accent1"/>
+          </a:fillRef>
+          <a:effectRef idx="0">
+            <a:schemeClr val="accent1"/>
+          </a:effectRef>
+          <a:fontRef idx="minor">
+            <a:schemeClr val="lt1"/>
+          </a:fontRef>
+        </p:style>
+        <p:txBody>
+          <a:bodyPr rtlCol="0" anchor="ctr"/>
+          <a:lstStyle/>
+          <a:p>
+            <a:pPr algn="ctr"/>
+            <a:r>
+              <a:rPr lang="en-US" dirty="0"/>
+              <a:t>Single JavaScript Thread</a:t>
+            </a:r>
+          </a:p>
+        </p:txBody>
+      </p:sp>
+      <p:sp>
+        <p:nvSpPr>
+          <p:cNvPr id="17" name="Rectangle 16">
+            <a:extLst>
+              <a:ext uri="{FF2B5EF4-FFF2-40B4-BE49-F238E27FC236}">
+                <a16:creationId xmlns:a16="http://schemas.microsoft.com/office/drawing/2014/main" id="{D2FFFD13-26C0-9C93-3C81-BAAC27E7E4CF}"/>
+              </a:ext>
+            </a:extLst>
+          </p:cNvPr>
+          <p:cNvSpPr/>
+          <p:nvPr/>
+        </p:nvSpPr>
+        <p:spPr>
+          <a:xfrm>
+            <a:off x="5950039" y="1948865"/>
+            <a:ext cx="2648757" cy="618186"/>
+          </a:xfrm>
+          <a:prstGeom prst="rect">
+            <a:avLst/>
+          </a:prstGeom>
+        </p:spPr>
+        <p:style>
+          <a:lnRef idx="2">
+            <a:schemeClr val="accent1">
+              <a:shade val="50000"/>
+            </a:schemeClr>
+          </a:lnRef>
+          <a:fillRef idx="1">
+            <a:schemeClr val="accent1"/>
+          </a:fillRef>
+          <a:effectRef idx="0">
+            <a:schemeClr val="accent1"/>
+          </a:effectRef>
+          <a:fontRef idx="minor">
+            <a:schemeClr val="lt1"/>
+          </a:fontRef>
+        </p:style>
+        <p:txBody>
+          <a:bodyPr rtlCol="0" anchor="ctr"/>
+          <a:lstStyle/>
+          <a:p>
+            <a:pPr algn="ctr"/>
+            <a:r>
+              <a:rPr lang="en-US" dirty="0"/>
+              <a:t>Event Loop</a:t>
+            </a:r>
+          </a:p>
+        </p:txBody>
+      </p:sp>
+      <p:cxnSp>
+        <p:nvCxnSpPr>
+          <p:cNvPr id="19" name="Connector: Elbow 18">
+            <a:extLst>
+              <a:ext uri="{FF2B5EF4-FFF2-40B4-BE49-F238E27FC236}">
+                <a16:creationId xmlns:a16="http://schemas.microsoft.com/office/drawing/2014/main" id="{AAAD84EC-8B82-88E6-20E6-4354DAD52FD2}"/>
+              </a:ext>
+            </a:extLst>
+          </p:cNvPr>
+          <p:cNvCxnSpPr>
+            <a:stCxn id="16" idx="3"/>
+            <a:endCxn id="17" idx="1"/>
+          </p:cNvCxnSpPr>
+          <p:nvPr/>
+        </p:nvCxnSpPr>
+        <p:spPr>
+          <a:xfrm flipV="1">
+            <a:off x="3786388" y="2257958"/>
+            <a:ext cx="2163651" cy="2475028"/>
+          </a:xfrm>
+          <a:prstGeom prst="bentConnector3">
+            <a:avLst/>
+          </a:prstGeom>
+          <a:ln>
+            <a:tailEnd type="triangle"/>
+          </a:ln>
+        </p:spPr>
+        <p:style>
+          <a:lnRef idx="1">
+            <a:schemeClr val="accent1"/>
+          </a:lnRef>
+          <a:fillRef idx="0">
+            <a:schemeClr val="accent1"/>
+          </a:fillRef>
+          <a:effectRef idx="0">
+            <a:schemeClr val="accent1"/>
+          </a:effectRef>
+          <a:fontRef idx="minor">
+            <a:schemeClr val="tx1"/>
+          </a:fontRef>
+        </p:style>
+      </p:cxnSp>
+      <p:sp>
+        <p:nvSpPr>
+          <p:cNvPr id="20" name="TextBox 19">
+            <a:extLst>
+              <a:ext uri="{FF2B5EF4-FFF2-40B4-BE49-F238E27FC236}">
+                <a16:creationId xmlns:a16="http://schemas.microsoft.com/office/drawing/2014/main" id="{8A11EB5F-1019-8380-F4C0-0B242E0BB332}"/>
+              </a:ext>
+            </a:extLst>
+          </p:cNvPr>
+          <p:cNvSpPr txBox="1"/>
+          <p:nvPr/>
+        </p:nvSpPr>
+        <p:spPr>
+          <a:xfrm>
+            <a:off x="5061397" y="2009104"/>
+            <a:ext cx="632289" cy="369332"/>
+          </a:xfrm>
+          <a:prstGeom prst="rect">
+            <a:avLst/>
+          </a:prstGeom>
+          <a:noFill/>
+        </p:spPr>
+        <p:txBody>
+          <a:bodyPr wrap="none" rtlCol="0">
+            <a:spAutoFit/>
+          </a:bodyPr>
+          <a:lstStyle/>
+          <a:p>
+            <a:r>
+              <a:rPr lang="en-US" dirty="0"/>
+              <a:t>Start</a:t>
+            </a:r>
+          </a:p>
+        </p:txBody>
+      </p:sp>
+      <p:sp>
+        <p:nvSpPr>
+          <p:cNvPr id="23" name="Rectangle 22">
+            <a:extLst>
+              <a:ext uri="{FF2B5EF4-FFF2-40B4-BE49-F238E27FC236}">
+                <a16:creationId xmlns:a16="http://schemas.microsoft.com/office/drawing/2014/main" id="{FBE346A3-A9D5-F25A-7427-41E39C76E075}"/>
+              </a:ext>
+            </a:extLst>
+          </p:cNvPr>
+          <p:cNvSpPr/>
+          <p:nvPr/>
+        </p:nvSpPr>
+        <p:spPr>
+          <a:xfrm>
+            <a:off x="5950038" y="4607417"/>
+            <a:ext cx="2648757" cy="618186"/>
+          </a:xfrm>
+          <a:prstGeom prst="rect">
+            <a:avLst/>
+          </a:prstGeom>
+        </p:spPr>
+        <p:style>
+          <a:lnRef idx="2">
+            <a:schemeClr val="accent1">
+              <a:shade val="50000"/>
+            </a:schemeClr>
+          </a:lnRef>
+          <a:fillRef idx="1">
+            <a:schemeClr val="accent1"/>
+          </a:fillRef>
+          <a:effectRef idx="0">
+            <a:schemeClr val="accent1"/>
+          </a:effectRef>
+          <a:fontRef idx="minor">
+            <a:schemeClr val="lt1"/>
+          </a:fontRef>
+        </p:style>
+        <p:txBody>
+          <a:bodyPr rtlCol="0" anchor="ctr"/>
+          <a:lstStyle/>
+          <a:p>
+            <a:pPr algn="ctr"/>
+            <a:r>
+              <a:rPr lang="en-US" dirty="0"/>
+              <a:t>Worker Pool</a:t>
+            </a:r>
+          </a:p>
+        </p:txBody>
+      </p:sp>
+      <p:sp>
+        <p:nvSpPr>
+          <p:cNvPr id="24" name="Rectangle 23">
+            <a:extLst>
+              <a:ext uri="{FF2B5EF4-FFF2-40B4-BE49-F238E27FC236}">
+                <a16:creationId xmlns:a16="http://schemas.microsoft.com/office/drawing/2014/main" id="{638229A9-444F-573D-8F67-0C9196554CE3}"/>
+              </a:ext>
+            </a:extLst>
+          </p:cNvPr>
+          <p:cNvSpPr/>
+          <p:nvPr/>
+        </p:nvSpPr>
+        <p:spPr>
+          <a:xfrm>
+            <a:off x="9040968" y="4592254"/>
+            <a:ext cx="2648757" cy="618186"/>
+          </a:xfrm>
+          <a:prstGeom prst="rect">
+            <a:avLst/>
+          </a:prstGeom>
+        </p:spPr>
+        <p:style>
+          <a:lnRef idx="2">
+            <a:schemeClr val="accent1">
+              <a:shade val="50000"/>
+            </a:schemeClr>
+          </a:lnRef>
+          <a:fillRef idx="1">
+            <a:schemeClr val="accent1"/>
+          </a:fillRef>
+          <a:effectRef idx="0">
+            <a:schemeClr val="accent1"/>
+          </a:effectRef>
+          <a:fontRef idx="minor">
+            <a:schemeClr val="lt1"/>
+          </a:fontRef>
+        </p:style>
+        <p:txBody>
+          <a:bodyPr rtlCol="0" anchor="ctr"/>
+          <a:lstStyle/>
+          <a:p>
+            <a:pPr algn="ctr"/>
+            <a:r>
+              <a:rPr lang="en-US" dirty="0"/>
+              <a:t>Different Thread(s)!</a:t>
+            </a:r>
+          </a:p>
+        </p:txBody>
+      </p:sp>
+      <p:cxnSp>
+        <p:nvCxnSpPr>
+          <p:cNvPr id="26" name="Connector: Elbow 25">
+            <a:extLst>
+              <a:ext uri="{FF2B5EF4-FFF2-40B4-BE49-F238E27FC236}">
+                <a16:creationId xmlns:a16="http://schemas.microsoft.com/office/drawing/2014/main" id="{A67B2982-7DE0-1B9F-3F7C-07FB6BAA095C}"/>
+              </a:ext>
+            </a:extLst>
+          </p:cNvPr>
+          <p:cNvCxnSpPr>
+            <a:stCxn id="17" idx="3"/>
+            <a:endCxn id="23" idx="0"/>
+          </p:cNvCxnSpPr>
+          <p:nvPr/>
+        </p:nvCxnSpPr>
+        <p:spPr>
+          <a:xfrm flipH="1">
+            <a:off x="7274417" y="2257958"/>
+            <a:ext cx="1324379" cy="2349459"/>
+          </a:xfrm>
+          <a:prstGeom prst="bentConnector4">
+            <a:avLst>
+              <a:gd name="adj1" fmla="val -17261"/>
+              <a:gd name="adj2" fmla="val 56578"/>
+            </a:avLst>
+          </a:prstGeom>
+          <a:ln>
+            <a:tailEnd type="triangle"/>
+          </a:ln>
+        </p:spPr>
+        <p:style>
+          <a:lnRef idx="1">
+            <a:schemeClr val="accent1"/>
+          </a:lnRef>
+          <a:fillRef idx="0">
+            <a:schemeClr val="accent1"/>
+          </a:fillRef>
+          <a:effectRef idx="0">
+            <a:schemeClr val="accent1"/>
+          </a:effectRef>
+          <a:fontRef idx="minor">
+            <a:schemeClr val="tx1"/>
+          </a:fontRef>
+        </p:style>
+      </p:cxnSp>
+      <p:cxnSp>
+        <p:nvCxnSpPr>
+          <p:cNvPr id="28" name="Connector: Elbow 27">
+            <a:extLst>
+              <a:ext uri="{FF2B5EF4-FFF2-40B4-BE49-F238E27FC236}">
+                <a16:creationId xmlns:a16="http://schemas.microsoft.com/office/drawing/2014/main" id="{D844930A-0E03-5E25-FD03-9D6057EACA44}"/>
+              </a:ext>
+            </a:extLst>
+          </p:cNvPr>
+          <p:cNvCxnSpPr>
+            <a:stCxn id="16" idx="3"/>
+            <a:endCxn id="23" idx="1"/>
+          </p:cNvCxnSpPr>
+          <p:nvPr/>
+        </p:nvCxnSpPr>
+        <p:spPr>
+          <a:xfrm>
+            <a:off x="3786388" y="4732986"/>
+            <a:ext cx="2163650" cy="183524"/>
+          </a:xfrm>
+          <a:prstGeom prst="bentConnector3">
+            <a:avLst/>
+          </a:prstGeom>
+          <a:ln>
+            <a:tailEnd type="triangle"/>
+          </a:ln>
+        </p:spPr>
+        <p:style>
+          <a:lnRef idx="1">
+            <a:schemeClr val="accent1"/>
+          </a:lnRef>
+          <a:fillRef idx="0">
+            <a:schemeClr val="accent1"/>
+          </a:fillRef>
+          <a:effectRef idx="0">
+            <a:schemeClr val="accent1"/>
+          </a:effectRef>
+          <a:fontRef idx="minor">
+            <a:schemeClr val="tx1"/>
+          </a:fontRef>
+        </p:style>
+      </p:cxnSp>
+      <p:sp>
+        <p:nvSpPr>
+          <p:cNvPr id="29" name="TextBox 28">
+            <a:extLst>
+              <a:ext uri="{FF2B5EF4-FFF2-40B4-BE49-F238E27FC236}">
+                <a16:creationId xmlns:a16="http://schemas.microsoft.com/office/drawing/2014/main" id="{29549C95-0BB0-B1F4-21FB-9394C995FC5F}"/>
+              </a:ext>
+            </a:extLst>
+          </p:cNvPr>
+          <p:cNvSpPr txBox="1"/>
+          <p:nvPr/>
+        </p:nvSpPr>
+        <p:spPr>
+          <a:xfrm>
+            <a:off x="5104935" y="4579843"/>
+            <a:ext cx="531107" cy="369332"/>
+          </a:xfrm>
+          <a:prstGeom prst="rect">
+            <a:avLst/>
+          </a:prstGeom>
+          <a:noFill/>
+        </p:spPr>
+        <p:txBody>
+          <a:bodyPr wrap="none" rtlCol="0">
+            <a:spAutoFit/>
+          </a:bodyPr>
+          <a:lstStyle/>
+          <a:p>
+            <a:r>
+              <a:rPr lang="en-US" dirty="0"/>
+              <a:t>“fs”</a:t>
+            </a:r>
+          </a:p>
+        </p:txBody>
+      </p:sp>
+      <p:sp>
+        <p:nvSpPr>
+          <p:cNvPr id="30" name="Rectangle 29">
+            <a:extLst>
+              <a:ext uri="{FF2B5EF4-FFF2-40B4-BE49-F238E27FC236}">
+                <a16:creationId xmlns:a16="http://schemas.microsoft.com/office/drawing/2014/main" id="{E272A408-D06A-D1CF-B47C-A8B97DC41E5F}"/>
+              </a:ext>
+            </a:extLst>
+          </p:cNvPr>
+          <p:cNvSpPr/>
+          <p:nvPr/>
+        </p:nvSpPr>
+        <p:spPr>
+          <a:xfrm>
+            <a:off x="5834130" y="2627290"/>
+            <a:ext cx="2648757" cy="566552"/>
+          </a:xfrm>
+          <a:prstGeom prst="rect">
+            <a:avLst/>
+          </a:prstGeom>
+        </p:spPr>
+        <p:style>
+          <a:lnRef idx="2">
+            <a:schemeClr val="accent1">
+              <a:shade val="50000"/>
+            </a:schemeClr>
+          </a:lnRef>
+          <a:fillRef idx="1">
+            <a:schemeClr val="accent1"/>
+          </a:fillRef>
+          <a:effectRef idx="0">
+            <a:schemeClr val="accent1"/>
+          </a:effectRef>
+          <a:fontRef idx="minor">
+            <a:schemeClr val="lt1"/>
+          </a:fontRef>
+        </p:style>
+        <p:txBody>
+          <a:bodyPr rtlCol="0" anchor="ctr"/>
+          <a:lstStyle/>
+          <a:p>
+            <a:pPr algn="ctr"/>
+            <a:r>
+              <a:rPr lang="en-US" dirty="0"/>
+              <a:t>Handle Event Callbacks</a:t>
+            </a:r>
+          </a:p>
+        </p:txBody>
+      </p:sp>
+      <p:sp>
+        <p:nvSpPr>
+          <p:cNvPr id="31" name="Rectangle 30">
+            <a:extLst>
+              <a:ext uri="{FF2B5EF4-FFF2-40B4-BE49-F238E27FC236}">
+                <a16:creationId xmlns:a16="http://schemas.microsoft.com/office/drawing/2014/main" id="{A84D5B13-E993-623B-1D2C-C9494FADAFF3}"/>
+              </a:ext>
+            </a:extLst>
+          </p:cNvPr>
+          <p:cNvSpPr/>
+          <p:nvPr/>
+        </p:nvSpPr>
+        <p:spPr>
+          <a:xfrm>
+            <a:off x="6096000" y="5383369"/>
+            <a:ext cx="2790423" cy="502276"/>
+          </a:xfrm>
+          <a:prstGeom prst="rect">
+            <a:avLst/>
+          </a:prstGeom>
+        </p:spPr>
+        <p:style>
+          <a:lnRef idx="2">
+            <a:schemeClr val="accent1">
+              <a:shade val="50000"/>
+            </a:schemeClr>
+          </a:lnRef>
+          <a:fillRef idx="1">
+            <a:schemeClr val="accent1"/>
+          </a:fillRef>
+          <a:effectRef idx="0">
+            <a:schemeClr val="accent1"/>
+          </a:effectRef>
+          <a:fontRef idx="minor">
+            <a:schemeClr val="lt1"/>
+          </a:fontRef>
+        </p:style>
+        <p:txBody>
+          <a:bodyPr rtlCol="0" anchor="ctr"/>
+          <a:lstStyle/>
+          <a:p>
+            <a:pPr algn="ctr"/>
+            <a:r>
+              <a:rPr lang="en-US" dirty="0"/>
+              <a:t>Do the Heavy Lifting</a:t>
+            </a:r>
+          </a:p>
+        </p:txBody>
+      </p:sp>
+    </p:spTree>
+    <p:extLst>
+      <p:ext uri="{BB962C8B-B14F-4D97-AF65-F5344CB8AC3E}">
+        <p14:creationId xmlns:p14="http://schemas.microsoft.com/office/powerpoint/2010/main" val="4290399625"/>
+      </p:ext>
+    </p:extLst>
+  </p:cSld>
+  <p:clrMapOvr>
+    <a:masterClrMapping/>
+  </p:clrMapOvr>
+</p:sld>
+</file>
+
+<file path=ppt/slides/slide18.xml><?xml version="1.0" encoding="utf-8"?>
+<p:sld xmlns:a="http://schemas.openxmlformats.org/drawingml/2006/main" xmlns:r="http://schemas.openxmlformats.org/officeDocument/2006/relationships" xmlns:p="http://schemas.openxmlformats.org/presentationml/2006/main">
+  <p:cSld>
+    <p:spTree>
+      <p:nvGrpSpPr>
+        <p:cNvPr id="1" name=""/>
+        <p:cNvGrpSpPr/>
+        <p:nvPr/>
+      </p:nvGrpSpPr>
+      <p:grpSpPr>
+        <a:xfrm>
+          <a:off x="0" y="0"/>
+          <a:ext cx="0" cy="0"/>
+          <a:chOff x="0" y="0"/>
+          <a:chExt cx="0" cy="0"/>
+        </a:xfrm>
+      </p:grpSpPr>
+      <p:sp>
+        <p:nvSpPr>
+          <p:cNvPr id="2" name="Title 1">
+            <a:extLst>
+              <a:ext uri="{FF2B5EF4-FFF2-40B4-BE49-F238E27FC236}">
+                <a16:creationId xmlns:a16="http://schemas.microsoft.com/office/drawing/2014/main" id="{8DB9E1C2-B56C-DA03-1D3E-61345C4BDBAD}"/>
+              </a:ext>
+            </a:extLst>
+          </p:cNvPr>
+          <p:cNvSpPr>
+            <a:spLocks noGrp="1"/>
+          </p:cNvSpPr>
+          <p:nvPr>
+            <p:ph type="title"/>
+          </p:nvPr>
+        </p:nvSpPr>
+        <p:spPr>
+          <a:xfrm>
+            <a:off x="838200" y="365126"/>
+            <a:ext cx="10515600" cy="793974"/>
+          </a:xfrm>
+        </p:spPr>
+        <p:txBody>
+          <a:bodyPr/>
+          <a:lstStyle/>
+          <a:p>
+            <a:r>
+              <a:rPr lang="en-US" dirty="0"/>
+              <a:t>The Event Loop</a:t>
+            </a:r>
+          </a:p>
+        </p:txBody>
+      </p:sp>
+      <p:grpSp>
+        <p:nvGrpSpPr>
+          <p:cNvPr id="6" name="Group 5">
+            <a:extLst>
+              <a:ext uri="{FF2B5EF4-FFF2-40B4-BE49-F238E27FC236}">
+                <a16:creationId xmlns:a16="http://schemas.microsoft.com/office/drawing/2014/main" id="{1EEE9630-FCA9-80AF-C70D-16AD5DAEC74A}"/>
+              </a:ext>
+            </a:extLst>
+          </p:cNvPr>
+          <p:cNvGrpSpPr/>
+          <p:nvPr/>
+        </p:nvGrpSpPr>
+        <p:grpSpPr>
+          <a:xfrm>
+            <a:off x="4170480" y="2335761"/>
+            <a:ext cx="2002794" cy="1834059"/>
+            <a:chOff x="1076628" y="1094131"/>
+            <a:chExt cx="4221720" cy="3866040"/>
+          </a:xfrm>
+        </p:grpSpPr>
+        <mc:AlternateContent xmlns:mc="http://schemas.openxmlformats.org/markup-compatibility/2006">
+          <mc:Choice xmlns:p14="http://schemas.microsoft.com/office/powerpoint/2010/main" Requires="p14">
+            <p:contentPart p14:bwMode="auto" r:id="rId2">
+              <p14:nvContentPartPr>
+                <p14:cNvPr id="4" name="Ink 3">
+                  <a:extLst>
+                    <a:ext uri="{FF2B5EF4-FFF2-40B4-BE49-F238E27FC236}">
+                      <a16:creationId xmlns:a16="http://schemas.microsoft.com/office/drawing/2014/main" id="{AF5A300A-014B-0DD2-A8EE-7080ABC6FF85}"/>
+                    </a:ext>
+                  </a:extLst>
+                </p14:cNvPr>
+                <p14:cNvContentPartPr/>
+                <p14:nvPr/>
+              </p14:nvContentPartPr>
+              <p14:xfrm>
+                <a:off x="1076628" y="1556371"/>
+                <a:ext cx="4221720" cy="3403800"/>
+              </p14:xfrm>
+            </p:contentPart>
+          </mc:Choice>
+          <mc:Fallback>
+            <p:pic>
+              <p:nvPicPr>
+                <p:cNvPr id="4" name="Ink 3">
+                  <a:extLst>
+                    <a:ext uri="{FF2B5EF4-FFF2-40B4-BE49-F238E27FC236}">
+                      <a16:creationId xmlns:a16="http://schemas.microsoft.com/office/drawing/2014/main" id="{AF5A300A-014B-0DD2-A8EE-7080ABC6FF85}"/>
+                    </a:ext>
+                  </a:extLst>
+                </p:cNvPr>
+                <p:cNvPicPr/>
+                <p:nvPr/>
+              </p:nvPicPr>
+              <p:blipFill>
+                <a:blip r:embed="rId3"/>
+                <a:stretch>
+                  <a:fillRect/>
+                </a:stretch>
+              </p:blipFill>
+              <p:spPr>
+                <a:xfrm>
+                  <a:off x="1057659" y="1537402"/>
+                  <a:ext cx="4258899" cy="3440979"/>
+                </a:xfrm>
+                <a:prstGeom prst="rect">
+                  <a:avLst/>
+                </a:prstGeom>
+              </p:spPr>
+            </p:pic>
+          </mc:Fallback>
+        </mc:AlternateContent>
+        <mc:AlternateContent xmlns:mc="http://schemas.openxmlformats.org/markup-compatibility/2006">
+          <mc:Choice xmlns:p14="http://schemas.microsoft.com/office/powerpoint/2010/main" Requires="p14">
+            <p:contentPart p14:bwMode="auto" r:id="rId4">
+              <p14:nvContentPartPr>
+                <p14:cNvPr id="5" name="Ink 4">
+                  <a:extLst>
+                    <a:ext uri="{FF2B5EF4-FFF2-40B4-BE49-F238E27FC236}">
+                      <a16:creationId xmlns:a16="http://schemas.microsoft.com/office/drawing/2014/main" id="{5568386F-801F-1D49-E3A1-3F3EA846507E}"/>
+                    </a:ext>
+                  </a:extLst>
+                </p14:cNvPr>
+                <p14:cNvContentPartPr/>
+                <p14:nvPr/>
+              </p14:nvContentPartPr>
+              <p14:xfrm>
+                <a:off x="2456148" y="1094131"/>
+                <a:ext cx="707400" cy="984240"/>
+              </p14:xfrm>
+            </p:contentPart>
+          </mc:Choice>
+          <mc:Fallback>
+            <p:pic>
+              <p:nvPicPr>
+                <p:cNvPr id="5" name="Ink 4">
+                  <a:extLst>
+                    <a:ext uri="{FF2B5EF4-FFF2-40B4-BE49-F238E27FC236}">
+                      <a16:creationId xmlns:a16="http://schemas.microsoft.com/office/drawing/2014/main" id="{5568386F-801F-1D49-E3A1-3F3EA846507E}"/>
+                    </a:ext>
+                  </a:extLst>
+                </p:cNvPr>
+                <p:cNvPicPr/>
+                <p:nvPr/>
+              </p:nvPicPr>
+              <p:blipFill>
+                <a:blip r:embed="rId5"/>
+                <a:stretch>
+                  <a:fillRect/>
+                </a:stretch>
+              </p:blipFill>
+              <p:spPr>
+                <a:xfrm>
+                  <a:off x="2437193" y="1075174"/>
+                  <a:ext cx="744552" cy="1021395"/>
+                </a:xfrm>
+                <a:prstGeom prst="rect">
+                  <a:avLst/>
+                </a:prstGeom>
+              </p:spPr>
+            </p:pic>
+          </mc:Fallback>
+        </mc:AlternateContent>
+      </p:grpSp>
+      <p:sp>
+        <p:nvSpPr>
+          <p:cNvPr id="7" name="Rectangle 6">
+            <a:extLst>
+              <a:ext uri="{FF2B5EF4-FFF2-40B4-BE49-F238E27FC236}">
+                <a16:creationId xmlns:a16="http://schemas.microsoft.com/office/drawing/2014/main" id="{25CB50C4-BCC3-6A86-3BA3-E264AC5B3A4A}"/>
+              </a:ext>
+            </a:extLst>
+          </p:cNvPr>
+          <p:cNvSpPr/>
+          <p:nvPr/>
+        </p:nvSpPr>
+        <p:spPr>
+          <a:xfrm>
+            <a:off x="6375042" y="1451022"/>
+            <a:ext cx="3593206" cy="425003"/>
+          </a:xfrm>
+          <a:prstGeom prst="rect">
+            <a:avLst/>
+          </a:prstGeom>
+          <a:solidFill>
+            <a:schemeClr val="accent2">
+              <a:lumMod val="50000"/>
+            </a:schemeClr>
+          </a:solidFill>
+        </p:spPr>
+        <p:style>
+          <a:lnRef idx="2">
+            <a:schemeClr val="accent1">
+              <a:shade val="50000"/>
+            </a:schemeClr>
+          </a:lnRef>
+          <a:fillRef idx="1">
+            <a:schemeClr val="accent1"/>
+          </a:fillRef>
+          <a:effectRef idx="0">
+            <a:schemeClr val="accent1"/>
+          </a:effectRef>
+          <a:fontRef idx="minor">
+            <a:schemeClr val="lt1"/>
+          </a:fontRef>
+        </p:style>
+        <p:txBody>
+          <a:bodyPr rtlCol="0" anchor="ctr"/>
+          <a:lstStyle/>
+          <a:p>
+            <a:pPr algn="ctr"/>
+            <a:r>
+              <a:rPr lang="en-US" dirty="0"/>
+              <a:t>Timers</a:t>
+            </a:r>
+          </a:p>
+        </p:txBody>
+      </p:sp>
+      <p:sp>
+        <p:nvSpPr>
+          <p:cNvPr id="8" name="Rectangle 7">
+            <a:extLst>
+              <a:ext uri="{FF2B5EF4-FFF2-40B4-BE49-F238E27FC236}">
+                <a16:creationId xmlns:a16="http://schemas.microsoft.com/office/drawing/2014/main" id="{D31DB74D-3596-3A91-D56E-71664A73C879}"/>
+              </a:ext>
+            </a:extLst>
+          </p:cNvPr>
+          <p:cNvSpPr/>
+          <p:nvPr/>
+        </p:nvSpPr>
+        <p:spPr>
+          <a:xfrm>
+            <a:off x="6375042" y="2039157"/>
+            <a:ext cx="3593206" cy="802781"/>
+          </a:xfrm>
+          <a:prstGeom prst="rect">
+            <a:avLst/>
+          </a:prstGeom>
+          <a:solidFill>
+            <a:schemeClr val="accent2">
+              <a:lumMod val="75000"/>
+            </a:schemeClr>
+          </a:solidFill>
+        </p:spPr>
+        <p:style>
+          <a:lnRef idx="2">
+            <a:schemeClr val="accent1">
+              <a:shade val="50000"/>
+            </a:schemeClr>
+          </a:lnRef>
+          <a:fillRef idx="1">
+            <a:schemeClr val="accent1"/>
+          </a:fillRef>
+          <a:effectRef idx="0">
+            <a:schemeClr val="accent1"/>
+          </a:effectRef>
+          <a:fontRef idx="minor">
+            <a:schemeClr val="lt1"/>
+          </a:fontRef>
+        </p:style>
+        <p:txBody>
+          <a:bodyPr rtlCol="0" anchor="ctr"/>
+          <a:lstStyle/>
+          <a:p>
+            <a:pPr algn="ctr"/>
+            <a:r>
+              <a:rPr lang="en-US" dirty="0"/>
+              <a:t>Execute </a:t>
+            </a:r>
+            <a:r>
+              <a:rPr lang="en-US" dirty="0" err="1"/>
+              <a:t>setTimeout</a:t>
+            </a:r>
+            <a:r>
+              <a:rPr lang="en-US" dirty="0"/>
+              <a:t>,</a:t>
+            </a:r>
+          </a:p>
+          <a:p>
+            <a:pPr algn="ctr"/>
+            <a:r>
+              <a:rPr lang="en-US" dirty="0" err="1"/>
+              <a:t>setInterval</a:t>
+            </a:r>
+            <a:r>
+              <a:rPr lang="en-US" dirty="0"/>
+              <a:t> Callbacks</a:t>
+            </a:r>
+          </a:p>
+        </p:txBody>
+      </p:sp>
+      <p:sp>
+        <p:nvSpPr>
+          <p:cNvPr id="9" name="Rectangle 8">
+            <a:extLst>
+              <a:ext uri="{FF2B5EF4-FFF2-40B4-BE49-F238E27FC236}">
+                <a16:creationId xmlns:a16="http://schemas.microsoft.com/office/drawing/2014/main" id="{B06CD64D-C4AD-676F-8656-EB68DA782C8A}"/>
+              </a:ext>
+            </a:extLst>
+          </p:cNvPr>
+          <p:cNvSpPr/>
+          <p:nvPr/>
+        </p:nvSpPr>
+        <p:spPr>
+          <a:xfrm>
+            <a:off x="6375042" y="3216498"/>
+            <a:ext cx="3593206" cy="425003"/>
+          </a:xfrm>
+          <a:prstGeom prst="rect">
+            <a:avLst/>
+          </a:prstGeom>
+          <a:solidFill>
+            <a:schemeClr val="accent2">
+              <a:lumMod val="50000"/>
+            </a:schemeClr>
+          </a:solidFill>
+        </p:spPr>
+        <p:style>
+          <a:lnRef idx="2">
+            <a:schemeClr val="accent1">
+              <a:shade val="50000"/>
+            </a:schemeClr>
+          </a:lnRef>
+          <a:fillRef idx="1">
+            <a:schemeClr val="accent1"/>
+          </a:fillRef>
+          <a:effectRef idx="0">
+            <a:schemeClr val="accent1"/>
+          </a:effectRef>
+          <a:fontRef idx="minor">
+            <a:schemeClr val="lt1"/>
+          </a:fontRef>
+        </p:style>
+        <p:txBody>
+          <a:bodyPr rtlCol="0" anchor="ctr"/>
+          <a:lstStyle/>
+          <a:p>
+            <a:pPr algn="ctr"/>
+            <a:r>
+              <a:rPr lang="en-US" dirty="0"/>
+              <a:t>Pending Callbacks</a:t>
+            </a:r>
+          </a:p>
+        </p:txBody>
+      </p:sp>
+      <p:sp>
+        <p:nvSpPr>
+          <p:cNvPr id="10" name="Rectangle 9">
+            <a:extLst>
+              <a:ext uri="{FF2B5EF4-FFF2-40B4-BE49-F238E27FC236}">
+                <a16:creationId xmlns:a16="http://schemas.microsoft.com/office/drawing/2014/main" id="{8669A00C-30C0-D662-9EDB-E9F68A7DFFF1}"/>
+              </a:ext>
+            </a:extLst>
+          </p:cNvPr>
+          <p:cNvSpPr/>
+          <p:nvPr/>
+        </p:nvSpPr>
+        <p:spPr>
+          <a:xfrm>
+            <a:off x="6375042" y="3804633"/>
+            <a:ext cx="3593206" cy="802781"/>
+          </a:xfrm>
+          <a:prstGeom prst="rect">
+            <a:avLst/>
+          </a:prstGeom>
+          <a:solidFill>
+            <a:schemeClr val="accent2">
+              <a:lumMod val="75000"/>
+            </a:schemeClr>
+          </a:solidFill>
+        </p:spPr>
+        <p:style>
+          <a:lnRef idx="2">
+            <a:schemeClr val="accent1">
+              <a:shade val="50000"/>
+            </a:schemeClr>
+          </a:lnRef>
+          <a:fillRef idx="1">
+            <a:schemeClr val="accent1"/>
+          </a:fillRef>
+          <a:effectRef idx="0">
+            <a:schemeClr val="accent1"/>
+          </a:effectRef>
+          <a:fontRef idx="minor">
+            <a:schemeClr val="lt1"/>
+          </a:fontRef>
+        </p:style>
+        <p:txBody>
+          <a:bodyPr rtlCol="0" anchor="ctr"/>
+          <a:lstStyle/>
+          <a:p>
+            <a:pPr algn="ctr"/>
+            <a:r>
+              <a:rPr lang="en-US" dirty="0"/>
+              <a:t>Executed I/O related callbacks that were deferred</a:t>
+            </a:r>
+          </a:p>
+        </p:txBody>
+      </p:sp>
+      <p:sp>
+        <p:nvSpPr>
+          <p:cNvPr id="11" name="Rectangle 10">
+            <a:extLst>
+              <a:ext uri="{FF2B5EF4-FFF2-40B4-BE49-F238E27FC236}">
+                <a16:creationId xmlns:a16="http://schemas.microsoft.com/office/drawing/2014/main" id="{4615FC9B-95C8-B38C-3A06-E25562E58502}"/>
+              </a:ext>
+            </a:extLst>
+          </p:cNvPr>
+          <p:cNvSpPr/>
+          <p:nvPr/>
+        </p:nvSpPr>
+        <p:spPr>
+          <a:xfrm>
+            <a:off x="5298348" y="4960171"/>
+            <a:ext cx="3593206" cy="425003"/>
+          </a:xfrm>
+          <a:prstGeom prst="rect">
+            <a:avLst/>
+          </a:prstGeom>
+          <a:solidFill>
+            <a:schemeClr val="accent2">
+              <a:lumMod val="50000"/>
+            </a:schemeClr>
+          </a:solidFill>
+        </p:spPr>
+        <p:style>
+          <a:lnRef idx="2">
+            <a:schemeClr val="accent1">
+              <a:shade val="50000"/>
+            </a:schemeClr>
+          </a:lnRef>
+          <a:fillRef idx="1">
+            <a:schemeClr val="accent1"/>
+          </a:fillRef>
+          <a:effectRef idx="0">
+            <a:schemeClr val="accent1"/>
+          </a:effectRef>
+          <a:fontRef idx="minor">
+            <a:schemeClr val="lt1"/>
+          </a:fontRef>
+        </p:style>
+        <p:txBody>
+          <a:bodyPr rtlCol="0" anchor="ctr"/>
+          <a:lstStyle/>
+          <a:p>
+            <a:pPr algn="ctr"/>
+            <a:r>
+              <a:rPr lang="en-US" dirty="0"/>
+              <a:t>Poll</a:t>
+            </a:r>
+          </a:p>
+        </p:txBody>
+      </p:sp>
+      <p:sp>
+        <p:nvSpPr>
+          <p:cNvPr id="12" name="Rectangle 11">
+            <a:extLst>
+              <a:ext uri="{FF2B5EF4-FFF2-40B4-BE49-F238E27FC236}">
+                <a16:creationId xmlns:a16="http://schemas.microsoft.com/office/drawing/2014/main" id="{426DB7D0-B8EA-8826-4404-669506D76CBE}"/>
+              </a:ext>
+            </a:extLst>
+          </p:cNvPr>
+          <p:cNvSpPr/>
+          <p:nvPr/>
+        </p:nvSpPr>
+        <p:spPr>
+          <a:xfrm>
+            <a:off x="5298348" y="5548306"/>
+            <a:ext cx="3593206" cy="802781"/>
+          </a:xfrm>
+          <a:prstGeom prst="rect">
+            <a:avLst/>
+          </a:prstGeom>
+          <a:solidFill>
+            <a:schemeClr val="accent2">
+              <a:lumMod val="75000"/>
+            </a:schemeClr>
+          </a:solidFill>
+        </p:spPr>
+        <p:style>
+          <a:lnRef idx="2">
+            <a:schemeClr val="accent1">
+              <a:shade val="50000"/>
+            </a:schemeClr>
+          </a:lnRef>
+          <a:fillRef idx="1">
+            <a:schemeClr val="accent1"/>
+          </a:fillRef>
+          <a:effectRef idx="0">
+            <a:schemeClr val="accent1"/>
+          </a:effectRef>
+          <a:fontRef idx="minor">
+            <a:schemeClr val="lt1"/>
+          </a:fontRef>
+        </p:style>
+        <p:txBody>
+          <a:bodyPr rtlCol="0" anchor="ctr"/>
+          <a:lstStyle/>
+          <a:p>
+            <a:pPr algn="ctr"/>
+            <a:r>
+              <a:rPr lang="en-US" dirty="0" err="1"/>
+              <a:t>Retrive</a:t>
+            </a:r>
+            <a:r>
+              <a:rPr lang="en-US" dirty="0"/>
+              <a:t> new I/O events,</a:t>
+            </a:r>
+          </a:p>
+          <a:p>
+            <a:pPr algn="ctr"/>
+            <a:r>
+              <a:rPr lang="en-US" dirty="0"/>
+              <a:t>Execute their callbacks</a:t>
+            </a:r>
+          </a:p>
+        </p:txBody>
+      </p:sp>
+      <p:sp>
+        <p:nvSpPr>
+          <p:cNvPr id="13" name="Rectangle 12">
+            <a:extLst>
+              <a:ext uri="{FF2B5EF4-FFF2-40B4-BE49-F238E27FC236}">
+                <a16:creationId xmlns:a16="http://schemas.microsoft.com/office/drawing/2014/main" id="{37797BB8-85EC-6166-EE55-4EDCF5EF4DD1}"/>
+              </a:ext>
+            </a:extLst>
+          </p:cNvPr>
+          <p:cNvSpPr/>
+          <p:nvPr/>
+        </p:nvSpPr>
+        <p:spPr>
+          <a:xfrm>
+            <a:off x="930263" y="5089127"/>
+            <a:ext cx="3593206" cy="425003"/>
+          </a:xfrm>
+          <a:prstGeom prst="rect">
+            <a:avLst/>
+          </a:prstGeom>
+          <a:solidFill>
+            <a:schemeClr val="accent2">
+              <a:lumMod val="50000"/>
+            </a:schemeClr>
+          </a:solidFill>
+        </p:spPr>
+        <p:style>
+          <a:lnRef idx="2">
+            <a:schemeClr val="accent1">
+              <a:shade val="50000"/>
+            </a:schemeClr>
+          </a:lnRef>
+          <a:fillRef idx="1">
+            <a:schemeClr val="accent1"/>
+          </a:fillRef>
+          <a:effectRef idx="0">
+            <a:schemeClr val="accent1"/>
+          </a:effectRef>
+          <a:fontRef idx="minor">
+            <a:schemeClr val="lt1"/>
+          </a:fontRef>
+        </p:style>
+        <p:txBody>
+          <a:bodyPr rtlCol="0" anchor="ctr"/>
+          <a:lstStyle/>
+          <a:p>
+            <a:pPr algn="ctr"/>
+            <a:r>
+              <a:rPr lang="en-US" dirty="0"/>
+              <a:t>Check</a:t>
+            </a:r>
+          </a:p>
+        </p:txBody>
+      </p:sp>
+      <p:sp>
+        <p:nvSpPr>
+          <p:cNvPr id="14" name="Rectangle 13">
+            <a:extLst>
+              <a:ext uri="{FF2B5EF4-FFF2-40B4-BE49-F238E27FC236}">
+                <a16:creationId xmlns:a16="http://schemas.microsoft.com/office/drawing/2014/main" id="{0CDCC860-E0A2-538E-A029-590315AF0A3C}"/>
+              </a:ext>
+            </a:extLst>
+          </p:cNvPr>
+          <p:cNvSpPr/>
+          <p:nvPr/>
+        </p:nvSpPr>
+        <p:spPr>
+          <a:xfrm>
+            <a:off x="930263" y="5677262"/>
+            <a:ext cx="3593206" cy="802781"/>
+          </a:xfrm>
+          <a:prstGeom prst="rect">
+            <a:avLst/>
+          </a:prstGeom>
+          <a:solidFill>
+            <a:schemeClr val="accent2">
+              <a:lumMod val="75000"/>
+            </a:schemeClr>
+          </a:solidFill>
+        </p:spPr>
+        <p:style>
+          <a:lnRef idx="2">
+            <a:schemeClr val="accent1">
+              <a:shade val="50000"/>
+            </a:schemeClr>
+          </a:lnRef>
+          <a:fillRef idx="1">
+            <a:schemeClr val="accent1"/>
+          </a:fillRef>
+          <a:effectRef idx="0">
+            <a:schemeClr val="accent1"/>
+          </a:effectRef>
+          <a:fontRef idx="minor">
+            <a:schemeClr val="lt1"/>
+          </a:fontRef>
+        </p:style>
+        <p:txBody>
+          <a:bodyPr rtlCol="0" anchor="ctr"/>
+          <a:lstStyle/>
+          <a:p>
+            <a:pPr algn="ctr"/>
+            <a:r>
+              <a:rPr lang="en-US" dirty="0"/>
+              <a:t>Execute </a:t>
+            </a:r>
+            <a:r>
+              <a:rPr lang="en-US" dirty="0" err="1"/>
+              <a:t>setImmediate</a:t>
+            </a:r>
+            <a:r>
+              <a:rPr lang="en-US" dirty="0"/>
+              <a:t>()</a:t>
+            </a:r>
+          </a:p>
+          <a:p>
+            <a:pPr algn="ctr"/>
+            <a:r>
+              <a:rPr lang="en-US" dirty="0"/>
+              <a:t>callbacks</a:t>
+            </a:r>
+          </a:p>
+        </p:txBody>
+      </p:sp>
+      <p:sp>
+        <p:nvSpPr>
+          <p:cNvPr id="15" name="Rectangle 14">
+            <a:extLst>
+              <a:ext uri="{FF2B5EF4-FFF2-40B4-BE49-F238E27FC236}">
+                <a16:creationId xmlns:a16="http://schemas.microsoft.com/office/drawing/2014/main" id="{4CE10369-B001-8A03-38FF-4E92D5851124}"/>
+              </a:ext>
+            </a:extLst>
+          </p:cNvPr>
+          <p:cNvSpPr/>
+          <p:nvPr/>
+        </p:nvSpPr>
+        <p:spPr>
+          <a:xfrm>
+            <a:off x="427149" y="3379630"/>
+            <a:ext cx="3593206" cy="425003"/>
+          </a:xfrm>
+          <a:prstGeom prst="rect">
+            <a:avLst/>
+          </a:prstGeom>
+          <a:solidFill>
+            <a:schemeClr val="accent2">
+              <a:lumMod val="50000"/>
+            </a:schemeClr>
+          </a:solidFill>
+        </p:spPr>
+        <p:style>
+          <a:lnRef idx="2">
+            <a:schemeClr val="accent1">
+              <a:shade val="50000"/>
+            </a:schemeClr>
+          </a:lnRef>
+          <a:fillRef idx="1">
+            <a:schemeClr val="accent1"/>
+          </a:fillRef>
+          <a:effectRef idx="0">
+            <a:schemeClr val="accent1"/>
+          </a:effectRef>
+          <a:fontRef idx="minor">
+            <a:schemeClr val="lt1"/>
+          </a:fontRef>
+        </p:style>
+        <p:txBody>
+          <a:bodyPr rtlCol="0" anchor="ctr"/>
+          <a:lstStyle/>
+          <a:p>
+            <a:pPr algn="ctr"/>
+            <a:r>
+              <a:rPr lang="en-US" dirty="0"/>
+              <a:t>Close Callbacks</a:t>
+            </a:r>
+          </a:p>
+        </p:txBody>
+      </p:sp>
+      <p:sp>
+        <p:nvSpPr>
+          <p:cNvPr id="16" name="Rectangle 15">
+            <a:extLst>
+              <a:ext uri="{FF2B5EF4-FFF2-40B4-BE49-F238E27FC236}">
+                <a16:creationId xmlns:a16="http://schemas.microsoft.com/office/drawing/2014/main" id="{76CFF353-5263-AAAE-E5D7-B677F43518DD}"/>
+              </a:ext>
+            </a:extLst>
+          </p:cNvPr>
+          <p:cNvSpPr/>
+          <p:nvPr/>
+        </p:nvSpPr>
+        <p:spPr>
+          <a:xfrm>
+            <a:off x="427149" y="3967765"/>
+            <a:ext cx="3593206" cy="802781"/>
+          </a:xfrm>
+          <a:prstGeom prst="rect">
+            <a:avLst/>
+          </a:prstGeom>
+          <a:solidFill>
+            <a:schemeClr val="accent2">
+              <a:lumMod val="75000"/>
+            </a:schemeClr>
+          </a:solidFill>
+        </p:spPr>
+        <p:style>
+          <a:lnRef idx="2">
+            <a:schemeClr val="accent1">
+              <a:shade val="50000"/>
+            </a:schemeClr>
+          </a:lnRef>
+          <a:fillRef idx="1">
+            <a:schemeClr val="accent1"/>
+          </a:fillRef>
+          <a:effectRef idx="0">
+            <a:schemeClr val="accent1"/>
+          </a:effectRef>
+          <a:fontRef idx="minor">
+            <a:schemeClr val="lt1"/>
+          </a:fontRef>
+        </p:style>
+        <p:txBody>
+          <a:bodyPr rtlCol="0" anchor="ctr"/>
+          <a:lstStyle/>
+          <a:p>
+            <a:pPr algn="ctr"/>
+            <a:r>
+              <a:rPr lang="en-US" dirty="0"/>
+              <a:t>Execute all ‘close’ event callbacks</a:t>
+            </a:r>
+          </a:p>
+        </p:txBody>
+      </p:sp>
+      <p:sp>
+        <p:nvSpPr>
+          <p:cNvPr id="17" name="Rectangle 16">
+            <a:extLst>
+              <a:ext uri="{FF2B5EF4-FFF2-40B4-BE49-F238E27FC236}">
+                <a16:creationId xmlns:a16="http://schemas.microsoft.com/office/drawing/2014/main" id="{D34B74D6-47F9-8E0F-3C49-5E588A331014}"/>
+              </a:ext>
+            </a:extLst>
+          </p:cNvPr>
+          <p:cNvSpPr/>
+          <p:nvPr/>
+        </p:nvSpPr>
+        <p:spPr>
+          <a:xfrm>
+            <a:off x="497079" y="1634604"/>
+            <a:ext cx="3593206" cy="425003"/>
+          </a:xfrm>
+          <a:prstGeom prst="rect">
+            <a:avLst/>
+          </a:prstGeom>
+          <a:solidFill>
+            <a:schemeClr val="accent2">
+              <a:lumMod val="50000"/>
+            </a:schemeClr>
+          </a:solidFill>
+        </p:spPr>
+        <p:style>
+          <a:lnRef idx="2">
+            <a:schemeClr val="accent1">
+              <a:shade val="50000"/>
+            </a:schemeClr>
+          </a:lnRef>
+          <a:fillRef idx="1">
+            <a:schemeClr val="accent1"/>
+          </a:fillRef>
+          <a:effectRef idx="0">
+            <a:schemeClr val="accent1"/>
+          </a:effectRef>
+          <a:fontRef idx="minor">
+            <a:schemeClr val="lt1"/>
+          </a:fontRef>
+        </p:style>
+        <p:txBody>
+          <a:bodyPr rtlCol="0" anchor="ctr"/>
+          <a:lstStyle/>
+          <a:p>
+            <a:pPr algn="ctr"/>
+            <a:r>
+              <a:rPr lang="en-US" dirty="0" err="1"/>
+              <a:t>Process.exit</a:t>
+            </a:r>
+            <a:endParaRPr lang="en-US" dirty="0"/>
+          </a:p>
+        </p:txBody>
+      </p:sp>
+    </p:spTree>
+    <p:extLst>
+      <p:ext uri="{BB962C8B-B14F-4D97-AF65-F5344CB8AC3E}">
+        <p14:creationId xmlns:p14="http://schemas.microsoft.com/office/powerpoint/2010/main" val="2605263581"/>
+      </p:ext>
+    </p:extLst>
+  </p:cSld>
+  <p:clrMapOvr>
+    <a:masterClrMapping/>
+  </p:clrMapOvr>
+</p:sld>
+</file>
+
+<file path=ppt/slides/slide19.xml><?xml version="1.0" encoding="utf-8"?>
+<p:sld xmlns:a="http://schemas.openxmlformats.org/drawingml/2006/main" xmlns:r="http://schemas.openxmlformats.org/officeDocument/2006/relationships" xmlns:p="http://schemas.openxmlformats.org/presentationml/2006/main">
+  <p:cSld>
+    <p:spTree>
+      <p:nvGrpSpPr>
+        <p:cNvPr id="1" name=""/>
+        <p:cNvGrpSpPr/>
+        <p:nvPr/>
+      </p:nvGrpSpPr>
+      <p:grpSpPr>
+        <a:xfrm>
+          <a:off x="0" y="0"/>
+          <a:ext cx="0" cy="0"/>
+          <a:chOff x="0" y="0"/>
+          <a:chExt cx="0" cy="0"/>
+        </a:xfrm>
+      </p:grpSpPr>
+      <p:sp>
+        <p:nvSpPr>
+          <p:cNvPr id="2" name="Title 1">
+            <a:extLst>
+              <a:ext uri="{FF2B5EF4-FFF2-40B4-BE49-F238E27FC236}">
+                <a16:creationId xmlns:a16="http://schemas.microsoft.com/office/drawing/2014/main" id="{A456675A-7670-25D6-423B-BEA64FD8D2E3}"/>
+              </a:ext>
+            </a:extLst>
+          </p:cNvPr>
+          <p:cNvSpPr>
+            <a:spLocks noGrp="1"/>
+          </p:cNvSpPr>
+          <p:nvPr>
+            <p:ph type="title"/>
+          </p:nvPr>
+        </p:nvSpPr>
+        <p:spPr>
+          <a:xfrm>
+            <a:off x="838200" y="365126"/>
+            <a:ext cx="10515600" cy="562154"/>
+          </a:xfrm>
+        </p:spPr>
+        <p:txBody>
+          <a:bodyPr>
+            <a:normAutofit fontScale="90000"/>
+          </a:bodyPr>
+          <a:lstStyle/>
+          <a:p>
+            <a:r>
+              <a:rPr lang="en-US" dirty="0"/>
+              <a:t>Module Summary</a:t>
+            </a:r>
+          </a:p>
+        </p:txBody>
+      </p:sp>
+      <p:grpSp>
+        <p:nvGrpSpPr>
+          <p:cNvPr id="6" name="Group 5">
+            <a:extLst>
+              <a:ext uri="{FF2B5EF4-FFF2-40B4-BE49-F238E27FC236}">
+                <a16:creationId xmlns:a16="http://schemas.microsoft.com/office/drawing/2014/main" id="{371B5AEA-7B36-CBB9-3427-32CBEA6CCD74}"/>
+              </a:ext>
+            </a:extLst>
+          </p:cNvPr>
+          <p:cNvGrpSpPr/>
+          <p:nvPr/>
+        </p:nvGrpSpPr>
+        <p:grpSpPr>
+          <a:xfrm>
+            <a:off x="1004552" y="927280"/>
+            <a:ext cx="4134118" cy="695456"/>
+            <a:chOff x="1004552" y="927280"/>
+            <a:chExt cx="4134118" cy="695456"/>
+          </a:xfrm>
+        </p:grpSpPr>
+        <p:sp>
+          <p:nvSpPr>
+            <p:cNvPr id="4" name="Rectangle 3">
+              <a:extLst>
+                <a:ext uri="{FF2B5EF4-FFF2-40B4-BE49-F238E27FC236}">
+                  <a16:creationId xmlns:a16="http://schemas.microsoft.com/office/drawing/2014/main" id="{70F1D7BD-AF9D-9DB2-41CE-BE9A481CFD8E}"/>
+                </a:ext>
+              </a:extLst>
+            </p:cNvPr>
+            <p:cNvSpPr/>
+            <p:nvPr/>
+          </p:nvSpPr>
+          <p:spPr>
+            <a:xfrm>
+              <a:off x="1004552" y="927280"/>
+              <a:ext cx="4134118" cy="347728"/>
+            </a:xfrm>
+            <a:prstGeom prst="rect">
+              <a:avLst/>
+            </a:prstGeom>
+            <a:solidFill>
+              <a:schemeClr val="accent2">
+                <a:lumMod val="50000"/>
+              </a:schemeClr>
+            </a:solidFill>
+          </p:spPr>
+          <p:style>
+            <a:lnRef idx="2">
+              <a:schemeClr val="accent1">
+                <a:shade val="50000"/>
+              </a:schemeClr>
+            </a:lnRef>
+            <a:fillRef idx="1">
+              <a:schemeClr val="accent1"/>
+            </a:fillRef>
+            <a:effectRef idx="0">
+              <a:schemeClr val="accent1"/>
+            </a:effectRef>
+            <a:fontRef idx="minor">
+              <a:schemeClr val="lt1"/>
+            </a:fontRef>
+          </p:style>
+          <p:txBody>
+            <a:bodyPr rtlCol="0" anchor="ctr"/>
+            <a:lstStyle/>
+            <a:p>
+              <a:pPr algn="ctr"/>
+              <a:r>
+                <a:rPr lang="en-US" dirty="0"/>
+                <a:t>How the Web Works</a:t>
+              </a:r>
+            </a:p>
+          </p:txBody>
+        </p:sp>
+        <p:sp>
+          <p:nvSpPr>
+            <p:cNvPr id="5" name="Rectangle 4">
+              <a:extLst>
+                <a:ext uri="{FF2B5EF4-FFF2-40B4-BE49-F238E27FC236}">
+                  <a16:creationId xmlns:a16="http://schemas.microsoft.com/office/drawing/2014/main" id="{CA41826A-D01D-2356-56CC-339B0AFD2607}"/>
+                </a:ext>
+              </a:extLst>
+            </p:cNvPr>
+            <p:cNvSpPr/>
+            <p:nvPr/>
+          </p:nvSpPr>
+          <p:spPr>
+            <a:xfrm>
+              <a:off x="1004552" y="1275008"/>
+              <a:ext cx="4134118" cy="347728"/>
+            </a:xfrm>
+            <a:prstGeom prst="rect">
+              <a:avLst/>
+            </a:prstGeom>
+            <a:solidFill>
+              <a:srgbClr val="92D050"/>
+            </a:solidFill>
+          </p:spPr>
+          <p:style>
+            <a:lnRef idx="2">
+              <a:schemeClr val="accent1">
+                <a:shade val="50000"/>
+              </a:schemeClr>
+            </a:lnRef>
+            <a:fillRef idx="1">
+              <a:schemeClr val="accent1"/>
+            </a:fillRef>
+            <a:effectRef idx="0">
+              <a:schemeClr val="accent1"/>
+            </a:effectRef>
+            <a:fontRef idx="minor">
+              <a:schemeClr val="lt1"/>
+            </a:fontRef>
+          </p:style>
+          <p:txBody>
+            <a:bodyPr rtlCol="0" anchor="ctr"/>
+            <a:lstStyle/>
+            <a:p>
+              <a:pPr algn="ctr"/>
+              <a:r>
+                <a:rPr lang="en-US" sz="1400" dirty="0">
+                  <a:ln w="0"/>
+                  <a:solidFill>
+                    <a:schemeClr val="tx1"/>
+                  </a:solidFill>
+                  <a:effectLst>
+                    <a:outerShdw blurRad="38100" dist="19050" dir="2700000" algn="tl" rotWithShape="0">
+                      <a:schemeClr val="dk1">
+                        <a:alpha val="40000"/>
+                      </a:schemeClr>
+                    </a:outerShdw>
+                  </a:effectLst>
+                </a:rPr>
+                <a:t>Client =&gt; Request =&gt; Server =&gt;Response =&gt;Client</a:t>
+              </a:r>
+            </a:p>
+          </p:txBody>
+        </p:sp>
+      </p:grpSp>
+      <p:sp>
+        <p:nvSpPr>
+          <p:cNvPr id="8" name="Rectangle 7">
+            <a:extLst>
+              <a:ext uri="{FF2B5EF4-FFF2-40B4-BE49-F238E27FC236}">
+                <a16:creationId xmlns:a16="http://schemas.microsoft.com/office/drawing/2014/main" id="{FD4E535C-747B-7568-6BC5-F1E3EFCC2E54}"/>
+              </a:ext>
+            </a:extLst>
+          </p:cNvPr>
+          <p:cNvSpPr/>
+          <p:nvPr/>
+        </p:nvSpPr>
+        <p:spPr>
+          <a:xfrm>
+            <a:off x="1004552" y="1931832"/>
+            <a:ext cx="4134118" cy="400856"/>
+          </a:xfrm>
+          <a:prstGeom prst="rect">
+            <a:avLst/>
+          </a:prstGeom>
+          <a:solidFill>
+            <a:schemeClr val="accent2">
+              <a:lumMod val="50000"/>
+            </a:schemeClr>
+          </a:solidFill>
+        </p:spPr>
+        <p:style>
+          <a:lnRef idx="2">
+            <a:schemeClr val="accent1">
+              <a:shade val="50000"/>
+            </a:schemeClr>
+          </a:lnRef>
+          <a:fillRef idx="1">
+            <a:schemeClr val="accent1"/>
+          </a:fillRef>
+          <a:effectRef idx="0">
+            <a:schemeClr val="accent1"/>
+          </a:effectRef>
+          <a:fontRef idx="minor">
+            <a:schemeClr val="lt1"/>
+          </a:fontRef>
+        </p:style>
+        <p:txBody>
+          <a:bodyPr rtlCol="0" anchor="ctr"/>
+          <a:lstStyle/>
+          <a:p>
+            <a:pPr algn="ctr"/>
+            <a:r>
+              <a:rPr lang="en-US" dirty="0"/>
+              <a:t>Program Lifecycle &amp; Event Loop</a:t>
+            </a:r>
+          </a:p>
+        </p:txBody>
+      </p:sp>
+      <p:sp>
+        <p:nvSpPr>
+          <p:cNvPr id="9" name="Rectangle 8">
+            <a:extLst>
+              <a:ext uri="{FF2B5EF4-FFF2-40B4-BE49-F238E27FC236}">
+                <a16:creationId xmlns:a16="http://schemas.microsoft.com/office/drawing/2014/main" id="{4A898C74-3690-410C-0B4C-C6EAB4A94021}"/>
+              </a:ext>
+            </a:extLst>
+          </p:cNvPr>
+          <p:cNvSpPr/>
+          <p:nvPr/>
+        </p:nvSpPr>
+        <p:spPr>
+          <a:xfrm>
+            <a:off x="1004552" y="2332688"/>
+            <a:ext cx="4134118" cy="1122876"/>
+          </a:xfrm>
+          <a:prstGeom prst="rect">
+            <a:avLst/>
+          </a:prstGeom>
+          <a:solidFill>
+            <a:srgbClr val="92D050"/>
+          </a:solidFill>
+        </p:spPr>
+        <p:style>
+          <a:lnRef idx="2">
+            <a:schemeClr val="accent1">
+              <a:shade val="50000"/>
+            </a:schemeClr>
+          </a:lnRef>
+          <a:fillRef idx="1">
+            <a:schemeClr val="accent1"/>
+          </a:fillRef>
+          <a:effectRef idx="0">
+            <a:schemeClr val="accent1"/>
+          </a:effectRef>
+          <a:fontRef idx="minor">
+            <a:schemeClr val="lt1"/>
+          </a:fontRef>
+        </p:style>
+        <p:txBody>
+          <a:bodyPr rtlCol="0" anchor="ctr"/>
+          <a:lstStyle/>
+          <a:p>
+            <a:pPr algn="ctr"/>
+            <a:r>
+              <a:rPr lang="en-US" sz="1400" dirty="0">
+                <a:ln w="0"/>
+                <a:solidFill>
+                  <a:schemeClr val="tx1"/>
+                </a:solidFill>
+                <a:effectLst>
+                  <a:outerShdw blurRad="38100" dist="19050" dir="2700000" algn="tl" rotWithShape="0">
+                    <a:schemeClr val="dk1">
+                      <a:alpha val="40000"/>
+                    </a:schemeClr>
+                  </a:outerShdw>
+                </a:effectLst>
+              </a:rPr>
+              <a:t>Node.js runs non-blocking </a:t>
+            </a:r>
+            <a:r>
+              <a:rPr lang="en-US" sz="1400" dirty="0" err="1">
+                <a:ln w="0"/>
+                <a:solidFill>
+                  <a:schemeClr val="tx1"/>
+                </a:solidFill>
+                <a:effectLst>
+                  <a:outerShdw blurRad="38100" dist="19050" dir="2700000" algn="tl" rotWithShape="0">
+                    <a:schemeClr val="dk1">
+                      <a:alpha val="40000"/>
+                    </a:schemeClr>
+                  </a:outerShdw>
+                </a:effectLst>
+              </a:rPr>
+              <a:t>js</a:t>
+            </a:r>
+            <a:r>
+              <a:rPr lang="en-US" sz="1400" dirty="0">
+                <a:ln w="0"/>
+                <a:solidFill>
+                  <a:schemeClr val="tx1"/>
+                </a:solidFill>
+                <a:effectLst>
+                  <a:outerShdw blurRad="38100" dist="19050" dir="2700000" algn="tl" rotWithShape="0">
+                    <a:schemeClr val="dk1">
+                      <a:alpha val="40000"/>
+                    </a:schemeClr>
+                  </a:outerShdw>
+                </a:effectLst>
+              </a:rPr>
+              <a:t> code and uses and event-driven code (“Event Loop”) for running our logic.</a:t>
+            </a:r>
+          </a:p>
+          <a:p>
+            <a:pPr algn="ctr"/>
+            <a:r>
+              <a:rPr lang="en-US" sz="1400" dirty="0">
+                <a:ln w="0"/>
+                <a:solidFill>
+                  <a:schemeClr val="tx1"/>
+                </a:solidFill>
+                <a:effectLst>
+                  <a:outerShdw blurRad="38100" dist="19050" dir="2700000" algn="tl" rotWithShape="0">
+                    <a:schemeClr val="dk1">
+                      <a:alpha val="40000"/>
+                    </a:schemeClr>
+                  </a:outerShdw>
+                </a:effectLst>
+              </a:rPr>
+              <a:t>A Node program exits as soon as there is no more work to do</a:t>
+            </a:r>
+          </a:p>
+          <a:p>
+            <a:pPr algn="ctr"/>
+            <a:r>
+              <a:rPr lang="en-US" sz="1200" dirty="0">
+                <a:ln w="0"/>
+                <a:solidFill>
+                  <a:schemeClr val="tx1"/>
+                </a:solidFill>
+                <a:effectLst>
+                  <a:outerShdw blurRad="38100" dist="19050" dir="2700000" algn="tl" rotWithShape="0">
+                    <a:schemeClr val="dk1">
+                      <a:alpha val="40000"/>
+                    </a:schemeClr>
+                  </a:outerShdw>
+                </a:effectLst>
+              </a:rPr>
+              <a:t>Note: The </a:t>
+            </a:r>
+            <a:r>
+              <a:rPr lang="en-US" sz="1200" dirty="0" err="1">
+                <a:ln w="0"/>
+                <a:solidFill>
+                  <a:schemeClr val="tx1"/>
+                </a:solidFill>
+                <a:effectLst>
+                  <a:outerShdw blurRad="38100" dist="19050" dir="2700000" algn="tl" rotWithShape="0">
+                    <a:schemeClr val="dk1">
+                      <a:alpha val="40000"/>
+                    </a:schemeClr>
+                  </a:outerShdw>
+                </a:effectLst>
+              </a:rPr>
+              <a:t>createServer</a:t>
+            </a:r>
+            <a:r>
+              <a:rPr lang="en-US" sz="1200" dirty="0">
+                <a:ln w="0"/>
+                <a:solidFill>
+                  <a:schemeClr val="tx1"/>
+                </a:solidFill>
+                <a:effectLst>
+                  <a:outerShdw blurRad="38100" dist="19050" dir="2700000" algn="tl" rotWithShape="0">
+                    <a:schemeClr val="dk1">
+                      <a:alpha val="40000"/>
+                    </a:schemeClr>
+                  </a:outerShdw>
+                </a:effectLst>
+              </a:rPr>
+              <a:t>() event never finishes by default</a:t>
+            </a:r>
+          </a:p>
+        </p:txBody>
+      </p:sp>
+      <p:grpSp>
+        <p:nvGrpSpPr>
+          <p:cNvPr id="14" name="Group 13">
+            <a:extLst>
+              <a:ext uri="{FF2B5EF4-FFF2-40B4-BE49-F238E27FC236}">
+                <a16:creationId xmlns:a16="http://schemas.microsoft.com/office/drawing/2014/main" id="{10898198-D16B-B6F9-C42A-87D23720B967}"/>
+              </a:ext>
+            </a:extLst>
+          </p:cNvPr>
+          <p:cNvGrpSpPr/>
+          <p:nvPr/>
+        </p:nvGrpSpPr>
+        <p:grpSpPr>
+          <a:xfrm>
+            <a:off x="1004552" y="3655992"/>
+            <a:ext cx="2125014" cy="1523732"/>
+            <a:chOff x="1004552" y="3655992"/>
+            <a:chExt cx="4134118" cy="1523732"/>
+          </a:xfrm>
+        </p:grpSpPr>
+        <p:sp>
+          <p:nvSpPr>
+            <p:cNvPr id="10" name="Rectangle 9">
+              <a:extLst>
+                <a:ext uri="{FF2B5EF4-FFF2-40B4-BE49-F238E27FC236}">
+                  <a16:creationId xmlns:a16="http://schemas.microsoft.com/office/drawing/2014/main" id="{DF321D4B-17B3-05B1-5E9C-28B20B114690}"/>
+                </a:ext>
+              </a:extLst>
+            </p:cNvPr>
+            <p:cNvSpPr/>
+            <p:nvPr/>
+          </p:nvSpPr>
+          <p:spPr>
+            <a:xfrm>
+              <a:off x="1004552" y="3655992"/>
+              <a:ext cx="4134118" cy="400856"/>
+            </a:xfrm>
+            <a:prstGeom prst="rect">
+              <a:avLst/>
+            </a:prstGeom>
+            <a:solidFill>
+              <a:schemeClr val="accent2">
+                <a:lumMod val="50000"/>
+              </a:schemeClr>
+            </a:solidFill>
+          </p:spPr>
+          <p:style>
+            <a:lnRef idx="2">
+              <a:schemeClr val="accent1">
+                <a:shade val="50000"/>
+              </a:schemeClr>
+            </a:lnRef>
+            <a:fillRef idx="1">
+              <a:schemeClr val="accent1"/>
+            </a:fillRef>
+            <a:effectRef idx="0">
+              <a:schemeClr val="accent1"/>
+            </a:effectRef>
+            <a:fontRef idx="minor">
+              <a:schemeClr val="lt1"/>
+            </a:fontRef>
+          </p:style>
+          <p:txBody>
+            <a:bodyPr rtlCol="0" anchor="ctr"/>
+            <a:lstStyle/>
+            <a:p>
+              <a:pPr algn="ctr"/>
+              <a:r>
+                <a:rPr lang="en-US" dirty="0"/>
+                <a:t>Asynchronous Code</a:t>
+              </a:r>
+            </a:p>
+          </p:txBody>
+        </p:sp>
+        <p:sp>
+          <p:nvSpPr>
+            <p:cNvPr id="11" name="Rectangle 10">
+              <a:extLst>
+                <a:ext uri="{FF2B5EF4-FFF2-40B4-BE49-F238E27FC236}">
+                  <a16:creationId xmlns:a16="http://schemas.microsoft.com/office/drawing/2014/main" id="{26F02512-BCB3-207C-ECA6-250C21925A5D}"/>
+                </a:ext>
+              </a:extLst>
+            </p:cNvPr>
+            <p:cNvSpPr/>
+            <p:nvPr/>
+          </p:nvSpPr>
+          <p:spPr>
+            <a:xfrm>
+              <a:off x="1004552" y="4056848"/>
+              <a:ext cx="4134118" cy="1122876"/>
+            </a:xfrm>
+            <a:prstGeom prst="rect">
+              <a:avLst/>
+            </a:prstGeom>
+            <a:solidFill>
+              <a:srgbClr val="92D050"/>
+            </a:solidFill>
+          </p:spPr>
+          <p:style>
+            <a:lnRef idx="2">
+              <a:schemeClr val="accent1">
+                <a:shade val="50000"/>
+              </a:schemeClr>
+            </a:lnRef>
+            <a:fillRef idx="1">
+              <a:schemeClr val="accent1"/>
+            </a:fillRef>
+            <a:effectRef idx="0">
+              <a:schemeClr val="accent1"/>
+            </a:effectRef>
+            <a:fontRef idx="minor">
+              <a:schemeClr val="lt1"/>
+            </a:fontRef>
+          </p:style>
+          <p:txBody>
+            <a:bodyPr rtlCol="0" anchor="ctr"/>
+            <a:lstStyle/>
+            <a:p>
+              <a:pPr algn="ctr"/>
+              <a:r>
+                <a:rPr lang="en-US" sz="1400" dirty="0">
+                  <a:ln w="0"/>
+                  <a:solidFill>
+                    <a:schemeClr val="tx1"/>
+                  </a:solidFill>
+                  <a:effectLst>
+                    <a:outerShdw blurRad="38100" dist="19050" dir="2700000" algn="tl" rotWithShape="0">
+                      <a:schemeClr val="dk1">
+                        <a:alpha val="40000"/>
+                      </a:schemeClr>
+                    </a:outerShdw>
+                  </a:effectLst>
+                </a:rPr>
+                <a:t>JS code is non-blocking</a:t>
+              </a:r>
+            </a:p>
+            <a:p>
+              <a:pPr algn="ctr"/>
+              <a:r>
+                <a:rPr lang="en-US" sz="1400" dirty="0">
+                  <a:ln w="0"/>
+                  <a:solidFill>
+                    <a:schemeClr val="tx1"/>
+                  </a:solidFill>
+                  <a:effectLst>
+                    <a:outerShdw blurRad="38100" dist="19050" dir="2700000" algn="tl" rotWithShape="0">
+                      <a:schemeClr val="dk1">
+                        <a:alpha val="40000"/>
+                      </a:schemeClr>
+                    </a:outerShdw>
+                  </a:effectLst>
+                </a:rPr>
+                <a:t>Use callbacks and events =&gt; Order changes!</a:t>
+              </a:r>
+              <a:endParaRPr lang="en-US" sz="1200" dirty="0">
+                <a:ln w="0"/>
+                <a:solidFill>
+                  <a:schemeClr val="tx1"/>
+                </a:solidFill>
+                <a:effectLst>
+                  <a:outerShdw blurRad="38100" dist="19050" dir="2700000" algn="tl" rotWithShape="0">
+                    <a:schemeClr val="dk1">
+                      <a:alpha val="40000"/>
+                    </a:schemeClr>
+                  </a:outerShdw>
+                </a:effectLst>
+              </a:endParaRPr>
+            </a:p>
+          </p:txBody>
+        </p:sp>
+      </p:grpSp>
+      <p:grpSp>
+        <p:nvGrpSpPr>
+          <p:cNvPr id="15" name="Group 14">
+            <a:extLst>
+              <a:ext uri="{FF2B5EF4-FFF2-40B4-BE49-F238E27FC236}">
+                <a16:creationId xmlns:a16="http://schemas.microsoft.com/office/drawing/2014/main" id="{5B643925-F594-D65E-E8D2-BF484095616A}"/>
+              </a:ext>
+            </a:extLst>
+          </p:cNvPr>
+          <p:cNvGrpSpPr/>
+          <p:nvPr/>
+        </p:nvGrpSpPr>
+        <p:grpSpPr>
+          <a:xfrm>
+            <a:off x="3554569" y="3655992"/>
+            <a:ext cx="2374005" cy="1523732"/>
+            <a:chOff x="5406980" y="3655992"/>
+            <a:chExt cx="4192073" cy="1523732"/>
+          </a:xfrm>
+        </p:grpSpPr>
+        <p:sp>
+          <p:nvSpPr>
+            <p:cNvPr id="12" name="Rectangle 11">
+              <a:extLst>
+                <a:ext uri="{FF2B5EF4-FFF2-40B4-BE49-F238E27FC236}">
+                  <a16:creationId xmlns:a16="http://schemas.microsoft.com/office/drawing/2014/main" id="{D234F183-AC8C-984D-798C-AF414CADE337}"/>
+                </a:ext>
+              </a:extLst>
+            </p:cNvPr>
+            <p:cNvSpPr/>
+            <p:nvPr/>
+          </p:nvSpPr>
+          <p:spPr>
+            <a:xfrm>
+              <a:off x="5406980" y="3655992"/>
+              <a:ext cx="4134118" cy="400856"/>
+            </a:xfrm>
+            <a:prstGeom prst="rect">
+              <a:avLst/>
+            </a:prstGeom>
+            <a:solidFill>
+              <a:schemeClr val="accent2">
+                <a:lumMod val="50000"/>
+              </a:schemeClr>
+            </a:solidFill>
+          </p:spPr>
+          <p:style>
+            <a:lnRef idx="2">
+              <a:schemeClr val="accent1">
+                <a:shade val="50000"/>
+              </a:schemeClr>
+            </a:lnRef>
+            <a:fillRef idx="1">
+              <a:schemeClr val="accent1"/>
+            </a:fillRef>
+            <a:effectRef idx="0">
+              <a:schemeClr val="accent1"/>
+            </a:effectRef>
+            <a:fontRef idx="minor">
+              <a:schemeClr val="lt1"/>
+            </a:fontRef>
+          </p:style>
+          <p:txBody>
+            <a:bodyPr rtlCol="0" anchor="ctr"/>
+            <a:lstStyle/>
+            <a:p>
+              <a:pPr algn="ctr"/>
+              <a:r>
+                <a:rPr lang="en-US" dirty="0"/>
+                <a:t>Request &amp; Responses</a:t>
+              </a:r>
+            </a:p>
+          </p:txBody>
+        </p:sp>
+        <p:sp>
+          <p:nvSpPr>
+            <p:cNvPr id="13" name="Rectangle 12">
+              <a:extLst>
+                <a:ext uri="{FF2B5EF4-FFF2-40B4-BE49-F238E27FC236}">
+                  <a16:creationId xmlns:a16="http://schemas.microsoft.com/office/drawing/2014/main" id="{C73C311A-69B2-C36A-7256-4BAE87D44919}"/>
+                </a:ext>
+              </a:extLst>
+            </p:cNvPr>
+            <p:cNvSpPr/>
+            <p:nvPr/>
+          </p:nvSpPr>
+          <p:spPr>
+            <a:xfrm>
+              <a:off x="5464935" y="4056848"/>
+              <a:ext cx="4134118" cy="1122876"/>
+            </a:xfrm>
+            <a:prstGeom prst="rect">
+              <a:avLst/>
+            </a:prstGeom>
+            <a:solidFill>
+              <a:srgbClr val="92D050"/>
+            </a:solidFill>
+          </p:spPr>
+          <p:style>
+            <a:lnRef idx="2">
+              <a:schemeClr val="accent1">
+                <a:shade val="50000"/>
+              </a:schemeClr>
+            </a:lnRef>
+            <a:fillRef idx="1">
+              <a:schemeClr val="accent1"/>
+            </a:fillRef>
+            <a:effectRef idx="0">
+              <a:schemeClr val="accent1"/>
+            </a:effectRef>
+            <a:fontRef idx="minor">
+              <a:schemeClr val="lt1"/>
+            </a:fontRef>
+          </p:style>
+          <p:txBody>
+            <a:bodyPr rtlCol="0" anchor="ctr"/>
+            <a:lstStyle/>
+            <a:p>
+              <a:pPr algn="ctr"/>
+              <a:r>
+                <a:rPr lang="en-US" sz="1400" dirty="0">
+                  <a:ln w="0"/>
+                  <a:solidFill>
+                    <a:schemeClr val="tx1"/>
+                  </a:solidFill>
+                  <a:effectLst>
+                    <a:outerShdw blurRad="38100" dist="19050" dir="2700000" algn="tl" rotWithShape="0">
+                      <a:schemeClr val="dk1">
+                        <a:alpha val="40000"/>
+                      </a:schemeClr>
+                    </a:outerShdw>
+                  </a:effectLst>
+                </a:rPr>
+                <a:t>Parse request data in chunks (Streams &amp; Buffers)</a:t>
+              </a:r>
+            </a:p>
+            <a:p>
+              <a:pPr algn="ctr"/>
+              <a:r>
+                <a:rPr lang="en-US" sz="1400" dirty="0">
+                  <a:ln w="0"/>
+                  <a:solidFill>
+                    <a:schemeClr val="tx1"/>
+                  </a:solidFill>
+                  <a:effectLst>
+                    <a:outerShdw blurRad="38100" dist="19050" dir="2700000" algn="tl" rotWithShape="0">
+                      <a:schemeClr val="dk1">
+                        <a:alpha val="40000"/>
+                      </a:schemeClr>
+                    </a:outerShdw>
+                  </a:effectLst>
+                </a:rPr>
+                <a:t>Avoid “Double responses”</a:t>
+              </a:r>
+              <a:endParaRPr lang="en-US" sz="1200" dirty="0">
+                <a:ln w="0"/>
+                <a:solidFill>
+                  <a:schemeClr val="tx1"/>
+                </a:solidFill>
+                <a:effectLst>
+                  <a:outerShdw blurRad="38100" dist="19050" dir="2700000" algn="tl" rotWithShape="0">
+                    <a:schemeClr val="dk1">
+                      <a:alpha val="40000"/>
+                    </a:schemeClr>
+                  </a:outerShdw>
+                </a:effectLst>
+              </a:endParaRPr>
+            </a:p>
+          </p:txBody>
+        </p:sp>
+      </p:grpSp>
+      <p:sp>
+        <p:nvSpPr>
+          <p:cNvPr id="16" name="Rectangle 15">
+            <a:extLst>
+              <a:ext uri="{FF2B5EF4-FFF2-40B4-BE49-F238E27FC236}">
+                <a16:creationId xmlns:a16="http://schemas.microsoft.com/office/drawing/2014/main" id="{96C02BFC-FD5A-D39E-8B60-E5F376DD522D}"/>
+              </a:ext>
+            </a:extLst>
+          </p:cNvPr>
+          <p:cNvSpPr/>
+          <p:nvPr/>
+        </p:nvSpPr>
+        <p:spPr>
+          <a:xfrm>
+            <a:off x="6604715" y="667690"/>
+            <a:ext cx="4134118" cy="400856"/>
+          </a:xfrm>
+          <a:prstGeom prst="rect">
+            <a:avLst/>
+          </a:prstGeom>
+          <a:solidFill>
+            <a:schemeClr val="accent2">
+              <a:lumMod val="50000"/>
+            </a:schemeClr>
+          </a:solidFill>
+        </p:spPr>
+        <p:style>
+          <a:lnRef idx="2">
+            <a:schemeClr val="accent1">
+              <a:shade val="50000"/>
+            </a:schemeClr>
+          </a:lnRef>
+          <a:fillRef idx="1">
+            <a:schemeClr val="accent1"/>
+          </a:fillRef>
+          <a:effectRef idx="0">
+            <a:schemeClr val="accent1"/>
+          </a:effectRef>
+          <a:fontRef idx="minor">
+            <a:schemeClr val="lt1"/>
+          </a:fontRef>
+        </p:style>
+        <p:txBody>
+          <a:bodyPr rtlCol="0" anchor="ctr"/>
+          <a:lstStyle/>
+          <a:p>
+            <a:pPr algn="ctr"/>
+            <a:r>
+              <a:rPr lang="en-US" dirty="0"/>
+              <a:t>Node.js &amp; Core Modules</a:t>
+            </a:r>
+          </a:p>
+        </p:txBody>
+      </p:sp>
+      <p:sp>
+        <p:nvSpPr>
+          <p:cNvPr id="17" name="Rectangle 16">
+            <a:extLst>
+              <a:ext uri="{FF2B5EF4-FFF2-40B4-BE49-F238E27FC236}">
+                <a16:creationId xmlns:a16="http://schemas.microsoft.com/office/drawing/2014/main" id="{2D9A31BD-4019-B7DC-7FDC-DDB40932B8CF}"/>
+              </a:ext>
+            </a:extLst>
+          </p:cNvPr>
+          <p:cNvSpPr/>
+          <p:nvPr/>
+        </p:nvSpPr>
+        <p:spPr>
+          <a:xfrm>
+            <a:off x="6604715" y="1068546"/>
+            <a:ext cx="4134118" cy="1122876"/>
+          </a:xfrm>
+          <a:prstGeom prst="rect">
+            <a:avLst/>
+          </a:prstGeom>
+          <a:solidFill>
+            <a:srgbClr val="92D050"/>
+          </a:solidFill>
+        </p:spPr>
+        <p:style>
+          <a:lnRef idx="2">
+            <a:schemeClr val="accent1">
+              <a:shade val="50000"/>
+            </a:schemeClr>
+          </a:lnRef>
+          <a:fillRef idx="1">
+            <a:schemeClr val="accent1"/>
+          </a:fillRef>
+          <a:effectRef idx="0">
+            <a:schemeClr val="accent1"/>
+          </a:effectRef>
+          <a:fontRef idx="minor">
+            <a:schemeClr val="lt1"/>
+          </a:fontRef>
+        </p:style>
+        <p:txBody>
+          <a:bodyPr rtlCol="0" anchor="ctr"/>
+          <a:lstStyle/>
+          <a:p>
+            <a:pPr algn="ctr"/>
+            <a:r>
+              <a:rPr lang="en-US" sz="1400" dirty="0">
+                <a:ln w="0"/>
+                <a:solidFill>
+                  <a:schemeClr val="tx1"/>
+                </a:solidFill>
+                <a:effectLst>
+                  <a:outerShdw blurRad="38100" dist="19050" dir="2700000" algn="tl" rotWithShape="0">
+                    <a:schemeClr val="dk1">
+                      <a:alpha val="40000"/>
+                    </a:schemeClr>
+                  </a:outerShdw>
+                </a:effectLst>
+              </a:rPr>
+              <a:t>Node.js ships with multiple core modules.(</a:t>
+            </a:r>
+            <a:r>
+              <a:rPr lang="en-US" sz="1400" dirty="0" err="1">
+                <a:ln w="0"/>
+                <a:solidFill>
+                  <a:schemeClr val="tx1"/>
+                </a:solidFill>
+                <a:effectLst>
+                  <a:outerShdw blurRad="38100" dist="19050" dir="2700000" algn="tl" rotWithShape="0">
+                    <a:schemeClr val="dk1">
+                      <a:alpha val="40000"/>
+                    </a:schemeClr>
+                  </a:outerShdw>
+                </a:effectLst>
+              </a:rPr>
+              <a:t>http,fs,path</a:t>
+            </a:r>
+            <a:r>
+              <a:rPr lang="en-US" sz="1400" dirty="0">
+                <a:ln w="0"/>
+                <a:solidFill>
+                  <a:schemeClr val="tx1"/>
+                </a:solidFill>
+                <a:effectLst>
+                  <a:outerShdw blurRad="38100" dist="19050" dir="2700000" algn="tl" rotWithShape="0">
+                    <a:schemeClr val="dk1">
+                      <a:alpha val="40000"/>
+                    </a:schemeClr>
+                  </a:outerShdw>
+                </a:effectLst>
+              </a:rPr>
+              <a:t>,…)</a:t>
+            </a:r>
+          </a:p>
+          <a:p>
+            <a:pPr algn="ctr"/>
+            <a:r>
+              <a:rPr lang="en-US" sz="1400" dirty="0">
+                <a:ln w="0"/>
+                <a:solidFill>
+                  <a:schemeClr val="tx1"/>
+                </a:solidFill>
+                <a:effectLst>
+                  <a:outerShdw blurRad="38100" dist="19050" dir="2700000" algn="tl" rotWithShape="0">
+                    <a:schemeClr val="dk1">
+                      <a:alpha val="40000"/>
+                    </a:schemeClr>
+                  </a:outerShdw>
+                </a:effectLst>
+              </a:rPr>
+              <a:t>Core modules can be imported into any file to be used there</a:t>
+            </a:r>
+          </a:p>
+          <a:p>
+            <a:pPr algn="ctr"/>
+            <a:r>
+              <a:rPr lang="en-US" sz="1400" dirty="0">
+                <a:ln w="0"/>
+                <a:solidFill>
+                  <a:schemeClr val="tx1"/>
+                </a:solidFill>
+                <a:effectLst>
+                  <a:outerShdw blurRad="38100" dist="19050" dir="2700000" algn="tl" rotWithShape="0">
+                    <a:schemeClr val="dk1">
+                      <a:alpha val="40000"/>
+                    </a:schemeClr>
+                  </a:outerShdw>
+                </a:effectLst>
+              </a:rPr>
+              <a:t>Import via require(‘module’)</a:t>
+            </a:r>
+            <a:endParaRPr lang="en-US" sz="1200" dirty="0">
+              <a:ln w="0"/>
+              <a:solidFill>
+                <a:schemeClr val="tx1"/>
+              </a:solidFill>
+              <a:effectLst>
+                <a:outerShdw blurRad="38100" dist="19050" dir="2700000" algn="tl" rotWithShape="0">
+                  <a:schemeClr val="dk1">
+                    <a:alpha val="40000"/>
+                  </a:schemeClr>
+                </a:outerShdw>
+              </a:effectLst>
+            </a:endParaRPr>
+          </a:p>
+        </p:txBody>
+      </p:sp>
+      <p:sp>
+        <p:nvSpPr>
+          <p:cNvPr id="18" name="Rectangle 17">
+            <a:extLst>
+              <a:ext uri="{FF2B5EF4-FFF2-40B4-BE49-F238E27FC236}">
+                <a16:creationId xmlns:a16="http://schemas.microsoft.com/office/drawing/2014/main" id="{7307337A-28E2-F82D-C3D1-48EB1E298630}"/>
+              </a:ext>
+            </a:extLst>
+          </p:cNvPr>
+          <p:cNvSpPr/>
+          <p:nvPr/>
+        </p:nvSpPr>
+        <p:spPr>
+          <a:xfrm>
+            <a:off x="6604715" y="2560887"/>
+            <a:ext cx="4134118" cy="400856"/>
+          </a:xfrm>
+          <a:prstGeom prst="rect">
+            <a:avLst/>
+          </a:prstGeom>
+          <a:solidFill>
+            <a:schemeClr val="accent2">
+              <a:lumMod val="50000"/>
+            </a:schemeClr>
+          </a:solidFill>
+        </p:spPr>
+        <p:style>
+          <a:lnRef idx="2">
+            <a:schemeClr val="accent1">
+              <a:shade val="50000"/>
+            </a:schemeClr>
+          </a:lnRef>
+          <a:fillRef idx="1">
+            <a:schemeClr val="accent1"/>
+          </a:fillRef>
+          <a:effectRef idx="0">
+            <a:schemeClr val="accent1"/>
+          </a:effectRef>
+          <a:fontRef idx="minor">
+            <a:schemeClr val="lt1"/>
+          </a:fontRef>
+        </p:style>
+        <p:txBody>
+          <a:bodyPr rtlCol="0" anchor="ctr"/>
+          <a:lstStyle/>
+          <a:p>
+            <a:pPr algn="ctr"/>
+            <a:r>
+              <a:rPr lang="en-US" dirty="0"/>
+              <a:t>The Node Module System</a:t>
+            </a:r>
+          </a:p>
+        </p:txBody>
+      </p:sp>
+      <p:sp>
+        <p:nvSpPr>
+          <p:cNvPr id="19" name="Rectangle 18">
+            <a:extLst>
+              <a:ext uri="{FF2B5EF4-FFF2-40B4-BE49-F238E27FC236}">
+                <a16:creationId xmlns:a16="http://schemas.microsoft.com/office/drawing/2014/main" id="{E97834A6-72E4-C1CF-9C87-E431A3A2F234}"/>
+              </a:ext>
+            </a:extLst>
+          </p:cNvPr>
+          <p:cNvSpPr/>
+          <p:nvPr/>
+        </p:nvSpPr>
+        <p:spPr>
+          <a:xfrm>
+            <a:off x="6604715" y="2961743"/>
+            <a:ext cx="4134118" cy="2486020"/>
+          </a:xfrm>
+          <a:prstGeom prst="rect">
+            <a:avLst/>
+          </a:prstGeom>
+          <a:solidFill>
+            <a:srgbClr val="92D050"/>
+          </a:solidFill>
+        </p:spPr>
+        <p:style>
+          <a:lnRef idx="2">
+            <a:schemeClr val="accent1">
+              <a:shade val="50000"/>
+            </a:schemeClr>
+          </a:lnRef>
+          <a:fillRef idx="1">
+            <a:schemeClr val="accent1"/>
+          </a:fillRef>
+          <a:effectRef idx="0">
+            <a:schemeClr val="accent1"/>
+          </a:effectRef>
+          <a:fontRef idx="minor">
+            <a:schemeClr val="lt1"/>
+          </a:fontRef>
+        </p:style>
+        <p:txBody>
+          <a:bodyPr rtlCol="0" anchor="ctr"/>
+          <a:lstStyle/>
+          <a:p>
+            <a:pPr algn="ctr"/>
+            <a:r>
+              <a:rPr lang="en-US" dirty="0">
+                <a:ln w="0"/>
+                <a:solidFill>
+                  <a:schemeClr val="tx1"/>
+                </a:solidFill>
+                <a:effectLst>
+                  <a:outerShdw blurRad="38100" dist="19050" dir="2700000" algn="tl" rotWithShape="0">
+                    <a:schemeClr val="dk1">
+                      <a:alpha val="40000"/>
+                    </a:schemeClr>
+                  </a:outerShdw>
+                </a:effectLst>
+              </a:rPr>
+              <a:t>Import via require(‘./path-to-file’) for custom files or require(‘module</a:t>
+            </a:r>
+            <a:r>
+              <a:rPr lang="en-US" sz="1600" dirty="0">
+                <a:ln w="0"/>
+                <a:solidFill>
+                  <a:schemeClr val="tx1"/>
+                </a:solidFill>
+                <a:effectLst>
+                  <a:outerShdw blurRad="38100" dist="19050" dir="2700000" algn="tl" rotWithShape="0">
+                    <a:schemeClr val="dk1">
+                      <a:alpha val="40000"/>
+                    </a:schemeClr>
+                  </a:outerShdw>
+                </a:effectLst>
+              </a:rPr>
+              <a:t>’) for core &amp; </a:t>
+            </a:r>
+            <a:r>
+              <a:rPr lang="en-US" sz="1600" dirty="0" err="1">
+                <a:ln w="0"/>
+                <a:solidFill>
+                  <a:schemeClr val="tx1"/>
+                </a:solidFill>
+                <a:effectLst>
+                  <a:outerShdw blurRad="38100" dist="19050" dir="2700000" algn="tl" rotWithShape="0">
+                    <a:schemeClr val="dk1">
+                      <a:alpha val="40000"/>
+                    </a:schemeClr>
+                  </a:outerShdw>
+                </a:effectLst>
+              </a:rPr>
+              <a:t>third&amp;party</a:t>
+            </a:r>
+            <a:r>
+              <a:rPr lang="en-US" sz="1600" dirty="0">
+                <a:ln w="0"/>
+                <a:solidFill>
+                  <a:schemeClr val="tx1"/>
+                </a:solidFill>
+                <a:effectLst>
+                  <a:outerShdw blurRad="38100" dist="19050" dir="2700000" algn="tl" rotWithShape="0">
+                    <a:schemeClr val="dk1">
+                      <a:alpha val="40000"/>
+                    </a:schemeClr>
+                  </a:outerShdw>
+                </a:effectLst>
+              </a:rPr>
+              <a:t> modules</a:t>
+            </a:r>
+          </a:p>
+          <a:p>
+            <a:pPr algn="ctr"/>
+            <a:r>
+              <a:rPr lang="en-US" sz="1600" dirty="0">
+                <a:ln w="0"/>
+                <a:solidFill>
+                  <a:schemeClr val="tx1"/>
+                </a:solidFill>
+                <a:effectLst>
+                  <a:outerShdw blurRad="38100" dist="19050" dir="2700000" algn="tl" rotWithShape="0">
+                    <a:schemeClr val="dk1">
+                      <a:alpha val="40000"/>
+                    </a:schemeClr>
+                  </a:outerShdw>
+                </a:effectLst>
+              </a:rPr>
+              <a:t>Export via </a:t>
+            </a:r>
+            <a:r>
+              <a:rPr lang="en-US" sz="1600" dirty="0" err="1">
+                <a:ln w="0"/>
+                <a:solidFill>
+                  <a:schemeClr val="tx1"/>
+                </a:solidFill>
+                <a:effectLst>
+                  <a:outerShdw blurRad="38100" dist="19050" dir="2700000" algn="tl" rotWithShape="0">
+                    <a:schemeClr val="dk1">
+                      <a:alpha val="40000"/>
+                    </a:schemeClr>
+                  </a:outerShdw>
+                </a:effectLst>
+              </a:rPr>
+              <a:t>modules.exports</a:t>
+            </a:r>
+            <a:r>
+              <a:rPr lang="en-US" sz="1600" dirty="0">
+                <a:ln w="0"/>
+                <a:solidFill>
+                  <a:schemeClr val="tx1"/>
+                </a:solidFill>
+                <a:effectLst>
+                  <a:outerShdw blurRad="38100" dist="19050" dir="2700000" algn="tl" rotWithShape="0">
+                    <a:schemeClr val="dk1">
+                      <a:alpha val="40000"/>
+                    </a:schemeClr>
+                  </a:outerShdw>
+                </a:effectLst>
+              </a:rPr>
+              <a:t> or just exports (for multiple exports)</a:t>
+            </a:r>
+            <a:endParaRPr lang="en-US" dirty="0">
+              <a:ln w="0"/>
+              <a:solidFill>
+                <a:schemeClr val="tx1"/>
+              </a:solidFill>
+              <a:effectLst>
+                <a:outerShdw blurRad="38100" dist="19050" dir="2700000" algn="tl" rotWithShape="0">
+                  <a:schemeClr val="dk1">
+                    <a:alpha val="40000"/>
+                  </a:schemeClr>
+                </a:outerShdw>
+              </a:effectLst>
+            </a:endParaRPr>
+          </a:p>
+        </p:txBody>
+      </p:sp>
+    </p:spTree>
+    <p:extLst>
+      <p:ext uri="{BB962C8B-B14F-4D97-AF65-F5344CB8AC3E}">
+        <p14:creationId xmlns:p14="http://schemas.microsoft.com/office/powerpoint/2010/main" val="3227393836"/>
+      </p:ext>
+    </p:extLst>
+  </p:cSld>
+  <p:clrMapOvr>
+    <a:masterClrMapping/>
+  </p:clrMapOvr>
+</p:sld>
+</file>
+
 <file path=ppt/slides/slide2.xml><?xml version="1.0" encoding="utf-8"?>
 <p:sld xmlns:a="http://schemas.openxmlformats.org/drawingml/2006/main" xmlns:r="http://schemas.openxmlformats.org/officeDocument/2006/relationships" xmlns:p="http://schemas.openxmlformats.org/presentationml/2006/main">
   <p:cSld>
@@ -7758,6 +11409,659 @@
     <p:extLst>
       <p:ext uri="{BB962C8B-B14F-4D97-AF65-F5344CB8AC3E}">
         <p14:creationId xmlns:p14="http://schemas.microsoft.com/office/powerpoint/2010/main" val="2540370389"/>
+      </p:ext>
+    </p:extLst>
+  </p:cSld>
+  <p:clrMapOvr>
+    <a:masterClrMapping/>
+  </p:clrMapOvr>
+</p:sld>
+</file>
+
+<file path=ppt/slides/slide20.xml><?xml version="1.0" encoding="utf-8"?>
+<p:sld xmlns:a="http://schemas.openxmlformats.org/drawingml/2006/main" xmlns:r="http://schemas.openxmlformats.org/officeDocument/2006/relationships" xmlns:p="http://schemas.openxmlformats.org/presentationml/2006/main">
+  <p:cSld>
+    <p:spTree>
+      <p:nvGrpSpPr>
+        <p:cNvPr id="1" name=""/>
+        <p:cNvGrpSpPr/>
+        <p:nvPr/>
+      </p:nvGrpSpPr>
+      <p:grpSpPr>
+        <a:xfrm>
+          <a:off x="0" y="0"/>
+          <a:ext cx="0" cy="0"/>
+          <a:chOff x="0" y="0"/>
+          <a:chExt cx="0" cy="0"/>
+        </a:xfrm>
+      </p:grpSpPr>
+      <p:sp>
+        <p:nvSpPr>
+          <p:cNvPr id="2" name="Title 1">
+            <a:extLst>
+              <a:ext uri="{FF2B5EF4-FFF2-40B4-BE49-F238E27FC236}">
+                <a16:creationId xmlns:a16="http://schemas.microsoft.com/office/drawing/2014/main" id="{9E014197-DD87-3637-CEC5-9DFC6CEF9F0B}"/>
+              </a:ext>
+            </a:extLst>
+          </p:cNvPr>
+          <p:cNvSpPr>
+            <a:spLocks noGrp="1"/>
+          </p:cNvSpPr>
+          <p:nvPr>
+            <p:ph type="title"/>
+          </p:nvPr>
+        </p:nvSpPr>
+        <p:spPr>
+          <a:xfrm>
+            <a:off x="838200" y="365125"/>
+            <a:ext cx="10515600" cy="407607"/>
+          </a:xfrm>
+        </p:spPr>
+        <p:txBody>
+          <a:bodyPr>
+            <a:normAutofit fontScale="90000"/>
+          </a:bodyPr>
+          <a:lstStyle/>
+          <a:p>
+            <a:r>
+              <a:rPr lang="en-US" dirty="0"/>
+              <a:t>What is node.js</a:t>
+            </a:r>
+          </a:p>
+        </p:txBody>
+      </p:sp>
+      <p:sp>
+        <p:nvSpPr>
+          <p:cNvPr id="3" name="Content Placeholder 2">
+            <a:extLst>
+              <a:ext uri="{FF2B5EF4-FFF2-40B4-BE49-F238E27FC236}">
+                <a16:creationId xmlns:a16="http://schemas.microsoft.com/office/drawing/2014/main" id="{5092B422-A733-1784-D9C7-FDC1AA99779C}"/>
+              </a:ext>
+            </a:extLst>
+          </p:cNvPr>
+          <p:cNvSpPr>
+            <a:spLocks noGrp="1"/>
+          </p:cNvSpPr>
+          <p:nvPr>
+            <p:ph idx="1"/>
+          </p:nvPr>
+        </p:nvSpPr>
+        <p:spPr>
+          <a:xfrm>
+            <a:off x="838200" y="1081825"/>
+            <a:ext cx="10515600" cy="5095138"/>
+          </a:xfrm>
+        </p:spPr>
+        <p:txBody>
+          <a:bodyPr/>
+          <a:lstStyle/>
+          <a:p>
+            <a:pPr>
+              <a:lnSpc>
+                <a:spcPct val="150000"/>
+              </a:lnSpc>
+            </a:pPr>
+            <a:r>
+              <a:rPr lang="en-US" dirty="0"/>
+              <a:t>Node.js is an open source.</a:t>
+            </a:r>
+          </a:p>
+          <a:p>
+            <a:pPr>
+              <a:lnSpc>
+                <a:spcPct val="150000"/>
+              </a:lnSpc>
+            </a:pPr>
+            <a:r>
+              <a:rPr lang="en-US" dirty="0"/>
+              <a:t>Node.js runs on various platforms (Win, </a:t>
+            </a:r>
+            <a:r>
+              <a:rPr lang="en-US" dirty="0" err="1"/>
+              <a:t>Liux</a:t>
+            </a:r>
+            <a:r>
+              <a:rPr lang="en-US" dirty="0"/>
+              <a:t>, Unix, </a:t>
+            </a:r>
+            <a:r>
+              <a:rPr lang="en-US" dirty="0" err="1"/>
+              <a:t>macOSX,etc</a:t>
+            </a:r>
+            <a:r>
+              <a:rPr lang="en-US" dirty="0"/>
+              <a:t>).</a:t>
+            </a:r>
+          </a:p>
+          <a:p>
+            <a:pPr>
+              <a:lnSpc>
+                <a:spcPct val="150000"/>
+              </a:lnSpc>
+            </a:pPr>
+            <a:r>
+              <a:rPr lang="en-US" dirty="0"/>
+              <a:t>Node.js allows you to run JS on the server.</a:t>
+            </a:r>
+          </a:p>
+          <a:p>
+            <a:pPr>
+              <a:lnSpc>
+                <a:spcPct val="150000"/>
+              </a:lnSpc>
+            </a:pPr>
+            <a:r>
+              <a:rPr lang="en-US" dirty="0"/>
+              <a:t>Node.js can create, open, read, write, delete and close files on the server.</a:t>
+            </a:r>
+          </a:p>
+          <a:p>
+            <a:pPr>
+              <a:lnSpc>
+                <a:spcPct val="150000"/>
+              </a:lnSpc>
+            </a:pPr>
+            <a:r>
+              <a:rPr lang="en-US" dirty="0"/>
+              <a:t>Easily communicate with database</a:t>
+            </a:r>
+          </a:p>
+        </p:txBody>
+      </p:sp>
+    </p:spTree>
+    <p:extLst>
+      <p:ext uri="{BB962C8B-B14F-4D97-AF65-F5344CB8AC3E}">
+        <p14:creationId xmlns:p14="http://schemas.microsoft.com/office/powerpoint/2010/main" val="2489203927"/>
+      </p:ext>
+    </p:extLst>
+  </p:cSld>
+  <p:clrMapOvr>
+    <a:masterClrMapping/>
+  </p:clrMapOvr>
+</p:sld>
+</file>
+
+<file path=ppt/slides/slide21.xml><?xml version="1.0" encoding="utf-8"?>
+<p:sld xmlns:a="http://schemas.openxmlformats.org/drawingml/2006/main" xmlns:r="http://schemas.openxmlformats.org/officeDocument/2006/relationships" xmlns:p="http://schemas.openxmlformats.org/presentationml/2006/main">
+  <p:cSld>
+    <p:spTree>
+      <p:nvGrpSpPr>
+        <p:cNvPr id="1" name=""/>
+        <p:cNvGrpSpPr/>
+        <p:nvPr/>
+      </p:nvGrpSpPr>
+      <p:grpSpPr>
+        <a:xfrm>
+          <a:off x="0" y="0"/>
+          <a:ext cx="0" cy="0"/>
+          <a:chOff x="0" y="0"/>
+          <a:chExt cx="0" cy="0"/>
+        </a:xfrm>
+      </p:grpSpPr>
+      <p:sp>
+        <p:nvSpPr>
+          <p:cNvPr id="2" name="Title 1">
+            <a:extLst>
+              <a:ext uri="{FF2B5EF4-FFF2-40B4-BE49-F238E27FC236}">
+                <a16:creationId xmlns:a16="http://schemas.microsoft.com/office/drawing/2014/main" id="{B1E38B3D-AEB6-F74C-2202-4DE39FC40BCF}"/>
+              </a:ext>
+            </a:extLst>
+          </p:cNvPr>
+          <p:cNvSpPr>
+            <a:spLocks noGrp="1"/>
+          </p:cNvSpPr>
+          <p:nvPr>
+            <p:ph type="title"/>
+          </p:nvPr>
+        </p:nvSpPr>
+        <p:spPr>
+          <a:xfrm>
+            <a:off x="838200" y="365126"/>
+            <a:ext cx="10515600" cy="832610"/>
+          </a:xfrm>
+        </p:spPr>
+        <p:txBody>
+          <a:bodyPr/>
+          <a:lstStyle/>
+          <a:p>
+            <a:r>
+              <a:rPr lang="en-US" dirty="0"/>
+              <a:t>Why Node.js?</a:t>
+            </a:r>
+          </a:p>
+        </p:txBody>
+      </p:sp>
+      <p:sp>
+        <p:nvSpPr>
+          <p:cNvPr id="3" name="Content Placeholder 2">
+            <a:extLst>
+              <a:ext uri="{FF2B5EF4-FFF2-40B4-BE49-F238E27FC236}">
+                <a16:creationId xmlns:a16="http://schemas.microsoft.com/office/drawing/2014/main" id="{086630F0-E41B-3E63-0D5E-CDA0EF58D235}"/>
+              </a:ext>
+            </a:extLst>
+          </p:cNvPr>
+          <p:cNvSpPr>
+            <a:spLocks noGrp="1"/>
+          </p:cNvSpPr>
+          <p:nvPr>
+            <p:ph idx="1"/>
+          </p:nvPr>
+        </p:nvSpPr>
+        <p:spPr>
+          <a:xfrm>
+            <a:off x="838200" y="1197736"/>
+            <a:ext cx="10515600" cy="4979227"/>
+          </a:xfrm>
+        </p:spPr>
+        <p:txBody>
+          <a:bodyPr/>
+          <a:lstStyle/>
+          <a:p>
+            <a:r>
+              <a:rPr lang="en-US" dirty="0"/>
+              <a:t>Node.js represents a JS everywhere.</a:t>
+            </a:r>
+          </a:p>
+          <a:p>
+            <a:endParaRPr lang="en-US" dirty="0"/>
+          </a:p>
+          <a:p>
+            <a:r>
+              <a:rPr lang="en-US" dirty="0"/>
+              <a:t>Node.js is very fast</a:t>
+            </a:r>
+          </a:p>
+          <a:p>
+            <a:pPr lvl="1"/>
+            <a:r>
+              <a:rPr lang="en-US" dirty="0"/>
+              <a:t>Runs on the V8 JS Engine</a:t>
+            </a:r>
+          </a:p>
+          <a:p>
+            <a:pPr lvl="1"/>
+            <a:r>
+              <a:rPr lang="en-US" dirty="0"/>
+              <a:t>Single – threaded</a:t>
+            </a:r>
+          </a:p>
+          <a:p>
+            <a:pPr lvl="1"/>
+            <a:r>
+              <a:rPr lang="en-US" dirty="0"/>
+              <a:t>Non-Blocking</a:t>
+            </a:r>
+          </a:p>
+          <a:p>
+            <a:pPr lvl="1"/>
+            <a:r>
+              <a:rPr lang="en-US" dirty="0"/>
+              <a:t>Asynchronously Programming.</a:t>
+            </a:r>
+          </a:p>
+          <a:p>
+            <a:pPr lvl="1"/>
+            <a:endParaRPr lang="en-US" dirty="0"/>
+          </a:p>
+          <a:p>
+            <a:r>
+              <a:rPr lang="en-US" dirty="0"/>
+              <a:t>Eliminates the waiting and simply continues with the next request.</a:t>
+            </a:r>
+          </a:p>
+        </p:txBody>
+      </p:sp>
+    </p:spTree>
+    <p:extLst>
+      <p:ext uri="{BB962C8B-B14F-4D97-AF65-F5344CB8AC3E}">
+        <p14:creationId xmlns:p14="http://schemas.microsoft.com/office/powerpoint/2010/main" val="2271682858"/>
+      </p:ext>
+    </p:extLst>
+  </p:cSld>
+  <p:clrMapOvr>
+    <a:masterClrMapping/>
+  </p:clrMapOvr>
+</p:sld>
+</file>
+
+<file path=ppt/slides/slide22.xml><?xml version="1.0" encoding="utf-8"?>
+<p:sld xmlns:a="http://schemas.openxmlformats.org/drawingml/2006/main" xmlns:r="http://schemas.openxmlformats.org/officeDocument/2006/relationships" xmlns:p="http://schemas.openxmlformats.org/presentationml/2006/main">
+  <p:cSld>
+    <p:spTree>
+      <p:nvGrpSpPr>
+        <p:cNvPr id="1" name=""/>
+        <p:cNvGrpSpPr/>
+        <p:nvPr/>
+      </p:nvGrpSpPr>
+      <p:grpSpPr>
+        <a:xfrm>
+          <a:off x="0" y="0"/>
+          <a:ext cx="0" cy="0"/>
+          <a:chOff x="0" y="0"/>
+          <a:chExt cx="0" cy="0"/>
+        </a:xfrm>
+      </p:grpSpPr>
+      <p:sp>
+        <p:nvSpPr>
+          <p:cNvPr id="2" name="Title 1">
+            <a:extLst>
+              <a:ext uri="{FF2B5EF4-FFF2-40B4-BE49-F238E27FC236}">
+                <a16:creationId xmlns:a16="http://schemas.microsoft.com/office/drawing/2014/main" id="{E5F869C7-EBAD-55DD-EF03-4A904DCE0CC2}"/>
+              </a:ext>
+            </a:extLst>
+          </p:cNvPr>
+          <p:cNvSpPr>
+            <a:spLocks noGrp="1"/>
+          </p:cNvSpPr>
+          <p:nvPr>
+            <p:ph type="title"/>
+          </p:nvPr>
+        </p:nvSpPr>
+        <p:spPr/>
+        <p:txBody>
+          <a:bodyPr/>
+          <a:lstStyle/>
+          <a:p>
+            <a:r>
+              <a:rPr lang="en-US" dirty="0"/>
+              <a:t>When to Use Node.js?</a:t>
+            </a:r>
+          </a:p>
+        </p:txBody>
+      </p:sp>
+      <p:sp>
+        <p:nvSpPr>
+          <p:cNvPr id="3" name="Content Placeholder 2">
+            <a:extLst>
+              <a:ext uri="{FF2B5EF4-FFF2-40B4-BE49-F238E27FC236}">
+                <a16:creationId xmlns:a16="http://schemas.microsoft.com/office/drawing/2014/main" id="{409D168B-D000-98EF-AACC-8A0D5CC58CE2}"/>
+              </a:ext>
+            </a:extLst>
+          </p:cNvPr>
+          <p:cNvSpPr>
+            <a:spLocks noGrp="1"/>
+          </p:cNvSpPr>
+          <p:nvPr>
+            <p:ph idx="1"/>
+          </p:nvPr>
+        </p:nvSpPr>
+        <p:spPr/>
+        <p:txBody>
+          <a:bodyPr/>
+          <a:lstStyle/>
+          <a:p>
+            <a:pPr marL="0" indent="0">
+              <a:buNone/>
+            </a:pPr>
+            <a:r>
+              <a:rPr lang="en-US" dirty="0"/>
+              <a:t>Node.js is best for usage in streaming or event-based real-time applications like as</a:t>
+            </a:r>
+          </a:p>
+          <a:p>
+            <a:r>
+              <a:rPr lang="en-US" dirty="0"/>
+              <a:t>Chat Applications</a:t>
+            </a:r>
+          </a:p>
+          <a:p>
+            <a:r>
+              <a:rPr lang="en-US" dirty="0"/>
+              <a:t>Game Servers</a:t>
+            </a:r>
+          </a:p>
+          <a:p>
+            <a:r>
+              <a:rPr lang="en-US" dirty="0"/>
+              <a:t>Advertisement Servers</a:t>
+            </a:r>
+          </a:p>
+          <a:p>
+            <a:r>
+              <a:rPr lang="en-US" dirty="0"/>
+              <a:t>Streaming Servers</a:t>
+            </a:r>
+          </a:p>
+          <a:p>
+            <a:r>
+              <a:rPr lang="en-US" dirty="0"/>
+              <a:t>Another Web Application</a:t>
+            </a:r>
+          </a:p>
+        </p:txBody>
+      </p:sp>
+    </p:spTree>
+    <p:extLst>
+      <p:ext uri="{BB962C8B-B14F-4D97-AF65-F5344CB8AC3E}">
+        <p14:creationId xmlns:p14="http://schemas.microsoft.com/office/powerpoint/2010/main" val="1337597084"/>
+      </p:ext>
+    </p:extLst>
+  </p:cSld>
+  <p:clrMapOvr>
+    <a:masterClrMapping/>
+  </p:clrMapOvr>
+</p:sld>
+</file>
+
+<file path=ppt/slides/slide23.xml><?xml version="1.0" encoding="utf-8"?>
+<p:sld xmlns:a="http://schemas.openxmlformats.org/drawingml/2006/main" xmlns:r="http://schemas.openxmlformats.org/officeDocument/2006/relationships" xmlns:p="http://schemas.openxmlformats.org/presentationml/2006/main">
+  <p:cSld>
+    <p:spTree>
+      <p:nvGrpSpPr>
+        <p:cNvPr id="1" name=""/>
+        <p:cNvGrpSpPr/>
+        <p:nvPr/>
+      </p:nvGrpSpPr>
+      <p:grpSpPr>
+        <a:xfrm>
+          <a:off x="0" y="0"/>
+          <a:ext cx="0" cy="0"/>
+          <a:chOff x="0" y="0"/>
+          <a:chExt cx="0" cy="0"/>
+        </a:xfrm>
+      </p:grpSpPr>
+      <p:sp>
+        <p:nvSpPr>
+          <p:cNvPr id="2" name="Title 1">
+            <a:extLst>
+              <a:ext uri="{FF2B5EF4-FFF2-40B4-BE49-F238E27FC236}">
+                <a16:creationId xmlns:a16="http://schemas.microsoft.com/office/drawing/2014/main" id="{C56AFEFD-5A16-ECBE-6E07-90F38BB1F0F4}"/>
+              </a:ext>
+            </a:extLst>
+          </p:cNvPr>
+          <p:cNvSpPr>
+            <a:spLocks noGrp="1"/>
+          </p:cNvSpPr>
+          <p:nvPr>
+            <p:ph type="title"/>
+          </p:nvPr>
+        </p:nvSpPr>
+        <p:spPr>
+          <a:xfrm>
+            <a:off x="838200" y="365126"/>
+            <a:ext cx="9748234" cy="678064"/>
+          </a:xfrm>
+        </p:spPr>
+        <p:txBody>
+          <a:bodyPr>
+            <a:normAutofit fontScale="90000"/>
+          </a:bodyPr>
+          <a:lstStyle/>
+          <a:p>
+            <a:r>
+              <a:rPr lang="en-US" dirty="0"/>
+              <a:t>What is V8 JS Engine?</a:t>
+            </a:r>
+          </a:p>
+        </p:txBody>
+      </p:sp>
+      <p:sp>
+        <p:nvSpPr>
+          <p:cNvPr id="3" name="Content Placeholder 2">
+            <a:extLst>
+              <a:ext uri="{FF2B5EF4-FFF2-40B4-BE49-F238E27FC236}">
+                <a16:creationId xmlns:a16="http://schemas.microsoft.com/office/drawing/2014/main" id="{9C528DDF-9AC4-6EBE-5707-DC0D505A4AB9}"/>
+              </a:ext>
+            </a:extLst>
+          </p:cNvPr>
+          <p:cNvSpPr>
+            <a:spLocks noGrp="1"/>
+          </p:cNvSpPr>
+          <p:nvPr>
+            <p:ph idx="1"/>
+          </p:nvPr>
+        </p:nvSpPr>
+        <p:spPr>
+          <a:xfrm>
+            <a:off x="838200" y="1043190"/>
+            <a:ext cx="10515600" cy="5133773"/>
+          </a:xfrm>
+        </p:spPr>
+        <p:txBody>
+          <a:bodyPr/>
+          <a:lstStyle/>
+          <a:p>
+            <a:pPr>
+              <a:lnSpc>
+                <a:spcPct val="200000"/>
+              </a:lnSpc>
+            </a:pPr>
+            <a:r>
+              <a:rPr lang="en-US" dirty="0"/>
+              <a:t>V8 is the JS execution engine which was initially built for Google Chrome.</a:t>
+            </a:r>
+          </a:p>
+          <a:p>
+            <a:pPr>
+              <a:lnSpc>
+                <a:spcPct val="200000"/>
+              </a:lnSpc>
+            </a:pPr>
+            <a:r>
+              <a:rPr lang="en-US" dirty="0"/>
+              <a:t>V8 is Google’s open source and written in C++</a:t>
+            </a:r>
+          </a:p>
+          <a:p>
+            <a:pPr>
+              <a:lnSpc>
+                <a:spcPct val="200000"/>
+              </a:lnSpc>
+            </a:pPr>
+            <a:r>
+              <a:rPr lang="en-US" dirty="0"/>
+              <a:t>V8* compiles JS source code to native machine code.</a:t>
+            </a:r>
+          </a:p>
+          <a:p>
+            <a:pPr>
+              <a:lnSpc>
+                <a:spcPct val="200000"/>
+              </a:lnSpc>
+            </a:pPr>
+            <a:r>
+              <a:rPr lang="en-US" dirty="0"/>
+              <a:t>The Node.js written in C++</a:t>
+            </a:r>
+          </a:p>
+        </p:txBody>
+      </p:sp>
+    </p:spTree>
+    <p:extLst>
+      <p:ext uri="{BB962C8B-B14F-4D97-AF65-F5344CB8AC3E}">
+        <p14:creationId xmlns:p14="http://schemas.microsoft.com/office/powerpoint/2010/main" val="1885618327"/>
+      </p:ext>
+    </p:extLst>
+  </p:cSld>
+  <p:clrMapOvr>
+    <a:masterClrMapping/>
+  </p:clrMapOvr>
+</p:sld>
+</file>
+
+<file path=ppt/slides/slide24.xml><?xml version="1.0" encoding="utf-8"?>
+<p:sld xmlns:a="http://schemas.openxmlformats.org/drawingml/2006/main" xmlns:r="http://schemas.openxmlformats.org/officeDocument/2006/relationships" xmlns:p="http://schemas.openxmlformats.org/presentationml/2006/main">
+  <p:cSld>
+    <p:spTree>
+      <p:nvGrpSpPr>
+        <p:cNvPr id="1" name=""/>
+        <p:cNvGrpSpPr/>
+        <p:nvPr/>
+      </p:nvGrpSpPr>
+      <p:grpSpPr>
+        <a:xfrm>
+          <a:off x="0" y="0"/>
+          <a:ext cx="0" cy="0"/>
+          <a:chOff x="0" y="0"/>
+          <a:chExt cx="0" cy="0"/>
+        </a:xfrm>
+      </p:grpSpPr>
+      <p:sp>
+        <p:nvSpPr>
+          <p:cNvPr id="2" name="Title 1">
+            <a:extLst>
+              <a:ext uri="{FF2B5EF4-FFF2-40B4-BE49-F238E27FC236}">
+                <a16:creationId xmlns:a16="http://schemas.microsoft.com/office/drawing/2014/main" id="{90556DB1-F001-10B0-D7FD-DDE156FFED52}"/>
+              </a:ext>
+            </a:extLst>
+          </p:cNvPr>
+          <p:cNvSpPr>
+            <a:spLocks noGrp="1"/>
+          </p:cNvSpPr>
+          <p:nvPr>
+            <p:ph type="title"/>
+          </p:nvPr>
+        </p:nvSpPr>
+        <p:spPr/>
+        <p:txBody>
+          <a:bodyPr/>
+          <a:lstStyle/>
+          <a:p>
+            <a:r>
+              <a:rPr lang="en-US" dirty="0"/>
+              <a:t>What you need to know?</a:t>
+            </a:r>
+          </a:p>
+        </p:txBody>
+      </p:sp>
+      <p:sp>
+        <p:nvSpPr>
+          <p:cNvPr id="3" name="Content Placeholder 2">
+            <a:extLst>
+              <a:ext uri="{FF2B5EF4-FFF2-40B4-BE49-F238E27FC236}">
+                <a16:creationId xmlns:a16="http://schemas.microsoft.com/office/drawing/2014/main" id="{8A9C3C70-1B9C-0DBA-2231-6A10DDA4A748}"/>
+              </a:ext>
+            </a:extLst>
+          </p:cNvPr>
+          <p:cNvSpPr>
+            <a:spLocks noGrp="1"/>
+          </p:cNvSpPr>
+          <p:nvPr>
+            <p:ph idx="1"/>
+          </p:nvPr>
+        </p:nvSpPr>
+        <p:spPr/>
+        <p:txBody>
+          <a:bodyPr/>
+          <a:lstStyle/>
+          <a:p>
+            <a:r>
+              <a:rPr lang="en-US" dirty="0"/>
+              <a:t>JavaScript</a:t>
+            </a:r>
+          </a:p>
+          <a:p>
+            <a:r>
+              <a:rPr lang="en-US" dirty="0"/>
+              <a:t>HTML</a:t>
+            </a:r>
+          </a:p>
+        </p:txBody>
+      </p:sp>
+    </p:spTree>
+    <p:extLst>
+      <p:ext uri="{BB962C8B-B14F-4D97-AF65-F5344CB8AC3E}">
+        <p14:creationId xmlns:p14="http://schemas.microsoft.com/office/powerpoint/2010/main" val="244202516"/>
       </p:ext>
     </p:extLst>
   </p:cSld>

--- a/What is Node.pptx
+++ b/What is Node.pptx
@@ -29,6 +29,14 @@
     <p:sldId id="277" r:id="rId23"/>
     <p:sldId id="278" r:id="rId24"/>
     <p:sldId id="279" r:id="rId25"/>
+    <p:sldId id="280" r:id="rId26"/>
+    <p:sldId id="281" r:id="rId27"/>
+    <p:sldId id="282" r:id="rId28"/>
+    <p:sldId id="283" r:id="rId29"/>
+    <p:sldId id="285" r:id="rId30"/>
+    <p:sldId id="284" r:id="rId31"/>
+    <p:sldId id="286" r:id="rId32"/>
+    <p:sldId id="287" r:id="rId33"/>
   </p:sldIdLst>
   <p:sldSz cx="12192000" cy="6858000"/>
   <p:notesSz cx="6858000" cy="9144000"/>
@@ -479,7 +487,7 @@
           <a:p>
             <a:fld id="{C452295A-2B17-4FE0-84DB-F0699F4DDF23}" type="datetimeFigureOut">
               <a:rPr lang="en-US" smtClean="0"/>
-              <a:t>11/10/2022</a:t>
+              <a:t>11/15/2022</a:t>
             </a:fld>
             <a:endParaRPr lang="en-US"/>
           </a:p>
@@ -677,7 +685,7 @@
           <a:p>
             <a:fld id="{C452295A-2B17-4FE0-84DB-F0699F4DDF23}" type="datetimeFigureOut">
               <a:rPr lang="en-US" smtClean="0"/>
-              <a:t>11/10/2022</a:t>
+              <a:t>11/15/2022</a:t>
             </a:fld>
             <a:endParaRPr lang="en-US"/>
           </a:p>
@@ -885,7 +893,7 @@
           <a:p>
             <a:fld id="{C452295A-2B17-4FE0-84DB-F0699F4DDF23}" type="datetimeFigureOut">
               <a:rPr lang="en-US" smtClean="0"/>
-              <a:t>11/10/2022</a:t>
+              <a:t>11/15/2022</a:t>
             </a:fld>
             <a:endParaRPr lang="en-US"/>
           </a:p>
@@ -1083,7 +1091,7 @@
           <a:p>
             <a:fld id="{C452295A-2B17-4FE0-84DB-F0699F4DDF23}" type="datetimeFigureOut">
               <a:rPr lang="en-US" smtClean="0"/>
-              <a:t>11/10/2022</a:t>
+              <a:t>11/15/2022</a:t>
             </a:fld>
             <a:endParaRPr lang="en-US"/>
           </a:p>
@@ -1358,7 +1366,7 @@
           <a:p>
             <a:fld id="{C452295A-2B17-4FE0-84DB-F0699F4DDF23}" type="datetimeFigureOut">
               <a:rPr lang="en-US" smtClean="0"/>
-              <a:t>11/10/2022</a:t>
+              <a:t>11/15/2022</a:t>
             </a:fld>
             <a:endParaRPr lang="en-US"/>
           </a:p>
@@ -1623,7 +1631,7 @@
           <a:p>
             <a:fld id="{C452295A-2B17-4FE0-84DB-F0699F4DDF23}" type="datetimeFigureOut">
               <a:rPr lang="en-US" smtClean="0"/>
-              <a:t>11/10/2022</a:t>
+              <a:t>11/15/2022</a:t>
             </a:fld>
             <a:endParaRPr lang="en-US"/>
           </a:p>
@@ -2035,7 +2043,7 @@
           <a:p>
             <a:fld id="{C452295A-2B17-4FE0-84DB-F0699F4DDF23}" type="datetimeFigureOut">
               <a:rPr lang="en-US" smtClean="0"/>
-              <a:t>11/10/2022</a:t>
+              <a:t>11/15/2022</a:t>
             </a:fld>
             <a:endParaRPr lang="en-US"/>
           </a:p>
@@ -2176,7 +2184,7 @@
           <a:p>
             <a:fld id="{C452295A-2B17-4FE0-84DB-F0699F4DDF23}" type="datetimeFigureOut">
               <a:rPr lang="en-US" smtClean="0"/>
-              <a:t>11/10/2022</a:t>
+              <a:t>11/15/2022</a:t>
             </a:fld>
             <a:endParaRPr lang="en-US"/>
           </a:p>
@@ -2289,7 +2297,7 @@
           <a:p>
             <a:fld id="{C452295A-2B17-4FE0-84DB-F0699F4DDF23}" type="datetimeFigureOut">
               <a:rPr lang="en-US" smtClean="0"/>
-              <a:t>11/10/2022</a:t>
+              <a:t>11/15/2022</a:t>
             </a:fld>
             <a:endParaRPr lang="en-US"/>
           </a:p>
@@ -2600,7 +2608,7 @@
           <a:p>
             <a:fld id="{C452295A-2B17-4FE0-84DB-F0699F4DDF23}" type="datetimeFigureOut">
               <a:rPr lang="en-US" smtClean="0"/>
-              <a:t>11/10/2022</a:t>
+              <a:t>11/15/2022</a:t>
             </a:fld>
             <a:endParaRPr lang="en-US"/>
           </a:p>
@@ -2888,7 +2896,7 @@
           <a:p>
             <a:fld id="{C452295A-2B17-4FE0-84DB-F0699F4DDF23}" type="datetimeFigureOut">
               <a:rPr lang="en-US" smtClean="0"/>
-              <a:t>11/10/2022</a:t>
+              <a:t>11/15/2022</a:t>
             </a:fld>
             <a:endParaRPr lang="en-US"/>
           </a:p>
@@ -3129,7 +3137,7 @@
           <a:p>
             <a:fld id="{C452295A-2B17-4FE0-84DB-F0699F4DDF23}" type="datetimeFigureOut">
               <a:rPr lang="en-US" smtClean="0"/>
-              <a:t>11/10/2022</a:t>
+              <a:t>11/15/2022</a:t>
             </a:fld>
             <a:endParaRPr lang="en-US"/>
           </a:p>
@@ -8866,8 +8874,8 @@
             <a:chExt cx="4221720" cy="3866040"/>
           </a:xfrm>
         </p:grpSpPr>
-        <mc:AlternateContent xmlns:mc="http://schemas.openxmlformats.org/markup-compatibility/2006">
-          <mc:Choice xmlns:p14="http://schemas.microsoft.com/office/powerpoint/2010/main" Requires="p14">
+        <mc:AlternateContent xmlns:mc="http://schemas.openxmlformats.org/markup-compatibility/2006" xmlns:p14="http://schemas.microsoft.com/office/powerpoint/2010/main">
+          <mc:Choice Requires="p14">
             <p:contentPart p14:bwMode="auto" r:id="rId2">
               <p14:nvContentPartPr>
                 <p14:cNvPr id="4" name="Ink 3">
@@ -8886,7 +8894,7 @@
               </p14:xfrm>
             </p:contentPart>
           </mc:Choice>
-          <mc:Fallback>
+          <mc:Fallback xmlns="">
             <p:pic>
               <p:nvPicPr>
                 <p:cNvPr id="4" name="Ink 3">
@@ -8917,8 +8925,8 @@
             </p:pic>
           </mc:Fallback>
         </mc:AlternateContent>
-        <mc:AlternateContent xmlns:mc="http://schemas.openxmlformats.org/markup-compatibility/2006">
-          <mc:Choice xmlns:p14="http://schemas.microsoft.com/office/powerpoint/2010/main" Requires="p14">
+        <mc:AlternateContent xmlns:mc="http://schemas.openxmlformats.org/markup-compatibility/2006" xmlns:p14="http://schemas.microsoft.com/office/powerpoint/2010/main">
+          <mc:Choice Requires="p14">
             <p:contentPart p14:bwMode="auto" r:id="rId4">
               <p14:nvContentPartPr>
                 <p14:cNvPr id="5" name="Ink 4">
@@ -8937,7 +8945,7 @@
               </p14:xfrm>
             </p:contentPart>
           </mc:Choice>
-          <mc:Fallback>
+          <mc:Fallback xmlns="">
             <p:pic>
               <p:nvPicPr>
                 <p:cNvPr id="5" name="Ink 4">
@@ -12071,6 +12079,1552 @@
 </p:sld>
 </file>
 
+<file path=ppt/slides/slide25.xml><?xml version="1.0" encoding="utf-8"?>
+<p:sld xmlns:a="http://schemas.openxmlformats.org/drawingml/2006/main" xmlns:r="http://schemas.openxmlformats.org/officeDocument/2006/relationships" xmlns:p="http://schemas.openxmlformats.org/presentationml/2006/main">
+  <p:cSld>
+    <p:spTree>
+      <p:nvGrpSpPr>
+        <p:cNvPr id="1" name=""/>
+        <p:cNvGrpSpPr/>
+        <p:nvPr/>
+      </p:nvGrpSpPr>
+      <p:grpSpPr>
+        <a:xfrm>
+          <a:off x="0" y="0"/>
+          <a:ext cx="0" cy="0"/>
+          <a:chOff x="0" y="0"/>
+          <a:chExt cx="0" cy="0"/>
+        </a:xfrm>
+      </p:grpSpPr>
+      <p:sp>
+        <p:nvSpPr>
+          <p:cNvPr id="2" name="Title 1">
+            <a:extLst>
+              <a:ext uri="{FF2B5EF4-FFF2-40B4-BE49-F238E27FC236}">
+                <a16:creationId xmlns:a16="http://schemas.microsoft.com/office/drawing/2014/main" id="{3F20BD4A-A696-4080-F074-42988EB7B18F}"/>
+              </a:ext>
+            </a:extLst>
+          </p:cNvPr>
+          <p:cNvSpPr>
+            <a:spLocks noGrp="1"/>
+          </p:cNvSpPr>
+          <p:nvPr>
+            <p:ph type="title"/>
+          </p:nvPr>
+        </p:nvSpPr>
+        <p:spPr>
+          <a:xfrm>
+            <a:off x="838200" y="365126"/>
+            <a:ext cx="10515600" cy="835878"/>
+          </a:xfrm>
+        </p:spPr>
+        <p:txBody>
+          <a:bodyPr/>
+          <a:lstStyle/>
+          <a:p>
+            <a:r>
+              <a:rPr lang="en-US" dirty="0"/>
+              <a:t>Events &amp; Event Emitter</a:t>
+            </a:r>
+          </a:p>
+        </p:txBody>
+      </p:sp>
+      <p:sp>
+        <p:nvSpPr>
+          <p:cNvPr id="3" name="Content Placeholder 2">
+            <a:extLst>
+              <a:ext uri="{FF2B5EF4-FFF2-40B4-BE49-F238E27FC236}">
+                <a16:creationId xmlns:a16="http://schemas.microsoft.com/office/drawing/2014/main" id="{0A98EDD5-BAAA-2D25-EADE-9651AFE0243B}"/>
+              </a:ext>
+            </a:extLst>
+          </p:cNvPr>
+          <p:cNvSpPr>
+            <a:spLocks noGrp="1"/>
+          </p:cNvSpPr>
+          <p:nvPr>
+            <p:ph idx="1"/>
+          </p:nvPr>
+        </p:nvSpPr>
+        <p:spPr>
+          <a:xfrm>
+            <a:off x="838200" y="1364776"/>
+            <a:ext cx="10515600" cy="4812187"/>
+          </a:xfrm>
+        </p:spPr>
+        <p:txBody>
+          <a:bodyPr/>
+          <a:lstStyle/>
+          <a:p>
+            <a:endParaRPr lang="en-US" dirty="0"/>
+          </a:p>
+        </p:txBody>
+      </p:sp>
+    </p:spTree>
+    <p:extLst>
+      <p:ext uri="{BB962C8B-B14F-4D97-AF65-F5344CB8AC3E}">
+        <p14:creationId xmlns:p14="http://schemas.microsoft.com/office/powerpoint/2010/main" val="2384274983"/>
+      </p:ext>
+    </p:extLst>
+  </p:cSld>
+  <p:clrMapOvr>
+    <a:masterClrMapping/>
+  </p:clrMapOvr>
+</p:sld>
+</file>
+
+<file path=ppt/slides/slide26.xml><?xml version="1.0" encoding="utf-8"?>
+<p:sld xmlns:a="http://schemas.openxmlformats.org/drawingml/2006/main" xmlns:r="http://schemas.openxmlformats.org/officeDocument/2006/relationships" xmlns:p="http://schemas.openxmlformats.org/presentationml/2006/main">
+  <p:cSld>
+    <p:spTree>
+      <p:nvGrpSpPr>
+        <p:cNvPr id="1" name=""/>
+        <p:cNvGrpSpPr/>
+        <p:nvPr/>
+      </p:nvGrpSpPr>
+      <p:grpSpPr>
+        <a:xfrm>
+          <a:off x="0" y="0"/>
+          <a:ext cx="0" cy="0"/>
+          <a:chOff x="0" y="0"/>
+          <a:chExt cx="0" cy="0"/>
+        </a:xfrm>
+      </p:grpSpPr>
+      <p:sp>
+        <p:nvSpPr>
+          <p:cNvPr id="2" name="Title 1">
+            <a:extLst>
+              <a:ext uri="{FF2B5EF4-FFF2-40B4-BE49-F238E27FC236}">
+                <a16:creationId xmlns:a16="http://schemas.microsoft.com/office/drawing/2014/main" id="{1BECE1DC-F88C-EF20-C755-F430B02DB9D9}"/>
+              </a:ext>
+            </a:extLst>
+          </p:cNvPr>
+          <p:cNvSpPr>
+            <a:spLocks noGrp="1"/>
+          </p:cNvSpPr>
+          <p:nvPr>
+            <p:ph type="title"/>
+          </p:nvPr>
+        </p:nvSpPr>
+        <p:spPr/>
+        <p:txBody>
+          <a:bodyPr/>
+          <a:lstStyle/>
+          <a:p>
+            <a:r>
+              <a:rPr lang="en-US" dirty="0"/>
+              <a:t>Buffers and Streams</a:t>
+            </a:r>
+          </a:p>
+        </p:txBody>
+      </p:sp>
+      <p:sp>
+        <p:nvSpPr>
+          <p:cNvPr id="3" name="Content Placeholder 2">
+            <a:extLst>
+              <a:ext uri="{FF2B5EF4-FFF2-40B4-BE49-F238E27FC236}">
+                <a16:creationId xmlns:a16="http://schemas.microsoft.com/office/drawing/2014/main" id="{CE8DDFDD-8FA3-5D6D-BB03-3A1D75A6CD56}"/>
+              </a:ext>
+            </a:extLst>
+          </p:cNvPr>
+          <p:cNvSpPr>
+            <a:spLocks noGrp="1"/>
+          </p:cNvSpPr>
+          <p:nvPr>
+            <p:ph idx="1"/>
+          </p:nvPr>
+        </p:nvSpPr>
+        <p:spPr/>
+        <p:txBody>
+          <a:bodyPr/>
+          <a:lstStyle/>
+          <a:p>
+            <a:r>
+              <a:rPr lang="en-US" dirty="0"/>
+              <a:t>The JS lang had no mechanism for reading or manipulating streams of binary data.</a:t>
+            </a:r>
+          </a:p>
+          <a:p>
+            <a:r>
+              <a:rPr lang="en-US" dirty="0"/>
+              <a:t>The Buffer class was introduced as part of the Node.js API to make it possible.</a:t>
+            </a:r>
+          </a:p>
+          <a:p>
+            <a:r>
+              <a:rPr lang="en-US" dirty="0"/>
+              <a:t>Node.js servers have to also deal with TCP streams and reading &amp; writing to the file system with binary streams of data.</a:t>
+            </a:r>
+          </a:p>
+        </p:txBody>
+      </p:sp>
+    </p:spTree>
+    <p:extLst>
+      <p:ext uri="{BB962C8B-B14F-4D97-AF65-F5344CB8AC3E}">
+        <p14:creationId xmlns:p14="http://schemas.microsoft.com/office/powerpoint/2010/main" val="1864197267"/>
+      </p:ext>
+    </p:extLst>
+  </p:cSld>
+  <p:clrMapOvr>
+    <a:masterClrMapping/>
+  </p:clrMapOvr>
+</p:sld>
+</file>
+
+<file path=ppt/slides/slide27.xml><?xml version="1.0" encoding="utf-8"?>
+<p:sld xmlns:a="http://schemas.openxmlformats.org/drawingml/2006/main" xmlns:r="http://schemas.openxmlformats.org/officeDocument/2006/relationships" xmlns:p="http://schemas.openxmlformats.org/presentationml/2006/main">
+  <p:cSld>
+    <p:spTree>
+      <p:nvGrpSpPr>
+        <p:cNvPr id="1" name=""/>
+        <p:cNvGrpSpPr/>
+        <p:nvPr/>
+      </p:nvGrpSpPr>
+      <p:grpSpPr>
+        <a:xfrm>
+          <a:off x="0" y="0"/>
+          <a:ext cx="0" cy="0"/>
+          <a:chOff x="0" y="0"/>
+          <a:chExt cx="0" cy="0"/>
+        </a:xfrm>
+      </p:grpSpPr>
+      <p:sp>
+        <p:nvSpPr>
+          <p:cNvPr id="2" name="Title 1">
+            <a:extLst>
+              <a:ext uri="{FF2B5EF4-FFF2-40B4-BE49-F238E27FC236}">
+                <a16:creationId xmlns:a16="http://schemas.microsoft.com/office/drawing/2014/main" id="{23F88F43-3EA9-FA6E-489E-B01364E3D006}"/>
+              </a:ext>
+            </a:extLst>
+          </p:cNvPr>
+          <p:cNvSpPr>
+            <a:spLocks noGrp="1"/>
+          </p:cNvSpPr>
+          <p:nvPr>
+            <p:ph type="title"/>
+          </p:nvPr>
+        </p:nvSpPr>
+        <p:spPr/>
+        <p:txBody>
+          <a:bodyPr/>
+          <a:lstStyle/>
+          <a:p>
+            <a:r>
+              <a:rPr lang="en-US" dirty="0"/>
+              <a:t>What is buffer?</a:t>
+            </a:r>
+          </a:p>
+        </p:txBody>
+      </p:sp>
+      <p:sp>
+        <p:nvSpPr>
+          <p:cNvPr id="3" name="Content Placeholder 2">
+            <a:extLst>
+              <a:ext uri="{FF2B5EF4-FFF2-40B4-BE49-F238E27FC236}">
+                <a16:creationId xmlns:a16="http://schemas.microsoft.com/office/drawing/2014/main" id="{C68C8972-8594-A54B-574E-CBF42046A680}"/>
+              </a:ext>
+            </a:extLst>
+          </p:cNvPr>
+          <p:cNvSpPr>
+            <a:spLocks noGrp="1"/>
+          </p:cNvSpPr>
+          <p:nvPr>
+            <p:ph idx="1"/>
+          </p:nvPr>
+        </p:nvSpPr>
+        <p:spPr/>
+        <p:txBody>
+          <a:bodyPr/>
+          <a:lstStyle/>
+          <a:p>
+            <a:r>
+              <a:rPr lang="en-US" dirty="0"/>
+              <a:t>Buffer is temporary storage, usually in the RAM.</a:t>
+            </a:r>
+          </a:p>
+          <a:p>
+            <a:r>
+              <a:rPr lang="en-US" dirty="0"/>
+              <a:t>It is handle raw binary data.</a:t>
+            </a:r>
+          </a:p>
+          <a:p>
+            <a:r>
+              <a:rPr lang="en-US" dirty="0"/>
+              <a:t>Instance of the Buffer class like arrays of integers.</a:t>
+            </a:r>
+          </a:p>
+          <a:p>
+            <a:r>
+              <a:rPr lang="en-US" dirty="0"/>
+              <a:t>The “Integers” in a buffer each represent a byte.</a:t>
+            </a:r>
+          </a:p>
+          <a:p>
+            <a:r>
+              <a:rPr lang="en-US" dirty="0"/>
+              <a:t>The size of the Buffer is established when it is created and cannot be resized.</a:t>
+            </a:r>
+          </a:p>
+          <a:p>
+            <a:r>
+              <a:rPr lang="en-US" dirty="0"/>
+              <a:t>When buffer is full then sent out for processing during streaming.</a:t>
+            </a:r>
+          </a:p>
+        </p:txBody>
+      </p:sp>
+    </p:spTree>
+    <p:extLst>
+      <p:ext uri="{BB962C8B-B14F-4D97-AF65-F5344CB8AC3E}">
+        <p14:creationId xmlns:p14="http://schemas.microsoft.com/office/powerpoint/2010/main" val="1877003879"/>
+      </p:ext>
+    </p:extLst>
+  </p:cSld>
+  <p:clrMapOvr>
+    <a:masterClrMapping/>
+  </p:clrMapOvr>
+</p:sld>
+</file>
+
+<file path=ppt/slides/slide28.xml><?xml version="1.0" encoding="utf-8"?>
+<p:sld xmlns:a="http://schemas.openxmlformats.org/drawingml/2006/main" xmlns:r="http://schemas.openxmlformats.org/officeDocument/2006/relationships" xmlns:p="http://schemas.openxmlformats.org/presentationml/2006/main">
+  <p:cSld>
+    <p:spTree>
+      <p:nvGrpSpPr>
+        <p:cNvPr id="1" name=""/>
+        <p:cNvGrpSpPr/>
+        <p:nvPr/>
+      </p:nvGrpSpPr>
+      <p:grpSpPr>
+        <a:xfrm>
+          <a:off x="0" y="0"/>
+          <a:ext cx="0" cy="0"/>
+          <a:chOff x="0" y="0"/>
+          <a:chExt cx="0" cy="0"/>
+        </a:xfrm>
+      </p:grpSpPr>
+      <p:sp>
+        <p:nvSpPr>
+          <p:cNvPr id="2" name="Title 1">
+            <a:extLst>
+              <a:ext uri="{FF2B5EF4-FFF2-40B4-BE49-F238E27FC236}">
+                <a16:creationId xmlns:a16="http://schemas.microsoft.com/office/drawing/2014/main" id="{6242639D-9B6C-D4B0-7FCB-903CF4987C3A}"/>
+              </a:ext>
+            </a:extLst>
+          </p:cNvPr>
+          <p:cNvSpPr>
+            <a:spLocks noGrp="1"/>
+          </p:cNvSpPr>
+          <p:nvPr>
+            <p:ph type="title"/>
+          </p:nvPr>
+        </p:nvSpPr>
+        <p:spPr/>
+        <p:txBody>
+          <a:bodyPr/>
+          <a:lstStyle/>
+          <a:p>
+            <a:r>
+              <a:rPr lang="en-US" dirty="0"/>
+              <a:t>How to work buffer?</a:t>
+            </a:r>
+          </a:p>
+        </p:txBody>
+      </p:sp>
+      <p:sp>
+        <p:nvSpPr>
+          <p:cNvPr id="3" name="Content Placeholder 2">
+            <a:extLst>
+              <a:ext uri="{FF2B5EF4-FFF2-40B4-BE49-F238E27FC236}">
+                <a16:creationId xmlns:a16="http://schemas.microsoft.com/office/drawing/2014/main" id="{6525F060-811B-FBD8-ED48-3D848C9BB37E}"/>
+              </a:ext>
+            </a:extLst>
+          </p:cNvPr>
+          <p:cNvSpPr>
+            <a:spLocks noGrp="1"/>
+          </p:cNvSpPr>
+          <p:nvPr>
+            <p:ph idx="1"/>
+          </p:nvPr>
+        </p:nvSpPr>
+        <p:spPr>
+          <a:xfrm>
+            <a:off x="838200" y="1825625"/>
+            <a:ext cx="5357884" cy="1603375"/>
+          </a:xfrm>
+        </p:spPr>
+        <p:txBody>
+          <a:bodyPr/>
+          <a:lstStyle/>
+          <a:p>
+            <a:r>
+              <a:rPr lang="en-US" dirty="0"/>
+              <a:t>Buffer also known as waiting area.</a:t>
+            </a:r>
+          </a:p>
+          <a:p>
+            <a:r>
+              <a:rPr lang="en-US" dirty="0"/>
+              <a:t>Var </a:t>
+            </a:r>
+            <a:r>
+              <a:rPr lang="en-US" dirty="0" err="1"/>
+              <a:t>buf</a:t>
+            </a:r>
+            <a:r>
+              <a:rPr lang="en-US" dirty="0"/>
+              <a:t> = </a:t>
+            </a:r>
+            <a:r>
+              <a:rPr lang="en-US" dirty="0" err="1"/>
+              <a:t>Buffer.alloc</a:t>
+            </a:r>
+            <a:r>
+              <a:rPr lang="en-US" dirty="0"/>
+              <a:t>(10);</a:t>
+            </a:r>
+          </a:p>
+          <a:p>
+            <a:r>
+              <a:rPr lang="en-US" dirty="0"/>
+              <a:t>Buffer(store 10 bytes)</a:t>
+            </a:r>
+          </a:p>
+        </p:txBody>
+      </p:sp>
+      <p:sp>
+        <p:nvSpPr>
+          <p:cNvPr id="4" name="Rectangle 3">
+            <a:extLst>
+              <a:ext uri="{FF2B5EF4-FFF2-40B4-BE49-F238E27FC236}">
+                <a16:creationId xmlns:a16="http://schemas.microsoft.com/office/drawing/2014/main" id="{D3F8C561-6EEC-5526-ED6F-82EF7CFE6A26}"/>
+              </a:ext>
+            </a:extLst>
+          </p:cNvPr>
+          <p:cNvSpPr/>
+          <p:nvPr/>
+        </p:nvSpPr>
+        <p:spPr>
+          <a:xfrm>
+            <a:off x="838200" y="3429000"/>
+            <a:ext cx="2041478" cy="3063875"/>
+          </a:xfrm>
+          <a:prstGeom prst="rect">
+            <a:avLst/>
+          </a:prstGeom>
+        </p:spPr>
+        <p:style>
+          <a:lnRef idx="2">
+            <a:schemeClr val="accent1">
+              <a:shade val="50000"/>
+            </a:schemeClr>
+          </a:lnRef>
+          <a:fillRef idx="1">
+            <a:schemeClr val="accent1"/>
+          </a:fillRef>
+          <a:effectRef idx="0">
+            <a:schemeClr val="accent1"/>
+          </a:effectRef>
+          <a:fontRef idx="minor">
+            <a:schemeClr val="lt1"/>
+          </a:fontRef>
+        </p:style>
+        <p:txBody>
+          <a:bodyPr rtlCol="0" anchor="ctr"/>
+          <a:lstStyle/>
+          <a:p>
+            <a:pPr algn="ctr"/>
+            <a:r>
+              <a:rPr lang="en-US" dirty="0"/>
+              <a:t>Large amount of data</a:t>
+            </a:r>
+          </a:p>
+        </p:txBody>
+      </p:sp>
+      <p:grpSp>
+        <p:nvGrpSpPr>
+          <p:cNvPr id="7" name="Group 6">
+            <a:extLst>
+              <a:ext uri="{FF2B5EF4-FFF2-40B4-BE49-F238E27FC236}">
+                <a16:creationId xmlns:a16="http://schemas.microsoft.com/office/drawing/2014/main" id="{9E104FE4-BD78-5A89-6341-62B2DEC751CC}"/>
+              </a:ext>
+            </a:extLst>
+          </p:cNvPr>
+          <p:cNvGrpSpPr/>
+          <p:nvPr/>
+        </p:nvGrpSpPr>
+        <p:grpSpPr>
+          <a:xfrm>
+            <a:off x="2988862" y="4517412"/>
+            <a:ext cx="1214646" cy="960412"/>
+            <a:chOff x="2988862" y="4517412"/>
+            <a:chExt cx="1214646" cy="960412"/>
+          </a:xfrm>
+        </p:grpSpPr>
+        <p:sp>
+          <p:nvSpPr>
+            <p:cNvPr id="5" name="Arrow: Right 4">
+              <a:extLst>
+                <a:ext uri="{FF2B5EF4-FFF2-40B4-BE49-F238E27FC236}">
+                  <a16:creationId xmlns:a16="http://schemas.microsoft.com/office/drawing/2014/main" id="{81E14847-3B2B-2F17-FF97-709C4030EA18}"/>
+                </a:ext>
+              </a:extLst>
+            </p:cNvPr>
+            <p:cNvSpPr/>
+            <p:nvPr/>
+          </p:nvSpPr>
+          <p:spPr>
+            <a:xfrm>
+              <a:off x="2988862" y="4763069"/>
+              <a:ext cx="900752" cy="491319"/>
+            </a:xfrm>
+            <a:prstGeom prst="rightArrow">
+              <a:avLst/>
+            </a:prstGeom>
+          </p:spPr>
+          <p:style>
+            <a:lnRef idx="2">
+              <a:schemeClr val="accent1">
+                <a:shade val="50000"/>
+              </a:schemeClr>
+            </a:lnRef>
+            <a:fillRef idx="1">
+              <a:schemeClr val="accent1"/>
+            </a:fillRef>
+            <a:effectRef idx="0">
+              <a:schemeClr val="accent1"/>
+            </a:effectRef>
+            <a:fontRef idx="minor">
+              <a:schemeClr val="lt1"/>
+            </a:fontRef>
+          </p:style>
+          <p:txBody>
+            <a:bodyPr rtlCol="0" anchor="ctr"/>
+            <a:lstStyle/>
+            <a:p>
+              <a:pPr algn="ctr"/>
+              <a:endParaRPr lang="en-US"/>
+            </a:p>
+          </p:txBody>
+        </p:sp>
+        <p:sp>
+          <p:nvSpPr>
+            <p:cNvPr id="6" name="Rectangle 5">
+              <a:extLst>
+                <a:ext uri="{FF2B5EF4-FFF2-40B4-BE49-F238E27FC236}">
+                  <a16:creationId xmlns:a16="http://schemas.microsoft.com/office/drawing/2014/main" id="{40AEAFE6-7914-8762-80BA-6B0612E99C10}"/>
+                </a:ext>
+              </a:extLst>
+            </p:cNvPr>
+            <p:cNvSpPr/>
+            <p:nvPr/>
+          </p:nvSpPr>
+          <p:spPr>
+            <a:xfrm flipH="1">
+              <a:off x="4005615" y="4517412"/>
+              <a:ext cx="197893" cy="960412"/>
+            </a:xfrm>
+            <a:prstGeom prst="rect">
+              <a:avLst/>
+            </a:prstGeom>
+          </p:spPr>
+          <p:style>
+            <a:lnRef idx="2">
+              <a:schemeClr val="accent1">
+                <a:shade val="50000"/>
+              </a:schemeClr>
+            </a:lnRef>
+            <a:fillRef idx="1">
+              <a:schemeClr val="accent1"/>
+            </a:fillRef>
+            <a:effectRef idx="0">
+              <a:schemeClr val="accent1"/>
+            </a:effectRef>
+            <a:fontRef idx="minor">
+              <a:schemeClr val="lt1"/>
+            </a:fontRef>
+          </p:style>
+          <p:txBody>
+            <a:bodyPr rtlCol="0" anchor="ctr"/>
+            <a:lstStyle/>
+            <a:p>
+              <a:pPr algn="ctr"/>
+              <a:endParaRPr lang="en-US" dirty="0"/>
+            </a:p>
+          </p:txBody>
+        </p:sp>
+      </p:grpSp>
+      <p:sp>
+        <p:nvSpPr>
+          <p:cNvPr id="9" name="Arrow: Right 8">
+            <a:extLst>
+              <a:ext uri="{FF2B5EF4-FFF2-40B4-BE49-F238E27FC236}">
+                <a16:creationId xmlns:a16="http://schemas.microsoft.com/office/drawing/2014/main" id="{EA1ADB63-D2FA-DA7B-526D-22AA2269B8D4}"/>
+              </a:ext>
+            </a:extLst>
+          </p:cNvPr>
+          <p:cNvSpPr/>
+          <p:nvPr/>
+        </p:nvSpPr>
+        <p:spPr>
+          <a:xfrm>
+            <a:off x="4346807" y="4715018"/>
+            <a:ext cx="900752" cy="491319"/>
+          </a:xfrm>
+          <a:prstGeom prst="rightArrow">
+            <a:avLst/>
+          </a:prstGeom>
+        </p:spPr>
+        <p:style>
+          <a:lnRef idx="2">
+            <a:schemeClr val="accent1">
+              <a:shade val="50000"/>
+            </a:schemeClr>
+          </a:lnRef>
+          <a:fillRef idx="1">
+            <a:schemeClr val="accent1"/>
+          </a:fillRef>
+          <a:effectRef idx="0">
+            <a:schemeClr val="accent1"/>
+          </a:effectRef>
+          <a:fontRef idx="minor">
+            <a:schemeClr val="lt1"/>
+          </a:fontRef>
+        </p:style>
+        <p:txBody>
+          <a:bodyPr rtlCol="0" anchor="ctr"/>
+          <a:lstStyle/>
+          <a:p>
+            <a:pPr algn="ctr"/>
+            <a:endParaRPr lang="en-US"/>
+          </a:p>
+        </p:txBody>
+      </p:sp>
+      <p:sp>
+        <p:nvSpPr>
+          <p:cNvPr id="10" name="Rectangle 9">
+            <a:extLst>
+              <a:ext uri="{FF2B5EF4-FFF2-40B4-BE49-F238E27FC236}">
+                <a16:creationId xmlns:a16="http://schemas.microsoft.com/office/drawing/2014/main" id="{8FDB7075-FC30-622C-7B44-307F0DAF7C94}"/>
+              </a:ext>
+            </a:extLst>
+          </p:cNvPr>
+          <p:cNvSpPr/>
+          <p:nvPr/>
+        </p:nvSpPr>
+        <p:spPr>
+          <a:xfrm flipH="1">
+            <a:off x="5363560" y="4469361"/>
+            <a:ext cx="197893" cy="960412"/>
+          </a:xfrm>
+          <a:prstGeom prst="rect">
+            <a:avLst/>
+          </a:prstGeom>
+        </p:spPr>
+        <p:style>
+          <a:lnRef idx="2">
+            <a:schemeClr val="accent1">
+              <a:shade val="50000"/>
+            </a:schemeClr>
+          </a:lnRef>
+          <a:fillRef idx="1">
+            <a:schemeClr val="accent1"/>
+          </a:fillRef>
+          <a:effectRef idx="0">
+            <a:schemeClr val="accent1"/>
+          </a:effectRef>
+          <a:fontRef idx="minor">
+            <a:schemeClr val="lt1"/>
+          </a:fontRef>
+        </p:style>
+        <p:txBody>
+          <a:bodyPr rtlCol="0" anchor="ctr"/>
+          <a:lstStyle/>
+          <a:p>
+            <a:pPr algn="ctr"/>
+            <a:endParaRPr lang="en-US" dirty="0"/>
+          </a:p>
+        </p:txBody>
+      </p:sp>
+      <p:sp>
+        <p:nvSpPr>
+          <p:cNvPr id="11" name="Arrow: Right 10">
+            <a:extLst>
+              <a:ext uri="{FF2B5EF4-FFF2-40B4-BE49-F238E27FC236}">
+                <a16:creationId xmlns:a16="http://schemas.microsoft.com/office/drawing/2014/main" id="{51B2E1DD-4FF7-FAD2-8782-46716B1E541A}"/>
+              </a:ext>
+            </a:extLst>
+          </p:cNvPr>
+          <p:cNvSpPr/>
+          <p:nvPr/>
+        </p:nvSpPr>
+        <p:spPr>
+          <a:xfrm>
+            <a:off x="5645624" y="4715018"/>
+            <a:ext cx="900752" cy="491319"/>
+          </a:xfrm>
+          <a:prstGeom prst="rightArrow">
+            <a:avLst/>
+          </a:prstGeom>
+        </p:spPr>
+        <p:style>
+          <a:lnRef idx="2">
+            <a:schemeClr val="accent1">
+              <a:shade val="50000"/>
+            </a:schemeClr>
+          </a:lnRef>
+          <a:fillRef idx="1">
+            <a:schemeClr val="accent1"/>
+          </a:fillRef>
+          <a:effectRef idx="0">
+            <a:schemeClr val="accent1"/>
+          </a:effectRef>
+          <a:fontRef idx="minor">
+            <a:schemeClr val="lt1"/>
+          </a:fontRef>
+        </p:style>
+        <p:txBody>
+          <a:bodyPr rtlCol="0" anchor="ctr"/>
+          <a:lstStyle/>
+          <a:p>
+            <a:pPr algn="ctr"/>
+            <a:endParaRPr lang="en-US"/>
+          </a:p>
+        </p:txBody>
+      </p:sp>
+      <p:sp>
+        <p:nvSpPr>
+          <p:cNvPr id="12" name="Rectangle 11">
+            <a:extLst>
+              <a:ext uri="{FF2B5EF4-FFF2-40B4-BE49-F238E27FC236}">
+                <a16:creationId xmlns:a16="http://schemas.microsoft.com/office/drawing/2014/main" id="{17191E45-78EF-F73E-9F15-7F624C34638E}"/>
+              </a:ext>
+            </a:extLst>
+          </p:cNvPr>
+          <p:cNvSpPr/>
+          <p:nvPr/>
+        </p:nvSpPr>
+        <p:spPr>
+          <a:xfrm>
+            <a:off x="6532729" y="4469361"/>
+            <a:ext cx="1696872" cy="960412"/>
+          </a:xfrm>
+          <a:prstGeom prst="rect">
+            <a:avLst/>
+          </a:prstGeom>
+        </p:spPr>
+        <p:style>
+          <a:lnRef idx="2">
+            <a:schemeClr val="accent6"/>
+          </a:lnRef>
+          <a:fillRef idx="1">
+            <a:schemeClr val="lt1"/>
+          </a:fillRef>
+          <a:effectRef idx="0">
+            <a:schemeClr val="accent6"/>
+          </a:effectRef>
+          <a:fontRef idx="minor">
+            <a:schemeClr val="dk1"/>
+          </a:fontRef>
+        </p:style>
+        <p:txBody>
+          <a:bodyPr rtlCol="0" anchor="ctr"/>
+          <a:lstStyle/>
+          <a:p>
+            <a:pPr algn="ctr"/>
+            <a:endParaRPr lang="en-US"/>
+          </a:p>
+        </p:txBody>
+      </p:sp>
+      <p:sp>
+        <p:nvSpPr>
+          <p:cNvPr id="16" name="Rectangle 15">
+            <a:extLst>
+              <a:ext uri="{FF2B5EF4-FFF2-40B4-BE49-F238E27FC236}">
+                <a16:creationId xmlns:a16="http://schemas.microsoft.com/office/drawing/2014/main" id="{A8583BBE-3A8D-1D71-CD2B-323C92F4410C}"/>
+              </a:ext>
+            </a:extLst>
+          </p:cNvPr>
+          <p:cNvSpPr/>
+          <p:nvPr/>
+        </p:nvSpPr>
+        <p:spPr>
+          <a:xfrm>
+            <a:off x="6654174" y="4480973"/>
+            <a:ext cx="45719" cy="960412"/>
+          </a:xfrm>
+          <a:prstGeom prst="rect">
+            <a:avLst/>
+          </a:prstGeom>
+        </p:spPr>
+        <p:style>
+          <a:lnRef idx="2">
+            <a:schemeClr val="accent1">
+              <a:shade val="50000"/>
+            </a:schemeClr>
+          </a:lnRef>
+          <a:fillRef idx="1">
+            <a:schemeClr val="accent1"/>
+          </a:fillRef>
+          <a:effectRef idx="0">
+            <a:schemeClr val="accent1"/>
+          </a:effectRef>
+          <a:fontRef idx="minor">
+            <a:schemeClr val="lt1"/>
+          </a:fontRef>
+        </p:style>
+        <p:txBody>
+          <a:bodyPr rtlCol="0" anchor="ctr"/>
+          <a:lstStyle/>
+          <a:p>
+            <a:pPr algn="ctr"/>
+            <a:endParaRPr lang="en-US" dirty="0"/>
+          </a:p>
+        </p:txBody>
+      </p:sp>
+      <p:sp>
+        <p:nvSpPr>
+          <p:cNvPr id="17" name="Rectangle 16">
+            <a:extLst>
+              <a:ext uri="{FF2B5EF4-FFF2-40B4-BE49-F238E27FC236}">
+                <a16:creationId xmlns:a16="http://schemas.microsoft.com/office/drawing/2014/main" id="{D4E7DF84-F7A7-1313-FEE5-1491D8DAFE24}"/>
+              </a:ext>
+            </a:extLst>
+          </p:cNvPr>
+          <p:cNvSpPr/>
+          <p:nvPr/>
+        </p:nvSpPr>
+        <p:spPr>
+          <a:xfrm>
+            <a:off x="6807691" y="4469361"/>
+            <a:ext cx="45719" cy="960412"/>
+          </a:xfrm>
+          <a:prstGeom prst="rect">
+            <a:avLst/>
+          </a:prstGeom>
+        </p:spPr>
+        <p:style>
+          <a:lnRef idx="2">
+            <a:schemeClr val="accent1">
+              <a:shade val="50000"/>
+            </a:schemeClr>
+          </a:lnRef>
+          <a:fillRef idx="1">
+            <a:schemeClr val="accent1"/>
+          </a:fillRef>
+          <a:effectRef idx="0">
+            <a:schemeClr val="accent1"/>
+          </a:effectRef>
+          <a:fontRef idx="minor">
+            <a:schemeClr val="lt1"/>
+          </a:fontRef>
+        </p:style>
+        <p:txBody>
+          <a:bodyPr rtlCol="0" anchor="ctr"/>
+          <a:lstStyle/>
+          <a:p>
+            <a:pPr algn="ctr"/>
+            <a:endParaRPr lang="en-US" dirty="0"/>
+          </a:p>
+        </p:txBody>
+      </p:sp>
+      <p:sp>
+        <p:nvSpPr>
+          <p:cNvPr id="18" name="Rectangle 17">
+            <a:extLst>
+              <a:ext uri="{FF2B5EF4-FFF2-40B4-BE49-F238E27FC236}">
+                <a16:creationId xmlns:a16="http://schemas.microsoft.com/office/drawing/2014/main" id="{6907928A-C7D1-D364-29D7-DA5C256AD454}"/>
+              </a:ext>
+            </a:extLst>
+          </p:cNvPr>
+          <p:cNvSpPr/>
+          <p:nvPr/>
+        </p:nvSpPr>
+        <p:spPr>
+          <a:xfrm>
+            <a:off x="6961208" y="4469361"/>
+            <a:ext cx="45719" cy="960412"/>
+          </a:xfrm>
+          <a:prstGeom prst="rect">
+            <a:avLst/>
+          </a:prstGeom>
+        </p:spPr>
+        <p:style>
+          <a:lnRef idx="2">
+            <a:schemeClr val="accent1">
+              <a:shade val="50000"/>
+            </a:schemeClr>
+          </a:lnRef>
+          <a:fillRef idx="1">
+            <a:schemeClr val="accent1"/>
+          </a:fillRef>
+          <a:effectRef idx="0">
+            <a:schemeClr val="accent1"/>
+          </a:effectRef>
+          <a:fontRef idx="minor">
+            <a:schemeClr val="lt1"/>
+          </a:fontRef>
+        </p:style>
+        <p:txBody>
+          <a:bodyPr rtlCol="0" anchor="ctr"/>
+          <a:lstStyle/>
+          <a:p>
+            <a:pPr algn="ctr"/>
+            <a:endParaRPr lang="en-US" dirty="0"/>
+          </a:p>
+        </p:txBody>
+      </p:sp>
+      <p:sp>
+        <p:nvSpPr>
+          <p:cNvPr id="19" name="Rectangle 18">
+            <a:extLst>
+              <a:ext uri="{FF2B5EF4-FFF2-40B4-BE49-F238E27FC236}">
+                <a16:creationId xmlns:a16="http://schemas.microsoft.com/office/drawing/2014/main" id="{22683F6D-9EDC-7CC2-B047-6086CCA87FEB}"/>
+              </a:ext>
+            </a:extLst>
+          </p:cNvPr>
+          <p:cNvSpPr/>
+          <p:nvPr/>
+        </p:nvSpPr>
+        <p:spPr>
+          <a:xfrm>
+            <a:off x="7114725" y="4490118"/>
+            <a:ext cx="45719" cy="960412"/>
+          </a:xfrm>
+          <a:prstGeom prst="rect">
+            <a:avLst/>
+          </a:prstGeom>
+        </p:spPr>
+        <p:style>
+          <a:lnRef idx="2">
+            <a:schemeClr val="accent1">
+              <a:shade val="50000"/>
+            </a:schemeClr>
+          </a:lnRef>
+          <a:fillRef idx="1">
+            <a:schemeClr val="accent1"/>
+          </a:fillRef>
+          <a:effectRef idx="0">
+            <a:schemeClr val="accent1"/>
+          </a:effectRef>
+          <a:fontRef idx="minor">
+            <a:schemeClr val="lt1"/>
+          </a:fontRef>
+        </p:style>
+        <p:txBody>
+          <a:bodyPr rtlCol="0" anchor="ctr"/>
+          <a:lstStyle/>
+          <a:p>
+            <a:pPr algn="ctr"/>
+            <a:endParaRPr lang="en-US" dirty="0"/>
+          </a:p>
+        </p:txBody>
+      </p:sp>
+      <p:sp>
+        <p:nvSpPr>
+          <p:cNvPr id="20" name="Rectangle 19">
+            <a:extLst>
+              <a:ext uri="{FF2B5EF4-FFF2-40B4-BE49-F238E27FC236}">
+                <a16:creationId xmlns:a16="http://schemas.microsoft.com/office/drawing/2014/main" id="{7AB925C9-D2B8-54FD-C8A8-2EE917E42216}"/>
+              </a:ext>
+            </a:extLst>
+          </p:cNvPr>
+          <p:cNvSpPr/>
+          <p:nvPr/>
+        </p:nvSpPr>
+        <p:spPr>
+          <a:xfrm>
+            <a:off x="7254064" y="4465358"/>
+            <a:ext cx="45719" cy="960412"/>
+          </a:xfrm>
+          <a:prstGeom prst="rect">
+            <a:avLst/>
+          </a:prstGeom>
+        </p:spPr>
+        <p:style>
+          <a:lnRef idx="2">
+            <a:schemeClr val="accent1">
+              <a:shade val="50000"/>
+            </a:schemeClr>
+          </a:lnRef>
+          <a:fillRef idx="1">
+            <a:schemeClr val="accent1"/>
+          </a:fillRef>
+          <a:effectRef idx="0">
+            <a:schemeClr val="accent1"/>
+          </a:effectRef>
+          <a:fontRef idx="minor">
+            <a:schemeClr val="lt1"/>
+          </a:fontRef>
+        </p:style>
+        <p:txBody>
+          <a:bodyPr rtlCol="0" anchor="ctr"/>
+          <a:lstStyle/>
+          <a:p>
+            <a:pPr algn="ctr"/>
+            <a:endParaRPr lang="en-US" dirty="0"/>
+          </a:p>
+        </p:txBody>
+      </p:sp>
+      <p:sp>
+        <p:nvSpPr>
+          <p:cNvPr id="21" name="Rectangle 20">
+            <a:extLst>
+              <a:ext uri="{FF2B5EF4-FFF2-40B4-BE49-F238E27FC236}">
+                <a16:creationId xmlns:a16="http://schemas.microsoft.com/office/drawing/2014/main" id="{C7B2090E-4CE3-D023-B6A8-8943CD0C6BFA}"/>
+              </a:ext>
+            </a:extLst>
+          </p:cNvPr>
+          <p:cNvSpPr/>
+          <p:nvPr/>
+        </p:nvSpPr>
+        <p:spPr>
+          <a:xfrm>
+            <a:off x="7415007" y="4476970"/>
+            <a:ext cx="45719" cy="960412"/>
+          </a:xfrm>
+          <a:prstGeom prst="rect">
+            <a:avLst/>
+          </a:prstGeom>
+        </p:spPr>
+        <p:style>
+          <a:lnRef idx="2">
+            <a:schemeClr val="accent1">
+              <a:shade val="50000"/>
+            </a:schemeClr>
+          </a:lnRef>
+          <a:fillRef idx="1">
+            <a:schemeClr val="accent1"/>
+          </a:fillRef>
+          <a:effectRef idx="0">
+            <a:schemeClr val="accent1"/>
+          </a:effectRef>
+          <a:fontRef idx="minor">
+            <a:schemeClr val="lt1"/>
+          </a:fontRef>
+        </p:style>
+        <p:txBody>
+          <a:bodyPr rtlCol="0" anchor="ctr"/>
+          <a:lstStyle/>
+          <a:p>
+            <a:pPr algn="ctr"/>
+            <a:endParaRPr lang="en-US" dirty="0"/>
+          </a:p>
+        </p:txBody>
+      </p:sp>
+      <p:sp>
+        <p:nvSpPr>
+          <p:cNvPr id="22" name="Rectangle 21">
+            <a:extLst>
+              <a:ext uri="{FF2B5EF4-FFF2-40B4-BE49-F238E27FC236}">
+                <a16:creationId xmlns:a16="http://schemas.microsoft.com/office/drawing/2014/main" id="{E10B7D37-C49B-7679-2A74-F687066DB58F}"/>
+              </a:ext>
+            </a:extLst>
+          </p:cNvPr>
+          <p:cNvSpPr/>
+          <p:nvPr/>
+        </p:nvSpPr>
+        <p:spPr>
+          <a:xfrm>
+            <a:off x="7568524" y="4465358"/>
+            <a:ext cx="45719" cy="960412"/>
+          </a:xfrm>
+          <a:prstGeom prst="rect">
+            <a:avLst/>
+          </a:prstGeom>
+        </p:spPr>
+        <p:style>
+          <a:lnRef idx="2">
+            <a:schemeClr val="accent1">
+              <a:shade val="50000"/>
+            </a:schemeClr>
+          </a:lnRef>
+          <a:fillRef idx="1">
+            <a:schemeClr val="accent1"/>
+          </a:fillRef>
+          <a:effectRef idx="0">
+            <a:schemeClr val="accent1"/>
+          </a:effectRef>
+          <a:fontRef idx="minor">
+            <a:schemeClr val="lt1"/>
+          </a:fontRef>
+        </p:style>
+        <p:txBody>
+          <a:bodyPr rtlCol="0" anchor="ctr"/>
+          <a:lstStyle/>
+          <a:p>
+            <a:pPr algn="ctr"/>
+            <a:endParaRPr lang="en-US" dirty="0"/>
+          </a:p>
+        </p:txBody>
+      </p:sp>
+      <p:sp>
+        <p:nvSpPr>
+          <p:cNvPr id="23" name="Rectangle 22">
+            <a:extLst>
+              <a:ext uri="{FF2B5EF4-FFF2-40B4-BE49-F238E27FC236}">
+                <a16:creationId xmlns:a16="http://schemas.microsoft.com/office/drawing/2014/main" id="{4035CC24-2537-588D-3231-8AB0CC9CBEA5}"/>
+              </a:ext>
+            </a:extLst>
+          </p:cNvPr>
+          <p:cNvSpPr/>
+          <p:nvPr/>
+        </p:nvSpPr>
+        <p:spPr>
+          <a:xfrm>
+            <a:off x="7722041" y="4465358"/>
+            <a:ext cx="45719" cy="960412"/>
+          </a:xfrm>
+          <a:prstGeom prst="rect">
+            <a:avLst/>
+          </a:prstGeom>
+        </p:spPr>
+        <p:style>
+          <a:lnRef idx="2">
+            <a:schemeClr val="accent1">
+              <a:shade val="50000"/>
+            </a:schemeClr>
+          </a:lnRef>
+          <a:fillRef idx="1">
+            <a:schemeClr val="accent1"/>
+          </a:fillRef>
+          <a:effectRef idx="0">
+            <a:schemeClr val="accent1"/>
+          </a:effectRef>
+          <a:fontRef idx="minor">
+            <a:schemeClr val="lt1"/>
+          </a:fontRef>
+        </p:style>
+        <p:txBody>
+          <a:bodyPr rtlCol="0" anchor="ctr"/>
+          <a:lstStyle/>
+          <a:p>
+            <a:pPr algn="ctr"/>
+            <a:endParaRPr lang="en-US" dirty="0"/>
+          </a:p>
+        </p:txBody>
+      </p:sp>
+      <p:sp>
+        <p:nvSpPr>
+          <p:cNvPr id="24" name="Rectangle 23">
+            <a:extLst>
+              <a:ext uri="{FF2B5EF4-FFF2-40B4-BE49-F238E27FC236}">
+                <a16:creationId xmlns:a16="http://schemas.microsoft.com/office/drawing/2014/main" id="{E75994D4-C2C2-1664-3B00-48FB0F187480}"/>
+              </a:ext>
+            </a:extLst>
+          </p:cNvPr>
+          <p:cNvSpPr/>
+          <p:nvPr/>
+        </p:nvSpPr>
+        <p:spPr>
+          <a:xfrm>
+            <a:off x="7875558" y="4486115"/>
+            <a:ext cx="45719" cy="960412"/>
+          </a:xfrm>
+          <a:prstGeom prst="rect">
+            <a:avLst/>
+          </a:prstGeom>
+        </p:spPr>
+        <p:style>
+          <a:lnRef idx="2">
+            <a:schemeClr val="accent1">
+              <a:shade val="50000"/>
+            </a:schemeClr>
+          </a:lnRef>
+          <a:fillRef idx="1">
+            <a:schemeClr val="accent1"/>
+          </a:fillRef>
+          <a:effectRef idx="0">
+            <a:schemeClr val="accent1"/>
+          </a:effectRef>
+          <a:fontRef idx="minor">
+            <a:schemeClr val="lt1"/>
+          </a:fontRef>
+        </p:style>
+        <p:txBody>
+          <a:bodyPr rtlCol="0" anchor="ctr"/>
+          <a:lstStyle/>
+          <a:p>
+            <a:pPr algn="ctr"/>
+            <a:endParaRPr lang="en-US" dirty="0"/>
+          </a:p>
+        </p:txBody>
+      </p:sp>
+      <p:sp>
+        <p:nvSpPr>
+          <p:cNvPr id="25" name="Rectangle 24">
+            <a:extLst>
+              <a:ext uri="{FF2B5EF4-FFF2-40B4-BE49-F238E27FC236}">
+                <a16:creationId xmlns:a16="http://schemas.microsoft.com/office/drawing/2014/main" id="{63CD47E0-DB80-89E8-6F1E-47D20AB669F9}"/>
+              </a:ext>
+            </a:extLst>
+          </p:cNvPr>
+          <p:cNvSpPr/>
+          <p:nvPr/>
+        </p:nvSpPr>
+        <p:spPr>
+          <a:xfrm>
+            <a:off x="8014897" y="4461355"/>
+            <a:ext cx="45719" cy="960412"/>
+          </a:xfrm>
+          <a:prstGeom prst="rect">
+            <a:avLst/>
+          </a:prstGeom>
+        </p:spPr>
+        <p:style>
+          <a:lnRef idx="2">
+            <a:schemeClr val="accent1">
+              <a:shade val="50000"/>
+            </a:schemeClr>
+          </a:lnRef>
+          <a:fillRef idx="1">
+            <a:schemeClr val="accent1"/>
+          </a:fillRef>
+          <a:effectRef idx="0">
+            <a:schemeClr val="accent1"/>
+          </a:effectRef>
+          <a:fontRef idx="minor">
+            <a:schemeClr val="lt1"/>
+          </a:fontRef>
+        </p:style>
+        <p:txBody>
+          <a:bodyPr rtlCol="0" anchor="ctr"/>
+          <a:lstStyle/>
+          <a:p>
+            <a:pPr algn="ctr"/>
+            <a:endParaRPr lang="en-US" dirty="0"/>
+          </a:p>
+        </p:txBody>
+      </p:sp>
+      <p:sp>
+        <p:nvSpPr>
+          <p:cNvPr id="26" name="Arrow: Right 25">
+            <a:extLst>
+              <a:ext uri="{FF2B5EF4-FFF2-40B4-BE49-F238E27FC236}">
+                <a16:creationId xmlns:a16="http://schemas.microsoft.com/office/drawing/2014/main" id="{A0543648-9EAF-5AB0-15E2-6B4727FEBC4C}"/>
+              </a:ext>
+            </a:extLst>
+          </p:cNvPr>
+          <p:cNvSpPr/>
+          <p:nvPr/>
+        </p:nvSpPr>
+        <p:spPr>
+          <a:xfrm>
+            <a:off x="8417499" y="4695901"/>
+            <a:ext cx="900752" cy="491319"/>
+          </a:xfrm>
+          <a:prstGeom prst="rightArrow">
+            <a:avLst/>
+          </a:prstGeom>
+        </p:spPr>
+        <p:style>
+          <a:lnRef idx="2">
+            <a:schemeClr val="accent1">
+              <a:shade val="50000"/>
+            </a:schemeClr>
+          </a:lnRef>
+          <a:fillRef idx="1">
+            <a:schemeClr val="accent1"/>
+          </a:fillRef>
+          <a:effectRef idx="0">
+            <a:schemeClr val="accent1"/>
+          </a:effectRef>
+          <a:fontRef idx="minor">
+            <a:schemeClr val="lt1"/>
+          </a:fontRef>
+        </p:style>
+        <p:txBody>
+          <a:bodyPr rtlCol="0" anchor="ctr"/>
+          <a:lstStyle/>
+          <a:p>
+            <a:pPr algn="ctr"/>
+            <a:endParaRPr lang="en-US"/>
+          </a:p>
+        </p:txBody>
+      </p:sp>
+      <p:sp>
+        <p:nvSpPr>
+          <p:cNvPr id="27" name="Rectangle 26">
+            <a:extLst>
+              <a:ext uri="{FF2B5EF4-FFF2-40B4-BE49-F238E27FC236}">
+                <a16:creationId xmlns:a16="http://schemas.microsoft.com/office/drawing/2014/main" id="{373D697C-CE1F-6B47-3A9E-6BC4E7CB0BBB}"/>
+              </a:ext>
+            </a:extLst>
+          </p:cNvPr>
+          <p:cNvSpPr/>
+          <p:nvPr/>
+        </p:nvSpPr>
+        <p:spPr>
+          <a:xfrm>
+            <a:off x="9400139" y="4462821"/>
+            <a:ext cx="1909545" cy="915471"/>
+          </a:xfrm>
+          <a:prstGeom prst="rect">
+            <a:avLst/>
+          </a:prstGeom>
+        </p:spPr>
+        <p:style>
+          <a:lnRef idx="2">
+            <a:schemeClr val="accent1">
+              <a:shade val="50000"/>
+            </a:schemeClr>
+          </a:lnRef>
+          <a:fillRef idx="1">
+            <a:schemeClr val="accent1"/>
+          </a:fillRef>
+          <a:effectRef idx="0">
+            <a:schemeClr val="accent1"/>
+          </a:effectRef>
+          <a:fontRef idx="minor">
+            <a:schemeClr val="lt1"/>
+          </a:fontRef>
+        </p:style>
+        <p:txBody>
+          <a:bodyPr rtlCol="0" anchor="ctr"/>
+          <a:lstStyle/>
+          <a:p>
+            <a:pPr algn="ctr"/>
+            <a:endParaRPr lang="en-US"/>
+          </a:p>
+        </p:txBody>
+      </p:sp>
+      <p:cxnSp>
+        <p:nvCxnSpPr>
+          <p:cNvPr id="31" name="Connector: Elbow 30">
+            <a:extLst>
+              <a:ext uri="{FF2B5EF4-FFF2-40B4-BE49-F238E27FC236}">
+                <a16:creationId xmlns:a16="http://schemas.microsoft.com/office/drawing/2014/main" id="{BFBF6CFC-E5D2-3C49-C38C-4A9E31BD6CBE}"/>
+              </a:ext>
+            </a:extLst>
+          </p:cNvPr>
+          <p:cNvCxnSpPr>
+            <a:stCxn id="12" idx="0"/>
+            <a:endCxn id="3" idx="2"/>
+          </p:cNvCxnSpPr>
+          <p:nvPr/>
+        </p:nvCxnSpPr>
+        <p:spPr>
+          <a:xfrm rot="16200000" flipV="1">
+            <a:off x="4928974" y="2017169"/>
+            <a:ext cx="1040361" cy="3864023"/>
+          </a:xfrm>
+          <a:prstGeom prst="bentConnector3">
+            <a:avLst/>
+          </a:prstGeom>
+          <a:ln>
+            <a:tailEnd type="triangle"/>
+          </a:ln>
+        </p:spPr>
+        <p:style>
+          <a:lnRef idx="1">
+            <a:schemeClr val="accent1"/>
+          </a:lnRef>
+          <a:fillRef idx="0">
+            <a:schemeClr val="accent1"/>
+          </a:fillRef>
+          <a:effectRef idx="0">
+            <a:schemeClr val="accent1"/>
+          </a:effectRef>
+          <a:fontRef idx="minor">
+            <a:schemeClr val="tx1"/>
+          </a:fontRef>
+        </p:style>
+      </p:cxnSp>
+      <p:cxnSp>
+        <p:nvCxnSpPr>
+          <p:cNvPr id="33" name="Straight Arrow Connector 32">
+            <a:extLst>
+              <a:ext uri="{FF2B5EF4-FFF2-40B4-BE49-F238E27FC236}">
+                <a16:creationId xmlns:a16="http://schemas.microsoft.com/office/drawing/2014/main" id="{3D8E63A8-3B50-5CEE-19EA-A49D1BB7155E}"/>
+              </a:ext>
+            </a:extLst>
+          </p:cNvPr>
+          <p:cNvCxnSpPr>
+            <a:stCxn id="27" idx="0"/>
+          </p:cNvCxnSpPr>
+          <p:nvPr/>
+        </p:nvCxnSpPr>
+        <p:spPr>
+          <a:xfrm flipV="1">
+            <a:off x="10354912" y="3248167"/>
+            <a:ext cx="17387" cy="1214654"/>
+          </a:xfrm>
+          <a:prstGeom prst="straightConnector1">
+            <a:avLst/>
+          </a:prstGeom>
+          <a:ln>
+            <a:tailEnd type="triangle"/>
+          </a:ln>
+        </p:spPr>
+        <p:style>
+          <a:lnRef idx="1">
+            <a:schemeClr val="accent1"/>
+          </a:lnRef>
+          <a:fillRef idx="0">
+            <a:schemeClr val="accent1"/>
+          </a:fillRef>
+          <a:effectRef idx="0">
+            <a:schemeClr val="accent1"/>
+          </a:effectRef>
+          <a:fontRef idx="minor">
+            <a:schemeClr val="tx1"/>
+          </a:fontRef>
+        </p:style>
+      </p:cxnSp>
+      <p:sp>
+        <p:nvSpPr>
+          <p:cNvPr id="34" name="TextBox 33">
+            <a:extLst>
+              <a:ext uri="{FF2B5EF4-FFF2-40B4-BE49-F238E27FC236}">
+                <a16:creationId xmlns:a16="http://schemas.microsoft.com/office/drawing/2014/main" id="{AD876A90-32C3-5F21-AA59-F50194D9F016}"/>
+              </a:ext>
+            </a:extLst>
+          </p:cNvPr>
+          <p:cNvSpPr txBox="1"/>
+          <p:nvPr/>
+        </p:nvSpPr>
+        <p:spPr>
+          <a:xfrm flipH="1">
+            <a:off x="9885755" y="2961564"/>
+            <a:ext cx="1351255" cy="369332"/>
+          </a:xfrm>
+          <a:prstGeom prst="rect">
+            <a:avLst/>
+          </a:prstGeom>
+          <a:noFill/>
+        </p:spPr>
+        <p:txBody>
+          <a:bodyPr wrap="square" rtlCol="0">
+            <a:spAutoFit/>
+          </a:bodyPr>
+          <a:lstStyle/>
+          <a:p>
+            <a:r>
+              <a:rPr lang="en-US" dirty="0"/>
+              <a:t>Data Chunk</a:t>
+            </a:r>
+          </a:p>
+        </p:txBody>
+      </p:sp>
+    </p:spTree>
+    <p:extLst>
+      <p:ext uri="{BB962C8B-B14F-4D97-AF65-F5344CB8AC3E}">
+        <p14:creationId xmlns:p14="http://schemas.microsoft.com/office/powerpoint/2010/main" val="1648593221"/>
+      </p:ext>
+    </p:extLst>
+  </p:cSld>
+  <p:clrMapOvr>
+    <a:masterClrMapping/>
+  </p:clrMapOvr>
+</p:sld>
+</file>
+
+<file path=ppt/slides/slide29.xml><?xml version="1.0" encoding="utf-8"?>
+<p:sld xmlns:a="http://schemas.openxmlformats.org/drawingml/2006/main" xmlns:r="http://schemas.openxmlformats.org/officeDocument/2006/relationships" xmlns:p="http://schemas.openxmlformats.org/presentationml/2006/main">
+  <p:cSld>
+    <p:spTree>
+      <p:nvGrpSpPr>
+        <p:cNvPr id="1" name=""/>
+        <p:cNvGrpSpPr/>
+        <p:nvPr/>
+      </p:nvGrpSpPr>
+      <p:grpSpPr>
+        <a:xfrm>
+          <a:off x="0" y="0"/>
+          <a:ext cx="0" cy="0"/>
+          <a:chOff x="0" y="0"/>
+          <a:chExt cx="0" cy="0"/>
+        </a:xfrm>
+      </p:grpSpPr>
+      <p:sp>
+        <p:nvSpPr>
+          <p:cNvPr id="2" name="Title 1">
+            <a:extLst>
+              <a:ext uri="{FF2B5EF4-FFF2-40B4-BE49-F238E27FC236}">
+                <a16:creationId xmlns:a16="http://schemas.microsoft.com/office/drawing/2014/main" id="{1428C503-D806-ADD3-545F-6C025892EDBB}"/>
+              </a:ext>
+            </a:extLst>
+          </p:cNvPr>
+          <p:cNvSpPr>
+            <a:spLocks noGrp="1"/>
+          </p:cNvSpPr>
+          <p:nvPr>
+            <p:ph type="title"/>
+          </p:nvPr>
+        </p:nvSpPr>
+        <p:spPr/>
+        <p:txBody>
+          <a:bodyPr/>
+          <a:lstStyle/>
+          <a:p>
+            <a:r>
+              <a:rPr lang="en-US" dirty="0"/>
+              <a:t>Type of Streams</a:t>
+            </a:r>
+          </a:p>
+        </p:txBody>
+      </p:sp>
+      <p:sp>
+        <p:nvSpPr>
+          <p:cNvPr id="3" name="Content Placeholder 2">
+            <a:extLst>
+              <a:ext uri="{FF2B5EF4-FFF2-40B4-BE49-F238E27FC236}">
+                <a16:creationId xmlns:a16="http://schemas.microsoft.com/office/drawing/2014/main" id="{01F8A79E-EFC2-A347-5406-5DFA55ED2C51}"/>
+              </a:ext>
+            </a:extLst>
+          </p:cNvPr>
+          <p:cNvSpPr>
+            <a:spLocks noGrp="1"/>
+          </p:cNvSpPr>
+          <p:nvPr>
+            <p:ph idx="1"/>
+          </p:nvPr>
+        </p:nvSpPr>
+        <p:spPr/>
+        <p:txBody>
+          <a:bodyPr>
+            <a:normAutofit/>
+          </a:bodyPr>
+          <a:lstStyle/>
+          <a:p>
+            <a:r>
+              <a:rPr lang="en-US" sz="4000" dirty="0"/>
+              <a:t>Readable – streams from which data can be read.</a:t>
+            </a:r>
+          </a:p>
+          <a:p>
+            <a:r>
+              <a:rPr lang="en-US" sz="4000" dirty="0"/>
+              <a:t>Writable – streams to which data can be written.</a:t>
+            </a:r>
+          </a:p>
+          <a:p>
+            <a:r>
+              <a:rPr lang="en-US" sz="4000" dirty="0"/>
+              <a:t>Duplex – streams that are both readable and writable.</a:t>
+            </a:r>
+          </a:p>
+          <a:p>
+            <a:r>
+              <a:rPr lang="en-US" sz="4000" dirty="0"/>
+              <a:t>Transform – duplex streams that can modify or transform the data as it is written and read.</a:t>
+            </a:r>
+          </a:p>
+        </p:txBody>
+      </p:sp>
+    </p:spTree>
+    <p:extLst>
+      <p:ext uri="{BB962C8B-B14F-4D97-AF65-F5344CB8AC3E}">
+        <p14:creationId xmlns:p14="http://schemas.microsoft.com/office/powerpoint/2010/main" val="2585815139"/>
+      </p:ext>
+    </p:extLst>
+  </p:cSld>
+  <p:clrMapOvr>
+    <a:masterClrMapping/>
+  </p:clrMapOvr>
+</p:sld>
+</file>
+
 <file path=ppt/slides/slide3.xml><?xml version="1.0" encoding="utf-8"?>
 <p:sld xmlns:a="http://schemas.openxmlformats.org/drawingml/2006/main" xmlns:r="http://schemas.openxmlformats.org/officeDocument/2006/relationships" xmlns:p="http://schemas.openxmlformats.org/presentationml/2006/main">
   <p:cSld>
@@ -13198,6 +14752,1923 @@
     <p:extLst>
       <p:ext uri="{BB962C8B-B14F-4D97-AF65-F5344CB8AC3E}">
         <p14:creationId xmlns:p14="http://schemas.microsoft.com/office/powerpoint/2010/main" val="2700695170"/>
+      </p:ext>
+    </p:extLst>
+  </p:cSld>
+  <p:clrMapOvr>
+    <a:masterClrMapping/>
+  </p:clrMapOvr>
+</p:sld>
+</file>
+
+<file path=ppt/slides/slide30.xml><?xml version="1.0" encoding="utf-8"?>
+<p:sld xmlns:a="http://schemas.openxmlformats.org/drawingml/2006/main" xmlns:r="http://schemas.openxmlformats.org/officeDocument/2006/relationships" xmlns:p="http://schemas.openxmlformats.org/presentationml/2006/main">
+  <p:cSld>
+    <p:spTree>
+      <p:nvGrpSpPr>
+        <p:cNvPr id="1" name=""/>
+        <p:cNvGrpSpPr/>
+        <p:nvPr/>
+      </p:nvGrpSpPr>
+      <p:grpSpPr>
+        <a:xfrm>
+          <a:off x="0" y="0"/>
+          <a:ext cx="0" cy="0"/>
+          <a:chOff x="0" y="0"/>
+          <a:chExt cx="0" cy="0"/>
+        </a:xfrm>
+      </p:grpSpPr>
+      <p:sp>
+        <p:nvSpPr>
+          <p:cNvPr id="2" name="Title 1">
+            <a:extLst>
+              <a:ext uri="{FF2B5EF4-FFF2-40B4-BE49-F238E27FC236}">
+                <a16:creationId xmlns:a16="http://schemas.microsoft.com/office/drawing/2014/main" id="{6242639D-9B6C-D4B0-7FCB-903CF4987C3A}"/>
+              </a:ext>
+            </a:extLst>
+          </p:cNvPr>
+          <p:cNvSpPr>
+            <a:spLocks noGrp="1"/>
+          </p:cNvSpPr>
+          <p:nvPr>
+            <p:ph type="title"/>
+          </p:nvPr>
+        </p:nvSpPr>
+        <p:spPr>
+          <a:xfrm>
+            <a:off x="286605" y="310617"/>
+            <a:ext cx="10515600" cy="507790"/>
+          </a:xfrm>
+        </p:spPr>
+        <p:txBody>
+          <a:bodyPr>
+            <a:normAutofit fontScale="90000"/>
+          </a:bodyPr>
+          <a:lstStyle/>
+          <a:p>
+            <a:r>
+              <a:rPr lang="en-US" dirty="0"/>
+              <a:t>Streams</a:t>
+            </a:r>
+          </a:p>
+        </p:txBody>
+      </p:sp>
+      <p:sp>
+        <p:nvSpPr>
+          <p:cNvPr id="3" name="Content Placeholder 2">
+            <a:extLst>
+              <a:ext uri="{FF2B5EF4-FFF2-40B4-BE49-F238E27FC236}">
+                <a16:creationId xmlns:a16="http://schemas.microsoft.com/office/drawing/2014/main" id="{6525F060-811B-FBD8-ED48-3D848C9BB37E}"/>
+              </a:ext>
+            </a:extLst>
+          </p:cNvPr>
+          <p:cNvSpPr>
+            <a:spLocks noGrp="1"/>
+          </p:cNvSpPr>
+          <p:nvPr>
+            <p:ph idx="1"/>
+          </p:nvPr>
+        </p:nvSpPr>
+        <p:spPr>
+          <a:xfrm>
+            <a:off x="904381" y="969669"/>
+            <a:ext cx="10639567" cy="912503"/>
+          </a:xfrm>
+        </p:spPr>
+        <p:txBody>
+          <a:bodyPr/>
+          <a:lstStyle/>
+          <a:p>
+            <a:r>
+              <a:rPr lang="en-US" dirty="0"/>
+              <a:t>Streams in Node.js read data from a source or write data to a destination in continuous.</a:t>
+            </a:r>
+          </a:p>
+        </p:txBody>
+      </p:sp>
+      <p:grpSp>
+        <p:nvGrpSpPr>
+          <p:cNvPr id="52" name="Group 51">
+            <a:extLst>
+              <a:ext uri="{FF2B5EF4-FFF2-40B4-BE49-F238E27FC236}">
+                <a16:creationId xmlns:a16="http://schemas.microsoft.com/office/drawing/2014/main" id="{1E991A29-9D23-22EA-E651-9A716C61B33D}"/>
+              </a:ext>
+            </a:extLst>
+          </p:cNvPr>
+          <p:cNvGrpSpPr/>
+          <p:nvPr/>
+        </p:nvGrpSpPr>
+        <p:grpSpPr>
+          <a:xfrm>
+            <a:off x="84158" y="2156343"/>
+            <a:ext cx="11803042" cy="2595349"/>
+            <a:chOff x="84158" y="2715904"/>
+            <a:chExt cx="11803042" cy="2595349"/>
+          </a:xfrm>
+        </p:grpSpPr>
+        <p:grpSp>
+          <p:nvGrpSpPr>
+            <p:cNvPr id="7" name="Group 6">
+              <a:extLst>
+                <a:ext uri="{FF2B5EF4-FFF2-40B4-BE49-F238E27FC236}">
+                  <a16:creationId xmlns:a16="http://schemas.microsoft.com/office/drawing/2014/main" id="{9E104FE4-BD78-5A89-6341-62B2DEC751CC}"/>
+                </a:ext>
+              </a:extLst>
+            </p:cNvPr>
+            <p:cNvGrpSpPr/>
+            <p:nvPr/>
+          </p:nvGrpSpPr>
+          <p:grpSpPr>
+            <a:xfrm>
+              <a:off x="286605" y="4271752"/>
+              <a:ext cx="832762" cy="960412"/>
+              <a:chOff x="2988862" y="4517412"/>
+              <a:chExt cx="1214646" cy="960412"/>
+            </a:xfrm>
+          </p:grpSpPr>
+          <p:sp>
+            <p:nvSpPr>
+              <p:cNvPr id="5" name="Arrow: Right 4">
+                <a:extLst>
+                  <a:ext uri="{FF2B5EF4-FFF2-40B4-BE49-F238E27FC236}">
+                    <a16:creationId xmlns:a16="http://schemas.microsoft.com/office/drawing/2014/main" id="{81E14847-3B2B-2F17-FF97-709C4030EA18}"/>
+                  </a:ext>
+                </a:extLst>
+              </p:cNvPr>
+              <p:cNvSpPr/>
+              <p:nvPr/>
+            </p:nvSpPr>
+            <p:spPr>
+              <a:xfrm>
+                <a:off x="2988862" y="4763069"/>
+                <a:ext cx="900752" cy="491319"/>
+              </a:xfrm>
+              <a:prstGeom prst="rightArrow">
+                <a:avLst/>
+              </a:prstGeom>
+            </p:spPr>
+            <p:style>
+              <a:lnRef idx="2">
+                <a:schemeClr val="accent1">
+                  <a:shade val="50000"/>
+                </a:schemeClr>
+              </a:lnRef>
+              <a:fillRef idx="1">
+                <a:schemeClr val="accent1"/>
+              </a:fillRef>
+              <a:effectRef idx="0">
+                <a:schemeClr val="accent1"/>
+              </a:effectRef>
+              <a:fontRef idx="minor">
+                <a:schemeClr val="lt1"/>
+              </a:fontRef>
+            </p:style>
+            <p:txBody>
+              <a:bodyPr rtlCol="0" anchor="ctr"/>
+              <a:lstStyle/>
+              <a:p>
+                <a:pPr algn="ctr"/>
+                <a:endParaRPr lang="en-US"/>
+              </a:p>
+            </p:txBody>
+          </p:sp>
+          <p:sp>
+            <p:nvSpPr>
+              <p:cNvPr id="6" name="Rectangle 5">
+                <a:extLst>
+                  <a:ext uri="{FF2B5EF4-FFF2-40B4-BE49-F238E27FC236}">
+                    <a16:creationId xmlns:a16="http://schemas.microsoft.com/office/drawing/2014/main" id="{40AEAFE6-7914-8762-80BA-6B0612E99C10}"/>
+                  </a:ext>
+                </a:extLst>
+              </p:cNvPr>
+              <p:cNvSpPr/>
+              <p:nvPr/>
+            </p:nvSpPr>
+            <p:spPr>
+              <a:xfrm flipH="1">
+                <a:off x="4005615" y="4517412"/>
+                <a:ext cx="197893" cy="960412"/>
+              </a:xfrm>
+              <a:prstGeom prst="rect">
+                <a:avLst/>
+              </a:prstGeom>
+            </p:spPr>
+            <p:style>
+              <a:lnRef idx="2">
+                <a:schemeClr val="accent1">
+                  <a:shade val="50000"/>
+                </a:schemeClr>
+              </a:lnRef>
+              <a:fillRef idx="1">
+                <a:schemeClr val="accent1"/>
+              </a:fillRef>
+              <a:effectRef idx="0">
+                <a:schemeClr val="accent1"/>
+              </a:effectRef>
+              <a:fontRef idx="minor">
+                <a:schemeClr val="lt1"/>
+              </a:fontRef>
+            </p:style>
+            <p:txBody>
+              <a:bodyPr rtlCol="0" anchor="ctr"/>
+              <a:lstStyle/>
+              <a:p>
+                <a:pPr algn="ctr"/>
+                <a:endParaRPr lang="en-US" dirty="0"/>
+              </a:p>
+            </p:txBody>
+          </p:sp>
+        </p:grpSp>
+        <p:sp>
+          <p:nvSpPr>
+            <p:cNvPr id="9" name="Arrow: Right 8">
+              <a:extLst>
+                <a:ext uri="{FF2B5EF4-FFF2-40B4-BE49-F238E27FC236}">
+                  <a16:creationId xmlns:a16="http://schemas.microsoft.com/office/drawing/2014/main" id="{EA1ADB63-D2FA-DA7B-526D-22AA2269B8D4}"/>
+                </a:ext>
+              </a:extLst>
+            </p:cNvPr>
+            <p:cNvSpPr/>
+            <p:nvPr/>
+          </p:nvSpPr>
+          <p:spPr>
+            <a:xfrm>
+              <a:off x="1217613" y="4469358"/>
+              <a:ext cx="617556" cy="491319"/>
+            </a:xfrm>
+            <a:prstGeom prst="rightArrow">
+              <a:avLst/>
+            </a:prstGeom>
+          </p:spPr>
+          <p:style>
+            <a:lnRef idx="2">
+              <a:schemeClr val="accent1">
+                <a:shade val="50000"/>
+              </a:schemeClr>
+            </a:lnRef>
+            <a:fillRef idx="1">
+              <a:schemeClr val="accent1"/>
+            </a:fillRef>
+            <a:effectRef idx="0">
+              <a:schemeClr val="accent1"/>
+            </a:effectRef>
+            <a:fontRef idx="minor">
+              <a:schemeClr val="lt1"/>
+            </a:fontRef>
+          </p:style>
+          <p:txBody>
+            <a:bodyPr rtlCol="0" anchor="ctr"/>
+            <a:lstStyle/>
+            <a:p>
+              <a:pPr algn="ctr"/>
+              <a:endParaRPr lang="en-US"/>
+            </a:p>
+          </p:txBody>
+        </p:sp>
+        <p:sp>
+          <p:nvSpPr>
+            <p:cNvPr id="10" name="Rectangle 9">
+              <a:extLst>
+                <a:ext uri="{FF2B5EF4-FFF2-40B4-BE49-F238E27FC236}">
+                  <a16:creationId xmlns:a16="http://schemas.microsoft.com/office/drawing/2014/main" id="{8FDB7075-FC30-622C-7B44-307F0DAF7C94}"/>
+                </a:ext>
+              </a:extLst>
+            </p:cNvPr>
+            <p:cNvSpPr/>
+            <p:nvPr/>
+          </p:nvSpPr>
+          <p:spPr>
+            <a:xfrm flipH="1">
+              <a:off x="1914700" y="4223701"/>
+              <a:ext cx="135676" cy="960412"/>
+            </a:xfrm>
+            <a:prstGeom prst="rect">
+              <a:avLst/>
+            </a:prstGeom>
+          </p:spPr>
+          <p:style>
+            <a:lnRef idx="2">
+              <a:schemeClr val="accent1">
+                <a:shade val="50000"/>
+              </a:schemeClr>
+            </a:lnRef>
+            <a:fillRef idx="1">
+              <a:schemeClr val="accent1"/>
+            </a:fillRef>
+            <a:effectRef idx="0">
+              <a:schemeClr val="accent1"/>
+            </a:effectRef>
+            <a:fontRef idx="minor">
+              <a:schemeClr val="lt1"/>
+            </a:fontRef>
+          </p:style>
+          <p:txBody>
+            <a:bodyPr rtlCol="0" anchor="ctr"/>
+            <a:lstStyle/>
+            <a:p>
+              <a:pPr algn="ctr"/>
+              <a:endParaRPr lang="en-US" dirty="0"/>
+            </a:p>
+          </p:txBody>
+        </p:sp>
+        <p:sp>
+          <p:nvSpPr>
+            <p:cNvPr id="11" name="Arrow: Right 10">
+              <a:extLst>
+                <a:ext uri="{FF2B5EF4-FFF2-40B4-BE49-F238E27FC236}">
+                  <a16:creationId xmlns:a16="http://schemas.microsoft.com/office/drawing/2014/main" id="{51B2E1DD-4FF7-FAD2-8782-46716B1E541A}"/>
+                </a:ext>
+              </a:extLst>
+            </p:cNvPr>
+            <p:cNvSpPr/>
+            <p:nvPr/>
+          </p:nvSpPr>
+          <p:spPr>
+            <a:xfrm>
+              <a:off x="2108083" y="4469358"/>
+              <a:ext cx="617556" cy="491319"/>
+            </a:xfrm>
+            <a:prstGeom prst="rightArrow">
+              <a:avLst/>
+            </a:prstGeom>
+          </p:spPr>
+          <p:style>
+            <a:lnRef idx="2">
+              <a:schemeClr val="accent1">
+                <a:shade val="50000"/>
+              </a:schemeClr>
+            </a:lnRef>
+            <a:fillRef idx="1">
+              <a:schemeClr val="accent1"/>
+            </a:fillRef>
+            <a:effectRef idx="0">
+              <a:schemeClr val="accent1"/>
+            </a:effectRef>
+            <a:fontRef idx="minor">
+              <a:schemeClr val="lt1"/>
+            </a:fontRef>
+          </p:style>
+          <p:txBody>
+            <a:bodyPr rtlCol="0" anchor="ctr"/>
+            <a:lstStyle/>
+            <a:p>
+              <a:pPr algn="ctr"/>
+              <a:endParaRPr lang="en-US"/>
+            </a:p>
+          </p:txBody>
+        </p:sp>
+        <p:sp>
+          <p:nvSpPr>
+            <p:cNvPr id="12" name="Rectangle 11">
+              <a:extLst>
+                <a:ext uri="{FF2B5EF4-FFF2-40B4-BE49-F238E27FC236}">
+                  <a16:creationId xmlns:a16="http://schemas.microsoft.com/office/drawing/2014/main" id="{17191E45-78EF-F73E-9F15-7F624C34638E}"/>
+                </a:ext>
+              </a:extLst>
+            </p:cNvPr>
+            <p:cNvSpPr/>
+            <p:nvPr/>
+          </p:nvSpPr>
+          <p:spPr>
+            <a:xfrm>
+              <a:off x="2716283" y="4223701"/>
+              <a:ext cx="1163377" cy="960412"/>
+            </a:xfrm>
+            <a:prstGeom prst="rect">
+              <a:avLst/>
+            </a:prstGeom>
+          </p:spPr>
+          <p:style>
+            <a:lnRef idx="2">
+              <a:schemeClr val="accent6"/>
+            </a:lnRef>
+            <a:fillRef idx="1">
+              <a:schemeClr val="lt1"/>
+            </a:fillRef>
+            <a:effectRef idx="0">
+              <a:schemeClr val="accent6"/>
+            </a:effectRef>
+            <a:fontRef idx="minor">
+              <a:schemeClr val="dk1"/>
+            </a:fontRef>
+          </p:style>
+          <p:txBody>
+            <a:bodyPr rtlCol="0" anchor="ctr"/>
+            <a:lstStyle/>
+            <a:p>
+              <a:pPr algn="ctr"/>
+              <a:endParaRPr lang="en-US"/>
+            </a:p>
+          </p:txBody>
+        </p:sp>
+        <p:sp>
+          <p:nvSpPr>
+            <p:cNvPr id="16" name="Rectangle 15">
+              <a:extLst>
+                <a:ext uri="{FF2B5EF4-FFF2-40B4-BE49-F238E27FC236}">
+                  <a16:creationId xmlns:a16="http://schemas.microsoft.com/office/drawing/2014/main" id="{A8583BBE-3A8D-1D71-CD2B-323C92F4410C}"/>
+                </a:ext>
+              </a:extLst>
+            </p:cNvPr>
+            <p:cNvSpPr/>
+            <p:nvPr/>
+          </p:nvSpPr>
+          <p:spPr>
+            <a:xfrm>
+              <a:off x="2799546" y="4235313"/>
+              <a:ext cx="31345" cy="960412"/>
+            </a:xfrm>
+            <a:prstGeom prst="rect">
+              <a:avLst/>
+            </a:prstGeom>
+          </p:spPr>
+          <p:style>
+            <a:lnRef idx="2">
+              <a:schemeClr val="accent1">
+                <a:shade val="50000"/>
+              </a:schemeClr>
+            </a:lnRef>
+            <a:fillRef idx="1">
+              <a:schemeClr val="accent1"/>
+            </a:fillRef>
+            <a:effectRef idx="0">
+              <a:schemeClr val="accent1"/>
+            </a:effectRef>
+            <a:fontRef idx="minor">
+              <a:schemeClr val="lt1"/>
+            </a:fontRef>
+          </p:style>
+          <p:txBody>
+            <a:bodyPr rtlCol="0" anchor="ctr"/>
+            <a:lstStyle/>
+            <a:p>
+              <a:pPr algn="ctr"/>
+              <a:endParaRPr lang="en-US" dirty="0"/>
+            </a:p>
+          </p:txBody>
+        </p:sp>
+        <p:sp>
+          <p:nvSpPr>
+            <p:cNvPr id="17" name="Rectangle 16">
+              <a:extLst>
+                <a:ext uri="{FF2B5EF4-FFF2-40B4-BE49-F238E27FC236}">
+                  <a16:creationId xmlns:a16="http://schemas.microsoft.com/office/drawing/2014/main" id="{D4E7DF84-F7A7-1313-FEE5-1491D8DAFE24}"/>
+                </a:ext>
+              </a:extLst>
+            </p:cNvPr>
+            <p:cNvSpPr/>
+            <p:nvPr/>
+          </p:nvSpPr>
+          <p:spPr>
+            <a:xfrm>
+              <a:off x="2904797" y="4223701"/>
+              <a:ext cx="31345" cy="960412"/>
+            </a:xfrm>
+            <a:prstGeom prst="rect">
+              <a:avLst/>
+            </a:prstGeom>
+          </p:spPr>
+          <p:style>
+            <a:lnRef idx="2">
+              <a:schemeClr val="accent1">
+                <a:shade val="50000"/>
+              </a:schemeClr>
+            </a:lnRef>
+            <a:fillRef idx="1">
+              <a:schemeClr val="accent1"/>
+            </a:fillRef>
+            <a:effectRef idx="0">
+              <a:schemeClr val="accent1"/>
+            </a:effectRef>
+            <a:fontRef idx="minor">
+              <a:schemeClr val="lt1"/>
+            </a:fontRef>
+          </p:style>
+          <p:txBody>
+            <a:bodyPr rtlCol="0" anchor="ctr"/>
+            <a:lstStyle/>
+            <a:p>
+              <a:pPr algn="ctr"/>
+              <a:endParaRPr lang="en-US" dirty="0"/>
+            </a:p>
+          </p:txBody>
+        </p:sp>
+        <p:sp>
+          <p:nvSpPr>
+            <p:cNvPr id="18" name="Rectangle 17">
+              <a:extLst>
+                <a:ext uri="{FF2B5EF4-FFF2-40B4-BE49-F238E27FC236}">
+                  <a16:creationId xmlns:a16="http://schemas.microsoft.com/office/drawing/2014/main" id="{6907928A-C7D1-D364-29D7-DA5C256AD454}"/>
+                </a:ext>
+              </a:extLst>
+            </p:cNvPr>
+            <p:cNvSpPr/>
+            <p:nvPr/>
+          </p:nvSpPr>
+          <p:spPr>
+            <a:xfrm>
+              <a:off x="3010048" y="4223701"/>
+              <a:ext cx="31345" cy="960412"/>
+            </a:xfrm>
+            <a:prstGeom prst="rect">
+              <a:avLst/>
+            </a:prstGeom>
+          </p:spPr>
+          <p:style>
+            <a:lnRef idx="2">
+              <a:schemeClr val="accent1">
+                <a:shade val="50000"/>
+              </a:schemeClr>
+            </a:lnRef>
+            <a:fillRef idx="1">
+              <a:schemeClr val="accent1"/>
+            </a:fillRef>
+            <a:effectRef idx="0">
+              <a:schemeClr val="accent1"/>
+            </a:effectRef>
+            <a:fontRef idx="minor">
+              <a:schemeClr val="lt1"/>
+            </a:fontRef>
+          </p:style>
+          <p:txBody>
+            <a:bodyPr rtlCol="0" anchor="ctr"/>
+            <a:lstStyle/>
+            <a:p>
+              <a:pPr algn="ctr"/>
+              <a:endParaRPr lang="en-US" dirty="0"/>
+            </a:p>
+          </p:txBody>
+        </p:sp>
+        <p:sp>
+          <p:nvSpPr>
+            <p:cNvPr id="19" name="Rectangle 18">
+              <a:extLst>
+                <a:ext uri="{FF2B5EF4-FFF2-40B4-BE49-F238E27FC236}">
+                  <a16:creationId xmlns:a16="http://schemas.microsoft.com/office/drawing/2014/main" id="{22683F6D-9EDC-7CC2-B047-6086CCA87FEB}"/>
+                </a:ext>
+              </a:extLst>
+            </p:cNvPr>
+            <p:cNvSpPr/>
+            <p:nvPr/>
+          </p:nvSpPr>
+          <p:spPr>
+            <a:xfrm>
+              <a:off x="3115300" y="4244458"/>
+              <a:ext cx="31345" cy="960412"/>
+            </a:xfrm>
+            <a:prstGeom prst="rect">
+              <a:avLst/>
+            </a:prstGeom>
+          </p:spPr>
+          <p:style>
+            <a:lnRef idx="2">
+              <a:schemeClr val="accent1">
+                <a:shade val="50000"/>
+              </a:schemeClr>
+            </a:lnRef>
+            <a:fillRef idx="1">
+              <a:schemeClr val="accent1"/>
+            </a:fillRef>
+            <a:effectRef idx="0">
+              <a:schemeClr val="accent1"/>
+            </a:effectRef>
+            <a:fontRef idx="minor">
+              <a:schemeClr val="lt1"/>
+            </a:fontRef>
+          </p:style>
+          <p:txBody>
+            <a:bodyPr rtlCol="0" anchor="ctr"/>
+            <a:lstStyle/>
+            <a:p>
+              <a:pPr algn="ctr"/>
+              <a:endParaRPr lang="en-US" dirty="0"/>
+            </a:p>
+          </p:txBody>
+        </p:sp>
+        <p:sp>
+          <p:nvSpPr>
+            <p:cNvPr id="20" name="Rectangle 19">
+              <a:extLst>
+                <a:ext uri="{FF2B5EF4-FFF2-40B4-BE49-F238E27FC236}">
+                  <a16:creationId xmlns:a16="http://schemas.microsoft.com/office/drawing/2014/main" id="{7AB925C9-D2B8-54FD-C8A8-2EE917E42216}"/>
+                </a:ext>
+              </a:extLst>
+            </p:cNvPr>
+            <p:cNvSpPr/>
+            <p:nvPr/>
+          </p:nvSpPr>
+          <p:spPr>
+            <a:xfrm>
+              <a:off x="3210831" y="4219698"/>
+              <a:ext cx="31345" cy="960412"/>
+            </a:xfrm>
+            <a:prstGeom prst="rect">
+              <a:avLst/>
+            </a:prstGeom>
+          </p:spPr>
+          <p:style>
+            <a:lnRef idx="2">
+              <a:schemeClr val="accent1">
+                <a:shade val="50000"/>
+              </a:schemeClr>
+            </a:lnRef>
+            <a:fillRef idx="1">
+              <a:schemeClr val="accent1"/>
+            </a:fillRef>
+            <a:effectRef idx="0">
+              <a:schemeClr val="accent1"/>
+            </a:effectRef>
+            <a:fontRef idx="minor">
+              <a:schemeClr val="lt1"/>
+            </a:fontRef>
+          </p:style>
+          <p:txBody>
+            <a:bodyPr rtlCol="0" anchor="ctr"/>
+            <a:lstStyle/>
+            <a:p>
+              <a:pPr algn="ctr"/>
+              <a:endParaRPr lang="en-US" dirty="0"/>
+            </a:p>
+          </p:txBody>
+        </p:sp>
+        <p:sp>
+          <p:nvSpPr>
+            <p:cNvPr id="21" name="Rectangle 20">
+              <a:extLst>
+                <a:ext uri="{FF2B5EF4-FFF2-40B4-BE49-F238E27FC236}">
+                  <a16:creationId xmlns:a16="http://schemas.microsoft.com/office/drawing/2014/main" id="{C7B2090E-4CE3-D023-B6A8-8943CD0C6BFA}"/>
+                </a:ext>
+              </a:extLst>
+            </p:cNvPr>
+            <p:cNvSpPr/>
+            <p:nvPr/>
+          </p:nvSpPr>
+          <p:spPr>
+            <a:xfrm>
+              <a:off x="3321173" y="4231310"/>
+              <a:ext cx="31345" cy="960412"/>
+            </a:xfrm>
+            <a:prstGeom prst="rect">
+              <a:avLst/>
+            </a:prstGeom>
+          </p:spPr>
+          <p:style>
+            <a:lnRef idx="2">
+              <a:schemeClr val="accent1">
+                <a:shade val="50000"/>
+              </a:schemeClr>
+            </a:lnRef>
+            <a:fillRef idx="1">
+              <a:schemeClr val="accent1"/>
+            </a:fillRef>
+            <a:effectRef idx="0">
+              <a:schemeClr val="accent1"/>
+            </a:effectRef>
+            <a:fontRef idx="minor">
+              <a:schemeClr val="lt1"/>
+            </a:fontRef>
+          </p:style>
+          <p:txBody>
+            <a:bodyPr rtlCol="0" anchor="ctr"/>
+            <a:lstStyle/>
+            <a:p>
+              <a:pPr algn="ctr"/>
+              <a:endParaRPr lang="en-US" dirty="0"/>
+            </a:p>
+          </p:txBody>
+        </p:sp>
+        <p:sp>
+          <p:nvSpPr>
+            <p:cNvPr id="22" name="Rectangle 21">
+              <a:extLst>
+                <a:ext uri="{FF2B5EF4-FFF2-40B4-BE49-F238E27FC236}">
+                  <a16:creationId xmlns:a16="http://schemas.microsoft.com/office/drawing/2014/main" id="{E10B7D37-C49B-7679-2A74-F687066DB58F}"/>
+                </a:ext>
+              </a:extLst>
+            </p:cNvPr>
+            <p:cNvSpPr/>
+            <p:nvPr/>
+          </p:nvSpPr>
+          <p:spPr>
+            <a:xfrm>
+              <a:off x="3426425" y="4219698"/>
+              <a:ext cx="31345" cy="960412"/>
+            </a:xfrm>
+            <a:prstGeom prst="rect">
+              <a:avLst/>
+            </a:prstGeom>
+          </p:spPr>
+          <p:style>
+            <a:lnRef idx="2">
+              <a:schemeClr val="accent1">
+                <a:shade val="50000"/>
+              </a:schemeClr>
+            </a:lnRef>
+            <a:fillRef idx="1">
+              <a:schemeClr val="accent1"/>
+            </a:fillRef>
+            <a:effectRef idx="0">
+              <a:schemeClr val="accent1"/>
+            </a:effectRef>
+            <a:fontRef idx="minor">
+              <a:schemeClr val="lt1"/>
+            </a:fontRef>
+          </p:style>
+          <p:txBody>
+            <a:bodyPr rtlCol="0" anchor="ctr"/>
+            <a:lstStyle/>
+            <a:p>
+              <a:pPr algn="ctr"/>
+              <a:endParaRPr lang="en-US" dirty="0"/>
+            </a:p>
+          </p:txBody>
+        </p:sp>
+        <p:sp>
+          <p:nvSpPr>
+            <p:cNvPr id="23" name="Rectangle 22">
+              <a:extLst>
+                <a:ext uri="{FF2B5EF4-FFF2-40B4-BE49-F238E27FC236}">
+                  <a16:creationId xmlns:a16="http://schemas.microsoft.com/office/drawing/2014/main" id="{4035CC24-2537-588D-3231-8AB0CC9CBEA5}"/>
+                </a:ext>
+              </a:extLst>
+            </p:cNvPr>
+            <p:cNvSpPr/>
+            <p:nvPr/>
+          </p:nvSpPr>
+          <p:spPr>
+            <a:xfrm>
+              <a:off x="3531676" y="4219698"/>
+              <a:ext cx="31345" cy="960412"/>
+            </a:xfrm>
+            <a:prstGeom prst="rect">
+              <a:avLst/>
+            </a:prstGeom>
+          </p:spPr>
+          <p:style>
+            <a:lnRef idx="2">
+              <a:schemeClr val="accent1">
+                <a:shade val="50000"/>
+              </a:schemeClr>
+            </a:lnRef>
+            <a:fillRef idx="1">
+              <a:schemeClr val="accent1"/>
+            </a:fillRef>
+            <a:effectRef idx="0">
+              <a:schemeClr val="accent1"/>
+            </a:effectRef>
+            <a:fontRef idx="minor">
+              <a:schemeClr val="lt1"/>
+            </a:fontRef>
+          </p:style>
+          <p:txBody>
+            <a:bodyPr rtlCol="0" anchor="ctr"/>
+            <a:lstStyle/>
+            <a:p>
+              <a:pPr algn="ctr"/>
+              <a:endParaRPr lang="en-US" dirty="0"/>
+            </a:p>
+          </p:txBody>
+        </p:sp>
+        <p:sp>
+          <p:nvSpPr>
+            <p:cNvPr id="24" name="Rectangle 23">
+              <a:extLst>
+                <a:ext uri="{FF2B5EF4-FFF2-40B4-BE49-F238E27FC236}">
+                  <a16:creationId xmlns:a16="http://schemas.microsoft.com/office/drawing/2014/main" id="{E75994D4-C2C2-1664-3B00-48FB0F187480}"/>
+                </a:ext>
+              </a:extLst>
+            </p:cNvPr>
+            <p:cNvSpPr/>
+            <p:nvPr/>
+          </p:nvSpPr>
+          <p:spPr>
+            <a:xfrm>
+              <a:off x="3636928" y="4240455"/>
+              <a:ext cx="31345" cy="960412"/>
+            </a:xfrm>
+            <a:prstGeom prst="rect">
+              <a:avLst/>
+            </a:prstGeom>
+          </p:spPr>
+          <p:style>
+            <a:lnRef idx="2">
+              <a:schemeClr val="accent1">
+                <a:shade val="50000"/>
+              </a:schemeClr>
+            </a:lnRef>
+            <a:fillRef idx="1">
+              <a:schemeClr val="accent1"/>
+            </a:fillRef>
+            <a:effectRef idx="0">
+              <a:schemeClr val="accent1"/>
+            </a:effectRef>
+            <a:fontRef idx="minor">
+              <a:schemeClr val="lt1"/>
+            </a:fontRef>
+          </p:style>
+          <p:txBody>
+            <a:bodyPr rtlCol="0" anchor="ctr"/>
+            <a:lstStyle/>
+            <a:p>
+              <a:pPr algn="ctr"/>
+              <a:endParaRPr lang="en-US" dirty="0"/>
+            </a:p>
+          </p:txBody>
+        </p:sp>
+        <p:sp>
+          <p:nvSpPr>
+            <p:cNvPr id="25" name="Rectangle 24">
+              <a:extLst>
+                <a:ext uri="{FF2B5EF4-FFF2-40B4-BE49-F238E27FC236}">
+                  <a16:creationId xmlns:a16="http://schemas.microsoft.com/office/drawing/2014/main" id="{63CD47E0-DB80-89E8-6F1E-47D20AB669F9}"/>
+                </a:ext>
+              </a:extLst>
+            </p:cNvPr>
+            <p:cNvSpPr/>
+            <p:nvPr/>
+          </p:nvSpPr>
+          <p:spPr>
+            <a:xfrm>
+              <a:off x="3732458" y="4215695"/>
+              <a:ext cx="31345" cy="960412"/>
+            </a:xfrm>
+            <a:prstGeom prst="rect">
+              <a:avLst/>
+            </a:prstGeom>
+          </p:spPr>
+          <p:style>
+            <a:lnRef idx="2">
+              <a:schemeClr val="accent1">
+                <a:shade val="50000"/>
+              </a:schemeClr>
+            </a:lnRef>
+            <a:fillRef idx="1">
+              <a:schemeClr val="accent1"/>
+            </a:fillRef>
+            <a:effectRef idx="0">
+              <a:schemeClr val="accent1"/>
+            </a:effectRef>
+            <a:fontRef idx="minor">
+              <a:schemeClr val="lt1"/>
+            </a:fontRef>
+          </p:style>
+          <p:txBody>
+            <a:bodyPr rtlCol="0" anchor="ctr"/>
+            <a:lstStyle/>
+            <a:p>
+              <a:pPr algn="ctr"/>
+              <a:endParaRPr lang="en-US" dirty="0"/>
+            </a:p>
+          </p:txBody>
+        </p:sp>
+        <p:grpSp>
+          <p:nvGrpSpPr>
+            <p:cNvPr id="15" name="Group 14">
+              <a:extLst>
+                <a:ext uri="{FF2B5EF4-FFF2-40B4-BE49-F238E27FC236}">
+                  <a16:creationId xmlns:a16="http://schemas.microsoft.com/office/drawing/2014/main" id="{7A799E73-116E-77A4-A548-C997B51AF02D}"/>
+                </a:ext>
+              </a:extLst>
+            </p:cNvPr>
+            <p:cNvGrpSpPr/>
+            <p:nvPr/>
+          </p:nvGrpSpPr>
+          <p:grpSpPr>
+            <a:xfrm>
+              <a:off x="4008483" y="4217161"/>
+              <a:ext cx="1982884" cy="915471"/>
+              <a:chOff x="4008483" y="4217161"/>
+              <a:chExt cx="1982884" cy="915471"/>
+            </a:xfrm>
+          </p:grpSpPr>
+          <p:sp>
+            <p:nvSpPr>
+              <p:cNvPr id="26" name="Arrow: Right 25">
+                <a:extLst>
+                  <a:ext uri="{FF2B5EF4-FFF2-40B4-BE49-F238E27FC236}">
+                    <a16:creationId xmlns:a16="http://schemas.microsoft.com/office/drawing/2014/main" id="{A0543648-9EAF-5AB0-15E2-6B4727FEBC4C}"/>
+                  </a:ext>
+                </a:extLst>
+              </p:cNvPr>
+              <p:cNvSpPr/>
+              <p:nvPr/>
+            </p:nvSpPr>
+            <p:spPr>
+              <a:xfrm>
+                <a:off x="4008483" y="4450241"/>
+                <a:ext cx="617556" cy="491319"/>
+              </a:xfrm>
+              <a:prstGeom prst="rightArrow">
+                <a:avLst/>
+              </a:prstGeom>
+            </p:spPr>
+            <p:style>
+              <a:lnRef idx="2">
+                <a:schemeClr val="accent1">
+                  <a:shade val="50000"/>
+                </a:schemeClr>
+              </a:lnRef>
+              <a:fillRef idx="1">
+                <a:schemeClr val="accent1"/>
+              </a:fillRef>
+              <a:effectRef idx="0">
+                <a:schemeClr val="accent1"/>
+              </a:effectRef>
+              <a:fontRef idx="minor">
+                <a:schemeClr val="lt1"/>
+              </a:fontRef>
+            </p:style>
+            <p:txBody>
+              <a:bodyPr rtlCol="0" anchor="ctr"/>
+              <a:lstStyle/>
+              <a:p>
+                <a:pPr algn="ctr"/>
+                <a:endParaRPr lang="en-US"/>
+              </a:p>
+            </p:txBody>
+          </p:sp>
+          <p:sp>
+            <p:nvSpPr>
+              <p:cNvPr id="27" name="Rectangle 26">
+                <a:extLst>
+                  <a:ext uri="{FF2B5EF4-FFF2-40B4-BE49-F238E27FC236}">
+                    <a16:creationId xmlns:a16="http://schemas.microsoft.com/office/drawing/2014/main" id="{373D697C-CE1F-6B47-3A9E-6BC4E7CB0BBB}"/>
+                  </a:ext>
+                </a:extLst>
+              </p:cNvPr>
+              <p:cNvSpPr/>
+              <p:nvPr/>
+            </p:nvSpPr>
+            <p:spPr>
+              <a:xfrm>
+                <a:off x="4682181" y="4217161"/>
+                <a:ext cx="1309186" cy="915471"/>
+              </a:xfrm>
+              <a:prstGeom prst="rect">
+                <a:avLst/>
+              </a:prstGeom>
+            </p:spPr>
+            <p:style>
+              <a:lnRef idx="2">
+                <a:schemeClr val="accent1">
+                  <a:shade val="50000"/>
+                </a:schemeClr>
+              </a:lnRef>
+              <a:fillRef idx="1">
+                <a:schemeClr val="accent1"/>
+              </a:fillRef>
+              <a:effectRef idx="0">
+                <a:schemeClr val="accent1"/>
+              </a:effectRef>
+              <a:fontRef idx="minor">
+                <a:schemeClr val="lt1"/>
+              </a:fontRef>
+            </p:style>
+            <p:txBody>
+              <a:bodyPr rtlCol="0" anchor="ctr"/>
+              <a:lstStyle/>
+              <a:p>
+                <a:pPr algn="ctr"/>
+                <a:endParaRPr lang="en-US"/>
+              </a:p>
+            </p:txBody>
+          </p:sp>
+        </p:grpSp>
+        <p:grpSp>
+          <p:nvGrpSpPr>
+            <p:cNvPr id="38" name="Group 37">
+              <a:extLst>
+                <a:ext uri="{FF2B5EF4-FFF2-40B4-BE49-F238E27FC236}">
+                  <a16:creationId xmlns:a16="http://schemas.microsoft.com/office/drawing/2014/main" id="{F140C32A-0EC6-72FA-B5B1-29E93DE9D455}"/>
+                </a:ext>
+              </a:extLst>
+            </p:cNvPr>
+            <p:cNvGrpSpPr/>
+            <p:nvPr/>
+          </p:nvGrpSpPr>
+          <p:grpSpPr>
+            <a:xfrm>
+              <a:off x="5015120" y="2715904"/>
+              <a:ext cx="926421" cy="1501257"/>
+              <a:chOff x="5015120" y="2715904"/>
+              <a:chExt cx="926421" cy="1501257"/>
+            </a:xfrm>
+          </p:grpSpPr>
+          <p:cxnSp>
+            <p:nvCxnSpPr>
+              <p:cNvPr id="33" name="Straight Arrow Connector 32">
+                <a:extLst>
+                  <a:ext uri="{FF2B5EF4-FFF2-40B4-BE49-F238E27FC236}">
+                    <a16:creationId xmlns:a16="http://schemas.microsoft.com/office/drawing/2014/main" id="{3D8E63A8-3B50-5CEE-19EA-A49D1BB7155E}"/>
+                  </a:ext>
+                </a:extLst>
+              </p:cNvPr>
+              <p:cNvCxnSpPr>
+                <a:cxnSpLocks/>
+                <a:stCxn id="27" idx="0"/>
+              </p:cNvCxnSpPr>
+              <p:nvPr/>
+            </p:nvCxnSpPr>
+            <p:spPr>
+              <a:xfrm flipV="1">
+                <a:off x="5336774" y="3429000"/>
+                <a:ext cx="19674" cy="788161"/>
+              </a:xfrm>
+              <a:prstGeom prst="straightConnector1">
+                <a:avLst/>
+              </a:prstGeom>
+              <a:ln>
+                <a:tailEnd type="triangle"/>
+              </a:ln>
+            </p:spPr>
+            <p:style>
+              <a:lnRef idx="1">
+                <a:schemeClr val="accent1"/>
+              </a:lnRef>
+              <a:fillRef idx="0">
+                <a:schemeClr val="accent1"/>
+              </a:fillRef>
+              <a:effectRef idx="0">
+                <a:schemeClr val="accent1"/>
+              </a:effectRef>
+              <a:fontRef idx="minor">
+                <a:schemeClr val="tx1"/>
+              </a:fontRef>
+            </p:style>
+          </p:cxnSp>
+          <p:sp>
+            <p:nvSpPr>
+              <p:cNvPr id="34" name="TextBox 33">
+                <a:extLst>
+                  <a:ext uri="{FF2B5EF4-FFF2-40B4-BE49-F238E27FC236}">
+                    <a16:creationId xmlns:a16="http://schemas.microsoft.com/office/drawing/2014/main" id="{AD876A90-32C3-5F21-AA59-F50194D9F016}"/>
+                  </a:ext>
+                </a:extLst>
+              </p:cNvPr>
+              <p:cNvSpPr txBox="1"/>
+              <p:nvPr/>
+            </p:nvSpPr>
+            <p:spPr>
+              <a:xfrm flipH="1">
+                <a:off x="5015120" y="2715904"/>
+                <a:ext cx="926421" cy="369332"/>
+              </a:xfrm>
+              <a:prstGeom prst="rect">
+                <a:avLst/>
+              </a:prstGeom>
+              <a:noFill/>
+            </p:spPr>
+            <p:txBody>
+              <a:bodyPr wrap="square" rtlCol="0">
+                <a:spAutoFit/>
+              </a:bodyPr>
+              <a:lstStyle/>
+              <a:p>
+                <a:r>
+                  <a:rPr lang="en-US" dirty="0"/>
+                  <a:t>Data Chunk</a:t>
+                </a:r>
+              </a:p>
+            </p:txBody>
+          </p:sp>
+        </p:grpSp>
+        <p:grpSp>
+          <p:nvGrpSpPr>
+            <p:cNvPr id="28" name="Group 27">
+              <a:extLst>
+                <a:ext uri="{FF2B5EF4-FFF2-40B4-BE49-F238E27FC236}">
+                  <a16:creationId xmlns:a16="http://schemas.microsoft.com/office/drawing/2014/main" id="{F327A925-75FD-A260-CFBA-B37BCF70A115}"/>
+                </a:ext>
+              </a:extLst>
+            </p:cNvPr>
+            <p:cNvGrpSpPr/>
+            <p:nvPr/>
+          </p:nvGrpSpPr>
+          <p:grpSpPr>
+            <a:xfrm>
+              <a:off x="6222541" y="4215695"/>
+              <a:ext cx="1982884" cy="915471"/>
+              <a:chOff x="4008483" y="4217161"/>
+              <a:chExt cx="1982884" cy="915471"/>
+            </a:xfrm>
+          </p:grpSpPr>
+          <p:sp>
+            <p:nvSpPr>
+              <p:cNvPr id="29" name="Arrow: Right 28">
+                <a:extLst>
+                  <a:ext uri="{FF2B5EF4-FFF2-40B4-BE49-F238E27FC236}">
+                    <a16:creationId xmlns:a16="http://schemas.microsoft.com/office/drawing/2014/main" id="{BE38FCDF-5581-E31C-98D9-A0F208440F3D}"/>
+                  </a:ext>
+                </a:extLst>
+              </p:cNvPr>
+              <p:cNvSpPr/>
+              <p:nvPr/>
+            </p:nvSpPr>
+            <p:spPr>
+              <a:xfrm>
+                <a:off x="4008483" y="4450241"/>
+                <a:ext cx="617556" cy="491319"/>
+              </a:xfrm>
+              <a:prstGeom prst="rightArrow">
+                <a:avLst/>
+              </a:prstGeom>
+            </p:spPr>
+            <p:style>
+              <a:lnRef idx="2">
+                <a:schemeClr val="accent1">
+                  <a:shade val="50000"/>
+                </a:schemeClr>
+              </a:lnRef>
+              <a:fillRef idx="1">
+                <a:schemeClr val="accent1"/>
+              </a:fillRef>
+              <a:effectRef idx="0">
+                <a:schemeClr val="accent1"/>
+              </a:effectRef>
+              <a:fontRef idx="minor">
+                <a:schemeClr val="lt1"/>
+              </a:fontRef>
+            </p:style>
+            <p:txBody>
+              <a:bodyPr rtlCol="0" anchor="ctr"/>
+              <a:lstStyle/>
+              <a:p>
+                <a:pPr algn="ctr"/>
+                <a:endParaRPr lang="en-US"/>
+              </a:p>
+            </p:txBody>
+          </p:sp>
+          <p:sp>
+            <p:nvSpPr>
+              <p:cNvPr id="30" name="Rectangle 29">
+                <a:extLst>
+                  <a:ext uri="{FF2B5EF4-FFF2-40B4-BE49-F238E27FC236}">
+                    <a16:creationId xmlns:a16="http://schemas.microsoft.com/office/drawing/2014/main" id="{E7C0DB29-D302-8B45-D592-AB8EEE9E297B}"/>
+                  </a:ext>
+                </a:extLst>
+              </p:cNvPr>
+              <p:cNvSpPr/>
+              <p:nvPr/>
+            </p:nvSpPr>
+            <p:spPr>
+              <a:xfrm>
+                <a:off x="4682181" y="4217161"/>
+                <a:ext cx="1309186" cy="915471"/>
+              </a:xfrm>
+              <a:prstGeom prst="rect">
+                <a:avLst/>
+              </a:prstGeom>
+            </p:spPr>
+            <p:style>
+              <a:lnRef idx="2">
+                <a:schemeClr val="accent1">
+                  <a:shade val="50000"/>
+                </a:schemeClr>
+              </a:lnRef>
+              <a:fillRef idx="1">
+                <a:schemeClr val="accent1"/>
+              </a:fillRef>
+              <a:effectRef idx="0">
+                <a:schemeClr val="accent1"/>
+              </a:effectRef>
+              <a:fontRef idx="minor">
+                <a:schemeClr val="lt1"/>
+              </a:fontRef>
+            </p:style>
+            <p:txBody>
+              <a:bodyPr rtlCol="0" anchor="ctr"/>
+              <a:lstStyle/>
+              <a:p>
+                <a:pPr algn="ctr"/>
+                <a:endParaRPr lang="en-US"/>
+              </a:p>
+            </p:txBody>
+          </p:sp>
+        </p:grpSp>
+        <p:grpSp>
+          <p:nvGrpSpPr>
+            <p:cNvPr id="32" name="Group 31">
+              <a:extLst>
+                <a:ext uri="{FF2B5EF4-FFF2-40B4-BE49-F238E27FC236}">
+                  <a16:creationId xmlns:a16="http://schemas.microsoft.com/office/drawing/2014/main" id="{3DE470D9-687A-3AED-9731-05004BBF7C02}"/>
+                </a:ext>
+              </a:extLst>
+            </p:cNvPr>
+            <p:cNvGrpSpPr/>
+            <p:nvPr/>
+          </p:nvGrpSpPr>
+          <p:grpSpPr>
+            <a:xfrm>
+              <a:off x="8484275" y="4215695"/>
+              <a:ext cx="1982884" cy="915471"/>
+              <a:chOff x="4008483" y="4217161"/>
+              <a:chExt cx="1982884" cy="915471"/>
+            </a:xfrm>
+          </p:grpSpPr>
+          <p:sp>
+            <p:nvSpPr>
+              <p:cNvPr id="35" name="Arrow: Right 34">
+                <a:extLst>
+                  <a:ext uri="{FF2B5EF4-FFF2-40B4-BE49-F238E27FC236}">
+                    <a16:creationId xmlns:a16="http://schemas.microsoft.com/office/drawing/2014/main" id="{DD2A9416-9141-4B10-395C-55E41CD5650F}"/>
+                  </a:ext>
+                </a:extLst>
+              </p:cNvPr>
+              <p:cNvSpPr/>
+              <p:nvPr/>
+            </p:nvSpPr>
+            <p:spPr>
+              <a:xfrm>
+                <a:off x="4008483" y="4450241"/>
+                <a:ext cx="617556" cy="491319"/>
+              </a:xfrm>
+              <a:prstGeom prst="rightArrow">
+                <a:avLst/>
+              </a:prstGeom>
+            </p:spPr>
+            <p:style>
+              <a:lnRef idx="2">
+                <a:schemeClr val="accent1">
+                  <a:shade val="50000"/>
+                </a:schemeClr>
+              </a:lnRef>
+              <a:fillRef idx="1">
+                <a:schemeClr val="accent1"/>
+              </a:fillRef>
+              <a:effectRef idx="0">
+                <a:schemeClr val="accent1"/>
+              </a:effectRef>
+              <a:fontRef idx="minor">
+                <a:schemeClr val="lt1"/>
+              </a:fontRef>
+            </p:style>
+            <p:txBody>
+              <a:bodyPr rtlCol="0" anchor="ctr"/>
+              <a:lstStyle/>
+              <a:p>
+                <a:pPr algn="ctr"/>
+                <a:endParaRPr lang="en-US"/>
+              </a:p>
+            </p:txBody>
+          </p:sp>
+          <p:sp>
+            <p:nvSpPr>
+              <p:cNvPr id="36" name="Rectangle 35">
+                <a:extLst>
+                  <a:ext uri="{FF2B5EF4-FFF2-40B4-BE49-F238E27FC236}">
+                    <a16:creationId xmlns:a16="http://schemas.microsoft.com/office/drawing/2014/main" id="{4938F186-7F85-2839-F123-0F095F194955}"/>
+                  </a:ext>
+                </a:extLst>
+              </p:cNvPr>
+              <p:cNvSpPr/>
+              <p:nvPr/>
+            </p:nvSpPr>
+            <p:spPr>
+              <a:xfrm>
+                <a:off x="4682181" y="4217161"/>
+                <a:ext cx="1309186" cy="915471"/>
+              </a:xfrm>
+              <a:prstGeom prst="rect">
+                <a:avLst/>
+              </a:prstGeom>
+            </p:spPr>
+            <p:style>
+              <a:lnRef idx="2">
+                <a:schemeClr val="accent1">
+                  <a:shade val="50000"/>
+                </a:schemeClr>
+              </a:lnRef>
+              <a:fillRef idx="1">
+                <a:schemeClr val="accent1"/>
+              </a:fillRef>
+              <a:effectRef idx="0">
+                <a:schemeClr val="accent1"/>
+              </a:effectRef>
+              <a:fontRef idx="minor">
+                <a:schemeClr val="lt1"/>
+              </a:fontRef>
+            </p:style>
+            <p:txBody>
+              <a:bodyPr rtlCol="0" anchor="ctr"/>
+              <a:lstStyle/>
+              <a:p>
+                <a:pPr algn="ctr"/>
+                <a:endParaRPr lang="en-US"/>
+              </a:p>
+            </p:txBody>
+          </p:sp>
+        </p:grpSp>
+        <p:grpSp>
+          <p:nvGrpSpPr>
+            <p:cNvPr id="39" name="Group 38">
+              <a:extLst>
+                <a:ext uri="{FF2B5EF4-FFF2-40B4-BE49-F238E27FC236}">
+                  <a16:creationId xmlns:a16="http://schemas.microsoft.com/office/drawing/2014/main" id="{A9BD5759-2762-2CC8-4CE8-990B2D6C47A4}"/>
+                </a:ext>
+              </a:extLst>
+            </p:cNvPr>
+            <p:cNvGrpSpPr/>
+            <p:nvPr/>
+          </p:nvGrpSpPr>
+          <p:grpSpPr>
+            <a:xfrm>
+              <a:off x="7186613" y="2770495"/>
+              <a:ext cx="926421" cy="1501257"/>
+              <a:chOff x="5015120" y="2715904"/>
+              <a:chExt cx="926421" cy="1501257"/>
+            </a:xfrm>
+          </p:grpSpPr>
+          <p:cxnSp>
+            <p:nvCxnSpPr>
+              <p:cNvPr id="40" name="Straight Arrow Connector 39">
+                <a:extLst>
+                  <a:ext uri="{FF2B5EF4-FFF2-40B4-BE49-F238E27FC236}">
+                    <a16:creationId xmlns:a16="http://schemas.microsoft.com/office/drawing/2014/main" id="{10087029-51B6-7DB3-E3DF-0A8668B2C811}"/>
+                  </a:ext>
+                </a:extLst>
+              </p:cNvPr>
+              <p:cNvCxnSpPr>
+                <a:cxnSpLocks/>
+              </p:cNvCxnSpPr>
+              <p:nvPr/>
+            </p:nvCxnSpPr>
+            <p:spPr>
+              <a:xfrm flipV="1">
+                <a:off x="5336774" y="3429000"/>
+                <a:ext cx="19674" cy="788161"/>
+              </a:xfrm>
+              <a:prstGeom prst="straightConnector1">
+                <a:avLst/>
+              </a:prstGeom>
+              <a:ln>
+                <a:tailEnd type="triangle"/>
+              </a:ln>
+            </p:spPr>
+            <p:style>
+              <a:lnRef idx="1">
+                <a:schemeClr val="accent1"/>
+              </a:lnRef>
+              <a:fillRef idx="0">
+                <a:schemeClr val="accent1"/>
+              </a:fillRef>
+              <a:effectRef idx="0">
+                <a:schemeClr val="accent1"/>
+              </a:effectRef>
+              <a:fontRef idx="minor">
+                <a:schemeClr val="tx1"/>
+              </a:fontRef>
+            </p:style>
+          </p:cxnSp>
+          <p:sp>
+            <p:nvSpPr>
+              <p:cNvPr id="41" name="TextBox 40">
+                <a:extLst>
+                  <a:ext uri="{FF2B5EF4-FFF2-40B4-BE49-F238E27FC236}">
+                    <a16:creationId xmlns:a16="http://schemas.microsoft.com/office/drawing/2014/main" id="{06E21900-95C5-75E3-3357-0FFCD98B0771}"/>
+                  </a:ext>
+                </a:extLst>
+              </p:cNvPr>
+              <p:cNvSpPr txBox="1"/>
+              <p:nvPr/>
+            </p:nvSpPr>
+            <p:spPr>
+              <a:xfrm flipH="1">
+                <a:off x="5015120" y="2715904"/>
+                <a:ext cx="926421" cy="369332"/>
+              </a:xfrm>
+              <a:prstGeom prst="rect">
+                <a:avLst/>
+              </a:prstGeom>
+              <a:noFill/>
+            </p:spPr>
+            <p:txBody>
+              <a:bodyPr wrap="square" rtlCol="0">
+                <a:spAutoFit/>
+              </a:bodyPr>
+              <a:lstStyle/>
+              <a:p>
+                <a:r>
+                  <a:rPr lang="en-US" dirty="0"/>
+                  <a:t>Data Chunk</a:t>
+                </a:r>
+              </a:p>
+            </p:txBody>
+          </p:sp>
+        </p:grpSp>
+        <p:grpSp>
+          <p:nvGrpSpPr>
+            <p:cNvPr id="42" name="Group 41">
+              <a:extLst>
+                <a:ext uri="{FF2B5EF4-FFF2-40B4-BE49-F238E27FC236}">
+                  <a16:creationId xmlns:a16="http://schemas.microsoft.com/office/drawing/2014/main" id="{C11BBBC5-DC9D-2F0E-DB15-3DB02895881C}"/>
+                </a:ext>
+              </a:extLst>
+            </p:cNvPr>
+            <p:cNvGrpSpPr/>
+            <p:nvPr/>
+          </p:nvGrpSpPr>
+          <p:grpSpPr>
+            <a:xfrm>
+              <a:off x="9475717" y="2770495"/>
+              <a:ext cx="926421" cy="1501257"/>
+              <a:chOff x="5015120" y="2715904"/>
+              <a:chExt cx="926421" cy="1501257"/>
+            </a:xfrm>
+          </p:grpSpPr>
+          <p:cxnSp>
+            <p:nvCxnSpPr>
+              <p:cNvPr id="43" name="Straight Arrow Connector 42">
+                <a:extLst>
+                  <a:ext uri="{FF2B5EF4-FFF2-40B4-BE49-F238E27FC236}">
+                    <a16:creationId xmlns:a16="http://schemas.microsoft.com/office/drawing/2014/main" id="{F58D4386-DFC8-2140-FE8F-CD883BE8C89A}"/>
+                  </a:ext>
+                </a:extLst>
+              </p:cNvPr>
+              <p:cNvCxnSpPr>
+                <a:cxnSpLocks/>
+              </p:cNvCxnSpPr>
+              <p:nvPr/>
+            </p:nvCxnSpPr>
+            <p:spPr>
+              <a:xfrm flipV="1">
+                <a:off x="5336774" y="3429000"/>
+                <a:ext cx="19674" cy="788161"/>
+              </a:xfrm>
+              <a:prstGeom prst="straightConnector1">
+                <a:avLst/>
+              </a:prstGeom>
+              <a:ln>
+                <a:tailEnd type="triangle"/>
+              </a:ln>
+            </p:spPr>
+            <p:style>
+              <a:lnRef idx="1">
+                <a:schemeClr val="accent1"/>
+              </a:lnRef>
+              <a:fillRef idx="0">
+                <a:schemeClr val="accent1"/>
+              </a:fillRef>
+              <a:effectRef idx="0">
+                <a:schemeClr val="accent1"/>
+              </a:effectRef>
+              <a:fontRef idx="minor">
+                <a:schemeClr val="tx1"/>
+              </a:fontRef>
+            </p:style>
+          </p:cxnSp>
+          <p:sp>
+            <p:nvSpPr>
+              <p:cNvPr id="44" name="TextBox 43">
+                <a:extLst>
+                  <a:ext uri="{FF2B5EF4-FFF2-40B4-BE49-F238E27FC236}">
+                    <a16:creationId xmlns:a16="http://schemas.microsoft.com/office/drawing/2014/main" id="{4DDECC91-6DA5-1FEA-D0AC-12C685D54EAD}"/>
+                  </a:ext>
+                </a:extLst>
+              </p:cNvPr>
+              <p:cNvSpPr txBox="1"/>
+              <p:nvPr/>
+            </p:nvSpPr>
+            <p:spPr>
+              <a:xfrm flipH="1">
+                <a:off x="5015120" y="2715904"/>
+                <a:ext cx="926421" cy="369332"/>
+              </a:xfrm>
+              <a:prstGeom prst="rect">
+                <a:avLst/>
+              </a:prstGeom>
+              <a:noFill/>
+            </p:spPr>
+            <p:txBody>
+              <a:bodyPr wrap="square" rtlCol="0">
+                <a:spAutoFit/>
+              </a:bodyPr>
+              <a:lstStyle/>
+              <a:p>
+                <a:r>
+                  <a:rPr lang="en-US" dirty="0"/>
+                  <a:t>Data Chunk</a:t>
+                </a:r>
+              </a:p>
+            </p:txBody>
+          </p:sp>
+        </p:grpSp>
+        <p:grpSp>
+          <p:nvGrpSpPr>
+            <p:cNvPr id="45" name="Group 44">
+              <a:extLst>
+                <a:ext uri="{FF2B5EF4-FFF2-40B4-BE49-F238E27FC236}">
+                  <a16:creationId xmlns:a16="http://schemas.microsoft.com/office/drawing/2014/main" id="{6FBC532B-6255-46DF-FCEB-C9B34964B199}"/>
+                </a:ext>
+              </a:extLst>
+            </p:cNvPr>
+            <p:cNvGrpSpPr/>
+            <p:nvPr/>
+          </p:nvGrpSpPr>
+          <p:grpSpPr>
+            <a:xfrm>
+              <a:off x="2847559" y="2729268"/>
+              <a:ext cx="926421" cy="1501257"/>
+              <a:chOff x="5015120" y="2715904"/>
+              <a:chExt cx="926421" cy="1501257"/>
+            </a:xfrm>
+          </p:grpSpPr>
+          <p:cxnSp>
+            <p:nvCxnSpPr>
+              <p:cNvPr id="46" name="Straight Arrow Connector 45">
+                <a:extLst>
+                  <a:ext uri="{FF2B5EF4-FFF2-40B4-BE49-F238E27FC236}">
+                    <a16:creationId xmlns:a16="http://schemas.microsoft.com/office/drawing/2014/main" id="{0601F37F-AFAD-2B06-0E7D-7CFB47087494}"/>
+                  </a:ext>
+                </a:extLst>
+              </p:cNvPr>
+              <p:cNvCxnSpPr>
+                <a:cxnSpLocks/>
+              </p:cNvCxnSpPr>
+              <p:nvPr/>
+            </p:nvCxnSpPr>
+            <p:spPr>
+              <a:xfrm flipV="1">
+                <a:off x="5336774" y="3429000"/>
+                <a:ext cx="19674" cy="788161"/>
+              </a:xfrm>
+              <a:prstGeom prst="straightConnector1">
+                <a:avLst/>
+              </a:prstGeom>
+              <a:ln>
+                <a:tailEnd type="triangle"/>
+              </a:ln>
+            </p:spPr>
+            <p:style>
+              <a:lnRef idx="1">
+                <a:schemeClr val="accent1"/>
+              </a:lnRef>
+              <a:fillRef idx="0">
+                <a:schemeClr val="accent1"/>
+              </a:fillRef>
+              <a:effectRef idx="0">
+                <a:schemeClr val="accent1"/>
+              </a:effectRef>
+              <a:fontRef idx="minor">
+                <a:schemeClr val="tx1"/>
+              </a:fontRef>
+            </p:style>
+          </p:cxnSp>
+          <p:sp>
+            <p:nvSpPr>
+              <p:cNvPr id="47" name="TextBox 46">
+                <a:extLst>
+                  <a:ext uri="{FF2B5EF4-FFF2-40B4-BE49-F238E27FC236}">
+                    <a16:creationId xmlns:a16="http://schemas.microsoft.com/office/drawing/2014/main" id="{CF07CEB3-8B74-1B8E-C718-12AB85781E90}"/>
+                  </a:ext>
+                </a:extLst>
+              </p:cNvPr>
+              <p:cNvSpPr txBox="1"/>
+              <p:nvPr/>
+            </p:nvSpPr>
+            <p:spPr>
+              <a:xfrm flipH="1">
+                <a:off x="5015120" y="2715904"/>
+                <a:ext cx="926421" cy="369332"/>
+              </a:xfrm>
+              <a:prstGeom prst="rect">
+                <a:avLst/>
+              </a:prstGeom>
+              <a:noFill/>
+            </p:spPr>
+            <p:txBody>
+              <a:bodyPr wrap="square" rtlCol="0">
+                <a:spAutoFit/>
+              </a:bodyPr>
+              <a:lstStyle/>
+              <a:p>
+                <a:r>
+                  <a:rPr lang="en-US" dirty="0"/>
+                  <a:t>Buffer</a:t>
+                </a:r>
+              </a:p>
+            </p:txBody>
+          </p:sp>
+        </p:grpSp>
+        <p:cxnSp>
+          <p:nvCxnSpPr>
+            <p:cNvPr id="49" name="Straight Connector 48">
+              <a:extLst>
+                <a:ext uri="{FF2B5EF4-FFF2-40B4-BE49-F238E27FC236}">
+                  <a16:creationId xmlns:a16="http://schemas.microsoft.com/office/drawing/2014/main" id="{AF840949-F3DE-3D3F-F15A-6B270D3F5CBB}"/>
+                </a:ext>
+              </a:extLst>
+            </p:cNvPr>
+            <p:cNvCxnSpPr/>
+            <p:nvPr/>
+          </p:nvCxnSpPr>
+          <p:spPr>
+            <a:xfrm>
+              <a:off x="95534" y="4080681"/>
+              <a:ext cx="11791666" cy="0"/>
+            </a:xfrm>
+            <a:prstGeom prst="line">
+              <a:avLst/>
+            </a:prstGeom>
+            <a:ln w="28575"/>
+          </p:spPr>
+          <p:style>
+            <a:lnRef idx="1">
+              <a:schemeClr val="accent2"/>
+            </a:lnRef>
+            <a:fillRef idx="0">
+              <a:schemeClr val="accent2"/>
+            </a:fillRef>
+            <a:effectRef idx="0">
+              <a:schemeClr val="accent2"/>
+            </a:effectRef>
+            <a:fontRef idx="minor">
+              <a:schemeClr val="tx1"/>
+            </a:fontRef>
+          </p:style>
+        </p:cxnSp>
+        <p:cxnSp>
+          <p:nvCxnSpPr>
+            <p:cNvPr id="50" name="Straight Connector 49">
+              <a:extLst>
+                <a:ext uri="{FF2B5EF4-FFF2-40B4-BE49-F238E27FC236}">
+                  <a16:creationId xmlns:a16="http://schemas.microsoft.com/office/drawing/2014/main" id="{6A766E3D-943B-0F24-1922-A521D25DA3F1}"/>
+                </a:ext>
+              </a:extLst>
+            </p:cNvPr>
+            <p:cNvCxnSpPr/>
+            <p:nvPr/>
+          </p:nvCxnSpPr>
+          <p:spPr>
+            <a:xfrm>
+              <a:off x="84158" y="5311253"/>
+              <a:ext cx="11791666" cy="0"/>
+            </a:xfrm>
+            <a:prstGeom prst="line">
+              <a:avLst/>
+            </a:prstGeom>
+            <a:ln w="28575"/>
+          </p:spPr>
+          <p:style>
+            <a:lnRef idx="1">
+              <a:schemeClr val="accent2"/>
+            </a:lnRef>
+            <a:fillRef idx="0">
+              <a:schemeClr val="accent2"/>
+            </a:fillRef>
+            <a:effectRef idx="0">
+              <a:schemeClr val="accent2"/>
+            </a:effectRef>
+            <a:fontRef idx="minor">
+              <a:schemeClr val="tx1"/>
+            </a:fontRef>
+          </p:style>
+        </p:cxnSp>
+      </p:grpSp>
+      <p:sp>
+        <p:nvSpPr>
+          <p:cNvPr id="51" name="Left Brace 50">
+            <a:extLst>
+              <a:ext uri="{FF2B5EF4-FFF2-40B4-BE49-F238E27FC236}">
+                <a16:creationId xmlns:a16="http://schemas.microsoft.com/office/drawing/2014/main" id="{22744E68-D905-8B14-0852-86249C3612BD}"/>
+              </a:ext>
+            </a:extLst>
+          </p:cNvPr>
+          <p:cNvSpPr/>
+          <p:nvPr/>
+        </p:nvSpPr>
+        <p:spPr>
+          <a:xfrm rot="16200000">
+            <a:off x="5227436" y="14991"/>
+            <a:ext cx="863171" cy="10327306"/>
+          </a:xfrm>
+          <a:prstGeom prst="leftBrace">
+            <a:avLst>
+              <a:gd name="adj1" fmla="val 55767"/>
+              <a:gd name="adj2" fmla="val 44053"/>
+            </a:avLst>
+          </a:prstGeom>
+        </p:spPr>
+        <p:style>
+          <a:lnRef idx="1">
+            <a:schemeClr val="accent1"/>
+          </a:lnRef>
+          <a:fillRef idx="0">
+            <a:schemeClr val="accent1"/>
+          </a:fillRef>
+          <a:effectRef idx="0">
+            <a:schemeClr val="accent1"/>
+          </a:effectRef>
+          <a:fontRef idx="minor">
+            <a:schemeClr val="tx1"/>
+          </a:fontRef>
+        </p:style>
+        <p:txBody>
+          <a:bodyPr rtlCol="0" anchor="ctr"/>
+          <a:lstStyle/>
+          <a:p>
+            <a:pPr algn="ctr"/>
+            <a:endParaRPr lang="en-US"/>
+          </a:p>
+        </p:txBody>
+      </p:sp>
+      <p:sp>
+        <p:nvSpPr>
+          <p:cNvPr id="54" name="TextBox 53">
+            <a:extLst>
+              <a:ext uri="{FF2B5EF4-FFF2-40B4-BE49-F238E27FC236}">
+                <a16:creationId xmlns:a16="http://schemas.microsoft.com/office/drawing/2014/main" id="{2EFDD043-3FB4-3C65-082F-3B0A0EE84672}"/>
+              </a:ext>
+            </a:extLst>
+          </p:cNvPr>
+          <p:cNvSpPr txBox="1"/>
+          <p:nvPr/>
+        </p:nvSpPr>
+        <p:spPr>
+          <a:xfrm>
+            <a:off x="4626039" y="5580016"/>
+            <a:ext cx="6093724" cy="369332"/>
+          </a:xfrm>
+          <a:prstGeom prst="rect">
+            <a:avLst/>
+          </a:prstGeom>
+          <a:noFill/>
+        </p:spPr>
+        <p:txBody>
+          <a:bodyPr wrap="square">
+            <a:spAutoFit/>
+          </a:bodyPr>
+          <a:lstStyle/>
+          <a:p>
+            <a:r>
+              <a:rPr lang="en-US" dirty="0"/>
+              <a:t>Streams</a:t>
+            </a:r>
+          </a:p>
+        </p:txBody>
+      </p:sp>
+    </p:spTree>
+    <p:extLst>
+      <p:ext uri="{BB962C8B-B14F-4D97-AF65-F5344CB8AC3E}">
+        <p14:creationId xmlns:p14="http://schemas.microsoft.com/office/powerpoint/2010/main" val="60744284"/>
+      </p:ext>
+    </p:extLst>
+  </p:cSld>
+  <p:clrMapOvr>
+    <a:masterClrMapping/>
+  </p:clrMapOvr>
+</p:sld>
+</file>
+
+<file path=ppt/slides/slide31.xml><?xml version="1.0" encoding="utf-8"?>
+<p:sld xmlns:a="http://schemas.openxmlformats.org/drawingml/2006/main" xmlns:r="http://schemas.openxmlformats.org/officeDocument/2006/relationships" xmlns:p="http://schemas.openxmlformats.org/presentationml/2006/main">
+  <p:cSld>
+    <p:spTree>
+      <p:nvGrpSpPr>
+        <p:cNvPr id="1" name=""/>
+        <p:cNvGrpSpPr/>
+        <p:nvPr/>
+      </p:nvGrpSpPr>
+      <p:grpSpPr>
+        <a:xfrm>
+          <a:off x="0" y="0"/>
+          <a:ext cx="0" cy="0"/>
+          <a:chOff x="0" y="0"/>
+          <a:chExt cx="0" cy="0"/>
+        </a:xfrm>
+      </p:grpSpPr>
+      <p:sp>
+        <p:nvSpPr>
+          <p:cNvPr id="4" name="TextBox 3">
+            <a:extLst>
+              <a:ext uri="{FF2B5EF4-FFF2-40B4-BE49-F238E27FC236}">
+                <a16:creationId xmlns:a16="http://schemas.microsoft.com/office/drawing/2014/main" id="{433048A3-1951-A534-3574-4F72230A0032}"/>
+              </a:ext>
+            </a:extLst>
+          </p:cNvPr>
+          <p:cNvSpPr txBox="1"/>
+          <p:nvPr/>
+        </p:nvSpPr>
+        <p:spPr>
+          <a:xfrm>
+            <a:off x="2501660" y="828136"/>
+            <a:ext cx="8126083" cy="830997"/>
+          </a:xfrm>
+          <a:prstGeom prst="rect">
+            <a:avLst/>
+          </a:prstGeom>
+          <a:noFill/>
+        </p:spPr>
+        <p:txBody>
+          <a:bodyPr wrap="square" rtlCol="0">
+            <a:spAutoFit/>
+          </a:bodyPr>
+          <a:lstStyle/>
+          <a:p>
+            <a:r>
+              <a:rPr lang="en-US" sz="4800" dirty="0"/>
+              <a:t>Rendering  HTML as Response</a:t>
+            </a:r>
+          </a:p>
+        </p:txBody>
+      </p:sp>
+      <p:sp>
+        <p:nvSpPr>
+          <p:cNvPr id="5" name="TextBox 4">
+            <a:extLst>
+              <a:ext uri="{FF2B5EF4-FFF2-40B4-BE49-F238E27FC236}">
+                <a16:creationId xmlns:a16="http://schemas.microsoft.com/office/drawing/2014/main" id="{00E79425-4405-BDF3-DED1-A891FDA91999}"/>
+              </a:ext>
+            </a:extLst>
+          </p:cNvPr>
+          <p:cNvSpPr txBox="1"/>
+          <p:nvPr/>
+        </p:nvSpPr>
+        <p:spPr>
+          <a:xfrm>
+            <a:off x="2501659" y="3013501"/>
+            <a:ext cx="8126083" cy="830997"/>
+          </a:xfrm>
+          <a:prstGeom prst="rect">
+            <a:avLst/>
+          </a:prstGeom>
+          <a:noFill/>
+        </p:spPr>
+        <p:txBody>
+          <a:bodyPr wrap="square" rtlCol="0">
+            <a:spAutoFit/>
+          </a:bodyPr>
+          <a:lstStyle/>
+          <a:p>
+            <a:r>
+              <a:rPr lang="en-US" sz="4800" dirty="0"/>
+              <a:t>Rendering  JSON as Response</a:t>
+            </a:r>
+          </a:p>
+        </p:txBody>
+      </p:sp>
+    </p:spTree>
+    <p:extLst>
+      <p:ext uri="{BB962C8B-B14F-4D97-AF65-F5344CB8AC3E}">
+        <p14:creationId xmlns:p14="http://schemas.microsoft.com/office/powerpoint/2010/main" val="4228438094"/>
+      </p:ext>
+    </p:extLst>
+  </p:cSld>
+  <p:clrMapOvr>
+    <a:masterClrMapping/>
+  </p:clrMapOvr>
+</p:sld>
+</file>
+
+<file path=ppt/slides/slide32.xml><?xml version="1.0" encoding="utf-8"?>
+<p:sld xmlns:a="http://schemas.openxmlformats.org/drawingml/2006/main" xmlns:r="http://schemas.openxmlformats.org/officeDocument/2006/relationships" xmlns:p="http://schemas.openxmlformats.org/presentationml/2006/main">
+  <p:cSld>
+    <p:spTree>
+      <p:nvGrpSpPr>
+        <p:cNvPr id="1" name=""/>
+        <p:cNvGrpSpPr/>
+        <p:nvPr/>
+      </p:nvGrpSpPr>
+      <p:grpSpPr>
+        <a:xfrm>
+          <a:off x="0" y="0"/>
+          <a:ext cx="0" cy="0"/>
+          <a:chOff x="0" y="0"/>
+          <a:chExt cx="0" cy="0"/>
+        </a:xfrm>
+      </p:grpSpPr>
+      <p:sp>
+        <p:nvSpPr>
+          <p:cNvPr id="2" name="Title 1">
+            <a:extLst>
+              <a:ext uri="{FF2B5EF4-FFF2-40B4-BE49-F238E27FC236}">
+                <a16:creationId xmlns:a16="http://schemas.microsoft.com/office/drawing/2014/main" id="{5072C8A0-A828-DE00-70F2-8E2E70CF096C}"/>
+              </a:ext>
+            </a:extLst>
+          </p:cNvPr>
+          <p:cNvSpPr>
+            <a:spLocks noGrp="1"/>
+          </p:cNvSpPr>
+          <p:nvPr>
+            <p:ph type="title"/>
+          </p:nvPr>
+        </p:nvSpPr>
+        <p:spPr/>
+        <p:txBody>
+          <a:bodyPr/>
+          <a:lstStyle/>
+          <a:p>
+            <a:pPr algn="ctr"/>
+            <a:r>
+              <a:rPr lang="en-US" dirty="0"/>
+              <a:t>Basic Routing</a:t>
+            </a:r>
+          </a:p>
+        </p:txBody>
+      </p:sp>
+    </p:spTree>
+    <p:extLst>
+      <p:ext uri="{BB962C8B-B14F-4D97-AF65-F5344CB8AC3E}">
+        <p14:creationId xmlns:p14="http://schemas.microsoft.com/office/powerpoint/2010/main" val="159293174"/>
       </p:ext>
     </p:extLst>
   </p:cSld>

--- a/What is Node.pptx
+++ b/What is Node.pptx
@@ -37,6 +37,21 @@
     <p:sldId id="284" r:id="rId31"/>
     <p:sldId id="286" r:id="rId32"/>
     <p:sldId id="287" r:id="rId33"/>
+    <p:sldId id="288" r:id="rId34"/>
+    <p:sldId id="289" r:id="rId35"/>
+    <p:sldId id="290" r:id="rId36"/>
+    <p:sldId id="291" r:id="rId37"/>
+    <p:sldId id="292" r:id="rId38"/>
+    <p:sldId id="293" r:id="rId39"/>
+    <p:sldId id="294" r:id="rId40"/>
+    <p:sldId id="295" r:id="rId41"/>
+    <p:sldId id="296" r:id="rId42"/>
+    <p:sldId id="297" r:id="rId43"/>
+    <p:sldId id="298" r:id="rId44"/>
+    <p:sldId id="299" r:id="rId45"/>
+    <p:sldId id="300" r:id="rId46"/>
+    <p:sldId id="301" r:id="rId47"/>
+    <p:sldId id="302" r:id="rId48"/>
   </p:sldIdLst>
   <p:sldSz cx="12192000" cy="6858000"/>
   <p:notesSz cx="6858000" cy="9144000"/>
@@ -487,7 +502,7 @@
           <a:p>
             <a:fld id="{C452295A-2B17-4FE0-84DB-F0699F4DDF23}" type="datetimeFigureOut">
               <a:rPr lang="en-US" smtClean="0"/>
-              <a:t>11/15/2022</a:t>
+              <a:t>12/1/2022</a:t>
             </a:fld>
             <a:endParaRPr lang="en-US"/>
           </a:p>
@@ -685,7 +700,7 @@
           <a:p>
             <a:fld id="{C452295A-2B17-4FE0-84DB-F0699F4DDF23}" type="datetimeFigureOut">
               <a:rPr lang="en-US" smtClean="0"/>
-              <a:t>11/15/2022</a:t>
+              <a:t>12/1/2022</a:t>
             </a:fld>
             <a:endParaRPr lang="en-US"/>
           </a:p>
@@ -893,7 +908,7 @@
           <a:p>
             <a:fld id="{C452295A-2B17-4FE0-84DB-F0699F4DDF23}" type="datetimeFigureOut">
               <a:rPr lang="en-US" smtClean="0"/>
-              <a:t>11/15/2022</a:t>
+              <a:t>12/1/2022</a:t>
             </a:fld>
             <a:endParaRPr lang="en-US"/>
           </a:p>
@@ -1091,7 +1106,7 @@
           <a:p>
             <a:fld id="{C452295A-2B17-4FE0-84DB-F0699F4DDF23}" type="datetimeFigureOut">
               <a:rPr lang="en-US" smtClean="0"/>
-              <a:t>11/15/2022</a:t>
+              <a:t>12/1/2022</a:t>
             </a:fld>
             <a:endParaRPr lang="en-US"/>
           </a:p>
@@ -1366,7 +1381,7 @@
           <a:p>
             <a:fld id="{C452295A-2B17-4FE0-84DB-F0699F4DDF23}" type="datetimeFigureOut">
               <a:rPr lang="en-US" smtClean="0"/>
-              <a:t>11/15/2022</a:t>
+              <a:t>12/1/2022</a:t>
             </a:fld>
             <a:endParaRPr lang="en-US"/>
           </a:p>
@@ -1631,7 +1646,7 @@
           <a:p>
             <a:fld id="{C452295A-2B17-4FE0-84DB-F0699F4DDF23}" type="datetimeFigureOut">
               <a:rPr lang="en-US" smtClean="0"/>
-              <a:t>11/15/2022</a:t>
+              <a:t>12/1/2022</a:t>
             </a:fld>
             <a:endParaRPr lang="en-US"/>
           </a:p>
@@ -2043,7 +2058,7 @@
           <a:p>
             <a:fld id="{C452295A-2B17-4FE0-84DB-F0699F4DDF23}" type="datetimeFigureOut">
               <a:rPr lang="en-US" smtClean="0"/>
-              <a:t>11/15/2022</a:t>
+              <a:t>12/1/2022</a:t>
             </a:fld>
             <a:endParaRPr lang="en-US"/>
           </a:p>
@@ -2184,7 +2199,7 @@
           <a:p>
             <a:fld id="{C452295A-2B17-4FE0-84DB-F0699F4DDF23}" type="datetimeFigureOut">
               <a:rPr lang="en-US" smtClean="0"/>
-              <a:t>11/15/2022</a:t>
+              <a:t>12/1/2022</a:t>
             </a:fld>
             <a:endParaRPr lang="en-US"/>
           </a:p>
@@ -2297,7 +2312,7 @@
           <a:p>
             <a:fld id="{C452295A-2B17-4FE0-84DB-F0699F4DDF23}" type="datetimeFigureOut">
               <a:rPr lang="en-US" smtClean="0"/>
-              <a:t>11/15/2022</a:t>
+              <a:t>12/1/2022</a:t>
             </a:fld>
             <a:endParaRPr lang="en-US"/>
           </a:p>
@@ -2608,7 +2623,7 @@
           <a:p>
             <a:fld id="{C452295A-2B17-4FE0-84DB-F0699F4DDF23}" type="datetimeFigureOut">
               <a:rPr lang="en-US" smtClean="0"/>
-              <a:t>11/15/2022</a:t>
+              <a:t>12/1/2022</a:t>
             </a:fld>
             <a:endParaRPr lang="en-US"/>
           </a:p>
@@ -2896,7 +2911,7 @@
           <a:p>
             <a:fld id="{C452295A-2B17-4FE0-84DB-F0699F4DDF23}" type="datetimeFigureOut">
               <a:rPr lang="en-US" smtClean="0"/>
-              <a:t>11/15/2022</a:t>
+              <a:t>12/1/2022</a:t>
             </a:fld>
             <a:endParaRPr lang="en-US"/>
           </a:p>
@@ -3137,7 +3152,7 @@
           <a:p>
             <a:fld id="{C452295A-2B17-4FE0-84DB-F0699F4DDF23}" type="datetimeFigureOut">
               <a:rPr lang="en-US" smtClean="0"/>
-              <a:t>11/15/2022</a:t>
+              <a:t>12/1/2022</a:t>
             </a:fld>
             <a:endParaRPr lang="en-US"/>
           </a:p>
@@ -16678,6 +16693,2656 @@
 </p:sld>
 </file>
 
+<file path=ppt/slides/slide33.xml><?xml version="1.0" encoding="utf-8"?>
+<p:sld xmlns:a="http://schemas.openxmlformats.org/drawingml/2006/main" xmlns:r="http://schemas.openxmlformats.org/officeDocument/2006/relationships" xmlns:p="http://schemas.openxmlformats.org/presentationml/2006/main">
+  <p:cSld>
+    <p:spTree>
+      <p:nvGrpSpPr>
+        <p:cNvPr id="1" name=""/>
+        <p:cNvGrpSpPr/>
+        <p:nvPr/>
+      </p:nvGrpSpPr>
+      <p:grpSpPr>
+        <a:xfrm>
+          <a:off x="0" y="0"/>
+          <a:ext cx="0" cy="0"/>
+          <a:chOff x="0" y="0"/>
+          <a:chExt cx="0" cy="0"/>
+        </a:xfrm>
+      </p:grpSpPr>
+      <p:sp>
+        <p:nvSpPr>
+          <p:cNvPr id="2" name="Title 1">
+            <a:extLst>
+              <a:ext uri="{FF2B5EF4-FFF2-40B4-BE49-F238E27FC236}">
+                <a16:creationId xmlns:a16="http://schemas.microsoft.com/office/drawing/2014/main" id="{3CBF073A-BCE1-D9CD-8A19-227B2596EC8F}"/>
+              </a:ext>
+            </a:extLst>
+          </p:cNvPr>
+          <p:cNvSpPr>
+            <a:spLocks noGrp="1"/>
+          </p:cNvSpPr>
+          <p:nvPr>
+            <p:ph type="title"/>
+          </p:nvPr>
+        </p:nvSpPr>
+        <p:spPr>
+          <a:xfrm>
+            <a:off x="838200" y="365125"/>
+            <a:ext cx="10515600" cy="5843170"/>
+          </a:xfrm>
+        </p:spPr>
+        <p:txBody>
+          <a:bodyPr>
+            <a:normAutofit/>
+          </a:bodyPr>
+          <a:lstStyle/>
+          <a:p>
+            <a:r>
+              <a:rPr lang="en-US" dirty="0" err="1"/>
+              <a:t>Npm</a:t>
+            </a:r>
+            <a:r>
+              <a:rPr lang="en-US" dirty="0"/>
+              <a:t> </a:t>
+            </a:r>
+            <a:r>
+              <a:rPr lang="en-US" dirty="0" err="1"/>
+              <a:t>init</a:t>
+            </a:r>
+            <a:r>
+              <a:rPr lang="en-US" dirty="0"/>
+              <a:t> – install </a:t>
+            </a:r>
+            <a:r>
+              <a:rPr lang="en-US" dirty="0" err="1"/>
+              <a:t>npm</a:t>
+            </a:r>
+            <a:r>
+              <a:rPr lang="en-US" dirty="0"/>
+              <a:t>- save </a:t>
+            </a:r>
+            <a:r>
+              <a:rPr lang="en-US" dirty="0" err="1"/>
+              <a:t>package.json</a:t>
+            </a:r>
+            <a:br>
+              <a:rPr lang="en-US" dirty="0"/>
+            </a:br>
+            <a:br>
+              <a:rPr lang="en-US" dirty="0"/>
+            </a:br>
+            <a:br>
+              <a:rPr lang="en-US" dirty="0"/>
+            </a:br>
+            <a:r>
+              <a:rPr lang="en-US" dirty="0" err="1"/>
+              <a:t>npm</a:t>
+            </a:r>
+            <a:r>
+              <a:rPr lang="en-US" dirty="0"/>
+              <a:t> start – node app.js</a:t>
+            </a:r>
+          </a:p>
+        </p:txBody>
+      </p:sp>
+    </p:spTree>
+    <p:extLst>
+      <p:ext uri="{BB962C8B-B14F-4D97-AF65-F5344CB8AC3E}">
+        <p14:creationId xmlns:p14="http://schemas.microsoft.com/office/powerpoint/2010/main" val="131302284"/>
+      </p:ext>
+    </p:extLst>
+  </p:cSld>
+  <p:clrMapOvr>
+    <a:masterClrMapping/>
+  </p:clrMapOvr>
+</p:sld>
+</file>
+
+<file path=ppt/slides/slide34.xml><?xml version="1.0" encoding="utf-8"?>
+<p:sld xmlns:a="http://schemas.openxmlformats.org/drawingml/2006/main" xmlns:r="http://schemas.openxmlformats.org/officeDocument/2006/relationships" xmlns:p="http://schemas.openxmlformats.org/presentationml/2006/main">
+  <p:cSld>
+    <p:spTree>
+      <p:nvGrpSpPr>
+        <p:cNvPr id="1" name=""/>
+        <p:cNvGrpSpPr/>
+        <p:nvPr/>
+      </p:nvGrpSpPr>
+      <p:grpSpPr>
+        <a:xfrm>
+          <a:off x="0" y="0"/>
+          <a:ext cx="0" cy="0"/>
+          <a:chOff x="0" y="0"/>
+          <a:chExt cx="0" cy="0"/>
+        </a:xfrm>
+      </p:grpSpPr>
+      <p:sp>
+        <p:nvSpPr>
+          <p:cNvPr id="2" name="Title 1">
+            <a:extLst>
+              <a:ext uri="{FF2B5EF4-FFF2-40B4-BE49-F238E27FC236}">
+                <a16:creationId xmlns:a16="http://schemas.microsoft.com/office/drawing/2014/main" id="{B09CD54F-DDC7-B258-6888-7DB720F1C746}"/>
+              </a:ext>
+            </a:extLst>
+          </p:cNvPr>
+          <p:cNvSpPr>
+            <a:spLocks noGrp="1"/>
+          </p:cNvSpPr>
+          <p:nvPr>
+            <p:ph type="title"/>
+          </p:nvPr>
+        </p:nvSpPr>
+        <p:spPr>
+          <a:xfrm>
+            <a:off x="838200" y="365126"/>
+            <a:ext cx="4252415" cy="315912"/>
+          </a:xfrm>
+        </p:spPr>
+        <p:txBody>
+          <a:bodyPr>
+            <a:normAutofit fontScale="90000"/>
+          </a:bodyPr>
+          <a:lstStyle/>
+          <a:p>
+            <a:r>
+              <a:rPr lang="en-US" dirty="0" err="1"/>
+              <a:t>Npm</a:t>
+            </a:r>
+            <a:r>
+              <a:rPr lang="en-US" dirty="0"/>
+              <a:t> &amp; Packages</a:t>
+            </a:r>
+          </a:p>
+        </p:txBody>
+      </p:sp>
+      <p:sp>
+        <p:nvSpPr>
+          <p:cNvPr id="4" name="Rectangle 3">
+            <a:extLst>
+              <a:ext uri="{FF2B5EF4-FFF2-40B4-BE49-F238E27FC236}">
+                <a16:creationId xmlns:a16="http://schemas.microsoft.com/office/drawing/2014/main" id="{D43D2C78-8C9D-461C-06F3-C55B6E6AB984}"/>
+              </a:ext>
+            </a:extLst>
+          </p:cNvPr>
+          <p:cNvSpPr/>
+          <p:nvPr/>
+        </p:nvSpPr>
+        <p:spPr>
+          <a:xfrm>
+            <a:off x="838200" y="1214651"/>
+            <a:ext cx="3761096" cy="736979"/>
+          </a:xfrm>
+          <a:prstGeom prst="rect">
+            <a:avLst/>
+          </a:prstGeom>
+          <a:solidFill>
+            <a:srgbClr val="7030A0"/>
+          </a:solidFill>
+        </p:spPr>
+        <p:style>
+          <a:lnRef idx="2">
+            <a:schemeClr val="accent1">
+              <a:shade val="50000"/>
+            </a:schemeClr>
+          </a:lnRef>
+          <a:fillRef idx="1">
+            <a:schemeClr val="accent1"/>
+          </a:fillRef>
+          <a:effectRef idx="0">
+            <a:schemeClr val="accent1"/>
+          </a:effectRef>
+          <a:fontRef idx="minor">
+            <a:schemeClr val="lt1"/>
+          </a:fontRef>
+        </p:style>
+        <p:txBody>
+          <a:bodyPr rtlCol="0" anchor="ctr"/>
+          <a:lstStyle/>
+          <a:p>
+            <a:pPr algn="ctr"/>
+            <a:r>
+              <a:rPr lang="en-US" dirty="0">
+                <a:solidFill>
+                  <a:schemeClr val="bg1"/>
+                </a:solidFill>
+              </a:rPr>
+              <a:t>Local Project</a:t>
+            </a:r>
+          </a:p>
+        </p:txBody>
+      </p:sp>
+      <p:sp>
+        <p:nvSpPr>
+          <p:cNvPr id="5" name="Rectangle 4">
+            <a:extLst>
+              <a:ext uri="{FF2B5EF4-FFF2-40B4-BE49-F238E27FC236}">
+                <a16:creationId xmlns:a16="http://schemas.microsoft.com/office/drawing/2014/main" id="{1B789436-CEF7-53A6-DD7F-317551EE06E0}"/>
+              </a:ext>
+            </a:extLst>
+          </p:cNvPr>
+          <p:cNvSpPr/>
+          <p:nvPr/>
+        </p:nvSpPr>
+        <p:spPr>
+          <a:xfrm>
+            <a:off x="838200" y="2238233"/>
+            <a:ext cx="3761096" cy="736979"/>
+          </a:xfrm>
+          <a:prstGeom prst="rect">
+            <a:avLst/>
+          </a:prstGeom>
+          <a:solidFill>
+            <a:srgbClr val="7030A0"/>
+          </a:solidFill>
+        </p:spPr>
+        <p:style>
+          <a:lnRef idx="2">
+            <a:schemeClr val="accent1">
+              <a:shade val="50000"/>
+            </a:schemeClr>
+          </a:lnRef>
+          <a:fillRef idx="1">
+            <a:schemeClr val="accent1"/>
+          </a:fillRef>
+          <a:effectRef idx="0">
+            <a:schemeClr val="accent1"/>
+          </a:effectRef>
+          <a:fontRef idx="minor">
+            <a:schemeClr val="lt1"/>
+          </a:fontRef>
+        </p:style>
+        <p:txBody>
+          <a:bodyPr rtlCol="0" anchor="ctr"/>
+          <a:lstStyle/>
+          <a:p>
+            <a:pPr algn="ctr"/>
+            <a:r>
+              <a:rPr lang="en-US" dirty="0"/>
+              <a:t>&lt;Your Code&gt;</a:t>
+            </a:r>
+          </a:p>
+        </p:txBody>
+      </p:sp>
+      <p:sp>
+        <p:nvSpPr>
+          <p:cNvPr id="6" name="Rectangle 5">
+            <a:extLst>
+              <a:ext uri="{FF2B5EF4-FFF2-40B4-BE49-F238E27FC236}">
+                <a16:creationId xmlns:a16="http://schemas.microsoft.com/office/drawing/2014/main" id="{0665B2E6-4869-EE94-484B-A12B02F2290A}"/>
+              </a:ext>
+            </a:extLst>
+          </p:cNvPr>
+          <p:cNvSpPr/>
+          <p:nvPr/>
+        </p:nvSpPr>
+        <p:spPr>
+          <a:xfrm>
+            <a:off x="838200" y="3388056"/>
+            <a:ext cx="3761096" cy="736979"/>
+          </a:xfrm>
+          <a:prstGeom prst="rect">
+            <a:avLst/>
+          </a:prstGeom>
+          <a:solidFill>
+            <a:schemeClr val="accent2">
+              <a:lumMod val="75000"/>
+            </a:schemeClr>
+          </a:solidFill>
+        </p:spPr>
+        <p:style>
+          <a:lnRef idx="2">
+            <a:schemeClr val="accent1">
+              <a:shade val="50000"/>
+            </a:schemeClr>
+          </a:lnRef>
+          <a:fillRef idx="1">
+            <a:schemeClr val="accent1"/>
+          </a:fillRef>
+          <a:effectRef idx="0">
+            <a:schemeClr val="accent1"/>
+          </a:effectRef>
+          <a:fontRef idx="minor">
+            <a:schemeClr val="lt1"/>
+          </a:fontRef>
+        </p:style>
+        <p:txBody>
+          <a:bodyPr rtlCol="0" anchor="ctr"/>
+          <a:lstStyle/>
+          <a:p>
+            <a:pPr algn="ctr"/>
+            <a:r>
+              <a:rPr lang="en-US" dirty="0"/>
+              <a:t>Core Node Packages</a:t>
+            </a:r>
+          </a:p>
+        </p:txBody>
+      </p:sp>
+      <p:sp>
+        <p:nvSpPr>
+          <p:cNvPr id="7" name="Rectangle 6">
+            <a:extLst>
+              <a:ext uri="{FF2B5EF4-FFF2-40B4-BE49-F238E27FC236}">
+                <a16:creationId xmlns:a16="http://schemas.microsoft.com/office/drawing/2014/main" id="{57D2901E-26EB-C70E-F6F0-13B3FFB84A89}"/>
+              </a:ext>
+            </a:extLst>
+          </p:cNvPr>
+          <p:cNvSpPr/>
+          <p:nvPr/>
+        </p:nvSpPr>
+        <p:spPr>
+          <a:xfrm>
+            <a:off x="838200" y="4582233"/>
+            <a:ext cx="3761096" cy="736979"/>
+          </a:xfrm>
+          <a:prstGeom prst="rect">
+            <a:avLst/>
+          </a:prstGeom>
+          <a:solidFill>
+            <a:schemeClr val="accent1">
+              <a:lumMod val="75000"/>
+            </a:schemeClr>
+          </a:solidFill>
+        </p:spPr>
+        <p:style>
+          <a:lnRef idx="2">
+            <a:schemeClr val="accent1">
+              <a:shade val="50000"/>
+            </a:schemeClr>
+          </a:lnRef>
+          <a:fillRef idx="1">
+            <a:schemeClr val="accent1"/>
+          </a:fillRef>
+          <a:effectRef idx="0">
+            <a:schemeClr val="accent1"/>
+          </a:effectRef>
+          <a:fontRef idx="minor">
+            <a:schemeClr val="lt1"/>
+          </a:fontRef>
+        </p:style>
+        <p:txBody>
+          <a:bodyPr rtlCol="0" anchor="ctr"/>
+          <a:lstStyle/>
+          <a:p>
+            <a:pPr algn="ctr"/>
+            <a:r>
+              <a:rPr lang="en-US" dirty="0"/>
+              <a:t>Dependencies (3</a:t>
+            </a:r>
+            <a:r>
+              <a:rPr lang="en-US" baseline="30000" dirty="0"/>
+              <a:t>rd</a:t>
+            </a:r>
+            <a:r>
+              <a:rPr lang="en-US" dirty="0"/>
+              <a:t> Party)</a:t>
+            </a:r>
+          </a:p>
+        </p:txBody>
+      </p:sp>
+      <p:sp>
+        <p:nvSpPr>
+          <p:cNvPr id="8" name="Rectangle 7">
+            <a:extLst>
+              <a:ext uri="{FF2B5EF4-FFF2-40B4-BE49-F238E27FC236}">
+                <a16:creationId xmlns:a16="http://schemas.microsoft.com/office/drawing/2014/main" id="{A070A394-F563-1467-92D3-DEE1A229D0CC}"/>
+              </a:ext>
+            </a:extLst>
+          </p:cNvPr>
+          <p:cNvSpPr/>
+          <p:nvPr/>
+        </p:nvSpPr>
+        <p:spPr>
+          <a:xfrm>
+            <a:off x="6488373" y="1224883"/>
+            <a:ext cx="3761096" cy="736979"/>
+          </a:xfrm>
+          <a:prstGeom prst="rect">
+            <a:avLst/>
+          </a:prstGeom>
+          <a:solidFill>
+            <a:schemeClr val="accent1">
+              <a:lumMod val="75000"/>
+            </a:schemeClr>
+          </a:solidFill>
+        </p:spPr>
+        <p:style>
+          <a:lnRef idx="2">
+            <a:schemeClr val="accent1">
+              <a:shade val="50000"/>
+            </a:schemeClr>
+          </a:lnRef>
+          <a:fillRef idx="1">
+            <a:schemeClr val="accent1"/>
+          </a:fillRef>
+          <a:effectRef idx="0">
+            <a:schemeClr val="accent1"/>
+          </a:effectRef>
+          <a:fontRef idx="minor">
+            <a:schemeClr val="lt1"/>
+          </a:fontRef>
+        </p:style>
+        <p:txBody>
+          <a:bodyPr rtlCol="0" anchor="ctr"/>
+          <a:lstStyle/>
+          <a:p>
+            <a:pPr algn="ctr"/>
+            <a:r>
+              <a:rPr lang="en-US" dirty="0" err="1"/>
+              <a:t>Npm</a:t>
+            </a:r>
+            <a:r>
+              <a:rPr lang="en-US" dirty="0"/>
+              <a:t> Repository</a:t>
+            </a:r>
+          </a:p>
+        </p:txBody>
+      </p:sp>
+      <p:sp>
+        <p:nvSpPr>
+          <p:cNvPr id="9" name="Rectangle 8">
+            <a:extLst>
+              <a:ext uri="{FF2B5EF4-FFF2-40B4-BE49-F238E27FC236}">
+                <a16:creationId xmlns:a16="http://schemas.microsoft.com/office/drawing/2014/main" id="{85D1B384-DA1C-C182-60C1-B4B0B5D6B526}"/>
+              </a:ext>
+            </a:extLst>
+          </p:cNvPr>
+          <p:cNvSpPr/>
+          <p:nvPr/>
+        </p:nvSpPr>
+        <p:spPr>
+          <a:xfrm>
+            <a:off x="6488373" y="3845254"/>
+            <a:ext cx="3761096" cy="736979"/>
+          </a:xfrm>
+          <a:prstGeom prst="rect">
+            <a:avLst/>
+          </a:prstGeom>
+          <a:solidFill>
+            <a:schemeClr val="accent1">
+              <a:lumMod val="75000"/>
+            </a:schemeClr>
+          </a:solidFill>
+        </p:spPr>
+        <p:style>
+          <a:lnRef idx="2">
+            <a:schemeClr val="accent1">
+              <a:shade val="50000"/>
+            </a:schemeClr>
+          </a:lnRef>
+          <a:fillRef idx="1">
+            <a:schemeClr val="accent1"/>
+          </a:fillRef>
+          <a:effectRef idx="0">
+            <a:schemeClr val="accent1"/>
+          </a:effectRef>
+          <a:fontRef idx="minor">
+            <a:schemeClr val="lt1"/>
+          </a:fontRef>
+        </p:style>
+        <p:txBody>
+          <a:bodyPr rtlCol="0" anchor="ctr"/>
+          <a:lstStyle/>
+          <a:p>
+            <a:pPr algn="ctr"/>
+            <a:r>
+              <a:rPr lang="en-US" dirty="0"/>
+              <a:t>express</a:t>
+            </a:r>
+          </a:p>
+        </p:txBody>
+      </p:sp>
+      <p:sp>
+        <p:nvSpPr>
+          <p:cNvPr id="10" name="Rectangle 9">
+            <a:extLst>
+              <a:ext uri="{FF2B5EF4-FFF2-40B4-BE49-F238E27FC236}">
+                <a16:creationId xmlns:a16="http://schemas.microsoft.com/office/drawing/2014/main" id="{FB6D3F96-CC41-F123-3C5A-F896260EE929}"/>
+              </a:ext>
+            </a:extLst>
+          </p:cNvPr>
+          <p:cNvSpPr/>
+          <p:nvPr/>
+        </p:nvSpPr>
+        <p:spPr>
+          <a:xfrm>
+            <a:off x="6488373" y="4906371"/>
+            <a:ext cx="3761096" cy="736979"/>
+          </a:xfrm>
+          <a:prstGeom prst="rect">
+            <a:avLst/>
+          </a:prstGeom>
+          <a:solidFill>
+            <a:schemeClr val="accent1">
+              <a:lumMod val="75000"/>
+            </a:schemeClr>
+          </a:solidFill>
+        </p:spPr>
+        <p:style>
+          <a:lnRef idx="2">
+            <a:schemeClr val="accent1">
+              <a:shade val="50000"/>
+            </a:schemeClr>
+          </a:lnRef>
+          <a:fillRef idx="1">
+            <a:schemeClr val="accent1"/>
+          </a:fillRef>
+          <a:effectRef idx="0">
+            <a:schemeClr val="accent1"/>
+          </a:effectRef>
+          <a:fontRef idx="minor">
+            <a:schemeClr val="lt1"/>
+          </a:fontRef>
+        </p:style>
+        <p:txBody>
+          <a:bodyPr rtlCol="0" anchor="ctr"/>
+          <a:lstStyle/>
+          <a:p>
+            <a:pPr algn="ctr"/>
+            <a:r>
+              <a:rPr lang="en-US" dirty="0"/>
+              <a:t>Body-parser</a:t>
+            </a:r>
+          </a:p>
+        </p:txBody>
+      </p:sp>
+      <p:cxnSp>
+        <p:nvCxnSpPr>
+          <p:cNvPr id="12" name="Connector: Elbow 11">
+            <a:extLst>
+              <a:ext uri="{FF2B5EF4-FFF2-40B4-BE49-F238E27FC236}">
+                <a16:creationId xmlns:a16="http://schemas.microsoft.com/office/drawing/2014/main" id="{87095142-303B-8644-D96D-58BD201C0559}"/>
+              </a:ext>
+            </a:extLst>
+          </p:cNvPr>
+          <p:cNvCxnSpPr>
+            <a:stCxn id="7" idx="3"/>
+          </p:cNvCxnSpPr>
+          <p:nvPr/>
+        </p:nvCxnSpPr>
+        <p:spPr>
+          <a:xfrm flipV="1">
+            <a:off x="4599296" y="4213743"/>
+            <a:ext cx="2006220" cy="736980"/>
+          </a:xfrm>
+          <a:prstGeom prst="bentConnector3">
+            <a:avLst/>
+          </a:prstGeom>
+        </p:spPr>
+        <p:style>
+          <a:lnRef idx="1">
+            <a:schemeClr val="accent1"/>
+          </a:lnRef>
+          <a:fillRef idx="0">
+            <a:schemeClr val="accent1"/>
+          </a:fillRef>
+          <a:effectRef idx="0">
+            <a:schemeClr val="accent1"/>
+          </a:effectRef>
+          <a:fontRef idx="minor">
+            <a:schemeClr val="tx1"/>
+          </a:fontRef>
+        </p:style>
+      </p:cxnSp>
+      <p:cxnSp>
+        <p:nvCxnSpPr>
+          <p:cNvPr id="14" name="Straight Connector 13">
+            <a:extLst>
+              <a:ext uri="{FF2B5EF4-FFF2-40B4-BE49-F238E27FC236}">
+                <a16:creationId xmlns:a16="http://schemas.microsoft.com/office/drawing/2014/main" id="{0452D062-F1C8-6544-B395-11B85BC8A952}"/>
+              </a:ext>
+            </a:extLst>
+          </p:cNvPr>
+          <p:cNvCxnSpPr>
+            <a:stCxn id="7" idx="3"/>
+            <a:endCxn id="10" idx="1"/>
+          </p:cNvCxnSpPr>
+          <p:nvPr/>
+        </p:nvCxnSpPr>
+        <p:spPr>
+          <a:xfrm>
+            <a:off x="4599296" y="4950723"/>
+            <a:ext cx="1889077" cy="324138"/>
+          </a:xfrm>
+          <a:prstGeom prst="line">
+            <a:avLst/>
+          </a:prstGeom>
+        </p:spPr>
+        <p:style>
+          <a:lnRef idx="1">
+            <a:schemeClr val="accent1"/>
+          </a:lnRef>
+          <a:fillRef idx="0">
+            <a:schemeClr val="accent1"/>
+          </a:fillRef>
+          <a:effectRef idx="0">
+            <a:schemeClr val="accent1"/>
+          </a:effectRef>
+          <a:fontRef idx="minor">
+            <a:schemeClr val="tx1"/>
+          </a:fontRef>
+        </p:style>
+      </p:cxnSp>
+      <p:sp>
+        <p:nvSpPr>
+          <p:cNvPr id="15" name="Rectangle 14">
+            <a:extLst>
+              <a:ext uri="{FF2B5EF4-FFF2-40B4-BE49-F238E27FC236}">
+                <a16:creationId xmlns:a16="http://schemas.microsoft.com/office/drawing/2014/main" id="{1A0B33E3-9F8A-0CF8-9D8D-28BC1B647B2B}"/>
+              </a:ext>
+            </a:extLst>
+          </p:cNvPr>
+          <p:cNvSpPr/>
+          <p:nvPr/>
+        </p:nvSpPr>
+        <p:spPr>
+          <a:xfrm>
+            <a:off x="2060812" y="5827594"/>
+            <a:ext cx="3234519" cy="559554"/>
+          </a:xfrm>
+          <a:prstGeom prst="rect">
+            <a:avLst/>
+          </a:prstGeom>
+        </p:spPr>
+        <p:style>
+          <a:lnRef idx="2">
+            <a:schemeClr val="accent1">
+              <a:shade val="50000"/>
+            </a:schemeClr>
+          </a:lnRef>
+          <a:fillRef idx="1">
+            <a:schemeClr val="accent1"/>
+          </a:fillRef>
+          <a:effectRef idx="0">
+            <a:schemeClr val="accent1"/>
+          </a:effectRef>
+          <a:fontRef idx="minor">
+            <a:schemeClr val="lt1"/>
+          </a:fontRef>
+        </p:style>
+        <p:txBody>
+          <a:bodyPr rtlCol="0" anchor="ctr"/>
+          <a:lstStyle/>
+          <a:p>
+            <a:pPr algn="ctr"/>
+            <a:r>
+              <a:rPr lang="en-US" dirty="0"/>
+              <a:t>Installed &amp; Managed via </a:t>
+            </a:r>
+            <a:r>
+              <a:rPr lang="en-US" dirty="0" err="1"/>
+              <a:t>npm</a:t>
+            </a:r>
+            <a:endParaRPr lang="en-US" dirty="0"/>
+          </a:p>
+        </p:txBody>
+      </p:sp>
+      <p:sp>
+        <p:nvSpPr>
+          <p:cNvPr id="16" name="Arrow: Right 15">
+            <a:extLst>
+              <a:ext uri="{FF2B5EF4-FFF2-40B4-BE49-F238E27FC236}">
+                <a16:creationId xmlns:a16="http://schemas.microsoft.com/office/drawing/2014/main" id="{E475625E-E2CC-7F7B-4ED8-1BE21E20583D}"/>
+              </a:ext>
+            </a:extLst>
+          </p:cNvPr>
+          <p:cNvSpPr/>
+          <p:nvPr/>
+        </p:nvSpPr>
+        <p:spPr>
+          <a:xfrm rot="18694815">
+            <a:off x="4460316" y="5129632"/>
+            <a:ext cx="1147052" cy="379160"/>
+          </a:xfrm>
+          <a:prstGeom prst="rightArrow">
+            <a:avLst/>
+          </a:prstGeom>
+        </p:spPr>
+        <p:style>
+          <a:lnRef idx="2">
+            <a:schemeClr val="accent1">
+              <a:shade val="50000"/>
+            </a:schemeClr>
+          </a:lnRef>
+          <a:fillRef idx="1">
+            <a:schemeClr val="accent1"/>
+          </a:fillRef>
+          <a:effectRef idx="0">
+            <a:schemeClr val="accent1"/>
+          </a:effectRef>
+          <a:fontRef idx="minor">
+            <a:schemeClr val="lt1"/>
+          </a:fontRef>
+        </p:style>
+        <p:txBody>
+          <a:bodyPr rtlCol="0" anchor="ctr"/>
+          <a:lstStyle/>
+          <a:p>
+            <a:pPr algn="ctr"/>
+            <a:endParaRPr lang="en-US"/>
+          </a:p>
+        </p:txBody>
+      </p:sp>
+    </p:spTree>
+    <p:extLst>
+      <p:ext uri="{BB962C8B-B14F-4D97-AF65-F5344CB8AC3E}">
+        <p14:creationId xmlns:p14="http://schemas.microsoft.com/office/powerpoint/2010/main" val="3213177291"/>
+      </p:ext>
+    </p:extLst>
+  </p:cSld>
+  <p:clrMapOvr>
+    <a:masterClrMapping/>
+  </p:clrMapOvr>
+</p:sld>
+</file>
+
+<file path=ppt/slides/slide35.xml><?xml version="1.0" encoding="utf-8"?>
+<p:sld xmlns:a="http://schemas.openxmlformats.org/drawingml/2006/main" xmlns:r="http://schemas.openxmlformats.org/officeDocument/2006/relationships" xmlns:p="http://schemas.openxmlformats.org/presentationml/2006/main">
+  <p:cSld>
+    <p:spTree>
+      <p:nvGrpSpPr>
+        <p:cNvPr id="1" name=""/>
+        <p:cNvGrpSpPr/>
+        <p:nvPr/>
+      </p:nvGrpSpPr>
+      <p:grpSpPr>
+        <a:xfrm>
+          <a:off x="0" y="0"/>
+          <a:ext cx="0" cy="0"/>
+          <a:chOff x="0" y="0"/>
+          <a:chExt cx="0" cy="0"/>
+        </a:xfrm>
+      </p:grpSpPr>
+      <p:sp>
+        <p:nvSpPr>
+          <p:cNvPr id="2" name="Title 1">
+            <a:extLst>
+              <a:ext uri="{FF2B5EF4-FFF2-40B4-BE49-F238E27FC236}">
+                <a16:creationId xmlns:a16="http://schemas.microsoft.com/office/drawing/2014/main" id="{5036FAC1-76E0-6080-19FD-E373BB638141}"/>
+              </a:ext>
+            </a:extLst>
+          </p:cNvPr>
+          <p:cNvSpPr>
+            <a:spLocks noGrp="1"/>
+          </p:cNvSpPr>
+          <p:nvPr>
+            <p:ph type="title"/>
+          </p:nvPr>
+        </p:nvSpPr>
+        <p:spPr/>
+        <p:txBody>
+          <a:bodyPr/>
+          <a:lstStyle/>
+          <a:p>
+            <a:r>
+              <a:rPr lang="en-US" dirty="0"/>
+              <a:t>Types of Errors</a:t>
+            </a:r>
+          </a:p>
+        </p:txBody>
+      </p:sp>
+      <p:sp>
+        <p:nvSpPr>
+          <p:cNvPr id="4" name="Rectangle 3">
+            <a:extLst>
+              <a:ext uri="{FF2B5EF4-FFF2-40B4-BE49-F238E27FC236}">
+                <a16:creationId xmlns:a16="http://schemas.microsoft.com/office/drawing/2014/main" id="{3EC656BE-C346-7046-87FC-5D16494CAFA9}"/>
+              </a:ext>
+            </a:extLst>
+          </p:cNvPr>
+          <p:cNvSpPr/>
+          <p:nvPr/>
+        </p:nvSpPr>
+        <p:spPr>
+          <a:xfrm>
+            <a:off x="838200" y="2183642"/>
+            <a:ext cx="3187890" cy="2129051"/>
+          </a:xfrm>
+          <a:prstGeom prst="rect">
+            <a:avLst/>
+          </a:prstGeom>
+        </p:spPr>
+        <p:style>
+          <a:lnRef idx="2">
+            <a:schemeClr val="accent4">
+              <a:shade val="50000"/>
+            </a:schemeClr>
+          </a:lnRef>
+          <a:fillRef idx="1">
+            <a:schemeClr val="accent4"/>
+          </a:fillRef>
+          <a:effectRef idx="0">
+            <a:schemeClr val="accent4"/>
+          </a:effectRef>
+          <a:fontRef idx="minor">
+            <a:schemeClr val="lt1"/>
+          </a:fontRef>
+        </p:style>
+        <p:txBody>
+          <a:bodyPr rtlCol="0" anchor="ctr"/>
+          <a:lstStyle/>
+          <a:p>
+            <a:pPr algn="ctr"/>
+            <a:r>
+              <a:rPr lang="en-US" dirty="0">
+                <a:ln w="0"/>
+                <a:solidFill>
+                  <a:schemeClr val="tx1"/>
+                </a:solidFill>
+                <a:effectLst>
+                  <a:outerShdw blurRad="38100" dist="19050" dir="2700000" algn="tl" rotWithShape="0">
+                    <a:schemeClr val="dk1">
+                      <a:alpha val="40000"/>
+                    </a:schemeClr>
+                  </a:outerShdw>
+                </a:effectLst>
+              </a:rPr>
+              <a:t>Syntax Errors</a:t>
+            </a:r>
+          </a:p>
+        </p:txBody>
+      </p:sp>
+      <p:sp>
+        <p:nvSpPr>
+          <p:cNvPr id="5" name="Rectangle 4">
+            <a:extLst>
+              <a:ext uri="{FF2B5EF4-FFF2-40B4-BE49-F238E27FC236}">
+                <a16:creationId xmlns:a16="http://schemas.microsoft.com/office/drawing/2014/main" id="{A7994EF7-CCB9-16F0-C195-40D0D570AB91}"/>
+              </a:ext>
+            </a:extLst>
+          </p:cNvPr>
+          <p:cNvSpPr/>
+          <p:nvPr/>
+        </p:nvSpPr>
+        <p:spPr>
+          <a:xfrm>
+            <a:off x="4645926" y="2183642"/>
+            <a:ext cx="3187890" cy="2129051"/>
+          </a:xfrm>
+          <a:prstGeom prst="rect">
+            <a:avLst/>
+          </a:prstGeom>
+        </p:spPr>
+        <p:style>
+          <a:lnRef idx="2">
+            <a:schemeClr val="accent2">
+              <a:shade val="50000"/>
+            </a:schemeClr>
+          </a:lnRef>
+          <a:fillRef idx="1">
+            <a:schemeClr val="accent2"/>
+          </a:fillRef>
+          <a:effectRef idx="0">
+            <a:schemeClr val="accent2"/>
+          </a:effectRef>
+          <a:fontRef idx="minor">
+            <a:schemeClr val="lt1"/>
+          </a:fontRef>
+        </p:style>
+        <p:txBody>
+          <a:bodyPr rtlCol="0" anchor="ctr"/>
+          <a:lstStyle/>
+          <a:p>
+            <a:pPr algn="ctr"/>
+            <a:r>
+              <a:rPr lang="en-US" dirty="0">
+                <a:ln w="0"/>
+                <a:solidFill>
+                  <a:schemeClr val="tx1"/>
+                </a:solidFill>
+                <a:effectLst>
+                  <a:outerShdw blurRad="38100" dist="19050" dir="2700000" algn="tl" rotWithShape="0">
+                    <a:schemeClr val="dk1">
+                      <a:alpha val="40000"/>
+                    </a:schemeClr>
+                  </a:outerShdw>
+                </a:effectLst>
+              </a:rPr>
+              <a:t>Runtime Errors</a:t>
+            </a:r>
+          </a:p>
+        </p:txBody>
+      </p:sp>
+      <p:sp>
+        <p:nvSpPr>
+          <p:cNvPr id="6" name="Rectangle 5">
+            <a:extLst>
+              <a:ext uri="{FF2B5EF4-FFF2-40B4-BE49-F238E27FC236}">
+                <a16:creationId xmlns:a16="http://schemas.microsoft.com/office/drawing/2014/main" id="{73EB429D-060B-66FE-F172-7BAE93AF41ED}"/>
+              </a:ext>
+            </a:extLst>
+          </p:cNvPr>
+          <p:cNvSpPr/>
+          <p:nvPr/>
+        </p:nvSpPr>
+        <p:spPr>
+          <a:xfrm>
+            <a:off x="8453652" y="2183642"/>
+            <a:ext cx="3187890" cy="2129051"/>
+          </a:xfrm>
+          <a:prstGeom prst="rect">
+            <a:avLst/>
+          </a:prstGeom>
+        </p:spPr>
+        <p:style>
+          <a:lnRef idx="2">
+            <a:schemeClr val="accent6">
+              <a:shade val="50000"/>
+            </a:schemeClr>
+          </a:lnRef>
+          <a:fillRef idx="1">
+            <a:schemeClr val="accent6"/>
+          </a:fillRef>
+          <a:effectRef idx="0">
+            <a:schemeClr val="accent6"/>
+          </a:effectRef>
+          <a:fontRef idx="minor">
+            <a:schemeClr val="lt1"/>
+          </a:fontRef>
+        </p:style>
+        <p:txBody>
+          <a:bodyPr rtlCol="0" anchor="ctr"/>
+          <a:lstStyle/>
+          <a:p>
+            <a:pPr algn="ctr"/>
+            <a:r>
+              <a:rPr lang="en-US" dirty="0">
+                <a:ln w="0"/>
+                <a:solidFill>
+                  <a:schemeClr val="tx1"/>
+                </a:solidFill>
+                <a:effectLst>
+                  <a:outerShdw blurRad="38100" dist="19050" dir="2700000" algn="tl" rotWithShape="0">
+                    <a:schemeClr val="dk1">
+                      <a:alpha val="40000"/>
+                    </a:schemeClr>
+                  </a:outerShdw>
+                </a:effectLst>
+              </a:rPr>
+              <a:t>Logical Errors</a:t>
+            </a:r>
+          </a:p>
+        </p:txBody>
+      </p:sp>
+    </p:spTree>
+    <p:extLst>
+      <p:ext uri="{BB962C8B-B14F-4D97-AF65-F5344CB8AC3E}">
+        <p14:creationId xmlns:p14="http://schemas.microsoft.com/office/powerpoint/2010/main" val="1005206417"/>
+      </p:ext>
+    </p:extLst>
+  </p:cSld>
+  <p:clrMapOvr>
+    <a:masterClrMapping/>
+  </p:clrMapOvr>
+</p:sld>
+</file>
+
+<file path=ppt/slides/slide36.xml><?xml version="1.0" encoding="utf-8"?>
+<p:sld xmlns:a="http://schemas.openxmlformats.org/drawingml/2006/main" xmlns:r="http://schemas.openxmlformats.org/officeDocument/2006/relationships" xmlns:p="http://schemas.openxmlformats.org/presentationml/2006/main">
+  <p:cSld>
+    <p:spTree>
+      <p:nvGrpSpPr>
+        <p:cNvPr id="1" name=""/>
+        <p:cNvGrpSpPr/>
+        <p:nvPr/>
+      </p:nvGrpSpPr>
+      <p:grpSpPr>
+        <a:xfrm>
+          <a:off x="0" y="0"/>
+          <a:ext cx="0" cy="0"/>
+          <a:chOff x="0" y="0"/>
+          <a:chExt cx="0" cy="0"/>
+        </a:xfrm>
+      </p:grpSpPr>
+      <p:sp>
+        <p:nvSpPr>
+          <p:cNvPr id="2" name="Title 1">
+            <a:extLst>
+              <a:ext uri="{FF2B5EF4-FFF2-40B4-BE49-F238E27FC236}">
+                <a16:creationId xmlns:a16="http://schemas.microsoft.com/office/drawing/2014/main" id="{BC14DB3D-EFEE-C632-92D4-AAE3E9E95A88}"/>
+              </a:ext>
+            </a:extLst>
+          </p:cNvPr>
+          <p:cNvSpPr>
+            <a:spLocks noGrp="1"/>
+          </p:cNvSpPr>
+          <p:nvPr>
+            <p:ph type="title"/>
+          </p:nvPr>
+        </p:nvSpPr>
+        <p:spPr>
+          <a:xfrm>
+            <a:off x="838200" y="365125"/>
+            <a:ext cx="4170528" cy="562923"/>
+          </a:xfrm>
+        </p:spPr>
+        <p:txBody>
+          <a:bodyPr>
+            <a:normAutofit fontScale="90000"/>
+          </a:bodyPr>
+          <a:lstStyle/>
+          <a:p>
+            <a:r>
+              <a:rPr lang="en-US" dirty="0"/>
+              <a:t>Module Summary</a:t>
+            </a:r>
+          </a:p>
+        </p:txBody>
+      </p:sp>
+      <p:grpSp>
+        <p:nvGrpSpPr>
+          <p:cNvPr id="6" name="Group 5">
+            <a:extLst>
+              <a:ext uri="{FF2B5EF4-FFF2-40B4-BE49-F238E27FC236}">
+                <a16:creationId xmlns:a16="http://schemas.microsoft.com/office/drawing/2014/main" id="{38AF6FA7-CFAC-2BBB-4914-6E64488826B7}"/>
+              </a:ext>
+            </a:extLst>
+          </p:cNvPr>
+          <p:cNvGrpSpPr/>
+          <p:nvPr/>
+        </p:nvGrpSpPr>
+        <p:grpSpPr>
+          <a:xfrm>
+            <a:off x="627795" y="1132765"/>
+            <a:ext cx="4544706" cy="2088108"/>
+            <a:chOff x="668739" y="1132764"/>
+            <a:chExt cx="5322628" cy="2582839"/>
+          </a:xfrm>
+        </p:grpSpPr>
+        <p:sp>
+          <p:nvSpPr>
+            <p:cNvPr id="4" name="Rectangle 3">
+              <a:extLst>
+                <a:ext uri="{FF2B5EF4-FFF2-40B4-BE49-F238E27FC236}">
+                  <a16:creationId xmlns:a16="http://schemas.microsoft.com/office/drawing/2014/main" id="{67DB7522-2353-422B-C7BE-BAE7393E6C13}"/>
+                </a:ext>
+              </a:extLst>
+            </p:cNvPr>
+            <p:cNvSpPr/>
+            <p:nvPr/>
+          </p:nvSpPr>
+          <p:spPr>
+            <a:xfrm>
+              <a:off x="668740" y="1132764"/>
+              <a:ext cx="5322627" cy="562923"/>
+            </a:xfrm>
+            <a:prstGeom prst="rect">
+              <a:avLst/>
+            </a:prstGeom>
+            <a:solidFill>
+              <a:schemeClr val="accent2">
+                <a:lumMod val="75000"/>
+              </a:schemeClr>
+            </a:solidFill>
+          </p:spPr>
+          <p:style>
+            <a:lnRef idx="2">
+              <a:schemeClr val="accent1">
+                <a:shade val="50000"/>
+              </a:schemeClr>
+            </a:lnRef>
+            <a:fillRef idx="1">
+              <a:schemeClr val="accent1"/>
+            </a:fillRef>
+            <a:effectRef idx="0">
+              <a:schemeClr val="accent1"/>
+            </a:effectRef>
+            <a:fontRef idx="minor">
+              <a:schemeClr val="lt1"/>
+            </a:fontRef>
+          </p:style>
+          <p:txBody>
+            <a:bodyPr rtlCol="0" anchor="ctr"/>
+            <a:lstStyle/>
+            <a:p>
+              <a:pPr algn="ctr"/>
+              <a:r>
+                <a:rPr lang="en-US" dirty="0" err="1">
+                  <a:ln w="0"/>
+                  <a:solidFill>
+                    <a:schemeClr val="tx1"/>
+                  </a:solidFill>
+                  <a:effectLst>
+                    <a:outerShdw blurRad="38100" dist="19050" dir="2700000" algn="tl" rotWithShape="0">
+                      <a:schemeClr val="dk1">
+                        <a:alpha val="40000"/>
+                      </a:schemeClr>
+                    </a:outerShdw>
+                  </a:effectLst>
+                </a:rPr>
+                <a:t>npm</a:t>
+              </a:r>
+              <a:endParaRPr lang="en-US" dirty="0">
+                <a:ln w="0"/>
+                <a:solidFill>
+                  <a:schemeClr val="tx1"/>
+                </a:solidFill>
+                <a:effectLst>
+                  <a:outerShdw blurRad="38100" dist="19050" dir="2700000" algn="tl" rotWithShape="0">
+                    <a:schemeClr val="dk1">
+                      <a:alpha val="40000"/>
+                    </a:schemeClr>
+                  </a:outerShdw>
+                </a:effectLst>
+              </a:endParaRPr>
+            </a:p>
+          </p:txBody>
+        </p:sp>
+        <p:sp>
+          <p:nvSpPr>
+            <p:cNvPr id="5" name="Rectangle 4">
+              <a:extLst>
+                <a:ext uri="{FF2B5EF4-FFF2-40B4-BE49-F238E27FC236}">
+                  <a16:creationId xmlns:a16="http://schemas.microsoft.com/office/drawing/2014/main" id="{6F527B6C-F068-AE27-48BE-6B0E8ADBD900}"/>
+                </a:ext>
+              </a:extLst>
+            </p:cNvPr>
+            <p:cNvSpPr/>
+            <p:nvPr/>
+          </p:nvSpPr>
+          <p:spPr>
+            <a:xfrm>
+              <a:off x="668739" y="1658156"/>
+              <a:ext cx="5322627" cy="2057447"/>
+            </a:xfrm>
+            <a:prstGeom prst="rect">
+              <a:avLst/>
+            </a:prstGeom>
+            <a:solidFill>
+              <a:schemeClr val="accent2">
+                <a:lumMod val="60000"/>
+                <a:lumOff val="40000"/>
+              </a:schemeClr>
+            </a:solidFill>
+          </p:spPr>
+          <p:style>
+            <a:lnRef idx="2">
+              <a:schemeClr val="accent1">
+                <a:shade val="50000"/>
+              </a:schemeClr>
+            </a:lnRef>
+            <a:fillRef idx="1">
+              <a:schemeClr val="accent1"/>
+            </a:fillRef>
+            <a:effectRef idx="0">
+              <a:schemeClr val="accent1"/>
+            </a:effectRef>
+            <a:fontRef idx="minor">
+              <a:schemeClr val="lt1"/>
+            </a:fontRef>
+          </p:style>
+          <p:txBody>
+            <a:bodyPr rtlCol="0" anchor="ctr"/>
+            <a:lstStyle/>
+            <a:p>
+              <a:pPr marL="285750" indent="-285750" algn="ctr">
+                <a:buFont typeface="Arial" panose="020B0604020202020204" pitchFamily="34" charset="0"/>
+                <a:buChar char="•"/>
+              </a:pPr>
+              <a:r>
+                <a:rPr lang="en-US" sz="1600" dirty="0" err="1">
+                  <a:ln w="0"/>
+                  <a:solidFill>
+                    <a:schemeClr val="tx1"/>
+                  </a:solidFill>
+                  <a:effectLst>
+                    <a:outerShdw blurRad="38100" dist="19050" dir="2700000" algn="tl" rotWithShape="0">
+                      <a:schemeClr val="dk1">
+                        <a:alpha val="40000"/>
+                      </a:schemeClr>
+                    </a:outerShdw>
+                  </a:effectLst>
+                </a:rPr>
+                <a:t>Npm</a:t>
+              </a:r>
+              <a:r>
+                <a:rPr lang="en-US" sz="1600" dirty="0">
+                  <a:ln w="0"/>
+                  <a:solidFill>
+                    <a:schemeClr val="tx1"/>
+                  </a:solidFill>
+                  <a:effectLst>
+                    <a:outerShdw blurRad="38100" dist="19050" dir="2700000" algn="tl" rotWithShape="0">
+                      <a:schemeClr val="dk1">
+                        <a:alpha val="40000"/>
+                      </a:schemeClr>
+                    </a:outerShdw>
+                  </a:effectLst>
+                </a:rPr>
+                <a:t> stands for “Node Package Manager” and it allows you  to manage your Node project and its dependencies.</a:t>
+              </a:r>
+            </a:p>
+            <a:p>
+              <a:pPr marL="285750" indent="-285750" algn="ctr">
+                <a:buFont typeface="Arial" panose="020B0604020202020204" pitchFamily="34" charset="0"/>
+                <a:buChar char="•"/>
+              </a:pPr>
+              <a:r>
+                <a:rPr lang="en-US" sz="1600" dirty="0">
+                  <a:ln w="0"/>
+                  <a:solidFill>
+                    <a:schemeClr val="tx1"/>
+                  </a:solidFill>
+                  <a:effectLst>
+                    <a:outerShdw blurRad="38100" dist="19050" dir="2700000" algn="tl" rotWithShape="0">
+                      <a:schemeClr val="dk1">
+                        <a:alpha val="40000"/>
+                      </a:schemeClr>
+                    </a:outerShdw>
+                  </a:effectLst>
+                </a:rPr>
+                <a:t>You can initialize a project with </a:t>
+              </a:r>
+              <a:r>
+                <a:rPr lang="en-US" sz="1600" dirty="0" err="1">
+                  <a:ln w="0"/>
+                  <a:solidFill>
+                    <a:schemeClr val="tx1"/>
+                  </a:solidFill>
+                  <a:effectLst>
+                    <a:outerShdw blurRad="38100" dist="19050" dir="2700000" algn="tl" rotWithShape="0">
+                      <a:schemeClr val="dk1">
+                        <a:alpha val="40000"/>
+                      </a:schemeClr>
+                    </a:outerShdw>
+                  </a:effectLst>
+                </a:rPr>
+                <a:t>npm</a:t>
+              </a:r>
+              <a:r>
+                <a:rPr lang="en-US" sz="1600" dirty="0">
+                  <a:ln w="0"/>
+                  <a:solidFill>
+                    <a:schemeClr val="tx1"/>
+                  </a:solidFill>
+                  <a:effectLst>
+                    <a:outerShdw blurRad="38100" dist="19050" dir="2700000" algn="tl" rotWithShape="0">
+                      <a:schemeClr val="dk1">
+                        <a:alpha val="40000"/>
+                      </a:schemeClr>
+                    </a:outerShdw>
+                  </a:effectLst>
+                </a:rPr>
+                <a:t> </a:t>
+              </a:r>
+              <a:r>
+                <a:rPr lang="en-US" sz="1600" dirty="0" err="1">
+                  <a:ln w="0"/>
+                  <a:solidFill>
+                    <a:schemeClr val="tx1"/>
+                  </a:solidFill>
+                  <a:effectLst>
+                    <a:outerShdw blurRad="38100" dist="19050" dir="2700000" algn="tl" rotWithShape="0">
+                      <a:schemeClr val="dk1">
+                        <a:alpha val="40000"/>
+                      </a:schemeClr>
+                    </a:outerShdw>
+                  </a:effectLst>
+                </a:rPr>
+                <a:t>init</a:t>
+              </a:r>
+              <a:endParaRPr lang="en-US" sz="1600" dirty="0">
+                <a:ln w="0"/>
+                <a:solidFill>
+                  <a:schemeClr val="tx1"/>
+                </a:solidFill>
+                <a:effectLst>
+                  <a:outerShdw blurRad="38100" dist="19050" dir="2700000" algn="tl" rotWithShape="0">
+                    <a:schemeClr val="dk1">
+                      <a:alpha val="40000"/>
+                    </a:schemeClr>
+                  </a:outerShdw>
+                </a:effectLst>
+              </a:endParaRPr>
+            </a:p>
+            <a:p>
+              <a:pPr marL="285750" indent="-285750" algn="ctr">
+                <a:buFont typeface="Arial" panose="020B0604020202020204" pitchFamily="34" charset="0"/>
+                <a:buChar char="•"/>
+              </a:pPr>
+              <a:r>
+                <a:rPr lang="en-US" sz="1600" dirty="0" err="1">
+                  <a:ln w="0"/>
+                  <a:solidFill>
+                    <a:schemeClr val="tx1"/>
+                  </a:solidFill>
+                  <a:effectLst>
+                    <a:outerShdw blurRad="38100" dist="19050" dir="2700000" algn="tl" rotWithShape="0">
+                      <a:schemeClr val="dk1">
+                        <a:alpha val="40000"/>
+                      </a:schemeClr>
+                    </a:outerShdw>
+                  </a:effectLst>
+                </a:rPr>
+                <a:t>Npm</a:t>
+              </a:r>
+              <a:r>
+                <a:rPr lang="en-US" sz="1600" dirty="0">
+                  <a:ln w="0"/>
+                  <a:solidFill>
+                    <a:schemeClr val="tx1"/>
+                  </a:solidFill>
+                  <a:effectLst>
+                    <a:outerShdw blurRad="38100" dist="19050" dir="2700000" algn="tl" rotWithShape="0">
+                      <a:schemeClr val="dk1">
+                        <a:alpha val="40000"/>
+                      </a:schemeClr>
+                    </a:outerShdw>
+                  </a:effectLst>
+                </a:rPr>
+                <a:t> scripts can be defined in the </a:t>
+              </a:r>
+              <a:r>
+                <a:rPr lang="en-US" sz="1600" dirty="0" err="1">
+                  <a:ln w="0"/>
+                  <a:solidFill>
+                    <a:schemeClr val="tx1"/>
+                  </a:solidFill>
+                  <a:effectLst>
+                    <a:outerShdw blurRad="38100" dist="19050" dir="2700000" algn="tl" rotWithShape="0">
+                      <a:schemeClr val="dk1">
+                        <a:alpha val="40000"/>
+                      </a:schemeClr>
+                    </a:outerShdw>
+                  </a:effectLst>
+                </a:rPr>
+                <a:t>package.json</a:t>
+              </a:r>
+              <a:r>
+                <a:rPr lang="en-US" sz="1600" dirty="0">
+                  <a:ln w="0"/>
+                  <a:solidFill>
+                    <a:schemeClr val="tx1"/>
+                  </a:solidFill>
+                  <a:effectLst>
+                    <a:outerShdw blurRad="38100" dist="19050" dir="2700000" algn="tl" rotWithShape="0">
+                      <a:schemeClr val="dk1">
+                        <a:alpha val="40000"/>
+                      </a:schemeClr>
+                    </a:outerShdw>
+                  </a:effectLst>
+                </a:rPr>
+                <a:t> to give you “shortcuts” to common tasks/commands</a:t>
+              </a:r>
+            </a:p>
+          </p:txBody>
+        </p:sp>
+      </p:grpSp>
+      <p:grpSp>
+        <p:nvGrpSpPr>
+          <p:cNvPr id="7" name="Group 6">
+            <a:extLst>
+              <a:ext uri="{FF2B5EF4-FFF2-40B4-BE49-F238E27FC236}">
+                <a16:creationId xmlns:a16="http://schemas.microsoft.com/office/drawing/2014/main" id="{95D723FF-6B0A-80C6-7E21-170EEE72A6AE}"/>
+              </a:ext>
+            </a:extLst>
+          </p:cNvPr>
+          <p:cNvGrpSpPr/>
+          <p:nvPr/>
+        </p:nvGrpSpPr>
+        <p:grpSpPr>
+          <a:xfrm>
+            <a:off x="5622875" y="646586"/>
+            <a:ext cx="6346212" cy="2088108"/>
+            <a:chOff x="668739" y="1132764"/>
+            <a:chExt cx="5322628" cy="2582839"/>
+          </a:xfrm>
+        </p:grpSpPr>
+        <p:sp>
+          <p:nvSpPr>
+            <p:cNvPr id="8" name="Rectangle 7">
+              <a:extLst>
+                <a:ext uri="{FF2B5EF4-FFF2-40B4-BE49-F238E27FC236}">
+                  <a16:creationId xmlns:a16="http://schemas.microsoft.com/office/drawing/2014/main" id="{48696363-2018-5CAD-02F8-A92A5898B1C1}"/>
+                </a:ext>
+              </a:extLst>
+            </p:cNvPr>
+            <p:cNvSpPr/>
+            <p:nvPr/>
+          </p:nvSpPr>
+          <p:spPr>
+            <a:xfrm>
+              <a:off x="668740" y="1132764"/>
+              <a:ext cx="5322627" cy="562923"/>
+            </a:xfrm>
+            <a:prstGeom prst="rect">
+              <a:avLst/>
+            </a:prstGeom>
+            <a:solidFill>
+              <a:schemeClr val="accent2">
+                <a:lumMod val="75000"/>
+              </a:schemeClr>
+            </a:solidFill>
+          </p:spPr>
+          <p:style>
+            <a:lnRef idx="2">
+              <a:schemeClr val="accent1">
+                <a:shade val="50000"/>
+              </a:schemeClr>
+            </a:lnRef>
+            <a:fillRef idx="1">
+              <a:schemeClr val="accent1"/>
+            </a:fillRef>
+            <a:effectRef idx="0">
+              <a:schemeClr val="accent1"/>
+            </a:effectRef>
+            <a:fontRef idx="minor">
+              <a:schemeClr val="lt1"/>
+            </a:fontRef>
+          </p:style>
+          <p:txBody>
+            <a:bodyPr rtlCol="0" anchor="ctr"/>
+            <a:lstStyle/>
+            <a:p>
+              <a:pPr algn="ctr"/>
+              <a:r>
+                <a:rPr lang="en-US" dirty="0">
+                  <a:ln w="0"/>
+                  <a:solidFill>
+                    <a:schemeClr val="tx1"/>
+                  </a:solidFill>
+                  <a:effectLst>
+                    <a:outerShdw blurRad="38100" dist="19050" dir="2700000" algn="tl" rotWithShape="0">
+                      <a:schemeClr val="dk1">
+                        <a:alpha val="40000"/>
+                      </a:schemeClr>
+                    </a:outerShdw>
+                  </a:effectLst>
+                </a:rPr>
+                <a:t>3</a:t>
+              </a:r>
+              <a:r>
+                <a:rPr lang="en-US" baseline="30000" dirty="0">
+                  <a:ln w="0"/>
+                  <a:solidFill>
+                    <a:schemeClr val="tx1"/>
+                  </a:solidFill>
+                  <a:effectLst>
+                    <a:outerShdw blurRad="38100" dist="19050" dir="2700000" algn="tl" rotWithShape="0">
+                      <a:schemeClr val="dk1">
+                        <a:alpha val="40000"/>
+                      </a:schemeClr>
+                    </a:outerShdw>
+                  </a:effectLst>
+                </a:rPr>
+                <a:t>rd</a:t>
+              </a:r>
+              <a:r>
+                <a:rPr lang="en-US" dirty="0">
+                  <a:ln w="0"/>
+                  <a:solidFill>
+                    <a:schemeClr val="tx1"/>
+                  </a:solidFill>
+                  <a:effectLst>
+                    <a:outerShdw blurRad="38100" dist="19050" dir="2700000" algn="tl" rotWithShape="0">
+                      <a:schemeClr val="dk1">
+                        <a:alpha val="40000"/>
+                      </a:schemeClr>
+                    </a:outerShdw>
+                  </a:effectLst>
+                </a:rPr>
+                <a:t> Part Packages</a:t>
+              </a:r>
+            </a:p>
+          </p:txBody>
+        </p:sp>
+        <p:sp>
+          <p:nvSpPr>
+            <p:cNvPr id="9" name="Rectangle 8">
+              <a:extLst>
+                <a:ext uri="{FF2B5EF4-FFF2-40B4-BE49-F238E27FC236}">
+                  <a16:creationId xmlns:a16="http://schemas.microsoft.com/office/drawing/2014/main" id="{E90AF535-9D41-2BBC-5FBE-852B35E3A18D}"/>
+                </a:ext>
+              </a:extLst>
+            </p:cNvPr>
+            <p:cNvSpPr/>
+            <p:nvPr/>
+          </p:nvSpPr>
+          <p:spPr>
+            <a:xfrm>
+              <a:off x="668739" y="1658156"/>
+              <a:ext cx="5322627" cy="2057447"/>
+            </a:xfrm>
+            <a:prstGeom prst="rect">
+              <a:avLst/>
+            </a:prstGeom>
+            <a:solidFill>
+              <a:schemeClr val="accent2">
+                <a:lumMod val="60000"/>
+                <a:lumOff val="40000"/>
+              </a:schemeClr>
+            </a:solidFill>
+          </p:spPr>
+          <p:style>
+            <a:lnRef idx="2">
+              <a:schemeClr val="accent1">
+                <a:shade val="50000"/>
+              </a:schemeClr>
+            </a:lnRef>
+            <a:fillRef idx="1">
+              <a:schemeClr val="accent1"/>
+            </a:fillRef>
+            <a:effectRef idx="0">
+              <a:schemeClr val="accent1"/>
+            </a:effectRef>
+            <a:fontRef idx="minor">
+              <a:schemeClr val="lt1"/>
+            </a:fontRef>
+          </p:style>
+          <p:txBody>
+            <a:bodyPr rtlCol="0" anchor="ctr"/>
+            <a:lstStyle/>
+            <a:p>
+              <a:pPr marL="285750" indent="-285750" algn="ctr">
+                <a:buFont typeface="Arial" panose="020B0604020202020204" pitchFamily="34" charset="0"/>
+                <a:buChar char="•"/>
+              </a:pPr>
+              <a:r>
+                <a:rPr lang="en-US" sz="1600" dirty="0">
+                  <a:ln w="0"/>
+                  <a:solidFill>
+                    <a:schemeClr val="tx1"/>
+                  </a:solidFill>
+                  <a:effectLst>
+                    <a:outerShdw blurRad="38100" dist="19050" dir="2700000" algn="tl" rotWithShape="0">
+                      <a:schemeClr val="dk1">
+                        <a:alpha val="40000"/>
+                      </a:schemeClr>
+                    </a:outerShdw>
+                  </a:effectLst>
+                </a:rPr>
+                <a:t>Node projects typically don’t just use core modules and custom code but also third-party packages.</a:t>
+              </a:r>
+            </a:p>
+            <a:p>
+              <a:pPr marL="285750" indent="-285750" algn="ctr">
+                <a:buFont typeface="Arial" panose="020B0604020202020204" pitchFamily="34" charset="0"/>
+                <a:buChar char="•"/>
+              </a:pPr>
+              <a:r>
+                <a:rPr lang="en-US" sz="1600" dirty="0">
+                  <a:ln w="0"/>
+                  <a:solidFill>
+                    <a:schemeClr val="tx1"/>
+                  </a:solidFill>
+                  <a:effectLst>
+                    <a:outerShdw blurRad="38100" dist="19050" dir="2700000" algn="tl" rotWithShape="0">
+                      <a:schemeClr val="dk1">
+                        <a:alpha val="40000"/>
+                      </a:schemeClr>
+                    </a:outerShdw>
+                  </a:effectLst>
+                </a:rPr>
+                <a:t>You install them via </a:t>
+              </a:r>
+              <a:r>
+                <a:rPr lang="en-US" sz="1600" dirty="0" err="1">
+                  <a:ln w="0"/>
+                  <a:solidFill>
+                    <a:schemeClr val="tx1"/>
+                  </a:solidFill>
+                  <a:effectLst>
+                    <a:outerShdw blurRad="38100" dist="19050" dir="2700000" algn="tl" rotWithShape="0">
+                      <a:schemeClr val="dk1">
+                        <a:alpha val="40000"/>
+                      </a:schemeClr>
+                    </a:outerShdw>
+                  </a:effectLst>
+                </a:rPr>
+                <a:t>npm</a:t>
+              </a:r>
+              <a:endParaRPr lang="en-US" sz="1600" dirty="0">
+                <a:ln w="0"/>
+                <a:solidFill>
+                  <a:schemeClr val="tx1"/>
+                </a:solidFill>
+                <a:effectLst>
+                  <a:outerShdw blurRad="38100" dist="19050" dir="2700000" algn="tl" rotWithShape="0">
+                    <a:schemeClr val="dk1">
+                      <a:alpha val="40000"/>
+                    </a:schemeClr>
+                  </a:outerShdw>
+                </a:effectLst>
+              </a:endParaRPr>
+            </a:p>
+            <a:p>
+              <a:pPr marL="285750" indent="-285750" algn="ctr">
+                <a:buFont typeface="Arial" panose="020B0604020202020204" pitchFamily="34" charset="0"/>
+                <a:buChar char="•"/>
+              </a:pPr>
+              <a:r>
+                <a:rPr lang="en-US" sz="1600" dirty="0">
+                  <a:ln w="0"/>
+                  <a:solidFill>
+                    <a:schemeClr val="tx1"/>
+                  </a:solidFill>
+                  <a:effectLst>
+                    <a:outerShdw blurRad="38100" dist="19050" dir="2700000" algn="tl" rotWithShape="0">
+                      <a:schemeClr val="dk1">
+                        <a:alpha val="40000"/>
+                      </a:schemeClr>
+                    </a:outerShdw>
+                  </a:effectLst>
+                </a:rPr>
+                <a:t>You can differentiate between production dependencies (--save), development dependencies (--save-dev) and global dependencies (-g)</a:t>
+              </a:r>
+            </a:p>
+          </p:txBody>
+        </p:sp>
+      </p:grpSp>
+      <p:grpSp>
+        <p:nvGrpSpPr>
+          <p:cNvPr id="10" name="Group 9">
+            <a:extLst>
+              <a:ext uri="{FF2B5EF4-FFF2-40B4-BE49-F238E27FC236}">
+                <a16:creationId xmlns:a16="http://schemas.microsoft.com/office/drawing/2014/main" id="{C643DD9C-3614-F2A8-BCF9-0D9C5305E1A4}"/>
+              </a:ext>
+            </a:extLst>
+          </p:cNvPr>
+          <p:cNvGrpSpPr/>
+          <p:nvPr/>
+        </p:nvGrpSpPr>
+        <p:grpSpPr>
+          <a:xfrm>
+            <a:off x="5622874" y="3551830"/>
+            <a:ext cx="6059609" cy="2088108"/>
+            <a:chOff x="668739" y="1132764"/>
+            <a:chExt cx="5322628" cy="2582839"/>
+          </a:xfrm>
+        </p:grpSpPr>
+        <p:sp>
+          <p:nvSpPr>
+            <p:cNvPr id="11" name="Rectangle 10">
+              <a:extLst>
+                <a:ext uri="{FF2B5EF4-FFF2-40B4-BE49-F238E27FC236}">
+                  <a16:creationId xmlns:a16="http://schemas.microsoft.com/office/drawing/2014/main" id="{B772A14F-7DDB-EAD8-57E7-DDAEE4E03A84}"/>
+                </a:ext>
+              </a:extLst>
+            </p:cNvPr>
+            <p:cNvSpPr/>
+            <p:nvPr/>
+          </p:nvSpPr>
+          <p:spPr>
+            <a:xfrm>
+              <a:off x="668740" y="1132764"/>
+              <a:ext cx="5322627" cy="562923"/>
+            </a:xfrm>
+            <a:prstGeom prst="rect">
+              <a:avLst/>
+            </a:prstGeom>
+            <a:solidFill>
+              <a:schemeClr val="accent2">
+                <a:lumMod val="75000"/>
+              </a:schemeClr>
+            </a:solidFill>
+          </p:spPr>
+          <p:style>
+            <a:lnRef idx="2">
+              <a:schemeClr val="accent1">
+                <a:shade val="50000"/>
+              </a:schemeClr>
+            </a:lnRef>
+            <a:fillRef idx="1">
+              <a:schemeClr val="accent1"/>
+            </a:fillRef>
+            <a:effectRef idx="0">
+              <a:schemeClr val="accent1"/>
+            </a:effectRef>
+            <a:fontRef idx="minor">
+              <a:schemeClr val="lt1"/>
+            </a:fontRef>
+          </p:style>
+          <p:txBody>
+            <a:bodyPr rtlCol="0" anchor="ctr"/>
+            <a:lstStyle/>
+            <a:p>
+              <a:pPr algn="ctr"/>
+              <a:r>
+                <a:rPr lang="en-US" dirty="0">
+                  <a:ln w="0"/>
+                  <a:solidFill>
+                    <a:schemeClr val="tx1"/>
+                  </a:solidFill>
+                  <a:effectLst>
+                    <a:outerShdw blurRad="38100" dist="19050" dir="2700000" algn="tl" rotWithShape="0">
+                      <a:schemeClr val="dk1">
+                        <a:alpha val="40000"/>
+                      </a:schemeClr>
+                    </a:outerShdw>
+                  </a:effectLst>
+                </a:rPr>
+                <a:t>Debugging</a:t>
+              </a:r>
+            </a:p>
+          </p:txBody>
+        </p:sp>
+        <p:sp>
+          <p:nvSpPr>
+            <p:cNvPr id="12" name="Rectangle 11">
+              <a:extLst>
+                <a:ext uri="{FF2B5EF4-FFF2-40B4-BE49-F238E27FC236}">
+                  <a16:creationId xmlns:a16="http://schemas.microsoft.com/office/drawing/2014/main" id="{A99F1F2D-2531-2AF5-56E4-052AE85AEDBB}"/>
+                </a:ext>
+              </a:extLst>
+            </p:cNvPr>
+            <p:cNvSpPr/>
+            <p:nvPr/>
+          </p:nvSpPr>
+          <p:spPr>
+            <a:xfrm>
+              <a:off x="668739" y="1658156"/>
+              <a:ext cx="5322627" cy="2057447"/>
+            </a:xfrm>
+            <a:prstGeom prst="rect">
+              <a:avLst/>
+            </a:prstGeom>
+            <a:solidFill>
+              <a:schemeClr val="accent2">
+                <a:lumMod val="60000"/>
+                <a:lumOff val="40000"/>
+              </a:schemeClr>
+            </a:solidFill>
+          </p:spPr>
+          <p:style>
+            <a:lnRef idx="2">
+              <a:schemeClr val="accent1">
+                <a:shade val="50000"/>
+              </a:schemeClr>
+            </a:lnRef>
+            <a:fillRef idx="1">
+              <a:schemeClr val="accent1"/>
+            </a:fillRef>
+            <a:effectRef idx="0">
+              <a:schemeClr val="accent1"/>
+            </a:effectRef>
+            <a:fontRef idx="minor">
+              <a:schemeClr val="lt1"/>
+            </a:fontRef>
+          </p:style>
+          <p:txBody>
+            <a:bodyPr rtlCol="0" anchor="ctr"/>
+            <a:lstStyle/>
+            <a:p>
+              <a:pPr marL="285750" indent="-285750" algn="ctr">
+                <a:buFont typeface="Arial" panose="020B0604020202020204" pitchFamily="34" charset="0"/>
+                <a:buChar char="•"/>
+              </a:pPr>
+              <a:r>
+                <a:rPr lang="en-US" sz="1600" dirty="0">
+                  <a:ln w="0"/>
+                  <a:solidFill>
+                    <a:schemeClr val="tx1"/>
+                  </a:solidFill>
+                  <a:effectLst>
+                    <a:outerShdw blurRad="38100" dist="19050" dir="2700000" algn="tl" rotWithShape="0">
+                      <a:schemeClr val="dk1">
+                        <a:alpha val="40000"/>
+                      </a:schemeClr>
+                    </a:outerShdw>
+                  </a:effectLst>
+                </a:rPr>
+                <a:t>Use the VS Code Node debugger to step into your code and go through it step by step</a:t>
+              </a:r>
+            </a:p>
+            <a:p>
+              <a:pPr marL="285750" indent="-285750" algn="ctr">
+                <a:buFont typeface="Arial" panose="020B0604020202020204" pitchFamily="34" charset="0"/>
+                <a:buChar char="•"/>
+              </a:pPr>
+              <a:r>
+                <a:rPr lang="en-US" sz="1600" dirty="0">
+                  <a:ln w="0"/>
+                  <a:solidFill>
+                    <a:schemeClr val="tx1"/>
+                  </a:solidFill>
+                  <a:effectLst>
+                    <a:outerShdw blurRad="38100" dist="19050" dir="2700000" algn="tl" rotWithShape="0">
+                      <a:schemeClr val="dk1">
+                        <a:alpha val="40000"/>
+                      </a:schemeClr>
+                    </a:outerShdw>
+                  </a:effectLst>
+                </a:rPr>
+                <a:t>Analyze variable values at runtime</a:t>
+              </a:r>
+            </a:p>
+            <a:p>
+              <a:pPr marL="285750" indent="-285750" algn="ctr">
+                <a:buFont typeface="Arial" panose="020B0604020202020204" pitchFamily="34" charset="0"/>
+                <a:buChar char="•"/>
+              </a:pPr>
+              <a:r>
+                <a:rPr lang="en-US" sz="1600" dirty="0">
+                  <a:ln w="0"/>
+                  <a:solidFill>
+                    <a:schemeClr val="tx1"/>
+                  </a:solidFill>
+                  <a:effectLst>
+                    <a:outerShdw blurRad="38100" dist="19050" dir="2700000" algn="tl" rotWithShape="0">
+                      <a:schemeClr val="dk1">
+                        <a:alpha val="40000"/>
+                      </a:schemeClr>
+                    </a:outerShdw>
+                  </a:effectLst>
+                </a:rPr>
+                <a:t>Look into (and manipulate) variables at runtime.</a:t>
+              </a:r>
+            </a:p>
+            <a:p>
+              <a:pPr marL="285750" indent="-285750" algn="ctr">
+                <a:buFont typeface="Arial" panose="020B0604020202020204" pitchFamily="34" charset="0"/>
+                <a:buChar char="•"/>
+              </a:pPr>
+              <a:r>
+                <a:rPr lang="en-US" sz="1600" dirty="0">
+                  <a:ln w="0"/>
+                  <a:solidFill>
+                    <a:schemeClr val="tx1"/>
+                  </a:solidFill>
+                  <a:effectLst>
+                    <a:outerShdw blurRad="38100" dist="19050" dir="2700000" algn="tl" rotWithShape="0">
+                      <a:schemeClr val="dk1">
+                        <a:alpha val="40000"/>
+                      </a:schemeClr>
+                    </a:outerShdw>
+                  </a:effectLst>
+                </a:rPr>
+                <a:t>Set breakpoints cleverly. (i.e. respect the async/event-driven nature)</a:t>
+              </a:r>
+            </a:p>
+          </p:txBody>
+        </p:sp>
+      </p:grpSp>
+      <p:grpSp>
+        <p:nvGrpSpPr>
+          <p:cNvPr id="13" name="Group 12">
+            <a:extLst>
+              <a:ext uri="{FF2B5EF4-FFF2-40B4-BE49-F238E27FC236}">
+                <a16:creationId xmlns:a16="http://schemas.microsoft.com/office/drawing/2014/main" id="{017AC6C6-EE0B-DFB6-4F8A-F4812AC32642}"/>
+              </a:ext>
+            </a:extLst>
+          </p:cNvPr>
+          <p:cNvGrpSpPr/>
+          <p:nvPr/>
+        </p:nvGrpSpPr>
+        <p:grpSpPr>
+          <a:xfrm>
+            <a:off x="627794" y="3920319"/>
+            <a:ext cx="4544706" cy="2088108"/>
+            <a:chOff x="668739" y="1132764"/>
+            <a:chExt cx="5322628" cy="2582839"/>
+          </a:xfrm>
+        </p:grpSpPr>
+        <p:sp>
+          <p:nvSpPr>
+            <p:cNvPr id="14" name="Rectangle 13">
+              <a:extLst>
+                <a:ext uri="{FF2B5EF4-FFF2-40B4-BE49-F238E27FC236}">
+                  <a16:creationId xmlns:a16="http://schemas.microsoft.com/office/drawing/2014/main" id="{02111E21-CB0A-9A72-B5D7-AF0BE03DF3D2}"/>
+                </a:ext>
+              </a:extLst>
+            </p:cNvPr>
+            <p:cNvSpPr/>
+            <p:nvPr/>
+          </p:nvSpPr>
+          <p:spPr>
+            <a:xfrm>
+              <a:off x="668740" y="1132764"/>
+              <a:ext cx="5322627" cy="562923"/>
+            </a:xfrm>
+            <a:prstGeom prst="rect">
+              <a:avLst/>
+            </a:prstGeom>
+            <a:solidFill>
+              <a:schemeClr val="accent2">
+                <a:lumMod val="75000"/>
+              </a:schemeClr>
+            </a:solidFill>
+          </p:spPr>
+          <p:style>
+            <a:lnRef idx="2">
+              <a:schemeClr val="accent1">
+                <a:shade val="50000"/>
+              </a:schemeClr>
+            </a:lnRef>
+            <a:fillRef idx="1">
+              <a:schemeClr val="accent1"/>
+            </a:fillRef>
+            <a:effectRef idx="0">
+              <a:schemeClr val="accent1"/>
+            </a:effectRef>
+            <a:fontRef idx="minor">
+              <a:schemeClr val="lt1"/>
+            </a:fontRef>
+          </p:style>
+          <p:txBody>
+            <a:bodyPr rtlCol="0" anchor="ctr"/>
+            <a:lstStyle/>
+            <a:p>
+              <a:pPr algn="ctr"/>
+              <a:r>
+                <a:rPr lang="en-US" dirty="0">
+                  <a:ln w="0"/>
+                  <a:solidFill>
+                    <a:schemeClr val="tx1"/>
+                  </a:solidFill>
+                  <a:effectLst>
+                    <a:outerShdw blurRad="38100" dist="19050" dir="2700000" algn="tl" rotWithShape="0">
+                      <a:schemeClr val="dk1">
+                        <a:alpha val="40000"/>
+                      </a:schemeClr>
+                    </a:outerShdw>
+                  </a:effectLst>
+                </a:rPr>
+                <a:t>Types of Errors</a:t>
+              </a:r>
+            </a:p>
+          </p:txBody>
+        </p:sp>
+        <p:sp>
+          <p:nvSpPr>
+            <p:cNvPr id="15" name="Rectangle 14">
+              <a:extLst>
+                <a:ext uri="{FF2B5EF4-FFF2-40B4-BE49-F238E27FC236}">
+                  <a16:creationId xmlns:a16="http://schemas.microsoft.com/office/drawing/2014/main" id="{92D8D371-47D4-609A-0D86-114FBCA6D753}"/>
+                </a:ext>
+              </a:extLst>
+            </p:cNvPr>
+            <p:cNvSpPr/>
+            <p:nvPr/>
+          </p:nvSpPr>
+          <p:spPr>
+            <a:xfrm>
+              <a:off x="668739" y="1658156"/>
+              <a:ext cx="5322627" cy="2057447"/>
+            </a:xfrm>
+            <a:prstGeom prst="rect">
+              <a:avLst/>
+            </a:prstGeom>
+            <a:solidFill>
+              <a:schemeClr val="accent2">
+                <a:lumMod val="60000"/>
+                <a:lumOff val="40000"/>
+              </a:schemeClr>
+            </a:solidFill>
+          </p:spPr>
+          <p:style>
+            <a:lnRef idx="2">
+              <a:schemeClr val="accent1">
+                <a:shade val="50000"/>
+              </a:schemeClr>
+            </a:lnRef>
+            <a:fillRef idx="1">
+              <a:schemeClr val="accent1"/>
+            </a:fillRef>
+            <a:effectRef idx="0">
+              <a:schemeClr val="accent1"/>
+            </a:effectRef>
+            <a:fontRef idx="minor">
+              <a:schemeClr val="lt1"/>
+            </a:fontRef>
+          </p:style>
+          <p:txBody>
+            <a:bodyPr rtlCol="0" anchor="ctr"/>
+            <a:lstStyle/>
+            <a:p>
+              <a:pPr marL="285750" indent="-285750" algn="ctr">
+                <a:buFont typeface="Arial" panose="020B0604020202020204" pitchFamily="34" charset="0"/>
+                <a:buChar char="•"/>
+              </a:pPr>
+              <a:r>
+                <a:rPr lang="en-US" sz="1600" dirty="0" err="1">
+                  <a:ln w="0"/>
+                  <a:solidFill>
+                    <a:schemeClr val="tx1"/>
+                  </a:solidFill>
+                  <a:effectLst>
+                    <a:outerShdw blurRad="38100" dist="19050" dir="2700000" algn="tl" rotWithShape="0">
+                      <a:schemeClr val="dk1">
+                        <a:alpha val="40000"/>
+                      </a:schemeClr>
+                    </a:outerShdw>
+                  </a:effectLst>
+                </a:rPr>
+                <a:t>Npm</a:t>
+              </a:r>
+              <a:r>
+                <a:rPr lang="en-US" sz="1600" dirty="0">
+                  <a:ln w="0"/>
+                  <a:solidFill>
+                    <a:schemeClr val="tx1"/>
+                  </a:solidFill>
+                  <a:effectLst>
+                    <a:outerShdw blurRad="38100" dist="19050" dir="2700000" algn="tl" rotWithShape="0">
+                      <a:schemeClr val="dk1">
+                        <a:alpha val="40000"/>
+                      </a:schemeClr>
+                    </a:outerShdw>
+                  </a:effectLst>
+                </a:rPr>
+                <a:t> stands for “Node Package Manager” and it allows you  to manage your Node project and its dependencies.</a:t>
+              </a:r>
+            </a:p>
+            <a:p>
+              <a:pPr marL="285750" indent="-285750" algn="ctr">
+                <a:buFont typeface="Arial" panose="020B0604020202020204" pitchFamily="34" charset="0"/>
+                <a:buChar char="•"/>
+              </a:pPr>
+              <a:r>
+                <a:rPr lang="en-US" sz="1600" dirty="0">
+                  <a:ln w="0"/>
+                  <a:solidFill>
+                    <a:schemeClr val="tx1"/>
+                  </a:solidFill>
+                  <a:effectLst>
+                    <a:outerShdw blurRad="38100" dist="19050" dir="2700000" algn="tl" rotWithShape="0">
+                      <a:schemeClr val="dk1">
+                        <a:alpha val="40000"/>
+                      </a:schemeClr>
+                    </a:outerShdw>
+                  </a:effectLst>
+                </a:rPr>
+                <a:t>You can initialize a project with </a:t>
+              </a:r>
+              <a:r>
+                <a:rPr lang="en-US" sz="1600" dirty="0" err="1">
+                  <a:ln w="0"/>
+                  <a:solidFill>
+                    <a:schemeClr val="tx1"/>
+                  </a:solidFill>
+                  <a:effectLst>
+                    <a:outerShdw blurRad="38100" dist="19050" dir="2700000" algn="tl" rotWithShape="0">
+                      <a:schemeClr val="dk1">
+                        <a:alpha val="40000"/>
+                      </a:schemeClr>
+                    </a:outerShdw>
+                  </a:effectLst>
+                </a:rPr>
+                <a:t>npm</a:t>
+              </a:r>
+              <a:r>
+                <a:rPr lang="en-US" sz="1600" dirty="0">
+                  <a:ln w="0"/>
+                  <a:solidFill>
+                    <a:schemeClr val="tx1"/>
+                  </a:solidFill>
+                  <a:effectLst>
+                    <a:outerShdw blurRad="38100" dist="19050" dir="2700000" algn="tl" rotWithShape="0">
+                      <a:schemeClr val="dk1">
+                        <a:alpha val="40000"/>
+                      </a:schemeClr>
+                    </a:outerShdw>
+                  </a:effectLst>
+                </a:rPr>
+                <a:t> </a:t>
+              </a:r>
+              <a:r>
+                <a:rPr lang="en-US" sz="1600" dirty="0" err="1">
+                  <a:ln w="0"/>
+                  <a:solidFill>
+                    <a:schemeClr val="tx1"/>
+                  </a:solidFill>
+                  <a:effectLst>
+                    <a:outerShdw blurRad="38100" dist="19050" dir="2700000" algn="tl" rotWithShape="0">
+                      <a:schemeClr val="dk1">
+                        <a:alpha val="40000"/>
+                      </a:schemeClr>
+                    </a:outerShdw>
+                  </a:effectLst>
+                </a:rPr>
+                <a:t>init</a:t>
+              </a:r>
+              <a:endParaRPr lang="en-US" sz="1600" dirty="0">
+                <a:ln w="0"/>
+                <a:solidFill>
+                  <a:schemeClr val="tx1"/>
+                </a:solidFill>
+                <a:effectLst>
+                  <a:outerShdw blurRad="38100" dist="19050" dir="2700000" algn="tl" rotWithShape="0">
+                    <a:schemeClr val="dk1">
+                      <a:alpha val="40000"/>
+                    </a:schemeClr>
+                  </a:outerShdw>
+                </a:effectLst>
+              </a:endParaRPr>
+            </a:p>
+            <a:p>
+              <a:pPr marL="285750" indent="-285750" algn="ctr">
+                <a:buFont typeface="Arial" panose="020B0604020202020204" pitchFamily="34" charset="0"/>
+                <a:buChar char="•"/>
+              </a:pPr>
+              <a:r>
+                <a:rPr lang="en-US" sz="1600" dirty="0" err="1">
+                  <a:ln w="0"/>
+                  <a:solidFill>
+                    <a:schemeClr val="tx1"/>
+                  </a:solidFill>
+                  <a:effectLst>
+                    <a:outerShdw blurRad="38100" dist="19050" dir="2700000" algn="tl" rotWithShape="0">
+                      <a:schemeClr val="dk1">
+                        <a:alpha val="40000"/>
+                      </a:schemeClr>
+                    </a:outerShdw>
+                  </a:effectLst>
+                </a:rPr>
+                <a:t>Npm</a:t>
+              </a:r>
+              <a:r>
+                <a:rPr lang="en-US" sz="1600" dirty="0">
+                  <a:ln w="0"/>
+                  <a:solidFill>
+                    <a:schemeClr val="tx1"/>
+                  </a:solidFill>
+                  <a:effectLst>
+                    <a:outerShdw blurRad="38100" dist="19050" dir="2700000" algn="tl" rotWithShape="0">
+                      <a:schemeClr val="dk1">
+                        <a:alpha val="40000"/>
+                      </a:schemeClr>
+                    </a:outerShdw>
+                  </a:effectLst>
+                </a:rPr>
+                <a:t> scripts can be defined in the </a:t>
+              </a:r>
+              <a:r>
+                <a:rPr lang="en-US" sz="1600" dirty="0" err="1">
+                  <a:ln w="0"/>
+                  <a:solidFill>
+                    <a:schemeClr val="tx1"/>
+                  </a:solidFill>
+                  <a:effectLst>
+                    <a:outerShdw blurRad="38100" dist="19050" dir="2700000" algn="tl" rotWithShape="0">
+                      <a:schemeClr val="dk1">
+                        <a:alpha val="40000"/>
+                      </a:schemeClr>
+                    </a:outerShdw>
+                  </a:effectLst>
+                </a:rPr>
+                <a:t>package.json</a:t>
+              </a:r>
+              <a:r>
+                <a:rPr lang="en-US" sz="1600" dirty="0">
+                  <a:ln w="0"/>
+                  <a:solidFill>
+                    <a:schemeClr val="tx1"/>
+                  </a:solidFill>
+                  <a:effectLst>
+                    <a:outerShdw blurRad="38100" dist="19050" dir="2700000" algn="tl" rotWithShape="0">
+                      <a:schemeClr val="dk1">
+                        <a:alpha val="40000"/>
+                      </a:schemeClr>
+                    </a:outerShdw>
+                  </a:effectLst>
+                </a:rPr>
+                <a:t> to give you “shortcuts” to common tasks/commands</a:t>
+              </a:r>
+            </a:p>
+          </p:txBody>
+        </p:sp>
+      </p:grpSp>
+    </p:spTree>
+    <p:extLst>
+      <p:ext uri="{BB962C8B-B14F-4D97-AF65-F5344CB8AC3E}">
+        <p14:creationId xmlns:p14="http://schemas.microsoft.com/office/powerpoint/2010/main" val="3511666249"/>
+      </p:ext>
+    </p:extLst>
+  </p:cSld>
+  <p:clrMapOvr>
+    <a:masterClrMapping/>
+  </p:clrMapOvr>
+</p:sld>
+</file>
+
+<file path=ppt/slides/slide37.xml><?xml version="1.0" encoding="utf-8"?>
+<p:sld xmlns:a="http://schemas.openxmlformats.org/drawingml/2006/main" xmlns:r="http://schemas.openxmlformats.org/officeDocument/2006/relationships" xmlns:p="http://schemas.openxmlformats.org/presentationml/2006/main">
+  <p:cSld>
+    <p:spTree>
+      <p:nvGrpSpPr>
+        <p:cNvPr id="1" name=""/>
+        <p:cNvGrpSpPr/>
+        <p:nvPr/>
+      </p:nvGrpSpPr>
+      <p:grpSpPr>
+        <a:xfrm>
+          <a:off x="0" y="0"/>
+          <a:ext cx="0" cy="0"/>
+          <a:chOff x="0" y="0"/>
+          <a:chExt cx="0" cy="0"/>
+        </a:xfrm>
+      </p:grpSpPr>
+      <p:sp>
+        <p:nvSpPr>
+          <p:cNvPr id="2" name="Title 1">
+            <a:extLst>
+              <a:ext uri="{FF2B5EF4-FFF2-40B4-BE49-F238E27FC236}">
+                <a16:creationId xmlns:a16="http://schemas.microsoft.com/office/drawing/2014/main" id="{9EC4E4DD-A493-9941-78C9-80C54E59EF67}"/>
+              </a:ext>
+            </a:extLst>
+          </p:cNvPr>
+          <p:cNvSpPr>
+            <a:spLocks noGrp="1"/>
+          </p:cNvSpPr>
+          <p:nvPr>
+            <p:ph type="title"/>
+          </p:nvPr>
+        </p:nvSpPr>
+        <p:spPr/>
+        <p:txBody>
+          <a:bodyPr/>
+          <a:lstStyle/>
+          <a:p>
+            <a:pPr algn="ctr"/>
+            <a:r>
+              <a:rPr lang="en-US" dirty="0"/>
+              <a:t>Express.js</a:t>
+            </a:r>
+          </a:p>
+        </p:txBody>
+      </p:sp>
+      <p:sp>
+        <p:nvSpPr>
+          <p:cNvPr id="3" name="Content Placeholder 2">
+            <a:extLst>
+              <a:ext uri="{FF2B5EF4-FFF2-40B4-BE49-F238E27FC236}">
+                <a16:creationId xmlns:a16="http://schemas.microsoft.com/office/drawing/2014/main" id="{986BE719-4F49-6A5D-0DE1-8194F0C41739}"/>
+              </a:ext>
+            </a:extLst>
+          </p:cNvPr>
+          <p:cNvSpPr>
+            <a:spLocks noGrp="1"/>
+          </p:cNvSpPr>
+          <p:nvPr>
+            <p:ph idx="1"/>
+          </p:nvPr>
+        </p:nvSpPr>
+        <p:spPr>
+          <a:xfrm>
+            <a:off x="838200" y="3428999"/>
+            <a:ext cx="10515600" cy="2747963"/>
+          </a:xfrm>
+        </p:spPr>
+        <p:txBody>
+          <a:bodyPr/>
+          <a:lstStyle/>
+          <a:p>
+            <a:pPr marL="0" indent="0" algn="ctr">
+              <a:buNone/>
+            </a:pPr>
+            <a:r>
+              <a:rPr lang="en-US" dirty="0"/>
+              <a:t>Don’t re-invent the Wheel!</a:t>
+            </a:r>
+          </a:p>
+        </p:txBody>
+      </p:sp>
+      <p:cxnSp>
+        <p:nvCxnSpPr>
+          <p:cNvPr id="5" name="Straight Connector 4">
+            <a:extLst>
+              <a:ext uri="{FF2B5EF4-FFF2-40B4-BE49-F238E27FC236}">
+                <a16:creationId xmlns:a16="http://schemas.microsoft.com/office/drawing/2014/main" id="{02CF083D-922B-1C8D-03E0-045D1D9B8329}"/>
+              </a:ext>
+            </a:extLst>
+          </p:cNvPr>
+          <p:cNvCxnSpPr>
+            <a:cxnSpLocks/>
+          </p:cNvCxnSpPr>
+          <p:nvPr/>
+        </p:nvCxnSpPr>
+        <p:spPr>
+          <a:xfrm>
+            <a:off x="838200" y="1951626"/>
+            <a:ext cx="10926170" cy="0"/>
+          </a:xfrm>
+          <a:prstGeom prst="line">
+            <a:avLst/>
+          </a:prstGeom>
+        </p:spPr>
+        <p:style>
+          <a:lnRef idx="1">
+            <a:schemeClr val="accent1"/>
+          </a:lnRef>
+          <a:fillRef idx="0">
+            <a:schemeClr val="accent1"/>
+          </a:fillRef>
+          <a:effectRef idx="0">
+            <a:schemeClr val="accent1"/>
+          </a:effectRef>
+          <a:fontRef idx="minor">
+            <a:schemeClr val="tx1"/>
+          </a:fontRef>
+        </p:style>
+      </p:cxnSp>
+    </p:spTree>
+    <p:extLst>
+      <p:ext uri="{BB962C8B-B14F-4D97-AF65-F5344CB8AC3E}">
+        <p14:creationId xmlns:p14="http://schemas.microsoft.com/office/powerpoint/2010/main" val="2779242064"/>
+      </p:ext>
+    </p:extLst>
+  </p:cSld>
+  <p:clrMapOvr>
+    <a:masterClrMapping/>
+  </p:clrMapOvr>
+</p:sld>
+</file>
+
+<file path=ppt/slides/slide38.xml><?xml version="1.0" encoding="utf-8"?>
+<p:sld xmlns:a="http://schemas.openxmlformats.org/drawingml/2006/main" xmlns:r="http://schemas.openxmlformats.org/officeDocument/2006/relationships" xmlns:p="http://schemas.openxmlformats.org/presentationml/2006/main">
+  <p:cSld>
+    <p:spTree>
+      <p:nvGrpSpPr>
+        <p:cNvPr id="1" name=""/>
+        <p:cNvGrpSpPr/>
+        <p:nvPr/>
+      </p:nvGrpSpPr>
+      <p:grpSpPr>
+        <a:xfrm>
+          <a:off x="0" y="0"/>
+          <a:ext cx="0" cy="0"/>
+          <a:chOff x="0" y="0"/>
+          <a:chExt cx="0" cy="0"/>
+        </a:xfrm>
+      </p:grpSpPr>
+      <p:sp>
+        <p:nvSpPr>
+          <p:cNvPr id="2" name="Title 1">
+            <a:extLst>
+              <a:ext uri="{FF2B5EF4-FFF2-40B4-BE49-F238E27FC236}">
+                <a16:creationId xmlns:a16="http://schemas.microsoft.com/office/drawing/2014/main" id="{89B67E4E-A9E8-A30E-5E06-45523B85625B}"/>
+              </a:ext>
+            </a:extLst>
+          </p:cNvPr>
+          <p:cNvSpPr>
+            <a:spLocks noGrp="1"/>
+          </p:cNvSpPr>
+          <p:nvPr>
+            <p:ph type="title"/>
+          </p:nvPr>
+        </p:nvSpPr>
+        <p:spPr/>
+        <p:txBody>
+          <a:bodyPr/>
+          <a:lstStyle/>
+          <a:p>
+            <a:r>
+              <a:rPr lang="en-US" dirty="0"/>
+              <a:t>In this Module</a:t>
+            </a:r>
+          </a:p>
+        </p:txBody>
+      </p:sp>
+      <p:sp>
+        <p:nvSpPr>
+          <p:cNvPr id="3" name="Content Placeholder 2">
+            <a:extLst>
+              <a:ext uri="{FF2B5EF4-FFF2-40B4-BE49-F238E27FC236}">
+                <a16:creationId xmlns:a16="http://schemas.microsoft.com/office/drawing/2014/main" id="{02DC2214-DA58-AD28-B691-DED078932CD0}"/>
+              </a:ext>
+            </a:extLst>
+          </p:cNvPr>
+          <p:cNvSpPr>
+            <a:spLocks noGrp="1"/>
+          </p:cNvSpPr>
+          <p:nvPr>
+            <p:ph idx="1"/>
+          </p:nvPr>
+        </p:nvSpPr>
+        <p:spPr>
+          <a:xfrm>
+            <a:off x="838200" y="1825625"/>
+            <a:ext cx="6217693" cy="3264990"/>
+          </a:xfrm>
+        </p:spPr>
+        <p:txBody>
+          <a:bodyPr/>
+          <a:lstStyle/>
+          <a:p>
+            <a:r>
+              <a:rPr lang="en-US" dirty="0"/>
+              <a:t>What is express.js?</a:t>
+            </a:r>
+          </a:p>
+          <a:p>
+            <a:r>
+              <a:rPr lang="en-US" dirty="0"/>
+              <a:t>Using Middleware</a:t>
+            </a:r>
+          </a:p>
+          <a:p>
+            <a:r>
+              <a:rPr lang="en-US" dirty="0"/>
+              <a:t>Working with Requests &amp; Responses</a:t>
+            </a:r>
+          </a:p>
+          <a:p>
+            <a:r>
+              <a:rPr lang="en-US" dirty="0"/>
+              <a:t>Routing</a:t>
+            </a:r>
+          </a:p>
+          <a:p>
+            <a:r>
+              <a:rPr lang="en-US" dirty="0"/>
+              <a:t>Returning HTML Pages (Files)</a:t>
+            </a:r>
+          </a:p>
+        </p:txBody>
+      </p:sp>
+    </p:spTree>
+    <p:extLst>
+      <p:ext uri="{BB962C8B-B14F-4D97-AF65-F5344CB8AC3E}">
+        <p14:creationId xmlns:p14="http://schemas.microsoft.com/office/powerpoint/2010/main" val="1281220298"/>
+      </p:ext>
+    </p:extLst>
+  </p:cSld>
+  <p:clrMapOvr>
+    <a:masterClrMapping/>
+  </p:clrMapOvr>
+</p:sld>
+</file>
+
+<file path=ppt/slides/slide39.xml><?xml version="1.0" encoding="utf-8"?>
+<p:sld xmlns:a="http://schemas.openxmlformats.org/drawingml/2006/main" xmlns:r="http://schemas.openxmlformats.org/officeDocument/2006/relationships" xmlns:p="http://schemas.openxmlformats.org/presentationml/2006/main">
+  <p:cSld>
+    <p:spTree>
+      <p:nvGrpSpPr>
+        <p:cNvPr id="1" name=""/>
+        <p:cNvGrpSpPr/>
+        <p:nvPr/>
+      </p:nvGrpSpPr>
+      <p:grpSpPr>
+        <a:xfrm>
+          <a:off x="0" y="0"/>
+          <a:ext cx="0" cy="0"/>
+          <a:chOff x="0" y="0"/>
+          <a:chExt cx="0" cy="0"/>
+        </a:xfrm>
+      </p:grpSpPr>
+      <p:sp>
+        <p:nvSpPr>
+          <p:cNvPr id="2" name="Title 1">
+            <a:extLst>
+              <a:ext uri="{FF2B5EF4-FFF2-40B4-BE49-F238E27FC236}">
+                <a16:creationId xmlns:a16="http://schemas.microsoft.com/office/drawing/2014/main" id="{93EFDAFF-C48D-6B40-7AE6-44A09CD6A07E}"/>
+              </a:ext>
+            </a:extLst>
+          </p:cNvPr>
+          <p:cNvSpPr>
+            <a:spLocks noGrp="1"/>
+          </p:cNvSpPr>
+          <p:nvPr>
+            <p:ph type="title"/>
+          </p:nvPr>
+        </p:nvSpPr>
+        <p:spPr/>
+        <p:txBody>
+          <a:bodyPr/>
+          <a:lstStyle/>
+          <a:p>
+            <a:r>
+              <a:rPr lang="en-US" dirty="0"/>
+              <a:t>What and Why?</a:t>
+            </a:r>
+          </a:p>
+        </p:txBody>
+      </p:sp>
+      <p:sp>
+        <p:nvSpPr>
+          <p:cNvPr id="3" name="Content Placeholder 2">
+            <a:extLst>
+              <a:ext uri="{FF2B5EF4-FFF2-40B4-BE49-F238E27FC236}">
+                <a16:creationId xmlns:a16="http://schemas.microsoft.com/office/drawing/2014/main" id="{5B7F9310-2DCB-7460-40E6-24D5681E3D32}"/>
+              </a:ext>
+            </a:extLst>
+          </p:cNvPr>
+          <p:cNvSpPr>
+            <a:spLocks noGrp="1"/>
+          </p:cNvSpPr>
+          <p:nvPr>
+            <p:ph idx="1"/>
+          </p:nvPr>
+        </p:nvSpPr>
+        <p:spPr>
+          <a:xfrm>
+            <a:off x="838200" y="1825625"/>
+            <a:ext cx="9861645" cy="1872918"/>
+          </a:xfrm>
+        </p:spPr>
+        <p:txBody>
+          <a:bodyPr>
+            <a:normAutofit lnSpcReduction="10000"/>
+          </a:bodyPr>
+          <a:lstStyle/>
+          <a:p>
+            <a:r>
+              <a:rPr lang="en-US" dirty="0"/>
+              <a:t>Server Logic is Complex!</a:t>
+            </a:r>
+          </a:p>
+          <a:p>
+            <a:r>
+              <a:rPr lang="en-US" dirty="0"/>
+              <a:t>You want to focus on your Business Logic, not on the nitty-gritty Details!</a:t>
+            </a:r>
+          </a:p>
+          <a:p>
+            <a:r>
+              <a:rPr lang="en-US" dirty="0"/>
+              <a:t>Use a Framework for the Heavy Lifting!</a:t>
+            </a:r>
+          </a:p>
+        </p:txBody>
+      </p:sp>
+      <p:sp>
+        <p:nvSpPr>
+          <p:cNvPr id="4" name="TextBox 3">
+            <a:extLst>
+              <a:ext uri="{FF2B5EF4-FFF2-40B4-BE49-F238E27FC236}">
+                <a16:creationId xmlns:a16="http://schemas.microsoft.com/office/drawing/2014/main" id="{56708B23-8F64-7AB8-F21C-F0425BC9B8C0}"/>
+              </a:ext>
+            </a:extLst>
+          </p:cNvPr>
+          <p:cNvSpPr txBox="1"/>
+          <p:nvPr/>
+        </p:nvSpPr>
+        <p:spPr>
+          <a:xfrm>
+            <a:off x="3749876" y="4067033"/>
+            <a:ext cx="4692247" cy="1862048"/>
+          </a:xfrm>
+          <a:prstGeom prst="rect">
+            <a:avLst/>
+          </a:prstGeom>
+          <a:noFill/>
+        </p:spPr>
+        <p:txBody>
+          <a:bodyPr wrap="none" rtlCol="0">
+            <a:spAutoFit/>
+          </a:bodyPr>
+          <a:lstStyle/>
+          <a:p>
+            <a:r>
+              <a:rPr lang="en-US" sz="11500" dirty="0"/>
+              <a:t>express</a:t>
+            </a:r>
+          </a:p>
+        </p:txBody>
+      </p:sp>
+      <p:sp>
+        <p:nvSpPr>
+          <p:cNvPr id="5" name="Rectangle 4">
+            <a:extLst>
+              <a:ext uri="{FF2B5EF4-FFF2-40B4-BE49-F238E27FC236}">
+                <a16:creationId xmlns:a16="http://schemas.microsoft.com/office/drawing/2014/main" id="{802782D3-7E65-79FC-FB15-4A8E7A9E313D}"/>
+              </a:ext>
+            </a:extLst>
+          </p:cNvPr>
+          <p:cNvSpPr/>
+          <p:nvPr/>
+        </p:nvSpPr>
+        <p:spPr>
+          <a:xfrm>
+            <a:off x="7465325" y="3220872"/>
+            <a:ext cx="4299045" cy="1514901"/>
+          </a:xfrm>
+          <a:prstGeom prst="rect">
+            <a:avLst/>
+          </a:prstGeom>
+          <a:solidFill>
+            <a:srgbClr val="FFFF00"/>
+          </a:solidFill>
+        </p:spPr>
+        <p:style>
+          <a:lnRef idx="2">
+            <a:schemeClr val="accent1">
+              <a:shade val="50000"/>
+            </a:schemeClr>
+          </a:lnRef>
+          <a:fillRef idx="1">
+            <a:schemeClr val="accent1"/>
+          </a:fillRef>
+          <a:effectRef idx="0">
+            <a:schemeClr val="accent1"/>
+          </a:effectRef>
+          <a:fontRef idx="minor">
+            <a:schemeClr val="lt1"/>
+          </a:fontRef>
+        </p:style>
+        <p:txBody>
+          <a:bodyPr rtlCol="0" anchor="ctr"/>
+          <a:lstStyle/>
+          <a:p>
+            <a:pPr algn="ctr"/>
+            <a:r>
+              <a:rPr lang="en-US" dirty="0">
+                <a:ln w="0"/>
+                <a:solidFill>
+                  <a:schemeClr val="tx1"/>
+                </a:solidFill>
+                <a:effectLst>
+                  <a:outerShdw blurRad="38100" dist="19050" dir="2700000" algn="tl" rotWithShape="0">
+                    <a:schemeClr val="dk1">
+                      <a:alpha val="40000"/>
+                    </a:schemeClr>
+                  </a:outerShdw>
+                </a:effectLst>
+              </a:rPr>
+              <a:t>Framework: Helper functions, tools &amp; rules that help you build your application.</a:t>
+            </a:r>
+          </a:p>
+        </p:txBody>
+      </p:sp>
+    </p:spTree>
+    <p:extLst>
+      <p:ext uri="{BB962C8B-B14F-4D97-AF65-F5344CB8AC3E}">
+        <p14:creationId xmlns:p14="http://schemas.microsoft.com/office/powerpoint/2010/main" val="2501711496"/>
+      </p:ext>
+    </p:extLst>
+  </p:cSld>
+  <p:clrMapOvr>
+    <a:masterClrMapping/>
+  </p:clrMapOvr>
+</p:sld>
+</file>
+
 <file path=ppt/slides/slide4.xml><?xml version="1.0" encoding="utf-8"?>
 <p:sld xmlns:a="http://schemas.openxmlformats.org/drawingml/2006/main" xmlns:r="http://schemas.openxmlformats.org/officeDocument/2006/relationships" xmlns:p="http://schemas.openxmlformats.org/presentationml/2006/main">
   <p:cSld>
@@ -16973,6 +19638,3165 @@
     <p:extLst>
       <p:ext uri="{BB962C8B-B14F-4D97-AF65-F5344CB8AC3E}">
         <p14:creationId xmlns:p14="http://schemas.microsoft.com/office/powerpoint/2010/main" val="1230539129"/>
+      </p:ext>
+    </p:extLst>
+  </p:cSld>
+  <p:clrMapOvr>
+    <a:masterClrMapping/>
+  </p:clrMapOvr>
+</p:sld>
+</file>
+
+<file path=ppt/slides/slide40.xml><?xml version="1.0" encoding="utf-8"?>
+<p:sld xmlns:a="http://schemas.openxmlformats.org/drawingml/2006/main" xmlns:r="http://schemas.openxmlformats.org/officeDocument/2006/relationships" xmlns:p="http://schemas.openxmlformats.org/presentationml/2006/main">
+  <p:cSld>
+    <p:spTree>
+      <p:nvGrpSpPr>
+        <p:cNvPr id="1" name=""/>
+        <p:cNvGrpSpPr/>
+        <p:nvPr/>
+      </p:nvGrpSpPr>
+      <p:grpSpPr>
+        <a:xfrm>
+          <a:off x="0" y="0"/>
+          <a:ext cx="0" cy="0"/>
+          <a:chOff x="0" y="0"/>
+          <a:chExt cx="0" cy="0"/>
+        </a:xfrm>
+      </p:grpSpPr>
+      <p:sp>
+        <p:nvSpPr>
+          <p:cNvPr id="2" name="Title 1">
+            <a:extLst>
+              <a:ext uri="{FF2B5EF4-FFF2-40B4-BE49-F238E27FC236}">
+                <a16:creationId xmlns:a16="http://schemas.microsoft.com/office/drawing/2014/main" id="{24324AEA-E9FD-9934-6487-88356FA09448}"/>
+              </a:ext>
+            </a:extLst>
+          </p:cNvPr>
+          <p:cNvSpPr>
+            <a:spLocks noGrp="1"/>
+          </p:cNvSpPr>
+          <p:nvPr>
+            <p:ph type="title"/>
+          </p:nvPr>
+        </p:nvSpPr>
+        <p:spPr/>
+        <p:txBody>
+          <a:bodyPr/>
+          <a:lstStyle/>
+          <a:p>
+            <a:r>
+              <a:rPr lang="en-US" dirty="0"/>
+              <a:t>Alternatives to Express.js</a:t>
+            </a:r>
+          </a:p>
+        </p:txBody>
+      </p:sp>
+      <p:sp>
+        <p:nvSpPr>
+          <p:cNvPr id="3" name="Content Placeholder 2">
+            <a:extLst>
+              <a:ext uri="{FF2B5EF4-FFF2-40B4-BE49-F238E27FC236}">
+                <a16:creationId xmlns:a16="http://schemas.microsoft.com/office/drawing/2014/main" id="{CEEF0B5A-22EB-224F-5731-BDF43145BEB0}"/>
+              </a:ext>
+            </a:extLst>
+          </p:cNvPr>
+          <p:cNvSpPr>
+            <a:spLocks noGrp="1"/>
+          </p:cNvSpPr>
+          <p:nvPr>
+            <p:ph idx="1"/>
+          </p:nvPr>
+        </p:nvSpPr>
+        <p:spPr/>
+        <p:txBody>
+          <a:bodyPr/>
+          <a:lstStyle/>
+          <a:p>
+            <a:r>
+              <a:rPr lang="en-US" dirty="0"/>
+              <a:t>Vanilla Node.js</a:t>
+            </a:r>
+          </a:p>
+          <a:p>
+            <a:r>
+              <a:rPr lang="en-US" dirty="0"/>
+              <a:t>Adonis.js</a:t>
+            </a:r>
+          </a:p>
+          <a:p>
+            <a:r>
+              <a:rPr lang="en-US" dirty="0"/>
+              <a:t>Koa</a:t>
+            </a:r>
+          </a:p>
+          <a:p>
+            <a:r>
+              <a:rPr lang="en-US" dirty="0"/>
+              <a:t>Sails.js</a:t>
+            </a:r>
+          </a:p>
+          <a:p>
+            <a:r>
+              <a:rPr lang="en-US" dirty="0"/>
+              <a:t>….</a:t>
+            </a:r>
+          </a:p>
+        </p:txBody>
+      </p:sp>
+    </p:spTree>
+    <p:extLst>
+      <p:ext uri="{BB962C8B-B14F-4D97-AF65-F5344CB8AC3E}">
+        <p14:creationId xmlns:p14="http://schemas.microsoft.com/office/powerpoint/2010/main" val="2202849589"/>
+      </p:ext>
+    </p:extLst>
+  </p:cSld>
+  <p:clrMapOvr>
+    <a:masterClrMapping/>
+  </p:clrMapOvr>
+</p:sld>
+</file>
+
+<file path=ppt/slides/slide41.xml><?xml version="1.0" encoding="utf-8"?>
+<p:sld xmlns:a="http://schemas.openxmlformats.org/drawingml/2006/main" xmlns:r="http://schemas.openxmlformats.org/officeDocument/2006/relationships" xmlns:p="http://schemas.openxmlformats.org/presentationml/2006/main">
+  <p:cSld>
+    <p:spTree>
+      <p:nvGrpSpPr>
+        <p:cNvPr id="1" name=""/>
+        <p:cNvGrpSpPr/>
+        <p:nvPr/>
+      </p:nvGrpSpPr>
+      <p:grpSpPr>
+        <a:xfrm>
+          <a:off x="0" y="0"/>
+          <a:ext cx="0" cy="0"/>
+          <a:chOff x="0" y="0"/>
+          <a:chExt cx="0" cy="0"/>
+        </a:xfrm>
+      </p:grpSpPr>
+      <p:sp>
+        <p:nvSpPr>
+          <p:cNvPr id="2" name="Title 1">
+            <a:extLst>
+              <a:ext uri="{FF2B5EF4-FFF2-40B4-BE49-F238E27FC236}">
+                <a16:creationId xmlns:a16="http://schemas.microsoft.com/office/drawing/2014/main" id="{54EF49FB-99DE-1F2F-F0D1-F938FDE1F84B}"/>
+              </a:ext>
+            </a:extLst>
+          </p:cNvPr>
+          <p:cNvSpPr>
+            <a:spLocks noGrp="1"/>
+          </p:cNvSpPr>
+          <p:nvPr>
+            <p:ph type="title"/>
+          </p:nvPr>
+        </p:nvSpPr>
+        <p:spPr>
+          <a:xfrm>
+            <a:off x="838200" y="365125"/>
+            <a:ext cx="5890146" cy="753991"/>
+          </a:xfrm>
+        </p:spPr>
+        <p:txBody>
+          <a:bodyPr/>
+          <a:lstStyle/>
+          <a:p>
+            <a:r>
+              <a:rPr lang="en-US" dirty="0"/>
+              <a:t>It’s all about Middleware</a:t>
+            </a:r>
+          </a:p>
+        </p:txBody>
+      </p:sp>
+      <p:sp>
+        <p:nvSpPr>
+          <p:cNvPr id="4" name="Rectangle 3">
+            <a:extLst>
+              <a:ext uri="{FF2B5EF4-FFF2-40B4-BE49-F238E27FC236}">
+                <a16:creationId xmlns:a16="http://schemas.microsoft.com/office/drawing/2014/main" id="{1D617A21-F4EF-B87D-C126-7D8E42564FDE}"/>
+              </a:ext>
+            </a:extLst>
+          </p:cNvPr>
+          <p:cNvSpPr/>
+          <p:nvPr/>
+        </p:nvSpPr>
+        <p:spPr>
+          <a:xfrm>
+            <a:off x="3452884" y="1364776"/>
+            <a:ext cx="3725838" cy="753991"/>
+          </a:xfrm>
+          <a:prstGeom prst="rect">
+            <a:avLst/>
+          </a:prstGeom>
+        </p:spPr>
+        <p:style>
+          <a:lnRef idx="2">
+            <a:schemeClr val="accent6">
+              <a:shade val="50000"/>
+            </a:schemeClr>
+          </a:lnRef>
+          <a:fillRef idx="1">
+            <a:schemeClr val="accent6"/>
+          </a:fillRef>
+          <a:effectRef idx="0">
+            <a:schemeClr val="accent6"/>
+          </a:effectRef>
+          <a:fontRef idx="minor">
+            <a:schemeClr val="lt1"/>
+          </a:fontRef>
+        </p:style>
+        <p:txBody>
+          <a:bodyPr rtlCol="0" anchor="ctr"/>
+          <a:lstStyle/>
+          <a:p>
+            <a:pPr algn="ctr"/>
+            <a:r>
+              <a:rPr lang="en-US" dirty="0">
+                <a:ln w="0"/>
+                <a:solidFill>
+                  <a:schemeClr val="tx1"/>
+                </a:solidFill>
+                <a:effectLst>
+                  <a:outerShdw blurRad="38100" dist="19050" dir="2700000" algn="tl" rotWithShape="0">
+                    <a:schemeClr val="dk1">
+                      <a:alpha val="40000"/>
+                    </a:schemeClr>
+                  </a:outerShdw>
+                </a:effectLst>
+              </a:rPr>
+              <a:t>Request</a:t>
+            </a:r>
+          </a:p>
+        </p:txBody>
+      </p:sp>
+      <p:sp>
+        <p:nvSpPr>
+          <p:cNvPr id="6" name="Rectangle 5">
+            <a:extLst>
+              <a:ext uri="{FF2B5EF4-FFF2-40B4-BE49-F238E27FC236}">
+                <a16:creationId xmlns:a16="http://schemas.microsoft.com/office/drawing/2014/main" id="{F83DBD80-8094-2E13-8939-A1AA25804718}"/>
+              </a:ext>
+            </a:extLst>
+          </p:cNvPr>
+          <p:cNvSpPr/>
+          <p:nvPr/>
+        </p:nvSpPr>
+        <p:spPr>
+          <a:xfrm>
+            <a:off x="3452884" y="3952852"/>
+            <a:ext cx="3725838" cy="753991"/>
+          </a:xfrm>
+          <a:prstGeom prst="rect">
+            <a:avLst/>
+          </a:prstGeom>
+          <a:solidFill>
+            <a:schemeClr val="accent2">
+              <a:lumMod val="60000"/>
+              <a:lumOff val="40000"/>
+            </a:schemeClr>
+          </a:solidFill>
+        </p:spPr>
+        <p:style>
+          <a:lnRef idx="2">
+            <a:schemeClr val="accent1">
+              <a:shade val="50000"/>
+            </a:schemeClr>
+          </a:lnRef>
+          <a:fillRef idx="1">
+            <a:schemeClr val="accent1"/>
+          </a:fillRef>
+          <a:effectRef idx="0">
+            <a:schemeClr val="accent1"/>
+          </a:effectRef>
+          <a:fontRef idx="minor">
+            <a:schemeClr val="lt1"/>
+          </a:fontRef>
+        </p:style>
+        <p:txBody>
+          <a:bodyPr rtlCol="0" anchor="ctr"/>
+          <a:lstStyle/>
+          <a:p>
+            <a:pPr algn="ctr"/>
+            <a:r>
+              <a:rPr lang="en-US" dirty="0">
+                <a:ln w="0"/>
+                <a:solidFill>
+                  <a:schemeClr val="tx1"/>
+                </a:solidFill>
+                <a:effectLst>
+                  <a:outerShdw blurRad="38100" dist="19050" dir="2700000" algn="tl" rotWithShape="0">
+                    <a:schemeClr val="dk1">
+                      <a:alpha val="40000"/>
+                    </a:schemeClr>
+                  </a:outerShdw>
+                </a:effectLst>
+              </a:rPr>
+              <a:t>Middleware</a:t>
+            </a:r>
+          </a:p>
+        </p:txBody>
+      </p:sp>
+      <p:sp>
+        <p:nvSpPr>
+          <p:cNvPr id="7" name="Rectangle 6">
+            <a:extLst>
+              <a:ext uri="{FF2B5EF4-FFF2-40B4-BE49-F238E27FC236}">
+                <a16:creationId xmlns:a16="http://schemas.microsoft.com/office/drawing/2014/main" id="{558999AE-8D19-349B-9F73-1556D89492FE}"/>
+              </a:ext>
+            </a:extLst>
+          </p:cNvPr>
+          <p:cNvSpPr/>
+          <p:nvPr/>
+        </p:nvSpPr>
+        <p:spPr>
+          <a:xfrm>
+            <a:off x="3452884" y="5116228"/>
+            <a:ext cx="3725838" cy="753991"/>
+          </a:xfrm>
+          <a:prstGeom prst="rect">
+            <a:avLst/>
+          </a:prstGeom>
+        </p:spPr>
+        <p:style>
+          <a:lnRef idx="2">
+            <a:schemeClr val="accent6">
+              <a:shade val="50000"/>
+            </a:schemeClr>
+          </a:lnRef>
+          <a:fillRef idx="1">
+            <a:schemeClr val="accent6"/>
+          </a:fillRef>
+          <a:effectRef idx="0">
+            <a:schemeClr val="accent6"/>
+          </a:effectRef>
+          <a:fontRef idx="minor">
+            <a:schemeClr val="lt1"/>
+          </a:fontRef>
+        </p:style>
+        <p:txBody>
+          <a:bodyPr rtlCol="0" anchor="ctr"/>
+          <a:lstStyle/>
+          <a:p>
+            <a:pPr algn="ctr"/>
+            <a:r>
+              <a:rPr lang="en-US" dirty="0">
+                <a:ln w="0"/>
+                <a:solidFill>
+                  <a:schemeClr val="tx1"/>
+                </a:solidFill>
+                <a:effectLst>
+                  <a:outerShdw blurRad="38100" dist="19050" dir="2700000" algn="tl" rotWithShape="0">
+                    <a:schemeClr val="dk1">
+                      <a:alpha val="40000"/>
+                    </a:schemeClr>
+                  </a:outerShdw>
+                </a:effectLst>
+              </a:rPr>
+              <a:t>Response</a:t>
+            </a:r>
+          </a:p>
+        </p:txBody>
+      </p:sp>
+      <p:sp>
+        <p:nvSpPr>
+          <p:cNvPr id="8" name="Rectangle 7">
+            <a:extLst>
+              <a:ext uri="{FF2B5EF4-FFF2-40B4-BE49-F238E27FC236}">
+                <a16:creationId xmlns:a16="http://schemas.microsoft.com/office/drawing/2014/main" id="{D2D1C486-B579-6EC3-EFAA-81CB646ADD06}"/>
+              </a:ext>
+            </a:extLst>
+          </p:cNvPr>
+          <p:cNvSpPr/>
+          <p:nvPr/>
+        </p:nvSpPr>
+        <p:spPr>
+          <a:xfrm>
+            <a:off x="7833815" y="2675009"/>
+            <a:ext cx="3725838" cy="753991"/>
+          </a:xfrm>
+          <a:prstGeom prst="rect">
+            <a:avLst/>
+          </a:prstGeom>
+        </p:spPr>
+        <p:style>
+          <a:lnRef idx="2">
+            <a:schemeClr val="accent1">
+              <a:shade val="50000"/>
+            </a:schemeClr>
+          </a:lnRef>
+          <a:fillRef idx="1">
+            <a:schemeClr val="accent1"/>
+          </a:fillRef>
+          <a:effectRef idx="0">
+            <a:schemeClr val="accent1"/>
+          </a:effectRef>
+          <a:fontRef idx="minor">
+            <a:schemeClr val="lt1"/>
+          </a:fontRef>
+        </p:style>
+        <p:txBody>
+          <a:bodyPr rtlCol="0" anchor="ctr"/>
+          <a:lstStyle/>
+          <a:p>
+            <a:pPr algn="ctr"/>
+            <a:r>
+              <a:rPr lang="en-US" dirty="0"/>
+              <a:t>(req, res, next) =&gt; {…..}</a:t>
+            </a:r>
+          </a:p>
+        </p:txBody>
+      </p:sp>
+      <p:sp>
+        <p:nvSpPr>
+          <p:cNvPr id="9" name="Rectangle 8">
+            <a:extLst>
+              <a:ext uri="{FF2B5EF4-FFF2-40B4-BE49-F238E27FC236}">
+                <a16:creationId xmlns:a16="http://schemas.microsoft.com/office/drawing/2014/main" id="{CC157FAF-DFBB-FEAD-5F29-30A52D931AF4}"/>
+              </a:ext>
+            </a:extLst>
+          </p:cNvPr>
+          <p:cNvSpPr/>
+          <p:nvPr/>
+        </p:nvSpPr>
+        <p:spPr>
+          <a:xfrm>
+            <a:off x="7833815" y="3952852"/>
+            <a:ext cx="3725838" cy="753991"/>
+          </a:xfrm>
+          <a:prstGeom prst="rect">
+            <a:avLst/>
+          </a:prstGeom>
+        </p:spPr>
+        <p:style>
+          <a:lnRef idx="2">
+            <a:schemeClr val="accent1">
+              <a:shade val="50000"/>
+            </a:schemeClr>
+          </a:lnRef>
+          <a:fillRef idx="1">
+            <a:schemeClr val="accent1"/>
+          </a:fillRef>
+          <a:effectRef idx="0">
+            <a:schemeClr val="accent1"/>
+          </a:effectRef>
+          <a:fontRef idx="minor">
+            <a:schemeClr val="lt1"/>
+          </a:fontRef>
+        </p:style>
+        <p:txBody>
+          <a:bodyPr rtlCol="0" anchor="ctr"/>
+          <a:lstStyle/>
+          <a:p>
+            <a:pPr algn="ctr"/>
+            <a:r>
+              <a:rPr lang="en-US" dirty="0"/>
+              <a:t>(req, res, next) =&gt; {…..}</a:t>
+            </a:r>
+          </a:p>
+        </p:txBody>
+      </p:sp>
+      <p:sp>
+        <p:nvSpPr>
+          <p:cNvPr id="10" name="Arrow: Down 9">
+            <a:extLst>
+              <a:ext uri="{FF2B5EF4-FFF2-40B4-BE49-F238E27FC236}">
+                <a16:creationId xmlns:a16="http://schemas.microsoft.com/office/drawing/2014/main" id="{E8B982FA-D749-C774-D9F0-0CAE5F73076B}"/>
+              </a:ext>
+            </a:extLst>
+          </p:cNvPr>
+          <p:cNvSpPr/>
+          <p:nvPr/>
+        </p:nvSpPr>
+        <p:spPr>
+          <a:xfrm>
+            <a:off x="5049672" y="2118767"/>
+            <a:ext cx="327546" cy="523852"/>
+          </a:xfrm>
+          <a:prstGeom prst="downArrow">
+            <a:avLst/>
+          </a:prstGeom>
+        </p:spPr>
+        <p:style>
+          <a:lnRef idx="2">
+            <a:schemeClr val="accent1">
+              <a:shade val="50000"/>
+            </a:schemeClr>
+          </a:lnRef>
+          <a:fillRef idx="1">
+            <a:schemeClr val="accent1"/>
+          </a:fillRef>
+          <a:effectRef idx="0">
+            <a:schemeClr val="accent1"/>
+          </a:effectRef>
+          <a:fontRef idx="minor">
+            <a:schemeClr val="lt1"/>
+          </a:fontRef>
+        </p:style>
+        <p:txBody>
+          <a:bodyPr rtlCol="0" anchor="ctr"/>
+          <a:lstStyle/>
+          <a:p>
+            <a:pPr algn="ctr"/>
+            <a:endParaRPr lang="en-US"/>
+          </a:p>
+        </p:txBody>
+      </p:sp>
+      <p:sp>
+        <p:nvSpPr>
+          <p:cNvPr id="11" name="Arrow: Down 10">
+            <a:extLst>
+              <a:ext uri="{FF2B5EF4-FFF2-40B4-BE49-F238E27FC236}">
+                <a16:creationId xmlns:a16="http://schemas.microsoft.com/office/drawing/2014/main" id="{6CD28FEF-AA89-1FC7-417B-20898AF80ABA}"/>
+              </a:ext>
+            </a:extLst>
+          </p:cNvPr>
+          <p:cNvSpPr/>
+          <p:nvPr/>
+        </p:nvSpPr>
+        <p:spPr>
+          <a:xfrm>
+            <a:off x="4988257" y="3429000"/>
+            <a:ext cx="327546" cy="523852"/>
+          </a:xfrm>
+          <a:prstGeom prst="downArrow">
+            <a:avLst/>
+          </a:prstGeom>
+        </p:spPr>
+        <p:style>
+          <a:lnRef idx="2">
+            <a:schemeClr val="accent1">
+              <a:shade val="50000"/>
+            </a:schemeClr>
+          </a:lnRef>
+          <a:fillRef idx="1">
+            <a:schemeClr val="accent1"/>
+          </a:fillRef>
+          <a:effectRef idx="0">
+            <a:schemeClr val="accent1"/>
+          </a:effectRef>
+          <a:fontRef idx="minor">
+            <a:schemeClr val="lt1"/>
+          </a:fontRef>
+        </p:style>
+        <p:txBody>
+          <a:bodyPr rtlCol="0" anchor="ctr"/>
+          <a:lstStyle/>
+          <a:p>
+            <a:pPr algn="ctr"/>
+            <a:endParaRPr lang="en-US"/>
+          </a:p>
+        </p:txBody>
+      </p:sp>
+      <p:sp>
+        <p:nvSpPr>
+          <p:cNvPr id="12" name="TextBox 11">
+            <a:extLst>
+              <a:ext uri="{FF2B5EF4-FFF2-40B4-BE49-F238E27FC236}">
+                <a16:creationId xmlns:a16="http://schemas.microsoft.com/office/drawing/2014/main" id="{7E5405CC-0CE6-F52A-34F3-CB8C6655960E}"/>
+              </a:ext>
+            </a:extLst>
+          </p:cNvPr>
+          <p:cNvSpPr txBox="1"/>
+          <p:nvPr/>
+        </p:nvSpPr>
+        <p:spPr>
+          <a:xfrm>
+            <a:off x="5622878" y="3527150"/>
+            <a:ext cx="763799" cy="369332"/>
+          </a:xfrm>
+          <a:prstGeom prst="rect">
+            <a:avLst/>
+          </a:prstGeom>
+          <a:noFill/>
+        </p:spPr>
+        <p:txBody>
+          <a:bodyPr wrap="none" rtlCol="0">
+            <a:spAutoFit/>
+          </a:bodyPr>
+          <a:lstStyle/>
+          <a:p>
+            <a:r>
+              <a:rPr lang="en-US" dirty="0"/>
+              <a:t>Next()</a:t>
+            </a:r>
+          </a:p>
+        </p:txBody>
+      </p:sp>
+      <p:sp>
+        <p:nvSpPr>
+          <p:cNvPr id="13" name="Arrow: Down 12">
+            <a:extLst>
+              <a:ext uri="{FF2B5EF4-FFF2-40B4-BE49-F238E27FC236}">
+                <a16:creationId xmlns:a16="http://schemas.microsoft.com/office/drawing/2014/main" id="{81CB0677-C65A-9818-F1F6-723AF2E0E743}"/>
+              </a:ext>
+            </a:extLst>
+          </p:cNvPr>
+          <p:cNvSpPr/>
+          <p:nvPr/>
+        </p:nvSpPr>
+        <p:spPr>
+          <a:xfrm>
+            <a:off x="5008729" y="4580996"/>
+            <a:ext cx="327546" cy="523852"/>
+          </a:xfrm>
+          <a:prstGeom prst="downArrow">
+            <a:avLst/>
+          </a:prstGeom>
+        </p:spPr>
+        <p:style>
+          <a:lnRef idx="2">
+            <a:schemeClr val="accent1">
+              <a:shade val="50000"/>
+            </a:schemeClr>
+          </a:lnRef>
+          <a:fillRef idx="1">
+            <a:schemeClr val="accent1"/>
+          </a:fillRef>
+          <a:effectRef idx="0">
+            <a:schemeClr val="accent1"/>
+          </a:effectRef>
+          <a:fontRef idx="minor">
+            <a:schemeClr val="lt1"/>
+          </a:fontRef>
+        </p:style>
+        <p:txBody>
+          <a:bodyPr rtlCol="0" anchor="ctr"/>
+          <a:lstStyle/>
+          <a:p>
+            <a:pPr algn="ctr"/>
+            <a:endParaRPr lang="en-US"/>
+          </a:p>
+        </p:txBody>
+      </p:sp>
+      <p:sp>
+        <p:nvSpPr>
+          <p:cNvPr id="14" name="TextBox 13">
+            <a:extLst>
+              <a:ext uri="{FF2B5EF4-FFF2-40B4-BE49-F238E27FC236}">
+                <a16:creationId xmlns:a16="http://schemas.microsoft.com/office/drawing/2014/main" id="{D0FB6C2D-7C8E-D7EB-BB79-F0ED1C5B5E8F}"/>
+              </a:ext>
+            </a:extLst>
+          </p:cNvPr>
+          <p:cNvSpPr txBox="1"/>
+          <p:nvPr/>
+        </p:nvSpPr>
+        <p:spPr>
+          <a:xfrm>
+            <a:off x="5493699" y="4711585"/>
+            <a:ext cx="1114601" cy="369332"/>
+          </a:xfrm>
+          <a:prstGeom prst="rect">
+            <a:avLst/>
+          </a:prstGeom>
+          <a:noFill/>
+        </p:spPr>
+        <p:txBody>
+          <a:bodyPr wrap="none" rtlCol="0">
+            <a:spAutoFit/>
+          </a:bodyPr>
+          <a:lstStyle/>
+          <a:p>
+            <a:r>
+              <a:rPr lang="en-US" dirty="0" err="1"/>
+              <a:t>res.send</a:t>
+            </a:r>
+            <a:r>
+              <a:rPr lang="en-US" dirty="0"/>
+              <a:t>()</a:t>
+            </a:r>
+          </a:p>
+        </p:txBody>
+      </p:sp>
+      <p:sp>
+        <p:nvSpPr>
+          <p:cNvPr id="15" name="Rectangle 14">
+            <a:extLst>
+              <a:ext uri="{FF2B5EF4-FFF2-40B4-BE49-F238E27FC236}">
+                <a16:creationId xmlns:a16="http://schemas.microsoft.com/office/drawing/2014/main" id="{732401FD-33D7-6871-7FC7-A2FF7E369DFC}"/>
+              </a:ext>
+            </a:extLst>
+          </p:cNvPr>
+          <p:cNvSpPr/>
+          <p:nvPr/>
+        </p:nvSpPr>
+        <p:spPr>
+          <a:xfrm>
+            <a:off x="3452884" y="2675009"/>
+            <a:ext cx="3725838" cy="753991"/>
+          </a:xfrm>
+          <a:prstGeom prst="rect">
+            <a:avLst/>
+          </a:prstGeom>
+          <a:solidFill>
+            <a:schemeClr val="accent2">
+              <a:lumMod val="60000"/>
+              <a:lumOff val="40000"/>
+            </a:schemeClr>
+          </a:solidFill>
+        </p:spPr>
+        <p:style>
+          <a:lnRef idx="2">
+            <a:schemeClr val="accent1">
+              <a:shade val="50000"/>
+            </a:schemeClr>
+          </a:lnRef>
+          <a:fillRef idx="1">
+            <a:schemeClr val="accent1"/>
+          </a:fillRef>
+          <a:effectRef idx="0">
+            <a:schemeClr val="accent1"/>
+          </a:effectRef>
+          <a:fontRef idx="minor">
+            <a:schemeClr val="lt1"/>
+          </a:fontRef>
+        </p:style>
+        <p:txBody>
+          <a:bodyPr rtlCol="0" anchor="ctr"/>
+          <a:lstStyle/>
+          <a:p>
+            <a:pPr algn="ctr"/>
+            <a:r>
+              <a:rPr lang="en-US" dirty="0">
+                <a:ln w="0"/>
+                <a:solidFill>
+                  <a:schemeClr val="tx1"/>
+                </a:solidFill>
+                <a:effectLst>
+                  <a:outerShdw blurRad="38100" dist="19050" dir="2700000" algn="tl" rotWithShape="0">
+                    <a:schemeClr val="dk1">
+                      <a:alpha val="40000"/>
+                    </a:schemeClr>
+                  </a:outerShdw>
+                </a:effectLst>
+              </a:rPr>
+              <a:t>Middleware</a:t>
+            </a:r>
+          </a:p>
+        </p:txBody>
+      </p:sp>
+      <p:sp>
+        <p:nvSpPr>
+          <p:cNvPr id="16" name="Arrow: Down 15">
+            <a:extLst>
+              <a:ext uri="{FF2B5EF4-FFF2-40B4-BE49-F238E27FC236}">
+                <a16:creationId xmlns:a16="http://schemas.microsoft.com/office/drawing/2014/main" id="{3F6CE680-5FC1-C28C-E1D8-9C59DD939D73}"/>
+              </a:ext>
+            </a:extLst>
+          </p:cNvPr>
+          <p:cNvSpPr/>
+          <p:nvPr/>
+        </p:nvSpPr>
+        <p:spPr>
+          <a:xfrm>
+            <a:off x="5049672" y="2160408"/>
+            <a:ext cx="327546" cy="523852"/>
+          </a:xfrm>
+          <a:prstGeom prst="downArrow">
+            <a:avLst/>
+          </a:prstGeom>
+          <a:solidFill>
+            <a:schemeClr val="accent2">
+              <a:lumMod val="60000"/>
+              <a:lumOff val="40000"/>
+            </a:schemeClr>
+          </a:solidFill>
+        </p:spPr>
+        <p:style>
+          <a:lnRef idx="2">
+            <a:schemeClr val="accent1">
+              <a:shade val="50000"/>
+            </a:schemeClr>
+          </a:lnRef>
+          <a:fillRef idx="1">
+            <a:schemeClr val="accent1"/>
+          </a:fillRef>
+          <a:effectRef idx="0">
+            <a:schemeClr val="accent1"/>
+          </a:effectRef>
+          <a:fontRef idx="minor">
+            <a:schemeClr val="lt1"/>
+          </a:fontRef>
+        </p:style>
+        <p:txBody>
+          <a:bodyPr rtlCol="0" anchor="ctr"/>
+          <a:lstStyle/>
+          <a:p>
+            <a:pPr algn="ctr"/>
+            <a:endParaRPr lang="en-US">
+              <a:ln w="0"/>
+              <a:solidFill>
+                <a:schemeClr val="tx1"/>
+              </a:solidFill>
+              <a:effectLst>
+                <a:outerShdw blurRad="38100" dist="19050" dir="2700000" algn="tl" rotWithShape="0">
+                  <a:schemeClr val="dk1">
+                    <a:alpha val="40000"/>
+                  </a:schemeClr>
+                </a:outerShdw>
+              </a:effectLst>
+            </a:endParaRPr>
+          </a:p>
+        </p:txBody>
+      </p:sp>
+      <p:sp>
+        <p:nvSpPr>
+          <p:cNvPr id="17" name="Arrow: Down 16">
+            <a:extLst>
+              <a:ext uri="{FF2B5EF4-FFF2-40B4-BE49-F238E27FC236}">
+                <a16:creationId xmlns:a16="http://schemas.microsoft.com/office/drawing/2014/main" id="{D578EFC3-F89C-6275-CBCF-D573C3A24881}"/>
+              </a:ext>
+            </a:extLst>
+          </p:cNvPr>
+          <p:cNvSpPr/>
+          <p:nvPr/>
+        </p:nvSpPr>
+        <p:spPr>
+          <a:xfrm>
+            <a:off x="4988257" y="3470641"/>
+            <a:ext cx="327546" cy="523852"/>
+          </a:xfrm>
+          <a:prstGeom prst="downArrow">
+            <a:avLst/>
+          </a:prstGeom>
+          <a:solidFill>
+            <a:schemeClr val="accent2">
+              <a:lumMod val="60000"/>
+              <a:lumOff val="40000"/>
+            </a:schemeClr>
+          </a:solidFill>
+        </p:spPr>
+        <p:style>
+          <a:lnRef idx="2">
+            <a:schemeClr val="accent1">
+              <a:shade val="50000"/>
+            </a:schemeClr>
+          </a:lnRef>
+          <a:fillRef idx="1">
+            <a:schemeClr val="accent1"/>
+          </a:fillRef>
+          <a:effectRef idx="0">
+            <a:schemeClr val="accent1"/>
+          </a:effectRef>
+          <a:fontRef idx="minor">
+            <a:schemeClr val="lt1"/>
+          </a:fontRef>
+        </p:style>
+        <p:txBody>
+          <a:bodyPr rtlCol="0" anchor="ctr"/>
+          <a:lstStyle/>
+          <a:p>
+            <a:pPr algn="ctr"/>
+            <a:endParaRPr lang="en-US">
+              <a:ln w="0"/>
+              <a:solidFill>
+                <a:schemeClr val="tx1"/>
+              </a:solidFill>
+              <a:effectLst>
+                <a:outerShdw blurRad="38100" dist="19050" dir="2700000" algn="tl" rotWithShape="0">
+                  <a:schemeClr val="dk1">
+                    <a:alpha val="40000"/>
+                  </a:schemeClr>
+                </a:outerShdw>
+              </a:effectLst>
+            </a:endParaRPr>
+          </a:p>
+        </p:txBody>
+      </p:sp>
+    </p:spTree>
+    <p:extLst>
+      <p:ext uri="{BB962C8B-B14F-4D97-AF65-F5344CB8AC3E}">
+        <p14:creationId xmlns:p14="http://schemas.microsoft.com/office/powerpoint/2010/main" val="1486056969"/>
+      </p:ext>
+    </p:extLst>
+  </p:cSld>
+  <p:clrMapOvr>
+    <a:masterClrMapping/>
+  </p:clrMapOvr>
+</p:sld>
+</file>
+
+<file path=ppt/slides/slide42.xml><?xml version="1.0" encoding="utf-8"?>
+<p:sld xmlns:a="http://schemas.openxmlformats.org/drawingml/2006/main" xmlns:r="http://schemas.openxmlformats.org/officeDocument/2006/relationships" xmlns:p="http://schemas.openxmlformats.org/presentationml/2006/main">
+  <p:cSld>
+    <p:spTree>
+      <p:nvGrpSpPr>
+        <p:cNvPr id="1" name=""/>
+        <p:cNvGrpSpPr/>
+        <p:nvPr/>
+      </p:nvGrpSpPr>
+      <p:grpSpPr>
+        <a:xfrm>
+          <a:off x="0" y="0"/>
+          <a:ext cx="0" cy="0"/>
+          <a:chOff x="0" y="0"/>
+          <a:chExt cx="0" cy="0"/>
+        </a:xfrm>
+      </p:grpSpPr>
+      <p:sp>
+        <p:nvSpPr>
+          <p:cNvPr id="2" name="Title 1">
+            <a:extLst>
+              <a:ext uri="{FF2B5EF4-FFF2-40B4-BE49-F238E27FC236}">
+                <a16:creationId xmlns:a16="http://schemas.microsoft.com/office/drawing/2014/main" id="{69FCF7EB-2EBE-CB2E-D3AC-4EE4E2B74EC2}"/>
+              </a:ext>
+            </a:extLst>
+          </p:cNvPr>
+          <p:cNvSpPr>
+            <a:spLocks noGrp="1"/>
+          </p:cNvSpPr>
+          <p:nvPr>
+            <p:ph type="title"/>
+          </p:nvPr>
+        </p:nvSpPr>
+        <p:spPr>
+          <a:xfrm>
+            <a:off x="838200" y="365125"/>
+            <a:ext cx="10515600" cy="5503412"/>
+          </a:xfrm>
+        </p:spPr>
+        <p:txBody>
+          <a:bodyPr/>
+          <a:lstStyle/>
+          <a:p>
+            <a:r>
+              <a:rPr lang="en-US" dirty="0"/>
+              <a:t>Express Router.</a:t>
+            </a:r>
+            <a:br>
+              <a:rPr lang="en-US" dirty="0"/>
+            </a:br>
+            <a:r>
+              <a:rPr lang="en-US" dirty="0"/>
+              <a:t>Adding 404 Error Page.</a:t>
+            </a:r>
+            <a:br>
+              <a:rPr lang="en-US" dirty="0"/>
+            </a:br>
+            <a:r>
+              <a:rPr lang="en-US" dirty="0"/>
+              <a:t>Filtering Paths</a:t>
+            </a:r>
+            <a:br>
+              <a:rPr lang="en-US" dirty="0"/>
+            </a:br>
+            <a:r>
+              <a:rPr lang="en-US" dirty="0"/>
+              <a:t>Creating HTML Pages</a:t>
+            </a:r>
+            <a:br>
+              <a:rPr lang="en-US" dirty="0"/>
+            </a:br>
+            <a:r>
+              <a:rPr lang="en-US" dirty="0"/>
+              <a:t>returning a 404 page</a:t>
+            </a:r>
+            <a:br>
+              <a:rPr lang="en-US" dirty="0"/>
+            </a:br>
+            <a:r>
+              <a:rPr lang="en-US" dirty="0"/>
+              <a:t>using helper function for Navigation</a:t>
+            </a:r>
+            <a:br>
+              <a:rPr lang="en-US" dirty="0"/>
+            </a:br>
+            <a:r>
+              <a:rPr lang="en-US" dirty="0"/>
+              <a:t>styling </a:t>
+            </a:r>
+            <a:br>
+              <a:rPr lang="en-US" dirty="0"/>
+            </a:br>
+            <a:r>
+              <a:rPr lang="en-US" dirty="0" err="1"/>
+              <a:t>styling</a:t>
+            </a:r>
+            <a:r>
+              <a:rPr lang="en-US" dirty="0"/>
+              <a:t> files statically</a:t>
+            </a:r>
+          </a:p>
+        </p:txBody>
+      </p:sp>
+    </p:spTree>
+    <p:extLst>
+      <p:ext uri="{BB962C8B-B14F-4D97-AF65-F5344CB8AC3E}">
+        <p14:creationId xmlns:p14="http://schemas.microsoft.com/office/powerpoint/2010/main" val="3302668833"/>
+      </p:ext>
+    </p:extLst>
+  </p:cSld>
+  <p:clrMapOvr>
+    <a:masterClrMapping/>
+  </p:clrMapOvr>
+</p:sld>
+</file>
+
+<file path=ppt/slides/slide43.xml><?xml version="1.0" encoding="utf-8"?>
+<p:sld xmlns:a="http://schemas.openxmlformats.org/drawingml/2006/main" xmlns:r="http://schemas.openxmlformats.org/officeDocument/2006/relationships" xmlns:p="http://schemas.openxmlformats.org/presentationml/2006/main">
+  <p:cSld>
+    <p:spTree>
+      <p:nvGrpSpPr>
+        <p:cNvPr id="1" name=""/>
+        <p:cNvGrpSpPr/>
+        <p:nvPr/>
+      </p:nvGrpSpPr>
+      <p:grpSpPr>
+        <a:xfrm>
+          <a:off x="0" y="0"/>
+          <a:ext cx="0" cy="0"/>
+          <a:chOff x="0" y="0"/>
+          <a:chExt cx="0" cy="0"/>
+        </a:xfrm>
+      </p:grpSpPr>
+      <p:sp>
+        <p:nvSpPr>
+          <p:cNvPr id="2" name="Title 1">
+            <a:extLst>
+              <a:ext uri="{FF2B5EF4-FFF2-40B4-BE49-F238E27FC236}">
+                <a16:creationId xmlns:a16="http://schemas.microsoft.com/office/drawing/2014/main" id="{3FF31C65-6CD8-B561-D96E-50BA54E54F9A}"/>
+              </a:ext>
+            </a:extLst>
+          </p:cNvPr>
+          <p:cNvSpPr>
+            <a:spLocks noGrp="1"/>
+          </p:cNvSpPr>
+          <p:nvPr>
+            <p:ph type="title"/>
+          </p:nvPr>
+        </p:nvSpPr>
+        <p:spPr>
+          <a:xfrm>
+            <a:off x="838200" y="365126"/>
+            <a:ext cx="4375245" cy="590218"/>
+          </a:xfrm>
+        </p:spPr>
+        <p:txBody>
+          <a:bodyPr>
+            <a:normAutofit fontScale="90000"/>
+          </a:bodyPr>
+          <a:lstStyle/>
+          <a:p>
+            <a:pPr algn="ctr"/>
+            <a:r>
+              <a:rPr lang="en-US" dirty="0"/>
+              <a:t>Module Summary</a:t>
+            </a:r>
+          </a:p>
+        </p:txBody>
+      </p:sp>
+      <p:grpSp>
+        <p:nvGrpSpPr>
+          <p:cNvPr id="6" name="Group 5">
+            <a:extLst>
+              <a:ext uri="{FF2B5EF4-FFF2-40B4-BE49-F238E27FC236}">
+                <a16:creationId xmlns:a16="http://schemas.microsoft.com/office/drawing/2014/main" id="{178C9FB0-5DC4-73F4-1692-E23FB668BCB9}"/>
+              </a:ext>
+            </a:extLst>
+          </p:cNvPr>
+          <p:cNvGrpSpPr/>
+          <p:nvPr/>
+        </p:nvGrpSpPr>
+        <p:grpSpPr>
+          <a:xfrm>
+            <a:off x="586853" y="1160060"/>
+            <a:ext cx="3848669" cy="2470243"/>
+            <a:chOff x="545910" y="1160060"/>
+            <a:chExt cx="3848669" cy="2470243"/>
+          </a:xfrm>
+          <a:solidFill>
+            <a:schemeClr val="accent2">
+              <a:lumMod val="50000"/>
+            </a:schemeClr>
+          </a:solidFill>
+        </p:grpSpPr>
+        <p:sp>
+          <p:nvSpPr>
+            <p:cNvPr id="4" name="Rectangle 3">
+              <a:extLst>
+                <a:ext uri="{FF2B5EF4-FFF2-40B4-BE49-F238E27FC236}">
+                  <a16:creationId xmlns:a16="http://schemas.microsoft.com/office/drawing/2014/main" id="{7B4CFA8B-701A-5C38-0204-E77D607388D0}"/>
+                </a:ext>
+              </a:extLst>
+            </p:cNvPr>
+            <p:cNvSpPr/>
+            <p:nvPr/>
+          </p:nvSpPr>
+          <p:spPr>
+            <a:xfrm>
+              <a:off x="545910" y="1160060"/>
+              <a:ext cx="3848669" cy="286603"/>
+            </a:xfrm>
+            <a:prstGeom prst="rect">
+              <a:avLst/>
+            </a:prstGeom>
+            <a:grpFill/>
+          </p:spPr>
+          <p:style>
+            <a:lnRef idx="2">
+              <a:schemeClr val="accent1">
+                <a:shade val="50000"/>
+              </a:schemeClr>
+            </a:lnRef>
+            <a:fillRef idx="1">
+              <a:schemeClr val="accent1"/>
+            </a:fillRef>
+            <a:effectRef idx="0">
+              <a:schemeClr val="accent1"/>
+            </a:effectRef>
+            <a:fontRef idx="minor">
+              <a:schemeClr val="lt1"/>
+            </a:fontRef>
+          </p:style>
+          <p:txBody>
+            <a:bodyPr rtlCol="0" anchor="ctr"/>
+            <a:lstStyle/>
+            <a:p>
+              <a:pPr algn="ctr"/>
+              <a:r>
+                <a:rPr lang="en-US" dirty="0"/>
+                <a:t>What is Express.js?</a:t>
+              </a:r>
+            </a:p>
+          </p:txBody>
+        </p:sp>
+        <p:sp>
+          <p:nvSpPr>
+            <p:cNvPr id="5" name="Rectangle 4">
+              <a:extLst>
+                <a:ext uri="{FF2B5EF4-FFF2-40B4-BE49-F238E27FC236}">
+                  <a16:creationId xmlns:a16="http://schemas.microsoft.com/office/drawing/2014/main" id="{E8CE179B-0FA9-348C-103F-CAB32E7AA563}"/>
+                </a:ext>
+              </a:extLst>
+            </p:cNvPr>
+            <p:cNvSpPr/>
+            <p:nvPr/>
+          </p:nvSpPr>
+          <p:spPr>
+            <a:xfrm>
+              <a:off x="545910" y="1446663"/>
+              <a:ext cx="3848669" cy="2183640"/>
+            </a:xfrm>
+            <a:prstGeom prst="rect">
+              <a:avLst/>
+            </a:prstGeom>
+            <a:solidFill>
+              <a:schemeClr val="accent2">
+                <a:lumMod val="60000"/>
+                <a:lumOff val="40000"/>
+              </a:schemeClr>
+            </a:solidFill>
+          </p:spPr>
+          <p:style>
+            <a:lnRef idx="2">
+              <a:schemeClr val="accent1">
+                <a:shade val="50000"/>
+              </a:schemeClr>
+            </a:lnRef>
+            <a:fillRef idx="1">
+              <a:schemeClr val="accent1"/>
+            </a:fillRef>
+            <a:effectRef idx="0">
+              <a:schemeClr val="accent1"/>
+            </a:effectRef>
+            <a:fontRef idx="minor">
+              <a:schemeClr val="lt1"/>
+            </a:fontRef>
+          </p:style>
+          <p:txBody>
+            <a:bodyPr rtlCol="0" anchor="ctr"/>
+            <a:lstStyle/>
+            <a:p>
+              <a:pPr marL="285750" indent="-285750" algn="ctr">
+                <a:buFont typeface="Arial" panose="020B0604020202020204" pitchFamily="34" charset="0"/>
+                <a:buChar char="•"/>
+              </a:pPr>
+              <a:r>
+                <a:rPr lang="en-US" dirty="0">
+                  <a:ln w="0"/>
+                  <a:solidFill>
+                    <a:schemeClr val="tx1"/>
+                  </a:solidFill>
+                  <a:effectLst>
+                    <a:outerShdw blurRad="38100" dist="19050" dir="2700000" algn="tl" rotWithShape="0">
+                      <a:schemeClr val="dk1">
+                        <a:alpha val="40000"/>
+                      </a:schemeClr>
+                    </a:outerShdw>
+                  </a:effectLst>
+                </a:rPr>
+                <a:t>Express.js is Node.js framework – a package that adds a bunch of utility functions and tools and a clear set of rules on how the app should be built (middleware!).</a:t>
+              </a:r>
+            </a:p>
+            <a:p>
+              <a:pPr marL="285750" indent="-285750" algn="ctr">
+                <a:buFont typeface="Arial" panose="020B0604020202020204" pitchFamily="34" charset="0"/>
+                <a:buChar char="•"/>
+              </a:pPr>
+              <a:r>
+                <a:rPr lang="en-US" dirty="0">
+                  <a:ln w="0"/>
+                  <a:solidFill>
+                    <a:schemeClr val="tx1"/>
+                  </a:solidFill>
+                  <a:effectLst>
+                    <a:outerShdw blurRad="38100" dist="19050" dir="2700000" algn="tl" rotWithShape="0">
+                      <a:schemeClr val="dk1">
+                        <a:alpha val="40000"/>
+                      </a:schemeClr>
+                    </a:outerShdw>
+                  </a:effectLst>
+                </a:rPr>
+                <a:t>It’s highly extensible and other packages can be plugged into it(middleware!)</a:t>
+              </a:r>
+              <a:endParaRPr lang="en-US" dirty="0"/>
+            </a:p>
+          </p:txBody>
+        </p:sp>
+      </p:grpSp>
+      <p:grpSp>
+        <p:nvGrpSpPr>
+          <p:cNvPr id="8" name="Group 7">
+            <a:extLst>
+              <a:ext uri="{FF2B5EF4-FFF2-40B4-BE49-F238E27FC236}">
+                <a16:creationId xmlns:a16="http://schemas.microsoft.com/office/drawing/2014/main" id="{13DCF2B4-AFB3-E24A-8A53-634144922C80}"/>
+              </a:ext>
+            </a:extLst>
+          </p:cNvPr>
+          <p:cNvGrpSpPr/>
+          <p:nvPr/>
+        </p:nvGrpSpPr>
+        <p:grpSpPr>
+          <a:xfrm>
+            <a:off x="4669808" y="1160060"/>
+            <a:ext cx="7135505" cy="2470243"/>
+            <a:chOff x="545910" y="1160060"/>
+            <a:chExt cx="3848669" cy="2470243"/>
+          </a:xfrm>
+          <a:solidFill>
+            <a:schemeClr val="accent2">
+              <a:lumMod val="50000"/>
+            </a:schemeClr>
+          </a:solidFill>
+        </p:grpSpPr>
+        <p:sp>
+          <p:nvSpPr>
+            <p:cNvPr id="9" name="Rectangle 8">
+              <a:extLst>
+                <a:ext uri="{FF2B5EF4-FFF2-40B4-BE49-F238E27FC236}">
+                  <a16:creationId xmlns:a16="http://schemas.microsoft.com/office/drawing/2014/main" id="{3C96C30E-9928-E542-B9B2-C99687727957}"/>
+                </a:ext>
+              </a:extLst>
+            </p:cNvPr>
+            <p:cNvSpPr/>
+            <p:nvPr/>
+          </p:nvSpPr>
+          <p:spPr>
+            <a:xfrm>
+              <a:off x="545910" y="1160060"/>
+              <a:ext cx="3848669" cy="286603"/>
+            </a:xfrm>
+            <a:prstGeom prst="rect">
+              <a:avLst/>
+            </a:prstGeom>
+            <a:grpFill/>
+          </p:spPr>
+          <p:style>
+            <a:lnRef idx="2">
+              <a:schemeClr val="accent1">
+                <a:shade val="50000"/>
+              </a:schemeClr>
+            </a:lnRef>
+            <a:fillRef idx="1">
+              <a:schemeClr val="accent1"/>
+            </a:fillRef>
+            <a:effectRef idx="0">
+              <a:schemeClr val="accent1"/>
+            </a:effectRef>
+            <a:fontRef idx="minor">
+              <a:schemeClr val="lt1"/>
+            </a:fontRef>
+          </p:style>
+          <p:txBody>
+            <a:bodyPr rtlCol="0" anchor="ctr"/>
+            <a:lstStyle/>
+            <a:p>
+              <a:pPr algn="ctr"/>
+              <a:r>
+                <a:rPr lang="en-US" dirty="0"/>
+                <a:t>Routing</a:t>
+              </a:r>
+            </a:p>
+          </p:txBody>
+        </p:sp>
+        <p:sp>
+          <p:nvSpPr>
+            <p:cNvPr id="10" name="Rectangle 9">
+              <a:extLst>
+                <a:ext uri="{FF2B5EF4-FFF2-40B4-BE49-F238E27FC236}">
+                  <a16:creationId xmlns:a16="http://schemas.microsoft.com/office/drawing/2014/main" id="{C4CD1F92-5637-34FC-B645-CCA5FD9BB1A3}"/>
+                </a:ext>
+              </a:extLst>
+            </p:cNvPr>
+            <p:cNvSpPr/>
+            <p:nvPr/>
+          </p:nvSpPr>
+          <p:spPr>
+            <a:xfrm>
+              <a:off x="545910" y="1446663"/>
+              <a:ext cx="3848669" cy="2183640"/>
+            </a:xfrm>
+            <a:prstGeom prst="rect">
+              <a:avLst/>
+            </a:prstGeom>
+            <a:solidFill>
+              <a:schemeClr val="accent2">
+                <a:lumMod val="60000"/>
+                <a:lumOff val="40000"/>
+              </a:schemeClr>
+            </a:solidFill>
+          </p:spPr>
+          <p:style>
+            <a:lnRef idx="2">
+              <a:schemeClr val="accent1">
+                <a:shade val="50000"/>
+              </a:schemeClr>
+            </a:lnRef>
+            <a:fillRef idx="1">
+              <a:schemeClr val="accent1"/>
+            </a:fillRef>
+            <a:effectRef idx="0">
+              <a:schemeClr val="accent1"/>
+            </a:effectRef>
+            <a:fontRef idx="minor">
+              <a:schemeClr val="lt1"/>
+            </a:fontRef>
+          </p:style>
+          <p:txBody>
+            <a:bodyPr rtlCol="0" anchor="ctr"/>
+            <a:lstStyle/>
+            <a:p>
+              <a:pPr marL="285750" indent="-285750" algn="ctr">
+                <a:buFont typeface="Arial" panose="020B0604020202020204" pitchFamily="34" charset="0"/>
+                <a:buChar char="•"/>
+              </a:pPr>
+              <a:r>
+                <a:rPr lang="en-US" dirty="0">
+                  <a:ln w="0"/>
+                  <a:solidFill>
+                    <a:schemeClr val="tx1"/>
+                  </a:solidFill>
+                  <a:effectLst>
+                    <a:outerShdw blurRad="38100" dist="19050" dir="2700000" algn="tl" rotWithShape="0">
+                      <a:schemeClr val="dk1">
+                        <a:alpha val="40000"/>
+                      </a:schemeClr>
+                    </a:outerShdw>
+                  </a:effectLst>
+                </a:rPr>
+                <a:t>You can filter requests by path and method.</a:t>
+              </a:r>
+            </a:p>
+            <a:p>
+              <a:pPr marL="285750" indent="-285750" algn="ctr">
+                <a:buFont typeface="Arial" panose="020B0604020202020204" pitchFamily="34" charset="0"/>
+                <a:buChar char="•"/>
+              </a:pPr>
+              <a:r>
+                <a:rPr lang="en-US" dirty="0">
+                  <a:ln w="0"/>
+                  <a:solidFill>
+                    <a:schemeClr val="tx1"/>
+                  </a:solidFill>
+                  <a:effectLst>
+                    <a:outerShdw blurRad="38100" dist="19050" dir="2700000" algn="tl" rotWithShape="0">
+                      <a:schemeClr val="dk1">
+                        <a:alpha val="40000"/>
+                      </a:schemeClr>
+                    </a:outerShdw>
+                  </a:effectLst>
+                </a:rPr>
+                <a:t>If you filter by method, paths are matched exactly, otherwise, the first segment of a URL is matched</a:t>
+              </a:r>
+            </a:p>
+            <a:p>
+              <a:pPr marL="285750" indent="-285750" algn="ctr">
+                <a:buFont typeface="Arial" panose="020B0604020202020204" pitchFamily="34" charset="0"/>
+                <a:buChar char="•"/>
+              </a:pPr>
+              <a:r>
+                <a:rPr lang="en-US" dirty="0">
+                  <a:ln w="0"/>
+                  <a:solidFill>
+                    <a:schemeClr val="tx1"/>
+                  </a:solidFill>
+                  <a:effectLst>
+                    <a:outerShdw blurRad="38100" dist="19050" dir="2700000" algn="tl" rotWithShape="0">
+                      <a:schemeClr val="dk1">
+                        <a:alpha val="40000"/>
+                      </a:schemeClr>
+                    </a:outerShdw>
+                  </a:effectLst>
+                </a:rPr>
+                <a:t>You can use the </a:t>
+              </a:r>
+              <a:r>
+                <a:rPr lang="en-US" dirty="0" err="1">
+                  <a:ln w="0"/>
+                  <a:solidFill>
+                    <a:schemeClr val="tx1"/>
+                  </a:solidFill>
+                  <a:effectLst>
+                    <a:outerShdw blurRad="38100" dist="19050" dir="2700000" algn="tl" rotWithShape="0">
+                      <a:schemeClr val="dk1">
+                        <a:alpha val="40000"/>
+                      </a:schemeClr>
+                    </a:outerShdw>
+                  </a:effectLst>
+                </a:rPr>
+                <a:t>express.Router</a:t>
+              </a:r>
+              <a:r>
+                <a:rPr lang="en-US" dirty="0">
+                  <a:ln w="0"/>
+                  <a:solidFill>
+                    <a:schemeClr val="tx1"/>
+                  </a:solidFill>
+                  <a:effectLst>
+                    <a:outerShdw blurRad="38100" dist="19050" dir="2700000" algn="tl" rotWithShape="0">
+                      <a:schemeClr val="dk1">
+                        <a:alpha val="40000"/>
+                      </a:schemeClr>
+                    </a:outerShdw>
+                  </a:effectLst>
+                </a:rPr>
+                <a:t> to split your routes across files </a:t>
+              </a:r>
+              <a:r>
+                <a:rPr lang="en-US" dirty="0" err="1">
+                  <a:ln w="0"/>
+                  <a:solidFill>
+                    <a:schemeClr val="tx1"/>
+                  </a:solidFill>
+                  <a:effectLst>
+                    <a:outerShdw blurRad="38100" dist="19050" dir="2700000" algn="tl" rotWithShape="0">
+                      <a:schemeClr val="dk1">
+                        <a:alpha val="40000"/>
+                      </a:schemeClr>
+                    </a:outerShdw>
+                  </a:effectLst>
+                </a:rPr>
+                <a:t>elegantely</a:t>
+              </a:r>
+              <a:endParaRPr lang="en-US" dirty="0"/>
+            </a:p>
+          </p:txBody>
+        </p:sp>
+      </p:grpSp>
+      <p:grpSp>
+        <p:nvGrpSpPr>
+          <p:cNvPr id="11" name="Group 10">
+            <a:extLst>
+              <a:ext uri="{FF2B5EF4-FFF2-40B4-BE49-F238E27FC236}">
+                <a16:creationId xmlns:a16="http://schemas.microsoft.com/office/drawing/2014/main" id="{2D54B37B-D5B7-BDEC-BD4D-F44A3D319663}"/>
+              </a:ext>
+            </a:extLst>
+          </p:cNvPr>
+          <p:cNvGrpSpPr/>
+          <p:nvPr/>
+        </p:nvGrpSpPr>
+        <p:grpSpPr>
+          <a:xfrm>
+            <a:off x="586854" y="3916906"/>
+            <a:ext cx="4626592" cy="2470243"/>
+            <a:chOff x="545910" y="1160060"/>
+            <a:chExt cx="3848669" cy="2470243"/>
+          </a:xfrm>
+          <a:solidFill>
+            <a:schemeClr val="accent2">
+              <a:lumMod val="50000"/>
+            </a:schemeClr>
+          </a:solidFill>
+        </p:grpSpPr>
+        <p:sp>
+          <p:nvSpPr>
+            <p:cNvPr id="12" name="Rectangle 11">
+              <a:extLst>
+                <a:ext uri="{FF2B5EF4-FFF2-40B4-BE49-F238E27FC236}">
+                  <a16:creationId xmlns:a16="http://schemas.microsoft.com/office/drawing/2014/main" id="{B0040501-C2BF-EB9D-913D-9E1F9E64CE12}"/>
+                </a:ext>
+              </a:extLst>
+            </p:cNvPr>
+            <p:cNvSpPr/>
+            <p:nvPr/>
+          </p:nvSpPr>
+          <p:spPr>
+            <a:xfrm>
+              <a:off x="545910" y="1160060"/>
+              <a:ext cx="3848669" cy="286603"/>
+            </a:xfrm>
+            <a:prstGeom prst="rect">
+              <a:avLst/>
+            </a:prstGeom>
+            <a:grpFill/>
+          </p:spPr>
+          <p:style>
+            <a:lnRef idx="2">
+              <a:schemeClr val="accent1">
+                <a:shade val="50000"/>
+              </a:schemeClr>
+            </a:lnRef>
+            <a:fillRef idx="1">
+              <a:schemeClr val="accent1"/>
+            </a:fillRef>
+            <a:effectRef idx="0">
+              <a:schemeClr val="accent1"/>
+            </a:effectRef>
+            <a:fontRef idx="minor">
+              <a:schemeClr val="lt1"/>
+            </a:fontRef>
+          </p:style>
+          <p:txBody>
+            <a:bodyPr rtlCol="0" anchor="ctr"/>
+            <a:lstStyle/>
+            <a:p>
+              <a:pPr algn="ctr"/>
+              <a:r>
+                <a:rPr lang="en-US" dirty="0"/>
+                <a:t>Middleware, next() and res()</a:t>
+              </a:r>
+            </a:p>
+          </p:txBody>
+        </p:sp>
+        <p:sp>
+          <p:nvSpPr>
+            <p:cNvPr id="13" name="Rectangle 12">
+              <a:extLst>
+                <a:ext uri="{FF2B5EF4-FFF2-40B4-BE49-F238E27FC236}">
+                  <a16:creationId xmlns:a16="http://schemas.microsoft.com/office/drawing/2014/main" id="{2B05487E-FEF4-B009-4547-B00DDC830BED}"/>
+                </a:ext>
+              </a:extLst>
+            </p:cNvPr>
+            <p:cNvSpPr/>
+            <p:nvPr/>
+          </p:nvSpPr>
+          <p:spPr>
+            <a:xfrm>
+              <a:off x="545910" y="1446663"/>
+              <a:ext cx="3848669" cy="2183640"/>
+            </a:xfrm>
+            <a:prstGeom prst="rect">
+              <a:avLst/>
+            </a:prstGeom>
+            <a:solidFill>
+              <a:schemeClr val="accent2">
+                <a:lumMod val="60000"/>
+                <a:lumOff val="40000"/>
+              </a:schemeClr>
+            </a:solidFill>
+          </p:spPr>
+          <p:style>
+            <a:lnRef idx="2">
+              <a:schemeClr val="accent1">
+                <a:shade val="50000"/>
+              </a:schemeClr>
+            </a:lnRef>
+            <a:fillRef idx="1">
+              <a:schemeClr val="accent1"/>
+            </a:fillRef>
+            <a:effectRef idx="0">
+              <a:schemeClr val="accent1"/>
+            </a:effectRef>
+            <a:fontRef idx="minor">
+              <a:schemeClr val="lt1"/>
+            </a:fontRef>
+          </p:style>
+          <p:txBody>
+            <a:bodyPr rtlCol="0" anchor="ctr"/>
+            <a:lstStyle/>
+            <a:p>
+              <a:pPr marL="285750" indent="-285750" algn="ctr">
+                <a:buFont typeface="Arial" panose="020B0604020202020204" pitchFamily="34" charset="0"/>
+                <a:buChar char="•"/>
+              </a:pPr>
+              <a:r>
+                <a:rPr lang="en-US" dirty="0">
+                  <a:ln w="0"/>
+                  <a:solidFill>
+                    <a:schemeClr val="tx1"/>
+                  </a:solidFill>
+                  <a:effectLst>
+                    <a:outerShdw blurRad="38100" dist="19050" dir="2700000" algn="tl" rotWithShape="0">
+                      <a:schemeClr val="dk1">
+                        <a:alpha val="40000"/>
+                      </a:schemeClr>
+                    </a:outerShdw>
+                  </a:effectLst>
+                </a:rPr>
+                <a:t>Express.js relies heavily on middleware functions – you can easily add them by calling use()</a:t>
+              </a:r>
+            </a:p>
+            <a:p>
+              <a:pPr marL="285750" indent="-285750" algn="ctr">
+                <a:buFont typeface="Arial" panose="020B0604020202020204" pitchFamily="34" charset="0"/>
+                <a:buChar char="•"/>
+              </a:pPr>
+              <a:r>
+                <a:rPr lang="en-US" dirty="0">
+                  <a:ln w="0"/>
+                  <a:solidFill>
+                    <a:schemeClr val="tx1"/>
+                  </a:solidFill>
+                  <a:effectLst>
+                    <a:outerShdw blurRad="38100" dist="19050" dir="2700000" algn="tl" rotWithShape="0">
+                      <a:schemeClr val="dk1">
+                        <a:alpha val="40000"/>
+                      </a:schemeClr>
+                    </a:outerShdw>
+                  </a:effectLst>
+                </a:rPr>
+                <a:t>Middleware functions handle a request and should call next() to forward the request to the next function in line or send a response</a:t>
+              </a:r>
+              <a:endParaRPr lang="en-US" dirty="0"/>
+            </a:p>
+          </p:txBody>
+        </p:sp>
+      </p:grpSp>
+      <p:grpSp>
+        <p:nvGrpSpPr>
+          <p:cNvPr id="14" name="Group 13">
+            <a:extLst>
+              <a:ext uri="{FF2B5EF4-FFF2-40B4-BE49-F238E27FC236}">
+                <a16:creationId xmlns:a16="http://schemas.microsoft.com/office/drawing/2014/main" id="{6E3D0B20-0C0B-1A0F-2BAC-BEDCF1AB2B7A}"/>
+              </a:ext>
+            </a:extLst>
+          </p:cNvPr>
+          <p:cNvGrpSpPr/>
+          <p:nvPr/>
+        </p:nvGrpSpPr>
+        <p:grpSpPr>
+          <a:xfrm>
+            <a:off x="5418162" y="3916906"/>
+            <a:ext cx="6591868" cy="2470243"/>
+            <a:chOff x="545910" y="1160060"/>
+            <a:chExt cx="3848669" cy="2470243"/>
+          </a:xfrm>
+          <a:solidFill>
+            <a:schemeClr val="accent2">
+              <a:lumMod val="50000"/>
+            </a:schemeClr>
+          </a:solidFill>
+        </p:grpSpPr>
+        <p:sp>
+          <p:nvSpPr>
+            <p:cNvPr id="15" name="Rectangle 14">
+              <a:extLst>
+                <a:ext uri="{FF2B5EF4-FFF2-40B4-BE49-F238E27FC236}">
+                  <a16:creationId xmlns:a16="http://schemas.microsoft.com/office/drawing/2014/main" id="{011F80B7-AF16-9B7F-9A20-31D9AF77CE2E}"/>
+                </a:ext>
+              </a:extLst>
+            </p:cNvPr>
+            <p:cNvSpPr/>
+            <p:nvPr/>
+          </p:nvSpPr>
+          <p:spPr>
+            <a:xfrm>
+              <a:off x="545910" y="1160060"/>
+              <a:ext cx="3848669" cy="286603"/>
+            </a:xfrm>
+            <a:prstGeom prst="rect">
+              <a:avLst/>
+            </a:prstGeom>
+            <a:grpFill/>
+          </p:spPr>
+          <p:style>
+            <a:lnRef idx="2">
+              <a:schemeClr val="accent1">
+                <a:shade val="50000"/>
+              </a:schemeClr>
+            </a:lnRef>
+            <a:fillRef idx="1">
+              <a:schemeClr val="accent1"/>
+            </a:fillRef>
+            <a:effectRef idx="0">
+              <a:schemeClr val="accent1"/>
+            </a:effectRef>
+            <a:fontRef idx="minor">
+              <a:schemeClr val="lt1"/>
+            </a:fontRef>
+          </p:style>
+          <p:txBody>
+            <a:bodyPr rtlCol="0" anchor="ctr"/>
+            <a:lstStyle/>
+            <a:p>
+              <a:pPr algn="ctr"/>
+              <a:r>
+                <a:rPr lang="en-US" dirty="0"/>
+                <a:t>Serve Files</a:t>
+              </a:r>
+            </a:p>
+          </p:txBody>
+        </p:sp>
+        <p:sp>
+          <p:nvSpPr>
+            <p:cNvPr id="16" name="Rectangle 15">
+              <a:extLst>
+                <a:ext uri="{FF2B5EF4-FFF2-40B4-BE49-F238E27FC236}">
+                  <a16:creationId xmlns:a16="http://schemas.microsoft.com/office/drawing/2014/main" id="{9D90420C-59B8-A8B9-3DC3-02BDAD17D28C}"/>
+                </a:ext>
+              </a:extLst>
+            </p:cNvPr>
+            <p:cNvSpPr/>
+            <p:nvPr/>
+          </p:nvSpPr>
+          <p:spPr>
+            <a:xfrm>
+              <a:off x="545910" y="1446663"/>
+              <a:ext cx="3848669" cy="2183640"/>
+            </a:xfrm>
+            <a:prstGeom prst="rect">
+              <a:avLst/>
+            </a:prstGeom>
+            <a:solidFill>
+              <a:schemeClr val="accent2">
+                <a:lumMod val="60000"/>
+                <a:lumOff val="40000"/>
+              </a:schemeClr>
+            </a:solidFill>
+          </p:spPr>
+          <p:style>
+            <a:lnRef idx="2">
+              <a:schemeClr val="accent1">
+                <a:shade val="50000"/>
+              </a:schemeClr>
+            </a:lnRef>
+            <a:fillRef idx="1">
+              <a:schemeClr val="accent1"/>
+            </a:fillRef>
+            <a:effectRef idx="0">
+              <a:schemeClr val="accent1"/>
+            </a:effectRef>
+            <a:fontRef idx="minor">
+              <a:schemeClr val="lt1"/>
+            </a:fontRef>
+          </p:style>
+          <p:txBody>
+            <a:bodyPr rtlCol="0" anchor="ctr"/>
+            <a:lstStyle/>
+            <a:p>
+              <a:pPr marL="285750" indent="-285750" algn="ctr">
+                <a:buFont typeface="Arial" panose="020B0604020202020204" pitchFamily="34" charset="0"/>
+                <a:buChar char="•"/>
+              </a:pPr>
+              <a:r>
+                <a:rPr lang="en-US" dirty="0">
+                  <a:ln w="0"/>
+                  <a:solidFill>
+                    <a:schemeClr val="tx1"/>
+                  </a:solidFill>
+                  <a:effectLst>
+                    <a:outerShdw blurRad="38100" dist="19050" dir="2700000" algn="tl" rotWithShape="0">
+                      <a:schemeClr val="dk1">
+                        <a:alpha val="40000"/>
+                      </a:schemeClr>
+                    </a:outerShdw>
+                  </a:effectLst>
+                </a:rPr>
+                <a:t>You’re not limited to serving dummy text as a response.</a:t>
+              </a:r>
+            </a:p>
+            <a:p>
+              <a:pPr marL="285750" indent="-285750" algn="ctr">
+                <a:buFont typeface="Arial" panose="020B0604020202020204" pitchFamily="34" charset="0"/>
+                <a:buChar char="•"/>
+              </a:pPr>
+              <a:r>
+                <a:rPr lang="en-US" dirty="0">
+                  <a:ln w="0"/>
+                  <a:solidFill>
+                    <a:schemeClr val="tx1"/>
+                  </a:solidFill>
+                  <a:effectLst>
+                    <a:outerShdw blurRad="38100" dist="19050" dir="2700000" algn="tl" rotWithShape="0">
+                      <a:schemeClr val="dk1">
+                        <a:alpha val="40000"/>
+                      </a:schemeClr>
+                    </a:outerShdw>
+                  </a:effectLst>
+                </a:rPr>
+                <a:t>You can </a:t>
+              </a:r>
+              <a:r>
+                <a:rPr lang="en-US" dirty="0" err="1">
+                  <a:ln w="0"/>
+                  <a:solidFill>
+                    <a:schemeClr val="tx1"/>
+                  </a:solidFill>
+                  <a:effectLst>
+                    <a:outerShdw blurRad="38100" dist="19050" dir="2700000" algn="tl" rotWithShape="0">
+                      <a:schemeClr val="dk1">
+                        <a:alpha val="40000"/>
+                      </a:schemeClr>
+                    </a:outerShdw>
+                  </a:effectLst>
+                </a:rPr>
+                <a:t>sendFile</a:t>
+              </a:r>
+              <a:r>
+                <a:rPr lang="en-US" dirty="0">
+                  <a:ln w="0"/>
+                  <a:solidFill>
+                    <a:schemeClr val="tx1"/>
+                  </a:solidFill>
+                  <a:effectLst>
+                    <a:outerShdw blurRad="38100" dist="19050" dir="2700000" algn="tl" rotWithShape="0">
+                      <a:schemeClr val="dk1">
+                        <a:alpha val="40000"/>
+                      </a:schemeClr>
+                    </a:outerShdw>
+                  </a:effectLst>
+                </a:rPr>
+                <a:t>() to your users – e.g. HTML files</a:t>
+              </a:r>
+            </a:p>
+            <a:p>
+              <a:pPr marL="285750" indent="-285750" algn="ctr">
+                <a:buFont typeface="Arial" panose="020B0604020202020204" pitchFamily="34" charset="0"/>
+                <a:buChar char="•"/>
+              </a:pPr>
+              <a:r>
+                <a:rPr lang="en-US" dirty="0">
+                  <a:ln w="0"/>
+                  <a:solidFill>
+                    <a:schemeClr val="tx1"/>
+                  </a:solidFill>
+                  <a:effectLst>
+                    <a:outerShdw blurRad="38100" dist="19050" dir="2700000" algn="tl" rotWithShape="0">
+                      <a:schemeClr val="dk1">
+                        <a:alpha val="40000"/>
+                      </a:schemeClr>
+                    </a:outerShdw>
+                  </a:effectLst>
+                </a:rPr>
+                <a:t>If a request is directly made for a file (e.g. a .</a:t>
+              </a:r>
+              <a:r>
+                <a:rPr lang="en-US" dirty="0" err="1">
+                  <a:ln w="0"/>
+                  <a:solidFill>
+                    <a:schemeClr val="tx1"/>
+                  </a:solidFill>
+                  <a:effectLst>
+                    <a:outerShdw blurRad="38100" dist="19050" dir="2700000" algn="tl" rotWithShape="0">
+                      <a:schemeClr val="dk1">
+                        <a:alpha val="40000"/>
+                      </a:schemeClr>
+                    </a:outerShdw>
+                  </a:effectLst>
+                </a:rPr>
+                <a:t>css</a:t>
+              </a:r>
+              <a:r>
+                <a:rPr lang="en-US" dirty="0">
+                  <a:ln w="0"/>
+                  <a:solidFill>
+                    <a:schemeClr val="tx1"/>
+                  </a:solidFill>
+                  <a:effectLst>
+                    <a:outerShdw blurRad="38100" dist="19050" dir="2700000" algn="tl" rotWithShape="0">
+                      <a:schemeClr val="dk1">
+                        <a:alpha val="40000"/>
+                      </a:schemeClr>
+                    </a:outerShdw>
+                  </a:effectLst>
+                </a:rPr>
+                <a:t> file is requested), you can enable static serving for such files via </a:t>
+              </a:r>
+              <a:r>
+                <a:rPr lang="en-US" dirty="0" err="1">
+                  <a:ln w="0"/>
+                  <a:solidFill>
+                    <a:schemeClr val="tx1"/>
+                  </a:solidFill>
+                  <a:effectLst>
+                    <a:outerShdw blurRad="38100" dist="19050" dir="2700000" algn="tl" rotWithShape="0">
+                      <a:schemeClr val="dk1">
+                        <a:alpha val="40000"/>
+                      </a:schemeClr>
+                    </a:outerShdw>
+                  </a:effectLst>
+                </a:rPr>
+                <a:t>express.static</a:t>
+              </a:r>
+              <a:r>
+                <a:rPr lang="en-US" dirty="0">
+                  <a:ln w="0"/>
+                  <a:solidFill>
+                    <a:schemeClr val="tx1"/>
+                  </a:solidFill>
+                  <a:effectLst>
+                    <a:outerShdw blurRad="38100" dist="19050" dir="2700000" algn="tl" rotWithShape="0">
+                      <a:schemeClr val="dk1">
+                        <a:alpha val="40000"/>
+                      </a:schemeClr>
+                    </a:outerShdw>
+                  </a:effectLst>
+                </a:rPr>
+                <a:t>()</a:t>
+              </a:r>
+              <a:endParaRPr lang="en-US" dirty="0"/>
+            </a:p>
+          </p:txBody>
+        </p:sp>
+      </p:grpSp>
+    </p:spTree>
+    <p:extLst>
+      <p:ext uri="{BB962C8B-B14F-4D97-AF65-F5344CB8AC3E}">
+        <p14:creationId xmlns:p14="http://schemas.microsoft.com/office/powerpoint/2010/main" val="815094357"/>
+      </p:ext>
+    </p:extLst>
+  </p:cSld>
+  <p:clrMapOvr>
+    <a:masterClrMapping/>
+  </p:clrMapOvr>
+</p:sld>
+</file>
+
+<file path=ppt/slides/slide44.xml><?xml version="1.0" encoding="utf-8"?>
+<p:sld xmlns:a="http://schemas.openxmlformats.org/drawingml/2006/main" xmlns:r="http://schemas.openxmlformats.org/officeDocument/2006/relationships" xmlns:p="http://schemas.openxmlformats.org/presentationml/2006/main">
+  <p:cSld>
+    <p:spTree>
+      <p:nvGrpSpPr>
+        <p:cNvPr id="1" name=""/>
+        <p:cNvGrpSpPr/>
+        <p:nvPr/>
+      </p:nvGrpSpPr>
+      <p:grpSpPr>
+        <a:xfrm>
+          <a:off x="0" y="0"/>
+          <a:ext cx="0" cy="0"/>
+          <a:chOff x="0" y="0"/>
+          <a:chExt cx="0" cy="0"/>
+        </a:xfrm>
+      </p:grpSpPr>
+      <p:sp>
+        <p:nvSpPr>
+          <p:cNvPr id="2" name="Title 1">
+            <a:extLst>
+              <a:ext uri="{FF2B5EF4-FFF2-40B4-BE49-F238E27FC236}">
+                <a16:creationId xmlns:a16="http://schemas.microsoft.com/office/drawing/2014/main" id="{C987B521-DDF6-48EE-EC5E-85ACF9720E3D}"/>
+              </a:ext>
+            </a:extLst>
+          </p:cNvPr>
+          <p:cNvSpPr>
+            <a:spLocks noGrp="1"/>
+          </p:cNvSpPr>
+          <p:nvPr>
+            <p:ph type="title"/>
+          </p:nvPr>
+        </p:nvSpPr>
+        <p:spPr/>
+        <p:txBody>
+          <a:bodyPr/>
+          <a:lstStyle/>
+          <a:p>
+            <a:r>
+              <a:rPr lang="en-US" dirty="0"/>
+              <a:t>Sharing Data Across Requests &amp; Users</a:t>
+            </a:r>
+          </a:p>
+        </p:txBody>
+      </p:sp>
+    </p:spTree>
+    <p:extLst>
+      <p:ext uri="{BB962C8B-B14F-4D97-AF65-F5344CB8AC3E}">
+        <p14:creationId xmlns:p14="http://schemas.microsoft.com/office/powerpoint/2010/main" val="3961006399"/>
+      </p:ext>
+    </p:extLst>
+  </p:cSld>
+  <p:clrMapOvr>
+    <a:masterClrMapping/>
+  </p:clrMapOvr>
+</p:sld>
+</file>
+
+<file path=ppt/slides/slide45.xml><?xml version="1.0" encoding="utf-8"?>
+<p:sld xmlns:a="http://schemas.openxmlformats.org/drawingml/2006/main" xmlns:r="http://schemas.openxmlformats.org/officeDocument/2006/relationships" xmlns:p="http://schemas.openxmlformats.org/presentationml/2006/main">
+  <p:cSld>
+    <p:spTree>
+      <p:nvGrpSpPr>
+        <p:cNvPr id="1" name=""/>
+        <p:cNvGrpSpPr/>
+        <p:nvPr/>
+      </p:nvGrpSpPr>
+      <p:grpSpPr>
+        <a:xfrm>
+          <a:off x="0" y="0"/>
+          <a:ext cx="0" cy="0"/>
+          <a:chOff x="0" y="0"/>
+          <a:chExt cx="0" cy="0"/>
+        </a:xfrm>
+      </p:grpSpPr>
+      <p:sp>
+        <p:nvSpPr>
+          <p:cNvPr id="2" name="Title 1">
+            <a:extLst>
+              <a:ext uri="{FF2B5EF4-FFF2-40B4-BE49-F238E27FC236}">
+                <a16:creationId xmlns:a16="http://schemas.microsoft.com/office/drawing/2014/main" id="{356ABD6A-4E14-C016-CD85-B411E16D6736}"/>
+              </a:ext>
+            </a:extLst>
+          </p:cNvPr>
+          <p:cNvSpPr>
+            <a:spLocks noGrp="1"/>
+          </p:cNvSpPr>
+          <p:nvPr>
+            <p:ph type="title"/>
+          </p:nvPr>
+        </p:nvSpPr>
+        <p:spPr>
+          <a:xfrm>
+            <a:off x="838200" y="365125"/>
+            <a:ext cx="4620904" cy="1325563"/>
+          </a:xfrm>
+        </p:spPr>
+        <p:txBody>
+          <a:bodyPr/>
+          <a:lstStyle/>
+          <a:p>
+            <a:r>
+              <a:rPr lang="en-US" dirty="0"/>
+              <a:t>Templating Engines</a:t>
+            </a:r>
+          </a:p>
+        </p:txBody>
+      </p:sp>
+      <p:sp>
+        <p:nvSpPr>
+          <p:cNvPr id="4" name="Rectangle 3">
+            <a:extLst>
+              <a:ext uri="{FF2B5EF4-FFF2-40B4-BE49-F238E27FC236}">
+                <a16:creationId xmlns:a16="http://schemas.microsoft.com/office/drawing/2014/main" id="{581A5B1C-013F-FA82-7A66-BAA358D0F3D2}"/>
+              </a:ext>
+            </a:extLst>
+          </p:cNvPr>
+          <p:cNvSpPr/>
+          <p:nvPr/>
+        </p:nvSpPr>
+        <p:spPr>
+          <a:xfrm>
+            <a:off x="3739487" y="1487606"/>
+            <a:ext cx="3684896" cy="696036"/>
+          </a:xfrm>
+          <a:prstGeom prst="rect">
+            <a:avLst/>
+          </a:prstGeom>
+        </p:spPr>
+        <p:style>
+          <a:lnRef idx="3">
+            <a:schemeClr val="lt1"/>
+          </a:lnRef>
+          <a:fillRef idx="1">
+            <a:schemeClr val="accent6"/>
+          </a:fillRef>
+          <a:effectRef idx="1">
+            <a:schemeClr val="accent6"/>
+          </a:effectRef>
+          <a:fontRef idx="minor">
+            <a:schemeClr val="lt1"/>
+          </a:fontRef>
+        </p:style>
+        <p:txBody>
+          <a:bodyPr rtlCol="0" anchor="ctr"/>
+          <a:lstStyle/>
+          <a:p>
+            <a:pPr algn="ctr"/>
+            <a:r>
+              <a:rPr lang="en-US" dirty="0" err="1">
+                <a:ln w="0"/>
+                <a:solidFill>
+                  <a:schemeClr val="tx1"/>
+                </a:solidFill>
+                <a:effectLst>
+                  <a:outerShdw blurRad="38100" dist="19050" dir="2700000" algn="tl" rotWithShape="0">
+                    <a:schemeClr val="dk1">
+                      <a:alpha val="40000"/>
+                    </a:schemeClr>
+                  </a:outerShdw>
+                </a:effectLst>
+              </a:rPr>
+              <a:t>HTMLish</a:t>
+            </a:r>
+            <a:r>
+              <a:rPr lang="en-US" dirty="0">
+                <a:ln w="0"/>
+                <a:solidFill>
+                  <a:schemeClr val="tx1"/>
+                </a:solidFill>
+                <a:effectLst>
+                  <a:outerShdw blurRad="38100" dist="19050" dir="2700000" algn="tl" rotWithShape="0">
+                    <a:schemeClr val="dk1">
+                      <a:alpha val="40000"/>
+                    </a:schemeClr>
+                  </a:outerShdw>
+                </a:effectLst>
+              </a:rPr>
+              <a:t> Template</a:t>
+            </a:r>
+          </a:p>
+        </p:txBody>
+      </p:sp>
+      <p:sp>
+        <p:nvSpPr>
+          <p:cNvPr id="5" name="Rectangle 4">
+            <a:extLst>
+              <a:ext uri="{FF2B5EF4-FFF2-40B4-BE49-F238E27FC236}">
+                <a16:creationId xmlns:a16="http://schemas.microsoft.com/office/drawing/2014/main" id="{A348A004-22AC-C923-5BAF-4ADE6AA8510A}"/>
+              </a:ext>
+            </a:extLst>
+          </p:cNvPr>
+          <p:cNvSpPr/>
+          <p:nvPr/>
+        </p:nvSpPr>
+        <p:spPr>
+          <a:xfrm>
+            <a:off x="3739487" y="3388009"/>
+            <a:ext cx="3684896" cy="696036"/>
+          </a:xfrm>
+          <a:prstGeom prst="rect">
+            <a:avLst/>
+          </a:prstGeom>
+          <a:solidFill>
+            <a:schemeClr val="accent2">
+              <a:lumMod val="60000"/>
+              <a:lumOff val="40000"/>
+            </a:schemeClr>
+          </a:solidFill>
+        </p:spPr>
+        <p:style>
+          <a:lnRef idx="2">
+            <a:schemeClr val="accent1">
+              <a:shade val="50000"/>
+            </a:schemeClr>
+          </a:lnRef>
+          <a:fillRef idx="1">
+            <a:schemeClr val="accent1"/>
+          </a:fillRef>
+          <a:effectRef idx="0">
+            <a:schemeClr val="accent1"/>
+          </a:effectRef>
+          <a:fontRef idx="minor">
+            <a:schemeClr val="lt1"/>
+          </a:fontRef>
+        </p:style>
+        <p:txBody>
+          <a:bodyPr rtlCol="0" anchor="ctr"/>
+          <a:lstStyle/>
+          <a:p>
+            <a:pPr algn="ctr"/>
+            <a:r>
+              <a:rPr lang="en-US" dirty="0">
+                <a:ln w="0"/>
+                <a:solidFill>
+                  <a:schemeClr val="tx1"/>
+                </a:solidFill>
+                <a:effectLst>
+                  <a:outerShdw blurRad="38100" dist="19050" dir="2700000" algn="tl" rotWithShape="0">
+                    <a:schemeClr val="dk1">
+                      <a:alpha val="40000"/>
+                    </a:schemeClr>
+                  </a:outerShdw>
+                </a:effectLst>
+              </a:rPr>
+              <a:t>Replaces Placeholders/ Snippets with HTML Content</a:t>
+            </a:r>
+          </a:p>
+        </p:txBody>
+      </p:sp>
+      <p:sp>
+        <p:nvSpPr>
+          <p:cNvPr id="6" name="Rectangle 5">
+            <a:extLst>
+              <a:ext uri="{FF2B5EF4-FFF2-40B4-BE49-F238E27FC236}">
+                <a16:creationId xmlns:a16="http://schemas.microsoft.com/office/drawing/2014/main" id="{CA76804F-F5CC-9F59-BA22-A892EF3392F1}"/>
+              </a:ext>
+            </a:extLst>
+          </p:cNvPr>
+          <p:cNvSpPr/>
+          <p:nvPr/>
+        </p:nvSpPr>
+        <p:spPr>
+          <a:xfrm>
+            <a:off x="3739487" y="5107627"/>
+            <a:ext cx="3684896" cy="696036"/>
+          </a:xfrm>
+          <a:prstGeom prst="rect">
+            <a:avLst/>
+          </a:prstGeom>
+        </p:spPr>
+        <p:style>
+          <a:lnRef idx="2">
+            <a:schemeClr val="accent1">
+              <a:shade val="50000"/>
+            </a:schemeClr>
+          </a:lnRef>
+          <a:fillRef idx="1">
+            <a:schemeClr val="accent1"/>
+          </a:fillRef>
+          <a:effectRef idx="0">
+            <a:schemeClr val="accent1"/>
+          </a:effectRef>
+          <a:fontRef idx="minor">
+            <a:schemeClr val="lt1"/>
+          </a:fontRef>
+        </p:style>
+        <p:txBody>
+          <a:bodyPr rtlCol="0" anchor="ctr"/>
+          <a:lstStyle/>
+          <a:p>
+            <a:pPr algn="ctr"/>
+            <a:r>
+              <a:rPr lang="en-US" dirty="0"/>
+              <a:t>HTML File</a:t>
+            </a:r>
+          </a:p>
+        </p:txBody>
+      </p:sp>
+      <p:sp>
+        <p:nvSpPr>
+          <p:cNvPr id="7" name="Arrow: Down 6">
+            <a:extLst>
+              <a:ext uri="{FF2B5EF4-FFF2-40B4-BE49-F238E27FC236}">
+                <a16:creationId xmlns:a16="http://schemas.microsoft.com/office/drawing/2014/main" id="{9E2F0AD5-B3D0-FCEF-96FB-D5B5A2256DA6}"/>
+              </a:ext>
+            </a:extLst>
+          </p:cNvPr>
+          <p:cNvSpPr/>
+          <p:nvPr/>
+        </p:nvSpPr>
+        <p:spPr>
+          <a:xfrm>
+            <a:off x="5213445" y="2347415"/>
+            <a:ext cx="614149" cy="900752"/>
+          </a:xfrm>
+          <a:prstGeom prst="downArrow">
+            <a:avLst/>
+          </a:prstGeom>
+          <a:solidFill>
+            <a:schemeClr val="accent6">
+              <a:lumMod val="75000"/>
+            </a:schemeClr>
+          </a:solidFill>
+        </p:spPr>
+        <p:style>
+          <a:lnRef idx="2">
+            <a:schemeClr val="accent1">
+              <a:shade val="50000"/>
+            </a:schemeClr>
+          </a:lnRef>
+          <a:fillRef idx="1">
+            <a:schemeClr val="accent1"/>
+          </a:fillRef>
+          <a:effectRef idx="0">
+            <a:schemeClr val="accent1"/>
+          </a:effectRef>
+          <a:fontRef idx="minor">
+            <a:schemeClr val="lt1"/>
+          </a:fontRef>
+        </p:style>
+        <p:txBody>
+          <a:bodyPr rtlCol="0" anchor="ctr"/>
+          <a:lstStyle/>
+          <a:p>
+            <a:pPr algn="ctr"/>
+            <a:endParaRPr lang="en-US"/>
+          </a:p>
+        </p:txBody>
+      </p:sp>
+      <p:sp>
+        <p:nvSpPr>
+          <p:cNvPr id="8" name="Arrow: Down 7">
+            <a:extLst>
+              <a:ext uri="{FF2B5EF4-FFF2-40B4-BE49-F238E27FC236}">
+                <a16:creationId xmlns:a16="http://schemas.microsoft.com/office/drawing/2014/main" id="{E2723973-BBCC-40F7-80C6-FE2A0E3A1093}"/>
+              </a:ext>
+            </a:extLst>
+          </p:cNvPr>
+          <p:cNvSpPr/>
+          <p:nvPr/>
+        </p:nvSpPr>
+        <p:spPr>
+          <a:xfrm>
+            <a:off x="5274860" y="4247818"/>
+            <a:ext cx="614149" cy="696036"/>
+          </a:xfrm>
+          <a:prstGeom prst="downArrow">
+            <a:avLst/>
+          </a:prstGeom>
+        </p:spPr>
+        <p:style>
+          <a:lnRef idx="2">
+            <a:schemeClr val="accent1">
+              <a:shade val="50000"/>
+            </a:schemeClr>
+          </a:lnRef>
+          <a:fillRef idx="1">
+            <a:schemeClr val="accent1"/>
+          </a:fillRef>
+          <a:effectRef idx="0">
+            <a:schemeClr val="accent1"/>
+          </a:effectRef>
+          <a:fontRef idx="minor">
+            <a:schemeClr val="lt1"/>
+          </a:fontRef>
+        </p:style>
+        <p:txBody>
+          <a:bodyPr rtlCol="0" anchor="ctr"/>
+          <a:lstStyle/>
+          <a:p>
+            <a:pPr algn="ctr"/>
+            <a:endParaRPr lang="en-US"/>
+          </a:p>
+        </p:txBody>
+      </p:sp>
+      <p:sp>
+        <p:nvSpPr>
+          <p:cNvPr id="9" name="Rectangle 8">
+            <a:extLst>
+              <a:ext uri="{FF2B5EF4-FFF2-40B4-BE49-F238E27FC236}">
+                <a16:creationId xmlns:a16="http://schemas.microsoft.com/office/drawing/2014/main" id="{C3F2B94D-971E-6136-DD78-3ABA66DE3FFB}"/>
+              </a:ext>
+            </a:extLst>
+          </p:cNvPr>
+          <p:cNvSpPr/>
+          <p:nvPr/>
+        </p:nvSpPr>
+        <p:spPr>
+          <a:xfrm>
+            <a:off x="1119115" y="2381439"/>
+            <a:ext cx="3070747" cy="696036"/>
+          </a:xfrm>
+          <a:prstGeom prst="rect">
+            <a:avLst/>
+          </a:prstGeom>
+        </p:spPr>
+        <p:style>
+          <a:lnRef idx="2">
+            <a:schemeClr val="accent2">
+              <a:shade val="50000"/>
+            </a:schemeClr>
+          </a:lnRef>
+          <a:fillRef idx="1">
+            <a:schemeClr val="accent2"/>
+          </a:fillRef>
+          <a:effectRef idx="0">
+            <a:schemeClr val="accent2"/>
+          </a:effectRef>
+          <a:fontRef idx="minor">
+            <a:schemeClr val="lt1"/>
+          </a:fontRef>
+        </p:style>
+        <p:txBody>
+          <a:bodyPr rtlCol="0" anchor="ctr"/>
+          <a:lstStyle/>
+          <a:p>
+            <a:pPr algn="ctr"/>
+            <a:r>
+              <a:rPr lang="en-US" dirty="0">
+                <a:ln w="0"/>
+                <a:solidFill>
+                  <a:schemeClr val="tx1"/>
+                </a:solidFill>
+                <a:effectLst>
+                  <a:outerShdw blurRad="38100" dist="19050" dir="2700000" algn="tl" rotWithShape="0">
+                    <a:schemeClr val="dk1">
+                      <a:alpha val="40000"/>
+                    </a:schemeClr>
+                  </a:outerShdw>
+                </a:effectLst>
+              </a:rPr>
+              <a:t>Node/Express Content</a:t>
+            </a:r>
+          </a:p>
+        </p:txBody>
+      </p:sp>
+      <p:sp>
+        <p:nvSpPr>
+          <p:cNvPr id="10" name="Rectangle 9">
+            <a:extLst>
+              <a:ext uri="{FF2B5EF4-FFF2-40B4-BE49-F238E27FC236}">
+                <a16:creationId xmlns:a16="http://schemas.microsoft.com/office/drawing/2014/main" id="{E31E2E54-4360-FB0C-8C4C-536E4A5FD6E0}"/>
+              </a:ext>
+            </a:extLst>
+          </p:cNvPr>
+          <p:cNvSpPr/>
+          <p:nvPr/>
+        </p:nvSpPr>
+        <p:spPr>
+          <a:xfrm>
+            <a:off x="6523629" y="2381439"/>
+            <a:ext cx="3070747" cy="696036"/>
+          </a:xfrm>
+          <a:prstGeom prst="rect">
+            <a:avLst/>
+          </a:prstGeom>
+        </p:spPr>
+        <p:style>
+          <a:lnRef idx="2">
+            <a:schemeClr val="accent2">
+              <a:shade val="50000"/>
+            </a:schemeClr>
+          </a:lnRef>
+          <a:fillRef idx="1">
+            <a:schemeClr val="accent2"/>
+          </a:fillRef>
+          <a:effectRef idx="0">
+            <a:schemeClr val="accent2"/>
+          </a:effectRef>
+          <a:fontRef idx="minor">
+            <a:schemeClr val="lt1"/>
+          </a:fontRef>
+        </p:style>
+        <p:txBody>
+          <a:bodyPr rtlCol="0" anchor="ctr"/>
+          <a:lstStyle/>
+          <a:p>
+            <a:pPr algn="ctr"/>
+            <a:r>
+              <a:rPr lang="en-US" dirty="0">
+                <a:ln w="0"/>
+                <a:solidFill>
+                  <a:schemeClr val="tx1"/>
+                </a:solidFill>
+                <a:effectLst>
+                  <a:outerShdw blurRad="38100" dist="19050" dir="2700000" algn="tl" rotWithShape="0">
+                    <a:schemeClr val="dk1">
+                      <a:alpha val="40000"/>
+                    </a:schemeClr>
+                  </a:outerShdw>
+                </a:effectLst>
+              </a:rPr>
+              <a:t>Templating Engine</a:t>
+            </a:r>
+          </a:p>
+        </p:txBody>
+      </p:sp>
+    </p:spTree>
+    <p:extLst>
+      <p:ext uri="{BB962C8B-B14F-4D97-AF65-F5344CB8AC3E}">
+        <p14:creationId xmlns:p14="http://schemas.microsoft.com/office/powerpoint/2010/main" val="286702248"/>
+      </p:ext>
+    </p:extLst>
+  </p:cSld>
+  <p:clrMapOvr>
+    <a:masterClrMapping/>
+  </p:clrMapOvr>
+</p:sld>
+</file>
+
+<file path=ppt/slides/slide46.xml><?xml version="1.0" encoding="utf-8"?>
+<p:sld xmlns:a="http://schemas.openxmlformats.org/drawingml/2006/main" xmlns:r="http://schemas.openxmlformats.org/officeDocument/2006/relationships" xmlns:p="http://schemas.openxmlformats.org/presentationml/2006/main">
+  <p:cSld>
+    <p:spTree>
+      <p:nvGrpSpPr>
+        <p:cNvPr id="1" name=""/>
+        <p:cNvGrpSpPr/>
+        <p:nvPr/>
+      </p:nvGrpSpPr>
+      <p:grpSpPr>
+        <a:xfrm>
+          <a:off x="0" y="0"/>
+          <a:ext cx="0" cy="0"/>
+          <a:chOff x="0" y="0"/>
+          <a:chExt cx="0" cy="0"/>
+        </a:xfrm>
+      </p:grpSpPr>
+      <p:sp>
+        <p:nvSpPr>
+          <p:cNvPr id="2" name="Title 1">
+            <a:extLst>
+              <a:ext uri="{FF2B5EF4-FFF2-40B4-BE49-F238E27FC236}">
+                <a16:creationId xmlns:a16="http://schemas.microsoft.com/office/drawing/2014/main" id="{80B1B8AE-312F-1E5B-E708-BA1C46C3A3FE}"/>
+              </a:ext>
+            </a:extLst>
+          </p:cNvPr>
+          <p:cNvSpPr>
+            <a:spLocks noGrp="1"/>
+          </p:cNvSpPr>
+          <p:nvPr>
+            <p:ph type="title"/>
+          </p:nvPr>
+        </p:nvSpPr>
+        <p:spPr>
+          <a:xfrm>
+            <a:off x="838200" y="365125"/>
+            <a:ext cx="6749955" cy="672105"/>
+          </a:xfrm>
+        </p:spPr>
+        <p:txBody>
+          <a:bodyPr>
+            <a:normAutofit fontScale="90000"/>
+          </a:bodyPr>
+          <a:lstStyle/>
+          <a:p>
+            <a:r>
+              <a:rPr lang="en-US" dirty="0"/>
+              <a:t>Available Templating Engines</a:t>
+            </a:r>
+          </a:p>
+        </p:txBody>
+      </p:sp>
+      <p:sp>
+        <p:nvSpPr>
+          <p:cNvPr id="4" name="Rectangle 3">
+            <a:extLst>
+              <a:ext uri="{FF2B5EF4-FFF2-40B4-BE49-F238E27FC236}">
+                <a16:creationId xmlns:a16="http://schemas.microsoft.com/office/drawing/2014/main" id="{E541681A-87AE-8EE4-393B-A8849D5B2211}"/>
+              </a:ext>
+            </a:extLst>
+          </p:cNvPr>
+          <p:cNvSpPr/>
+          <p:nvPr/>
+        </p:nvSpPr>
+        <p:spPr>
+          <a:xfrm>
+            <a:off x="838200" y="1241946"/>
+            <a:ext cx="2532797" cy="491320"/>
+          </a:xfrm>
+          <a:prstGeom prst="rect">
+            <a:avLst/>
+          </a:prstGeom>
+          <a:solidFill>
+            <a:schemeClr val="accent2">
+              <a:lumMod val="50000"/>
+            </a:schemeClr>
+          </a:solidFill>
+        </p:spPr>
+        <p:style>
+          <a:lnRef idx="2">
+            <a:schemeClr val="accent1">
+              <a:shade val="50000"/>
+            </a:schemeClr>
+          </a:lnRef>
+          <a:fillRef idx="1">
+            <a:schemeClr val="accent1"/>
+          </a:fillRef>
+          <a:effectRef idx="0">
+            <a:schemeClr val="accent1"/>
+          </a:effectRef>
+          <a:fontRef idx="minor">
+            <a:schemeClr val="lt1"/>
+          </a:fontRef>
+        </p:style>
+        <p:txBody>
+          <a:bodyPr rtlCol="0" anchor="ctr"/>
+          <a:lstStyle/>
+          <a:p>
+            <a:pPr algn="ctr"/>
+            <a:r>
+              <a:rPr lang="en-US" dirty="0"/>
+              <a:t>EJS</a:t>
+            </a:r>
+          </a:p>
+        </p:txBody>
+      </p:sp>
+      <p:sp>
+        <p:nvSpPr>
+          <p:cNvPr id="5" name="Rectangle 4">
+            <a:extLst>
+              <a:ext uri="{FF2B5EF4-FFF2-40B4-BE49-F238E27FC236}">
+                <a16:creationId xmlns:a16="http://schemas.microsoft.com/office/drawing/2014/main" id="{AACE2404-7284-E32F-A5FA-C6A5A73543E2}"/>
+              </a:ext>
+            </a:extLst>
+          </p:cNvPr>
+          <p:cNvSpPr/>
+          <p:nvPr/>
+        </p:nvSpPr>
+        <p:spPr>
+          <a:xfrm>
+            <a:off x="4829601" y="1241946"/>
+            <a:ext cx="2532797" cy="491320"/>
+          </a:xfrm>
+          <a:prstGeom prst="rect">
+            <a:avLst/>
+          </a:prstGeom>
+          <a:solidFill>
+            <a:schemeClr val="accent2">
+              <a:lumMod val="50000"/>
+            </a:schemeClr>
+          </a:solidFill>
+        </p:spPr>
+        <p:style>
+          <a:lnRef idx="2">
+            <a:schemeClr val="accent1">
+              <a:shade val="50000"/>
+            </a:schemeClr>
+          </a:lnRef>
+          <a:fillRef idx="1">
+            <a:schemeClr val="accent1"/>
+          </a:fillRef>
+          <a:effectRef idx="0">
+            <a:schemeClr val="accent1"/>
+          </a:effectRef>
+          <a:fontRef idx="minor">
+            <a:schemeClr val="lt1"/>
+          </a:fontRef>
+        </p:style>
+        <p:txBody>
+          <a:bodyPr rtlCol="0" anchor="ctr"/>
+          <a:lstStyle/>
+          <a:p>
+            <a:pPr algn="ctr"/>
+            <a:r>
+              <a:rPr lang="en-US" dirty="0"/>
+              <a:t>Pug (Jade)</a:t>
+            </a:r>
+          </a:p>
+        </p:txBody>
+      </p:sp>
+      <p:sp>
+        <p:nvSpPr>
+          <p:cNvPr id="6" name="Rectangle 5">
+            <a:extLst>
+              <a:ext uri="{FF2B5EF4-FFF2-40B4-BE49-F238E27FC236}">
+                <a16:creationId xmlns:a16="http://schemas.microsoft.com/office/drawing/2014/main" id="{0F94FFBF-A4F8-2DF1-135B-0893F245F8ED}"/>
+              </a:ext>
+            </a:extLst>
+          </p:cNvPr>
+          <p:cNvSpPr/>
+          <p:nvPr/>
+        </p:nvSpPr>
+        <p:spPr>
+          <a:xfrm>
+            <a:off x="8678269" y="1241946"/>
+            <a:ext cx="2532797" cy="491320"/>
+          </a:xfrm>
+          <a:prstGeom prst="rect">
+            <a:avLst/>
+          </a:prstGeom>
+          <a:solidFill>
+            <a:schemeClr val="accent2">
+              <a:lumMod val="50000"/>
+            </a:schemeClr>
+          </a:solidFill>
+        </p:spPr>
+        <p:style>
+          <a:lnRef idx="2">
+            <a:schemeClr val="accent1">
+              <a:shade val="50000"/>
+            </a:schemeClr>
+          </a:lnRef>
+          <a:fillRef idx="1">
+            <a:schemeClr val="accent1"/>
+          </a:fillRef>
+          <a:effectRef idx="0">
+            <a:schemeClr val="accent1"/>
+          </a:effectRef>
+          <a:fontRef idx="minor">
+            <a:schemeClr val="lt1"/>
+          </a:fontRef>
+        </p:style>
+        <p:txBody>
+          <a:bodyPr rtlCol="0" anchor="ctr"/>
+          <a:lstStyle/>
+          <a:p>
+            <a:pPr algn="ctr"/>
+            <a:r>
+              <a:rPr lang="en-US" dirty="0"/>
+              <a:t>Handlebars</a:t>
+            </a:r>
+          </a:p>
+        </p:txBody>
+      </p:sp>
+      <p:sp>
+        <p:nvSpPr>
+          <p:cNvPr id="7" name="Rectangle 6">
+            <a:extLst>
+              <a:ext uri="{FF2B5EF4-FFF2-40B4-BE49-F238E27FC236}">
+                <a16:creationId xmlns:a16="http://schemas.microsoft.com/office/drawing/2014/main" id="{7A860ACE-BBD9-F184-1F51-F47238F69502}"/>
+              </a:ext>
+            </a:extLst>
+          </p:cNvPr>
+          <p:cNvSpPr/>
+          <p:nvPr/>
+        </p:nvSpPr>
+        <p:spPr>
+          <a:xfrm>
+            <a:off x="838200" y="2224585"/>
+            <a:ext cx="2737513" cy="491320"/>
+          </a:xfrm>
+          <a:prstGeom prst="rect">
+            <a:avLst/>
+          </a:prstGeom>
+          <a:solidFill>
+            <a:schemeClr val="accent2">
+              <a:lumMod val="60000"/>
+              <a:lumOff val="40000"/>
+            </a:schemeClr>
+          </a:solidFill>
+        </p:spPr>
+        <p:style>
+          <a:lnRef idx="2">
+            <a:schemeClr val="accent1">
+              <a:shade val="50000"/>
+            </a:schemeClr>
+          </a:lnRef>
+          <a:fillRef idx="1">
+            <a:schemeClr val="accent1"/>
+          </a:fillRef>
+          <a:effectRef idx="0">
+            <a:schemeClr val="accent1"/>
+          </a:effectRef>
+          <a:fontRef idx="minor">
+            <a:schemeClr val="lt1"/>
+          </a:fontRef>
+        </p:style>
+        <p:txBody>
+          <a:bodyPr rtlCol="0" anchor="ctr"/>
+          <a:lstStyle/>
+          <a:p>
+            <a:pPr algn="ctr"/>
+            <a:r>
+              <a:rPr lang="en-US" dirty="0">
+                <a:ln w="0"/>
+                <a:solidFill>
+                  <a:schemeClr val="tx1"/>
+                </a:solidFill>
+                <a:effectLst>
+                  <a:outerShdw blurRad="38100" dist="19050" dir="2700000" algn="tl" rotWithShape="0">
+                    <a:schemeClr val="dk1">
+                      <a:alpha val="40000"/>
+                    </a:schemeClr>
+                  </a:outerShdw>
+                </a:effectLst>
+              </a:rPr>
+              <a:t>&lt;p&gt;&lt;%=name%&gt;&lt;/p&gt;</a:t>
+            </a:r>
+          </a:p>
+        </p:txBody>
+      </p:sp>
+      <p:sp>
+        <p:nvSpPr>
+          <p:cNvPr id="8" name="Rectangle 7">
+            <a:extLst>
+              <a:ext uri="{FF2B5EF4-FFF2-40B4-BE49-F238E27FC236}">
+                <a16:creationId xmlns:a16="http://schemas.microsoft.com/office/drawing/2014/main" id="{DEE4C740-A8C4-C9FC-B414-6FDF794A9265}"/>
+              </a:ext>
+            </a:extLst>
+          </p:cNvPr>
+          <p:cNvSpPr/>
+          <p:nvPr/>
+        </p:nvSpPr>
+        <p:spPr>
+          <a:xfrm>
+            <a:off x="4727242" y="2224585"/>
+            <a:ext cx="2737513" cy="491320"/>
+          </a:xfrm>
+          <a:prstGeom prst="rect">
+            <a:avLst/>
+          </a:prstGeom>
+          <a:solidFill>
+            <a:schemeClr val="accent2">
+              <a:lumMod val="60000"/>
+              <a:lumOff val="40000"/>
+            </a:schemeClr>
+          </a:solidFill>
+        </p:spPr>
+        <p:style>
+          <a:lnRef idx="2">
+            <a:schemeClr val="accent1">
+              <a:shade val="50000"/>
+            </a:schemeClr>
+          </a:lnRef>
+          <a:fillRef idx="1">
+            <a:schemeClr val="accent1"/>
+          </a:fillRef>
+          <a:effectRef idx="0">
+            <a:schemeClr val="accent1"/>
+          </a:effectRef>
+          <a:fontRef idx="minor">
+            <a:schemeClr val="lt1"/>
+          </a:fontRef>
+        </p:style>
+        <p:txBody>
+          <a:bodyPr rtlCol="0" anchor="ctr"/>
+          <a:lstStyle/>
+          <a:p>
+            <a:pPr algn="ctr"/>
+            <a:r>
+              <a:rPr lang="en-US" dirty="0">
+                <a:ln w="0"/>
+                <a:solidFill>
+                  <a:schemeClr val="tx1"/>
+                </a:solidFill>
+                <a:effectLst>
+                  <a:outerShdw blurRad="38100" dist="19050" dir="2700000" algn="tl" rotWithShape="0">
+                    <a:schemeClr val="dk1">
+                      <a:alpha val="40000"/>
+                    </a:schemeClr>
+                  </a:outerShdw>
+                </a:effectLst>
+              </a:rPr>
+              <a:t>p # {name}</a:t>
+            </a:r>
+          </a:p>
+        </p:txBody>
+      </p:sp>
+      <p:sp>
+        <p:nvSpPr>
+          <p:cNvPr id="9" name="Rectangle 8">
+            <a:extLst>
+              <a:ext uri="{FF2B5EF4-FFF2-40B4-BE49-F238E27FC236}">
+                <a16:creationId xmlns:a16="http://schemas.microsoft.com/office/drawing/2014/main" id="{5A40C28C-543A-A86A-4700-BBCCCD72CCA9}"/>
+              </a:ext>
+            </a:extLst>
+          </p:cNvPr>
+          <p:cNvSpPr/>
+          <p:nvPr/>
+        </p:nvSpPr>
+        <p:spPr>
+          <a:xfrm>
+            <a:off x="8473553" y="2183642"/>
+            <a:ext cx="2737513" cy="491320"/>
+          </a:xfrm>
+          <a:prstGeom prst="rect">
+            <a:avLst/>
+          </a:prstGeom>
+          <a:solidFill>
+            <a:schemeClr val="accent2">
+              <a:lumMod val="60000"/>
+              <a:lumOff val="40000"/>
+            </a:schemeClr>
+          </a:solidFill>
+        </p:spPr>
+        <p:style>
+          <a:lnRef idx="2">
+            <a:schemeClr val="accent1">
+              <a:shade val="50000"/>
+            </a:schemeClr>
+          </a:lnRef>
+          <a:fillRef idx="1">
+            <a:schemeClr val="accent1"/>
+          </a:fillRef>
+          <a:effectRef idx="0">
+            <a:schemeClr val="accent1"/>
+          </a:effectRef>
+          <a:fontRef idx="minor">
+            <a:schemeClr val="lt1"/>
+          </a:fontRef>
+        </p:style>
+        <p:txBody>
+          <a:bodyPr rtlCol="0" anchor="ctr"/>
+          <a:lstStyle/>
+          <a:p>
+            <a:pPr algn="ctr"/>
+            <a:r>
+              <a:rPr lang="en-US" dirty="0">
+                <a:ln w="0"/>
+                <a:solidFill>
+                  <a:schemeClr val="tx1"/>
+                </a:solidFill>
+                <a:effectLst>
+                  <a:outerShdw blurRad="38100" dist="19050" dir="2700000" algn="tl" rotWithShape="0">
+                    <a:schemeClr val="dk1">
+                      <a:alpha val="40000"/>
+                    </a:schemeClr>
+                  </a:outerShdw>
+                </a:effectLst>
+              </a:rPr>
+              <a:t>&lt;p&gt;{{name}}&lt;/p&gt;</a:t>
+            </a:r>
+          </a:p>
+        </p:txBody>
+      </p:sp>
+      <p:sp>
+        <p:nvSpPr>
+          <p:cNvPr id="10" name="Rectangle 9">
+            <a:extLst>
+              <a:ext uri="{FF2B5EF4-FFF2-40B4-BE49-F238E27FC236}">
+                <a16:creationId xmlns:a16="http://schemas.microsoft.com/office/drawing/2014/main" id="{24A28ADF-6370-02D7-4101-47B87C7F26D9}"/>
+              </a:ext>
+            </a:extLst>
+          </p:cNvPr>
+          <p:cNvSpPr/>
+          <p:nvPr/>
+        </p:nvSpPr>
+        <p:spPr>
+          <a:xfrm>
+            <a:off x="838200" y="4142095"/>
+            <a:ext cx="2737513" cy="1153235"/>
+          </a:xfrm>
+          <a:prstGeom prst="rect">
+            <a:avLst/>
+          </a:prstGeom>
+          <a:solidFill>
+            <a:schemeClr val="accent2">
+              <a:lumMod val="60000"/>
+              <a:lumOff val="40000"/>
+            </a:schemeClr>
+          </a:solidFill>
+        </p:spPr>
+        <p:style>
+          <a:lnRef idx="2">
+            <a:schemeClr val="accent1">
+              <a:shade val="50000"/>
+            </a:schemeClr>
+          </a:lnRef>
+          <a:fillRef idx="1">
+            <a:schemeClr val="accent1"/>
+          </a:fillRef>
+          <a:effectRef idx="0">
+            <a:schemeClr val="accent1"/>
+          </a:effectRef>
+          <a:fontRef idx="minor">
+            <a:schemeClr val="lt1"/>
+          </a:fontRef>
+        </p:style>
+        <p:txBody>
+          <a:bodyPr rtlCol="0" anchor="ctr"/>
+          <a:lstStyle/>
+          <a:p>
+            <a:pPr algn="ctr"/>
+            <a:r>
+              <a:rPr lang="en-US" dirty="0">
+                <a:ln w="0"/>
+                <a:solidFill>
+                  <a:schemeClr val="tx1"/>
+                </a:solidFill>
+                <a:effectLst>
+                  <a:outerShdw blurRad="38100" dist="19050" dir="2700000" algn="tl" rotWithShape="0">
+                    <a:schemeClr val="dk1">
+                      <a:alpha val="40000"/>
+                    </a:schemeClr>
+                  </a:outerShdw>
+                </a:effectLst>
+              </a:rPr>
+              <a:t>Use normal HTML and plain JavaScript in your templates</a:t>
+            </a:r>
+          </a:p>
+        </p:txBody>
+      </p:sp>
+      <p:sp>
+        <p:nvSpPr>
+          <p:cNvPr id="11" name="Rectangle 10">
+            <a:extLst>
+              <a:ext uri="{FF2B5EF4-FFF2-40B4-BE49-F238E27FC236}">
+                <a16:creationId xmlns:a16="http://schemas.microsoft.com/office/drawing/2014/main" id="{940CAA14-113C-A268-6086-367372199B76}"/>
+              </a:ext>
+            </a:extLst>
+          </p:cNvPr>
+          <p:cNvSpPr/>
+          <p:nvPr/>
+        </p:nvSpPr>
+        <p:spPr>
+          <a:xfrm>
+            <a:off x="4727242" y="4142095"/>
+            <a:ext cx="2737513" cy="1153235"/>
+          </a:xfrm>
+          <a:prstGeom prst="rect">
+            <a:avLst/>
+          </a:prstGeom>
+          <a:solidFill>
+            <a:schemeClr val="accent2">
+              <a:lumMod val="60000"/>
+              <a:lumOff val="40000"/>
+            </a:schemeClr>
+          </a:solidFill>
+        </p:spPr>
+        <p:style>
+          <a:lnRef idx="2">
+            <a:schemeClr val="accent1">
+              <a:shade val="50000"/>
+            </a:schemeClr>
+          </a:lnRef>
+          <a:fillRef idx="1">
+            <a:schemeClr val="accent1"/>
+          </a:fillRef>
+          <a:effectRef idx="0">
+            <a:schemeClr val="accent1"/>
+          </a:effectRef>
+          <a:fontRef idx="minor">
+            <a:schemeClr val="lt1"/>
+          </a:fontRef>
+        </p:style>
+        <p:txBody>
+          <a:bodyPr rtlCol="0" anchor="ctr"/>
+          <a:lstStyle/>
+          <a:p>
+            <a:pPr algn="ctr"/>
+            <a:r>
+              <a:rPr lang="en-US" dirty="0">
+                <a:ln w="0"/>
+                <a:solidFill>
+                  <a:schemeClr val="tx1"/>
+                </a:solidFill>
+                <a:effectLst>
+                  <a:outerShdw blurRad="38100" dist="19050" dir="2700000" algn="tl" rotWithShape="0">
+                    <a:schemeClr val="dk1">
+                      <a:alpha val="40000"/>
+                    </a:schemeClr>
+                  </a:outerShdw>
+                </a:effectLst>
+              </a:rPr>
+              <a:t>Use minimal HTML and custom template language</a:t>
+            </a:r>
+          </a:p>
+        </p:txBody>
+      </p:sp>
+      <p:sp>
+        <p:nvSpPr>
+          <p:cNvPr id="12" name="Rectangle 11">
+            <a:extLst>
+              <a:ext uri="{FF2B5EF4-FFF2-40B4-BE49-F238E27FC236}">
+                <a16:creationId xmlns:a16="http://schemas.microsoft.com/office/drawing/2014/main" id="{3D2E68D2-8FEE-0E43-CE2E-99040113A7E1}"/>
+              </a:ext>
+            </a:extLst>
+          </p:cNvPr>
+          <p:cNvSpPr/>
+          <p:nvPr/>
+        </p:nvSpPr>
+        <p:spPr>
+          <a:xfrm>
+            <a:off x="8473552" y="4142094"/>
+            <a:ext cx="2737513" cy="1153235"/>
+          </a:xfrm>
+          <a:prstGeom prst="rect">
+            <a:avLst/>
+          </a:prstGeom>
+          <a:solidFill>
+            <a:schemeClr val="accent2">
+              <a:lumMod val="60000"/>
+              <a:lumOff val="40000"/>
+            </a:schemeClr>
+          </a:solidFill>
+        </p:spPr>
+        <p:style>
+          <a:lnRef idx="2">
+            <a:schemeClr val="accent1">
+              <a:shade val="50000"/>
+            </a:schemeClr>
+          </a:lnRef>
+          <a:fillRef idx="1">
+            <a:schemeClr val="accent1"/>
+          </a:fillRef>
+          <a:effectRef idx="0">
+            <a:schemeClr val="accent1"/>
+          </a:effectRef>
+          <a:fontRef idx="minor">
+            <a:schemeClr val="lt1"/>
+          </a:fontRef>
+        </p:style>
+        <p:txBody>
+          <a:bodyPr rtlCol="0" anchor="ctr"/>
+          <a:lstStyle/>
+          <a:p>
+            <a:pPr algn="ctr"/>
+            <a:r>
+              <a:rPr lang="en-US" dirty="0">
+                <a:ln w="0"/>
+                <a:solidFill>
+                  <a:schemeClr val="tx1"/>
+                </a:solidFill>
+                <a:effectLst>
+                  <a:outerShdw blurRad="38100" dist="19050" dir="2700000" algn="tl" rotWithShape="0">
+                    <a:schemeClr val="dk1">
+                      <a:alpha val="40000"/>
+                    </a:schemeClr>
+                  </a:outerShdw>
+                </a:effectLst>
+              </a:rPr>
+              <a:t>Use normal HTML and custom template language</a:t>
+            </a:r>
+          </a:p>
+        </p:txBody>
+      </p:sp>
+    </p:spTree>
+    <p:extLst>
+      <p:ext uri="{BB962C8B-B14F-4D97-AF65-F5344CB8AC3E}">
+        <p14:creationId xmlns:p14="http://schemas.microsoft.com/office/powerpoint/2010/main" val="2002278954"/>
+      </p:ext>
+    </p:extLst>
+  </p:cSld>
+  <p:clrMapOvr>
+    <a:masterClrMapping/>
+  </p:clrMapOvr>
+</p:sld>
+</file>
+
+<file path=ppt/slides/slide47.xml><?xml version="1.0" encoding="utf-8"?>
+<p:sld xmlns:a="http://schemas.openxmlformats.org/drawingml/2006/main" xmlns:r="http://schemas.openxmlformats.org/officeDocument/2006/relationships" xmlns:p="http://schemas.openxmlformats.org/presentationml/2006/main">
+  <p:cSld>
+    <p:spTree>
+      <p:nvGrpSpPr>
+        <p:cNvPr id="1" name=""/>
+        <p:cNvGrpSpPr/>
+        <p:nvPr/>
+      </p:nvGrpSpPr>
+      <p:grpSpPr>
+        <a:xfrm>
+          <a:off x="0" y="0"/>
+          <a:ext cx="0" cy="0"/>
+          <a:chOff x="0" y="0"/>
+          <a:chExt cx="0" cy="0"/>
+        </a:xfrm>
+      </p:grpSpPr>
+      <p:sp>
+        <p:nvSpPr>
+          <p:cNvPr id="2" name="Title 1">
+            <a:extLst>
+              <a:ext uri="{FF2B5EF4-FFF2-40B4-BE49-F238E27FC236}">
+                <a16:creationId xmlns:a16="http://schemas.microsoft.com/office/drawing/2014/main" id="{DB43CDB4-491B-4294-8DF4-97841DCDCB3D}"/>
+              </a:ext>
+            </a:extLst>
+          </p:cNvPr>
+          <p:cNvSpPr>
+            <a:spLocks noGrp="1"/>
+          </p:cNvSpPr>
+          <p:nvPr>
+            <p:ph type="title"/>
+          </p:nvPr>
+        </p:nvSpPr>
+        <p:spPr>
+          <a:xfrm>
+            <a:off x="838200" y="365125"/>
+            <a:ext cx="10515600" cy="3524487"/>
+          </a:xfrm>
+        </p:spPr>
+        <p:txBody>
+          <a:bodyPr>
+            <a:normAutofit/>
+          </a:bodyPr>
+          <a:lstStyle/>
+          <a:p>
+            <a:r>
+              <a:rPr lang="en-US" dirty="0"/>
+              <a:t>Installing &amp; Implementing Pug</a:t>
+            </a:r>
+            <a:br>
+              <a:rPr lang="en-US" dirty="0"/>
+            </a:br>
+            <a:r>
+              <a:rPr lang="en-US" dirty="0"/>
+              <a:t>Converting HTML Files to Pug</a:t>
+            </a:r>
+            <a:br>
+              <a:rPr lang="en-US" dirty="0"/>
+            </a:br>
+            <a:r>
+              <a:rPr lang="en-US" dirty="0"/>
+              <a:t>Adding a Layout</a:t>
+            </a:r>
+            <a:br>
+              <a:rPr lang="en-US" dirty="0"/>
+            </a:br>
+            <a:r>
+              <a:rPr lang="en-US" dirty="0"/>
+              <a:t>Finishing the Pug Template</a:t>
+            </a:r>
+          </a:p>
+        </p:txBody>
+      </p:sp>
+    </p:spTree>
+    <p:extLst>
+      <p:ext uri="{BB962C8B-B14F-4D97-AF65-F5344CB8AC3E}">
+        <p14:creationId xmlns:p14="http://schemas.microsoft.com/office/powerpoint/2010/main" val="1458483947"/>
       </p:ext>
     </p:extLst>
   </p:cSld>

--- a/What is Node.pptx
+++ b/What is Node.pptx
@@ -52,6 +52,16 @@
     <p:sldId id="300" r:id="rId46"/>
     <p:sldId id="301" r:id="rId47"/>
     <p:sldId id="302" r:id="rId48"/>
+    <p:sldId id="303" r:id="rId49"/>
+    <p:sldId id="304" r:id="rId50"/>
+    <p:sldId id="305" r:id="rId51"/>
+    <p:sldId id="306" r:id="rId52"/>
+    <p:sldId id="307" r:id="rId53"/>
+    <p:sldId id="308" r:id="rId54"/>
+    <p:sldId id="309" r:id="rId55"/>
+    <p:sldId id="310" r:id="rId56"/>
+    <p:sldId id="311" r:id="rId57"/>
+    <p:sldId id="312" r:id="rId58"/>
   </p:sldIdLst>
   <p:sldSz cx="12192000" cy="6858000"/>
   <p:notesSz cx="6858000" cy="9144000"/>
@@ -502,7 +512,7 @@
           <a:p>
             <a:fld id="{C452295A-2B17-4FE0-84DB-F0699F4DDF23}" type="datetimeFigureOut">
               <a:rPr lang="en-US" smtClean="0"/>
-              <a:t>12/1/2022</a:t>
+              <a:t>12/14/2022</a:t>
             </a:fld>
             <a:endParaRPr lang="en-US"/>
           </a:p>
@@ -700,7 +710,7 @@
           <a:p>
             <a:fld id="{C452295A-2B17-4FE0-84DB-F0699F4DDF23}" type="datetimeFigureOut">
               <a:rPr lang="en-US" smtClean="0"/>
-              <a:t>12/1/2022</a:t>
+              <a:t>12/14/2022</a:t>
             </a:fld>
             <a:endParaRPr lang="en-US"/>
           </a:p>
@@ -908,7 +918,7 @@
           <a:p>
             <a:fld id="{C452295A-2B17-4FE0-84DB-F0699F4DDF23}" type="datetimeFigureOut">
               <a:rPr lang="en-US" smtClean="0"/>
-              <a:t>12/1/2022</a:t>
+              <a:t>12/14/2022</a:t>
             </a:fld>
             <a:endParaRPr lang="en-US"/>
           </a:p>
@@ -1106,7 +1116,7 @@
           <a:p>
             <a:fld id="{C452295A-2B17-4FE0-84DB-F0699F4DDF23}" type="datetimeFigureOut">
               <a:rPr lang="en-US" smtClean="0"/>
-              <a:t>12/1/2022</a:t>
+              <a:t>12/14/2022</a:t>
             </a:fld>
             <a:endParaRPr lang="en-US"/>
           </a:p>
@@ -1381,7 +1391,7 @@
           <a:p>
             <a:fld id="{C452295A-2B17-4FE0-84DB-F0699F4DDF23}" type="datetimeFigureOut">
               <a:rPr lang="en-US" smtClean="0"/>
-              <a:t>12/1/2022</a:t>
+              <a:t>12/14/2022</a:t>
             </a:fld>
             <a:endParaRPr lang="en-US"/>
           </a:p>
@@ -1646,7 +1656,7 @@
           <a:p>
             <a:fld id="{C452295A-2B17-4FE0-84DB-F0699F4DDF23}" type="datetimeFigureOut">
               <a:rPr lang="en-US" smtClean="0"/>
-              <a:t>12/1/2022</a:t>
+              <a:t>12/14/2022</a:t>
             </a:fld>
             <a:endParaRPr lang="en-US"/>
           </a:p>
@@ -2058,7 +2068,7 @@
           <a:p>
             <a:fld id="{C452295A-2B17-4FE0-84DB-F0699F4DDF23}" type="datetimeFigureOut">
               <a:rPr lang="en-US" smtClean="0"/>
-              <a:t>12/1/2022</a:t>
+              <a:t>12/14/2022</a:t>
             </a:fld>
             <a:endParaRPr lang="en-US"/>
           </a:p>
@@ -2199,7 +2209,7 @@
           <a:p>
             <a:fld id="{C452295A-2B17-4FE0-84DB-F0699F4DDF23}" type="datetimeFigureOut">
               <a:rPr lang="en-US" smtClean="0"/>
-              <a:t>12/1/2022</a:t>
+              <a:t>12/14/2022</a:t>
             </a:fld>
             <a:endParaRPr lang="en-US"/>
           </a:p>
@@ -2312,7 +2322,7 @@
           <a:p>
             <a:fld id="{C452295A-2B17-4FE0-84DB-F0699F4DDF23}" type="datetimeFigureOut">
               <a:rPr lang="en-US" smtClean="0"/>
-              <a:t>12/1/2022</a:t>
+              <a:t>12/14/2022</a:t>
             </a:fld>
             <a:endParaRPr lang="en-US"/>
           </a:p>
@@ -2623,7 +2633,7 @@
           <a:p>
             <a:fld id="{C452295A-2B17-4FE0-84DB-F0699F4DDF23}" type="datetimeFigureOut">
               <a:rPr lang="en-US" smtClean="0"/>
-              <a:t>12/1/2022</a:t>
+              <a:t>12/14/2022</a:t>
             </a:fld>
             <a:endParaRPr lang="en-US"/>
           </a:p>
@@ -2911,7 +2921,7 @@
           <a:p>
             <a:fld id="{C452295A-2B17-4FE0-84DB-F0699F4DDF23}" type="datetimeFigureOut">
               <a:rPr lang="en-US" smtClean="0"/>
-              <a:t>12/1/2022</a:t>
+              <a:t>12/14/2022</a:t>
             </a:fld>
             <a:endParaRPr lang="en-US"/>
           </a:p>
@@ -3152,7 +3162,7 @@
           <a:p>
             <a:fld id="{C452295A-2B17-4FE0-84DB-F0699F4DDF23}" type="datetimeFigureOut">
               <a:rPr lang="en-US" smtClean="0"/>
-              <a:t>12/1/2022</a:t>
+              <a:t>12/14/2022</a:t>
             </a:fld>
             <a:endParaRPr lang="en-US"/>
           </a:p>
@@ -22756,7 +22766,7 @@
         <p:spPr>
           <a:xfrm>
             <a:off x="838200" y="365125"/>
-            <a:ext cx="10515600" cy="3524487"/>
+            <a:ext cx="10515600" cy="6492875"/>
           </a:xfrm>
         </p:spPr>
         <p:txBody>
@@ -22790,6 +22800,31 @@
               <a:rPr lang="en-US" dirty="0"/>
               <a:t>Finishing the Pug Template</a:t>
             </a:r>
+            <a:br>
+              <a:rPr lang="en-US" dirty="0"/>
+            </a:br>
+            <a:r>
+              <a:rPr lang="en-US" dirty="0"/>
+              <a:t>GET/POST – Example</a:t>
+            </a:r>
+            <a:br>
+              <a:rPr lang="en-US" dirty="0"/>
+            </a:br>
+            <a:r>
+              <a:rPr lang="en-US" dirty="0"/>
+              <a:t>Working with Handlebars</a:t>
+            </a:r>
+            <a:br>
+              <a:rPr lang="en-US" dirty="0"/>
+            </a:br>
+            <a:r>
+              <a:rPr lang="en-US" dirty="0"/>
+              <a:t>Adding the Layout to Handlebars</a:t>
+            </a:r>
+            <a:br>
+              <a:rPr lang="en-US" dirty="0"/>
+            </a:br>
+            <a:endParaRPr lang="en-US" dirty="0"/>
           </a:p>
         </p:txBody>
       </p:sp>
@@ -22797,6 +22832,168 @@
     <p:extLst>
       <p:ext uri="{BB962C8B-B14F-4D97-AF65-F5344CB8AC3E}">
         <p14:creationId xmlns:p14="http://schemas.microsoft.com/office/powerpoint/2010/main" val="1458483947"/>
+      </p:ext>
+    </p:extLst>
+  </p:cSld>
+  <p:clrMapOvr>
+    <a:masterClrMapping/>
+  </p:clrMapOvr>
+</p:sld>
+</file>
+
+<file path=ppt/slides/slide48.xml><?xml version="1.0" encoding="utf-8"?>
+<p:sld xmlns:a="http://schemas.openxmlformats.org/drawingml/2006/main" xmlns:r="http://schemas.openxmlformats.org/officeDocument/2006/relationships" xmlns:p="http://schemas.openxmlformats.org/presentationml/2006/main">
+  <p:cSld>
+    <p:spTree>
+      <p:nvGrpSpPr>
+        <p:cNvPr id="1" name=""/>
+        <p:cNvGrpSpPr/>
+        <p:nvPr/>
+      </p:nvGrpSpPr>
+      <p:grpSpPr>
+        <a:xfrm>
+          <a:off x="0" y="0"/>
+          <a:ext cx="0" cy="0"/>
+          <a:chOff x="0" y="0"/>
+          <a:chExt cx="0" cy="0"/>
+        </a:xfrm>
+      </p:grpSpPr>
+      <p:sp>
+        <p:nvSpPr>
+          <p:cNvPr id="2" name="Title 1">
+            <a:extLst>
+              <a:ext uri="{FF2B5EF4-FFF2-40B4-BE49-F238E27FC236}">
+                <a16:creationId xmlns:a16="http://schemas.microsoft.com/office/drawing/2014/main" id="{80027792-FC06-41FC-19A6-47412F1355E3}"/>
+              </a:ext>
+            </a:extLst>
+          </p:cNvPr>
+          <p:cNvSpPr>
+            <a:spLocks noGrp="1"/>
+          </p:cNvSpPr>
+          <p:nvPr>
+            <p:ph type="title"/>
+          </p:nvPr>
+        </p:nvSpPr>
+        <p:spPr/>
+        <p:txBody>
+          <a:bodyPr/>
+          <a:lstStyle/>
+          <a:p>
+            <a:r>
+              <a:rPr lang="en-US" dirty="0"/>
+              <a:t>Working with EJS</a:t>
+            </a:r>
+          </a:p>
+        </p:txBody>
+      </p:sp>
+    </p:spTree>
+    <p:extLst>
+      <p:ext uri="{BB962C8B-B14F-4D97-AF65-F5344CB8AC3E}">
+        <p14:creationId xmlns:p14="http://schemas.microsoft.com/office/powerpoint/2010/main" val="1627711568"/>
+      </p:ext>
+    </p:extLst>
+  </p:cSld>
+  <p:clrMapOvr>
+    <a:masterClrMapping/>
+  </p:clrMapOvr>
+</p:sld>
+</file>
+
+<file path=ppt/slides/slide49.xml><?xml version="1.0" encoding="utf-8"?>
+<p:sld xmlns:a="http://schemas.openxmlformats.org/drawingml/2006/main" xmlns:r="http://schemas.openxmlformats.org/officeDocument/2006/relationships" xmlns:p="http://schemas.openxmlformats.org/presentationml/2006/main">
+  <p:cSld>
+    <p:spTree>
+      <p:nvGrpSpPr>
+        <p:cNvPr id="1" name=""/>
+        <p:cNvGrpSpPr/>
+        <p:nvPr/>
+      </p:nvGrpSpPr>
+      <p:grpSpPr>
+        <a:xfrm>
+          <a:off x="0" y="0"/>
+          <a:ext cx="0" cy="0"/>
+          <a:chOff x="0" y="0"/>
+          <a:chExt cx="0" cy="0"/>
+        </a:xfrm>
+      </p:grpSpPr>
+      <p:sp>
+        <p:nvSpPr>
+          <p:cNvPr id="2" name="Title 1">
+            <a:extLst>
+              <a:ext uri="{FF2B5EF4-FFF2-40B4-BE49-F238E27FC236}">
+                <a16:creationId xmlns:a16="http://schemas.microsoft.com/office/drawing/2014/main" id="{EAD6B14E-027E-9820-7A2A-9616A160C1A0}"/>
+              </a:ext>
+            </a:extLst>
+          </p:cNvPr>
+          <p:cNvSpPr>
+            <a:spLocks noGrp="1"/>
+          </p:cNvSpPr>
+          <p:nvPr>
+            <p:ph type="title"/>
+          </p:nvPr>
+        </p:nvSpPr>
+        <p:spPr/>
+        <p:txBody>
+          <a:bodyPr/>
+          <a:lstStyle/>
+          <a:p>
+            <a:r>
+              <a:rPr lang="en-US" dirty="0"/>
+              <a:t>MVC Pattern</a:t>
+            </a:r>
+          </a:p>
+        </p:txBody>
+      </p:sp>
+      <p:sp>
+        <p:nvSpPr>
+          <p:cNvPr id="3" name="Content Placeholder 2">
+            <a:extLst>
+              <a:ext uri="{FF2B5EF4-FFF2-40B4-BE49-F238E27FC236}">
+                <a16:creationId xmlns:a16="http://schemas.microsoft.com/office/drawing/2014/main" id="{1455ADD5-F999-BFA7-2417-A20AF8AE4ED4}"/>
+              </a:ext>
+            </a:extLst>
+          </p:cNvPr>
+          <p:cNvSpPr>
+            <a:spLocks noGrp="1"/>
+          </p:cNvSpPr>
+          <p:nvPr>
+            <p:ph idx="1"/>
+          </p:nvPr>
+        </p:nvSpPr>
+        <p:spPr/>
+        <p:txBody>
+          <a:bodyPr/>
+          <a:lstStyle/>
+          <a:p>
+            <a:r>
+              <a:rPr lang="en-US" dirty="0"/>
+              <a:t>Model</a:t>
+            </a:r>
+          </a:p>
+          <a:p>
+            <a:r>
+              <a:rPr lang="en-US" dirty="0"/>
+              <a:t>View</a:t>
+            </a:r>
+          </a:p>
+          <a:p>
+            <a:r>
+              <a:rPr lang="en-US" dirty="0"/>
+              <a:t>Controller</a:t>
+            </a:r>
+          </a:p>
+          <a:p>
+            <a:endParaRPr lang="en-US" dirty="0"/>
+          </a:p>
+          <a:p>
+            <a:endParaRPr lang="en-US" dirty="0"/>
+          </a:p>
+        </p:txBody>
+      </p:sp>
+    </p:spTree>
+    <p:extLst>
+      <p:ext uri="{BB962C8B-B14F-4D97-AF65-F5344CB8AC3E}">
+        <p14:creationId xmlns:p14="http://schemas.microsoft.com/office/powerpoint/2010/main" val="2666978662"/>
       </p:ext>
     </p:extLst>
   </p:cSld>
@@ -23219,6 +23416,1483 @@
     <p:extLst>
       <p:ext uri="{BB962C8B-B14F-4D97-AF65-F5344CB8AC3E}">
         <p14:creationId xmlns:p14="http://schemas.microsoft.com/office/powerpoint/2010/main" val="4193255341"/>
+      </p:ext>
+    </p:extLst>
+  </p:cSld>
+  <p:clrMapOvr>
+    <a:masterClrMapping/>
+  </p:clrMapOvr>
+</p:sld>
+</file>
+
+<file path=ppt/slides/slide50.xml><?xml version="1.0" encoding="utf-8"?>
+<p:sld xmlns:a="http://schemas.openxmlformats.org/drawingml/2006/main" xmlns:r="http://schemas.openxmlformats.org/officeDocument/2006/relationships" xmlns:p="http://schemas.openxmlformats.org/presentationml/2006/main">
+  <p:cSld>
+    <p:spTree>
+      <p:nvGrpSpPr>
+        <p:cNvPr id="1" name=""/>
+        <p:cNvGrpSpPr/>
+        <p:nvPr/>
+      </p:nvGrpSpPr>
+      <p:grpSpPr>
+        <a:xfrm>
+          <a:off x="0" y="0"/>
+          <a:ext cx="0" cy="0"/>
+          <a:chOff x="0" y="0"/>
+          <a:chExt cx="0" cy="0"/>
+        </a:xfrm>
+      </p:grpSpPr>
+      <p:sp>
+        <p:nvSpPr>
+          <p:cNvPr id="2" name="Title 1">
+            <a:extLst>
+              <a:ext uri="{FF2B5EF4-FFF2-40B4-BE49-F238E27FC236}">
+                <a16:creationId xmlns:a16="http://schemas.microsoft.com/office/drawing/2014/main" id="{13F5235C-1924-3127-5148-CE973906F899}"/>
+              </a:ext>
+            </a:extLst>
+          </p:cNvPr>
+          <p:cNvSpPr>
+            <a:spLocks noGrp="1"/>
+          </p:cNvSpPr>
+          <p:nvPr>
+            <p:ph type="title"/>
+          </p:nvPr>
+        </p:nvSpPr>
+        <p:spPr/>
+        <p:txBody>
+          <a:bodyPr/>
+          <a:lstStyle/>
+          <a:p>
+            <a:r>
+              <a:rPr lang="en-US" dirty="0"/>
+              <a:t>Separation of Concerns</a:t>
+            </a:r>
+          </a:p>
+        </p:txBody>
+      </p:sp>
+      <p:sp>
+        <p:nvSpPr>
+          <p:cNvPr id="4" name="Rectangle 3">
+            <a:extLst>
+              <a:ext uri="{FF2B5EF4-FFF2-40B4-BE49-F238E27FC236}">
+                <a16:creationId xmlns:a16="http://schemas.microsoft.com/office/drawing/2014/main" id="{B126FD8D-8D5A-A4B8-3DFE-37D494B38F8C}"/>
+              </a:ext>
+            </a:extLst>
+          </p:cNvPr>
+          <p:cNvSpPr/>
+          <p:nvPr/>
+        </p:nvSpPr>
+        <p:spPr>
+          <a:xfrm>
+            <a:off x="395785" y="2620371"/>
+            <a:ext cx="2825086" cy="945107"/>
+          </a:xfrm>
+          <a:prstGeom prst="rect">
+            <a:avLst/>
+          </a:prstGeom>
+          <a:solidFill>
+            <a:schemeClr val="accent2">
+              <a:lumMod val="50000"/>
+            </a:schemeClr>
+          </a:solidFill>
+        </p:spPr>
+        <p:style>
+          <a:lnRef idx="2">
+            <a:schemeClr val="accent1">
+              <a:shade val="50000"/>
+            </a:schemeClr>
+          </a:lnRef>
+          <a:fillRef idx="1">
+            <a:schemeClr val="accent1"/>
+          </a:fillRef>
+          <a:effectRef idx="0">
+            <a:schemeClr val="accent1"/>
+          </a:effectRef>
+          <a:fontRef idx="minor">
+            <a:schemeClr val="lt1"/>
+          </a:fontRef>
+        </p:style>
+        <p:txBody>
+          <a:bodyPr rtlCol="0" anchor="ctr"/>
+          <a:lstStyle/>
+          <a:p>
+            <a:pPr algn="ctr"/>
+            <a:r>
+              <a:rPr lang="en-US" dirty="0"/>
+              <a:t>Models</a:t>
+            </a:r>
+          </a:p>
+        </p:txBody>
+      </p:sp>
+      <p:sp>
+        <p:nvSpPr>
+          <p:cNvPr id="5" name="Rectangle 4">
+            <a:extLst>
+              <a:ext uri="{FF2B5EF4-FFF2-40B4-BE49-F238E27FC236}">
+                <a16:creationId xmlns:a16="http://schemas.microsoft.com/office/drawing/2014/main" id="{E5B6D20F-BBA3-1D1A-5010-E318AFD11A89}"/>
+              </a:ext>
+            </a:extLst>
+          </p:cNvPr>
+          <p:cNvSpPr/>
+          <p:nvPr/>
+        </p:nvSpPr>
+        <p:spPr>
+          <a:xfrm>
+            <a:off x="4656161" y="2620370"/>
+            <a:ext cx="2825086" cy="945107"/>
+          </a:xfrm>
+          <a:prstGeom prst="rect">
+            <a:avLst/>
+          </a:prstGeom>
+          <a:solidFill>
+            <a:schemeClr val="accent4">
+              <a:lumMod val="50000"/>
+            </a:schemeClr>
+          </a:solidFill>
+        </p:spPr>
+        <p:style>
+          <a:lnRef idx="2">
+            <a:schemeClr val="accent1">
+              <a:shade val="50000"/>
+            </a:schemeClr>
+          </a:lnRef>
+          <a:fillRef idx="1">
+            <a:schemeClr val="accent1"/>
+          </a:fillRef>
+          <a:effectRef idx="0">
+            <a:schemeClr val="accent1"/>
+          </a:effectRef>
+          <a:fontRef idx="minor">
+            <a:schemeClr val="lt1"/>
+          </a:fontRef>
+        </p:style>
+        <p:txBody>
+          <a:bodyPr rtlCol="0" anchor="ctr"/>
+          <a:lstStyle/>
+          <a:p>
+            <a:pPr algn="ctr"/>
+            <a:r>
+              <a:rPr lang="en-US" dirty="0"/>
+              <a:t>Views</a:t>
+            </a:r>
+          </a:p>
+        </p:txBody>
+      </p:sp>
+      <p:sp>
+        <p:nvSpPr>
+          <p:cNvPr id="6" name="Rectangle 5">
+            <a:extLst>
+              <a:ext uri="{FF2B5EF4-FFF2-40B4-BE49-F238E27FC236}">
+                <a16:creationId xmlns:a16="http://schemas.microsoft.com/office/drawing/2014/main" id="{9922E57C-DD0C-A8BB-5B3F-9572B289FC77}"/>
+              </a:ext>
+            </a:extLst>
+          </p:cNvPr>
+          <p:cNvSpPr/>
+          <p:nvPr/>
+        </p:nvSpPr>
+        <p:spPr>
+          <a:xfrm>
+            <a:off x="8750489" y="2620370"/>
+            <a:ext cx="2825086" cy="945107"/>
+          </a:xfrm>
+          <a:prstGeom prst="rect">
+            <a:avLst/>
+          </a:prstGeom>
+          <a:solidFill>
+            <a:schemeClr val="accent6">
+              <a:lumMod val="50000"/>
+            </a:schemeClr>
+          </a:solidFill>
+        </p:spPr>
+        <p:style>
+          <a:lnRef idx="2">
+            <a:schemeClr val="accent1">
+              <a:shade val="50000"/>
+            </a:schemeClr>
+          </a:lnRef>
+          <a:fillRef idx="1">
+            <a:schemeClr val="accent1"/>
+          </a:fillRef>
+          <a:effectRef idx="0">
+            <a:schemeClr val="accent1"/>
+          </a:effectRef>
+          <a:fontRef idx="minor">
+            <a:schemeClr val="lt1"/>
+          </a:fontRef>
+        </p:style>
+        <p:txBody>
+          <a:bodyPr rtlCol="0" anchor="ctr"/>
+          <a:lstStyle/>
+          <a:p>
+            <a:pPr algn="ctr"/>
+            <a:r>
+              <a:rPr lang="en-US" dirty="0"/>
+              <a:t>Controllers</a:t>
+            </a:r>
+          </a:p>
+        </p:txBody>
+      </p:sp>
+      <p:sp>
+        <p:nvSpPr>
+          <p:cNvPr id="7" name="Rectangle 6">
+            <a:extLst>
+              <a:ext uri="{FF2B5EF4-FFF2-40B4-BE49-F238E27FC236}">
+                <a16:creationId xmlns:a16="http://schemas.microsoft.com/office/drawing/2014/main" id="{B9B53C0B-1C16-2F83-C43F-938F2C951ABD}"/>
+              </a:ext>
+            </a:extLst>
+          </p:cNvPr>
+          <p:cNvSpPr/>
+          <p:nvPr/>
+        </p:nvSpPr>
+        <p:spPr>
+          <a:xfrm>
+            <a:off x="545909" y="3725836"/>
+            <a:ext cx="2702258" cy="945107"/>
+          </a:xfrm>
+          <a:prstGeom prst="rect">
+            <a:avLst/>
+          </a:prstGeom>
+          <a:solidFill>
+            <a:schemeClr val="accent2">
+              <a:lumMod val="60000"/>
+              <a:lumOff val="40000"/>
+            </a:schemeClr>
+          </a:solidFill>
+        </p:spPr>
+        <p:style>
+          <a:lnRef idx="2">
+            <a:schemeClr val="accent1">
+              <a:shade val="50000"/>
+            </a:schemeClr>
+          </a:lnRef>
+          <a:fillRef idx="1">
+            <a:schemeClr val="accent1"/>
+          </a:fillRef>
+          <a:effectRef idx="0">
+            <a:schemeClr val="accent1"/>
+          </a:effectRef>
+          <a:fontRef idx="minor">
+            <a:schemeClr val="lt1"/>
+          </a:fontRef>
+        </p:style>
+        <p:txBody>
+          <a:bodyPr rtlCol="0" anchor="ctr"/>
+          <a:lstStyle/>
+          <a:p>
+            <a:pPr algn="ctr"/>
+            <a:r>
+              <a:rPr lang="en-US" dirty="0">
+                <a:ln w="0"/>
+                <a:solidFill>
+                  <a:schemeClr val="tx1"/>
+                </a:solidFill>
+                <a:effectLst>
+                  <a:outerShdw blurRad="38100" dist="19050" dir="2700000" algn="tl" rotWithShape="0">
+                    <a:schemeClr val="dk1">
+                      <a:alpha val="40000"/>
+                    </a:schemeClr>
+                  </a:outerShdw>
+                </a:effectLst>
+              </a:rPr>
+              <a:t>Represent your data in your code</a:t>
+            </a:r>
+          </a:p>
+        </p:txBody>
+      </p:sp>
+      <p:sp>
+        <p:nvSpPr>
+          <p:cNvPr id="8" name="Rectangle 7">
+            <a:extLst>
+              <a:ext uri="{FF2B5EF4-FFF2-40B4-BE49-F238E27FC236}">
+                <a16:creationId xmlns:a16="http://schemas.microsoft.com/office/drawing/2014/main" id="{735529FF-E3CC-330E-3D0A-2949CE526B86}"/>
+              </a:ext>
+            </a:extLst>
+          </p:cNvPr>
+          <p:cNvSpPr/>
+          <p:nvPr/>
+        </p:nvSpPr>
+        <p:spPr>
+          <a:xfrm>
+            <a:off x="545909" y="5076964"/>
+            <a:ext cx="2702258" cy="945107"/>
+          </a:xfrm>
+          <a:prstGeom prst="rect">
+            <a:avLst/>
+          </a:prstGeom>
+          <a:solidFill>
+            <a:schemeClr val="accent2">
+              <a:lumMod val="60000"/>
+              <a:lumOff val="40000"/>
+            </a:schemeClr>
+          </a:solidFill>
+        </p:spPr>
+        <p:style>
+          <a:lnRef idx="2">
+            <a:schemeClr val="accent1">
+              <a:shade val="50000"/>
+            </a:schemeClr>
+          </a:lnRef>
+          <a:fillRef idx="1">
+            <a:schemeClr val="accent1"/>
+          </a:fillRef>
+          <a:effectRef idx="0">
+            <a:schemeClr val="accent1"/>
+          </a:effectRef>
+          <a:fontRef idx="minor">
+            <a:schemeClr val="lt1"/>
+          </a:fontRef>
+        </p:style>
+        <p:txBody>
+          <a:bodyPr rtlCol="0" anchor="ctr"/>
+          <a:lstStyle/>
+          <a:p>
+            <a:pPr algn="ctr"/>
+            <a:r>
+              <a:rPr lang="en-US" dirty="0">
+                <a:ln w="0"/>
+                <a:solidFill>
+                  <a:schemeClr val="tx1"/>
+                </a:solidFill>
+                <a:effectLst>
+                  <a:outerShdw blurRad="38100" dist="19050" dir="2700000" algn="tl" rotWithShape="0">
+                    <a:schemeClr val="dk1">
+                      <a:alpha val="40000"/>
+                    </a:schemeClr>
+                  </a:outerShdw>
+                </a:effectLst>
+              </a:rPr>
+              <a:t>Work with your data (e.g. save, fetch)</a:t>
+            </a:r>
+          </a:p>
+        </p:txBody>
+      </p:sp>
+      <p:sp>
+        <p:nvSpPr>
+          <p:cNvPr id="9" name="Rectangle 8">
+            <a:extLst>
+              <a:ext uri="{FF2B5EF4-FFF2-40B4-BE49-F238E27FC236}">
+                <a16:creationId xmlns:a16="http://schemas.microsoft.com/office/drawing/2014/main" id="{9F0DCA93-E9A1-BDA4-4471-1C90D15265BE}"/>
+              </a:ext>
+            </a:extLst>
+          </p:cNvPr>
+          <p:cNvSpPr/>
+          <p:nvPr/>
+        </p:nvSpPr>
+        <p:spPr>
+          <a:xfrm>
+            <a:off x="4683457" y="3848666"/>
+            <a:ext cx="2702258" cy="945107"/>
+          </a:xfrm>
+          <a:prstGeom prst="rect">
+            <a:avLst/>
+          </a:prstGeom>
+          <a:solidFill>
+            <a:schemeClr val="accent4">
+              <a:lumMod val="60000"/>
+              <a:lumOff val="40000"/>
+            </a:schemeClr>
+          </a:solidFill>
+        </p:spPr>
+        <p:style>
+          <a:lnRef idx="2">
+            <a:schemeClr val="accent1">
+              <a:shade val="50000"/>
+            </a:schemeClr>
+          </a:lnRef>
+          <a:fillRef idx="1">
+            <a:schemeClr val="accent1"/>
+          </a:fillRef>
+          <a:effectRef idx="0">
+            <a:schemeClr val="accent1"/>
+          </a:effectRef>
+          <a:fontRef idx="minor">
+            <a:schemeClr val="lt1"/>
+          </a:fontRef>
+        </p:style>
+        <p:txBody>
+          <a:bodyPr rtlCol="0" anchor="ctr"/>
+          <a:lstStyle/>
+          <a:p>
+            <a:pPr algn="ctr"/>
+            <a:r>
+              <a:rPr lang="en-US" dirty="0">
+                <a:ln w="0"/>
+                <a:solidFill>
+                  <a:schemeClr val="tx1"/>
+                </a:solidFill>
+                <a:effectLst>
+                  <a:outerShdw blurRad="38100" dist="19050" dir="2700000" algn="tl" rotWithShape="0">
+                    <a:schemeClr val="dk1">
+                      <a:alpha val="40000"/>
+                    </a:schemeClr>
+                  </a:outerShdw>
+                </a:effectLst>
+              </a:rPr>
+              <a:t>What the users sees</a:t>
+            </a:r>
+          </a:p>
+        </p:txBody>
+      </p:sp>
+      <p:sp>
+        <p:nvSpPr>
+          <p:cNvPr id="10" name="Rectangle 9">
+            <a:extLst>
+              <a:ext uri="{FF2B5EF4-FFF2-40B4-BE49-F238E27FC236}">
+                <a16:creationId xmlns:a16="http://schemas.microsoft.com/office/drawing/2014/main" id="{297B0916-4137-FBA5-90B8-15301A3015AC}"/>
+              </a:ext>
+            </a:extLst>
+          </p:cNvPr>
+          <p:cNvSpPr/>
+          <p:nvPr/>
+        </p:nvSpPr>
+        <p:spPr>
+          <a:xfrm>
+            <a:off x="4683457" y="5076964"/>
+            <a:ext cx="2702258" cy="945107"/>
+          </a:xfrm>
+          <a:prstGeom prst="rect">
+            <a:avLst/>
+          </a:prstGeom>
+          <a:solidFill>
+            <a:schemeClr val="accent4">
+              <a:lumMod val="60000"/>
+              <a:lumOff val="40000"/>
+            </a:schemeClr>
+          </a:solidFill>
+        </p:spPr>
+        <p:style>
+          <a:lnRef idx="2">
+            <a:schemeClr val="accent1">
+              <a:shade val="50000"/>
+            </a:schemeClr>
+          </a:lnRef>
+          <a:fillRef idx="1">
+            <a:schemeClr val="accent1"/>
+          </a:fillRef>
+          <a:effectRef idx="0">
+            <a:schemeClr val="accent1"/>
+          </a:effectRef>
+          <a:fontRef idx="minor">
+            <a:schemeClr val="lt1"/>
+          </a:fontRef>
+        </p:style>
+        <p:txBody>
+          <a:bodyPr rtlCol="0" anchor="ctr"/>
+          <a:lstStyle/>
+          <a:p>
+            <a:pPr algn="ctr"/>
+            <a:r>
+              <a:rPr lang="en-US" dirty="0">
+                <a:ln w="0"/>
+                <a:solidFill>
+                  <a:schemeClr val="tx1"/>
+                </a:solidFill>
+                <a:effectLst>
+                  <a:outerShdw blurRad="38100" dist="19050" dir="2700000" algn="tl" rotWithShape="0">
+                    <a:schemeClr val="dk1">
+                      <a:alpha val="40000"/>
+                    </a:schemeClr>
+                  </a:outerShdw>
+                </a:effectLst>
+              </a:rPr>
+              <a:t>Decoupled from your application code</a:t>
+            </a:r>
+          </a:p>
+        </p:txBody>
+      </p:sp>
+      <p:sp>
+        <p:nvSpPr>
+          <p:cNvPr id="11" name="Rectangle 10">
+            <a:extLst>
+              <a:ext uri="{FF2B5EF4-FFF2-40B4-BE49-F238E27FC236}">
+                <a16:creationId xmlns:a16="http://schemas.microsoft.com/office/drawing/2014/main" id="{EDDB6E7A-C9D9-F6AE-B7A3-E0540607C48A}"/>
+              </a:ext>
+            </a:extLst>
+          </p:cNvPr>
+          <p:cNvSpPr/>
+          <p:nvPr/>
+        </p:nvSpPr>
+        <p:spPr>
+          <a:xfrm>
+            <a:off x="8777785" y="3848666"/>
+            <a:ext cx="2702258" cy="945107"/>
+          </a:xfrm>
+          <a:prstGeom prst="rect">
+            <a:avLst/>
+          </a:prstGeom>
+          <a:solidFill>
+            <a:schemeClr val="accent6">
+              <a:lumMod val="60000"/>
+              <a:lumOff val="40000"/>
+            </a:schemeClr>
+          </a:solidFill>
+        </p:spPr>
+        <p:style>
+          <a:lnRef idx="2">
+            <a:schemeClr val="accent1">
+              <a:shade val="50000"/>
+            </a:schemeClr>
+          </a:lnRef>
+          <a:fillRef idx="1">
+            <a:schemeClr val="accent1"/>
+          </a:fillRef>
+          <a:effectRef idx="0">
+            <a:schemeClr val="accent1"/>
+          </a:effectRef>
+          <a:fontRef idx="minor">
+            <a:schemeClr val="lt1"/>
+          </a:fontRef>
+        </p:style>
+        <p:txBody>
+          <a:bodyPr rtlCol="0" anchor="ctr"/>
+          <a:lstStyle/>
+          <a:p>
+            <a:pPr algn="ctr"/>
+            <a:r>
+              <a:rPr lang="en-US" dirty="0">
+                <a:ln w="0"/>
+                <a:solidFill>
+                  <a:schemeClr val="tx1"/>
+                </a:solidFill>
+                <a:effectLst>
+                  <a:outerShdw blurRad="38100" dist="19050" dir="2700000" algn="tl" rotWithShape="0">
+                    <a:schemeClr val="dk1">
+                      <a:alpha val="40000"/>
+                    </a:schemeClr>
+                  </a:outerShdw>
+                </a:effectLst>
+              </a:rPr>
+              <a:t>Connecting you Models and your Views</a:t>
+            </a:r>
+          </a:p>
+        </p:txBody>
+      </p:sp>
+      <p:sp>
+        <p:nvSpPr>
+          <p:cNvPr id="12" name="Rectangle 11">
+            <a:extLst>
+              <a:ext uri="{FF2B5EF4-FFF2-40B4-BE49-F238E27FC236}">
+                <a16:creationId xmlns:a16="http://schemas.microsoft.com/office/drawing/2014/main" id="{803E56EC-EA37-6896-CC22-FBFD95F96669}"/>
+              </a:ext>
+            </a:extLst>
+          </p:cNvPr>
+          <p:cNvSpPr/>
+          <p:nvPr/>
+        </p:nvSpPr>
+        <p:spPr>
+          <a:xfrm>
+            <a:off x="8777785" y="5080374"/>
+            <a:ext cx="2702258" cy="945107"/>
+          </a:xfrm>
+          <a:prstGeom prst="rect">
+            <a:avLst/>
+          </a:prstGeom>
+          <a:solidFill>
+            <a:schemeClr val="accent6">
+              <a:lumMod val="60000"/>
+              <a:lumOff val="40000"/>
+            </a:schemeClr>
+          </a:solidFill>
+        </p:spPr>
+        <p:style>
+          <a:lnRef idx="2">
+            <a:schemeClr val="accent1">
+              <a:shade val="50000"/>
+            </a:schemeClr>
+          </a:lnRef>
+          <a:fillRef idx="1">
+            <a:schemeClr val="accent1"/>
+          </a:fillRef>
+          <a:effectRef idx="0">
+            <a:schemeClr val="accent1"/>
+          </a:effectRef>
+          <a:fontRef idx="minor">
+            <a:schemeClr val="lt1"/>
+          </a:fontRef>
+        </p:style>
+        <p:txBody>
+          <a:bodyPr rtlCol="0" anchor="ctr"/>
+          <a:lstStyle/>
+          <a:p>
+            <a:pPr algn="ctr"/>
+            <a:r>
+              <a:rPr lang="en-US" dirty="0">
+                <a:ln w="0"/>
+                <a:solidFill>
+                  <a:schemeClr val="tx1"/>
+                </a:solidFill>
+                <a:effectLst>
+                  <a:outerShdw blurRad="38100" dist="19050" dir="2700000" algn="tl" rotWithShape="0">
+                    <a:schemeClr val="dk1">
+                      <a:alpha val="40000"/>
+                    </a:schemeClr>
+                  </a:outerShdw>
+                </a:effectLst>
+              </a:rPr>
+              <a:t>Contains the “in-between” logic</a:t>
+            </a:r>
+          </a:p>
+        </p:txBody>
+      </p:sp>
+      <p:sp>
+        <p:nvSpPr>
+          <p:cNvPr id="13" name="Rectangle 12">
+            <a:extLst>
+              <a:ext uri="{FF2B5EF4-FFF2-40B4-BE49-F238E27FC236}">
+                <a16:creationId xmlns:a16="http://schemas.microsoft.com/office/drawing/2014/main" id="{3D8D21D3-709E-6C6C-C2CA-78A117A5D139}"/>
+              </a:ext>
+            </a:extLst>
+          </p:cNvPr>
+          <p:cNvSpPr/>
+          <p:nvPr/>
+        </p:nvSpPr>
+        <p:spPr>
+          <a:xfrm>
+            <a:off x="8716371" y="832519"/>
+            <a:ext cx="2825086" cy="945107"/>
+          </a:xfrm>
+          <a:prstGeom prst="rect">
+            <a:avLst/>
+          </a:prstGeom>
+          <a:solidFill>
+            <a:schemeClr val="tx1"/>
+          </a:solidFill>
+        </p:spPr>
+        <p:style>
+          <a:lnRef idx="2">
+            <a:schemeClr val="accent1">
+              <a:shade val="50000"/>
+            </a:schemeClr>
+          </a:lnRef>
+          <a:fillRef idx="1">
+            <a:schemeClr val="accent1"/>
+          </a:fillRef>
+          <a:effectRef idx="0">
+            <a:schemeClr val="accent1"/>
+          </a:effectRef>
+          <a:fontRef idx="minor">
+            <a:schemeClr val="lt1"/>
+          </a:fontRef>
+        </p:style>
+        <p:txBody>
+          <a:bodyPr rtlCol="0" anchor="ctr"/>
+          <a:lstStyle/>
+          <a:p>
+            <a:pPr algn="ctr"/>
+            <a:r>
+              <a:rPr lang="en-US" dirty="0">
+                <a:ln w="0"/>
+                <a:solidFill>
+                  <a:schemeClr val="bg1"/>
+                </a:solidFill>
+                <a:effectLst>
+                  <a:outerShdw blurRad="38100" dist="19050" dir="2700000" algn="tl" rotWithShape="0">
+                    <a:schemeClr val="dk1">
+                      <a:alpha val="40000"/>
+                    </a:schemeClr>
+                  </a:outerShdw>
+                </a:effectLst>
+              </a:rPr>
+              <a:t>Routes</a:t>
+            </a:r>
+          </a:p>
+        </p:txBody>
+      </p:sp>
+      <p:sp>
+        <p:nvSpPr>
+          <p:cNvPr id="14" name="Rectangle 13">
+            <a:extLst>
+              <a:ext uri="{FF2B5EF4-FFF2-40B4-BE49-F238E27FC236}">
+                <a16:creationId xmlns:a16="http://schemas.microsoft.com/office/drawing/2014/main" id="{C174CF5A-808E-3B9A-5795-099382AE858C}"/>
+              </a:ext>
+            </a:extLst>
+          </p:cNvPr>
+          <p:cNvSpPr/>
+          <p:nvPr/>
+        </p:nvSpPr>
+        <p:spPr>
+          <a:xfrm>
+            <a:off x="8716371" y="1772466"/>
+            <a:ext cx="2825086" cy="945107"/>
+          </a:xfrm>
+          <a:prstGeom prst="rect">
+            <a:avLst/>
+          </a:prstGeom>
+          <a:solidFill>
+            <a:srgbClr val="FFFF00"/>
+          </a:solidFill>
+        </p:spPr>
+        <p:style>
+          <a:lnRef idx="2">
+            <a:schemeClr val="accent1">
+              <a:shade val="50000"/>
+            </a:schemeClr>
+          </a:lnRef>
+          <a:fillRef idx="1">
+            <a:schemeClr val="accent1"/>
+          </a:fillRef>
+          <a:effectRef idx="0">
+            <a:schemeClr val="accent1"/>
+          </a:effectRef>
+          <a:fontRef idx="minor">
+            <a:schemeClr val="lt1"/>
+          </a:fontRef>
+        </p:style>
+        <p:txBody>
+          <a:bodyPr rtlCol="0" anchor="ctr"/>
+          <a:lstStyle/>
+          <a:p>
+            <a:pPr algn="ctr"/>
+            <a:r>
+              <a:rPr lang="en-US" dirty="0">
+                <a:ln w="0"/>
+                <a:solidFill>
+                  <a:schemeClr val="tx1"/>
+                </a:solidFill>
+                <a:effectLst>
+                  <a:outerShdw blurRad="38100" dist="19050" dir="2700000" algn="tl" rotWithShape="0">
+                    <a:schemeClr val="dk1">
+                      <a:alpha val="40000"/>
+                    </a:schemeClr>
+                  </a:outerShdw>
+                </a:effectLst>
+              </a:rPr>
+              <a:t>Split across Middleware Functions</a:t>
+            </a:r>
+          </a:p>
+        </p:txBody>
+      </p:sp>
+    </p:spTree>
+    <p:extLst>
+      <p:ext uri="{BB962C8B-B14F-4D97-AF65-F5344CB8AC3E}">
+        <p14:creationId xmlns:p14="http://schemas.microsoft.com/office/powerpoint/2010/main" val="1934317715"/>
+      </p:ext>
+    </p:extLst>
+  </p:cSld>
+  <p:clrMapOvr>
+    <a:masterClrMapping/>
+  </p:clrMapOvr>
+</p:sld>
+</file>
+
+<file path=ppt/slides/slide51.xml><?xml version="1.0" encoding="utf-8"?>
+<p:sld xmlns:a="http://schemas.openxmlformats.org/drawingml/2006/main" xmlns:r="http://schemas.openxmlformats.org/officeDocument/2006/relationships" xmlns:p="http://schemas.openxmlformats.org/presentationml/2006/main">
+  <p:cSld>
+    <p:spTree>
+      <p:nvGrpSpPr>
+        <p:cNvPr id="1" name=""/>
+        <p:cNvGrpSpPr/>
+        <p:nvPr/>
+      </p:nvGrpSpPr>
+      <p:grpSpPr>
+        <a:xfrm>
+          <a:off x="0" y="0"/>
+          <a:ext cx="0" cy="0"/>
+          <a:chOff x="0" y="0"/>
+          <a:chExt cx="0" cy="0"/>
+        </a:xfrm>
+      </p:grpSpPr>
+      <p:sp>
+        <p:nvSpPr>
+          <p:cNvPr id="2" name="Title 1">
+            <a:extLst>
+              <a:ext uri="{FF2B5EF4-FFF2-40B4-BE49-F238E27FC236}">
+                <a16:creationId xmlns:a16="http://schemas.microsoft.com/office/drawing/2014/main" id="{41E8B1C4-6701-CB60-B1CB-CDAEF1C502FA}"/>
+              </a:ext>
+            </a:extLst>
+          </p:cNvPr>
+          <p:cNvSpPr>
+            <a:spLocks noGrp="1"/>
+          </p:cNvSpPr>
+          <p:nvPr>
+            <p:ph type="title"/>
+          </p:nvPr>
+        </p:nvSpPr>
+        <p:spPr>
+          <a:xfrm>
+            <a:off x="838200" y="365125"/>
+            <a:ext cx="10515600" cy="5230457"/>
+          </a:xfrm>
+        </p:spPr>
+        <p:txBody>
+          <a:bodyPr/>
+          <a:lstStyle/>
+          <a:p>
+            <a:r>
+              <a:rPr lang="en-US" dirty="0"/>
+              <a:t>Adding Controllers</a:t>
+            </a:r>
+            <a:br>
+              <a:rPr lang="en-US" dirty="0"/>
+            </a:br>
+            <a:r>
+              <a:rPr lang="en-US" dirty="0"/>
+              <a:t>Finishing the Controllers</a:t>
+            </a:r>
+            <a:br>
+              <a:rPr lang="en-US" dirty="0"/>
+            </a:br>
+            <a:r>
+              <a:rPr lang="en-US" dirty="0"/>
+              <a:t>Adding a Product Model</a:t>
+            </a:r>
+            <a:br>
+              <a:rPr lang="en-US" dirty="0"/>
+            </a:br>
+            <a:r>
+              <a:rPr lang="en-US" dirty="0"/>
+              <a:t>Storing Data in Files Via the Model</a:t>
+            </a:r>
+          </a:p>
+        </p:txBody>
+      </p:sp>
+    </p:spTree>
+    <p:extLst>
+      <p:ext uri="{BB962C8B-B14F-4D97-AF65-F5344CB8AC3E}">
+        <p14:creationId xmlns:p14="http://schemas.microsoft.com/office/powerpoint/2010/main" val="1748710035"/>
+      </p:ext>
+    </p:extLst>
+  </p:cSld>
+  <p:clrMapOvr>
+    <a:masterClrMapping/>
+  </p:clrMapOvr>
+</p:sld>
+</file>
+
+<file path=ppt/slides/slide52.xml><?xml version="1.0" encoding="utf-8"?>
+<p:sld xmlns:a="http://schemas.openxmlformats.org/drawingml/2006/main" xmlns:r="http://schemas.openxmlformats.org/officeDocument/2006/relationships" xmlns:p="http://schemas.openxmlformats.org/presentationml/2006/main">
+  <p:cSld>
+    <p:spTree>
+      <p:nvGrpSpPr>
+        <p:cNvPr id="1" name=""/>
+        <p:cNvGrpSpPr/>
+        <p:nvPr/>
+      </p:nvGrpSpPr>
+      <p:grpSpPr>
+        <a:xfrm>
+          <a:off x="0" y="0"/>
+          <a:ext cx="0" cy="0"/>
+          <a:chOff x="0" y="0"/>
+          <a:chExt cx="0" cy="0"/>
+        </a:xfrm>
+      </p:grpSpPr>
+      <p:sp>
+        <p:nvSpPr>
+          <p:cNvPr id="2" name="Title 1">
+            <a:extLst>
+              <a:ext uri="{FF2B5EF4-FFF2-40B4-BE49-F238E27FC236}">
+                <a16:creationId xmlns:a16="http://schemas.microsoft.com/office/drawing/2014/main" id="{570DAC4D-CFA2-690C-AAEC-6DD3F9E85EC8}"/>
+              </a:ext>
+            </a:extLst>
+          </p:cNvPr>
+          <p:cNvSpPr>
+            <a:spLocks noGrp="1"/>
+          </p:cNvSpPr>
+          <p:nvPr>
+            <p:ph type="title"/>
+          </p:nvPr>
+        </p:nvSpPr>
+        <p:spPr/>
+        <p:txBody>
+          <a:bodyPr/>
+          <a:lstStyle/>
+          <a:p>
+            <a:r>
+              <a:rPr lang="en-US" dirty="0"/>
+              <a:t>Project Description &amp; Features - 1</a:t>
+            </a:r>
+          </a:p>
+        </p:txBody>
+      </p:sp>
+      <p:sp>
+        <p:nvSpPr>
+          <p:cNvPr id="3" name="Content Placeholder 2">
+            <a:extLst>
+              <a:ext uri="{FF2B5EF4-FFF2-40B4-BE49-F238E27FC236}">
+                <a16:creationId xmlns:a16="http://schemas.microsoft.com/office/drawing/2014/main" id="{17C17956-2835-AEF2-2F71-18A801C42359}"/>
+              </a:ext>
+            </a:extLst>
+          </p:cNvPr>
+          <p:cNvSpPr>
+            <a:spLocks noGrp="1"/>
+          </p:cNvSpPr>
+          <p:nvPr>
+            <p:ph idx="1"/>
+          </p:nvPr>
+        </p:nvSpPr>
+        <p:spPr/>
+        <p:txBody>
+          <a:bodyPr/>
+          <a:lstStyle/>
+          <a:p>
+            <a:r>
+              <a:rPr lang="en-US" dirty="0"/>
+              <a:t>Installing &amp; setting up Node.js</a:t>
+            </a:r>
+          </a:p>
+          <a:p>
+            <a:r>
+              <a:rPr lang="en-US" dirty="0"/>
+              <a:t>Nodejs.org code</a:t>
+            </a:r>
+          </a:p>
+          <a:p>
+            <a:r>
+              <a:rPr lang="en-US" dirty="0"/>
+              <a:t>Handling HTTP Requests</a:t>
+            </a:r>
+          </a:p>
+          <a:p>
+            <a:r>
+              <a:rPr lang="en-US" dirty="0"/>
+              <a:t>NPM/Modules</a:t>
+            </a:r>
+          </a:p>
+          <a:p>
+            <a:r>
+              <a:rPr lang="en-US" dirty="0"/>
+              <a:t>Serving HTML Files</a:t>
+            </a:r>
+          </a:p>
+        </p:txBody>
+      </p:sp>
+    </p:spTree>
+    <p:extLst>
+      <p:ext uri="{BB962C8B-B14F-4D97-AF65-F5344CB8AC3E}">
+        <p14:creationId xmlns:p14="http://schemas.microsoft.com/office/powerpoint/2010/main" val="1787319952"/>
+      </p:ext>
+    </p:extLst>
+  </p:cSld>
+  <p:clrMapOvr>
+    <a:masterClrMapping/>
+  </p:clrMapOvr>
+</p:sld>
+</file>
+
+<file path=ppt/slides/slide53.xml><?xml version="1.0" encoding="utf-8"?>
+<p:sld xmlns:a="http://schemas.openxmlformats.org/drawingml/2006/main" xmlns:r="http://schemas.openxmlformats.org/officeDocument/2006/relationships" xmlns:p="http://schemas.openxmlformats.org/presentationml/2006/main">
+  <p:cSld>
+    <p:spTree>
+      <p:nvGrpSpPr>
+        <p:cNvPr id="1" name=""/>
+        <p:cNvGrpSpPr/>
+        <p:nvPr/>
+      </p:nvGrpSpPr>
+      <p:grpSpPr>
+        <a:xfrm>
+          <a:off x="0" y="0"/>
+          <a:ext cx="0" cy="0"/>
+          <a:chOff x="0" y="0"/>
+          <a:chExt cx="0" cy="0"/>
+        </a:xfrm>
+      </p:grpSpPr>
+      <p:sp>
+        <p:nvSpPr>
+          <p:cNvPr id="2" name="Title 1">
+            <a:extLst>
+              <a:ext uri="{FF2B5EF4-FFF2-40B4-BE49-F238E27FC236}">
+                <a16:creationId xmlns:a16="http://schemas.microsoft.com/office/drawing/2014/main" id="{F85A2DF8-E93D-713B-4B0B-2B47ED605ADF}"/>
+              </a:ext>
+            </a:extLst>
+          </p:cNvPr>
+          <p:cNvSpPr>
+            <a:spLocks noGrp="1"/>
+          </p:cNvSpPr>
+          <p:nvPr>
+            <p:ph type="title"/>
+          </p:nvPr>
+        </p:nvSpPr>
+        <p:spPr/>
+        <p:txBody>
+          <a:bodyPr/>
+          <a:lstStyle/>
+          <a:p>
+            <a:r>
+              <a:rPr lang="en-US" dirty="0"/>
+              <a:t>Project Sections</a:t>
+            </a:r>
+          </a:p>
+        </p:txBody>
+      </p:sp>
+      <p:sp>
+        <p:nvSpPr>
+          <p:cNvPr id="3" name="Content Placeholder 2">
+            <a:extLst>
+              <a:ext uri="{FF2B5EF4-FFF2-40B4-BE49-F238E27FC236}">
+                <a16:creationId xmlns:a16="http://schemas.microsoft.com/office/drawing/2014/main" id="{9EDB89FB-24DC-7230-987A-B785C1A1D7A6}"/>
+              </a:ext>
+            </a:extLst>
+          </p:cNvPr>
+          <p:cNvSpPr>
+            <a:spLocks noGrp="1"/>
+          </p:cNvSpPr>
+          <p:nvPr>
+            <p:ph idx="1"/>
+          </p:nvPr>
+        </p:nvSpPr>
+        <p:spPr/>
+        <p:txBody>
+          <a:bodyPr/>
+          <a:lstStyle/>
+          <a:p>
+            <a:r>
+              <a:rPr lang="en-US" dirty="0"/>
+              <a:t>S1- Project Introduction</a:t>
+            </a:r>
+          </a:p>
+          <a:p>
+            <a:r>
+              <a:rPr lang="en-US" dirty="0"/>
+              <a:t>S2- Installing &amp; Setting Up Node.js</a:t>
+            </a:r>
+          </a:p>
+          <a:p>
+            <a:r>
+              <a:rPr lang="en-US" dirty="0"/>
+              <a:t>S3- NPM &amp; Basic HTTP Server</a:t>
+            </a:r>
+          </a:p>
+          <a:p>
+            <a:r>
+              <a:rPr lang="en-US" dirty="0"/>
+              <a:t>S4- Serving HTML Files</a:t>
+            </a:r>
+          </a:p>
+        </p:txBody>
+      </p:sp>
+    </p:spTree>
+    <p:extLst>
+      <p:ext uri="{BB962C8B-B14F-4D97-AF65-F5344CB8AC3E}">
+        <p14:creationId xmlns:p14="http://schemas.microsoft.com/office/powerpoint/2010/main" val="1985724712"/>
+      </p:ext>
+    </p:extLst>
+  </p:cSld>
+  <p:clrMapOvr>
+    <a:masterClrMapping/>
+  </p:clrMapOvr>
+</p:sld>
+</file>
+
+<file path=ppt/slides/slide54.xml><?xml version="1.0" encoding="utf-8"?>
+<p:sld xmlns:a="http://schemas.openxmlformats.org/drawingml/2006/main" xmlns:r="http://schemas.openxmlformats.org/officeDocument/2006/relationships" xmlns:p="http://schemas.openxmlformats.org/presentationml/2006/main">
+  <p:cSld>
+    <p:spTree>
+      <p:nvGrpSpPr>
+        <p:cNvPr id="1" name=""/>
+        <p:cNvGrpSpPr/>
+        <p:nvPr/>
+      </p:nvGrpSpPr>
+      <p:grpSpPr>
+        <a:xfrm>
+          <a:off x="0" y="0"/>
+          <a:ext cx="0" cy="0"/>
+          <a:chOff x="0" y="0"/>
+          <a:chExt cx="0" cy="0"/>
+        </a:xfrm>
+      </p:grpSpPr>
+      <p:sp>
+        <p:nvSpPr>
+          <p:cNvPr id="2" name="Title 1">
+            <a:extLst>
+              <a:ext uri="{FF2B5EF4-FFF2-40B4-BE49-F238E27FC236}">
+                <a16:creationId xmlns:a16="http://schemas.microsoft.com/office/drawing/2014/main" id="{C7DD1871-1D4E-1B49-7C0D-7FF851C79FC7}"/>
+              </a:ext>
+            </a:extLst>
+          </p:cNvPr>
+          <p:cNvSpPr>
+            <a:spLocks noGrp="1"/>
+          </p:cNvSpPr>
+          <p:nvPr>
+            <p:ph type="title"/>
+          </p:nvPr>
+        </p:nvSpPr>
+        <p:spPr/>
+        <p:txBody>
+          <a:bodyPr/>
+          <a:lstStyle/>
+          <a:p>
+            <a:r>
+              <a:rPr lang="en-US" dirty="0"/>
+              <a:t>We Learn</a:t>
+            </a:r>
+          </a:p>
+        </p:txBody>
+      </p:sp>
+      <p:sp>
+        <p:nvSpPr>
+          <p:cNvPr id="3" name="Content Placeholder 2">
+            <a:extLst>
+              <a:ext uri="{FF2B5EF4-FFF2-40B4-BE49-F238E27FC236}">
+                <a16:creationId xmlns:a16="http://schemas.microsoft.com/office/drawing/2014/main" id="{B16FEFAD-05E1-14E8-FC1A-C2A6BA94C43E}"/>
+              </a:ext>
+            </a:extLst>
+          </p:cNvPr>
+          <p:cNvSpPr>
+            <a:spLocks noGrp="1"/>
+          </p:cNvSpPr>
+          <p:nvPr>
+            <p:ph idx="1"/>
+          </p:nvPr>
+        </p:nvSpPr>
+        <p:spPr/>
+        <p:txBody>
+          <a:bodyPr/>
+          <a:lstStyle/>
+          <a:p>
+            <a:r>
+              <a:rPr lang="en-US" dirty="0"/>
+              <a:t>How to get Node.js up and running on our localhost.</a:t>
+            </a:r>
+          </a:p>
+          <a:p>
+            <a:r>
+              <a:rPr lang="en-US" dirty="0"/>
+              <a:t>How to handle HTTP requests/responses</a:t>
+            </a:r>
+          </a:p>
+          <a:p>
+            <a:r>
+              <a:rPr lang="en-US" dirty="0"/>
+              <a:t>Serve a webpage through a browser</a:t>
+            </a:r>
+          </a:p>
+        </p:txBody>
+      </p:sp>
+    </p:spTree>
+    <p:extLst>
+      <p:ext uri="{BB962C8B-B14F-4D97-AF65-F5344CB8AC3E}">
+        <p14:creationId xmlns:p14="http://schemas.microsoft.com/office/powerpoint/2010/main" val="2318241375"/>
+      </p:ext>
+    </p:extLst>
+  </p:cSld>
+  <p:clrMapOvr>
+    <a:masterClrMapping/>
+  </p:clrMapOvr>
+</p:sld>
+</file>
+
+<file path=ppt/slides/slide55.xml><?xml version="1.0" encoding="utf-8"?>
+<p:sld xmlns:a="http://schemas.openxmlformats.org/drawingml/2006/main" xmlns:r="http://schemas.openxmlformats.org/officeDocument/2006/relationships" xmlns:p="http://schemas.openxmlformats.org/presentationml/2006/main">
+  <p:cSld>
+    <p:spTree>
+      <p:nvGrpSpPr>
+        <p:cNvPr id="1" name=""/>
+        <p:cNvGrpSpPr/>
+        <p:nvPr/>
+      </p:nvGrpSpPr>
+      <p:grpSpPr>
+        <a:xfrm>
+          <a:off x="0" y="0"/>
+          <a:ext cx="0" cy="0"/>
+          <a:chOff x="0" y="0"/>
+          <a:chExt cx="0" cy="0"/>
+        </a:xfrm>
+      </p:grpSpPr>
+      <p:sp>
+        <p:nvSpPr>
+          <p:cNvPr id="2" name="Title 1">
+            <a:extLst>
+              <a:ext uri="{FF2B5EF4-FFF2-40B4-BE49-F238E27FC236}">
+                <a16:creationId xmlns:a16="http://schemas.microsoft.com/office/drawing/2014/main" id="{519F6DC2-575C-42CD-FB23-C70073B615B8}"/>
+              </a:ext>
+            </a:extLst>
+          </p:cNvPr>
+          <p:cNvSpPr>
+            <a:spLocks noGrp="1"/>
+          </p:cNvSpPr>
+          <p:nvPr>
+            <p:ph type="title"/>
+          </p:nvPr>
+        </p:nvSpPr>
+        <p:spPr/>
+        <p:txBody>
+          <a:bodyPr/>
+          <a:lstStyle/>
+          <a:p>
+            <a:r>
+              <a:rPr lang="en-US" dirty="0"/>
+              <a:t>Project - 2</a:t>
+            </a:r>
+          </a:p>
+        </p:txBody>
+      </p:sp>
+      <p:sp>
+        <p:nvSpPr>
+          <p:cNvPr id="3" name="Content Placeholder 2">
+            <a:extLst>
+              <a:ext uri="{FF2B5EF4-FFF2-40B4-BE49-F238E27FC236}">
+                <a16:creationId xmlns:a16="http://schemas.microsoft.com/office/drawing/2014/main" id="{5D311FD8-6E03-6DA8-DCC5-1184B6A0952B}"/>
+              </a:ext>
+            </a:extLst>
+          </p:cNvPr>
+          <p:cNvSpPr>
+            <a:spLocks noGrp="1"/>
+          </p:cNvSpPr>
+          <p:nvPr>
+            <p:ph idx="1"/>
+          </p:nvPr>
+        </p:nvSpPr>
+        <p:spPr/>
+        <p:txBody>
+          <a:bodyPr/>
+          <a:lstStyle/>
+          <a:p>
+            <a:r>
+              <a:rPr lang="en-US" dirty="0"/>
+              <a:t>Installing &amp; setting up Express</a:t>
+            </a:r>
+          </a:p>
+          <a:p>
+            <a:r>
+              <a:rPr lang="en-US" dirty="0"/>
+              <a:t>Routing System</a:t>
+            </a:r>
+          </a:p>
+          <a:p>
+            <a:r>
+              <a:rPr lang="en-US" dirty="0"/>
+              <a:t>Jade </a:t>
+            </a:r>
+            <a:r>
+              <a:rPr lang="en-US" dirty="0" err="1"/>
+              <a:t>Templatng</a:t>
+            </a:r>
+            <a:endParaRPr lang="en-US" dirty="0"/>
+          </a:p>
+          <a:p>
+            <a:r>
+              <a:rPr lang="en-US" dirty="0"/>
+              <a:t>Working with Views</a:t>
+            </a:r>
+          </a:p>
+          <a:p>
+            <a:r>
+              <a:rPr lang="en-US" dirty="0" err="1"/>
+              <a:t>Nodemailer</a:t>
+            </a:r>
+            <a:r>
+              <a:rPr lang="en-US" dirty="0"/>
+              <a:t> Module</a:t>
+            </a:r>
+          </a:p>
+        </p:txBody>
+      </p:sp>
+    </p:spTree>
+    <p:extLst>
+      <p:ext uri="{BB962C8B-B14F-4D97-AF65-F5344CB8AC3E}">
+        <p14:creationId xmlns:p14="http://schemas.microsoft.com/office/powerpoint/2010/main" val="587665243"/>
+      </p:ext>
+    </p:extLst>
+  </p:cSld>
+  <p:clrMapOvr>
+    <a:masterClrMapping/>
+  </p:clrMapOvr>
+</p:sld>
+</file>
+
+<file path=ppt/slides/slide56.xml><?xml version="1.0" encoding="utf-8"?>
+<p:sld xmlns:a="http://schemas.openxmlformats.org/drawingml/2006/main" xmlns:r="http://schemas.openxmlformats.org/officeDocument/2006/relationships" xmlns:p="http://schemas.openxmlformats.org/presentationml/2006/main">
+  <p:cSld>
+    <p:spTree>
+      <p:nvGrpSpPr>
+        <p:cNvPr id="1" name=""/>
+        <p:cNvGrpSpPr/>
+        <p:nvPr/>
+      </p:nvGrpSpPr>
+      <p:grpSpPr>
+        <a:xfrm>
+          <a:off x="0" y="0"/>
+          <a:ext cx="0" cy="0"/>
+          <a:chOff x="0" y="0"/>
+          <a:chExt cx="0" cy="0"/>
+        </a:xfrm>
+      </p:grpSpPr>
+      <p:sp>
+        <p:nvSpPr>
+          <p:cNvPr id="2" name="Title 1">
+            <a:extLst>
+              <a:ext uri="{FF2B5EF4-FFF2-40B4-BE49-F238E27FC236}">
+                <a16:creationId xmlns:a16="http://schemas.microsoft.com/office/drawing/2014/main" id="{9EFB96E5-9971-2397-A8C9-BE2450FF40A8}"/>
+              </a:ext>
+            </a:extLst>
+          </p:cNvPr>
+          <p:cNvSpPr>
+            <a:spLocks noGrp="1"/>
+          </p:cNvSpPr>
+          <p:nvPr>
+            <p:ph type="title"/>
+          </p:nvPr>
+        </p:nvSpPr>
+        <p:spPr/>
+        <p:txBody>
+          <a:bodyPr/>
+          <a:lstStyle/>
+          <a:p>
+            <a:r>
+              <a:rPr lang="en-US" dirty="0"/>
+              <a:t>Project Section</a:t>
+            </a:r>
+          </a:p>
+        </p:txBody>
+      </p:sp>
+      <p:sp>
+        <p:nvSpPr>
+          <p:cNvPr id="3" name="Content Placeholder 2">
+            <a:extLst>
+              <a:ext uri="{FF2B5EF4-FFF2-40B4-BE49-F238E27FC236}">
+                <a16:creationId xmlns:a16="http://schemas.microsoft.com/office/drawing/2014/main" id="{517CE673-42BE-8B1F-336F-4C5B150925D6}"/>
+              </a:ext>
+            </a:extLst>
+          </p:cNvPr>
+          <p:cNvSpPr>
+            <a:spLocks noGrp="1"/>
+          </p:cNvSpPr>
+          <p:nvPr>
+            <p:ph idx="1"/>
+          </p:nvPr>
+        </p:nvSpPr>
+        <p:spPr/>
+        <p:txBody>
+          <a:bodyPr/>
+          <a:lstStyle/>
+          <a:p>
+            <a:pPr marL="0" indent="0">
+              <a:buNone/>
+            </a:pPr>
+            <a:r>
+              <a:rPr lang="en-US" dirty="0"/>
+              <a:t>S1 – Project Introduction</a:t>
+            </a:r>
+          </a:p>
+          <a:p>
+            <a:pPr marL="0" indent="0">
+              <a:buNone/>
+            </a:pPr>
+            <a:r>
+              <a:rPr lang="en-US" dirty="0"/>
+              <a:t>S2 – Express &amp; Jade Template Setup</a:t>
+            </a:r>
+          </a:p>
+          <a:p>
+            <a:pPr marL="0" indent="0">
+              <a:buNone/>
+            </a:pPr>
+            <a:r>
+              <a:rPr lang="en-US" dirty="0"/>
+              <a:t>S3 – Page Routes &amp; Views</a:t>
+            </a:r>
+          </a:p>
+          <a:p>
+            <a:pPr marL="0" indent="0">
+              <a:buNone/>
+            </a:pPr>
+            <a:r>
+              <a:rPr lang="en-US" dirty="0"/>
+              <a:t>S4 – </a:t>
+            </a:r>
+            <a:r>
+              <a:rPr lang="en-US" dirty="0" err="1"/>
+              <a:t>Nodemailer</a:t>
+            </a:r>
+            <a:r>
+              <a:rPr lang="en-US" dirty="0"/>
+              <a:t> Setup</a:t>
+            </a:r>
+          </a:p>
+        </p:txBody>
+      </p:sp>
+    </p:spTree>
+    <p:extLst>
+      <p:ext uri="{BB962C8B-B14F-4D97-AF65-F5344CB8AC3E}">
+        <p14:creationId xmlns:p14="http://schemas.microsoft.com/office/powerpoint/2010/main" val="2172014658"/>
+      </p:ext>
+    </p:extLst>
+  </p:cSld>
+  <p:clrMapOvr>
+    <a:masterClrMapping/>
+  </p:clrMapOvr>
+</p:sld>
+</file>
+
+<file path=ppt/slides/slide57.xml><?xml version="1.0" encoding="utf-8"?>
+<p:sld xmlns:a="http://schemas.openxmlformats.org/drawingml/2006/main" xmlns:r="http://schemas.openxmlformats.org/officeDocument/2006/relationships" xmlns:p="http://schemas.openxmlformats.org/presentationml/2006/main">
+  <p:cSld>
+    <p:spTree>
+      <p:nvGrpSpPr>
+        <p:cNvPr id="1" name=""/>
+        <p:cNvGrpSpPr/>
+        <p:nvPr/>
+      </p:nvGrpSpPr>
+      <p:grpSpPr>
+        <a:xfrm>
+          <a:off x="0" y="0"/>
+          <a:ext cx="0" cy="0"/>
+          <a:chOff x="0" y="0"/>
+          <a:chExt cx="0" cy="0"/>
+        </a:xfrm>
+      </p:grpSpPr>
+      <p:sp>
+        <p:nvSpPr>
+          <p:cNvPr id="2" name="Title 1">
+            <a:extLst>
+              <a:ext uri="{FF2B5EF4-FFF2-40B4-BE49-F238E27FC236}">
+                <a16:creationId xmlns:a16="http://schemas.microsoft.com/office/drawing/2014/main" id="{35FD428C-E9E6-7FF7-3CDE-5C2FFF7DB312}"/>
+              </a:ext>
+            </a:extLst>
+          </p:cNvPr>
+          <p:cNvSpPr>
+            <a:spLocks noGrp="1"/>
+          </p:cNvSpPr>
+          <p:nvPr>
+            <p:ph type="title"/>
+          </p:nvPr>
+        </p:nvSpPr>
+        <p:spPr/>
+        <p:txBody>
+          <a:bodyPr/>
+          <a:lstStyle/>
+          <a:p>
+            <a:r>
+              <a:rPr lang="en-US" dirty="0"/>
+              <a:t>We will Learn</a:t>
+            </a:r>
+          </a:p>
+        </p:txBody>
+      </p:sp>
+      <p:sp>
+        <p:nvSpPr>
+          <p:cNvPr id="3" name="Content Placeholder 2">
+            <a:extLst>
+              <a:ext uri="{FF2B5EF4-FFF2-40B4-BE49-F238E27FC236}">
+                <a16:creationId xmlns:a16="http://schemas.microsoft.com/office/drawing/2014/main" id="{D1A19DB1-AC2B-261F-14B0-F095B4E83D2F}"/>
+              </a:ext>
+            </a:extLst>
+          </p:cNvPr>
+          <p:cNvSpPr>
+            <a:spLocks noGrp="1"/>
+          </p:cNvSpPr>
+          <p:nvPr>
+            <p:ph idx="1"/>
+          </p:nvPr>
+        </p:nvSpPr>
+        <p:spPr/>
+        <p:txBody>
+          <a:bodyPr>
+            <a:normAutofit/>
+          </a:bodyPr>
+          <a:lstStyle/>
+          <a:p>
+            <a:r>
+              <a:rPr lang="en-US" sz="4800" dirty="0"/>
+              <a:t>How to setup a full basic express website with multiple pages, a template and a working contact form.</a:t>
+            </a:r>
+          </a:p>
+        </p:txBody>
+      </p:sp>
+    </p:spTree>
+    <p:extLst>
+      <p:ext uri="{BB962C8B-B14F-4D97-AF65-F5344CB8AC3E}">
+        <p14:creationId xmlns:p14="http://schemas.microsoft.com/office/powerpoint/2010/main" val="548838419"/>
       </p:ext>
     </p:extLst>
   </p:cSld>

--- a/What is Node.pptx
+++ b/What is Node.pptx
@@ -56,12 +56,15 @@
     <p:sldId id="304" r:id="rId50"/>
     <p:sldId id="305" r:id="rId51"/>
     <p:sldId id="306" r:id="rId52"/>
-    <p:sldId id="307" r:id="rId53"/>
-    <p:sldId id="308" r:id="rId54"/>
-    <p:sldId id="309" r:id="rId55"/>
-    <p:sldId id="310" r:id="rId56"/>
-    <p:sldId id="311" r:id="rId57"/>
-    <p:sldId id="312" r:id="rId58"/>
+    <p:sldId id="314" r:id="rId53"/>
+    <p:sldId id="307" r:id="rId54"/>
+    <p:sldId id="315" r:id="rId55"/>
+    <p:sldId id="308" r:id="rId56"/>
+    <p:sldId id="309" r:id="rId57"/>
+    <p:sldId id="310" r:id="rId58"/>
+    <p:sldId id="311" r:id="rId59"/>
+    <p:sldId id="312" r:id="rId60"/>
+    <p:sldId id="313" r:id="rId61"/>
   </p:sldIdLst>
   <p:sldSz cx="12192000" cy="6858000"/>
   <p:notesSz cx="6858000" cy="9144000"/>
@@ -512,7 +515,7 @@
           <a:p>
             <a:fld id="{C452295A-2B17-4FE0-84DB-F0699F4DDF23}" type="datetimeFigureOut">
               <a:rPr lang="en-US" smtClean="0"/>
-              <a:t>12/14/2022</a:t>
+              <a:t>12/23/2022</a:t>
             </a:fld>
             <a:endParaRPr lang="en-US"/>
           </a:p>
@@ -710,7 +713,7 @@
           <a:p>
             <a:fld id="{C452295A-2B17-4FE0-84DB-F0699F4DDF23}" type="datetimeFigureOut">
               <a:rPr lang="en-US" smtClean="0"/>
-              <a:t>12/14/2022</a:t>
+              <a:t>12/23/2022</a:t>
             </a:fld>
             <a:endParaRPr lang="en-US"/>
           </a:p>
@@ -918,7 +921,7 @@
           <a:p>
             <a:fld id="{C452295A-2B17-4FE0-84DB-F0699F4DDF23}" type="datetimeFigureOut">
               <a:rPr lang="en-US" smtClean="0"/>
-              <a:t>12/14/2022</a:t>
+              <a:t>12/23/2022</a:t>
             </a:fld>
             <a:endParaRPr lang="en-US"/>
           </a:p>
@@ -1116,7 +1119,7 @@
           <a:p>
             <a:fld id="{C452295A-2B17-4FE0-84DB-F0699F4DDF23}" type="datetimeFigureOut">
               <a:rPr lang="en-US" smtClean="0"/>
-              <a:t>12/14/2022</a:t>
+              <a:t>12/23/2022</a:t>
             </a:fld>
             <a:endParaRPr lang="en-US"/>
           </a:p>
@@ -1391,7 +1394,7 @@
           <a:p>
             <a:fld id="{C452295A-2B17-4FE0-84DB-F0699F4DDF23}" type="datetimeFigureOut">
               <a:rPr lang="en-US" smtClean="0"/>
-              <a:t>12/14/2022</a:t>
+              <a:t>12/23/2022</a:t>
             </a:fld>
             <a:endParaRPr lang="en-US"/>
           </a:p>
@@ -1656,7 +1659,7 @@
           <a:p>
             <a:fld id="{C452295A-2B17-4FE0-84DB-F0699F4DDF23}" type="datetimeFigureOut">
               <a:rPr lang="en-US" smtClean="0"/>
-              <a:t>12/14/2022</a:t>
+              <a:t>12/23/2022</a:t>
             </a:fld>
             <a:endParaRPr lang="en-US"/>
           </a:p>
@@ -2068,7 +2071,7 @@
           <a:p>
             <a:fld id="{C452295A-2B17-4FE0-84DB-F0699F4DDF23}" type="datetimeFigureOut">
               <a:rPr lang="en-US" smtClean="0"/>
-              <a:t>12/14/2022</a:t>
+              <a:t>12/23/2022</a:t>
             </a:fld>
             <a:endParaRPr lang="en-US"/>
           </a:p>
@@ -2209,7 +2212,7 @@
           <a:p>
             <a:fld id="{C452295A-2B17-4FE0-84DB-F0699F4DDF23}" type="datetimeFigureOut">
               <a:rPr lang="en-US" smtClean="0"/>
-              <a:t>12/14/2022</a:t>
+              <a:t>12/23/2022</a:t>
             </a:fld>
             <a:endParaRPr lang="en-US"/>
           </a:p>
@@ -2322,7 +2325,7 @@
           <a:p>
             <a:fld id="{C452295A-2B17-4FE0-84DB-F0699F4DDF23}" type="datetimeFigureOut">
               <a:rPr lang="en-US" smtClean="0"/>
-              <a:t>12/14/2022</a:t>
+              <a:t>12/23/2022</a:t>
             </a:fld>
             <a:endParaRPr lang="en-US"/>
           </a:p>
@@ -2633,7 +2636,7 @@
           <a:p>
             <a:fld id="{C452295A-2B17-4FE0-84DB-F0699F4DDF23}" type="datetimeFigureOut">
               <a:rPr lang="en-US" smtClean="0"/>
-              <a:t>12/14/2022</a:t>
+              <a:t>12/23/2022</a:t>
             </a:fld>
             <a:endParaRPr lang="en-US"/>
           </a:p>
@@ -2921,7 +2924,7 @@
           <a:p>
             <a:fld id="{C452295A-2B17-4FE0-84DB-F0699F4DDF23}" type="datetimeFigureOut">
               <a:rPr lang="en-US" smtClean="0"/>
-              <a:t>12/14/2022</a:t>
+              <a:t>12/23/2022</a:t>
             </a:fld>
             <a:endParaRPr lang="en-US"/>
           </a:p>
@@ -3162,7 +3165,7 @@
           <a:p>
             <a:fld id="{C452295A-2B17-4FE0-84DB-F0699F4DDF23}" type="datetimeFigureOut">
               <a:rPr lang="en-US" smtClean="0"/>
-              <a:t>12/14/2022</a:t>
+              <a:t>12/23/2022</a:t>
             </a:fld>
             <a:endParaRPr lang="en-US"/>
           </a:p>
@@ -24210,12 +24213,14 @@
         </p:nvSpPr>
         <p:spPr>
           <a:xfrm>
-            <a:off x="838200" y="365125"/>
+            <a:off x="1049216" y="813771"/>
             <a:ext cx="10515600" cy="5230457"/>
           </a:xfrm>
         </p:spPr>
         <p:txBody>
-          <a:bodyPr/>
+          <a:bodyPr>
+            <a:normAutofit fontScale="90000"/>
+          </a:bodyPr>
           <a:lstStyle/>
           <a:p>
             <a:r>
@@ -24243,6 +24248,51 @@
               <a:rPr lang="en-US" dirty="0"/>
               <a:t>Storing Data in Files Via the Model</a:t>
             </a:r>
+            <a:br>
+              <a:rPr lang="en-US" dirty="0"/>
+            </a:br>
+            <a:br>
+              <a:rPr lang="en-US" dirty="0"/>
+            </a:br>
+            <a:r>
+              <a:rPr lang="en-US" dirty="0"/>
+              <a:t>Registering the Routes</a:t>
+            </a:r>
+            <a:br>
+              <a:rPr lang="en-US" dirty="0"/>
+            </a:br>
+            <a:r>
+              <a:rPr lang="en-US" dirty="0"/>
+              <a:t>Storing Product Data</a:t>
+            </a:r>
+            <a:br>
+              <a:rPr lang="en-US" dirty="0"/>
+            </a:br>
+            <a:r>
+              <a:rPr lang="en-US" dirty="0"/>
+              <a:t>Displaying Product Data</a:t>
+            </a:r>
+            <a:br>
+              <a:rPr lang="en-US" dirty="0"/>
+            </a:br>
+            <a:r>
+              <a:rPr lang="en-US" dirty="0"/>
+              <a:t>editing &amp; deleting Products</a:t>
+            </a:r>
+            <a:br>
+              <a:rPr lang="en-US" dirty="0"/>
+            </a:br>
+            <a:r>
+              <a:rPr lang="en-US" dirty="0"/>
+              <a:t>Adding another items</a:t>
+            </a:r>
+            <a:br>
+              <a:rPr lang="en-US" dirty="0"/>
+            </a:br>
+            <a:br>
+              <a:rPr lang="en-US" dirty="0"/>
+            </a:br>
+            <a:endParaRPr lang="en-US" dirty="0"/>
           </a:p>
         </p:txBody>
       </p:sp>
@@ -24281,7 +24331,7 @@
           <p:cNvPr id="2" name="Title 1">
             <a:extLst>
               <a:ext uri="{FF2B5EF4-FFF2-40B4-BE49-F238E27FC236}">
-                <a16:creationId xmlns:a16="http://schemas.microsoft.com/office/drawing/2014/main" id="{570DAC4D-CFA2-690C-AAEC-6DD3F9E85EC8}"/>
+                <a16:creationId xmlns:a16="http://schemas.microsoft.com/office/drawing/2014/main" id="{6313625F-45A9-D2DF-0FE9-48A65D1DAEB1}"/>
               </a:ext>
             </a:extLst>
           </p:cNvPr>
@@ -24292,74 +24342,103 @@
             <p:ph type="title"/>
           </p:nvPr>
         </p:nvSpPr>
-        <p:spPr/>
-        <p:txBody>
-          <a:bodyPr/>
-          <a:lstStyle/>
-          <a:p>
-            <a:r>
-              <a:rPr lang="en-US" dirty="0"/>
-              <a:t>Project Description &amp; Features - 1</a:t>
-            </a:r>
-          </a:p>
-        </p:txBody>
-      </p:sp>
-      <p:sp>
-        <p:nvSpPr>
-          <p:cNvPr id="3" name="Content Placeholder 2">
-            <a:extLst>
-              <a:ext uri="{FF2B5EF4-FFF2-40B4-BE49-F238E27FC236}">
-                <a16:creationId xmlns:a16="http://schemas.microsoft.com/office/drawing/2014/main" id="{17C17956-2835-AEF2-2F71-18A801C42359}"/>
-              </a:ext>
-            </a:extLst>
-          </p:cNvPr>
-          <p:cNvSpPr>
-            <a:spLocks noGrp="1"/>
-          </p:cNvSpPr>
-          <p:nvPr>
-            <p:ph idx="1"/>
-          </p:nvPr>
-        </p:nvSpPr>
-        <p:spPr/>
-        <p:txBody>
-          <a:bodyPr/>
-          <a:lstStyle/>
-          <a:p>
-            <a:r>
-              <a:rPr lang="en-US" dirty="0"/>
-              <a:t>Installing &amp; setting up Node.js</a:t>
-            </a:r>
-          </a:p>
-          <a:p>
-            <a:r>
-              <a:rPr lang="en-US" dirty="0"/>
-              <a:t>Nodejs.org code</a:t>
-            </a:r>
-          </a:p>
-          <a:p>
-            <a:r>
-              <a:rPr lang="en-US" dirty="0"/>
-              <a:t>Handling HTTP Requests</a:t>
-            </a:r>
-          </a:p>
-          <a:p>
-            <a:r>
-              <a:rPr lang="en-US" dirty="0"/>
-              <a:t>NPM/Modules</a:t>
-            </a:r>
-          </a:p>
-          <a:p>
-            <a:r>
-              <a:rPr lang="en-US" dirty="0"/>
-              <a:t>Serving HTML Files</a:t>
-            </a:r>
+        <p:spPr>
+          <a:xfrm>
+            <a:off x="838200" y="365125"/>
+            <a:ext cx="10515600" cy="6035675"/>
+          </a:xfrm>
+        </p:spPr>
+        <p:txBody>
+          <a:bodyPr>
+            <a:normAutofit fontScale="90000"/>
+          </a:bodyPr>
+          <a:lstStyle/>
+          <a:p>
+            <a:r>
+              <a:rPr lang="en-US" dirty="0"/>
+              <a:t>Dynamic Routes &amp; Advanced Models</a:t>
+            </a:r>
+            <a:br>
+              <a:rPr lang="en-US" dirty="0"/>
+            </a:br>
+            <a:r>
+              <a:rPr lang="en-US" dirty="0"/>
+              <a:t>1. Adding the Product ID to the Path</a:t>
+            </a:r>
+            <a:br>
+              <a:rPr lang="en-US" dirty="0"/>
+            </a:br>
+            <a:r>
+              <a:rPr lang="en-US" dirty="0"/>
+              <a:t>2. extracting dynamic params</a:t>
+            </a:r>
+            <a:br>
+              <a:rPr lang="en-US" dirty="0"/>
+            </a:br>
+            <a:r>
+              <a:rPr lang="en-US" dirty="0"/>
+              <a:t>3. loading product detail data</a:t>
+            </a:r>
+            <a:br>
+              <a:rPr lang="en-US" dirty="0"/>
+            </a:br>
+            <a:r>
+              <a:rPr lang="en-US" dirty="0"/>
+              <a:t>4. shop.js me display product</a:t>
+            </a:r>
+            <a:br>
+              <a:rPr lang="en-US" dirty="0"/>
+            </a:br>
+            <a:r>
+              <a:rPr lang="en-US" dirty="0"/>
+              <a:t>5. Passing data with POST Requests.</a:t>
+            </a:r>
+            <a:br>
+              <a:rPr lang="en-US" dirty="0"/>
+            </a:br>
+            <a:r>
+              <a:rPr lang="en-US" dirty="0"/>
+              <a:t>6. Adding a Cart Model</a:t>
+            </a:r>
+            <a:br>
+              <a:rPr lang="en-US" dirty="0"/>
+            </a:br>
+            <a:r>
+              <a:rPr lang="en-US" dirty="0"/>
+              <a:t>7. Using Query Params</a:t>
+            </a:r>
+            <a:br>
+              <a:rPr lang="en-US" dirty="0"/>
+            </a:br>
+            <a:r>
+              <a:rPr lang="en-US" dirty="0"/>
+              <a:t>8. Pre-Populating the edit product page with data</a:t>
+            </a:r>
+            <a:br>
+              <a:rPr lang="en-US" dirty="0"/>
+            </a:br>
+            <a:r>
+              <a:rPr lang="en-US" dirty="0"/>
+              <a:t>9. Linking to the Edit Page.</a:t>
+            </a:r>
+            <a:br>
+              <a:rPr lang="en-US" dirty="0"/>
+            </a:br>
+            <a:r>
+              <a:rPr lang="en-US" dirty="0"/>
+              <a:t>10. Editing the Product Data</a:t>
+            </a:r>
+            <a:br>
+              <a:rPr lang="en-US" dirty="0"/>
+            </a:br>
+            <a:endParaRPr lang="en-US" dirty="0"/>
           </a:p>
         </p:txBody>
       </p:sp>
     </p:spTree>
     <p:extLst>
       <p:ext uri="{BB962C8B-B14F-4D97-AF65-F5344CB8AC3E}">
-        <p14:creationId xmlns:p14="http://schemas.microsoft.com/office/powerpoint/2010/main" val="1787319952"/>
+        <p14:creationId xmlns:p14="http://schemas.microsoft.com/office/powerpoint/2010/main" val="3746059704"/>
       </p:ext>
     </p:extLst>
   </p:cSld>
@@ -24391,7 +24470,7 @@
           <p:cNvPr id="2" name="Title 1">
             <a:extLst>
               <a:ext uri="{FF2B5EF4-FFF2-40B4-BE49-F238E27FC236}">
-                <a16:creationId xmlns:a16="http://schemas.microsoft.com/office/drawing/2014/main" id="{F85A2DF8-E93D-713B-4B0B-2B47ED605ADF}"/>
+                <a16:creationId xmlns:a16="http://schemas.microsoft.com/office/drawing/2014/main" id="{570DAC4D-CFA2-690C-AAEC-6DD3F9E85EC8}"/>
               </a:ext>
             </a:extLst>
           </p:cNvPr>
@@ -24409,7 +24488,7 @@
           <a:p>
             <a:r>
               <a:rPr lang="en-US" dirty="0"/>
-              <a:t>Project Sections</a:t>
+              <a:t>Project Description &amp; Features - 1</a:t>
             </a:r>
           </a:p>
         </p:txBody>
@@ -24419,7 +24498,7 @@
           <p:cNvPr id="3" name="Content Placeholder 2">
             <a:extLst>
               <a:ext uri="{FF2B5EF4-FFF2-40B4-BE49-F238E27FC236}">
-                <a16:creationId xmlns:a16="http://schemas.microsoft.com/office/drawing/2014/main" id="{9EDB89FB-24DC-7230-987A-B785C1A1D7A6}"/>
+                <a16:creationId xmlns:a16="http://schemas.microsoft.com/office/drawing/2014/main" id="{17C17956-2835-AEF2-2F71-18A801C42359}"/>
               </a:ext>
             </a:extLst>
           </p:cNvPr>
@@ -24437,25 +24516,31 @@
           <a:p>
             <a:r>
               <a:rPr lang="en-US" dirty="0"/>
-              <a:t>S1- Project Introduction</a:t>
-            </a:r>
-          </a:p>
-          <a:p>
-            <a:r>
-              <a:rPr lang="en-US" dirty="0"/>
-              <a:t>S2- Installing &amp; Setting Up Node.js</a:t>
-            </a:r>
-          </a:p>
-          <a:p>
-            <a:r>
-              <a:rPr lang="en-US" dirty="0"/>
-              <a:t>S3- NPM &amp; Basic HTTP Server</a:t>
-            </a:r>
-          </a:p>
-          <a:p>
-            <a:r>
-              <a:rPr lang="en-US" dirty="0"/>
-              <a:t>S4- Serving HTML Files</a:t>
+              <a:t>Installing &amp; setting up Node.js</a:t>
+            </a:r>
+          </a:p>
+          <a:p>
+            <a:r>
+              <a:rPr lang="en-US" dirty="0"/>
+              <a:t>Nodejs.org code</a:t>
+            </a:r>
+          </a:p>
+          <a:p>
+            <a:r>
+              <a:rPr lang="en-US" dirty="0"/>
+              <a:t>Handling HTTP Requests</a:t>
+            </a:r>
+          </a:p>
+          <a:p>
+            <a:r>
+              <a:rPr lang="en-US" dirty="0"/>
+              <a:t>NPM/Modules</a:t>
+            </a:r>
+          </a:p>
+          <a:p>
+            <a:r>
+              <a:rPr lang="en-US" dirty="0"/>
+              <a:t>Serving HTML Files</a:t>
             </a:r>
           </a:p>
         </p:txBody>
@@ -24463,7 +24548,7 @@
     </p:spTree>
     <p:extLst>
       <p:ext uri="{BB962C8B-B14F-4D97-AF65-F5344CB8AC3E}">
-        <p14:creationId xmlns:p14="http://schemas.microsoft.com/office/powerpoint/2010/main" val="1985724712"/>
+        <p14:creationId xmlns:p14="http://schemas.microsoft.com/office/powerpoint/2010/main" val="1787319952"/>
       </p:ext>
     </p:extLst>
   </p:cSld>
@@ -24492,68 +24577,2007 @@
       </p:grpSpPr>
       <p:sp>
         <p:nvSpPr>
-          <p:cNvPr id="2" name="Title 1">
-            <a:extLst>
-              <a:ext uri="{FF2B5EF4-FFF2-40B4-BE49-F238E27FC236}">
-                <a16:creationId xmlns:a16="http://schemas.microsoft.com/office/drawing/2014/main" id="{C7DD1871-1D4E-1B49-7C0D-7FF851C79FC7}"/>
-              </a:ext>
-            </a:extLst>
-          </p:cNvPr>
-          <p:cNvSpPr>
-            <a:spLocks noGrp="1"/>
-          </p:cNvSpPr>
-          <p:nvPr>
-            <p:ph type="title"/>
-          </p:nvPr>
-        </p:nvSpPr>
-        <p:spPr/>
-        <p:txBody>
-          <a:bodyPr/>
-          <a:lstStyle/>
-          <a:p>
-            <a:r>
-              <a:rPr lang="en-US" dirty="0"/>
-              <a:t>We Learn</a:t>
-            </a:r>
-          </a:p>
-        </p:txBody>
-      </p:sp>
-      <p:sp>
-        <p:nvSpPr>
-          <p:cNvPr id="3" name="Content Placeholder 2">
-            <a:extLst>
-              <a:ext uri="{FF2B5EF4-FFF2-40B4-BE49-F238E27FC236}">
-                <a16:creationId xmlns:a16="http://schemas.microsoft.com/office/drawing/2014/main" id="{B16FEFAD-05E1-14E8-FC1A-C2A6BA94C43E}"/>
-              </a:ext>
-            </a:extLst>
-          </p:cNvPr>
-          <p:cNvSpPr>
-            <a:spLocks noGrp="1"/>
-          </p:cNvSpPr>
-          <p:nvPr>
-            <p:ph idx="1"/>
-          </p:nvPr>
-        </p:nvSpPr>
-        <p:spPr/>
-        <p:txBody>
-          <a:bodyPr/>
-          <a:lstStyle/>
-          <a:p>
-            <a:r>
-              <a:rPr lang="en-US" dirty="0"/>
-              <a:t>How to get Node.js up and running on our localhost.</a:t>
-            </a:r>
-          </a:p>
-          <a:p>
-            <a:r>
-              <a:rPr lang="en-US" dirty="0"/>
-              <a:t>How to handle HTTP requests/responses</a:t>
-            </a:r>
-          </a:p>
-          <a:p>
-            <a:r>
-              <a:rPr lang="en-US" dirty="0"/>
-              <a:t>Serve a webpage through a browser</a:t>
+          <p:cNvPr id="4" name="Smiley Face 3">
+            <a:extLst>
+              <a:ext uri="{FF2B5EF4-FFF2-40B4-BE49-F238E27FC236}">
+                <a16:creationId xmlns:a16="http://schemas.microsoft.com/office/drawing/2014/main" id="{535FDFC1-B8C4-D8E0-442D-97E84A72A065}"/>
+              </a:ext>
+            </a:extLst>
+          </p:cNvPr>
+          <p:cNvSpPr/>
+          <p:nvPr/>
+        </p:nvSpPr>
+        <p:spPr>
+          <a:xfrm>
+            <a:off x="532263" y="1992573"/>
+            <a:ext cx="1678674" cy="1269242"/>
+          </a:xfrm>
+          <a:prstGeom prst="smileyFace">
+            <a:avLst/>
+          </a:prstGeom>
+        </p:spPr>
+        <p:style>
+          <a:lnRef idx="2">
+            <a:schemeClr val="accent1">
+              <a:shade val="50000"/>
+            </a:schemeClr>
+          </a:lnRef>
+          <a:fillRef idx="1">
+            <a:schemeClr val="accent1"/>
+          </a:fillRef>
+          <a:effectRef idx="0">
+            <a:schemeClr val="accent1"/>
+          </a:effectRef>
+          <a:fontRef idx="minor">
+            <a:schemeClr val="lt1"/>
+          </a:fontRef>
+        </p:style>
+        <p:txBody>
+          <a:bodyPr rtlCol="0" anchor="ctr"/>
+          <a:lstStyle/>
+          <a:p>
+            <a:pPr algn="ctr"/>
+            <a:r>
+              <a:rPr lang="en-US" dirty="0"/>
+              <a:t>CLIENT</a:t>
+            </a:r>
+          </a:p>
+        </p:txBody>
+      </p:sp>
+      <p:sp>
+        <p:nvSpPr>
+          <p:cNvPr id="5" name="Arrow: Right 4">
+            <a:extLst>
+              <a:ext uri="{FF2B5EF4-FFF2-40B4-BE49-F238E27FC236}">
+                <a16:creationId xmlns:a16="http://schemas.microsoft.com/office/drawing/2014/main" id="{E526CF1C-2247-44FB-3775-15B070F29A2C}"/>
+              </a:ext>
+            </a:extLst>
+          </p:cNvPr>
+          <p:cNvSpPr/>
+          <p:nvPr/>
+        </p:nvSpPr>
+        <p:spPr>
+          <a:xfrm>
+            <a:off x="2456597" y="1869743"/>
+            <a:ext cx="1351128" cy="409433"/>
+          </a:xfrm>
+          <a:prstGeom prst="rightArrow">
+            <a:avLst/>
+          </a:prstGeom>
+        </p:spPr>
+        <p:style>
+          <a:lnRef idx="2">
+            <a:schemeClr val="accent1">
+              <a:shade val="50000"/>
+            </a:schemeClr>
+          </a:lnRef>
+          <a:fillRef idx="1">
+            <a:schemeClr val="accent1"/>
+          </a:fillRef>
+          <a:effectRef idx="0">
+            <a:schemeClr val="accent1"/>
+          </a:effectRef>
+          <a:fontRef idx="minor">
+            <a:schemeClr val="lt1"/>
+          </a:fontRef>
+        </p:style>
+        <p:txBody>
+          <a:bodyPr rtlCol="0" anchor="ctr"/>
+          <a:lstStyle/>
+          <a:p>
+            <a:pPr algn="ctr"/>
+            <a:endParaRPr lang="en-US"/>
+          </a:p>
+        </p:txBody>
+      </p:sp>
+      <p:sp>
+        <p:nvSpPr>
+          <p:cNvPr id="6" name="Arrow: Right 5">
+            <a:extLst>
+              <a:ext uri="{FF2B5EF4-FFF2-40B4-BE49-F238E27FC236}">
+                <a16:creationId xmlns:a16="http://schemas.microsoft.com/office/drawing/2014/main" id="{13F33243-4DC7-547B-1506-0307C20B0949}"/>
+              </a:ext>
+            </a:extLst>
+          </p:cNvPr>
+          <p:cNvSpPr/>
+          <p:nvPr/>
+        </p:nvSpPr>
+        <p:spPr>
+          <a:xfrm rot="10800000">
+            <a:off x="2456597" y="3057098"/>
+            <a:ext cx="1351128" cy="409433"/>
+          </a:xfrm>
+          <a:prstGeom prst="rightArrow">
+            <a:avLst/>
+          </a:prstGeom>
+        </p:spPr>
+        <p:style>
+          <a:lnRef idx="2">
+            <a:schemeClr val="accent1">
+              <a:shade val="50000"/>
+            </a:schemeClr>
+          </a:lnRef>
+          <a:fillRef idx="1">
+            <a:schemeClr val="accent1"/>
+          </a:fillRef>
+          <a:effectRef idx="0">
+            <a:schemeClr val="accent1"/>
+          </a:effectRef>
+          <a:fontRef idx="minor">
+            <a:schemeClr val="lt1"/>
+          </a:fontRef>
+        </p:style>
+        <p:txBody>
+          <a:bodyPr rtlCol="0" anchor="ctr"/>
+          <a:lstStyle/>
+          <a:p>
+            <a:pPr algn="ctr"/>
+            <a:endParaRPr lang="en-US"/>
+          </a:p>
+        </p:txBody>
+      </p:sp>
+      <p:sp>
+        <p:nvSpPr>
+          <p:cNvPr id="7" name="TextBox 6">
+            <a:extLst>
+              <a:ext uri="{FF2B5EF4-FFF2-40B4-BE49-F238E27FC236}">
+                <a16:creationId xmlns:a16="http://schemas.microsoft.com/office/drawing/2014/main" id="{EA443CBE-FE16-FC8A-2C6C-A3E3A0EE920C}"/>
+              </a:ext>
+            </a:extLst>
+          </p:cNvPr>
+          <p:cNvSpPr txBox="1"/>
+          <p:nvPr/>
+        </p:nvSpPr>
+        <p:spPr>
+          <a:xfrm>
+            <a:off x="2743200" y="1582295"/>
+            <a:ext cx="671979" cy="369332"/>
+          </a:xfrm>
+          <a:prstGeom prst="rect">
+            <a:avLst/>
+          </a:prstGeom>
+          <a:noFill/>
+        </p:spPr>
+        <p:txBody>
+          <a:bodyPr wrap="none" rtlCol="0">
+            <a:spAutoFit/>
+          </a:bodyPr>
+          <a:lstStyle/>
+          <a:p>
+            <a:r>
+              <a:rPr lang="en-US" dirty="0"/>
+              <a:t>POST</a:t>
+            </a:r>
+          </a:p>
+        </p:txBody>
+      </p:sp>
+      <p:sp>
+        <p:nvSpPr>
+          <p:cNvPr id="8" name="TextBox 7">
+            <a:extLst>
+              <a:ext uri="{FF2B5EF4-FFF2-40B4-BE49-F238E27FC236}">
+                <a16:creationId xmlns:a16="http://schemas.microsoft.com/office/drawing/2014/main" id="{CDE818EA-3CE5-24BB-B47D-E43DFB8E565D}"/>
+              </a:ext>
+            </a:extLst>
+          </p:cNvPr>
+          <p:cNvSpPr txBox="1"/>
+          <p:nvPr/>
+        </p:nvSpPr>
+        <p:spPr>
+          <a:xfrm>
+            <a:off x="2874469" y="3316404"/>
+            <a:ext cx="554960" cy="369332"/>
+          </a:xfrm>
+          <a:prstGeom prst="rect">
+            <a:avLst/>
+          </a:prstGeom>
+          <a:noFill/>
+        </p:spPr>
+        <p:txBody>
+          <a:bodyPr wrap="none" rtlCol="0">
+            <a:spAutoFit/>
+          </a:bodyPr>
+          <a:lstStyle/>
+          <a:p>
+            <a:r>
+              <a:rPr lang="en-US" dirty="0"/>
+              <a:t>GET</a:t>
+            </a:r>
+          </a:p>
+        </p:txBody>
+      </p:sp>
+      <p:sp>
+        <p:nvSpPr>
+          <p:cNvPr id="9" name="TextBox 8">
+            <a:extLst>
+              <a:ext uri="{FF2B5EF4-FFF2-40B4-BE49-F238E27FC236}">
+                <a16:creationId xmlns:a16="http://schemas.microsoft.com/office/drawing/2014/main" id="{84C55B51-068C-1050-0868-B1A36A250F99}"/>
+              </a:ext>
+            </a:extLst>
+          </p:cNvPr>
+          <p:cNvSpPr txBox="1"/>
+          <p:nvPr/>
+        </p:nvSpPr>
+        <p:spPr>
+          <a:xfrm>
+            <a:off x="2606724" y="2415653"/>
+            <a:ext cx="780919" cy="369332"/>
+          </a:xfrm>
+          <a:prstGeom prst="rect">
+            <a:avLst/>
+          </a:prstGeom>
+          <a:noFill/>
+        </p:spPr>
+        <p:txBody>
+          <a:bodyPr wrap="none" rtlCol="0">
+            <a:spAutoFit/>
+          </a:bodyPr>
+          <a:lstStyle/>
+          <a:p>
+            <a:r>
+              <a:rPr lang="en-US" dirty="0"/>
+              <a:t>HTTPS</a:t>
+            </a:r>
+          </a:p>
+        </p:txBody>
+      </p:sp>
+      <p:sp>
+        <p:nvSpPr>
+          <p:cNvPr id="10" name="Cylinder 9">
+            <a:extLst>
+              <a:ext uri="{FF2B5EF4-FFF2-40B4-BE49-F238E27FC236}">
+                <a16:creationId xmlns:a16="http://schemas.microsoft.com/office/drawing/2014/main" id="{EAE4E7F5-1D72-F6B2-A9F2-6685229141F2}"/>
+              </a:ext>
+            </a:extLst>
+          </p:cNvPr>
+          <p:cNvSpPr/>
+          <p:nvPr/>
+        </p:nvSpPr>
+        <p:spPr>
+          <a:xfrm>
+            <a:off x="4963730" y="1357527"/>
+            <a:ext cx="1678674" cy="2539329"/>
+          </a:xfrm>
+          <a:prstGeom prst="can">
+            <a:avLst/>
+          </a:prstGeom>
+        </p:spPr>
+        <p:style>
+          <a:lnRef idx="2">
+            <a:schemeClr val="accent1">
+              <a:shade val="50000"/>
+            </a:schemeClr>
+          </a:lnRef>
+          <a:fillRef idx="1">
+            <a:schemeClr val="accent1"/>
+          </a:fillRef>
+          <a:effectRef idx="0">
+            <a:schemeClr val="accent1"/>
+          </a:effectRef>
+          <a:fontRef idx="minor">
+            <a:schemeClr val="lt1"/>
+          </a:fontRef>
+        </p:style>
+        <p:txBody>
+          <a:bodyPr rtlCol="0" anchor="ctr"/>
+          <a:lstStyle/>
+          <a:p>
+            <a:pPr algn="ctr"/>
+            <a:r>
+              <a:rPr lang="en-US" dirty="0"/>
+              <a:t>SERVER</a:t>
+            </a:r>
+          </a:p>
+          <a:p>
+            <a:pPr algn="ctr"/>
+            <a:endParaRPr lang="en-US" dirty="0"/>
+          </a:p>
+          <a:p>
+            <a:pPr algn="ctr"/>
+            <a:r>
+              <a:rPr lang="en-US" dirty="0"/>
+              <a:t>APP.JS</a:t>
+            </a:r>
+          </a:p>
+        </p:txBody>
+      </p:sp>
+      <p:sp>
+        <p:nvSpPr>
+          <p:cNvPr id="11" name="TextBox 10">
+            <a:extLst>
+              <a:ext uri="{FF2B5EF4-FFF2-40B4-BE49-F238E27FC236}">
+                <a16:creationId xmlns:a16="http://schemas.microsoft.com/office/drawing/2014/main" id="{D742C14F-27F0-72B6-96D3-6BA3B11FC7B1}"/>
+              </a:ext>
+            </a:extLst>
+          </p:cNvPr>
+          <p:cNvSpPr txBox="1"/>
+          <p:nvPr/>
+        </p:nvSpPr>
+        <p:spPr>
+          <a:xfrm>
+            <a:off x="7014949" y="1009934"/>
+            <a:ext cx="1086451" cy="369332"/>
+          </a:xfrm>
+          <a:prstGeom prst="rect">
+            <a:avLst/>
+          </a:prstGeom>
+          <a:noFill/>
+        </p:spPr>
+        <p:txBody>
+          <a:bodyPr wrap="none" rtlCol="0">
+            <a:spAutoFit/>
+          </a:bodyPr>
+          <a:lstStyle/>
+          <a:p>
+            <a:r>
+              <a:rPr lang="en-US" dirty="0"/>
+              <a:t>BACKEND</a:t>
+            </a:r>
+          </a:p>
+        </p:txBody>
+      </p:sp>
+      <p:sp>
+        <p:nvSpPr>
+          <p:cNvPr id="12" name="Rectangle 11">
+            <a:extLst>
+              <a:ext uri="{FF2B5EF4-FFF2-40B4-BE49-F238E27FC236}">
+                <a16:creationId xmlns:a16="http://schemas.microsoft.com/office/drawing/2014/main" id="{237CAC39-4956-D67F-2EA5-434DDD715112}"/>
+              </a:ext>
+            </a:extLst>
+          </p:cNvPr>
+          <p:cNvSpPr/>
+          <p:nvPr/>
+        </p:nvSpPr>
+        <p:spPr>
+          <a:xfrm>
+            <a:off x="3993661" y="1616835"/>
+            <a:ext cx="736979" cy="2103441"/>
+          </a:xfrm>
+          <a:prstGeom prst="rect">
+            <a:avLst/>
+          </a:prstGeom>
+        </p:spPr>
+        <p:style>
+          <a:lnRef idx="2">
+            <a:schemeClr val="accent1">
+              <a:shade val="50000"/>
+            </a:schemeClr>
+          </a:lnRef>
+          <a:fillRef idx="1">
+            <a:schemeClr val="accent1"/>
+          </a:fillRef>
+          <a:effectRef idx="0">
+            <a:schemeClr val="accent1"/>
+          </a:effectRef>
+          <a:fontRef idx="minor">
+            <a:schemeClr val="lt1"/>
+          </a:fontRef>
+        </p:style>
+        <p:txBody>
+          <a:bodyPr rtlCol="0" anchor="ctr"/>
+          <a:lstStyle/>
+          <a:p>
+            <a:pPr algn="ctr"/>
+            <a:endParaRPr lang="en-US"/>
+          </a:p>
+        </p:txBody>
+      </p:sp>
+      <p:sp>
+        <p:nvSpPr>
+          <p:cNvPr id="13" name="TextBox 12">
+            <a:extLst>
+              <a:ext uri="{FF2B5EF4-FFF2-40B4-BE49-F238E27FC236}">
+                <a16:creationId xmlns:a16="http://schemas.microsoft.com/office/drawing/2014/main" id="{A5696521-C026-EB83-7998-0286DAFB9B8D}"/>
+              </a:ext>
+            </a:extLst>
+          </p:cNvPr>
+          <p:cNvSpPr txBox="1"/>
+          <p:nvPr/>
+        </p:nvSpPr>
+        <p:spPr>
+          <a:xfrm>
+            <a:off x="3746757" y="1044050"/>
+            <a:ext cx="1230786" cy="369332"/>
+          </a:xfrm>
+          <a:prstGeom prst="rect">
+            <a:avLst/>
+          </a:prstGeom>
+          <a:noFill/>
+        </p:spPr>
+        <p:txBody>
+          <a:bodyPr wrap="none" rtlCol="0">
+            <a:spAutoFit/>
+          </a:bodyPr>
+          <a:lstStyle/>
+          <a:p>
+            <a:r>
+              <a:rPr lang="en-US" dirty="0"/>
+              <a:t>FRONTEND</a:t>
+            </a:r>
+          </a:p>
+        </p:txBody>
+      </p:sp>
+      <p:sp>
+        <p:nvSpPr>
+          <p:cNvPr id="14" name="Rectangle: Rounded Corners 13">
+            <a:extLst>
+              <a:ext uri="{FF2B5EF4-FFF2-40B4-BE49-F238E27FC236}">
+                <a16:creationId xmlns:a16="http://schemas.microsoft.com/office/drawing/2014/main" id="{2B16FD27-A1DC-0730-C30E-7D5905BD7348}"/>
+              </a:ext>
+            </a:extLst>
+          </p:cNvPr>
+          <p:cNvSpPr/>
+          <p:nvPr/>
+        </p:nvSpPr>
+        <p:spPr>
+          <a:xfrm>
+            <a:off x="6875494" y="1413382"/>
+            <a:ext cx="5134536" cy="2272354"/>
+          </a:xfrm>
+          <a:prstGeom prst="roundRect">
+            <a:avLst/>
+          </a:prstGeom>
+          <a:noFill/>
+        </p:spPr>
+        <p:style>
+          <a:lnRef idx="2">
+            <a:schemeClr val="accent1">
+              <a:shade val="50000"/>
+            </a:schemeClr>
+          </a:lnRef>
+          <a:fillRef idx="1">
+            <a:schemeClr val="accent1"/>
+          </a:fillRef>
+          <a:effectRef idx="0">
+            <a:schemeClr val="accent1"/>
+          </a:effectRef>
+          <a:fontRef idx="minor">
+            <a:schemeClr val="lt1"/>
+          </a:fontRef>
+        </p:style>
+        <p:txBody>
+          <a:bodyPr rtlCol="0" anchor="ctr"/>
+          <a:lstStyle/>
+          <a:p>
+            <a:pPr algn="ctr"/>
+            <a:endParaRPr lang="en-US"/>
+          </a:p>
+        </p:txBody>
+      </p:sp>
+      <p:sp>
+        <p:nvSpPr>
+          <p:cNvPr id="15" name="TextBox 14">
+            <a:extLst>
+              <a:ext uri="{FF2B5EF4-FFF2-40B4-BE49-F238E27FC236}">
+                <a16:creationId xmlns:a16="http://schemas.microsoft.com/office/drawing/2014/main" id="{D86D1520-1964-561A-CB0C-1FDA534EDC0B}"/>
+              </a:ext>
+            </a:extLst>
+          </p:cNvPr>
+          <p:cNvSpPr txBox="1"/>
+          <p:nvPr/>
+        </p:nvSpPr>
+        <p:spPr>
+          <a:xfrm>
+            <a:off x="8816454" y="887104"/>
+            <a:ext cx="1160831" cy="369332"/>
+          </a:xfrm>
+          <a:prstGeom prst="rect">
+            <a:avLst/>
+          </a:prstGeom>
+          <a:noFill/>
+        </p:spPr>
+        <p:txBody>
+          <a:bodyPr wrap="none" rtlCol="0">
+            <a:spAutoFit/>
+          </a:bodyPr>
+          <a:lstStyle/>
+          <a:p>
+            <a:r>
+              <a:rPr lang="en-US" dirty="0"/>
+              <a:t>EXPRESSJS</a:t>
+            </a:r>
+          </a:p>
+        </p:txBody>
+      </p:sp>
+      <p:sp>
+        <p:nvSpPr>
+          <p:cNvPr id="16" name="Arrow: Right 15">
+            <a:extLst>
+              <a:ext uri="{FF2B5EF4-FFF2-40B4-BE49-F238E27FC236}">
+                <a16:creationId xmlns:a16="http://schemas.microsoft.com/office/drawing/2014/main" id="{F5399AE2-2CAD-2065-C1D2-D921C8AB880C}"/>
+              </a:ext>
+            </a:extLst>
+          </p:cNvPr>
+          <p:cNvSpPr/>
+          <p:nvPr/>
+        </p:nvSpPr>
+        <p:spPr>
+          <a:xfrm rot="10800000">
+            <a:off x="7013597" y="1951662"/>
+            <a:ext cx="1177359" cy="327549"/>
+          </a:xfrm>
+          <a:prstGeom prst="rightArrow">
+            <a:avLst/>
+          </a:prstGeom>
+        </p:spPr>
+        <p:style>
+          <a:lnRef idx="2">
+            <a:schemeClr val="accent1">
+              <a:shade val="50000"/>
+            </a:schemeClr>
+          </a:lnRef>
+          <a:fillRef idx="1">
+            <a:schemeClr val="accent1"/>
+          </a:fillRef>
+          <a:effectRef idx="0">
+            <a:schemeClr val="accent1"/>
+          </a:effectRef>
+          <a:fontRef idx="minor">
+            <a:schemeClr val="lt1"/>
+          </a:fontRef>
+        </p:style>
+        <p:txBody>
+          <a:bodyPr rtlCol="0" anchor="ctr"/>
+          <a:lstStyle/>
+          <a:p>
+            <a:pPr algn="ctr"/>
+            <a:endParaRPr lang="en-US"/>
+          </a:p>
+        </p:txBody>
+      </p:sp>
+      <p:sp>
+        <p:nvSpPr>
+          <p:cNvPr id="17" name="Arrow: Right 16">
+            <a:extLst>
+              <a:ext uri="{FF2B5EF4-FFF2-40B4-BE49-F238E27FC236}">
+                <a16:creationId xmlns:a16="http://schemas.microsoft.com/office/drawing/2014/main" id="{ED2F35B8-E236-1B86-82DC-DF9ABB4CFB7D}"/>
+              </a:ext>
+            </a:extLst>
+          </p:cNvPr>
+          <p:cNvSpPr/>
+          <p:nvPr/>
+        </p:nvSpPr>
+        <p:spPr>
+          <a:xfrm>
+            <a:off x="7271374" y="2705667"/>
+            <a:ext cx="1176006" cy="327549"/>
+          </a:xfrm>
+          <a:prstGeom prst="rightArrow">
+            <a:avLst/>
+          </a:prstGeom>
+        </p:spPr>
+        <p:style>
+          <a:lnRef idx="2">
+            <a:schemeClr val="accent1">
+              <a:shade val="50000"/>
+            </a:schemeClr>
+          </a:lnRef>
+          <a:fillRef idx="1">
+            <a:schemeClr val="accent1"/>
+          </a:fillRef>
+          <a:effectRef idx="0">
+            <a:schemeClr val="accent1"/>
+          </a:effectRef>
+          <a:fontRef idx="minor">
+            <a:schemeClr val="lt1"/>
+          </a:fontRef>
+        </p:style>
+        <p:txBody>
+          <a:bodyPr rtlCol="0" anchor="ctr"/>
+          <a:lstStyle/>
+          <a:p>
+            <a:pPr algn="ctr"/>
+            <a:endParaRPr lang="en-US"/>
+          </a:p>
+        </p:txBody>
+      </p:sp>
+      <p:sp>
+        <p:nvSpPr>
+          <p:cNvPr id="18" name="Arrow: Right 17">
+            <a:extLst>
+              <a:ext uri="{FF2B5EF4-FFF2-40B4-BE49-F238E27FC236}">
+                <a16:creationId xmlns:a16="http://schemas.microsoft.com/office/drawing/2014/main" id="{C9C41FFB-1A92-2812-B7F4-07C2333AD357}"/>
+              </a:ext>
+            </a:extLst>
+          </p:cNvPr>
+          <p:cNvSpPr/>
+          <p:nvPr/>
+        </p:nvSpPr>
+        <p:spPr>
+          <a:xfrm rot="10800000">
+            <a:off x="7077818" y="2934266"/>
+            <a:ext cx="1176006" cy="327549"/>
+          </a:xfrm>
+          <a:prstGeom prst="rightArrow">
+            <a:avLst/>
+          </a:prstGeom>
+        </p:spPr>
+        <p:style>
+          <a:lnRef idx="2">
+            <a:schemeClr val="accent1">
+              <a:shade val="50000"/>
+            </a:schemeClr>
+          </a:lnRef>
+          <a:fillRef idx="1">
+            <a:schemeClr val="accent1"/>
+          </a:fillRef>
+          <a:effectRef idx="0">
+            <a:schemeClr val="accent1"/>
+          </a:effectRef>
+          <a:fontRef idx="minor">
+            <a:schemeClr val="lt1"/>
+          </a:fontRef>
+        </p:style>
+        <p:txBody>
+          <a:bodyPr rtlCol="0" anchor="ctr"/>
+          <a:lstStyle/>
+          <a:p>
+            <a:pPr algn="ctr"/>
+            <a:endParaRPr lang="en-US"/>
+          </a:p>
+        </p:txBody>
+      </p:sp>
+      <p:sp>
+        <p:nvSpPr>
+          <p:cNvPr id="19" name="Arrow: Right 18">
+            <a:extLst>
+              <a:ext uri="{FF2B5EF4-FFF2-40B4-BE49-F238E27FC236}">
+                <a16:creationId xmlns:a16="http://schemas.microsoft.com/office/drawing/2014/main" id="{220CDB35-825A-3464-9EF8-762FBDCCB9F2}"/>
+              </a:ext>
+            </a:extLst>
+          </p:cNvPr>
+          <p:cNvSpPr/>
+          <p:nvPr/>
+        </p:nvSpPr>
+        <p:spPr>
+          <a:xfrm>
+            <a:off x="7271374" y="1705968"/>
+            <a:ext cx="1176006" cy="327549"/>
+          </a:xfrm>
+          <a:prstGeom prst="rightArrow">
+            <a:avLst/>
+          </a:prstGeom>
+        </p:spPr>
+        <p:style>
+          <a:lnRef idx="2">
+            <a:schemeClr val="accent1">
+              <a:shade val="50000"/>
+            </a:schemeClr>
+          </a:lnRef>
+          <a:fillRef idx="1">
+            <a:schemeClr val="accent1"/>
+          </a:fillRef>
+          <a:effectRef idx="0">
+            <a:schemeClr val="accent1"/>
+          </a:effectRef>
+          <a:fontRef idx="minor">
+            <a:schemeClr val="lt1"/>
+          </a:fontRef>
+        </p:style>
+        <p:txBody>
+          <a:bodyPr rtlCol="0" anchor="ctr"/>
+          <a:lstStyle/>
+          <a:p>
+            <a:pPr algn="ctr"/>
+            <a:endParaRPr lang="en-US"/>
+          </a:p>
+        </p:txBody>
+      </p:sp>
+      <p:sp>
+        <p:nvSpPr>
+          <p:cNvPr id="20" name="TextBox 19">
+            <a:extLst>
+              <a:ext uri="{FF2B5EF4-FFF2-40B4-BE49-F238E27FC236}">
+                <a16:creationId xmlns:a16="http://schemas.microsoft.com/office/drawing/2014/main" id="{67F50D19-AA2F-E4F5-5B7B-6671BD6FF045}"/>
+              </a:ext>
+            </a:extLst>
+          </p:cNvPr>
+          <p:cNvSpPr txBox="1"/>
+          <p:nvPr/>
+        </p:nvSpPr>
+        <p:spPr>
+          <a:xfrm>
+            <a:off x="7053741" y="1441520"/>
+            <a:ext cx="1047659" cy="369332"/>
+          </a:xfrm>
+          <a:prstGeom prst="rect">
+            <a:avLst/>
+          </a:prstGeom>
+          <a:noFill/>
+        </p:spPr>
+        <p:txBody>
+          <a:bodyPr wrap="none" rtlCol="0">
+            <a:spAutoFit/>
+          </a:bodyPr>
+          <a:lstStyle/>
+          <a:p>
+            <a:r>
+              <a:rPr lang="en-US" dirty="0"/>
+              <a:t>REQUEST</a:t>
+            </a:r>
+          </a:p>
+        </p:txBody>
+      </p:sp>
+      <p:sp>
+        <p:nvSpPr>
+          <p:cNvPr id="21" name="TextBox 20">
+            <a:extLst>
+              <a:ext uri="{FF2B5EF4-FFF2-40B4-BE49-F238E27FC236}">
+                <a16:creationId xmlns:a16="http://schemas.microsoft.com/office/drawing/2014/main" id="{3065EB50-84D6-FDF1-9CAA-1311F7940A54}"/>
+              </a:ext>
+            </a:extLst>
+          </p:cNvPr>
+          <p:cNvSpPr txBox="1"/>
+          <p:nvPr/>
+        </p:nvSpPr>
+        <p:spPr>
+          <a:xfrm>
+            <a:off x="7090364" y="2222036"/>
+            <a:ext cx="1163460" cy="369332"/>
+          </a:xfrm>
+          <a:prstGeom prst="rect">
+            <a:avLst/>
+          </a:prstGeom>
+          <a:noFill/>
+        </p:spPr>
+        <p:txBody>
+          <a:bodyPr wrap="none" rtlCol="0">
+            <a:spAutoFit/>
+          </a:bodyPr>
+          <a:lstStyle/>
+          <a:p>
+            <a:r>
+              <a:rPr lang="en-US" dirty="0"/>
+              <a:t>RESPONSE</a:t>
+            </a:r>
+          </a:p>
+        </p:txBody>
+      </p:sp>
+      <p:sp>
+        <p:nvSpPr>
+          <p:cNvPr id="22" name="TextBox 21">
+            <a:extLst>
+              <a:ext uri="{FF2B5EF4-FFF2-40B4-BE49-F238E27FC236}">
+                <a16:creationId xmlns:a16="http://schemas.microsoft.com/office/drawing/2014/main" id="{CA378116-ED61-613F-F189-FAB4A9242643}"/>
+              </a:ext>
+            </a:extLst>
+          </p:cNvPr>
+          <p:cNvSpPr txBox="1"/>
+          <p:nvPr/>
+        </p:nvSpPr>
+        <p:spPr>
+          <a:xfrm flipH="1">
+            <a:off x="6364632" y="1009934"/>
+            <a:ext cx="817830" cy="369332"/>
+          </a:xfrm>
+          <a:prstGeom prst="rect">
+            <a:avLst/>
+          </a:prstGeom>
+          <a:noFill/>
+        </p:spPr>
+        <p:txBody>
+          <a:bodyPr wrap="square" rtlCol="0">
+            <a:spAutoFit/>
+          </a:bodyPr>
+          <a:lstStyle/>
+          <a:p>
+            <a:r>
+              <a:rPr lang="en-US" dirty="0"/>
+              <a:t>URL</a:t>
+            </a:r>
+          </a:p>
+        </p:txBody>
+      </p:sp>
+      <p:sp>
+        <p:nvSpPr>
+          <p:cNvPr id="23" name="Flowchart: Magnetic Disk 22">
+            <a:extLst>
+              <a:ext uri="{FF2B5EF4-FFF2-40B4-BE49-F238E27FC236}">
+                <a16:creationId xmlns:a16="http://schemas.microsoft.com/office/drawing/2014/main" id="{8CAA513D-36F4-EAB5-2355-21FD720ECEE0}"/>
+              </a:ext>
+            </a:extLst>
+          </p:cNvPr>
+          <p:cNvSpPr/>
+          <p:nvPr/>
+        </p:nvSpPr>
+        <p:spPr>
+          <a:xfrm>
+            <a:off x="9036474" y="1477790"/>
+            <a:ext cx="1894973" cy="1029565"/>
+          </a:xfrm>
+          <a:prstGeom prst="flowChartMagneticDisk">
+            <a:avLst/>
+          </a:prstGeom>
+        </p:spPr>
+        <p:style>
+          <a:lnRef idx="2">
+            <a:schemeClr val="accent1">
+              <a:shade val="50000"/>
+            </a:schemeClr>
+          </a:lnRef>
+          <a:fillRef idx="1">
+            <a:schemeClr val="accent1"/>
+          </a:fillRef>
+          <a:effectRef idx="0">
+            <a:schemeClr val="accent1"/>
+          </a:effectRef>
+          <a:fontRef idx="minor">
+            <a:schemeClr val="lt1"/>
+          </a:fontRef>
+        </p:style>
+        <p:txBody>
+          <a:bodyPr rtlCol="0" anchor="ctr"/>
+          <a:lstStyle/>
+          <a:p>
+            <a:pPr algn="ctr"/>
+            <a:r>
+              <a:rPr lang="en-US" dirty="0"/>
+              <a:t>ROUTER</a:t>
+            </a:r>
+          </a:p>
+        </p:txBody>
+      </p:sp>
+      <p:sp>
+        <p:nvSpPr>
+          <p:cNvPr id="24" name="Flowchart: Magnetic Disk 23">
+            <a:extLst>
+              <a:ext uri="{FF2B5EF4-FFF2-40B4-BE49-F238E27FC236}">
+                <a16:creationId xmlns:a16="http://schemas.microsoft.com/office/drawing/2014/main" id="{AA5C9BC6-0FB4-45B5-762A-29BBB3686498}"/>
+              </a:ext>
+            </a:extLst>
+          </p:cNvPr>
+          <p:cNvSpPr/>
+          <p:nvPr/>
+        </p:nvSpPr>
+        <p:spPr>
+          <a:xfrm>
+            <a:off x="9029798" y="2571763"/>
+            <a:ext cx="1894973" cy="1029565"/>
+          </a:xfrm>
+          <a:prstGeom prst="flowChartMagneticDisk">
+            <a:avLst/>
+          </a:prstGeom>
+        </p:spPr>
+        <p:style>
+          <a:lnRef idx="2">
+            <a:schemeClr val="accent1">
+              <a:shade val="50000"/>
+            </a:schemeClr>
+          </a:lnRef>
+          <a:fillRef idx="1">
+            <a:schemeClr val="accent1"/>
+          </a:fillRef>
+          <a:effectRef idx="0">
+            <a:schemeClr val="accent1"/>
+          </a:effectRef>
+          <a:fontRef idx="minor">
+            <a:schemeClr val="lt1"/>
+          </a:fontRef>
+        </p:style>
+        <p:txBody>
+          <a:bodyPr rtlCol="0" anchor="ctr"/>
+          <a:lstStyle/>
+          <a:p>
+            <a:pPr algn="ctr"/>
+            <a:r>
+              <a:rPr lang="en-US" dirty="0"/>
+              <a:t>ROUTER</a:t>
+            </a:r>
+          </a:p>
+        </p:txBody>
+      </p:sp>
+      <p:sp>
+        <p:nvSpPr>
+          <p:cNvPr id="25" name="TextBox 24">
+            <a:extLst>
+              <a:ext uri="{FF2B5EF4-FFF2-40B4-BE49-F238E27FC236}">
+                <a16:creationId xmlns:a16="http://schemas.microsoft.com/office/drawing/2014/main" id="{2F72A14C-0100-5465-8EE0-E4858AA48FD5}"/>
+              </a:ext>
+            </a:extLst>
+          </p:cNvPr>
+          <p:cNvSpPr txBox="1"/>
+          <p:nvPr/>
+        </p:nvSpPr>
+        <p:spPr>
+          <a:xfrm>
+            <a:off x="8008201" y="3234095"/>
+            <a:ext cx="684803" cy="369332"/>
+          </a:xfrm>
+          <a:prstGeom prst="rect">
+            <a:avLst/>
+          </a:prstGeom>
+          <a:noFill/>
+        </p:spPr>
+        <p:txBody>
+          <a:bodyPr wrap="none" rtlCol="0">
+            <a:spAutoFit/>
+          </a:bodyPr>
+          <a:lstStyle/>
+          <a:p>
+            <a:r>
+              <a:rPr lang="en-US" dirty="0"/>
+              <a:t>/ADD</a:t>
+            </a:r>
+          </a:p>
+        </p:txBody>
+      </p:sp>
+      <p:sp>
+        <p:nvSpPr>
+          <p:cNvPr id="28" name="Flowchart: Terminator 27">
+            <a:extLst>
+              <a:ext uri="{FF2B5EF4-FFF2-40B4-BE49-F238E27FC236}">
+                <a16:creationId xmlns:a16="http://schemas.microsoft.com/office/drawing/2014/main" id="{519B722D-2C5F-4A84-0035-719F29D66278}"/>
+              </a:ext>
+            </a:extLst>
+          </p:cNvPr>
+          <p:cNvSpPr/>
+          <p:nvPr/>
+        </p:nvSpPr>
+        <p:spPr>
+          <a:xfrm>
+            <a:off x="8350602" y="4970544"/>
+            <a:ext cx="3196020" cy="778761"/>
+          </a:xfrm>
+          <a:prstGeom prst="flowChartTerminator">
+            <a:avLst/>
+          </a:prstGeom>
+        </p:spPr>
+        <p:style>
+          <a:lnRef idx="2">
+            <a:schemeClr val="accent1">
+              <a:shade val="50000"/>
+            </a:schemeClr>
+          </a:lnRef>
+          <a:fillRef idx="1">
+            <a:schemeClr val="accent1"/>
+          </a:fillRef>
+          <a:effectRef idx="0">
+            <a:schemeClr val="accent1"/>
+          </a:effectRef>
+          <a:fontRef idx="minor">
+            <a:schemeClr val="lt1"/>
+          </a:fontRef>
+        </p:style>
+        <p:txBody>
+          <a:bodyPr rtlCol="0" anchor="ctr"/>
+          <a:lstStyle/>
+          <a:p>
+            <a:pPr algn="ctr"/>
+            <a:r>
+              <a:rPr lang="en-US" dirty="0"/>
+              <a:t>CONTROLLER</a:t>
+            </a:r>
+          </a:p>
+        </p:txBody>
+      </p:sp>
+      <p:grpSp>
+        <p:nvGrpSpPr>
+          <p:cNvPr id="40" name="Group 39">
+            <a:extLst>
+              <a:ext uri="{FF2B5EF4-FFF2-40B4-BE49-F238E27FC236}">
+                <a16:creationId xmlns:a16="http://schemas.microsoft.com/office/drawing/2014/main" id="{663CDD8C-1403-ED15-5C82-C2542D015F07}"/>
+              </a:ext>
+            </a:extLst>
+          </p:cNvPr>
+          <p:cNvGrpSpPr/>
+          <p:nvPr/>
+        </p:nvGrpSpPr>
+        <p:grpSpPr>
+          <a:xfrm>
+            <a:off x="8488526" y="3780430"/>
+            <a:ext cx="2920172" cy="1190114"/>
+            <a:chOff x="8350602" y="3740041"/>
+            <a:chExt cx="2920172" cy="1190114"/>
+          </a:xfrm>
+        </p:grpSpPr>
+        <p:sp>
+          <p:nvSpPr>
+            <p:cNvPr id="26" name="Arrow: Down 25">
+              <a:extLst>
+                <a:ext uri="{FF2B5EF4-FFF2-40B4-BE49-F238E27FC236}">
+                  <a16:creationId xmlns:a16="http://schemas.microsoft.com/office/drawing/2014/main" id="{3F10E39E-6599-57B6-9AF4-8C2BD344C861}"/>
+                </a:ext>
+              </a:extLst>
+            </p:cNvPr>
+            <p:cNvSpPr/>
+            <p:nvPr/>
+          </p:nvSpPr>
+          <p:spPr>
+            <a:xfrm>
+              <a:off x="8856997" y="3803561"/>
+              <a:ext cx="487150" cy="1123841"/>
+            </a:xfrm>
+            <a:prstGeom prst="downArrow">
+              <a:avLst/>
+            </a:prstGeom>
+            <a:solidFill>
+              <a:srgbClr val="FFC000"/>
+            </a:solidFill>
+          </p:spPr>
+          <p:style>
+            <a:lnRef idx="2">
+              <a:schemeClr val="accent1">
+                <a:shade val="50000"/>
+              </a:schemeClr>
+            </a:lnRef>
+            <a:fillRef idx="1">
+              <a:schemeClr val="accent1"/>
+            </a:fillRef>
+            <a:effectRef idx="0">
+              <a:schemeClr val="accent1"/>
+            </a:effectRef>
+            <a:fontRef idx="minor">
+              <a:schemeClr val="lt1"/>
+            </a:fontRef>
+          </p:style>
+          <p:txBody>
+            <a:bodyPr rtlCol="0" anchor="ctr"/>
+            <a:lstStyle/>
+            <a:p>
+              <a:pPr algn="ctr"/>
+              <a:endParaRPr lang="en-US"/>
+            </a:p>
+          </p:txBody>
+        </p:sp>
+        <p:sp>
+          <p:nvSpPr>
+            <p:cNvPr id="29" name="Arrow: Down 28">
+              <a:extLst>
+                <a:ext uri="{FF2B5EF4-FFF2-40B4-BE49-F238E27FC236}">
+                  <a16:creationId xmlns:a16="http://schemas.microsoft.com/office/drawing/2014/main" id="{CC54DDB4-5693-9AE4-25DC-EDBDD9C52DED}"/>
+                </a:ext>
+              </a:extLst>
+            </p:cNvPr>
+            <p:cNvSpPr/>
+            <p:nvPr/>
+          </p:nvSpPr>
+          <p:spPr>
+            <a:xfrm>
+              <a:off x="9303604" y="3750144"/>
+              <a:ext cx="487150" cy="1123841"/>
+            </a:xfrm>
+            <a:prstGeom prst="downArrow">
+              <a:avLst/>
+            </a:prstGeom>
+          </p:spPr>
+          <p:style>
+            <a:lnRef idx="2">
+              <a:schemeClr val="accent1">
+                <a:shade val="50000"/>
+              </a:schemeClr>
+            </a:lnRef>
+            <a:fillRef idx="1">
+              <a:schemeClr val="accent1"/>
+            </a:fillRef>
+            <a:effectRef idx="0">
+              <a:schemeClr val="accent1"/>
+            </a:effectRef>
+            <a:fontRef idx="minor">
+              <a:schemeClr val="lt1"/>
+            </a:fontRef>
+          </p:style>
+          <p:txBody>
+            <a:bodyPr rtlCol="0" anchor="ctr"/>
+            <a:lstStyle/>
+            <a:p>
+              <a:pPr algn="ctr"/>
+              <a:endParaRPr lang="en-US"/>
+            </a:p>
+          </p:txBody>
+        </p:sp>
+        <p:sp>
+          <p:nvSpPr>
+            <p:cNvPr id="30" name="Arrow: Down 29">
+              <a:extLst>
+                <a:ext uri="{FF2B5EF4-FFF2-40B4-BE49-F238E27FC236}">
+                  <a16:creationId xmlns:a16="http://schemas.microsoft.com/office/drawing/2014/main" id="{DC2A7E1E-C380-0CEF-C7E2-A0BAD4956DF4}"/>
+                </a:ext>
+              </a:extLst>
+            </p:cNvPr>
+            <p:cNvSpPr/>
+            <p:nvPr/>
+          </p:nvSpPr>
+          <p:spPr>
+            <a:xfrm>
+              <a:off x="8350602" y="3755376"/>
+              <a:ext cx="487150" cy="1123841"/>
+            </a:xfrm>
+            <a:prstGeom prst="downArrow">
+              <a:avLst/>
+            </a:prstGeom>
+            <a:solidFill>
+              <a:srgbClr val="FF0000"/>
+            </a:solidFill>
+          </p:spPr>
+          <p:style>
+            <a:lnRef idx="2">
+              <a:schemeClr val="accent1">
+                <a:shade val="50000"/>
+              </a:schemeClr>
+            </a:lnRef>
+            <a:fillRef idx="1">
+              <a:schemeClr val="accent1"/>
+            </a:fillRef>
+            <a:effectRef idx="0">
+              <a:schemeClr val="accent1"/>
+            </a:effectRef>
+            <a:fontRef idx="minor">
+              <a:schemeClr val="lt1"/>
+            </a:fontRef>
+          </p:style>
+          <p:txBody>
+            <a:bodyPr rtlCol="0" anchor="ctr"/>
+            <a:lstStyle/>
+            <a:p>
+              <a:pPr algn="ctr"/>
+              <a:endParaRPr lang="en-US">
+                <a:solidFill>
+                  <a:srgbClr val="FF0000"/>
+                </a:solidFill>
+              </a:endParaRPr>
+            </a:p>
+          </p:txBody>
+        </p:sp>
+        <p:sp>
+          <p:nvSpPr>
+            <p:cNvPr id="31" name="Arrow: Down 30">
+              <a:extLst>
+                <a:ext uri="{FF2B5EF4-FFF2-40B4-BE49-F238E27FC236}">
+                  <a16:creationId xmlns:a16="http://schemas.microsoft.com/office/drawing/2014/main" id="{7B50BC01-D819-844F-4DD1-D55D94CFEA5B}"/>
+                </a:ext>
+              </a:extLst>
+            </p:cNvPr>
+            <p:cNvSpPr/>
+            <p:nvPr/>
+          </p:nvSpPr>
+          <p:spPr>
+            <a:xfrm>
+              <a:off x="9303604" y="3769570"/>
+              <a:ext cx="487150" cy="1123841"/>
+            </a:xfrm>
+            <a:prstGeom prst="downArrow">
+              <a:avLst/>
+            </a:prstGeom>
+            <a:solidFill>
+              <a:srgbClr val="92D050"/>
+            </a:solidFill>
+          </p:spPr>
+          <p:style>
+            <a:lnRef idx="2">
+              <a:schemeClr val="accent1">
+                <a:shade val="50000"/>
+              </a:schemeClr>
+            </a:lnRef>
+            <a:fillRef idx="1">
+              <a:schemeClr val="accent1"/>
+            </a:fillRef>
+            <a:effectRef idx="0">
+              <a:schemeClr val="accent1"/>
+            </a:effectRef>
+            <a:fontRef idx="minor">
+              <a:schemeClr val="lt1"/>
+            </a:fontRef>
+          </p:style>
+          <p:txBody>
+            <a:bodyPr rtlCol="0" anchor="ctr"/>
+            <a:lstStyle/>
+            <a:p>
+              <a:pPr algn="ctr"/>
+              <a:endParaRPr lang="en-US"/>
+            </a:p>
+          </p:txBody>
+        </p:sp>
+        <p:sp>
+          <p:nvSpPr>
+            <p:cNvPr id="37" name="Arrow: Down 36">
+              <a:extLst>
+                <a:ext uri="{FF2B5EF4-FFF2-40B4-BE49-F238E27FC236}">
+                  <a16:creationId xmlns:a16="http://schemas.microsoft.com/office/drawing/2014/main" id="{115FF179-BA7C-1D0A-18C0-538B3BD89AAC}"/>
+                </a:ext>
+              </a:extLst>
+            </p:cNvPr>
+            <p:cNvSpPr/>
+            <p:nvPr/>
+          </p:nvSpPr>
+          <p:spPr>
+            <a:xfrm>
+              <a:off x="9830622" y="3740041"/>
+              <a:ext cx="487150" cy="1123841"/>
+            </a:xfrm>
+            <a:prstGeom prst="downArrow">
+              <a:avLst/>
+            </a:prstGeom>
+            <a:solidFill>
+              <a:srgbClr val="00B050"/>
+            </a:solidFill>
+          </p:spPr>
+          <p:style>
+            <a:lnRef idx="2">
+              <a:schemeClr val="accent1">
+                <a:shade val="50000"/>
+              </a:schemeClr>
+            </a:lnRef>
+            <a:fillRef idx="1">
+              <a:schemeClr val="accent1"/>
+            </a:fillRef>
+            <a:effectRef idx="0">
+              <a:schemeClr val="accent1"/>
+            </a:effectRef>
+            <a:fontRef idx="minor">
+              <a:schemeClr val="lt1"/>
+            </a:fontRef>
+          </p:style>
+          <p:txBody>
+            <a:bodyPr rtlCol="0" anchor="ctr"/>
+            <a:lstStyle/>
+            <a:p>
+              <a:pPr algn="ctr"/>
+              <a:endParaRPr lang="en-US"/>
+            </a:p>
+          </p:txBody>
+        </p:sp>
+        <p:sp>
+          <p:nvSpPr>
+            <p:cNvPr id="38" name="Arrow: Down 37">
+              <a:extLst>
+                <a:ext uri="{FF2B5EF4-FFF2-40B4-BE49-F238E27FC236}">
+                  <a16:creationId xmlns:a16="http://schemas.microsoft.com/office/drawing/2014/main" id="{695AD16B-2FF5-0747-E094-13B0A58F5F20}"/>
+                </a:ext>
+              </a:extLst>
+            </p:cNvPr>
+            <p:cNvSpPr/>
+            <p:nvPr/>
+          </p:nvSpPr>
+          <p:spPr>
+            <a:xfrm>
+              <a:off x="10296474" y="3799217"/>
+              <a:ext cx="487150" cy="1123841"/>
+            </a:xfrm>
+            <a:prstGeom prst="downArrow">
+              <a:avLst/>
+            </a:prstGeom>
+            <a:solidFill>
+              <a:srgbClr val="0070C0"/>
+            </a:solidFill>
+          </p:spPr>
+          <p:style>
+            <a:lnRef idx="2">
+              <a:schemeClr val="accent1">
+                <a:shade val="50000"/>
+              </a:schemeClr>
+            </a:lnRef>
+            <a:fillRef idx="1">
+              <a:schemeClr val="accent1"/>
+            </a:fillRef>
+            <a:effectRef idx="0">
+              <a:schemeClr val="accent1"/>
+            </a:effectRef>
+            <a:fontRef idx="minor">
+              <a:schemeClr val="lt1"/>
+            </a:fontRef>
+          </p:style>
+          <p:txBody>
+            <a:bodyPr rtlCol="0" anchor="ctr"/>
+            <a:lstStyle/>
+            <a:p>
+              <a:pPr algn="ctr"/>
+              <a:endParaRPr lang="en-US"/>
+            </a:p>
+          </p:txBody>
+        </p:sp>
+        <p:sp>
+          <p:nvSpPr>
+            <p:cNvPr id="39" name="Arrow: Down 38">
+              <a:extLst>
+                <a:ext uri="{FF2B5EF4-FFF2-40B4-BE49-F238E27FC236}">
+                  <a16:creationId xmlns:a16="http://schemas.microsoft.com/office/drawing/2014/main" id="{4D216A52-1E93-99E6-C5CB-79380DFBA596}"/>
+                </a:ext>
+              </a:extLst>
+            </p:cNvPr>
+            <p:cNvSpPr/>
+            <p:nvPr/>
+          </p:nvSpPr>
+          <p:spPr>
+            <a:xfrm>
+              <a:off x="10783624" y="3806314"/>
+              <a:ext cx="487150" cy="1123841"/>
+            </a:xfrm>
+            <a:prstGeom prst="downArrow">
+              <a:avLst/>
+            </a:prstGeom>
+            <a:solidFill>
+              <a:srgbClr val="7030A0"/>
+            </a:solidFill>
+          </p:spPr>
+          <p:style>
+            <a:lnRef idx="2">
+              <a:schemeClr val="accent1">
+                <a:shade val="50000"/>
+              </a:schemeClr>
+            </a:lnRef>
+            <a:fillRef idx="1">
+              <a:schemeClr val="accent1"/>
+            </a:fillRef>
+            <a:effectRef idx="0">
+              <a:schemeClr val="accent1"/>
+            </a:effectRef>
+            <a:fontRef idx="minor">
+              <a:schemeClr val="lt1"/>
+            </a:fontRef>
+          </p:style>
+          <p:txBody>
+            <a:bodyPr rtlCol="0" anchor="ctr"/>
+            <a:lstStyle/>
+            <a:p>
+              <a:pPr algn="ctr"/>
+              <a:endParaRPr lang="en-US"/>
+            </a:p>
+          </p:txBody>
+        </p:sp>
+      </p:grpSp>
+      <p:grpSp>
+        <p:nvGrpSpPr>
+          <p:cNvPr id="41" name="Group 40">
+            <a:extLst>
+              <a:ext uri="{FF2B5EF4-FFF2-40B4-BE49-F238E27FC236}">
+                <a16:creationId xmlns:a16="http://schemas.microsoft.com/office/drawing/2014/main" id="{9647F1C0-7910-B7F5-4C02-33B9519DC010}"/>
+              </a:ext>
+            </a:extLst>
+          </p:cNvPr>
+          <p:cNvGrpSpPr/>
+          <p:nvPr/>
+        </p:nvGrpSpPr>
+        <p:grpSpPr>
+          <a:xfrm rot="5400000">
+            <a:off x="6027925" y="4726541"/>
+            <a:ext cx="2920172" cy="1184115"/>
+            <a:chOff x="8350602" y="3746040"/>
+            <a:chExt cx="2920172" cy="1184115"/>
+          </a:xfrm>
+        </p:grpSpPr>
+        <p:sp>
+          <p:nvSpPr>
+            <p:cNvPr id="42" name="Arrow: Down 41">
+              <a:extLst>
+                <a:ext uri="{FF2B5EF4-FFF2-40B4-BE49-F238E27FC236}">
+                  <a16:creationId xmlns:a16="http://schemas.microsoft.com/office/drawing/2014/main" id="{F7D0CC1C-02CD-0C6F-449A-1F765BEC3B6C}"/>
+                </a:ext>
+              </a:extLst>
+            </p:cNvPr>
+            <p:cNvSpPr/>
+            <p:nvPr/>
+          </p:nvSpPr>
+          <p:spPr>
+            <a:xfrm>
+              <a:off x="8856997" y="3803561"/>
+              <a:ext cx="487150" cy="1123841"/>
+            </a:xfrm>
+            <a:prstGeom prst="downArrow">
+              <a:avLst/>
+            </a:prstGeom>
+            <a:solidFill>
+              <a:srgbClr val="FFC000"/>
+            </a:solidFill>
+          </p:spPr>
+          <p:style>
+            <a:lnRef idx="2">
+              <a:schemeClr val="accent1">
+                <a:shade val="50000"/>
+              </a:schemeClr>
+            </a:lnRef>
+            <a:fillRef idx="1">
+              <a:schemeClr val="accent1"/>
+            </a:fillRef>
+            <a:effectRef idx="0">
+              <a:schemeClr val="accent1"/>
+            </a:effectRef>
+            <a:fontRef idx="minor">
+              <a:schemeClr val="lt1"/>
+            </a:fontRef>
+          </p:style>
+          <p:txBody>
+            <a:bodyPr rtlCol="0" anchor="ctr"/>
+            <a:lstStyle/>
+            <a:p>
+              <a:pPr algn="ctr"/>
+              <a:endParaRPr lang="en-US"/>
+            </a:p>
+          </p:txBody>
+        </p:sp>
+        <p:sp>
+          <p:nvSpPr>
+            <p:cNvPr id="43" name="Arrow: Down 42">
+              <a:extLst>
+                <a:ext uri="{FF2B5EF4-FFF2-40B4-BE49-F238E27FC236}">
+                  <a16:creationId xmlns:a16="http://schemas.microsoft.com/office/drawing/2014/main" id="{1902357F-EA1F-1066-DA07-5F744FC0926D}"/>
+                </a:ext>
+              </a:extLst>
+            </p:cNvPr>
+            <p:cNvSpPr/>
+            <p:nvPr/>
+          </p:nvSpPr>
+          <p:spPr>
+            <a:xfrm>
+              <a:off x="9303604" y="3750144"/>
+              <a:ext cx="487150" cy="1123841"/>
+            </a:xfrm>
+            <a:prstGeom prst="downArrow">
+              <a:avLst/>
+            </a:prstGeom>
+          </p:spPr>
+          <p:style>
+            <a:lnRef idx="2">
+              <a:schemeClr val="accent1">
+                <a:shade val="50000"/>
+              </a:schemeClr>
+            </a:lnRef>
+            <a:fillRef idx="1">
+              <a:schemeClr val="accent1"/>
+            </a:fillRef>
+            <a:effectRef idx="0">
+              <a:schemeClr val="accent1"/>
+            </a:effectRef>
+            <a:fontRef idx="minor">
+              <a:schemeClr val="lt1"/>
+            </a:fontRef>
+          </p:style>
+          <p:txBody>
+            <a:bodyPr rtlCol="0" anchor="ctr"/>
+            <a:lstStyle/>
+            <a:p>
+              <a:pPr algn="ctr"/>
+              <a:endParaRPr lang="en-US"/>
+            </a:p>
+          </p:txBody>
+        </p:sp>
+        <p:sp>
+          <p:nvSpPr>
+            <p:cNvPr id="44" name="Arrow: Down 43">
+              <a:extLst>
+                <a:ext uri="{FF2B5EF4-FFF2-40B4-BE49-F238E27FC236}">
+                  <a16:creationId xmlns:a16="http://schemas.microsoft.com/office/drawing/2014/main" id="{5074D997-E3AE-A535-84E4-4279AB0CE35A}"/>
+                </a:ext>
+              </a:extLst>
+            </p:cNvPr>
+            <p:cNvSpPr/>
+            <p:nvPr/>
+          </p:nvSpPr>
+          <p:spPr>
+            <a:xfrm>
+              <a:off x="8350602" y="3755376"/>
+              <a:ext cx="487150" cy="1123841"/>
+            </a:xfrm>
+            <a:prstGeom prst="downArrow">
+              <a:avLst/>
+            </a:prstGeom>
+            <a:solidFill>
+              <a:srgbClr val="FF0000"/>
+            </a:solidFill>
+          </p:spPr>
+          <p:style>
+            <a:lnRef idx="2">
+              <a:schemeClr val="accent1">
+                <a:shade val="50000"/>
+              </a:schemeClr>
+            </a:lnRef>
+            <a:fillRef idx="1">
+              <a:schemeClr val="accent1"/>
+            </a:fillRef>
+            <a:effectRef idx="0">
+              <a:schemeClr val="accent1"/>
+            </a:effectRef>
+            <a:fontRef idx="minor">
+              <a:schemeClr val="lt1"/>
+            </a:fontRef>
+          </p:style>
+          <p:txBody>
+            <a:bodyPr rtlCol="0" anchor="ctr"/>
+            <a:lstStyle/>
+            <a:p>
+              <a:pPr algn="ctr"/>
+              <a:endParaRPr lang="en-US">
+                <a:solidFill>
+                  <a:srgbClr val="FF0000"/>
+                </a:solidFill>
+              </a:endParaRPr>
+            </a:p>
+          </p:txBody>
+        </p:sp>
+        <p:sp>
+          <p:nvSpPr>
+            <p:cNvPr id="45" name="Arrow: Down 44">
+              <a:extLst>
+                <a:ext uri="{FF2B5EF4-FFF2-40B4-BE49-F238E27FC236}">
+                  <a16:creationId xmlns:a16="http://schemas.microsoft.com/office/drawing/2014/main" id="{C7E7F3CE-04EF-CB78-8EF6-A1295D00E746}"/>
+                </a:ext>
+              </a:extLst>
+            </p:cNvPr>
+            <p:cNvSpPr/>
+            <p:nvPr/>
+          </p:nvSpPr>
+          <p:spPr>
+            <a:xfrm>
+              <a:off x="9303620" y="3769579"/>
+              <a:ext cx="487150" cy="1123841"/>
+            </a:xfrm>
+            <a:prstGeom prst="downArrow">
+              <a:avLst/>
+            </a:prstGeom>
+            <a:solidFill>
+              <a:srgbClr val="92D050"/>
+            </a:solidFill>
+          </p:spPr>
+          <p:style>
+            <a:lnRef idx="2">
+              <a:schemeClr val="accent1">
+                <a:shade val="50000"/>
+              </a:schemeClr>
+            </a:lnRef>
+            <a:fillRef idx="1">
+              <a:schemeClr val="accent1"/>
+            </a:fillRef>
+            <a:effectRef idx="0">
+              <a:schemeClr val="accent1"/>
+            </a:effectRef>
+            <a:fontRef idx="minor">
+              <a:schemeClr val="lt1"/>
+            </a:fontRef>
+          </p:style>
+          <p:txBody>
+            <a:bodyPr rtlCol="0" anchor="ctr"/>
+            <a:lstStyle/>
+            <a:p>
+              <a:pPr algn="ctr"/>
+              <a:endParaRPr lang="en-US"/>
+            </a:p>
+          </p:txBody>
+        </p:sp>
+        <p:sp>
+          <p:nvSpPr>
+            <p:cNvPr id="46" name="Arrow: Down 45">
+              <a:extLst>
+                <a:ext uri="{FF2B5EF4-FFF2-40B4-BE49-F238E27FC236}">
+                  <a16:creationId xmlns:a16="http://schemas.microsoft.com/office/drawing/2014/main" id="{AD3E53FF-D690-16AF-DC8A-198821A9018E}"/>
+                </a:ext>
+              </a:extLst>
+            </p:cNvPr>
+            <p:cNvSpPr/>
+            <p:nvPr/>
+          </p:nvSpPr>
+          <p:spPr>
+            <a:xfrm>
+              <a:off x="9878434" y="3746040"/>
+              <a:ext cx="487150" cy="1123841"/>
+            </a:xfrm>
+            <a:prstGeom prst="downArrow">
+              <a:avLst/>
+            </a:prstGeom>
+            <a:solidFill>
+              <a:srgbClr val="00B050"/>
+            </a:solidFill>
+          </p:spPr>
+          <p:style>
+            <a:lnRef idx="2">
+              <a:schemeClr val="accent1">
+                <a:shade val="50000"/>
+              </a:schemeClr>
+            </a:lnRef>
+            <a:fillRef idx="1">
+              <a:schemeClr val="accent1"/>
+            </a:fillRef>
+            <a:effectRef idx="0">
+              <a:schemeClr val="accent1"/>
+            </a:effectRef>
+            <a:fontRef idx="minor">
+              <a:schemeClr val="lt1"/>
+            </a:fontRef>
+          </p:style>
+          <p:txBody>
+            <a:bodyPr rtlCol="0" anchor="ctr"/>
+            <a:lstStyle/>
+            <a:p>
+              <a:pPr algn="ctr"/>
+              <a:endParaRPr lang="en-US"/>
+            </a:p>
+          </p:txBody>
+        </p:sp>
+        <p:sp>
+          <p:nvSpPr>
+            <p:cNvPr id="47" name="Arrow: Down 46">
+              <a:extLst>
+                <a:ext uri="{FF2B5EF4-FFF2-40B4-BE49-F238E27FC236}">
+                  <a16:creationId xmlns:a16="http://schemas.microsoft.com/office/drawing/2014/main" id="{C52E3A66-C02B-2B67-0CF4-46F6BE694A5B}"/>
+                </a:ext>
+              </a:extLst>
+            </p:cNvPr>
+            <p:cNvSpPr/>
+            <p:nvPr/>
+          </p:nvSpPr>
+          <p:spPr>
+            <a:xfrm>
+              <a:off x="10296474" y="3799217"/>
+              <a:ext cx="487150" cy="1123841"/>
+            </a:xfrm>
+            <a:prstGeom prst="downArrow">
+              <a:avLst/>
+            </a:prstGeom>
+            <a:solidFill>
+              <a:srgbClr val="0070C0"/>
+            </a:solidFill>
+          </p:spPr>
+          <p:style>
+            <a:lnRef idx="2">
+              <a:schemeClr val="accent1">
+                <a:shade val="50000"/>
+              </a:schemeClr>
+            </a:lnRef>
+            <a:fillRef idx="1">
+              <a:schemeClr val="accent1"/>
+            </a:fillRef>
+            <a:effectRef idx="0">
+              <a:schemeClr val="accent1"/>
+            </a:effectRef>
+            <a:fontRef idx="minor">
+              <a:schemeClr val="lt1"/>
+            </a:fontRef>
+          </p:style>
+          <p:txBody>
+            <a:bodyPr rtlCol="0" anchor="ctr"/>
+            <a:lstStyle/>
+            <a:p>
+              <a:pPr algn="ctr"/>
+              <a:endParaRPr lang="en-US"/>
+            </a:p>
+          </p:txBody>
+        </p:sp>
+        <p:sp>
+          <p:nvSpPr>
+            <p:cNvPr id="48" name="Arrow: Down 47">
+              <a:extLst>
+                <a:ext uri="{FF2B5EF4-FFF2-40B4-BE49-F238E27FC236}">
+                  <a16:creationId xmlns:a16="http://schemas.microsoft.com/office/drawing/2014/main" id="{41A44ABF-2629-13C9-5968-E5819301A894}"/>
+                </a:ext>
+              </a:extLst>
+            </p:cNvPr>
+            <p:cNvSpPr/>
+            <p:nvPr/>
+          </p:nvSpPr>
+          <p:spPr>
+            <a:xfrm>
+              <a:off x="10783624" y="3806314"/>
+              <a:ext cx="487150" cy="1123841"/>
+            </a:xfrm>
+            <a:prstGeom prst="downArrow">
+              <a:avLst/>
+            </a:prstGeom>
+            <a:solidFill>
+              <a:srgbClr val="7030A0"/>
+            </a:solidFill>
+          </p:spPr>
+          <p:style>
+            <a:lnRef idx="2">
+              <a:schemeClr val="accent1">
+                <a:shade val="50000"/>
+              </a:schemeClr>
+            </a:lnRef>
+            <a:fillRef idx="1">
+              <a:schemeClr val="accent1"/>
+            </a:fillRef>
+            <a:effectRef idx="0">
+              <a:schemeClr val="accent1"/>
+            </a:effectRef>
+            <a:fontRef idx="minor">
+              <a:schemeClr val="lt1"/>
+            </a:fontRef>
+          </p:style>
+          <p:txBody>
+            <a:bodyPr rtlCol="0" anchor="ctr"/>
+            <a:lstStyle/>
+            <a:p>
+              <a:pPr algn="ctr"/>
+              <a:endParaRPr lang="en-US"/>
+            </a:p>
+          </p:txBody>
+        </p:sp>
+      </p:grpSp>
+      <p:sp>
+        <p:nvSpPr>
+          <p:cNvPr id="49" name="Flowchart: Terminator 48">
+            <a:extLst>
+              <a:ext uri="{FF2B5EF4-FFF2-40B4-BE49-F238E27FC236}">
+                <a16:creationId xmlns:a16="http://schemas.microsoft.com/office/drawing/2014/main" id="{83C98D6B-F006-9408-94A1-44C6B9AA0936}"/>
+              </a:ext>
+            </a:extLst>
+          </p:cNvPr>
+          <p:cNvSpPr/>
+          <p:nvPr/>
+        </p:nvSpPr>
+        <p:spPr>
+          <a:xfrm>
+            <a:off x="8350602" y="5902153"/>
+            <a:ext cx="3196020" cy="778761"/>
+          </a:xfrm>
+          <a:prstGeom prst="flowChartTerminator">
+            <a:avLst/>
+          </a:prstGeom>
+        </p:spPr>
+        <p:style>
+          <a:lnRef idx="2">
+            <a:schemeClr val="accent1">
+              <a:shade val="50000"/>
+            </a:schemeClr>
+          </a:lnRef>
+          <a:fillRef idx="1">
+            <a:schemeClr val="accent1"/>
+          </a:fillRef>
+          <a:effectRef idx="0">
+            <a:schemeClr val="accent1"/>
+          </a:effectRef>
+          <a:fontRef idx="minor">
+            <a:schemeClr val="lt1"/>
+          </a:fontRef>
+        </p:style>
+        <p:txBody>
+          <a:bodyPr rtlCol="0" anchor="ctr"/>
+          <a:lstStyle/>
+          <a:p>
+            <a:pPr algn="ctr"/>
+            <a:r>
+              <a:rPr lang="en-US" dirty="0"/>
+              <a:t>CONTROLLER</a:t>
+            </a:r>
+          </a:p>
+        </p:txBody>
+      </p:sp>
+      <p:sp>
+        <p:nvSpPr>
+          <p:cNvPr id="50" name="Flowchart: Alternate Process 49">
+            <a:extLst>
+              <a:ext uri="{FF2B5EF4-FFF2-40B4-BE49-F238E27FC236}">
+                <a16:creationId xmlns:a16="http://schemas.microsoft.com/office/drawing/2014/main" id="{50D228D7-4C69-C025-7D8F-6D71244910A1}"/>
+              </a:ext>
+            </a:extLst>
+          </p:cNvPr>
+          <p:cNvSpPr/>
+          <p:nvPr/>
+        </p:nvSpPr>
+        <p:spPr>
+          <a:xfrm>
+            <a:off x="3100861" y="4167635"/>
+            <a:ext cx="1316962" cy="2321169"/>
+          </a:xfrm>
+          <a:prstGeom prst="flowChartAlternateProcess">
+            <a:avLst/>
+          </a:prstGeom>
+        </p:spPr>
+        <p:style>
+          <a:lnRef idx="2">
+            <a:schemeClr val="accent1">
+              <a:shade val="50000"/>
+            </a:schemeClr>
+          </a:lnRef>
+          <a:fillRef idx="1">
+            <a:schemeClr val="accent1"/>
+          </a:fillRef>
+          <a:effectRef idx="0">
+            <a:schemeClr val="accent1"/>
+          </a:effectRef>
+          <a:fontRef idx="minor">
+            <a:schemeClr val="lt1"/>
+          </a:fontRef>
+        </p:style>
+        <p:txBody>
+          <a:bodyPr rtlCol="0" anchor="ctr"/>
+          <a:lstStyle/>
+          <a:p>
+            <a:pPr algn="ctr"/>
+            <a:r>
+              <a:rPr lang="en-US" dirty="0"/>
+              <a:t>PRODUCT</a:t>
+            </a:r>
+          </a:p>
+          <a:p>
+            <a:pPr algn="ctr"/>
+            <a:endParaRPr lang="en-US" dirty="0"/>
+          </a:p>
+          <a:p>
+            <a:pPr algn="ctr"/>
+            <a:r>
+              <a:rPr lang="en-US" dirty="0"/>
+              <a:t>Model</a:t>
+            </a:r>
+          </a:p>
+        </p:txBody>
+      </p:sp>
+      <p:sp>
+        <p:nvSpPr>
+          <p:cNvPr id="51" name="Cylinder 50">
+            <a:extLst>
+              <a:ext uri="{FF2B5EF4-FFF2-40B4-BE49-F238E27FC236}">
+                <a16:creationId xmlns:a16="http://schemas.microsoft.com/office/drawing/2014/main" id="{BCA708E6-2806-CA94-B6A6-110C7897F848}"/>
+              </a:ext>
+            </a:extLst>
+          </p:cNvPr>
+          <p:cNvSpPr/>
+          <p:nvPr/>
+        </p:nvSpPr>
+        <p:spPr>
+          <a:xfrm>
+            <a:off x="759655" y="4364907"/>
+            <a:ext cx="1503667" cy="1926627"/>
+          </a:xfrm>
+          <a:prstGeom prst="can">
+            <a:avLst/>
+          </a:prstGeom>
+        </p:spPr>
+        <p:style>
+          <a:lnRef idx="2">
+            <a:schemeClr val="accent1">
+              <a:shade val="50000"/>
+            </a:schemeClr>
+          </a:lnRef>
+          <a:fillRef idx="1">
+            <a:schemeClr val="accent1"/>
+          </a:fillRef>
+          <a:effectRef idx="0">
+            <a:schemeClr val="accent1"/>
+          </a:effectRef>
+          <a:fontRef idx="minor">
+            <a:schemeClr val="lt1"/>
+          </a:fontRef>
+        </p:style>
+        <p:txBody>
+          <a:bodyPr rtlCol="0" anchor="ctr"/>
+          <a:lstStyle/>
+          <a:p>
+            <a:pPr algn="ctr"/>
+            <a:r>
+              <a:rPr lang="en-US" dirty="0"/>
+              <a:t>Database</a:t>
+            </a:r>
+          </a:p>
+        </p:txBody>
+      </p:sp>
+      <p:cxnSp>
+        <p:nvCxnSpPr>
+          <p:cNvPr id="53" name="Straight Arrow Connector 52">
+            <a:extLst>
+              <a:ext uri="{FF2B5EF4-FFF2-40B4-BE49-F238E27FC236}">
+                <a16:creationId xmlns:a16="http://schemas.microsoft.com/office/drawing/2014/main" id="{B5971FCB-6F2F-442B-AE46-0BB1E4E59407}"/>
+              </a:ext>
+            </a:extLst>
+          </p:cNvPr>
+          <p:cNvCxnSpPr>
+            <a:cxnSpLocks/>
+            <a:stCxn id="51" idx="4"/>
+          </p:cNvCxnSpPr>
+          <p:nvPr/>
+        </p:nvCxnSpPr>
+        <p:spPr>
+          <a:xfrm flipV="1">
+            <a:off x="2263322" y="5241165"/>
+            <a:ext cx="816872" cy="87056"/>
+          </a:xfrm>
+          <a:prstGeom prst="straightConnector1">
+            <a:avLst/>
+          </a:prstGeom>
+          <a:ln>
+            <a:tailEnd type="triangle"/>
+          </a:ln>
+        </p:spPr>
+        <p:style>
+          <a:lnRef idx="1">
+            <a:schemeClr val="accent1"/>
+          </a:lnRef>
+          <a:fillRef idx="0">
+            <a:schemeClr val="accent1"/>
+          </a:fillRef>
+          <a:effectRef idx="0">
+            <a:schemeClr val="accent1"/>
+          </a:effectRef>
+          <a:fontRef idx="minor">
+            <a:schemeClr val="tx1"/>
+          </a:fontRef>
+        </p:style>
+      </p:cxnSp>
+      <p:sp>
+        <p:nvSpPr>
+          <p:cNvPr id="55" name="Rectangle 54">
+            <a:extLst>
+              <a:ext uri="{FF2B5EF4-FFF2-40B4-BE49-F238E27FC236}">
+                <a16:creationId xmlns:a16="http://schemas.microsoft.com/office/drawing/2014/main" id="{71E95871-BFD3-CECC-4BC0-19FC1EAC58C1}"/>
+              </a:ext>
+            </a:extLst>
+          </p:cNvPr>
+          <p:cNvSpPr/>
+          <p:nvPr/>
+        </p:nvSpPr>
+        <p:spPr>
+          <a:xfrm>
+            <a:off x="5275385" y="4408623"/>
+            <a:ext cx="1303955" cy="2080181"/>
+          </a:xfrm>
+          <a:prstGeom prst="rect">
+            <a:avLst/>
+          </a:prstGeom>
+        </p:spPr>
+        <p:style>
+          <a:lnRef idx="2">
+            <a:schemeClr val="accent1">
+              <a:shade val="50000"/>
+            </a:schemeClr>
+          </a:lnRef>
+          <a:fillRef idx="1">
+            <a:schemeClr val="accent1"/>
+          </a:fillRef>
+          <a:effectRef idx="0">
+            <a:schemeClr val="accent1"/>
+          </a:effectRef>
+          <a:fontRef idx="minor">
+            <a:schemeClr val="lt1"/>
+          </a:fontRef>
+        </p:style>
+        <p:txBody>
+          <a:bodyPr rtlCol="0" anchor="ctr"/>
+          <a:lstStyle/>
+          <a:p>
+            <a:pPr algn="ctr"/>
+            <a:r>
+              <a:rPr lang="en-US" dirty="0"/>
+              <a:t>View</a:t>
+            </a:r>
+          </a:p>
+        </p:txBody>
+      </p:sp>
+      <p:sp>
+        <p:nvSpPr>
+          <p:cNvPr id="56" name="TextBox 55">
+            <a:extLst>
+              <a:ext uri="{FF2B5EF4-FFF2-40B4-BE49-F238E27FC236}">
+                <a16:creationId xmlns:a16="http://schemas.microsoft.com/office/drawing/2014/main" id="{29259DF7-4418-FE80-3636-EDAE77849097}"/>
+              </a:ext>
+            </a:extLst>
+          </p:cNvPr>
+          <p:cNvSpPr txBox="1"/>
+          <p:nvPr/>
+        </p:nvSpPr>
+        <p:spPr>
+          <a:xfrm>
+            <a:off x="759655" y="238985"/>
+            <a:ext cx="3609386" cy="1200329"/>
+          </a:xfrm>
+          <a:prstGeom prst="rect">
+            <a:avLst/>
+          </a:prstGeom>
+          <a:noFill/>
+        </p:spPr>
+        <p:txBody>
+          <a:bodyPr wrap="none" rtlCol="0">
+            <a:spAutoFit/>
+          </a:bodyPr>
+          <a:lstStyle/>
+          <a:p>
+            <a:r>
+              <a:rPr lang="en-US" dirty="0"/>
+              <a:t>Create – New Product</a:t>
+            </a:r>
+          </a:p>
+          <a:p>
+            <a:r>
+              <a:rPr lang="en-US" dirty="0"/>
+              <a:t>Read – read all database or one data</a:t>
+            </a:r>
+          </a:p>
+          <a:p>
+            <a:r>
+              <a:rPr lang="en-US" dirty="0"/>
+              <a:t>Update – …</a:t>
+            </a:r>
+          </a:p>
+          <a:p>
+            <a:r>
+              <a:rPr lang="en-US" dirty="0"/>
+              <a:t>Delete - …</a:t>
             </a:r>
           </a:p>
         </p:txBody>
@@ -24561,7 +26585,7 @@
     </p:spTree>
     <p:extLst>
       <p:ext uri="{BB962C8B-B14F-4D97-AF65-F5344CB8AC3E}">
-        <p14:creationId xmlns:p14="http://schemas.microsoft.com/office/powerpoint/2010/main" val="2318241375"/>
+        <p14:creationId xmlns:p14="http://schemas.microsoft.com/office/powerpoint/2010/main" val="2129510402"/>
       </p:ext>
     </p:extLst>
   </p:cSld>
@@ -24593,7 +26617,7 @@
           <p:cNvPr id="2" name="Title 1">
             <a:extLst>
               <a:ext uri="{FF2B5EF4-FFF2-40B4-BE49-F238E27FC236}">
-                <a16:creationId xmlns:a16="http://schemas.microsoft.com/office/drawing/2014/main" id="{519F6DC2-575C-42CD-FB23-C70073B615B8}"/>
+                <a16:creationId xmlns:a16="http://schemas.microsoft.com/office/drawing/2014/main" id="{F85A2DF8-E93D-713B-4B0B-2B47ED605ADF}"/>
               </a:ext>
             </a:extLst>
           </p:cNvPr>
@@ -24611,7 +26635,7 @@
           <a:p>
             <a:r>
               <a:rPr lang="en-US" dirty="0"/>
-              <a:t>Project - 2</a:t>
+              <a:t>Project Sections</a:t>
             </a:r>
           </a:p>
         </p:txBody>
@@ -24621,7 +26645,7 @@
           <p:cNvPr id="3" name="Content Placeholder 2">
             <a:extLst>
               <a:ext uri="{FF2B5EF4-FFF2-40B4-BE49-F238E27FC236}">
-                <a16:creationId xmlns:a16="http://schemas.microsoft.com/office/drawing/2014/main" id="{5D311FD8-6E03-6DA8-DCC5-1184B6A0952B}"/>
+                <a16:creationId xmlns:a16="http://schemas.microsoft.com/office/drawing/2014/main" id="{9EDB89FB-24DC-7230-987A-B785C1A1D7A6}"/>
               </a:ext>
             </a:extLst>
           </p:cNvPr>
@@ -24639,40 +26663,25 @@
           <a:p>
             <a:r>
               <a:rPr lang="en-US" dirty="0"/>
-              <a:t>Installing &amp; setting up Express</a:t>
-            </a:r>
-          </a:p>
-          <a:p>
-            <a:r>
-              <a:rPr lang="en-US" dirty="0"/>
-              <a:t>Routing System</a:t>
-            </a:r>
-          </a:p>
-          <a:p>
-            <a:r>
-              <a:rPr lang="en-US" dirty="0"/>
-              <a:t>Jade </a:t>
-            </a:r>
-            <a:r>
-              <a:rPr lang="en-US" dirty="0" err="1"/>
-              <a:t>Templatng</a:t>
-            </a:r>
-            <a:endParaRPr lang="en-US" dirty="0"/>
-          </a:p>
-          <a:p>
-            <a:r>
-              <a:rPr lang="en-US" dirty="0"/>
-              <a:t>Working with Views</a:t>
-            </a:r>
-          </a:p>
-          <a:p>
-            <a:r>
-              <a:rPr lang="en-US" dirty="0" err="1"/>
-              <a:t>Nodemailer</a:t>
-            </a:r>
-            <a:r>
-              <a:rPr lang="en-US" dirty="0"/>
-              <a:t> Module</a:t>
+              <a:t>S1- Project Introduction</a:t>
+            </a:r>
+          </a:p>
+          <a:p>
+            <a:r>
+              <a:rPr lang="en-US" dirty="0"/>
+              <a:t>S2- Installing &amp; Setting Up Node.js</a:t>
+            </a:r>
+          </a:p>
+          <a:p>
+            <a:r>
+              <a:rPr lang="en-US" dirty="0"/>
+              <a:t>S3- NPM &amp; Basic HTTP Server</a:t>
+            </a:r>
+          </a:p>
+          <a:p>
+            <a:r>
+              <a:rPr lang="en-US" dirty="0"/>
+              <a:t>S4- Serving HTML Files</a:t>
             </a:r>
           </a:p>
         </p:txBody>
@@ -24680,7 +26689,7 @@
     </p:spTree>
     <p:extLst>
       <p:ext uri="{BB962C8B-B14F-4D97-AF65-F5344CB8AC3E}">
-        <p14:creationId xmlns:p14="http://schemas.microsoft.com/office/powerpoint/2010/main" val="587665243"/>
+        <p14:creationId xmlns:p14="http://schemas.microsoft.com/office/powerpoint/2010/main" val="1985724712"/>
       </p:ext>
     </p:extLst>
   </p:cSld>
@@ -24712,6 +26721,223 @@
           <p:cNvPr id="2" name="Title 1">
             <a:extLst>
               <a:ext uri="{FF2B5EF4-FFF2-40B4-BE49-F238E27FC236}">
+                <a16:creationId xmlns:a16="http://schemas.microsoft.com/office/drawing/2014/main" id="{C7DD1871-1D4E-1B49-7C0D-7FF851C79FC7}"/>
+              </a:ext>
+            </a:extLst>
+          </p:cNvPr>
+          <p:cNvSpPr>
+            <a:spLocks noGrp="1"/>
+          </p:cNvSpPr>
+          <p:nvPr>
+            <p:ph type="title"/>
+          </p:nvPr>
+        </p:nvSpPr>
+        <p:spPr/>
+        <p:txBody>
+          <a:bodyPr/>
+          <a:lstStyle/>
+          <a:p>
+            <a:r>
+              <a:rPr lang="en-US" dirty="0"/>
+              <a:t>We Learn</a:t>
+            </a:r>
+          </a:p>
+        </p:txBody>
+      </p:sp>
+      <p:sp>
+        <p:nvSpPr>
+          <p:cNvPr id="3" name="Content Placeholder 2">
+            <a:extLst>
+              <a:ext uri="{FF2B5EF4-FFF2-40B4-BE49-F238E27FC236}">
+                <a16:creationId xmlns:a16="http://schemas.microsoft.com/office/drawing/2014/main" id="{B16FEFAD-05E1-14E8-FC1A-C2A6BA94C43E}"/>
+              </a:ext>
+            </a:extLst>
+          </p:cNvPr>
+          <p:cNvSpPr>
+            <a:spLocks noGrp="1"/>
+          </p:cNvSpPr>
+          <p:nvPr>
+            <p:ph idx="1"/>
+          </p:nvPr>
+        </p:nvSpPr>
+        <p:spPr/>
+        <p:txBody>
+          <a:bodyPr/>
+          <a:lstStyle/>
+          <a:p>
+            <a:r>
+              <a:rPr lang="en-US" dirty="0"/>
+              <a:t>How to get Node.js up and running on our localhost.</a:t>
+            </a:r>
+          </a:p>
+          <a:p>
+            <a:r>
+              <a:rPr lang="en-US" dirty="0"/>
+              <a:t>How to handle HTTP requests/responses</a:t>
+            </a:r>
+          </a:p>
+          <a:p>
+            <a:r>
+              <a:rPr lang="en-US" dirty="0"/>
+              <a:t>Serve a webpage through a browser</a:t>
+            </a:r>
+          </a:p>
+        </p:txBody>
+      </p:sp>
+    </p:spTree>
+    <p:extLst>
+      <p:ext uri="{BB962C8B-B14F-4D97-AF65-F5344CB8AC3E}">
+        <p14:creationId xmlns:p14="http://schemas.microsoft.com/office/powerpoint/2010/main" val="2318241375"/>
+      </p:ext>
+    </p:extLst>
+  </p:cSld>
+  <p:clrMapOvr>
+    <a:masterClrMapping/>
+  </p:clrMapOvr>
+</p:sld>
+</file>
+
+<file path=ppt/slides/slide57.xml><?xml version="1.0" encoding="utf-8"?>
+<p:sld xmlns:a="http://schemas.openxmlformats.org/drawingml/2006/main" xmlns:r="http://schemas.openxmlformats.org/officeDocument/2006/relationships" xmlns:p="http://schemas.openxmlformats.org/presentationml/2006/main">
+  <p:cSld>
+    <p:spTree>
+      <p:nvGrpSpPr>
+        <p:cNvPr id="1" name=""/>
+        <p:cNvGrpSpPr/>
+        <p:nvPr/>
+      </p:nvGrpSpPr>
+      <p:grpSpPr>
+        <a:xfrm>
+          <a:off x="0" y="0"/>
+          <a:ext cx="0" cy="0"/>
+          <a:chOff x="0" y="0"/>
+          <a:chExt cx="0" cy="0"/>
+        </a:xfrm>
+      </p:grpSpPr>
+      <p:sp>
+        <p:nvSpPr>
+          <p:cNvPr id="2" name="Title 1">
+            <a:extLst>
+              <a:ext uri="{FF2B5EF4-FFF2-40B4-BE49-F238E27FC236}">
+                <a16:creationId xmlns:a16="http://schemas.microsoft.com/office/drawing/2014/main" id="{519F6DC2-575C-42CD-FB23-C70073B615B8}"/>
+              </a:ext>
+            </a:extLst>
+          </p:cNvPr>
+          <p:cNvSpPr>
+            <a:spLocks noGrp="1"/>
+          </p:cNvSpPr>
+          <p:nvPr>
+            <p:ph type="title"/>
+          </p:nvPr>
+        </p:nvSpPr>
+        <p:spPr/>
+        <p:txBody>
+          <a:bodyPr/>
+          <a:lstStyle/>
+          <a:p>
+            <a:r>
+              <a:rPr lang="en-US" dirty="0"/>
+              <a:t>Project - 2</a:t>
+            </a:r>
+          </a:p>
+        </p:txBody>
+      </p:sp>
+      <p:sp>
+        <p:nvSpPr>
+          <p:cNvPr id="3" name="Content Placeholder 2">
+            <a:extLst>
+              <a:ext uri="{FF2B5EF4-FFF2-40B4-BE49-F238E27FC236}">
+                <a16:creationId xmlns:a16="http://schemas.microsoft.com/office/drawing/2014/main" id="{5D311FD8-6E03-6DA8-DCC5-1184B6A0952B}"/>
+              </a:ext>
+            </a:extLst>
+          </p:cNvPr>
+          <p:cNvSpPr>
+            <a:spLocks noGrp="1"/>
+          </p:cNvSpPr>
+          <p:nvPr>
+            <p:ph idx="1"/>
+          </p:nvPr>
+        </p:nvSpPr>
+        <p:spPr/>
+        <p:txBody>
+          <a:bodyPr/>
+          <a:lstStyle/>
+          <a:p>
+            <a:r>
+              <a:rPr lang="en-US" dirty="0"/>
+              <a:t>Installing &amp; setting up Express</a:t>
+            </a:r>
+          </a:p>
+          <a:p>
+            <a:r>
+              <a:rPr lang="en-US" dirty="0"/>
+              <a:t>Routing System</a:t>
+            </a:r>
+          </a:p>
+          <a:p>
+            <a:r>
+              <a:rPr lang="en-US" dirty="0"/>
+              <a:t>Jade </a:t>
+            </a:r>
+            <a:r>
+              <a:rPr lang="en-US" dirty="0" err="1"/>
+              <a:t>Templatng</a:t>
+            </a:r>
+            <a:endParaRPr lang="en-US" dirty="0"/>
+          </a:p>
+          <a:p>
+            <a:r>
+              <a:rPr lang="en-US" dirty="0"/>
+              <a:t>Working with Views</a:t>
+            </a:r>
+          </a:p>
+          <a:p>
+            <a:r>
+              <a:rPr lang="en-US" dirty="0" err="1"/>
+              <a:t>Nodemailer</a:t>
+            </a:r>
+            <a:r>
+              <a:rPr lang="en-US" dirty="0"/>
+              <a:t> Module</a:t>
+            </a:r>
+          </a:p>
+        </p:txBody>
+      </p:sp>
+    </p:spTree>
+    <p:extLst>
+      <p:ext uri="{BB962C8B-B14F-4D97-AF65-F5344CB8AC3E}">
+        <p14:creationId xmlns:p14="http://schemas.microsoft.com/office/powerpoint/2010/main" val="587665243"/>
+      </p:ext>
+    </p:extLst>
+  </p:cSld>
+  <p:clrMapOvr>
+    <a:masterClrMapping/>
+  </p:clrMapOvr>
+</p:sld>
+</file>
+
+<file path=ppt/slides/slide58.xml><?xml version="1.0" encoding="utf-8"?>
+<p:sld xmlns:a="http://schemas.openxmlformats.org/drawingml/2006/main" xmlns:r="http://schemas.openxmlformats.org/officeDocument/2006/relationships" xmlns:p="http://schemas.openxmlformats.org/presentationml/2006/main">
+  <p:cSld>
+    <p:spTree>
+      <p:nvGrpSpPr>
+        <p:cNvPr id="1" name=""/>
+        <p:cNvGrpSpPr/>
+        <p:nvPr/>
+      </p:nvGrpSpPr>
+      <p:grpSpPr>
+        <a:xfrm>
+          <a:off x="0" y="0"/>
+          <a:ext cx="0" cy="0"/>
+          <a:chOff x="0" y="0"/>
+          <a:chExt cx="0" cy="0"/>
+        </a:xfrm>
+      </p:grpSpPr>
+      <p:sp>
+        <p:nvSpPr>
+          <p:cNvPr id="2" name="Title 1">
+            <a:extLst>
+              <a:ext uri="{FF2B5EF4-FFF2-40B4-BE49-F238E27FC236}">
                 <a16:creationId xmlns:a16="http://schemas.microsoft.com/office/drawing/2014/main" id="{9EFB96E5-9971-2397-A8C9-BE2450FF40A8}"/>
               </a:ext>
             </a:extLst>
@@ -24814,7 +27040,7 @@
 </p:sld>
 </file>
 
-<file path=ppt/slides/slide57.xml><?xml version="1.0" encoding="utf-8"?>
+<file path=ppt/slides/slide59.xml><?xml version="1.0" encoding="utf-8"?>
 <p:sld xmlns:a="http://schemas.openxmlformats.org/drawingml/2006/main" xmlns:r="http://schemas.openxmlformats.org/officeDocument/2006/relationships" xmlns:p="http://schemas.openxmlformats.org/presentationml/2006/main">
   <p:cSld>
     <p:spTree>
@@ -25146,6 +27372,61 @@
     <p:extLst>
       <p:ext uri="{BB962C8B-B14F-4D97-AF65-F5344CB8AC3E}">
         <p14:creationId xmlns:p14="http://schemas.microsoft.com/office/powerpoint/2010/main" val="2597810804"/>
+      </p:ext>
+    </p:extLst>
+  </p:cSld>
+  <p:clrMapOvr>
+    <a:masterClrMapping/>
+  </p:clrMapOvr>
+</p:sld>
+</file>
+
+<file path=ppt/slides/slide60.xml><?xml version="1.0" encoding="utf-8"?>
+<p:sld xmlns:a="http://schemas.openxmlformats.org/drawingml/2006/main" xmlns:r="http://schemas.openxmlformats.org/officeDocument/2006/relationships" xmlns:p="http://schemas.openxmlformats.org/presentationml/2006/main">
+  <p:cSld>
+    <p:spTree>
+      <p:nvGrpSpPr>
+        <p:cNvPr id="1" name=""/>
+        <p:cNvGrpSpPr/>
+        <p:nvPr/>
+      </p:nvGrpSpPr>
+      <p:grpSpPr>
+        <a:xfrm>
+          <a:off x="0" y="0"/>
+          <a:ext cx="0" cy="0"/>
+          <a:chOff x="0" y="0"/>
+          <a:chExt cx="0" cy="0"/>
+        </a:xfrm>
+      </p:grpSpPr>
+      <p:sp>
+        <p:nvSpPr>
+          <p:cNvPr id="2" name="Title 1">
+            <a:extLst>
+              <a:ext uri="{FF2B5EF4-FFF2-40B4-BE49-F238E27FC236}">
+                <a16:creationId xmlns:a16="http://schemas.microsoft.com/office/drawing/2014/main" id="{668268B5-9C34-987E-112B-8AC759E0DC65}"/>
+              </a:ext>
+            </a:extLst>
+          </p:cNvPr>
+          <p:cNvSpPr>
+            <a:spLocks noGrp="1"/>
+          </p:cNvSpPr>
+          <p:nvPr>
+            <p:ph type="title"/>
+          </p:nvPr>
+        </p:nvSpPr>
+        <p:spPr/>
+        <p:txBody>
+          <a:bodyPr/>
+          <a:lstStyle/>
+          <a:p>
+            <a:endParaRPr lang="en-US" dirty="0"/>
+          </a:p>
+        </p:txBody>
+      </p:sp>
+    </p:spTree>
+    <p:extLst>
+      <p:ext uri="{BB962C8B-B14F-4D97-AF65-F5344CB8AC3E}">
+        <p14:creationId xmlns:p14="http://schemas.microsoft.com/office/powerpoint/2010/main" val="9363159"/>
       </p:ext>
     </p:extLst>
   </p:cSld>

--- a/What is Node.pptx
+++ b/What is Node.pptx
@@ -59,12 +59,7 @@
     <p:sldId id="314" r:id="rId53"/>
     <p:sldId id="307" r:id="rId54"/>
     <p:sldId id="315" r:id="rId55"/>
-    <p:sldId id="308" r:id="rId56"/>
-    <p:sldId id="309" r:id="rId57"/>
-    <p:sldId id="310" r:id="rId58"/>
-    <p:sldId id="311" r:id="rId59"/>
-    <p:sldId id="312" r:id="rId60"/>
-    <p:sldId id="313" r:id="rId61"/>
+    <p:sldId id="316" r:id="rId56"/>
   </p:sldIdLst>
   <p:sldSz cx="12192000" cy="6858000"/>
   <p:notesSz cx="6858000" cy="9144000"/>
@@ -515,7 +510,7 @@
           <a:p>
             <a:fld id="{C452295A-2B17-4FE0-84DB-F0699F4DDF23}" type="datetimeFigureOut">
               <a:rPr lang="en-US" smtClean="0"/>
-              <a:t>12/23/2022</a:t>
+              <a:t>12/26/2022</a:t>
             </a:fld>
             <a:endParaRPr lang="en-US"/>
           </a:p>
@@ -713,7 +708,7 @@
           <a:p>
             <a:fld id="{C452295A-2B17-4FE0-84DB-F0699F4DDF23}" type="datetimeFigureOut">
               <a:rPr lang="en-US" smtClean="0"/>
-              <a:t>12/23/2022</a:t>
+              <a:t>12/26/2022</a:t>
             </a:fld>
             <a:endParaRPr lang="en-US"/>
           </a:p>
@@ -921,7 +916,7 @@
           <a:p>
             <a:fld id="{C452295A-2B17-4FE0-84DB-F0699F4DDF23}" type="datetimeFigureOut">
               <a:rPr lang="en-US" smtClean="0"/>
-              <a:t>12/23/2022</a:t>
+              <a:t>12/26/2022</a:t>
             </a:fld>
             <a:endParaRPr lang="en-US"/>
           </a:p>
@@ -1119,7 +1114,7 @@
           <a:p>
             <a:fld id="{C452295A-2B17-4FE0-84DB-F0699F4DDF23}" type="datetimeFigureOut">
               <a:rPr lang="en-US" smtClean="0"/>
-              <a:t>12/23/2022</a:t>
+              <a:t>12/26/2022</a:t>
             </a:fld>
             <a:endParaRPr lang="en-US"/>
           </a:p>
@@ -1394,7 +1389,7 @@
           <a:p>
             <a:fld id="{C452295A-2B17-4FE0-84DB-F0699F4DDF23}" type="datetimeFigureOut">
               <a:rPr lang="en-US" smtClean="0"/>
-              <a:t>12/23/2022</a:t>
+              <a:t>12/26/2022</a:t>
             </a:fld>
             <a:endParaRPr lang="en-US"/>
           </a:p>
@@ -1659,7 +1654,7 @@
           <a:p>
             <a:fld id="{C452295A-2B17-4FE0-84DB-F0699F4DDF23}" type="datetimeFigureOut">
               <a:rPr lang="en-US" smtClean="0"/>
-              <a:t>12/23/2022</a:t>
+              <a:t>12/26/2022</a:t>
             </a:fld>
             <a:endParaRPr lang="en-US"/>
           </a:p>
@@ -2071,7 +2066,7 @@
           <a:p>
             <a:fld id="{C452295A-2B17-4FE0-84DB-F0699F4DDF23}" type="datetimeFigureOut">
               <a:rPr lang="en-US" smtClean="0"/>
-              <a:t>12/23/2022</a:t>
+              <a:t>12/26/2022</a:t>
             </a:fld>
             <a:endParaRPr lang="en-US"/>
           </a:p>
@@ -2212,7 +2207,7 @@
           <a:p>
             <a:fld id="{C452295A-2B17-4FE0-84DB-F0699F4DDF23}" type="datetimeFigureOut">
               <a:rPr lang="en-US" smtClean="0"/>
-              <a:t>12/23/2022</a:t>
+              <a:t>12/26/2022</a:t>
             </a:fld>
             <a:endParaRPr lang="en-US"/>
           </a:p>
@@ -2325,7 +2320,7 @@
           <a:p>
             <a:fld id="{C452295A-2B17-4FE0-84DB-F0699F4DDF23}" type="datetimeFigureOut">
               <a:rPr lang="en-US" smtClean="0"/>
-              <a:t>12/23/2022</a:t>
+              <a:t>12/26/2022</a:t>
             </a:fld>
             <a:endParaRPr lang="en-US"/>
           </a:p>
@@ -2636,7 +2631,7 @@
           <a:p>
             <a:fld id="{C452295A-2B17-4FE0-84DB-F0699F4DDF23}" type="datetimeFigureOut">
               <a:rPr lang="en-US" smtClean="0"/>
-              <a:t>12/23/2022</a:t>
+              <a:t>12/26/2022</a:t>
             </a:fld>
             <a:endParaRPr lang="en-US"/>
           </a:p>
@@ -2924,7 +2919,7 @@
           <a:p>
             <a:fld id="{C452295A-2B17-4FE0-84DB-F0699F4DDF23}" type="datetimeFigureOut">
               <a:rPr lang="en-US" smtClean="0"/>
-              <a:t>12/23/2022</a:t>
+              <a:t>12/26/2022</a:t>
             </a:fld>
             <a:endParaRPr lang="en-US"/>
           </a:p>
@@ -3165,7 +3160,7 @@
           <a:p>
             <a:fld id="{C452295A-2B17-4FE0-84DB-F0699F4DDF23}" type="datetimeFigureOut">
               <a:rPr lang="en-US" smtClean="0"/>
-              <a:t>12/23/2022</a:t>
+              <a:t>12/26/2022</a:t>
             </a:fld>
             <a:endParaRPr lang="en-US"/>
           </a:p>
@@ -24349,89 +24344,106 @@
           </a:xfrm>
         </p:spPr>
         <p:txBody>
-          <a:bodyPr>
-            <a:normAutofit fontScale="90000"/>
+          <a:bodyPr numCol="2">
+            <a:noAutofit/>
           </a:bodyPr>
           <a:lstStyle/>
           <a:p>
             <a:r>
-              <a:rPr lang="en-US" dirty="0"/>
+              <a:rPr lang="en-US" sz="2400" dirty="0"/>
               <a:t>Dynamic Routes &amp; Advanced Models</a:t>
             </a:r>
             <a:br>
-              <a:rPr lang="en-US" dirty="0"/>
+              <a:rPr lang="en-US" sz="2400" dirty="0"/>
             </a:br>
             <a:r>
-              <a:rPr lang="en-US" dirty="0"/>
+              <a:rPr lang="en-US" sz="2400" dirty="0"/>
               <a:t>1. Adding the Product ID to the Path</a:t>
             </a:r>
             <a:br>
-              <a:rPr lang="en-US" dirty="0"/>
+              <a:rPr lang="en-US" sz="2400" dirty="0"/>
             </a:br>
             <a:r>
-              <a:rPr lang="en-US" dirty="0"/>
+              <a:rPr lang="en-US" sz="2400" dirty="0"/>
               <a:t>2. extracting dynamic params</a:t>
             </a:r>
             <a:br>
-              <a:rPr lang="en-US" dirty="0"/>
+              <a:rPr lang="en-US" sz="2400" dirty="0"/>
             </a:br>
             <a:r>
-              <a:rPr lang="en-US" dirty="0"/>
+              <a:rPr lang="en-US" sz="2400" dirty="0"/>
               <a:t>3. loading product detail data</a:t>
             </a:r>
             <a:br>
-              <a:rPr lang="en-US" dirty="0"/>
+              <a:rPr lang="en-US" sz="2400" dirty="0"/>
             </a:br>
             <a:r>
-              <a:rPr lang="en-US" dirty="0"/>
+              <a:rPr lang="en-US" sz="2400" dirty="0"/>
               <a:t>4. shop.js me display product</a:t>
             </a:r>
             <a:br>
-              <a:rPr lang="en-US" dirty="0"/>
+              <a:rPr lang="en-US" sz="2400" dirty="0"/>
             </a:br>
             <a:r>
-              <a:rPr lang="en-US" dirty="0"/>
+              <a:rPr lang="en-US" sz="2400" dirty="0"/>
               <a:t>5. Passing data with POST Requests.</a:t>
             </a:r>
             <a:br>
-              <a:rPr lang="en-US" dirty="0"/>
+              <a:rPr lang="en-US" sz="2400" dirty="0"/>
             </a:br>
             <a:r>
-              <a:rPr lang="en-US" dirty="0"/>
+              <a:rPr lang="en-US" sz="2400" dirty="0"/>
               <a:t>6. Adding a Cart Model</a:t>
             </a:r>
             <a:br>
-              <a:rPr lang="en-US" dirty="0"/>
+              <a:rPr lang="en-US" sz="2400" dirty="0"/>
             </a:br>
             <a:r>
-              <a:rPr lang="en-US" dirty="0"/>
+              <a:rPr lang="en-US" sz="2400" dirty="0"/>
               <a:t>7. Using Query Params</a:t>
             </a:r>
             <a:br>
-              <a:rPr lang="en-US" dirty="0"/>
+              <a:rPr lang="en-US" sz="2400" dirty="0"/>
             </a:br>
             <a:r>
-              <a:rPr lang="en-US" dirty="0"/>
+              <a:rPr lang="en-US" sz="2400" dirty="0"/>
               <a:t>8. Pre-Populating the edit product page with data</a:t>
             </a:r>
             <a:br>
-              <a:rPr lang="en-US" dirty="0"/>
+              <a:rPr lang="en-US" sz="2400" dirty="0"/>
             </a:br>
             <a:r>
-              <a:rPr lang="en-US" dirty="0"/>
+              <a:rPr lang="en-US" sz="2400" dirty="0"/>
               <a:t>9. Linking to the Edit Page.</a:t>
             </a:r>
             <a:br>
-              <a:rPr lang="en-US" dirty="0"/>
+              <a:rPr lang="en-US" sz="2400" dirty="0"/>
             </a:br>
             <a:r>
-              <a:rPr lang="en-US" dirty="0"/>
+              <a:rPr lang="en-US" sz="2400" dirty="0"/>
               <a:t>10. Editing the Product Data</a:t>
             </a:r>
             <a:br>
-              <a:rPr lang="en-US" dirty="0"/>
+              <a:rPr lang="en-US" sz="2400" dirty="0"/>
             </a:br>
-            <a:endParaRPr lang="en-US" dirty="0"/>
+            <a:r>
+              <a:rPr lang="en-US" sz="2400" dirty="0"/>
+              <a:t>11. Adding the Product Delete Function</a:t>
+            </a:r>
+            <a:br>
+              <a:rPr lang="en-US" sz="2400" dirty="0"/>
+            </a:br>
+            <a:r>
+              <a:rPr lang="en-US" sz="2400" dirty="0"/>
+              <a:t>12. Displaying Cart Items on the Cart.</a:t>
+            </a:r>
+            <a:br>
+              <a:rPr lang="en-US" sz="2400" dirty="0"/>
+            </a:br>
+            <a:r>
+              <a:rPr lang="en-US" sz="2400" dirty="0"/>
+              <a:t>13. Deleting Cart Items</a:t>
+            </a:r>
           </a:p>
         </p:txBody>
       </p:sp>
@@ -26617,7 +26629,7 @@
           <p:cNvPr id="2" name="Title 1">
             <a:extLst>
               <a:ext uri="{FF2B5EF4-FFF2-40B4-BE49-F238E27FC236}">
-                <a16:creationId xmlns:a16="http://schemas.microsoft.com/office/drawing/2014/main" id="{F85A2DF8-E93D-713B-4B0B-2B47ED605ADF}"/>
+                <a16:creationId xmlns:a16="http://schemas.microsoft.com/office/drawing/2014/main" id="{145E5815-E685-7F3A-40C1-71A49B4DD1F5}"/>
               </a:ext>
             </a:extLst>
           </p:cNvPr>
@@ -26635,490 +26647,550 @@
           <a:p>
             <a:r>
               <a:rPr lang="en-US" dirty="0"/>
-              <a:t>Project Sections</a:t>
-            </a:r>
-          </a:p>
-        </p:txBody>
-      </p:sp>
-      <p:sp>
-        <p:nvSpPr>
-          <p:cNvPr id="3" name="Content Placeholder 2">
-            <a:extLst>
-              <a:ext uri="{FF2B5EF4-FFF2-40B4-BE49-F238E27FC236}">
-                <a16:creationId xmlns:a16="http://schemas.microsoft.com/office/drawing/2014/main" id="{9EDB89FB-24DC-7230-987A-B785C1A1D7A6}"/>
-              </a:ext>
-            </a:extLst>
-          </p:cNvPr>
-          <p:cNvSpPr>
-            <a:spLocks noGrp="1"/>
-          </p:cNvSpPr>
-          <p:nvPr>
-            <p:ph idx="1"/>
-          </p:nvPr>
-        </p:nvSpPr>
-        <p:spPr/>
-        <p:txBody>
-          <a:bodyPr/>
-          <a:lstStyle/>
-          <a:p>
-            <a:r>
-              <a:rPr lang="en-US" dirty="0"/>
-              <a:t>S1- Project Introduction</a:t>
-            </a:r>
-          </a:p>
-          <a:p>
-            <a:r>
-              <a:rPr lang="en-US" dirty="0"/>
-              <a:t>S2- Installing &amp; Setting Up Node.js</a:t>
-            </a:r>
-          </a:p>
-          <a:p>
-            <a:r>
-              <a:rPr lang="en-US" dirty="0"/>
-              <a:t>S3- NPM &amp; Basic HTTP Server</a:t>
-            </a:r>
-          </a:p>
-          <a:p>
-            <a:r>
-              <a:rPr lang="en-US" dirty="0"/>
-              <a:t>S4- Serving HTML Files</a:t>
-            </a:r>
-          </a:p>
-        </p:txBody>
-      </p:sp>
+              <a:t>Module Summary</a:t>
+            </a:r>
+          </a:p>
+        </p:txBody>
+      </p:sp>
+      <p:sp>
+        <p:nvSpPr>
+          <p:cNvPr id="6" name="TextBox 5">
+            <a:extLst>
+              <a:ext uri="{FF2B5EF4-FFF2-40B4-BE49-F238E27FC236}">
+                <a16:creationId xmlns:a16="http://schemas.microsoft.com/office/drawing/2014/main" id="{0D81EC8A-8FCF-CEE0-B7CB-07F57D3B742C}"/>
+              </a:ext>
+            </a:extLst>
+          </p:cNvPr>
+          <p:cNvSpPr txBox="1"/>
+          <p:nvPr/>
+        </p:nvSpPr>
+        <p:spPr>
+          <a:xfrm>
+            <a:off x="3046863" y="3247746"/>
+            <a:ext cx="6093724" cy="369332"/>
+          </a:xfrm>
+          <a:prstGeom prst="rect">
+            <a:avLst/>
+          </a:prstGeom>
+          <a:noFill/>
+        </p:spPr>
+        <p:txBody>
+          <a:bodyPr wrap="square">
+            <a:spAutoFit/>
+          </a:bodyPr>
+          <a:lstStyle/>
+          <a:p>
+            <a:endParaRPr lang="en-US" dirty="0"/>
+          </a:p>
+        </p:txBody>
+      </p:sp>
+      <p:grpSp>
+        <p:nvGrpSpPr>
+          <p:cNvPr id="8" name="Group 7">
+            <a:extLst>
+              <a:ext uri="{FF2B5EF4-FFF2-40B4-BE49-F238E27FC236}">
+                <a16:creationId xmlns:a16="http://schemas.microsoft.com/office/drawing/2014/main" id="{E0EBDD06-5B96-B5B2-2D5A-812D126A5A57}"/>
+              </a:ext>
+            </a:extLst>
+          </p:cNvPr>
+          <p:cNvGrpSpPr/>
+          <p:nvPr/>
+        </p:nvGrpSpPr>
+        <p:grpSpPr>
+          <a:xfrm>
+            <a:off x="955342" y="1801326"/>
+            <a:ext cx="4995081" cy="3944381"/>
+            <a:chOff x="955342" y="1801326"/>
+            <a:chExt cx="4995081" cy="3944381"/>
+          </a:xfrm>
+        </p:grpSpPr>
+        <p:sp>
+          <p:nvSpPr>
+            <p:cNvPr id="4" name="Rectangle 3">
+              <a:extLst>
+                <a:ext uri="{FF2B5EF4-FFF2-40B4-BE49-F238E27FC236}">
+                  <a16:creationId xmlns:a16="http://schemas.microsoft.com/office/drawing/2014/main" id="{6C28613D-B694-3813-8D78-65B0A45EB728}"/>
+                </a:ext>
+              </a:extLst>
+            </p:cNvPr>
+            <p:cNvSpPr/>
+            <p:nvPr/>
+          </p:nvSpPr>
+          <p:spPr>
+            <a:xfrm>
+              <a:off x="955342" y="1801326"/>
+              <a:ext cx="4995081" cy="533897"/>
+            </a:xfrm>
+            <a:prstGeom prst="rect">
+              <a:avLst/>
+            </a:prstGeom>
+            <a:solidFill>
+              <a:schemeClr val="accent6">
+                <a:lumMod val="50000"/>
+              </a:schemeClr>
+            </a:solidFill>
+          </p:spPr>
+          <p:style>
+            <a:lnRef idx="2">
+              <a:schemeClr val="accent1">
+                <a:shade val="50000"/>
+              </a:schemeClr>
+            </a:lnRef>
+            <a:fillRef idx="1">
+              <a:schemeClr val="accent1"/>
+            </a:fillRef>
+            <a:effectRef idx="0">
+              <a:schemeClr val="accent1"/>
+            </a:effectRef>
+            <a:fontRef idx="minor">
+              <a:schemeClr val="lt1"/>
+            </a:fontRef>
+          </p:style>
+          <p:txBody>
+            <a:bodyPr rtlCol="0" anchor="ctr"/>
+            <a:lstStyle/>
+            <a:p>
+              <a:pPr algn="ctr"/>
+              <a:r>
+                <a:rPr lang="en-US" dirty="0"/>
+                <a:t>Dynamic Routing</a:t>
+              </a:r>
+            </a:p>
+          </p:txBody>
+        </p:sp>
+        <p:sp>
+          <p:nvSpPr>
+            <p:cNvPr id="7" name="Rectangle 6">
+              <a:extLst>
+                <a:ext uri="{FF2B5EF4-FFF2-40B4-BE49-F238E27FC236}">
+                  <a16:creationId xmlns:a16="http://schemas.microsoft.com/office/drawing/2014/main" id="{BF6B10BD-53AA-1F84-9C01-62697F24017E}"/>
+                </a:ext>
+              </a:extLst>
+            </p:cNvPr>
+            <p:cNvSpPr/>
+            <p:nvPr/>
+          </p:nvSpPr>
+          <p:spPr>
+            <a:xfrm>
+              <a:off x="955342" y="2335223"/>
+              <a:ext cx="4995081" cy="3410484"/>
+            </a:xfrm>
+            <a:prstGeom prst="rect">
+              <a:avLst/>
+            </a:prstGeom>
+            <a:solidFill>
+              <a:schemeClr val="accent6">
+                <a:lumMod val="60000"/>
+                <a:lumOff val="40000"/>
+              </a:schemeClr>
+            </a:solidFill>
+          </p:spPr>
+          <p:style>
+            <a:lnRef idx="2">
+              <a:schemeClr val="accent1">
+                <a:shade val="50000"/>
+              </a:schemeClr>
+            </a:lnRef>
+            <a:fillRef idx="1">
+              <a:schemeClr val="accent1"/>
+            </a:fillRef>
+            <a:effectRef idx="0">
+              <a:schemeClr val="accent1"/>
+            </a:effectRef>
+            <a:fontRef idx="minor">
+              <a:schemeClr val="lt1"/>
+            </a:fontRef>
+          </p:style>
+          <p:txBody>
+            <a:bodyPr rtlCol="0" anchor="ctr"/>
+            <a:lstStyle/>
+            <a:p>
+              <a:pPr marL="285750" indent="-285750" algn="ctr">
+                <a:buFont typeface="Arial" panose="020B0604020202020204" pitchFamily="34" charset="0"/>
+                <a:buChar char="•"/>
+              </a:pPr>
+              <a:r>
+                <a:rPr lang="en-US" dirty="0">
+                  <a:ln w="0"/>
+                  <a:solidFill>
+                    <a:schemeClr val="tx1"/>
+                  </a:solidFill>
+                  <a:effectLst>
+                    <a:outerShdw blurRad="38100" dist="19050" dir="2700000" algn="tl" rotWithShape="0">
+                      <a:schemeClr val="dk1">
+                        <a:alpha val="40000"/>
+                      </a:schemeClr>
+                    </a:outerShdw>
+                  </a:effectLst>
+                </a:rPr>
+                <a:t>We can pass dynamic path segments by adding a “:” to the Express router path</a:t>
+              </a:r>
+            </a:p>
+            <a:p>
+              <a:pPr marL="285750" indent="-285750" algn="ctr">
+                <a:buFont typeface="Arial" panose="020B0604020202020204" pitchFamily="34" charset="0"/>
+                <a:buChar char="•"/>
+              </a:pPr>
+              <a:r>
+                <a:rPr lang="en-US" dirty="0">
+                  <a:ln w="0"/>
+                  <a:solidFill>
+                    <a:schemeClr val="tx1"/>
+                  </a:solidFill>
+                  <a:effectLst>
+                    <a:outerShdw blurRad="38100" dist="19050" dir="2700000" algn="tl" rotWithShape="0">
+                      <a:schemeClr val="dk1">
+                        <a:alpha val="40000"/>
+                      </a:schemeClr>
+                    </a:outerShdw>
+                  </a:effectLst>
+                </a:rPr>
+                <a:t>The name we add after “:” is the name by which we can extract the data on </a:t>
+              </a:r>
+              <a:r>
+                <a:rPr lang="en-US" dirty="0" err="1">
+                  <a:ln w="0"/>
+                  <a:solidFill>
+                    <a:schemeClr val="tx1"/>
+                  </a:solidFill>
+                  <a:effectLst>
+                    <a:outerShdw blurRad="38100" dist="19050" dir="2700000" algn="tl" rotWithShape="0">
+                      <a:schemeClr val="dk1">
+                        <a:alpha val="40000"/>
+                      </a:schemeClr>
+                    </a:outerShdw>
+                  </a:effectLst>
+                </a:rPr>
+                <a:t>req.params</a:t>
+              </a:r>
+              <a:endParaRPr lang="en-US" dirty="0">
+                <a:ln w="0"/>
+                <a:solidFill>
+                  <a:schemeClr val="tx1"/>
+                </a:solidFill>
+                <a:effectLst>
+                  <a:outerShdw blurRad="38100" dist="19050" dir="2700000" algn="tl" rotWithShape="0">
+                    <a:schemeClr val="dk1">
+                      <a:alpha val="40000"/>
+                    </a:schemeClr>
+                  </a:outerShdw>
+                </a:effectLst>
+              </a:endParaRPr>
+            </a:p>
+            <a:p>
+              <a:pPr marL="285750" indent="-285750" algn="ctr">
+                <a:buFont typeface="Arial" panose="020B0604020202020204" pitchFamily="34" charset="0"/>
+                <a:buChar char="•"/>
+              </a:pPr>
+              <a:r>
+                <a:rPr lang="en-US" dirty="0">
+                  <a:ln w="0"/>
+                  <a:solidFill>
+                    <a:schemeClr val="tx1"/>
+                  </a:solidFill>
+                  <a:effectLst>
+                    <a:outerShdw blurRad="38100" dist="19050" dir="2700000" algn="tl" rotWithShape="0">
+                      <a:schemeClr val="dk1">
+                        <a:alpha val="40000"/>
+                      </a:schemeClr>
+                    </a:outerShdw>
+                  </a:effectLst>
+                </a:rPr>
+                <a:t>Optional (query) parameters can also be passed (?param=</a:t>
+              </a:r>
+              <a:r>
+                <a:rPr lang="en-US" dirty="0" err="1">
+                  <a:ln w="0"/>
+                  <a:solidFill>
+                    <a:schemeClr val="tx1"/>
+                  </a:solidFill>
+                  <a:effectLst>
+                    <a:outerShdw blurRad="38100" dist="19050" dir="2700000" algn="tl" rotWithShape="0">
+                      <a:schemeClr val="dk1">
+                        <a:alpha val="40000"/>
+                      </a:schemeClr>
+                    </a:outerShdw>
+                  </a:effectLst>
+                </a:rPr>
+                <a:t>value&amp;b</a:t>
+              </a:r>
+              <a:r>
+                <a:rPr lang="en-US" dirty="0">
+                  <a:ln w="0"/>
+                  <a:solidFill>
+                    <a:schemeClr val="tx1"/>
+                  </a:solidFill>
+                  <a:effectLst>
+                    <a:outerShdw blurRad="38100" dist="19050" dir="2700000" algn="tl" rotWithShape="0">
+                      <a:schemeClr val="dk1">
+                        <a:alpha val="40000"/>
+                      </a:schemeClr>
+                    </a:outerShdw>
+                  </a:effectLst>
+                </a:rPr>
+                <a:t>=2) and extracted (</a:t>
+              </a:r>
+              <a:r>
+                <a:rPr lang="en-US" dirty="0" err="1">
+                  <a:ln w="0"/>
+                  <a:solidFill>
+                    <a:schemeClr val="tx1"/>
+                  </a:solidFill>
+                  <a:effectLst>
+                    <a:outerShdw blurRad="38100" dist="19050" dir="2700000" algn="tl" rotWithShape="0">
+                      <a:schemeClr val="dk1">
+                        <a:alpha val="40000"/>
+                      </a:schemeClr>
+                    </a:outerShdw>
+                  </a:effectLst>
+                </a:rPr>
+                <a:t>req.query.myParam</a:t>
+              </a:r>
+              <a:r>
+                <a:rPr lang="en-US" dirty="0">
+                  <a:ln w="0"/>
+                  <a:solidFill>
+                    <a:schemeClr val="tx1"/>
+                  </a:solidFill>
+                  <a:effectLst>
+                    <a:outerShdw blurRad="38100" dist="19050" dir="2700000" algn="tl" rotWithShape="0">
+                      <a:schemeClr val="dk1">
+                        <a:alpha val="40000"/>
+                      </a:schemeClr>
+                    </a:outerShdw>
+                  </a:effectLst>
+                </a:rPr>
+                <a:t>)</a:t>
+              </a:r>
+            </a:p>
+          </p:txBody>
+        </p:sp>
+      </p:grpSp>
+      <p:grpSp>
+        <p:nvGrpSpPr>
+          <p:cNvPr id="9" name="Group 8">
+            <a:extLst>
+              <a:ext uri="{FF2B5EF4-FFF2-40B4-BE49-F238E27FC236}">
+                <a16:creationId xmlns:a16="http://schemas.microsoft.com/office/drawing/2014/main" id="{B1162958-8D37-AB14-1D13-27978ABA1CEC}"/>
+              </a:ext>
+            </a:extLst>
+          </p:cNvPr>
+          <p:cNvGrpSpPr/>
+          <p:nvPr/>
+        </p:nvGrpSpPr>
+        <p:grpSpPr>
+          <a:xfrm>
+            <a:off x="6643046" y="1690688"/>
+            <a:ext cx="4995081" cy="3944381"/>
+            <a:chOff x="955342" y="1801326"/>
+            <a:chExt cx="4995081" cy="3944381"/>
+          </a:xfrm>
+        </p:grpSpPr>
+        <p:sp>
+          <p:nvSpPr>
+            <p:cNvPr id="10" name="Rectangle 9">
+              <a:extLst>
+                <a:ext uri="{FF2B5EF4-FFF2-40B4-BE49-F238E27FC236}">
+                  <a16:creationId xmlns:a16="http://schemas.microsoft.com/office/drawing/2014/main" id="{4D86ECB5-9E29-EC04-8549-5D6CDF5A86A6}"/>
+                </a:ext>
+              </a:extLst>
+            </p:cNvPr>
+            <p:cNvSpPr/>
+            <p:nvPr/>
+          </p:nvSpPr>
+          <p:spPr>
+            <a:xfrm>
+              <a:off x="955342" y="1801326"/>
+              <a:ext cx="4995081" cy="533897"/>
+            </a:xfrm>
+            <a:prstGeom prst="rect">
+              <a:avLst/>
+            </a:prstGeom>
+            <a:solidFill>
+              <a:schemeClr val="accent6">
+                <a:lumMod val="50000"/>
+              </a:schemeClr>
+            </a:solidFill>
+          </p:spPr>
+          <p:style>
+            <a:lnRef idx="2">
+              <a:schemeClr val="accent1">
+                <a:shade val="50000"/>
+              </a:schemeClr>
+            </a:lnRef>
+            <a:fillRef idx="1">
+              <a:schemeClr val="accent1"/>
+            </a:fillRef>
+            <a:effectRef idx="0">
+              <a:schemeClr val="accent1"/>
+            </a:effectRef>
+            <a:fontRef idx="minor">
+              <a:schemeClr val="lt1"/>
+            </a:fontRef>
+          </p:style>
+          <p:txBody>
+            <a:bodyPr rtlCol="0" anchor="ctr"/>
+            <a:lstStyle/>
+            <a:p>
+              <a:pPr algn="ctr"/>
+              <a:r>
+                <a:rPr lang="en-US" dirty="0"/>
+                <a:t>More an Models</a:t>
+              </a:r>
+            </a:p>
+          </p:txBody>
+        </p:sp>
+        <p:sp>
+          <p:nvSpPr>
+            <p:cNvPr id="11" name="Rectangle 10">
+              <a:extLst>
+                <a:ext uri="{FF2B5EF4-FFF2-40B4-BE49-F238E27FC236}">
+                  <a16:creationId xmlns:a16="http://schemas.microsoft.com/office/drawing/2014/main" id="{E3CADA80-8A9F-FCB1-8302-4A30B5D24456}"/>
+                </a:ext>
+              </a:extLst>
+            </p:cNvPr>
+            <p:cNvSpPr/>
+            <p:nvPr/>
+          </p:nvSpPr>
+          <p:spPr>
+            <a:xfrm>
+              <a:off x="955342" y="2335223"/>
+              <a:ext cx="4995081" cy="3410484"/>
+            </a:xfrm>
+            <a:prstGeom prst="rect">
+              <a:avLst/>
+            </a:prstGeom>
+            <a:solidFill>
+              <a:schemeClr val="accent6">
+                <a:lumMod val="60000"/>
+                <a:lumOff val="40000"/>
+              </a:schemeClr>
+            </a:solidFill>
+          </p:spPr>
+          <p:style>
+            <a:lnRef idx="2">
+              <a:schemeClr val="accent1">
+                <a:shade val="50000"/>
+              </a:schemeClr>
+            </a:lnRef>
+            <a:fillRef idx="1">
+              <a:schemeClr val="accent1"/>
+            </a:fillRef>
+            <a:effectRef idx="0">
+              <a:schemeClr val="accent1"/>
+            </a:effectRef>
+            <a:fontRef idx="minor">
+              <a:schemeClr val="lt1"/>
+            </a:fontRef>
+          </p:style>
+          <p:txBody>
+            <a:bodyPr rtlCol="0" anchor="ctr"/>
+            <a:lstStyle/>
+            <a:p>
+              <a:pPr marL="285750" indent="-285750" algn="ctr">
+                <a:buFont typeface="Arial" panose="020B0604020202020204" pitchFamily="34" charset="0"/>
+                <a:buChar char="•"/>
+              </a:pPr>
+              <a:r>
+                <a:rPr lang="en-US" dirty="0">
+                  <a:ln w="0"/>
+                  <a:solidFill>
+                    <a:schemeClr val="tx1"/>
+                  </a:solidFill>
+                  <a:effectLst>
+                    <a:outerShdw blurRad="38100" dist="19050" dir="2700000" algn="tl" rotWithShape="0">
+                      <a:schemeClr val="dk1">
+                        <a:alpha val="40000"/>
+                      </a:schemeClr>
+                    </a:outerShdw>
+                  </a:effectLst>
+                </a:rPr>
+                <a:t>A Cart model was added – it holds static methods only</a:t>
+              </a:r>
+            </a:p>
+            <a:p>
+              <a:pPr marL="285750" indent="-285750" algn="ctr">
+                <a:buFont typeface="Arial" panose="020B0604020202020204" pitchFamily="34" charset="0"/>
+                <a:buChar char="•"/>
+              </a:pPr>
+              <a:r>
+                <a:rPr lang="en-US" dirty="0">
+                  <a:ln w="0"/>
+                  <a:solidFill>
+                    <a:schemeClr val="tx1"/>
+                  </a:solidFill>
+                  <a:effectLst>
+                    <a:outerShdw blurRad="38100" dist="19050" dir="2700000" algn="tl" rotWithShape="0">
+                      <a:schemeClr val="dk1">
+                        <a:alpha val="40000"/>
+                      </a:schemeClr>
+                    </a:outerShdw>
+                  </a:effectLst>
+                </a:rPr>
+                <a:t>We can interact between models (e.g. delete cart item if a product is deleted)</a:t>
+              </a:r>
+            </a:p>
+            <a:p>
+              <a:pPr marL="285750" indent="-285750" algn="ctr">
+                <a:buFont typeface="Arial" panose="020B0604020202020204" pitchFamily="34" charset="0"/>
+                <a:buChar char="•"/>
+              </a:pPr>
+              <a:r>
+                <a:rPr lang="en-US" dirty="0">
+                  <a:ln w="0"/>
+                  <a:solidFill>
+                    <a:schemeClr val="tx1"/>
+                  </a:solidFill>
+                  <a:effectLst>
+                    <a:outerShdw blurRad="38100" dist="19050" dir="2700000" algn="tl" rotWithShape="0">
+                      <a:schemeClr val="dk1">
+                        <a:alpha val="40000"/>
+                      </a:schemeClr>
+                    </a:outerShdw>
+                  </a:effectLst>
+                </a:rPr>
+                <a:t>Working with files for data storage </a:t>
+              </a:r>
+              <a:r>
+                <a:rPr lang="en-US">
+                  <a:ln w="0"/>
+                  <a:solidFill>
+                    <a:schemeClr val="tx1"/>
+                  </a:solidFill>
+                  <a:effectLst>
+                    <a:outerShdw blurRad="38100" dist="19050" dir="2700000" algn="tl" rotWithShape="0">
+                      <a:schemeClr val="dk1">
+                        <a:alpha val="40000"/>
+                      </a:schemeClr>
+                    </a:outerShdw>
+                  </a:effectLst>
+                </a:rPr>
+                <a:t>is suboptimal </a:t>
+              </a:r>
+              <a:r>
+                <a:rPr lang="en-US" dirty="0">
+                  <a:ln w="0"/>
+                  <a:solidFill>
+                    <a:schemeClr val="tx1"/>
+                  </a:solidFill>
+                  <a:effectLst>
+                    <a:outerShdw blurRad="38100" dist="19050" dir="2700000" algn="tl" rotWithShape="0">
+                      <a:schemeClr val="dk1">
+                        <a:alpha val="40000"/>
+                      </a:schemeClr>
+                    </a:outerShdw>
+                  </a:effectLst>
+                </a:rPr>
+                <a:t>for bigger amounts of data.</a:t>
+              </a:r>
+            </a:p>
+          </p:txBody>
+        </p:sp>
+      </p:grpSp>
     </p:spTree>
     <p:extLst>
       <p:ext uri="{BB962C8B-B14F-4D97-AF65-F5344CB8AC3E}">
-        <p14:creationId xmlns:p14="http://schemas.microsoft.com/office/powerpoint/2010/main" val="1985724712"/>
-      </p:ext>
-    </p:extLst>
-  </p:cSld>
-  <p:clrMapOvr>
-    <a:masterClrMapping/>
-  </p:clrMapOvr>
-</p:sld>
-</file>
-
-<file path=ppt/slides/slide56.xml><?xml version="1.0" encoding="utf-8"?>
-<p:sld xmlns:a="http://schemas.openxmlformats.org/drawingml/2006/main" xmlns:r="http://schemas.openxmlformats.org/officeDocument/2006/relationships" xmlns:p="http://schemas.openxmlformats.org/presentationml/2006/main">
-  <p:cSld>
-    <p:spTree>
-      <p:nvGrpSpPr>
-        <p:cNvPr id="1" name=""/>
-        <p:cNvGrpSpPr/>
-        <p:nvPr/>
-      </p:nvGrpSpPr>
-      <p:grpSpPr>
-        <a:xfrm>
-          <a:off x="0" y="0"/>
-          <a:ext cx="0" cy="0"/>
-          <a:chOff x="0" y="0"/>
-          <a:chExt cx="0" cy="0"/>
-        </a:xfrm>
-      </p:grpSpPr>
-      <p:sp>
-        <p:nvSpPr>
-          <p:cNvPr id="2" name="Title 1">
-            <a:extLst>
-              <a:ext uri="{FF2B5EF4-FFF2-40B4-BE49-F238E27FC236}">
-                <a16:creationId xmlns:a16="http://schemas.microsoft.com/office/drawing/2014/main" id="{C7DD1871-1D4E-1B49-7C0D-7FF851C79FC7}"/>
-              </a:ext>
-            </a:extLst>
-          </p:cNvPr>
-          <p:cNvSpPr>
-            <a:spLocks noGrp="1"/>
-          </p:cNvSpPr>
-          <p:nvPr>
-            <p:ph type="title"/>
-          </p:nvPr>
-        </p:nvSpPr>
-        <p:spPr/>
-        <p:txBody>
-          <a:bodyPr/>
-          <a:lstStyle/>
-          <a:p>
-            <a:r>
-              <a:rPr lang="en-US" dirty="0"/>
-              <a:t>We Learn</a:t>
-            </a:r>
-          </a:p>
-        </p:txBody>
-      </p:sp>
-      <p:sp>
-        <p:nvSpPr>
-          <p:cNvPr id="3" name="Content Placeholder 2">
-            <a:extLst>
-              <a:ext uri="{FF2B5EF4-FFF2-40B4-BE49-F238E27FC236}">
-                <a16:creationId xmlns:a16="http://schemas.microsoft.com/office/drawing/2014/main" id="{B16FEFAD-05E1-14E8-FC1A-C2A6BA94C43E}"/>
-              </a:ext>
-            </a:extLst>
-          </p:cNvPr>
-          <p:cNvSpPr>
-            <a:spLocks noGrp="1"/>
-          </p:cNvSpPr>
-          <p:nvPr>
-            <p:ph idx="1"/>
-          </p:nvPr>
-        </p:nvSpPr>
-        <p:spPr/>
-        <p:txBody>
-          <a:bodyPr/>
-          <a:lstStyle/>
-          <a:p>
-            <a:r>
-              <a:rPr lang="en-US" dirty="0"/>
-              <a:t>How to get Node.js up and running on our localhost.</a:t>
-            </a:r>
-          </a:p>
-          <a:p>
-            <a:r>
-              <a:rPr lang="en-US" dirty="0"/>
-              <a:t>How to handle HTTP requests/responses</a:t>
-            </a:r>
-          </a:p>
-          <a:p>
-            <a:r>
-              <a:rPr lang="en-US" dirty="0"/>
-              <a:t>Serve a webpage through a browser</a:t>
-            </a:r>
-          </a:p>
-        </p:txBody>
-      </p:sp>
-    </p:spTree>
-    <p:extLst>
-      <p:ext uri="{BB962C8B-B14F-4D97-AF65-F5344CB8AC3E}">
-        <p14:creationId xmlns:p14="http://schemas.microsoft.com/office/powerpoint/2010/main" val="2318241375"/>
-      </p:ext>
-    </p:extLst>
-  </p:cSld>
-  <p:clrMapOvr>
-    <a:masterClrMapping/>
-  </p:clrMapOvr>
-</p:sld>
-</file>
-
-<file path=ppt/slides/slide57.xml><?xml version="1.0" encoding="utf-8"?>
-<p:sld xmlns:a="http://schemas.openxmlformats.org/drawingml/2006/main" xmlns:r="http://schemas.openxmlformats.org/officeDocument/2006/relationships" xmlns:p="http://schemas.openxmlformats.org/presentationml/2006/main">
-  <p:cSld>
-    <p:spTree>
-      <p:nvGrpSpPr>
-        <p:cNvPr id="1" name=""/>
-        <p:cNvGrpSpPr/>
-        <p:nvPr/>
-      </p:nvGrpSpPr>
-      <p:grpSpPr>
-        <a:xfrm>
-          <a:off x="0" y="0"/>
-          <a:ext cx="0" cy="0"/>
-          <a:chOff x="0" y="0"/>
-          <a:chExt cx="0" cy="0"/>
-        </a:xfrm>
-      </p:grpSpPr>
-      <p:sp>
-        <p:nvSpPr>
-          <p:cNvPr id="2" name="Title 1">
-            <a:extLst>
-              <a:ext uri="{FF2B5EF4-FFF2-40B4-BE49-F238E27FC236}">
-                <a16:creationId xmlns:a16="http://schemas.microsoft.com/office/drawing/2014/main" id="{519F6DC2-575C-42CD-FB23-C70073B615B8}"/>
-              </a:ext>
-            </a:extLst>
-          </p:cNvPr>
-          <p:cNvSpPr>
-            <a:spLocks noGrp="1"/>
-          </p:cNvSpPr>
-          <p:nvPr>
-            <p:ph type="title"/>
-          </p:nvPr>
-        </p:nvSpPr>
-        <p:spPr/>
-        <p:txBody>
-          <a:bodyPr/>
-          <a:lstStyle/>
-          <a:p>
-            <a:r>
-              <a:rPr lang="en-US" dirty="0"/>
-              <a:t>Project - 2</a:t>
-            </a:r>
-          </a:p>
-        </p:txBody>
-      </p:sp>
-      <p:sp>
-        <p:nvSpPr>
-          <p:cNvPr id="3" name="Content Placeholder 2">
-            <a:extLst>
-              <a:ext uri="{FF2B5EF4-FFF2-40B4-BE49-F238E27FC236}">
-                <a16:creationId xmlns:a16="http://schemas.microsoft.com/office/drawing/2014/main" id="{5D311FD8-6E03-6DA8-DCC5-1184B6A0952B}"/>
-              </a:ext>
-            </a:extLst>
-          </p:cNvPr>
-          <p:cNvSpPr>
-            <a:spLocks noGrp="1"/>
-          </p:cNvSpPr>
-          <p:nvPr>
-            <p:ph idx="1"/>
-          </p:nvPr>
-        </p:nvSpPr>
-        <p:spPr/>
-        <p:txBody>
-          <a:bodyPr/>
-          <a:lstStyle/>
-          <a:p>
-            <a:r>
-              <a:rPr lang="en-US" dirty="0"/>
-              <a:t>Installing &amp; setting up Express</a:t>
-            </a:r>
-          </a:p>
-          <a:p>
-            <a:r>
-              <a:rPr lang="en-US" dirty="0"/>
-              <a:t>Routing System</a:t>
-            </a:r>
-          </a:p>
-          <a:p>
-            <a:r>
-              <a:rPr lang="en-US" dirty="0"/>
-              <a:t>Jade </a:t>
-            </a:r>
-            <a:r>
-              <a:rPr lang="en-US" dirty="0" err="1"/>
-              <a:t>Templatng</a:t>
-            </a:r>
-            <a:endParaRPr lang="en-US" dirty="0"/>
-          </a:p>
-          <a:p>
-            <a:r>
-              <a:rPr lang="en-US" dirty="0"/>
-              <a:t>Working with Views</a:t>
-            </a:r>
-          </a:p>
-          <a:p>
-            <a:r>
-              <a:rPr lang="en-US" dirty="0" err="1"/>
-              <a:t>Nodemailer</a:t>
-            </a:r>
-            <a:r>
-              <a:rPr lang="en-US" dirty="0"/>
-              <a:t> Module</a:t>
-            </a:r>
-          </a:p>
-        </p:txBody>
-      </p:sp>
-    </p:spTree>
-    <p:extLst>
-      <p:ext uri="{BB962C8B-B14F-4D97-AF65-F5344CB8AC3E}">
-        <p14:creationId xmlns:p14="http://schemas.microsoft.com/office/powerpoint/2010/main" val="587665243"/>
-      </p:ext>
-    </p:extLst>
-  </p:cSld>
-  <p:clrMapOvr>
-    <a:masterClrMapping/>
-  </p:clrMapOvr>
-</p:sld>
-</file>
-
-<file path=ppt/slides/slide58.xml><?xml version="1.0" encoding="utf-8"?>
-<p:sld xmlns:a="http://schemas.openxmlformats.org/drawingml/2006/main" xmlns:r="http://schemas.openxmlformats.org/officeDocument/2006/relationships" xmlns:p="http://schemas.openxmlformats.org/presentationml/2006/main">
-  <p:cSld>
-    <p:spTree>
-      <p:nvGrpSpPr>
-        <p:cNvPr id="1" name=""/>
-        <p:cNvGrpSpPr/>
-        <p:nvPr/>
-      </p:nvGrpSpPr>
-      <p:grpSpPr>
-        <a:xfrm>
-          <a:off x="0" y="0"/>
-          <a:ext cx="0" cy="0"/>
-          <a:chOff x="0" y="0"/>
-          <a:chExt cx="0" cy="0"/>
-        </a:xfrm>
-      </p:grpSpPr>
-      <p:sp>
-        <p:nvSpPr>
-          <p:cNvPr id="2" name="Title 1">
-            <a:extLst>
-              <a:ext uri="{FF2B5EF4-FFF2-40B4-BE49-F238E27FC236}">
-                <a16:creationId xmlns:a16="http://schemas.microsoft.com/office/drawing/2014/main" id="{9EFB96E5-9971-2397-A8C9-BE2450FF40A8}"/>
-              </a:ext>
-            </a:extLst>
-          </p:cNvPr>
-          <p:cNvSpPr>
-            <a:spLocks noGrp="1"/>
-          </p:cNvSpPr>
-          <p:nvPr>
-            <p:ph type="title"/>
-          </p:nvPr>
-        </p:nvSpPr>
-        <p:spPr/>
-        <p:txBody>
-          <a:bodyPr/>
-          <a:lstStyle/>
-          <a:p>
-            <a:r>
-              <a:rPr lang="en-US" dirty="0"/>
-              <a:t>Project Section</a:t>
-            </a:r>
-          </a:p>
-        </p:txBody>
-      </p:sp>
-      <p:sp>
-        <p:nvSpPr>
-          <p:cNvPr id="3" name="Content Placeholder 2">
-            <a:extLst>
-              <a:ext uri="{FF2B5EF4-FFF2-40B4-BE49-F238E27FC236}">
-                <a16:creationId xmlns:a16="http://schemas.microsoft.com/office/drawing/2014/main" id="{517CE673-42BE-8B1F-336F-4C5B150925D6}"/>
-              </a:ext>
-            </a:extLst>
-          </p:cNvPr>
-          <p:cNvSpPr>
-            <a:spLocks noGrp="1"/>
-          </p:cNvSpPr>
-          <p:nvPr>
-            <p:ph idx="1"/>
-          </p:nvPr>
-        </p:nvSpPr>
-        <p:spPr/>
-        <p:txBody>
-          <a:bodyPr/>
-          <a:lstStyle/>
-          <a:p>
-            <a:pPr marL="0" indent="0">
-              <a:buNone/>
-            </a:pPr>
-            <a:r>
-              <a:rPr lang="en-US" dirty="0"/>
-              <a:t>S1 – Project Introduction</a:t>
-            </a:r>
-          </a:p>
-          <a:p>
-            <a:pPr marL="0" indent="0">
-              <a:buNone/>
-            </a:pPr>
-            <a:r>
-              <a:rPr lang="en-US" dirty="0"/>
-              <a:t>S2 – Express &amp; Jade Template Setup</a:t>
-            </a:r>
-          </a:p>
-          <a:p>
-            <a:pPr marL="0" indent="0">
-              <a:buNone/>
-            </a:pPr>
-            <a:r>
-              <a:rPr lang="en-US" dirty="0"/>
-              <a:t>S3 – Page Routes &amp; Views</a:t>
-            </a:r>
-          </a:p>
-          <a:p>
-            <a:pPr marL="0" indent="0">
-              <a:buNone/>
-            </a:pPr>
-            <a:r>
-              <a:rPr lang="en-US" dirty="0"/>
-              <a:t>S4 – </a:t>
-            </a:r>
-            <a:r>
-              <a:rPr lang="en-US" dirty="0" err="1"/>
-              <a:t>Nodemailer</a:t>
-            </a:r>
-            <a:r>
-              <a:rPr lang="en-US" dirty="0"/>
-              <a:t> Setup</a:t>
-            </a:r>
-          </a:p>
-        </p:txBody>
-      </p:sp>
-    </p:spTree>
-    <p:extLst>
-      <p:ext uri="{BB962C8B-B14F-4D97-AF65-F5344CB8AC3E}">
-        <p14:creationId xmlns:p14="http://schemas.microsoft.com/office/powerpoint/2010/main" val="2172014658"/>
-      </p:ext>
-    </p:extLst>
-  </p:cSld>
-  <p:clrMapOvr>
-    <a:masterClrMapping/>
-  </p:clrMapOvr>
-</p:sld>
-</file>
-
-<file path=ppt/slides/slide59.xml><?xml version="1.0" encoding="utf-8"?>
-<p:sld xmlns:a="http://schemas.openxmlformats.org/drawingml/2006/main" xmlns:r="http://schemas.openxmlformats.org/officeDocument/2006/relationships" xmlns:p="http://schemas.openxmlformats.org/presentationml/2006/main">
-  <p:cSld>
-    <p:spTree>
-      <p:nvGrpSpPr>
-        <p:cNvPr id="1" name=""/>
-        <p:cNvGrpSpPr/>
-        <p:nvPr/>
-      </p:nvGrpSpPr>
-      <p:grpSpPr>
-        <a:xfrm>
-          <a:off x="0" y="0"/>
-          <a:ext cx="0" cy="0"/>
-          <a:chOff x="0" y="0"/>
-          <a:chExt cx="0" cy="0"/>
-        </a:xfrm>
-      </p:grpSpPr>
-      <p:sp>
-        <p:nvSpPr>
-          <p:cNvPr id="2" name="Title 1">
-            <a:extLst>
-              <a:ext uri="{FF2B5EF4-FFF2-40B4-BE49-F238E27FC236}">
-                <a16:creationId xmlns:a16="http://schemas.microsoft.com/office/drawing/2014/main" id="{35FD428C-E9E6-7FF7-3CDE-5C2FFF7DB312}"/>
-              </a:ext>
-            </a:extLst>
-          </p:cNvPr>
-          <p:cNvSpPr>
-            <a:spLocks noGrp="1"/>
-          </p:cNvSpPr>
-          <p:nvPr>
-            <p:ph type="title"/>
-          </p:nvPr>
-        </p:nvSpPr>
-        <p:spPr/>
-        <p:txBody>
-          <a:bodyPr/>
-          <a:lstStyle/>
-          <a:p>
-            <a:r>
-              <a:rPr lang="en-US" dirty="0"/>
-              <a:t>We will Learn</a:t>
-            </a:r>
-          </a:p>
-        </p:txBody>
-      </p:sp>
-      <p:sp>
-        <p:nvSpPr>
-          <p:cNvPr id="3" name="Content Placeholder 2">
-            <a:extLst>
-              <a:ext uri="{FF2B5EF4-FFF2-40B4-BE49-F238E27FC236}">
-                <a16:creationId xmlns:a16="http://schemas.microsoft.com/office/drawing/2014/main" id="{D1A19DB1-AC2B-261F-14B0-F095B4E83D2F}"/>
-              </a:ext>
-            </a:extLst>
-          </p:cNvPr>
-          <p:cNvSpPr>
-            <a:spLocks noGrp="1"/>
-          </p:cNvSpPr>
-          <p:nvPr>
-            <p:ph idx="1"/>
-          </p:nvPr>
-        </p:nvSpPr>
-        <p:spPr/>
-        <p:txBody>
-          <a:bodyPr>
-            <a:normAutofit/>
-          </a:bodyPr>
-          <a:lstStyle/>
-          <a:p>
-            <a:r>
-              <a:rPr lang="en-US" sz="4800" dirty="0"/>
-              <a:t>How to setup a full basic express website with multiple pages, a template and a working contact form.</a:t>
-            </a:r>
-          </a:p>
-        </p:txBody>
-      </p:sp>
-    </p:spTree>
-    <p:extLst>
-      <p:ext uri="{BB962C8B-B14F-4D97-AF65-F5344CB8AC3E}">
-        <p14:creationId xmlns:p14="http://schemas.microsoft.com/office/powerpoint/2010/main" val="548838419"/>
+        <p14:creationId xmlns:p14="http://schemas.microsoft.com/office/powerpoint/2010/main" val="4115476561"/>
       </p:ext>
     </p:extLst>
   </p:cSld>
@@ -27372,61 +27444,6 @@
     <p:extLst>
       <p:ext uri="{BB962C8B-B14F-4D97-AF65-F5344CB8AC3E}">
         <p14:creationId xmlns:p14="http://schemas.microsoft.com/office/powerpoint/2010/main" val="2597810804"/>
-      </p:ext>
-    </p:extLst>
-  </p:cSld>
-  <p:clrMapOvr>
-    <a:masterClrMapping/>
-  </p:clrMapOvr>
-</p:sld>
-</file>
-
-<file path=ppt/slides/slide60.xml><?xml version="1.0" encoding="utf-8"?>
-<p:sld xmlns:a="http://schemas.openxmlformats.org/drawingml/2006/main" xmlns:r="http://schemas.openxmlformats.org/officeDocument/2006/relationships" xmlns:p="http://schemas.openxmlformats.org/presentationml/2006/main">
-  <p:cSld>
-    <p:spTree>
-      <p:nvGrpSpPr>
-        <p:cNvPr id="1" name=""/>
-        <p:cNvGrpSpPr/>
-        <p:nvPr/>
-      </p:nvGrpSpPr>
-      <p:grpSpPr>
-        <a:xfrm>
-          <a:off x="0" y="0"/>
-          <a:ext cx="0" cy="0"/>
-          <a:chOff x="0" y="0"/>
-          <a:chExt cx="0" cy="0"/>
-        </a:xfrm>
-      </p:grpSpPr>
-      <p:sp>
-        <p:nvSpPr>
-          <p:cNvPr id="2" name="Title 1">
-            <a:extLst>
-              <a:ext uri="{FF2B5EF4-FFF2-40B4-BE49-F238E27FC236}">
-                <a16:creationId xmlns:a16="http://schemas.microsoft.com/office/drawing/2014/main" id="{668268B5-9C34-987E-112B-8AC759E0DC65}"/>
-              </a:ext>
-            </a:extLst>
-          </p:cNvPr>
-          <p:cNvSpPr>
-            <a:spLocks noGrp="1"/>
-          </p:cNvSpPr>
-          <p:nvPr>
-            <p:ph type="title"/>
-          </p:nvPr>
-        </p:nvSpPr>
-        <p:spPr/>
-        <p:txBody>
-          <a:bodyPr/>
-          <a:lstStyle/>
-          <a:p>
-            <a:endParaRPr lang="en-US" dirty="0"/>
-          </a:p>
-        </p:txBody>
-      </p:sp>
-    </p:spTree>
-    <p:extLst>
-      <p:ext uri="{BB962C8B-B14F-4D97-AF65-F5344CB8AC3E}">
-        <p14:creationId xmlns:p14="http://schemas.microsoft.com/office/powerpoint/2010/main" val="9363159"/>
       </p:ext>
     </p:extLst>
   </p:cSld>
